--- a/00_timeseries_ewhite/touch_ups.pptx
+++ b/00_timeseries_ewhite/touch_ups.pptx
@@ -6,7 +6,7 @@
   </p:sldMasterIdLst>
   <p:sldIdLst>
     <p:sldId id="256" r:id="rId2"/>
-    <p:sldId id="257" r:id="rId3"/>
+    <p:sldId id="259" r:id="rId3"/>
   </p:sldIdLst>
   <p:sldSz cx="12192000" cy="6858000"/>
   <p:notesSz cx="6858000" cy="9144000"/>
@@ -116,7 +116,7 @@
 <file path=ppt/revisionInfo.xml><?xml version="1.0" encoding="utf-8"?>
 <p1510:revInfo xmlns:a="http://schemas.openxmlformats.org/drawingml/2006/main" xmlns:r="http://schemas.openxmlformats.org/officeDocument/2006/relationships" xmlns:p1510="http://schemas.microsoft.com/office/powerpoint/2015/10/main">
   <p1510:revLst>
-    <p1510:client id="{C84A408E-A860-4545-93D6-2FF3BB9EA02D}" v="4" dt="2023-04-05T21:11:28.347"/>
+    <p1510:client id="{C84A408E-A860-4545-93D6-2FF3BB9EA02D}" v="106" dt="2023-04-08T22:49:43.398"/>
   </p1510:revLst>
 </p1510:revInfo>
 </file>
@@ -581,19 +581,27 @@
   </pc:docChgLst>
   <pc:docChgLst>
     <pc:chgData name="White, Ellie" userId="fec56361-5c8a-4790-9e84-6272d2f2258e" providerId="ADAL" clId="{C84A408E-A860-4545-93D6-2FF3BB9EA02D}"/>
-    <pc:docChg chg="undo custSel modSld">
-      <pc:chgData name="White, Ellie" userId="fec56361-5c8a-4790-9e84-6272d2f2258e" providerId="ADAL" clId="{C84A408E-A860-4545-93D6-2FF3BB9EA02D}" dt="2023-04-05T21:11:28.346" v="482" actId="164"/>
+    <pc:docChg chg="undo custSel addSld delSld modSld">
+      <pc:chgData name="White, Ellie" userId="fec56361-5c8a-4790-9e84-6272d2f2258e" providerId="ADAL" clId="{C84A408E-A860-4545-93D6-2FF3BB9EA02D}" dt="2023-04-08T22:49:43.398" v="4871" actId="164"/>
       <pc:docMkLst>
         <pc:docMk/>
       </pc:docMkLst>
-      <pc:sldChg chg="addSp delSp modSp mod">
-        <pc:chgData name="White, Ellie" userId="fec56361-5c8a-4790-9e84-6272d2f2258e" providerId="ADAL" clId="{C84A408E-A860-4545-93D6-2FF3BB9EA02D}" dt="2023-04-05T21:11:28.346" v="482" actId="164"/>
+      <pc:sldChg chg="addSp delSp modSp del mod">
+        <pc:chgData name="White, Ellie" userId="fec56361-5c8a-4790-9e84-6272d2f2258e" providerId="ADAL" clId="{C84A408E-A860-4545-93D6-2FF3BB9EA02D}" dt="2023-04-08T00:58:02.103" v="1293" actId="47"/>
         <pc:sldMkLst>
           <pc:docMk/>
           <pc:sldMk cId="1781328126" sldId="257"/>
         </pc:sldMkLst>
+        <pc:spChg chg="add del mod">
+          <ac:chgData name="White, Ellie" userId="fec56361-5c8a-4790-9e84-6272d2f2258e" providerId="ADAL" clId="{C84A408E-A860-4545-93D6-2FF3BB9EA02D}" dt="2023-04-07T23:45:56.858" v="520"/>
+          <ac:spMkLst>
+            <pc:docMk/>
+            <pc:sldMk cId="1781328126" sldId="257"/>
+            <ac:spMk id="10" creationId="{89076A2B-3227-A53C-DCF5-C90EDFEB3DA1}"/>
+          </ac:spMkLst>
+        </pc:spChg>
         <pc:spChg chg="mod">
-          <ac:chgData name="White, Ellie" userId="fec56361-5c8a-4790-9e84-6272d2f2258e" providerId="ADAL" clId="{C84A408E-A860-4545-93D6-2FF3BB9EA02D}" dt="2023-04-05T21:03:54.289" v="357" actId="1076"/>
+          <ac:chgData name="White, Ellie" userId="fec56361-5c8a-4790-9e84-6272d2f2258e" providerId="ADAL" clId="{C84A408E-A860-4545-93D6-2FF3BB9EA02D}" dt="2023-04-07T23:42:49.889" v="516" actId="165"/>
           <ac:spMkLst>
             <pc:docMk/>
             <pc:sldMk cId="1781328126" sldId="257"/>
@@ -601,7 +609,7 @@
           </ac:spMkLst>
         </pc:spChg>
         <pc:spChg chg="mod">
-          <ac:chgData name="White, Ellie" userId="fec56361-5c8a-4790-9e84-6272d2f2258e" providerId="ADAL" clId="{C84A408E-A860-4545-93D6-2FF3BB9EA02D}" dt="2023-04-05T21:03:49.522" v="356" actId="1076"/>
+          <ac:chgData name="White, Ellie" userId="fec56361-5c8a-4790-9e84-6272d2f2258e" providerId="ADAL" clId="{C84A408E-A860-4545-93D6-2FF3BB9EA02D}" dt="2023-04-07T23:42:49.889" v="516" actId="165"/>
           <ac:spMkLst>
             <pc:docMk/>
             <pc:sldMk cId="1781328126" sldId="257"/>
@@ -609,7 +617,7 @@
           </ac:spMkLst>
         </pc:spChg>
         <pc:spChg chg="mod">
-          <ac:chgData name="White, Ellie" userId="fec56361-5c8a-4790-9e84-6272d2f2258e" providerId="ADAL" clId="{C84A408E-A860-4545-93D6-2FF3BB9EA02D}" dt="2023-04-05T21:03:28.857" v="351" actId="1076"/>
+          <ac:chgData name="White, Ellie" userId="fec56361-5c8a-4790-9e84-6272d2f2258e" providerId="ADAL" clId="{C84A408E-A860-4545-93D6-2FF3BB9EA02D}" dt="2023-04-07T23:42:49.889" v="516" actId="165"/>
           <ac:spMkLst>
             <pc:docMk/>
             <pc:sldMk cId="1781328126" sldId="257"/>
@@ -617,7 +625,7 @@
           </ac:spMkLst>
         </pc:spChg>
         <pc:spChg chg="mod">
-          <ac:chgData name="White, Ellie" userId="fec56361-5c8a-4790-9e84-6272d2f2258e" providerId="ADAL" clId="{C84A408E-A860-4545-93D6-2FF3BB9EA02D}" dt="2023-04-05T21:03:44.962" v="355" actId="1076"/>
+          <ac:chgData name="White, Ellie" userId="fec56361-5c8a-4790-9e84-6272d2f2258e" providerId="ADAL" clId="{C84A408E-A860-4545-93D6-2FF3BB9EA02D}" dt="2023-04-07T23:42:49.889" v="516" actId="165"/>
           <ac:spMkLst>
             <pc:docMk/>
             <pc:sldMk cId="1781328126" sldId="257"/>
@@ -625,7 +633,7 @@
           </ac:spMkLst>
         </pc:spChg>
         <pc:spChg chg="mod">
-          <ac:chgData name="White, Ellie" userId="fec56361-5c8a-4790-9e84-6272d2f2258e" providerId="ADAL" clId="{C84A408E-A860-4545-93D6-2FF3BB9EA02D}" dt="2023-04-05T21:02:27.337" v="287" actId="1036"/>
+          <ac:chgData name="White, Ellie" userId="fec56361-5c8a-4790-9e84-6272d2f2258e" providerId="ADAL" clId="{C84A408E-A860-4545-93D6-2FF3BB9EA02D}" dt="2023-04-07T23:42:49.889" v="516" actId="165"/>
           <ac:spMkLst>
             <pc:docMk/>
             <pc:sldMk cId="1781328126" sldId="257"/>
@@ -633,7 +641,7 @@
           </ac:spMkLst>
         </pc:spChg>
         <pc:spChg chg="mod">
-          <ac:chgData name="White, Ellie" userId="fec56361-5c8a-4790-9e84-6272d2f2258e" providerId="ADAL" clId="{C84A408E-A860-4545-93D6-2FF3BB9EA02D}" dt="2023-04-05T21:02:54.371" v="292" actId="1076"/>
+          <ac:chgData name="White, Ellie" userId="fec56361-5c8a-4790-9e84-6272d2f2258e" providerId="ADAL" clId="{C84A408E-A860-4545-93D6-2FF3BB9EA02D}" dt="2023-04-07T23:42:49.889" v="516" actId="165"/>
           <ac:spMkLst>
             <pc:docMk/>
             <pc:sldMk cId="1781328126" sldId="257"/>
@@ -641,15 +649,39 @@
           </ac:spMkLst>
         </pc:spChg>
         <pc:spChg chg="mod">
-          <ac:chgData name="White, Ellie" userId="fec56361-5c8a-4790-9e84-6272d2f2258e" providerId="ADAL" clId="{C84A408E-A860-4545-93D6-2FF3BB9EA02D}" dt="2023-04-05T21:02:45.673" v="290" actId="1076"/>
+          <ac:chgData name="White, Ellie" userId="fec56361-5c8a-4790-9e84-6272d2f2258e" providerId="ADAL" clId="{C84A408E-A860-4545-93D6-2FF3BB9EA02D}" dt="2023-04-07T23:42:49.889" v="516" actId="165"/>
           <ac:spMkLst>
             <pc:docMk/>
             <pc:sldMk cId="1781328126" sldId="257"/>
             <ac:spMk id="20" creationId="{955A7CE5-80B7-11A5-3983-7037E6E3B1B5}"/>
           </ac:spMkLst>
         </pc:spChg>
+        <pc:spChg chg="add mod">
+          <ac:chgData name="White, Ellie" userId="fec56361-5c8a-4790-9e84-6272d2f2258e" providerId="ADAL" clId="{C84A408E-A860-4545-93D6-2FF3BB9EA02D}" dt="2023-04-07T23:49:51.935" v="554" actId="164"/>
+          <ac:spMkLst>
+            <pc:docMk/>
+            <pc:sldMk cId="1781328126" sldId="257"/>
+            <ac:spMk id="22" creationId="{2A88EBE2-99BA-C1D4-A149-0E1783B593BE}"/>
+          </ac:spMkLst>
+        </pc:spChg>
+        <pc:spChg chg="add mod">
+          <ac:chgData name="White, Ellie" userId="fec56361-5c8a-4790-9e84-6272d2f2258e" providerId="ADAL" clId="{C84A408E-A860-4545-93D6-2FF3BB9EA02D}" dt="2023-04-07T23:49:51.935" v="554" actId="164"/>
+          <ac:spMkLst>
+            <pc:docMk/>
+            <pc:sldMk cId="1781328126" sldId="257"/>
+            <ac:spMk id="23" creationId="{A220EBAC-E495-B7F3-F042-D2409E064FA2}"/>
+          </ac:spMkLst>
+        </pc:spChg>
+        <pc:spChg chg="add mod">
+          <ac:chgData name="White, Ellie" userId="fec56361-5c8a-4790-9e84-6272d2f2258e" providerId="ADAL" clId="{C84A408E-A860-4545-93D6-2FF3BB9EA02D}" dt="2023-04-07T23:49:51.935" v="554" actId="164"/>
+          <ac:spMkLst>
+            <pc:docMk/>
+            <pc:sldMk cId="1781328126" sldId="257"/>
+            <ac:spMk id="24" creationId="{2FFEA1FF-8F5A-57FB-1329-EE3230CCA5E4}"/>
+          </ac:spMkLst>
+        </pc:spChg>
         <pc:spChg chg="mod">
-          <ac:chgData name="White, Ellie" userId="fec56361-5c8a-4790-9e84-6272d2f2258e" providerId="ADAL" clId="{C84A408E-A860-4545-93D6-2FF3BB9EA02D}" dt="2023-04-05T20:59:38.444" v="14" actId="165"/>
+          <ac:chgData name="White, Ellie" userId="fec56361-5c8a-4790-9e84-6272d2f2258e" providerId="ADAL" clId="{C84A408E-A860-4545-93D6-2FF3BB9EA02D}" dt="2023-04-07T23:42:49.889" v="516" actId="165"/>
           <ac:spMkLst>
             <pc:docMk/>
             <pc:sldMk cId="1781328126" sldId="257"/>
@@ -657,23 +689,87 @@
           </ac:spMkLst>
         </pc:spChg>
         <pc:spChg chg="mod ord">
-          <ac:chgData name="White, Ellie" userId="fec56361-5c8a-4790-9e84-6272d2f2258e" providerId="ADAL" clId="{C84A408E-A860-4545-93D6-2FF3BB9EA02D}" dt="2023-04-05T21:02:32.643" v="288" actId="166"/>
+          <ac:chgData name="White, Ellie" userId="fec56361-5c8a-4790-9e84-6272d2f2258e" providerId="ADAL" clId="{C84A408E-A860-4545-93D6-2FF3BB9EA02D}" dt="2023-04-07T23:42:49.889" v="516" actId="165"/>
           <ac:spMkLst>
             <pc:docMk/>
             <pc:sldMk cId="1781328126" sldId="257"/>
             <ac:spMk id="26" creationId="{81EAB21C-A47C-BDD9-8A0D-14D3C96E0177}"/>
           </ac:spMkLst>
         </pc:spChg>
+        <pc:spChg chg="add mod">
+          <ac:chgData name="White, Ellie" userId="fec56361-5c8a-4790-9e84-6272d2f2258e" providerId="ADAL" clId="{C84A408E-A860-4545-93D6-2FF3BB9EA02D}" dt="2023-04-07T23:49:51.935" v="554" actId="164"/>
+          <ac:spMkLst>
+            <pc:docMk/>
+            <pc:sldMk cId="1781328126" sldId="257"/>
+            <ac:spMk id="27" creationId="{318E75BA-1867-1FA9-0081-F8F8EB3C572A}"/>
+          </ac:spMkLst>
+        </pc:spChg>
+        <pc:spChg chg="add mod">
+          <ac:chgData name="White, Ellie" userId="fec56361-5c8a-4790-9e84-6272d2f2258e" providerId="ADAL" clId="{C84A408E-A860-4545-93D6-2FF3BB9EA02D}" dt="2023-04-07T23:49:51.935" v="554" actId="164"/>
+          <ac:spMkLst>
+            <pc:docMk/>
+            <pc:sldMk cId="1781328126" sldId="257"/>
+            <ac:spMk id="28" creationId="{55699BC5-317E-07BA-30C7-0915E5144722}"/>
+          </ac:spMkLst>
+        </pc:spChg>
+        <pc:spChg chg="add mod">
+          <ac:chgData name="White, Ellie" userId="fec56361-5c8a-4790-9e84-6272d2f2258e" providerId="ADAL" clId="{C84A408E-A860-4545-93D6-2FF3BB9EA02D}" dt="2023-04-07T23:49:51.935" v="554" actId="164"/>
+          <ac:spMkLst>
+            <pc:docMk/>
+            <pc:sldMk cId="1781328126" sldId="257"/>
+            <ac:spMk id="29" creationId="{9F35B3C2-69BA-F26E-1A83-44F0E5AE4DD1}"/>
+          </ac:spMkLst>
+        </pc:spChg>
+        <pc:spChg chg="add mod">
+          <ac:chgData name="White, Ellie" userId="fec56361-5c8a-4790-9e84-6272d2f2258e" providerId="ADAL" clId="{C84A408E-A860-4545-93D6-2FF3BB9EA02D}" dt="2023-04-07T23:49:51.935" v="554" actId="164"/>
+          <ac:spMkLst>
+            <pc:docMk/>
+            <pc:sldMk cId="1781328126" sldId="257"/>
+            <ac:spMk id="30" creationId="{52FED1B8-24A1-12B4-7DC3-1595C2923EF6}"/>
+          </ac:spMkLst>
+        </pc:spChg>
         <pc:spChg chg="mod">
-          <ac:chgData name="White, Ellie" userId="fec56361-5c8a-4790-9e84-6272d2f2258e" providerId="ADAL" clId="{C84A408E-A860-4545-93D6-2FF3BB9EA02D}" dt="2023-04-05T21:07:42.615" v="402" actId="1076"/>
+          <ac:chgData name="White, Ellie" userId="fec56361-5c8a-4790-9e84-6272d2f2258e" providerId="ADAL" clId="{C84A408E-A860-4545-93D6-2FF3BB9EA02D}" dt="2023-04-07T23:42:49.889" v="516" actId="165"/>
           <ac:spMkLst>
             <pc:docMk/>
             <pc:sldMk cId="1781328126" sldId="257"/>
             <ac:spMk id="31" creationId="{BB1F478B-475A-961E-9463-971167FCC0DD}"/>
           </ac:spMkLst>
         </pc:spChg>
+        <pc:spChg chg="add mod">
+          <ac:chgData name="White, Ellie" userId="fec56361-5c8a-4790-9e84-6272d2f2258e" providerId="ADAL" clId="{C84A408E-A860-4545-93D6-2FF3BB9EA02D}" dt="2023-04-07T23:49:51.935" v="554" actId="164"/>
+          <ac:spMkLst>
+            <pc:docMk/>
+            <pc:sldMk cId="1781328126" sldId="257"/>
+            <ac:spMk id="32" creationId="{2E8B8AE1-2ED1-A064-0F0C-35811B7A3A73}"/>
+          </ac:spMkLst>
+        </pc:spChg>
+        <pc:spChg chg="add mod">
+          <ac:chgData name="White, Ellie" userId="fec56361-5c8a-4790-9e84-6272d2f2258e" providerId="ADAL" clId="{C84A408E-A860-4545-93D6-2FF3BB9EA02D}" dt="2023-04-07T23:49:51.935" v="554" actId="164"/>
+          <ac:spMkLst>
+            <pc:docMk/>
+            <pc:sldMk cId="1781328126" sldId="257"/>
+            <ac:spMk id="33" creationId="{7BB02346-7437-0B15-909C-C64E28367438}"/>
+          </ac:spMkLst>
+        </pc:spChg>
+        <pc:spChg chg="add mod">
+          <ac:chgData name="White, Ellie" userId="fec56361-5c8a-4790-9e84-6272d2f2258e" providerId="ADAL" clId="{C84A408E-A860-4545-93D6-2FF3BB9EA02D}" dt="2023-04-07T23:49:51.935" v="554" actId="164"/>
+          <ac:spMkLst>
+            <pc:docMk/>
+            <pc:sldMk cId="1781328126" sldId="257"/>
+            <ac:spMk id="34" creationId="{BAC09385-76B2-A5E3-587A-5B1B7B5A401B}"/>
+          </ac:spMkLst>
+        </pc:spChg>
+        <pc:spChg chg="add del">
+          <ac:chgData name="White, Ellie" userId="fec56361-5c8a-4790-9e84-6272d2f2258e" providerId="ADAL" clId="{C84A408E-A860-4545-93D6-2FF3BB9EA02D}" dt="2023-04-07T23:50:48.126" v="556" actId="478"/>
+          <ac:spMkLst>
+            <pc:docMk/>
+            <pc:sldMk cId="1781328126" sldId="257"/>
+            <ac:spMk id="36" creationId="{2CD6D7BA-32AA-839C-850C-34EFA0403E63}"/>
+          </ac:spMkLst>
+        </pc:spChg>
         <pc:spChg chg="mod">
-          <ac:chgData name="White, Ellie" userId="fec56361-5c8a-4790-9e84-6272d2f2258e" providerId="ADAL" clId="{C84A408E-A860-4545-93D6-2FF3BB9EA02D}" dt="2023-04-05T21:07:28.691" v="400" actId="122"/>
+          <ac:chgData name="White, Ellie" userId="fec56361-5c8a-4790-9e84-6272d2f2258e" providerId="ADAL" clId="{C84A408E-A860-4545-93D6-2FF3BB9EA02D}" dt="2023-04-07T23:42:49.889" v="516" actId="165"/>
           <ac:spMkLst>
             <pc:docMk/>
             <pc:sldMk cId="1781328126" sldId="257"/>
@@ -681,7 +777,7 @@
           </ac:spMkLst>
         </pc:spChg>
         <pc:spChg chg="mod">
-          <ac:chgData name="White, Ellie" userId="fec56361-5c8a-4790-9e84-6272d2f2258e" providerId="ADAL" clId="{C84A408E-A860-4545-93D6-2FF3BB9EA02D}" dt="2023-04-05T21:08:00.600" v="405" actId="688"/>
+          <ac:chgData name="White, Ellie" userId="fec56361-5c8a-4790-9e84-6272d2f2258e" providerId="ADAL" clId="{C84A408E-A860-4545-93D6-2FF3BB9EA02D}" dt="2023-04-07T23:42:49.889" v="516" actId="165"/>
           <ac:spMkLst>
             <pc:docMk/>
             <pc:sldMk cId="1781328126" sldId="257"/>
@@ -689,7 +785,7 @@
           </ac:spMkLst>
         </pc:spChg>
         <pc:spChg chg="mod">
-          <ac:chgData name="White, Ellie" userId="fec56361-5c8a-4790-9e84-6272d2f2258e" providerId="ADAL" clId="{C84A408E-A860-4545-93D6-2FF3BB9EA02D}" dt="2023-04-05T21:07:47.603" v="403" actId="1076"/>
+          <ac:chgData name="White, Ellie" userId="fec56361-5c8a-4790-9e84-6272d2f2258e" providerId="ADAL" clId="{C84A408E-A860-4545-93D6-2FF3BB9EA02D}" dt="2023-04-07T23:42:49.889" v="516" actId="165"/>
           <ac:spMkLst>
             <pc:docMk/>
             <pc:sldMk cId="1781328126" sldId="257"/>
@@ -697,7 +793,7 @@
           </ac:spMkLst>
         </pc:spChg>
         <pc:spChg chg="mod">
-          <ac:chgData name="White, Ellie" userId="fec56361-5c8a-4790-9e84-6272d2f2258e" providerId="ADAL" clId="{C84A408E-A860-4545-93D6-2FF3BB9EA02D}" dt="2023-04-05T21:10:26.781" v="476" actId="1036"/>
+          <ac:chgData name="White, Ellie" userId="fec56361-5c8a-4790-9e84-6272d2f2258e" providerId="ADAL" clId="{C84A408E-A860-4545-93D6-2FF3BB9EA02D}" dt="2023-04-07T23:42:49.889" v="516" actId="165"/>
           <ac:spMkLst>
             <pc:docMk/>
             <pc:sldMk cId="1781328126" sldId="257"/>
@@ -705,7 +801,7 @@
           </ac:spMkLst>
         </pc:spChg>
         <pc:spChg chg="mod">
-          <ac:chgData name="White, Ellie" userId="fec56361-5c8a-4790-9e84-6272d2f2258e" providerId="ADAL" clId="{C84A408E-A860-4545-93D6-2FF3BB9EA02D}" dt="2023-04-05T21:09:54.964" v="458" actId="1037"/>
+          <ac:chgData name="White, Ellie" userId="fec56361-5c8a-4790-9e84-6272d2f2258e" providerId="ADAL" clId="{C84A408E-A860-4545-93D6-2FF3BB9EA02D}" dt="2023-04-07T23:42:49.889" v="516" actId="165"/>
           <ac:spMkLst>
             <pc:docMk/>
             <pc:sldMk cId="1781328126" sldId="257"/>
@@ -713,7 +809,7 @@
           </ac:spMkLst>
         </pc:spChg>
         <pc:spChg chg="mod">
-          <ac:chgData name="White, Ellie" userId="fec56361-5c8a-4790-9e84-6272d2f2258e" providerId="ADAL" clId="{C84A408E-A860-4545-93D6-2FF3BB9EA02D}" dt="2023-04-05T21:10:07.609" v="461" actId="688"/>
+          <ac:chgData name="White, Ellie" userId="fec56361-5c8a-4790-9e84-6272d2f2258e" providerId="ADAL" clId="{C84A408E-A860-4545-93D6-2FF3BB9EA02D}" dt="2023-04-07T23:42:49.889" v="516" actId="165"/>
           <ac:spMkLst>
             <pc:docMk/>
             <pc:sldMk cId="1781328126" sldId="257"/>
@@ -721,7 +817,7 @@
           </ac:spMkLst>
         </pc:spChg>
         <pc:spChg chg="mod">
-          <ac:chgData name="White, Ellie" userId="fec56361-5c8a-4790-9e84-6272d2f2258e" providerId="ADAL" clId="{C84A408E-A860-4545-93D6-2FF3BB9EA02D}" dt="2023-04-05T21:10:16.959" v="466" actId="1035"/>
+          <ac:chgData name="White, Ellie" userId="fec56361-5c8a-4790-9e84-6272d2f2258e" providerId="ADAL" clId="{C84A408E-A860-4545-93D6-2FF3BB9EA02D}" dt="2023-04-07T23:42:49.889" v="516" actId="165"/>
           <ac:spMkLst>
             <pc:docMk/>
             <pc:sldMk cId="1781328126" sldId="257"/>
@@ -729,7 +825,7 @@
           </ac:spMkLst>
         </pc:spChg>
         <pc:spChg chg="mod">
-          <ac:chgData name="White, Ellie" userId="fec56361-5c8a-4790-9e84-6272d2f2258e" providerId="ADAL" clId="{C84A408E-A860-4545-93D6-2FF3BB9EA02D}" dt="2023-04-05T21:09:32.031" v="426" actId="1037"/>
+          <ac:chgData name="White, Ellie" userId="fec56361-5c8a-4790-9e84-6272d2f2258e" providerId="ADAL" clId="{C84A408E-A860-4545-93D6-2FF3BB9EA02D}" dt="2023-04-07T23:42:49.889" v="516" actId="165"/>
           <ac:spMkLst>
             <pc:docMk/>
             <pc:sldMk cId="1781328126" sldId="257"/>
@@ -737,7 +833,7 @@
           </ac:spMkLst>
         </pc:spChg>
         <pc:spChg chg="mod">
-          <ac:chgData name="White, Ellie" userId="fec56361-5c8a-4790-9e84-6272d2f2258e" providerId="ADAL" clId="{C84A408E-A860-4545-93D6-2FF3BB9EA02D}" dt="2023-04-05T21:09:43.771" v="428" actId="688"/>
+          <ac:chgData name="White, Ellie" userId="fec56361-5c8a-4790-9e84-6272d2f2258e" providerId="ADAL" clId="{C84A408E-A860-4545-93D6-2FF3BB9EA02D}" dt="2023-04-07T23:42:49.889" v="516" actId="165"/>
           <ac:spMkLst>
             <pc:docMk/>
             <pc:sldMk cId="1781328126" sldId="257"/>
@@ -745,7 +841,7 @@
           </ac:spMkLst>
         </pc:spChg>
         <pc:spChg chg="mod">
-          <ac:chgData name="White, Ellie" userId="fec56361-5c8a-4790-9e84-6272d2f2258e" providerId="ADAL" clId="{C84A408E-A860-4545-93D6-2FF3BB9EA02D}" dt="2023-04-05T21:09:22.966" v="424" actId="1037"/>
+          <ac:chgData name="White, Ellie" userId="fec56361-5c8a-4790-9e84-6272d2f2258e" providerId="ADAL" clId="{C84A408E-A860-4545-93D6-2FF3BB9EA02D}" dt="2023-04-07T23:42:49.889" v="516" actId="165"/>
           <ac:spMkLst>
             <pc:docMk/>
             <pc:sldMk cId="1781328126" sldId="257"/>
@@ -753,7 +849,7 @@
           </ac:spMkLst>
         </pc:spChg>
         <pc:spChg chg="mod">
-          <ac:chgData name="White, Ellie" userId="fec56361-5c8a-4790-9e84-6272d2f2258e" providerId="ADAL" clId="{C84A408E-A860-4545-93D6-2FF3BB9EA02D}" dt="2023-04-05T21:09:27.269" v="425" actId="1037"/>
+          <ac:chgData name="White, Ellie" userId="fec56361-5c8a-4790-9e84-6272d2f2258e" providerId="ADAL" clId="{C84A408E-A860-4545-93D6-2FF3BB9EA02D}" dt="2023-04-07T23:42:49.889" v="516" actId="165"/>
           <ac:spMkLst>
             <pc:docMk/>
             <pc:sldMk cId="1781328126" sldId="257"/>
@@ -761,7 +857,7 @@
           </ac:spMkLst>
         </pc:spChg>
         <pc:spChg chg="mod">
-          <ac:chgData name="White, Ellie" userId="fec56361-5c8a-4790-9e84-6272d2f2258e" providerId="ADAL" clId="{C84A408E-A860-4545-93D6-2FF3BB9EA02D}" dt="2023-04-05T21:06:12.388" v="394" actId="122"/>
+          <ac:chgData name="White, Ellie" userId="fec56361-5c8a-4790-9e84-6272d2f2258e" providerId="ADAL" clId="{C84A408E-A860-4545-93D6-2FF3BB9EA02D}" dt="2023-04-07T23:42:49.889" v="516" actId="165"/>
           <ac:spMkLst>
             <pc:docMk/>
             <pc:sldMk cId="1781328126" sldId="257"/>
@@ -769,7 +865,7 @@
           </ac:spMkLst>
         </pc:spChg>
         <pc:spChg chg="mod">
-          <ac:chgData name="White, Ellie" userId="fec56361-5c8a-4790-9e84-6272d2f2258e" providerId="ADAL" clId="{C84A408E-A860-4545-93D6-2FF3BB9EA02D}" dt="2023-04-05T21:07:12.828" v="397" actId="1076"/>
+          <ac:chgData name="White, Ellie" userId="fec56361-5c8a-4790-9e84-6272d2f2258e" providerId="ADAL" clId="{C84A408E-A860-4545-93D6-2FF3BB9EA02D}" dt="2023-04-07T23:42:49.889" v="516" actId="165"/>
           <ac:spMkLst>
             <pc:docMk/>
             <pc:sldMk cId="1781328126" sldId="257"/>
@@ -777,7 +873,7 @@
           </ac:spMkLst>
         </pc:spChg>
         <pc:spChg chg="mod">
-          <ac:chgData name="White, Ellie" userId="fec56361-5c8a-4790-9e84-6272d2f2258e" providerId="ADAL" clId="{C84A408E-A860-4545-93D6-2FF3BB9EA02D}" dt="2023-04-05T21:06:05.395" v="393" actId="122"/>
+          <ac:chgData name="White, Ellie" userId="fec56361-5c8a-4790-9e84-6272d2f2258e" providerId="ADAL" clId="{C84A408E-A860-4545-93D6-2FF3BB9EA02D}" dt="2023-04-07T23:42:49.889" v="516" actId="165"/>
           <ac:spMkLst>
             <pc:docMk/>
             <pc:sldMk cId="1781328126" sldId="257"/>
@@ -785,7 +881,7 @@
           </ac:spMkLst>
         </pc:spChg>
         <pc:spChg chg="mod">
-          <ac:chgData name="White, Ellie" userId="fec56361-5c8a-4790-9e84-6272d2f2258e" providerId="ADAL" clId="{C84A408E-A860-4545-93D6-2FF3BB9EA02D}" dt="2023-04-05T21:05:57" v="389" actId="122"/>
+          <ac:chgData name="White, Ellie" userId="fec56361-5c8a-4790-9e84-6272d2f2258e" providerId="ADAL" clId="{C84A408E-A860-4545-93D6-2FF3BB9EA02D}" dt="2023-04-07T23:42:49.889" v="516" actId="165"/>
           <ac:spMkLst>
             <pc:docMk/>
             <pc:sldMk cId="1781328126" sldId="257"/>
@@ -793,7 +889,7 @@
           </ac:spMkLst>
         </pc:spChg>
         <pc:spChg chg="mod">
-          <ac:chgData name="White, Ellie" userId="fec56361-5c8a-4790-9e84-6272d2f2258e" providerId="ADAL" clId="{C84A408E-A860-4545-93D6-2FF3BB9EA02D}" dt="2023-04-05T20:59:38.444" v="14" actId="165"/>
+          <ac:chgData name="White, Ellie" userId="fec56361-5c8a-4790-9e84-6272d2f2258e" providerId="ADAL" clId="{C84A408E-A860-4545-93D6-2FF3BB9EA02D}" dt="2023-04-07T23:42:49.889" v="516" actId="165"/>
           <ac:spMkLst>
             <pc:docMk/>
             <pc:sldMk cId="1781328126" sldId="257"/>
@@ -801,7 +897,7 @@
           </ac:spMkLst>
         </pc:spChg>
         <pc:spChg chg="mod">
-          <ac:chgData name="White, Ellie" userId="fec56361-5c8a-4790-9e84-6272d2f2258e" providerId="ADAL" clId="{C84A408E-A860-4545-93D6-2FF3BB9EA02D}" dt="2023-04-05T20:59:38.444" v="14" actId="165"/>
+          <ac:chgData name="White, Ellie" userId="fec56361-5c8a-4790-9e84-6272d2f2258e" providerId="ADAL" clId="{C84A408E-A860-4545-93D6-2FF3BB9EA02D}" dt="2023-04-07T23:42:49.889" v="516" actId="165"/>
           <ac:spMkLst>
             <pc:docMk/>
             <pc:sldMk cId="1781328126" sldId="257"/>
@@ -809,7 +905,7 @@
           </ac:spMkLst>
         </pc:spChg>
         <pc:spChg chg="mod">
-          <ac:chgData name="White, Ellie" userId="fec56361-5c8a-4790-9e84-6272d2f2258e" providerId="ADAL" clId="{C84A408E-A860-4545-93D6-2FF3BB9EA02D}" dt="2023-04-05T20:59:38.444" v="14" actId="165"/>
+          <ac:chgData name="White, Ellie" userId="fec56361-5c8a-4790-9e84-6272d2f2258e" providerId="ADAL" clId="{C84A408E-A860-4545-93D6-2FF3BB9EA02D}" dt="2023-04-07T23:42:49.889" v="516" actId="165"/>
           <ac:spMkLst>
             <pc:docMk/>
             <pc:sldMk cId="1781328126" sldId="257"/>
@@ -817,7 +913,7 @@
           </ac:spMkLst>
         </pc:spChg>
         <pc:spChg chg="mod">
-          <ac:chgData name="White, Ellie" userId="fec56361-5c8a-4790-9e84-6272d2f2258e" providerId="ADAL" clId="{C84A408E-A860-4545-93D6-2FF3BB9EA02D}" dt="2023-04-05T21:11:06.675" v="480" actId="20577"/>
+          <ac:chgData name="White, Ellie" userId="fec56361-5c8a-4790-9e84-6272d2f2258e" providerId="ADAL" clId="{C84A408E-A860-4545-93D6-2FF3BB9EA02D}" dt="2023-04-07T23:42:49.889" v="516" actId="165"/>
           <ac:spMkLst>
             <pc:docMk/>
             <pc:sldMk cId="1781328126" sldId="257"/>
@@ -825,7 +921,7 @@
           </ac:spMkLst>
         </pc:spChg>
         <pc:spChg chg="mod">
-          <ac:chgData name="White, Ellie" userId="fec56361-5c8a-4790-9e84-6272d2f2258e" providerId="ADAL" clId="{C84A408E-A860-4545-93D6-2FF3BB9EA02D}" dt="2023-04-05T20:59:38.444" v="14" actId="165"/>
+          <ac:chgData name="White, Ellie" userId="fec56361-5c8a-4790-9e84-6272d2f2258e" providerId="ADAL" clId="{C84A408E-A860-4545-93D6-2FF3BB9EA02D}" dt="2023-04-07T23:42:49.889" v="516" actId="165"/>
           <ac:spMkLst>
             <pc:docMk/>
             <pc:sldMk cId="1781328126" sldId="257"/>
@@ -833,7 +929,7 @@
           </ac:spMkLst>
         </pc:spChg>
         <pc:spChg chg="mod">
-          <ac:chgData name="White, Ellie" userId="fec56361-5c8a-4790-9e84-6272d2f2258e" providerId="ADAL" clId="{C84A408E-A860-4545-93D6-2FF3BB9EA02D}" dt="2023-04-05T21:03:07.112" v="326" actId="1035"/>
+          <ac:chgData name="White, Ellie" userId="fec56361-5c8a-4790-9e84-6272d2f2258e" providerId="ADAL" clId="{C84A408E-A860-4545-93D6-2FF3BB9EA02D}" dt="2023-04-07T23:42:49.889" v="516" actId="165"/>
           <ac:spMkLst>
             <pc:docMk/>
             <pc:sldMk cId="1781328126" sldId="257"/>
@@ -841,31 +937,39 @@
           </ac:spMkLst>
         </pc:spChg>
         <pc:spChg chg="mod">
-          <ac:chgData name="White, Ellie" userId="fec56361-5c8a-4790-9e84-6272d2f2258e" providerId="ADAL" clId="{C84A408E-A860-4545-93D6-2FF3BB9EA02D}" dt="2023-04-05T21:03:14.108" v="349" actId="1037"/>
+          <ac:chgData name="White, Ellie" userId="fec56361-5c8a-4790-9e84-6272d2f2258e" providerId="ADAL" clId="{C84A408E-A860-4545-93D6-2FF3BB9EA02D}" dt="2023-04-07T23:42:49.889" v="516" actId="165"/>
           <ac:spMkLst>
             <pc:docMk/>
             <pc:sldMk cId="1781328126" sldId="257"/>
             <ac:spMk id="65" creationId="{1B068EB4-F4A9-3914-363D-98FF9C573403}"/>
           </ac:spMkLst>
         </pc:spChg>
-        <pc:spChg chg="mod ord topLvl">
-          <ac:chgData name="White, Ellie" userId="fec56361-5c8a-4790-9e84-6272d2f2258e" providerId="ADAL" clId="{C84A408E-A860-4545-93D6-2FF3BB9EA02D}" dt="2023-04-05T21:11:28.346" v="482" actId="164"/>
+        <pc:spChg chg="add del mod ord topLvl">
+          <ac:chgData name="White, Ellie" userId="fec56361-5c8a-4790-9e84-6272d2f2258e" providerId="ADAL" clId="{C84A408E-A860-4545-93D6-2FF3BB9EA02D}" dt="2023-04-07T23:49:36.634" v="550" actId="21"/>
           <ac:spMkLst>
             <pc:docMk/>
             <pc:sldMk cId="1781328126" sldId="257"/>
             <ac:spMk id="75" creationId="{956B681B-05A8-4B23-147C-6457E85273F1}"/>
           </ac:spMkLst>
         </pc:spChg>
-        <pc:grpChg chg="add mod">
-          <ac:chgData name="White, Ellie" userId="fec56361-5c8a-4790-9e84-6272d2f2258e" providerId="ADAL" clId="{C84A408E-A860-4545-93D6-2FF3BB9EA02D}" dt="2023-04-05T21:11:28.346" v="482" actId="164"/>
+        <pc:grpChg chg="add del mod">
+          <ac:chgData name="White, Ellie" userId="fec56361-5c8a-4790-9e84-6272d2f2258e" providerId="ADAL" clId="{C84A408E-A860-4545-93D6-2FF3BB9EA02D}" dt="2023-04-07T23:42:49.889" v="516" actId="165"/>
           <ac:grpSpMkLst>
             <pc:docMk/>
             <pc:sldMk cId="1781328126" sldId="257"/>
             <ac:grpSpMk id="18" creationId="{E6A28926-1C46-325F-4961-F37D1D58E582}"/>
           </ac:grpSpMkLst>
         </pc:grpChg>
+        <pc:grpChg chg="add mod">
+          <ac:chgData name="White, Ellie" userId="fec56361-5c8a-4790-9e84-6272d2f2258e" providerId="ADAL" clId="{C84A408E-A860-4545-93D6-2FF3BB9EA02D}" dt="2023-04-07T23:51:48.978" v="561" actId="1076"/>
+          <ac:grpSpMkLst>
+            <pc:docMk/>
+            <pc:sldMk cId="1781328126" sldId="257"/>
+            <ac:grpSpMk id="35" creationId="{3B011D50-52EE-C8EF-40E3-A1C9D61D50A3}"/>
+          </ac:grpSpMkLst>
+        </pc:grpChg>
         <pc:grpChg chg="mod">
-          <ac:chgData name="White, Ellie" userId="fec56361-5c8a-4790-9e84-6272d2f2258e" providerId="ADAL" clId="{C84A408E-A860-4545-93D6-2FF3BB9EA02D}" dt="2023-04-05T20:59:38.444" v="14" actId="165"/>
+          <ac:chgData name="White, Ellie" userId="fec56361-5c8a-4790-9e84-6272d2f2258e" providerId="ADAL" clId="{C84A408E-A860-4545-93D6-2FF3BB9EA02D}" dt="2023-04-07T23:42:49.889" v="516" actId="165"/>
           <ac:grpSpMkLst>
             <pc:docMk/>
             <pc:sldMk cId="1781328126" sldId="257"/>
@@ -873,7 +977,7 @@
           </ac:grpSpMkLst>
         </pc:grpChg>
         <pc:grpChg chg="mod topLvl">
-          <ac:chgData name="White, Ellie" userId="fec56361-5c8a-4790-9e84-6272d2f2258e" providerId="ADAL" clId="{C84A408E-A860-4545-93D6-2FF3BB9EA02D}" dt="2023-04-05T21:11:28.346" v="482" actId="164"/>
+          <ac:chgData name="White, Ellie" userId="fec56361-5c8a-4790-9e84-6272d2f2258e" providerId="ADAL" clId="{C84A408E-A860-4545-93D6-2FF3BB9EA02D}" dt="2023-04-07T23:49:46.912" v="553" actId="1076"/>
           <ac:grpSpMkLst>
             <pc:docMk/>
             <pc:sldMk cId="1781328126" sldId="257"/>
@@ -888,16 +992,16 @@
             <ac:grpSpMk id="76" creationId="{E42136F1-657F-9793-2327-804F60ED6E70}"/>
           </ac:grpSpMkLst>
         </pc:grpChg>
-        <pc:picChg chg="add mod">
-          <ac:chgData name="White, Ellie" userId="fec56361-5c8a-4790-9e84-6272d2f2258e" providerId="ADAL" clId="{C84A408E-A860-4545-93D6-2FF3BB9EA02D}" dt="2023-04-05T21:11:28.346" v="482" actId="164"/>
+        <pc:picChg chg="add mod topLvl">
+          <ac:chgData name="White, Ellie" userId="fec56361-5c8a-4790-9e84-6272d2f2258e" providerId="ADAL" clId="{C84A408E-A860-4545-93D6-2FF3BB9EA02D}" dt="2023-04-07T23:42:49.889" v="516" actId="165"/>
           <ac:picMkLst>
             <pc:docMk/>
             <pc:sldMk cId="1781328126" sldId="257"/>
             <ac:picMk id="3" creationId="{C081CB69-D92F-2257-0FE3-5EDA678BDDEF}"/>
           </ac:picMkLst>
         </pc:picChg>
-        <pc:picChg chg="add mod ord modCrop">
-          <ac:chgData name="White, Ellie" userId="fec56361-5c8a-4790-9e84-6272d2f2258e" providerId="ADAL" clId="{C84A408E-A860-4545-93D6-2FF3BB9EA02D}" dt="2023-04-05T21:11:28.346" v="482" actId="164"/>
+        <pc:picChg chg="add mod ord topLvl modCrop">
+          <ac:chgData name="White, Ellie" userId="fec56361-5c8a-4790-9e84-6272d2f2258e" providerId="ADAL" clId="{C84A408E-A860-4545-93D6-2FF3BB9EA02D}" dt="2023-04-07T23:42:49.889" v="516" actId="165"/>
           <ac:picMkLst>
             <pc:docMk/>
             <pc:sldMk cId="1781328126" sldId="257"/>
@@ -913,7 +1017,7 @@
           </ac:picMkLst>
         </pc:picChg>
         <pc:picChg chg="mod ord">
-          <ac:chgData name="White, Ellie" userId="fec56361-5c8a-4790-9e84-6272d2f2258e" providerId="ADAL" clId="{C84A408E-A860-4545-93D6-2FF3BB9EA02D}" dt="2023-04-05T21:08:14.083" v="406" actId="166"/>
+          <ac:chgData name="White, Ellie" userId="fec56361-5c8a-4790-9e84-6272d2f2258e" providerId="ADAL" clId="{C84A408E-A860-4545-93D6-2FF3BB9EA02D}" dt="2023-04-07T23:42:49.889" v="516" actId="165"/>
           <ac:picMkLst>
             <pc:docMk/>
             <pc:sldMk cId="1781328126" sldId="257"/>
@@ -921,15 +1025,31 @@
           </ac:picMkLst>
         </pc:picChg>
         <pc:picChg chg="mod">
-          <ac:chgData name="White, Ellie" userId="fec56361-5c8a-4790-9e84-6272d2f2258e" providerId="ADAL" clId="{C84A408E-A860-4545-93D6-2FF3BB9EA02D}" dt="2023-04-05T21:02:43.370" v="289" actId="1076"/>
+          <ac:chgData name="White, Ellie" userId="fec56361-5c8a-4790-9e84-6272d2f2258e" providerId="ADAL" clId="{C84A408E-A860-4545-93D6-2FF3BB9EA02D}" dt="2023-04-07T23:42:49.889" v="516" actId="165"/>
           <ac:picMkLst>
             <pc:docMk/>
             <pc:sldMk cId="1781328126" sldId="257"/>
             <ac:picMk id="11" creationId="{892B100A-AC95-EB6F-B08B-9ED14CBBE6B2}"/>
           </ac:picMkLst>
         </pc:picChg>
+        <pc:cxnChg chg="add del mod">
+          <ac:chgData name="White, Ellie" userId="fec56361-5c8a-4790-9e84-6272d2f2258e" providerId="ADAL" clId="{C84A408E-A860-4545-93D6-2FF3BB9EA02D}" dt="2023-04-07T23:42:01.800" v="513" actId="478"/>
+          <ac:cxnSpMkLst>
+            <pc:docMk/>
+            <pc:sldMk cId="1781328126" sldId="257"/>
+            <ac:cxnSpMk id="2" creationId="{79B7302A-AB8B-0569-B887-112023ADAF46}"/>
+          </ac:cxnSpMkLst>
+        </pc:cxnChg>
+        <pc:cxnChg chg="add del mod">
+          <ac:chgData name="White, Ellie" userId="fec56361-5c8a-4790-9e84-6272d2f2258e" providerId="ADAL" clId="{C84A408E-A860-4545-93D6-2FF3BB9EA02D}" dt="2023-04-07T23:45:56.857" v="518" actId="478"/>
+          <ac:cxnSpMkLst>
+            <pc:docMk/>
+            <pc:sldMk cId="1781328126" sldId="257"/>
+            <ac:cxnSpMk id="8" creationId="{36BBCDEE-C89B-7717-B792-AB8D8F4BEFF7}"/>
+          </ac:cxnSpMkLst>
+        </pc:cxnChg>
         <pc:cxnChg chg="mod">
-          <ac:chgData name="White, Ellie" userId="fec56361-5c8a-4790-9e84-6272d2f2258e" providerId="ADAL" clId="{C84A408E-A860-4545-93D6-2FF3BB9EA02D}" dt="2023-04-05T21:02:54.371" v="292" actId="1076"/>
+          <ac:chgData name="White, Ellie" userId="fec56361-5c8a-4790-9e84-6272d2f2258e" providerId="ADAL" clId="{C84A408E-A860-4545-93D6-2FF3BB9EA02D}" dt="2023-04-07T23:42:49.889" v="516" actId="165"/>
           <ac:cxnSpMkLst>
             <pc:docMk/>
             <pc:sldMk cId="1781328126" sldId="257"/>
@@ -937,13 +1057,1194 @@
           </ac:cxnSpMkLst>
         </pc:cxnChg>
         <pc:cxnChg chg="mod">
-          <ac:chgData name="White, Ellie" userId="fec56361-5c8a-4790-9e84-6272d2f2258e" providerId="ADAL" clId="{C84A408E-A860-4545-93D6-2FF3BB9EA02D}" dt="2023-04-05T21:02:45.673" v="290" actId="1076"/>
+          <ac:chgData name="White, Ellie" userId="fec56361-5c8a-4790-9e84-6272d2f2258e" providerId="ADAL" clId="{C84A408E-A860-4545-93D6-2FF3BB9EA02D}" dt="2023-04-07T23:42:49.889" v="516" actId="165"/>
           <ac:cxnSpMkLst>
             <pc:docMk/>
             <pc:sldMk cId="1781328126" sldId="257"/>
             <ac:cxnSpMk id="21" creationId="{96D9CBA5-E572-F270-29CE-61A91DCDA012}"/>
           </ac:cxnSpMkLst>
         </pc:cxnChg>
+        <pc:cxnChg chg="add del mod">
+          <ac:chgData name="White, Ellie" userId="fec56361-5c8a-4790-9e84-6272d2f2258e" providerId="ADAL" clId="{C84A408E-A860-4545-93D6-2FF3BB9EA02D}" dt="2023-04-07T23:51:09.046" v="560" actId="478"/>
+          <ac:cxnSpMkLst>
+            <pc:docMk/>
+            <pc:sldMk cId="1781328126" sldId="257"/>
+            <ac:cxnSpMk id="40" creationId="{EDBCE6AB-63C3-3E7F-97A7-B627B56D4CB5}"/>
+          </ac:cxnSpMkLst>
+        </pc:cxnChg>
+      </pc:sldChg>
+      <pc:sldChg chg="addSp delSp modSp new del mod">
+        <pc:chgData name="White, Ellie" userId="fec56361-5c8a-4790-9e84-6272d2f2258e" providerId="ADAL" clId="{C84A408E-A860-4545-93D6-2FF3BB9EA02D}" dt="2023-04-08T00:57:45.885" v="1292" actId="47"/>
+        <pc:sldMkLst>
+          <pc:docMk/>
+          <pc:sldMk cId="1614214626" sldId="258"/>
+        </pc:sldMkLst>
+        <pc:spChg chg="del">
+          <ac:chgData name="White, Ellie" userId="fec56361-5c8a-4790-9e84-6272d2f2258e" providerId="ADAL" clId="{C84A408E-A860-4545-93D6-2FF3BB9EA02D}" dt="2023-04-07T23:49:32.977" v="549" actId="478"/>
+          <ac:spMkLst>
+            <pc:docMk/>
+            <pc:sldMk cId="1614214626" sldId="258"/>
+            <ac:spMk id="2" creationId="{6DA33B5E-D30C-F809-F990-7DBADE99CB23}"/>
+          </ac:spMkLst>
+        </pc:spChg>
+        <pc:spChg chg="del">
+          <ac:chgData name="White, Ellie" userId="fec56361-5c8a-4790-9e84-6272d2f2258e" providerId="ADAL" clId="{C84A408E-A860-4545-93D6-2FF3BB9EA02D}" dt="2023-04-07T23:49:31.575" v="548" actId="478"/>
+          <ac:spMkLst>
+            <pc:docMk/>
+            <pc:sldMk cId="1614214626" sldId="258"/>
+            <ac:spMk id="3" creationId="{06ED8E6A-D4D3-62BC-49B2-79816EA9FD68}"/>
+          </ac:spMkLst>
+        </pc:spChg>
+        <pc:spChg chg="add mod">
+          <ac:chgData name="White, Ellie" userId="fec56361-5c8a-4790-9e84-6272d2f2258e" providerId="ADAL" clId="{C84A408E-A860-4545-93D6-2FF3BB9EA02D}" dt="2023-04-07T23:49:37.968" v="551"/>
+          <ac:spMkLst>
+            <pc:docMk/>
+            <pc:sldMk cId="1614214626" sldId="258"/>
+            <ac:spMk id="4" creationId="{6DFA805E-2E03-941B-F783-0460218BC342}"/>
+          </ac:spMkLst>
+        </pc:spChg>
+      </pc:sldChg>
+      <pc:sldChg chg="addSp delSp modSp add mod">
+        <pc:chgData name="White, Ellie" userId="fec56361-5c8a-4790-9e84-6272d2f2258e" providerId="ADAL" clId="{C84A408E-A860-4545-93D6-2FF3BB9EA02D}" dt="2023-04-08T22:49:43.398" v="4871" actId="164"/>
+        <pc:sldMkLst>
+          <pc:docMk/>
+          <pc:sldMk cId="418821511" sldId="259"/>
+        </pc:sldMkLst>
+        <pc:spChg chg="mod topLvl">
+          <ac:chgData name="White, Ellie" userId="fec56361-5c8a-4790-9e84-6272d2f2258e" providerId="ADAL" clId="{C84A408E-A860-4545-93D6-2FF3BB9EA02D}" dt="2023-04-08T22:49:43.398" v="4871" actId="164"/>
+          <ac:spMkLst>
+            <pc:docMk/>
+            <pc:sldMk cId="418821511" sldId="259"/>
+            <ac:spMk id="12" creationId="{A92751BD-0BCB-F84D-4CE3-45911BE1EE09}"/>
+          </ac:spMkLst>
+        </pc:spChg>
+        <pc:spChg chg="mod topLvl">
+          <ac:chgData name="White, Ellie" userId="fec56361-5c8a-4790-9e84-6272d2f2258e" providerId="ADAL" clId="{C84A408E-A860-4545-93D6-2FF3BB9EA02D}" dt="2023-04-08T22:49:43.398" v="4871" actId="164"/>
+          <ac:spMkLst>
+            <pc:docMk/>
+            <pc:sldMk cId="418821511" sldId="259"/>
+            <ac:spMk id="13" creationId="{DD8FF5E5-8077-9B79-7F23-BF41326D2659}"/>
+          </ac:spMkLst>
+        </pc:spChg>
+        <pc:spChg chg="mod topLvl">
+          <ac:chgData name="White, Ellie" userId="fec56361-5c8a-4790-9e84-6272d2f2258e" providerId="ADAL" clId="{C84A408E-A860-4545-93D6-2FF3BB9EA02D}" dt="2023-04-08T22:49:43.398" v="4871" actId="164"/>
+          <ac:spMkLst>
+            <pc:docMk/>
+            <pc:sldMk cId="418821511" sldId="259"/>
+            <ac:spMk id="14" creationId="{EDE2B9F8-9E3D-678D-C890-E5D58669DFD2}"/>
+          </ac:spMkLst>
+        </pc:spChg>
+        <pc:spChg chg="mod topLvl">
+          <ac:chgData name="White, Ellie" userId="fec56361-5c8a-4790-9e84-6272d2f2258e" providerId="ADAL" clId="{C84A408E-A860-4545-93D6-2FF3BB9EA02D}" dt="2023-04-08T22:49:43.398" v="4871" actId="164"/>
+          <ac:spMkLst>
+            <pc:docMk/>
+            <pc:sldMk cId="418821511" sldId="259"/>
+            <ac:spMk id="15" creationId="{59731D87-5DD9-E804-08D9-E2BD4F5D0AC4}"/>
+          </ac:spMkLst>
+        </pc:spChg>
+        <pc:spChg chg="del mod topLvl">
+          <ac:chgData name="White, Ellie" userId="fec56361-5c8a-4790-9e84-6272d2f2258e" providerId="ADAL" clId="{C84A408E-A860-4545-93D6-2FF3BB9EA02D}" dt="2023-04-08T04:47:18.744" v="1728" actId="478"/>
+          <ac:spMkLst>
+            <pc:docMk/>
+            <pc:sldMk cId="418821511" sldId="259"/>
+            <ac:spMk id="16" creationId="{ED2ACB32-FBD5-606D-C54A-0348DA8C461C}"/>
+          </ac:spMkLst>
+        </pc:spChg>
+        <pc:spChg chg="mod ord topLvl">
+          <ac:chgData name="White, Ellie" userId="fec56361-5c8a-4790-9e84-6272d2f2258e" providerId="ADAL" clId="{C84A408E-A860-4545-93D6-2FF3BB9EA02D}" dt="2023-04-08T19:32:43.094" v="2337" actId="164"/>
+          <ac:spMkLst>
+            <pc:docMk/>
+            <pc:sldMk cId="418821511" sldId="259"/>
+            <ac:spMk id="17" creationId="{E8EB3159-5F25-B2C0-43AC-83F1DF73BE7B}"/>
+          </ac:spMkLst>
+        </pc:spChg>
+        <pc:spChg chg="mod topLvl">
+          <ac:chgData name="White, Ellie" userId="fec56361-5c8a-4790-9e84-6272d2f2258e" providerId="ADAL" clId="{C84A408E-A860-4545-93D6-2FF3BB9EA02D}" dt="2023-04-08T19:32:30.083" v="2328" actId="1035"/>
+          <ac:spMkLst>
+            <pc:docMk/>
+            <pc:sldMk cId="418821511" sldId="259"/>
+            <ac:spMk id="20" creationId="{955A7CE5-80B7-11A5-3983-7037E6E3B1B5}"/>
+          </ac:spMkLst>
+        </pc:spChg>
+        <pc:spChg chg="mod">
+          <ac:chgData name="White, Ellie" userId="fec56361-5c8a-4790-9e84-6272d2f2258e" providerId="ADAL" clId="{C84A408E-A860-4545-93D6-2FF3BB9EA02D}" dt="2023-04-08T22:29:17.989" v="4732" actId="1076"/>
+          <ac:spMkLst>
+            <pc:docMk/>
+            <pc:sldMk cId="418821511" sldId="259"/>
+            <ac:spMk id="22" creationId="{2A88EBE2-99BA-C1D4-A149-0E1783B593BE}"/>
+          </ac:spMkLst>
+        </pc:spChg>
+        <pc:spChg chg="mod">
+          <ac:chgData name="White, Ellie" userId="fec56361-5c8a-4790-9e84-6272d2f2258e" providerId="ADAL" clId="{C84A408E-A860-4545-93D6-2FF3BB9EA02D}" dt="2023-04-08T04:55:19.252" v="1889" actId="165"/>
+          <ac:spMkLst>
+            <pc:docMk/>
+            <pc:sldMk cId="418821511" sldId="259"/>
+            <ac:spMk id="23" creationId="{A220EBAC-E495-B7F3-F042-D2409E064FA2}"/>
+          </ac:spMkLst>
+        </pc:spChg>
+        <pc:spChg chg="mod">
+          <ac:chgData name="White, Ellie" userId="fec56361-5c8a-4790-9e84-6272d2f2258e" providerId="ADAL" clId="{C84A408E-A860-4545-93D6-2FF3BB9EA02D}" dt="2023-04-08T22:29:11.126" v="4731" actId="1076"/>
+          <ac:spMkLst>
+            <pc:docMk/>
+            <pc:sldMk cId="418821511" sldId="259"/>
+            <ac:spMk id="24" creationId="{2FFEA1FF-8F5A-57FB-1329-EE3230CCA5E4}"/>
+          </ac:spMkLst>
+        </pc:spChg>
+        <pc:spChg chg="del mod topLvl">
+          <ac:chgData name="White, Ellie" userId="fec56361-5c8a-4790-9e84-6272d2f2258e" providerId="ADAL" clId="{C84A408E-A860-4545-93D6-2FF3BB9EA02D}" dt="2023-04-08T19:17:53.544" v="2090"/>
+          <ac:spMkLst>
+            <pc:docMk/>
+            <pc:sldMk cId="418821511" sldId="259"/>
+            <ac:spMk id="25" creationId="{127D3F71-382D-C3F0-317D-8AB54D073396}"/>
+          </ac:spMkLst>
+        </pc:spChg>
+        <pc:spChg chg="mod topLvl">
+          <ac:chgData name="White, Ellie" userId="fec56361-5c8a-4790-9e84-6272d2f2258e" providerId="ADAL" clId="{C84A408E-A860-4545-93D6-2FF3BB9EA02D}" dt="2023-04-08T22:49:43.398" v="4871" actId="164"/>
+          <ac:spMkLst>
+            <pc:docMk/>
+            <pc:sldMk cId="418821511" sldId="259"/>
+            <ac:spMk id="26" creationId="{81EAB21C-A47C-BDD9-8A0D-14D3C96E0177}"/>
+          </ac:spMkLst>
+        </pc:spChg>
+        <pc:spChg chg="del mod">
+          <ac:chgData name="White, Ellie" userId="fec56361-5c8a-4790-9e84-6272d2f2258e" providerId="ADAL" clId="{C84A408E-A860-4545-93D6-2FF3BB9EA02D}" dt="2023-04-08T22:28:56.590" v="4727" actId="478"/>
+          <ac:spMkLst>
+            <pc:docMk/>
+            <pc:sldMk cId="418821511" sldId="259"/>
+            <ac:spMk id="27" creationId="{318E75BA-1867-1FA9-0081-F8F8EB3C572A}"/>
+          </ac:spMkLst>
+        </pc:spChg>
+        <pc:spChg chg="mod">
+          <ac:chgData name="White, Ellie" userId="fec56361-5c8a-4790-9e84-6272d2f2258e" providerId="ADAL" clId="{C84A408E-A860-4545-93D6-2FF3BB9EA02D}" dt="2023-04-08T04:55:19.252" v="1889" actId="165"/>
+          <ac:spMkLst>
+            <pc:docMk/>
+            <pc:sldMk cId="418821511" sldId="259"/>
+            <ac:spMk id="28" creationId="{55699BC5-317E-07BA-30C7-0915E5144722}"/>
+          </ac:spMkLst>
+        </pc:spChg>
+        <pc:spChg chg="mod">
+          <ac:chgData name="White, Ellie" userId="fec56361-5c8a-4790-9e84-6272d2f2258e" providerId="ADAL" clId="{C84A408E-A860-4545-93D6-2FF3BB9EA02D}" dt="2023-04-08T04:55:19.252" v="1889" actId="165"/>
+          <ac:spMkLst>
+            <pc:docMk/>
+            <pc:sldMk cId="418821511" sldId="259"/>
+            <ac:spMk id="29" creationId="{9F35B3C2-69BA-F26E-1A83-44F0E5AE4DD1}"/>
+          </ac:spMkLst>
+        </pc:spChg>
+        <pc:spChg chg="mod">
+          <ac:chgData name="White, Ellie" userId="fec56361-5c8a-4790-9e84-6272d2f2258e" providerId="ADAL" clId="{C84A408E-A860-4545-93D6-2FF3BB9EA02D}" dt="2023-04-08T04:55:19.252" v="1889" actId="165"/>
+          <ac:spMkLst>
+            <pc:docMk/>
+            <pc:sldMk cId="418821511" sldId="259"/>
+            <ac:spMk id="30" creationId="{52FED1B8-24A1-12B4-7DC3-1595C2923EF6}"/>
+          </ac:spMkLst>
+        </pc:spChg>
+        <pc:spChg chg="mod topLvl">
+          <ac:chgData name="White, Ellie" userId="fec56361-5c8a-4790-9e84-6272d2f2258e" providerId="ADAL" clId="{C84A408E-A860-4545-93D6-2FF3BB9EA02D}" dt="2023-04-08T00:35:51.670" v="933" actId="164"/>
+          <ac:spMkLst>
+            <pc:docMk/>
+            <pc:sldMk cId="418821511" sldId="259"/>
+            <ac:spMk id="31" creationId="{BB1F478B-475A-961E-9463-971167FCC0DD}"/>
+          </ac:spMkLst>
+        </pc:spChg>
+        <pc:spChg chg="mod">
+          <ac:chgData name="White, Ellie" userId="fec56361-5c8a-4790-9e84-6272d2f2258e" providerId="ADAL" clId="{C84A408E-A860-4545-93D6-2FF3BB9EA02D}" dt="2023-04-08T04:55:19.252" v="1889" actId="165"/>
+          <ac:spMkLst>
+            <pc:docMk/>
+            <pc:sldMk cId="418821511" sldId="259"/>
+            <ac:spMk id="32" creationId="{2E8B8AE1-2ED1-A064-0F0C-35811B7A3A73}"/>
+          </ac:spMkLst>
+        </pc:spChg>
+        <pc:spChg chg="del mod">
+          <ac:chgData name="White, Ellie" userId="fec56361-5c8a-4790-9e84-6272d2f2258e" providerId="ADAL" clId="{C84A408E-A860-4545-93D6-2FF3BB9EA02D}" dt="2023-04-08T22:29:02.420" v="4728" actId="478"/>
+          <ac:spMkLst>
+            <pc:docMk/>
+            <pc:sldMk cId="418821511" sldId="259"/>
+            <ac:spMk id="33" creationId="{7BB02346-7437-0B15-909C-C64E28367438}"/>
+          </ac:spMkLst>
+        </pc:spChg>
+        <pc:spChg chg="mod">
+          <ac:chgData name="White, Ellie" userId="fec56361-5c8a-4790-9e84-6272d2f2258e" providerId="ADAL" clId="{C84A408E-A860-4545-93D6-2FF3BB9EA02D}" dt="2023-04-08T04:55:19.252" v="1889" actId="165"/>
+          <ac:spMkLst>
+            <pc:docMk/>
+            <pc:sldMk cId="418821511" sldId="259"/>
+            <ac:spMk id="34" creationId="{BAC09385-76B2-A5E3-587A-5B1B7B5A401B}"/>
+          </ac:spMkLst>
+        </pc:spChg>
+        <pc:spChg chg="mod topLvl">
+          <ac:chgData name="White, Ellie" userId="fec56361-5c8a-4790-9e84-6272d2f2258e" providerId="ADAL" clId="{C84A408E-A860-4545-93D6-2FF3BB9EA02D}" dt="2023-04-08T00:35:51.670" v="933" actId="164"/>
+          <ac:spMkLst>
+            <pc:docMk/>
+            <pc:sldMk cId="418821511" sldId="259"/>
+            <ac:spMk id="37" creationId="{8B99782F-E631-535F-93CE-F6360C71F16F}"/>
+          </ac:spMkLst>
+        </pc:spChg>
+        <pc:spChg chg="mod topLvl">
+          <ac:chgData name="White, Ellie" userId="fec56361-5c8a-4790-9e84-6272d2f2258e" providerId="ADAL" clId="{C84A408E-A860-4545-93D6-2FF3BB9EA02D}" dt="2023-04-08T00:35:51.670" v="933" actId="164"/>
+          <ac:spMkLst>
+            <pc:docMk/>
+            <pc:sldMk cId="418821511" sldId="259"/>
+            <ac:spMk id="38" creationId="{E45EBC66-8770-922F-372F-1C0D847501D6}"/>
+          </ac:spMkLst>
+        </pc:spChg>
+        <pc:spChg chg="mod topLvl">
+          <ac:chgData name="White, Ellie" userId="fec56361-5c8a-4790-9e84-6272d2f2258e" providerId="ADAL" clId="{C84A408E-A860-4545-93D6-2FF3BB9EA02D}" dt="2023-04-08T00:35:51.670" v="933" actId="164"/>
+          <ac:spMkLst>
+            <pc:docMk/>
+            <pc:sldMk cId="418821511" sldId="259"/>
+            <ac:spMk id="39" creationId="{2B5A2A8D-F0EF-298A-F203-F0BC071E8B66}"/>
+          </ac:spMkLst>
+        </pc:spChg>
+        <pc:spChg chg="add mod">
+          <ac:chgData name="White, Ellie" userId="fec56361-5c8a-4790-9e84-6272d2f2258e" providerId="ADAL" clId="{C84A408E-A860-4545-93D6-2FF3BB9EA02D}" dt="2023-04-08T04:55:19.252" v="1889" actId="165"/>
+          <ac:spMkLst>
+            <pc:docMk/>
+            <pc:sldMk cId="418821511" sldId="259"/>
+            <ac:spMk id="40" creationId="{F0067AC1-980E-FF71-CBEB-C774EC851955}"/>
+          </ac:spMkLst>
+        </pc:spChg>
+        <pc:spChg chg="add mod topLvl">
+          <ac:chgData name="White, Ellie" userId="fec56361-5c8a-4790-9e84-6272d2f2258e" providerId="ADAL" clId="{C84A408E-A860-4545-93D6-2FF3BB9EA02D}" dt="2023-04-08T22:49:43.398" v="4871" actId="164"/>
+          <ac:spMkLst>
+            <pc:docMk/>
+            <pc:sldMk cId="418821511" sldId="259"/>
+            <ac:spMk id="41" creationId="{5F5D940E-4470-F7CD-8BD1-A5F121F2E744}"/>
+          </ac:spMkLst>
+        </pc:spChg>
+        <pc:spChg chg="add mod topLvl">
+          <ac:chgData name="White, Ellie" userId="fec56361-5c8a-4790-9e84-6272d2f2258e" providerId="ADAL" clId="{C84A408E-A860-4545-93D6-2FF3BB9EA02D}" dt="2023-04-08T04:55:19.252" v="1889" actId="165"/>
+          <ac:spMkLst>
+            <pc:docMk/>
+            <pc:sldMk cId="418821511" sldId="259"/>
+            <ac:spMk id="42" creationId="{DF7B7AF0-D54B-3CFE-4809-9F9C70187113}"/>
+          </ac:spMkLst>
+        </pc:spChg>
+        <pc:spChg chg="add mod topLvl">
+          <ac:chgData name="White, Ellie" userId="fec56361-5c8a-4790-9e84-6272d2f2258e" providerId="ADAL" clId="{C84A408E-A860-4545-93D6-2FF3BB9EA02D}" dt="2023-04-08T22:49:43.398" v="4871" actId="164"/>
+          <ac:spMkLst>
+            <pc:docMk/>
+            <pc:sldMk cId="418821511" sldId="259"/>
+            <ac:spMk id="43" creationId="{F70E8B3A-3F4D-4216-0945-CC1BC07328A7}"/>
+          </ac:spMkLst>
+        </pc:spChg>
+        <pc:spChg chg="del mod topLvl">
+          <ac:chgData name="White, Ellie" userId="fec56361-5c8a-4790-9e84-6272d2f2258e" providerId="ADAL" clId="{C84A408E-A860-4545-93D6-2FF3BB9EA02D}" dt="2023-04-08T00:55:31.371" v="1215" actId="478"/>
+          <ac:spMkLst>
+            <pc:docMk/>
+            <pc:sldMk cId="418821511" sldId="259"/>
+            <ac:spMk id="44" creationId="{086F1047-5BC5-8329-4A8B-F89C2E2143FB}"/>
+          </ac:spMkLst>
+        </pc:spChg>
+        <pc:spChg chg="del mod topLvl">
+          <ac:chgData name="White, Ellie" userId="fec56361-5c8a-4790-9e84-6272d2f2258e" providerId="ADAL" clId="{C84A408E-A860-4545-93D6-2FF3BB9EA02D}" dt="2023-04-08T00:55:37.305" v="1218" actId="478"/>
+          <ac:spMkLst>
+            <pc:docMk/>
+            <pc:sldMk cId="418821511" sldId="259"/>
+            <ac:spMk id="45" creationId="{C51FEAE8-4CEA-0B45-B1A7-605E3195A2E5}"/>
+          </ac:spMkLst>
+        </pc:spChg>
+        <pc:spChg chg="del mod topLvl">
+          <ac:chgData name="White, Ellie" userId="fec56361-5c8a-4790-9e84-6272d2f2258e" providerId="ADAL" clId="{C84A408E-A860-4545-93D6-2FF3BB9EA02D}" dt="2023-04-08T00:55:35.607" v="1217" actId="478"/>
+          <ac:spMkLst>
+            <pc:docMk/>
+            <pc:sldMk cId="418821511" sldId="259"/>
+            <ac:spMk id="46" creationId="{C736116D-93C1-5F5D-AB3A-9300A3B850D0}"/>
+          </ac:spMkLst>
+        </pc:spChg>
+        <pc:spChg chg="del mod topLvl">
+          <ac:chgData name="White, Ellie" userId="fec56361-5c8a-4790-9e84-6272d2f2258e" providerId="ADAL" clId="{C84A408E-A860-4545-93D6-2FF3BB9EA02D}" dt="2023-04-08T00:55:33.845" v="1216" actId="478"/>
+          <ac:spMkLst>
+            <pc:docMk/>
+            <pc:sldMk cId="418821511" sldId="259"/>
+            <ac:spMk id="47" creationId="{487004D3-ECC8-B349-F91D-3DA23046F06B}"/>
+          </ac:spMkLst>
+        </pc:spChg>
+        <pc:spChg chg="del mod topLvl">
+          <ac:chgData name="White, Ellie" userId="fec56361-5c8a-4790-9e84-6272d2f2258e" providerId="ADAL" clId="{C84A408E-A860-4545-93D6-2FF3BB9EA02D}" dt="2023-04-08T00:55:25.878" v="1212" actId="478"/>
+          <ac:spMkLst>
+            <pc:docMk/>
+            <pc:sldMk cId="418821511" sldId="259"/>
+            <ac:spMk id="48" creationId="{1488E4DB-2C8E-E18F-BB8D-0949F91EF5A3}"/>
+          </ac:spMkLst>
+        </pc:spChg>
+        <pc:spChg chg="del mod topLvl">
+          <ac:chgData name="White, Ellie" userId="fec56361-5c8a-4790-9e84-6272d2f2258e" providerId="ADAL" clId="{C84A408E-A860-4545-93D6-2FF3BB9EA02D}" dt="2023-04-08T00:55:29.183" v="1214" actId="478"/>
+          <ac:spMkLst>
+            <pc:docMk/>
+            <pc:sldMk cId="418821511" sldId="259"/>
+            <ac:spMk id="49" creationId="{321EC36E-CE2D-5FE1-C756-761D98C06EC9}"/>
+          </ac:spMkLst>
+        </pc:spChg>
+        <pc:spChg chg="del mod topLvl">
+          <ac:chgData name="White, Ellie" userId="fec56361-5c8a-4790-9e84-6272d2f2258e" providerId="ADAL" clId="{C84A408E-A860-4545-93D6-2FF3BB9EA02D}" dt="2023-04-08T00:55:27.942" v="1213" actId="478"/>
+          <ac:spMkLst>
+            <pc:docMk/>
+            <pc:sldMk cId="418821511" sldId="259"/>
+            <ac:spMk id="50" creationId="{AB74B619-BC32-AFE7-3513-8CDFDB95245E}"/>
+          </ac:spMkLst>
+        </pc:spChg>
+        <pc:spChg chg="del mod topLvl">
+          <ac:chgData name="White, Ellie" userId="fec56361-5c8a-4790-9e84-6272d2f2258e" providerId="ADAL" clId="{C84A408E-A860-4545-93D6-2FF3BB9EA02D}" dt="2023-04-08T00:55:23.361" v="1210" actId="478"/>
+          <ac:spMkLst>
+            <pc:docMk/>
+            <pc:sldMk cId="418821511" sldId="259"/>
+            <ac:spMk id="51" creationId="{9C49A8C6-6A48-930A-1F7D-D00A135B519C}"/>
+          </ac:spMkLst>
+        </pc:spChg>
+        <pc:spChg chg="del mod topLvl">
+          <ac:chgData name="White, Ellie" userId="fec56361-5c8a-4790-9e84-6272d2f2258e" providerId="ADAL" clId="{C84A408E-A860-4545-93D6-2FF3BB9EA02D}" dt="2023-04-08T00:55:11.026" v="1204" actId="478"/>
+          <ac:spMkLst>
+            <pc:docMk/>
+            <pc:sldMk cId="418821511" sldId="259"/>
+            <ac:spMk id="52" creationId="{2A82D210-B510-C49D-08EA-9024CD1DCC14}"/>
+          </ac:spMkLst>
+        </pc:spChg>
+        <pc:spChg chg="del mod topLvl">
+          <ac:chgData name="White, Ellie" userId="fec56361-5c8a-4790-9e84-6272d2f2258e" providerId="ADAL" clId="{C84A408E-A860-4545-93D6-2FF3BB9EA02D}" dt="2023-04-08T00:55:18.508" v="1208" actId="478"/>
+          <ac:spMkLst>
+            <pc:docMk/>
+            <pc:sldMk cId="418821511" sldId="259"/>
+            <ac:spMk id="53" creationId="{F3E0A097-EC81-AF6F-8700-5EE680F03C90}"/>
+          </ac:spMkLst>
+        </pc:spChg>
+        <pc:spChg chg="del mod topLvl">
+          <ac:chgData name="White, Ellie" userId="fec56361-5c8a-4790-9e84-6272d2f2258e" providerId="ADAL" clId="{C84A408E-A860-4545-93D6-2FF3BB9EA02D}" dt="2023-04-08T00:55:16.868" v="1207" actId="478"/>
+          <ac:spMkLst>
+            <pc:docMk/>
+            <pc:sldMk cId="418821511" sldId="259"/>
+            <ac:spMk id="54" creationId="{F9340EE1-729C-673B-85EB-FE9B747491B3}"/>
+          </ac:spMkLst>
+        </pc:spChg>
+        <pc:spChg chg="del mod topLvl">
+          <ac:chgData name="White, Ellie" userId="fec56361-5c8a-4790-9e84-6272d2f2258e" providerId="ADAL" clId="{C84A408E-A860-4545-93D6-2FF3BB9EA02D}" dt="2023-04-08T00:55:15.330" v="1206" actId="478"/>
+          <ac:spMkLst>
+            <pc:docMk/>
+            <pc:sldMk cId="418821511" sldId="259"/>
+            <ac:spMk id="55" creationId="{9A6452E7-1209-7B7A-3282-9C6CEAC19694}"/>
+          </ac:spMkLst>
+        </pc:spChg>
+        <pc:spChg chg="mod">
+          <ac:chgData name="White, Ellie" userId="fec56361-5c8a-4790-9e84-6272d2f2258e" providerId="ADAL" clId="{C84A408E-A860-4545-93D6-2FF3BB9EA02D}" dt="2023-04-08T04:55:19.252" v="1889" actId="165"/>
+          <ac:spMkLst>
+            <pc:docMk/>
+            <pc:sldMk cId="418821511" sldId="259"/>
+            <ac:spMk id="56" creationId="{AA6491FF-34F6-7EFB-76CF-6464193182B4}"/>
+          </ac:spMkLst>
+        </pc:spChg>
+        <pc:spChg chg="mod">
+          <ac:chgData name="White, Ellie" userId="fec56361-5c8a-4790-9e84-6272d2f2258e" providerId="ADAL" clId="{C84A408E-A860-4545-93D6-2FF3BB9EA02D}" dt="2023-04-08T04:55:19.252" v="1889" actId="165"/>
+          <ac:spMkLst>
+            <pc:docMk/>
+            <pc:sldMk cId="418821511" sldId="259"/>
+            <ac:spMk id="57" creationId="{74AA7624-F345-3FB9-80B6-1C9A5D207627}"/>
+          </ac:spMkLst>
+        </pc:spChg>
+        <pc:spChg chg="mod">
+          <ac:chgData name="White, Ellie" userId="fec56361-5c8a-4790-9e84-6272d2f2258e" providerId="ADAL" clId="{C84A408E-A860-4545-93D6-2FF3BB9EA02D}" dt="2023-04-08T04:55:19.252" v="1889" actId="165"/>
+          <ac:spMkLst>
+            <pc:docMk/>
+            <pc:sldMk cId="418821511" sldId="259"/>
+            <ac:spMk id="58" creationId="{32C30769-769E-0438-B11D-232EF1F34122}"/>
+          </ac:spMkLst>
+        </pc:spChg>
+        <pc:spChg chg="mod">
+          <ac:chgData name="White, Ellie" userId="fec56361-5c8a-4790-9e84-6272d2f2258e" providerId="ADAL" clId="{C84A408E-A860-4545-93D6-2FF3BB9EA02D}" dt="2023-04-08T04:55:19.252" v="1889" actId="165"/>
+          <ac:spMkLst>
+            <pc:docMk/>
+            <pc:sldMk cId="418821511" sldId="259"/>
+            <ac:spMk id="59" creationId="{2A00CD99-6335-931D-5ABF-BE360663FD3D}"/>
+          </ac:spMkLst>
+        </pc:spChg>
+        <pc:spChg chg="mod topLvl">
+          <ac:chgData name="White, Ellie" userId="fec56361-5c8a-4790-9e84-6272d2f2258e" providerId="ADAL" clId="{C84A408E-A860-4545-93D6-2FF3BB9EA02D}" dt="2023-04-08T22:49:43.398" v="4871" actId="164"/>
+          <ac:spMkLst>
+            <pc:docMk/>
+            <pc:sldMk cId="418821511" sldId="259"/>
+            <ac:spMk id="61" creationId="{3B2890E0-4397-E461-4158-1EA89FBAA79A}"/>
+          </ac:spMkLst>
+        </pc:spChg>
+        <pc:spChg chg="del mod">
+          <ac:chgData name="White, Ellie" userId="fec56361-5c8a-4790-9e84-6272d2f2258e" providerId="ADAL" clId="{C84A408E-A860-4545-93D6-2FF3BB9EA02D}" dt="2023-04-08T00:31:14.591" v="864" actId="478"/>
+          <ac:spMkLst>
+            <pc:docMk/>
+            <pc:sldMk cId="418821511" sldId="259"/>
+            <ac:spMk id="64" creationId="{E3379FEA-C84F-5197-6085-55A6651533FF}"/>
+          </ac:spMkLst>
+        </pc:spChg>
+        <pc:spChg chg="del mod">
+          <ac:chgData name="White, Ellie" userId="fec56361-5c8a-4790-9e84-6272d2f2258e" providerId="ADAL" clId="{C84A408E-A860-4545-93D6-2FF3BB9EA02D}" dt="2023-04-08T00:16:14.202" v="711" actId="478"/>
+          <ac:spMkLst>
+            <pc:docMk/>
+            <pc:sldMk cId="418821511" sldId="259"/>
+            <ac:spMk id="65" creationId="{1B068EB4-F4A9-3914-363D-98FF9C573403}"/>
+          </ac:spMkLst>
+        </pc:spChg>
+        <pc:spChg chg="add del mod">
+          <ac:chgData name="White, Ellie" userId="fec56361-5c8a-4790-9e84-6272d2f2258e" providerId="ADAL" clId="{C84A408E-A860-4545-93D6-2FF3BB9EA02D}" dt="2023-04-08T00:16:33.107" v="720" actId="478"/>
+          <ac:spMkLst>
+            <pc:docMk/>
+            <pc:sldMk cId="418821511" sldId="259"/>
+            <ac:spMk id="66" creationId="{FDB4859B-1684-971C-59A1-61BF40A96EF5}"/>
+          </ac:spMkLst>
+        </pc:spChg>
+        <pc:spChg chg="add del mod">
+          <ac:chgData name="White, Ellie" userId="fec56361-5c8a-4790-9e84-6272d2f2258e" providerId="ADAL" clId="{C84A408E-A860-4545-93D6-2FF3BB9EA02D}" dt="2023-04-08T00:16:32.319" v="719" actId="478"/>
+          <ac:spMkLst>
+            <pc:docMk/>
+            <pc:sldMk cId="418821511" sldId="259"/>
+            <ac:spMk id="67" creationId="{15736AA5-1204-CB75-5536-9C88F248D618}"/>
+          </ac:spMkLst>
+        </pc:spChg>
+        <pc:spChg chg="add del mod">
+          <ac:chgData name="White, Ellie" userId="fec56361-5c8a-4790-9e84-6272d2f2258e" providerId="ADAL" clId="{C84A408E-A860-4545-93D6-2FF3BB9EA02D}" dt="2023-04-08T00:16:30.598" v="718" actId="478"/>
+          <ac:spMkLst>
+            <pc:docMk/>
+            <pc:sldMk cId="418821511" sldId="259"/>
+            <ac:spMk id="69" creationId="{46550737-53B1-956F-CA97-3D417BA35980}"/>
+          </ac:spMkLst>
+        </pc:spChg>
+        <pc:spChg chg="add del mod">
+          <ac:chgData name="White, Ellie" userId="fec56361-5c8a-4790-9e84-6272d2f2258e" providerId="ADAL" clId="{C84A408E-A860-4545-93D6-2FF3BB9EA02D}" dt="2023-04-08T00:16:29.765" v="717" actId="478"/>
+          <ac:spMkLst>
+            <pc:docMk/>
+            <pc:sldMk cId="418821511" sldId="259"/>
+            <ac:spMk id="70" creationId="{C8F5DBB2-5B24-D06D-51FC-2D87F5E24435}"/>
+          </ac:spMkLst>
+        </pc:spChg>
+        <pc:spChg chg="add del mod">
+          <ac:chgData name="White, Ellie" userId="fec56361-5c8a-4790-9e84-6272d2f2258e" providerId="ADAL" clId="{C84A408E-A860-4545-93D6-2FF3BB9EA02D}" dt="2023-04-08T00:16:26.208" v="714" actId="478"/>
+          <ac:spMkLst>
+            <pc:docMk/>
+            <pc:sldMk cId="418821511" sldId="259"/>
+            <ac:spMk id="71" creationId="{A30C75B0-D42C-9570-B7C0-D04A3262D53D}"/>
+          </ac:spMkLst>
+        </pc:spChg>
+        <pc:spChg chg="add del mod">
+          <ac:chgData name="White, Ellie" userId="fec56361-5c8a-4790-9e84-6272d2f2258e" providerId="ADAL" clId="{C84A408E-A860-4545-93D6-2FF3BB9EA02D}" dt="2023-04-08T00:16:27.412" v="715" actId="478"/>
+          <ac:spMkLst>
+            <pc:docMk/>
+            <pc:sldMk cId="418821511" sldId="259"/>
+            <ac:spMk id="72" creationId="{2A2CE2EF-32C9-10D8-F5E9-9B72E2C15202}"/>
+          </ac:spMkLst>
+        </pc:spChg>
+        <pc:spChg chg="add del mod">
+          <ac:chgData name="White, Ellie" userId="fec56361-5c8a-4790-9e84-6272d2f2258e" providerId="ADAL" clId="{C84A408E-A860-4545-93D6-2FF3BB9EA02D}" dt="2023-04-08T00:16:28.202" v="716" actId="478"/>
+          <ac:spMkLst>
+            <pc:docMk/>
+            <pc:sldMk cId="418821511" sldId="259"/>
+            <ac:spMk id="73" creationId="{10F45CA0-6AA5-51E9-D637-C7B59B49005E}"/>
+          </ac:spMkLst>
+        </pc:spChg>
+        <pc:spChg chg="add del mod ord">
+          <ac:chgData name="White, Ellie" userId="fec56361-5c8a-4790-9e84-6272d2f2258e" providerId="ADAL" clId="{C84A408E-A860-4545-93D6-2FF3BB9EA02D}" dt="2023-04-08T00:29:07.866" v="850" actId="478"/>
+          <ac:spMkLst>
+            <pc:docMk/>
+            <pc:sldMk cId="418821511" sldId="259"/>
+            <ac:spMk id="76" creationId="{B59622EB-FCBA-F2F0-1C1C-BF76FEAB8410}"/>
+          </ac:spMkLst>
+        </pc:spChg>
+        <pc:spChg chg="add mod">
+          <ac:chgData name="White, Ellie" userId="fec56361-5c8a-4790-9e84-6272d2f2258e" providerId="ADAL" clId="{C84A408E-A860-4545-93D6-2FF3BB9EA02D}" dt="2023-04-08T04:55:19.252" v="1889" actId="165"/>
+          <ac:spMkLst>
+            <pc:docMk/>
+            <pc:sldMk cId="418821511" sldId="259"/>
+            <ac:spMk id="81" creationId="{3240E778-2DD8-FCFB-2709-EF8112894D6E}"/>
+          </ac:spMkLst>
+        </pc:spChg>
+        <pc:spChg chg="add del mod ord topLvl">
+          <ac:chgData name="White, Ellie" userId="fec56361-5c8a-4790-9e84-6272d2f2258e" providerId="ADAL" clId="{C84A408E-A860-4545-93D6-2FF3BB9EA02D}" dt="2023-04-08T22:16:00.822" v="4482" actId="478"/>
+          <ac:spMkLst>
+            <pc:docMk/>
+            <pc:sldMk cId="418821511" sldId="259"/>
+            <ac:spMk id="84" creationId="{619E7957-7407-2B4D-7963-4364CE246076}"/>
+          </ac:spMkLst>
+        </pc:spChg>
+        <pc:spChg chg="add del mod ord topLvl">
+          <ac:chgData name="White, Ellie" userId="fec56361-5c8a-4790-9e84-6272d2f2258e" providerId="ADAL" clId="{C84A408E-A860-4545-93D6-2FF3BB9EA02D}" dt="2023-04-08T22:16:02.334" v="4483" actId="478"/>
+          <ac:spMkLst>
+            <pc:docMk/>
+            <pc:sldMk cId="418821511" sldId="259"/>
+            <ac:spMk id="85" creationId="{CEFC6F2A-ADE9-DBB2-AC4E-ECEFC9411DD6}"/>
+          </ac:spMkLst>
+        </pc:spChg>
+        <pc:spChg chg="add del mod">
+          <ac:chgData name="White, Ellie" userId="fec56361-5c8a-4790-9e84-6272d2f2258e" providerId="ADAL" clId="{C84A408E-A860-4545-93D6-2FF3BB9EA02D}" dt="2023-04-08T00:38:13.388" v="966"/>
+          <ac:spMkLst>
+            <pc:docMk/>
+            <pc:sldMk cId="418821511" sldId="259"/>
+            <ac:spMk id="88" creationId="{54DF0FB8-C597-32C5-45D5-D9B244CE0EC8}"/>
+          </ac:spMkLst>
+        </pc:spChg>
+        <pc:spChg chg="add del mod">
+          <ac:chgData name="White, Ellie" userId="fec56361-5c8a-4790-9e84-6272d2f2258e" providerId="ADAL" clId="{C84A408E-A860-4545-93D6-2FF3BB9EA02D}" dt="2023-04-08T00:42:41.535" v="1018" actId="478"/>
+          <ac:spMkLst>
+            <pc:docMk/>
+            <pc:sldMk cId="418821511" sldId="259"/>
+            <ac:spMk id="89" creationId="{1B0DD077-1C8B-15D2-4414-BFD618F7B585}"/>
+          </ac:spMkLst>
+        </pc:spChg>
+        <pc:spChg chg="add mod topLvl">
+          <ac:chgData name="White, Ellie" userId="fec56361-5c8a-4790-9e84-6272d2f2258e" providerId="ADAL" clId="{C84A408E-A860-4545-93D6-2FF3BB9EA02D}" dt="2023-04-08T22:49:43.398" v="4871" actId="164"/>
+          <ac:spMkLst>
+            <pc:docMk/>
+            <pc:sldMk cId="418821511" sldId="259"/>
+            <ac:spMk id="90" creationId="{5851EF92-C2D1-4404-C3F7-F8D03E0123BC}"/>
+          </ac:spMkLst>
+        </pc:spChg>
+        <pc:spChg chg="add del mod">
+          <ac:chgData name="White, Ellie" userId="fec56361-5c8a-4790-9e84-6272d2f2258e" providerId="ADAL" clId="{C84A408E-A860-4545-93D6-2FF3BB9EA02D}" dt="2023-04-08T00:48:46.993" v="1099" actId="478"/>
+          <ac:spMkLst>
+            <pc:docMk/>
+            <pc:sldMk cId="418821511" sldId="259"/>
+            <ac:spMk id="91" creationId="{68572B08-D97D-7043-9EA3-B77435995B88}"/>
+          </ac:spMkLst>
+        </pc:spChg>
+        <pc:spChg chg="add mod">
+          <ac:chgData name="White, Ellie" userId="fec56361-5c8a-4790-9e84-6272d2f2258e" providerId="ADAL" clId="{C84A408E-A860-4545-93D6-2FF3BB9EA02D}" dt="2023-04-08T04:55:19.252" v="1889" actId="165"/>
+          <ac:spMkLst>
+            <pc:docMk/>
+            <pc:sldMk cId="418821511" sldId="259"/>
+            <ac:spMk id="92" creationId="{0A260F97-5EB5-E6BD-1F92-B9189BBE145E}"/>
+          </ac:spMkLst>
+        </pc:spChg>
+        <pc:spChg chg="add mod">
+          <ac:chgData name="White, Ellie" userId="fec56361-5c8a-4790-9e84-6272d2f2258e" providerId="ADAL" clId="{C84A408E-A860-4545-93D6-2FF3BB9EA02D}" dt="2023-04-08T04:55:19.252" v="1889" actId="165"/>
+          <ac:spMkLst>
+            <pc:docMk/>
+            <pc:sldMk cId="418821511" sldId="259"/>
+            <ac:spMk id="93" creationId="{06F92A4B-759E-AD53-BED4-C5BB1E73C4EF}"/>
+          </ac:spMkLst>
+        </pc:spChg>
+        <pc:spChg chg="add mod">
+          <ac:chgData name="White, Ellie" userId="fec56361-5c8a-4790-9e84-6272d2f2258e" providerId="ADAL" clId="{C84A408E-A860-4545-93D6-2FF3BB9EA02D}" dt="2023-04-08T04:55:19.252" v="1889" actId="165"/>
+          <ac:spMkLst>
+            <pc:docMk/>
+            <pc:sldMk cId="418821511" sldId="259"/>
+            <ac:spMk id="94" creationId="{BABF8ED6-A3C8-C052-B5F3-995A850AF928}"/>
+          </ac:spMkLst>
+        </pc:spChg>
+        <pc:spChg chg="add mod">
+          <ac:chgData name="White, Ellie" userId="fec56361-5c8a-4790-9e84-6272d2f2258e" providerId="ADAL" clId="{C84A408E-A860-4545-93D6-2FF3BB9EA02D}" dt="2023-04-08T04:55:19.252" v="1889" actId="165"/>
+          <ac:spMkLst>
+            <pc:docMk/>
+            <pc:sldMk cId="418821511" sldId="259"/>
+            <ac:spMk id="95" creationId="{3BB68EE1-FC65-181A-1B46-4428C7F8C79F}"/>
+          </ac:spMkLst>
+        </pc:spChg>
+        <pc:spChg chg="mod">
+          <ac:chgData name="White, Ellie" userId="fec56361-5c8a-4790-9e84-6272d2f2258e" providerId="ADAL" clId="{C84A408E-A860-4545-93D6-2FF3BB9EA02D}" dt="2023-04-08T04:52:21.407" v="1879" actId="1036"/>
+          <ac:spMkLst>
+            <pc:docMk/>
+            <pc:sldMk cId="418821511" sldId="259"/>
+            <ac:spMk id="98" creationId="{47D8E3A6-F5CB-5618-E2CD-E9B22295B9EB}"/>
+          </ac:spMkLst>
+        </pc:spChg>
+        <pc:spChg chg="mod">
+          <ac:chgData name="White, Ellie" userId="fec56361-5c8a-4790-9e84-6272d2f2258e" providerId="ADAL" clId="{C84A408E-A860-4545-93D6-2FF3BB9EA02D}" dt="2023-04-08T04:48:15.894" v="1822" actId="1035"/>
+          <ac:spMkLst>
+            <pc:docMk/>
+            <pc:sldMk cId="418821511" sldId="259"/>
+            <ac:spMk id="99" creationId="{3975039D-4592-64DD-7538-39E7D27BA951}"/>
+          </ac:spMkLst>
+        </pc:spChg>
+        <pc:spChg chg="mod">
+          <ac:chgData name="White, Ellie" userId="fec56361-5c8a-4790-9e84-6272d2f2258e" providerId="ADAL" clId="{C84A408E-A860-4545-93D6-2FF3BB9EA02D}" dt="2023-04-08T04:48:10.939" v="1819" actId="1035"/>
+          <ac:spMkLst>
+            <pc:docMk/>
+            <pc:sldMk cId="418821511" sldId="259"/>
+            <ac:spMk id="100" creationId="{4A454BFB-5CAB-5C56-C9F5-3956182EC815}"/>
+          </ac:spMkLst>
+        </pc:spChg>
+        <pc:spChg chg="mod">
+          <ac:chgData name="White, Ellie" userId="fec56361-5c8a-4790-9e84-6272d2f2258e" providerId="ADAL" clId="{C84A408E-A860-4545-93D6-2FF3BB9EA02D}" dt="2023-04-08T04:48:13.204" v="1821" actId="1035"/>
+          <ac:spMkLst>
+            <pc:docMk/>
+            <pc:sldMk cId="418821511" sldId="259"/>
+            <ac:spMk id="101" creationId="{0F895223-4005-2F03-3CEE-63404BC20742}"/>
+          </ac:spMkLst>
+        </pc:spChg>
+        <pc:spChg chg="add del">
+          <ac:chgData name="White, Ellie" userId="fec56361-5c8a-4790-9e84-6272d2f2258e" providerId="ADAL" clId="{C84A408E-A860-4545-93D6-2FF3BB9EA02D}" dt="2023-04-08T03:56:29.823" v="1610" actId="478"/>
+          <ac:spMkLst>
+            <pc:docMk/>
+            <pc:sldMk cId="418821511" sldId="259"/>
+            <ac:spMk id="102" creationId="{90F703A2-70A9-105D-7F1E-F18BDB40DF83}"/>
+          </ac:spMkLst>
+        </pc:spChg>
+        <pc:spChg chg="add del">
+          <ac:chgData name="White, Ellie" userId="fec56361-5c8a-4790-9e84-6272d2f2258e" providerId="ADAL" clId="{C84A408E-A860-4545-93D6-2FF3BB9EA02D}" dt="2023-04-08T03:56:30.773" v="1611" actId="478"/>
+          <ac:spMkLst>
+            <pc:docMk/>
+            <pc:sldMk cId="418821511" sldId="259"/>
+            <ac:spMk id="103" creationId="{4DF4AA7E-3FC1-50DF-4A5D-A07176515E66}"/>
+          </ac:spMkLst>
+        </pc:spChg>
+        <pc:spChg chg="add del">
+          <ac:chgData name="White, Ellie" userId="fec56361-5c8a-4790-9e84-6272d2f2258e" providerId="ADAL" clId="{C84A408E-A860-4545-93D6-2FF3BB9EA02D}" dt="2023-04-08T03:56:28.799" v="1609" actId="478"/>
+          <ac:spMkLst>
+            <pc:docMk/>
+            <pc:sldMk cId="418821511" sldId="259"/>
+            <ac:spMk id="104" creationId="{310D145F-3253-D855-30BC-BBF64149C8B8}"/>
+          </ac:spMkLst>
+        </pc:spChg>
+        <pc:spChg chg="add del">
+          <ac:chgData name="White, Ellie" userId="fec56361-5c8a-4790-9e84-6272d2f2258e" providerId="ADAL" clId="{C84A408E-A860-4545-93D6-2FF3BB9EA02D}" dt="2023-04-08T03:56:31.852" v="1612" actId="478"/>
+          <ac:spMkLst>
+            <pc:docMk/>
+            <pc:sldMk cId="418821511" sldId="259"/>
+            <ac:spMk id="105" creationId="{76D7BF2F-CDA3-EC25-C771-F30F5FBB2779}"/>
+          </ac:spMkLst>
+        </pc:spChg>
+        <pc:spChg chg="add del">
+          <ac:chgData name="White, Ellie" userId="fec56361-5c8a-4790-9e84-6272d2f2258e" providerId="ADAL" clId="{C84A408E-A860-4545-93D6-2FF3BB9EA02D}" dt="2023-04-08T03:56:26.158" v="1608" actId="478"/>
+          <ac:spMkLst>
+            <pc:docMk/>
+            <pc:sldMk cId="418821511" sldId="259"/>
+            <ac:spMk id="106" creationId="{A8937C26-7DB4-69E5-ECEE-0A7EAAE20018}"/>
+          </ac:spMkLst>
+        </pc:spChg>
+        <pc:spChg chg="add del">
+          <ac:chgData name="White, Ellie" userId="fec56361-5c8a-4790-9e84-6272d2f2258e" providerId="ADAL" clId="{C84A408E-A860-4545-93D6-2FF3BB9EA02D}" dt="2023-04-08T03:56:32.807" v="1613" actId="478"/>
+          <ac:spMkLst>
+            <pc:docMk/>
+            <pc:sldMk cId="418821511" sldId="259"/>
+            <ac:spMk id="107" creationId="{179C8D94-4E6E-6F9C-E22E-AB813885882D}"/>
+          </ac:spMkLst>
+        </pc:spChg>
+        <pc:spChg chg="add del">
+          <ac:chgData name="White, Ellie" userId="fec56361-5c8a-4790-9e84-6272d2f2258e" providerId="ADAL" clId="{C84A408E-A860-4545-93D6-2FF3BB9EA02D}" dt="2023-04-08T03:56:24.143" v="1607" actId="478"/>
+          <ac:spMkLst>
+            <pc:docMk/>
+            <pc:sldMk cId="418821511" sldId="259"/>
+            <ac:spMk id="108" creationId="{B4055A53-7666-CFEF-C53E-557A6E4F4A14}"/>
+          </ac:spMkLst>
+        </pc:spChg>
+        <pc:spChg chg="add del">
+          <ac:chgData name="White, Ellie" userId="fec56361-5c8a-4790-9e84-6272d2f2258e" providerId="ADAL" clId="{C84A408E-A860-4545-93D6-2FF3BB9EA02D}" dt="2023-04-08T03:56:35.250" v="1614" actId="478"/>
+          <ac:spMkLst>
+            <pc:docMk/>
+            <pc:sldMk cId="418821511" sldId="259"/>
+            <ac:spMk id="109" creationId="{27B07E7F-1831-E3A1-ED20-4B3FC317CFA6}"/>
+          </ac:spMkLst>
+        </pc:spChg>
+        <pc:spChg chg="add mod topLvl">
+          <ac:chgData name="White, Ellie" userId="fec56361-5c8a-4790-9e84-6272d2f2258e" providerId="ADAL" clId="{C84A408E-A860-4545-93D6-2FF3BB9EA02D}" dt="2023-04-08T22:23:05.647" v="4719" actId="948"/>
+          <ac:spMkLst>
+            <pc:docMk/>
+            <pc:sldMk cId="418821511" sldId="259"/>
+            <ac:spMk id="110" creationId="{F9664226-E875-1805-201D-4F823ECC3451}"/>
+          </ac:spMkLst>
+        </pc:spChg>
+        <pc:spChg chg="add del mod ord">
+          <ac:chgData name="White, Ellie" userId="fec56361-5c8a-4790-9e84-6272d2f2258e" providerId="ADAL" clId="{C84A408E-A860-4545-93D6-2FF3BB9EA02D}" dt="2023-04-08T04:47:04.112" v="1726" actId="478"/>
+          <ac:spMkLst>
+            <pc:docMk/>
+            <pc:sldMk cId="418821511" sldId="259"/>
+            <ac:spMk id="111" creationId="{FFE686FD-9B86-214A-57AF-2068E95A0CF8}"/>
+          </ac:spMkLst>
+        </pc:spChg>
+        <pc:spChg chg="add mod topLvl">
+          <ac:chgData name="White, Ellie" userId="fec56361-5c8a-4790-9e84-6272d2f2258e" providerId="ADAL" clId="{C84A408E-A860-4545-93D6-2FF3BB9EA02D}" dt="2023-04-08T22:49:43.398" v="4871" actId="164"/>
+          <ac:spMkLst>
+            <pc:docMk/>
+            <pc:sldMk cId="418821511" sldId="259"/>
+            <ac:spMk id="112" creationId="{9B0ACAAE-D4D7-4F23-2B4D-0E3E68C77436}"/>
+          </ac:spMkLst>
+        </pc:spChg>
+        <pc:spChg chg="add mod topLvl">
+          <ac:chgData name="White, Ellie" userId="fec56361-5c8a-4790-9e84-6272d2f2258e" providerId="ADAL" clId="{C84A408E-A860-4545-93D6-2FF3BB9EA02D}" dt="2023-04-08T22:49:43.398" v="4871" actId="164"/>
+          <ac:spMkLst>
+            <pc:docMk/>
+            <pc:sldMk cId="418821511" sldId="259"/>
+            <ac:spMk id="113" creationId="{ADD06344-B326-2FA0-9D49-5D0F37B6975C}"/>
+          </ac:spMkLst>
+        </pc:spChg>
+        <pc:spChg chg="add mod topLvl">
+          <ac:chgData name="White, Ellie" userId="fec56361-5c8a-4790-9e84-6272d2f2258e" providerId="ADAL" clId="{C84A408E-A860-4545-93D6-2FF3BB9EA02D}" dt="2023-04-08T22:49:43.398" v="4871" actId="164"/>
+          <ac:spMkLst>
+            <pc:docMk/>
+            <pc:sldMk cId="418821511" sldId="259"/>
+            <ac:spMk id="114" creationId="{21539A2C-A52A-A73B-B246-392B354EC280}"/>
+          </ac:spMkLst>
+        </pc:spChg>
+        <pc:spChg chg="add mod ord topLvl">
+          <ac:chgData name="White, Ellie" userId="fec56361-5c8a-4790-9e84-6272d2f2258e" providerId="ADAL" clId="{C84A408E-A860-4545-93D6-2FF3BB9EA02D}" dt="2023-04-08T22:49:43.398" v="4871" actId="164"/>
+          <ac:spMkLst>
+            <pc:docMk/>
+            <pc:sldMk cId="418821511" sldId="259"/>
+            <ac:spMk id="115" creationId="{DDF40092-C545-B15E-326D-AEB0893FAE4D}"/>
+          </ac:spMkLst>
+        </pc:spChg>
+        <pc:spChg chg="add mod ord topLvl">
+          <ac:chgData name="White, Ellie" userId="fec56361-5c8a-4790-9e84-6272d2f2258e" providerId="ADAL" clId="{C84A408E-A860-4545-93D6-2FF3BB9EA02D}" dt="2023-04-08T22:49:43.398" v="4871" actId="164"/>
+          <ac:spMkLst>
+            <pc:docMk/>
+            <pc:sldMk cId="418821511" sldId="259"/>
+            <ac:spMk id="116" creationId="{68732BA1-F724-FC4F-E74C-B052C4B3D729}"/>
+          </ac:spMkLst>
+        </pc:spChg>
+        <pc:spChg chg="add mod topLvl">
+          <ac:chgData name="White, Ellie" userId="fec56361-5c8a-4790-9e84-6272d2f2258e" providerId="ADAL" clId="{C84A408E-A860-4545-93D6-2FF3BB9EA02D}" dt="2023-04-08T19:31:54.742" v="2313" actId="164"/>
+          <ac:spMkLst>
+            <pc:docMk/>
+            <pc:sldMk cId="418821511" sldId="259"/>
+            <ac:spMk id="117" creationId="{4CC719BB-510E-764E-109D-D1F995DA5091}"/>
+          </ac:spMkLst>
+        </pc:spChg>
+        <pc:spChg chg="mod">
+          <ac:chgData name="White, Ellie" userId="fec56361-5c8a-4790-9e84-6272d2f2258e" providerId="ADAL" clId="{C84A408E-A860-4545-93D6-2FF3BB9EA02D}" dt="2023-04-08T04:55:19.252" v="1889" actId="165"/>
+          <ac:spMkLst>
+            <pc:docMk/>
+            <pc:sldMk cId="418821511" sldId="259"/>
+            <ac:spMk id="127" creationId="{DFB220B8-B700-0402-E0FE-BF3D28170C36}"/>
+          </ac:spMkLst>
+        </pc:spChg>
+        <pc:spChg chg="mod">
+          <ac:chgData name="White, Ellie" userId="fec56361-5c8a-4790-9e84-6272d2f2258e" providerId="ADAL" clId="{C84A408E-A860-4545-93D6-2FF3BB9EA02D}" dt="2023-04-08T04:55:19.252" v="1889" actId="165"/>
+          <ac:spMkLst>
+            <pc:docMk/>
+            <pc:sldMk cId="418821511" sldId="259"/>
+            <ac:spMk id="128" creationId="{8A3F892E-3282-B1A1-E1DD-F1DD59F3E41C}"/>
+          </ac:spMkLst>
+        </pc:spChg>
+        <pc:spChg chg="mod">
+          <ac:chgData name="White, Ellie" userId="fec56361-5c8a-4790-9e84-6272d2f2258e" providerId="ADAL" clId="{C84A408E-A860-4545-93D6-2FF3BB9EA02D}" dt="2023-04-08T04:55:19.252" v="1889" actId="165"/>
+          <ac:spMkLst>
+            <pc:docMk/>
+            <pc:sldMk cId="418821511" sldId="259"/>
+            <ac:spMk id="129" creationId="{D73DEE52-8D5A-DCF2-1837-B14BE68940EC}"/>
+          </ac:spMkLst>
+        </pc:spChg>
+        <pc:spChg chg="mod">
+          <ac:chgData name="White, Ellie" userId="fec56361-5c8a-4790-9e84-6272d2f2258e" providerId="ADAL" clId="{C84A408E-A860-4545-93D6-2FF3BB9EA02D}" dt="2023-04-08T04:55:19.252" v="1889" actId="165"/>
+          <ac:spMkLst>
+            <pc:docMk/>
+            <pc:sldMk cId="418821511" sldId="259"/>
+            <ac:spMk id="130" creationId="{DBD68E8A-7B71-6087-74B5-7754C3E16BC8}"/>
+          </ac:spMkLst>
+        </pc:spChg>
+        <pc:spChg chg="add del mod ord topLvl">
+          <ac:chgData name="White, Ellie" userId="fec56361-5c8a-4790-9e84-6272d2f2258e" providerId="ADAL" clId="{C84A408E-A860-4545-93D6-2FF3BB9EA02D}" dt="2023-04-08T19:22:29.718" v="2097" actId="478"/>
+          <ac:spMkLst>
+            <pc:docMk/>
+            <pc:sldMk cId="418821511" sldId="259"/>
+            <ac:spMk id="131" creationId="{7A934526-0E84-7580-3497-9231421EE921}"/>
+          </ac:spMkLst>
+        </pc:spChg>
+        <pc:spChg chg="add mod">
+          <ac:chgData name="White, Ellie" userId="fec56361-5c8a-4790-9e84-6272d2f2258e" providerId="ADAL" clId="{C84A408E-A860-4545-93D6-2FF3BB9EA02D}" dt="2023-04-08T22:49:43.398" v="4871" actId="164"/>
+          <ac:spMkLst>
+            <pc:docMk/>
+            <pc:sldMk cId="418821511" sldId="259"/>
+            <ac:spMk id="150" creationId="{557F984C-E483-ACDC-480F-30CA1F44B8F7}"/>
+          </ac:spMkLst>
+        </pc:spChg>
+        <pc:spChg chg="add mod ord">
+          <ac:chgData name="White, Ellie" userId="fec56361-5c8a-4790-9e84-6272d2f2258e" providerId="ADAL" clId="{C84A408E-A860-4545-93D6-2FF3BB9EA02D}" dt="2023-04-08T22:49:43.398" v="4871" actId="164"/>
+          <ac:spMkLst>
+            <pc:docMk/>
+            <pc:sldMk cId="418821511" sldId="259"/>
+            <ac:spMk id="154" creationId="{10F62627-5069-528E-53D4-07F97402E75A}"/>
+          </ac:spMkLst>
+        </pc:spChg>
+        <pc:grpChg chg="mod">
+          <ac:chgData name="White, Ellie" userId="fec56361-5c8a-4790-9e84-6272d2f2258e" providerId="ADAL" clId="{C84A408E-A860-4545-93D6-2FF3BB9EA02D}" dt="2023-04-08T04:55:19.252" v="1889" actId="165"/>
+          <ac:grpSpMkLst>
+            <pc:docMk/>
+            <pc:sldMk cId="418821511" sldId="259"/>
+            <ac:grpSpMk id="35" creationId="{3B011D50-52EE-C8EF-40E3-A1C9D61D50A3}"/>
+          </ac:grpSpMkLst>
+        </pc:grpChg>
+        <pc:grpChg chg="mod topLvl">
+          <ac:chgData name="White, Ellie" userId="fec56361-5c8a-4790-9e84-6272d2f2258e" providerId="ADAL" clId="{C84A408E-A860-4545-93D6-2FF3BB9EA02D}" dt="2023-04-08T22:49:43.398" v="4871" actId="164"/>
+          <ac:grpSpMkLst>
+            <pc:docMk/>
+            <pc:sldMk cId="418821511" sldId="259"/>
+            <ac:grpSpMk id="60" creationId="{DF33481A-EC37-37C2-56C1-F6B3EC394779}"/>
+          </ac:grpSpMkLst>
+        </pc:grpChg>
+        <pc:grpChg chg="del">
+          <ac:chgData name="White, Ellie" userId="fec56361-5c8a-4790-9e84-6272d2f2258e" providerId="ADAL" clId="{C84A408E-A860-4545-93D6-2FF3BB9EA02D}" dt="2023-04-08T00:33:54.518" v="914" actId="165"/>
+          <ac:grpSpMkLst>
+            <pc:docMk/>
+            <pc:sldMk cId="418821511" sldId="259"/>
+            <ac:grpSpMk id="68" creationId="{530C4716-1ECC-8E7E-A2CF-5CE942415C25}"/>
+          </ac:grpSpMkLst>
+        </pc:grpChg>
+        <pc:grpChg chg="add mod topLvl">
+          <ac:chgData name="White, Ellie" userId="fec56361-5c8a-4790-9e84-6272d2f2258e" providerId="ADAL" clId="{C84A408E-A860-4545-93D6-2FF3BB9EA02D}" dt="2023-04-08T22:49:43.398" v="4871" actId="164"/>
+          <ac:grpSpMkLst>
+            <pc:docMk/>
+            <pc:sldMk cId="418821511" sldId="259"/>
+            <ac:grpSpMk id="77" creationId="{AD5546C7-930E-3C93-F49E-C53376DB3189}"/>
+          </ac:grpSpMkLst>
+        </pc:grpChg>
+        <pc:grpChg chg="add del mod">
+          <ac:chgData name="White, Ellie" userId="fec56361-5c8a-4790-9e84-6272d2f2258e" providerId="ADAL" clId="{C84A408E-A860-4545-93D6-2FF3BB9EA02D}" dt="2023-04-08T00:22:36.980" v="787" actId="165"/>
+          <ac:grpSpMkLst>
+            <pc:docMk/>
+            <pc:sldMk cId="418821511" sldId="259"/>
+            <ac:grpSpMk id="78" creationId="{2B5DD970-9F2B-6174-96D0-B241CCB6190B}"/>
+          </ac:grpSpMkLst>
+        </pc:grpChg>
+        <pc:grpChg chg="add del mod">
+          <ac:chgData name="White, Ellie" userId="fec56361-5c8a-4790-9e84-6272d2f2258e" providerId="ADAL" clId="{C84A408E-A860-4545-93D6-2FF3BB9EA02D}" dt="2023-04-08T00:21:27.704" v="772" actId="165"/>
+          <ac:grpSpMkLst>
+            <pc:docMk/>
+            <pc:sldMk cId="418821511" sldId="259"/>
+            <ac:grpSpMk id="79" creationId="{B6C78AE9-3000-F570-4A46-B0F9AA1B59C9}"/>
+          </ac:grpSpMkLst>
+        </pc:grpChg>
+        <pc:grpChg chg="add del mod">
+          <ac:chgData name="White, Ellie" userId="fec56361-5c8a-4790-9e84-6272d2f2258e" providerId="ADAL" clId="{C84A408E-A860-4545-93D6-2FF3BB9EA02D}" dt="2023-04-08T00:20:34.006" v="762" actId="165"/>
+          <ac:grpSpMkLst>
+            <pc:docMk/>
+            <pc:sldMk cId="418821511" sldId="259"/>
+            <ac:grpSpMk id="80" creationId="{7FD6A9CD-3FC2-9EE4-E92B-A8831FC74B31}"/>
+          </ac:grpSpMkLst>
+        </pc:grpChg>
+        <pc:grpChg chg="add mod">
+          <ac:chgData name="White, Ellie" userId="fec56361-5c8a-4790-9e84-6272d2f2258e" providerId="ADAL" clId="{C84A408E-A860-4545-93D6-2FF3BB9EA02D}" dt="2023-04-08T04:55:19.252" v="1889" actId="165"/>
+          <ac:grpSpMkLst>
+            <pc:docMk/>
+            <pc:sldMk cId="418821511" sldId="259"/>
+            <ac:grpSpMk id="82" creationId="{218D5BCE-A51A-2095-AC85-4E33374F49B8}"/>
+          </ac:grpSpMkLst>
+        </pc:grpChg>
+        <pc:grpChg chg="add mod topLvl">
+          <ac:chgData name="White, Ellie" userId="fec56361-5c8a-4790-9e84-6272d2f2258e" providerId="ADAL" clId="{C84A408E-A860-4545-93D6-2FF3BB9EA02D}" dt="2023-04-08T22:49:43.398" v="4871" actId="164"/>
+          <ac:grpSpMkLst>
+            <pc:docMk/>
+            <pc:sldMk cId="418821511" sldId="259"/>
+            <ac:grpSpMk id="83" creationId="{77C10F98-C61B-7003-CFE4-3CB8D967E106}"/>
+          </ac:grpSpMkLst>
+        </pc:grpChg>
+        <pc:grpChg chg="add del mod">
+          <ac:chgData name="White, Ellie" userId="fec56361-5c8a-4790-9e84-6272d2f2258e" providerId="ADAL" clId="{C84A408E-A860-4545-93D6-2FF3BB9EA02D}" dt="2023-04-08T00:49:02.953" v="1100" actId="165"/>
+          <ac:grpSpMkLst>
+            <pc:docMk/>
+            <pc:sldMk cId="418821511" sldId="259"/>
+            <ac:grpSpMk id="86" creationId="{C3E9FC94-8E59-36A3-B5FF-346FCA32AC5B}"/>
+          </ac:grpSpMkLst>
+        </pc:grpChg>
+        <pc:grpChg chg="add del mod">
+          <ac:chgData name="White, Ellie" userId="fec56361-5c8a-4790-9e84-6272d2f2258e" providerId="ADAL" clId="{C84A408E-A860-4545-93D6-2FF3BB9EA02D}" dt="2023-04-08T00:55:21.661" v="1209" actId="478"/>
+          <ac:grpSpMkLst>
+            <pc:docMk/>
+            <pc:sldMk cId="418821511" sldId="259"/>
+            <ac:grpSpMk id="87" creationId="{313BAD8D-99C5-0464-8F04-C849B1A8CD12}"/>
+          </ac:grpSpMkLst>
+        </pc:grpChg>
+        <pc:grpChg chg="add mod topLvl">
+          <ac:chgData name="White, Ellie" userId="fec56361-5c8a-4790-9e84-6272d2f2258e" providerId="ADAL" clId="{C84A408E-A860-4545-93D6-2FF3BB9EA02D}" dt="2023-04-08T22:49:43.398" v="4871" actId="164"/>
+          <ac:grpSpMkLst>
+            <pc:docMk/>
+            <pc:sldMk cId="418821511" sldId="259"/>
+            <ac:grpSpMk id="96" creationId="{D20A6F3A-7E85-9FFB-A66A-BE28177F74CC}"/>
+          </ac:grpSpMkLst>
+        </pc:grpChg>
+        <pc:grpChg chg="add del mod">
+          <ac:chgData name="White, Ellie" userId="fec56361-5c8a-4790-9e84-6272d2f2258e" providerId="ADAL" clId="{C84A408E-A860-4545-93D6-2FF3BB9EA02D}" dt="2023-04-08T04:53:12.290" v="1884" actId="478"/>
+          <ac:grpSpMkLst>
+            <pc:docMk/>
+            <pc:sldMk cId="418821511" sldId="259"/>
+            <ac:grpSpMk id="97" creationId="{B3541865-3898-6F3E-E91B-38E53584A5DB}"/>
+          </ac:grpSpMkLst>
+        </pc:grpChg>
+        <pc:grpChg chg="add del mod topLvl">
+          <ac:chgData name="White, Ellie" userId="fec56361-5c8a-4790-9e84-6272d2f2258e" providerId="ADAL" clId="{C84A408E-A860-4545-93D6-2FF3BB9EA02D}" dt="2023-04-08T19:31:05.389" v="2305" actId="165"/>
+          <ac:grpSpMkLst>
+            <pc:docMk/>
+            <pc:sldMk cId="418821511" sldId="259"/>
+            <ac:grpSpMk id="118" creationId="{FF077AE5-48CD-F6BF-027D-8FE91C913D75}"/>
+          </ac:grpSpMkLst>
+        </pc:grpChg>
+        <pc:grpChg chg="add mod topLvl">
+          <ac:chgData name="White, Ellie" userId="fec56361-5c8a-4790-9e84-6272d2f2258e" providerId="ADAL" clId="{C84A408E-A860-4545-93D6-2FF3BB9EA02D}" dt="2023-04-08T22:49:43.398" v="4871" actId="164"/>
+          <ac:grpSpMkLst>
+            <pc:docMk/>
+            <pc:sldMk cId="418821511" sldId="259"/>
+            <ac:grpSpMk id="119" creationId="{BA8F6FA3-392B-2DCE-F67B-AFE623DEB112}"/>
+          </ac:grpSpMkLst>
+        </pc:grpChg>
+        <pc:grpChg chg="add mod topLvl">
+          <ac:chgData name="White, Ellie" userId="fec56361-5c8a-4790-9e84-6272d2f2258e" providerId="ADAL" clId="{C84A408E-A860-4545-93D6-2FF3BB9EA02D}" dt="2023-04-08T22:49:43.398" v="4871" actId="164"/>
+          <ac:grpSpMkLst>
+            <pc:docMk/>
+            <pc:sldMk cId="418821511" sldId="259"/>
+            <ac:grpSpMk id="126" creationId="{49C22CF5-4563-EAC1-06B9-8101272D2049}"/>
+          </ac:grpSpMkLst>
+        </pc:grpChg>
+        <pc:grpChg chg="add del mod">
+          <ac:chgData name="White, Ellie" userId="fec56361-5c8a-4790-9e84-6272d2f2258e" providerId="ADAL" clId="{C84A408E-A860-4545-93D6-2FF3BB9EA02D}" dt="2023-04-08T04:55:19.252" v="1889" actId="165"/>
+          <ac:grpSpMkLst>
+            <pc:docMk/>
+            <pc:sldMk cId="418821511" sldId="259"/>
+            <ac:grpSpMk id="132" creationId="{7B627908-3A72-3CE4-2AD8-D6FD72F512E9}"/>
+          </ac:grpSpMkLst>
+        </pc:grpChg>
+        <pc:grpChg chg="add mod">
+          <ac:chgData name="White, Ellie" userId="fec56361-5c8a-4790-9e84-6272d2f2258e" providerId="ADAL" clId="{C84A408E-A860-4545-93D6-2FF3BB9EA02D}" dt="2023-04-08T19:31:21.240" v="2307" actId="338"/>
+          <ac:grpSpMkLst>
+            <pc:docMk/>
+            <pc:sldMk cId="418821511" sldId="259"/>
+            <ac:grpSpMk id="137" creationId="{45045B4E-BD98-ADEE-90F9-69C6D1DDB9F1}"/>
+          </ac:grpSpMkLst>
+        </pc:grpChg>
+        <pc:grpChg chg="add mod">
+          <ac:chgData name="White, Ellie" userId="fec56361-5c8a-4790-9e84-6272d2f2258e" providerId="ADAL" clId="{C84A408E-A860-4545-93D6-2FF3BB9EA02D}" dt="2023-04-08T19:32:43.094" v="2337" actId="164"/>
+          <ac:grpSpMkLst>
+            <pc:docMk/>
+            <pc:sldMk cId="418821511" sldId="259"/>
+            <ac:grpSpMk id="138" creationId="{83E2B7AF-13A4-CB34-1109-B826DFD66C78}"/>
+          </ac:grpSpMkLst>
+        </pc:grpChg>
+        <pc:grpChg chg="add mod">
+          <ac:chgData name="White, Ellie" userId="fec56361-5c8a-4790-9e84-6272d2f2258e" providerId="ADAL" clId="{C84A408E-A860-4545-93D6-2FF3BB9EA02D}" dt="2023-04-08T22:49:43.398" v="4871" actId="164"/>
+          <ac:grpSpMkLst>
+            <pc:docMk/>
+            <pc:sldMk cId="418821511" sldId="259"/>
+            <ac:grpSpMk id="141" creationId="{6ACCCFEC-EE8D-E85D-99F3-AEAF1A5E511D}"/>
+          </ac:grpSpMkLst>
+        </pc:grpChg>
+        <pc:grpChg chg="add mod">
+          <ac:chgData name="White, Ellie" userId="fec56361-5c8a-4790-9e84-6272d2f2258e" providerId="ADAL" clId="{C84A408E-A860-4545-93D6-2FF3BB9EA02D}" dt="2023-04-08T22:49:43.398" v="4871" actId="164"/>
+          <ac:grpSpMkLst>
+            <pc:docMk/>
+            <pc:sldMk cId="418821511" sldId="259"/>
+            <ac:grpSpMk id="153" creationId="{DDC91789-0B70-C514-97C2-E754026B8262}"/>
+          </ac:grpSpMkLst>
+        </pc:grpChg>
+        <pc:grpChg chg="add mod">
+          <ac:chgData name="White, Ellie" userId="fec56361-5c8a-4790-9e84-6272d2f2258e" providerId="ADAL" clId="{C84A408E-A860-4545-93D6-2FF3BB9EA02D}" dt="2023-04-08T22:49:43.398" v="4871" actId="164"/>
+          <ac:grpSpMkLst>
+            <pc:docMk/>
+            <pc:sldMk cId="418821511" sldId="259"/>
+            <ac:grpSpMk id="165" creationId="{BAC50E04-38DB-C74D-EF81-883B1B774104}"/>
+          </ac:grpSpMkLst>
+        </pc:grpChg>
+        <pc:picChg chg="mod topLvl">
+          <ac:chgData name="White, Ellie" userId="fec56361-5c8a-4790-9e84-6272d2f2258e" providerId="ADAL" clId="{C84A408E-A860-4545-93D6-2FF3BB9EA02D}" dt="2023-04-08T22:49:43.398" v="4871" actId="164"/>
+          <ac:picMkLst>
+            <pc:docMk/>
+            <pc:sldMk cId="418821511" sldId="259"/>
+            <ac:picMk id="3" creationId="{C081CB69-D92F-2257-0FE3-5EDA678BDDEF}"/>
+          </ac:picMkLst>
+        </pc:picChg>
+        <pc:picChg chg="del">
+          <ac:chgData name="White, Ellie" userId="fec56361-5c8a-4790-9e84-6272d2f2258e" providerId="ADAL" clId="{C84A408E-A860-4545-93D6-2FF3BB9EA02D}" dt="2023-04-08T00:15:41.223" v="706" actId="478"/>
+          <ac:picMkLst>
+            <pc:docMk/>
+            <pc:sldMk cId="418821511" sldId="259"/>
+            <ac:picMk id="4" creationId="{20495C83-58E7-044D-D4BA-2FA43CB52341}"/>
+          </ac:picMkLst>
+        </pc:picChg>
+        <pc:picChg chg="mod topLvl">
+          <ac:chgData name="White, Ellie" userId="fec56361-5c8a-4790-9e84-6272d2f2258e" providerId="ADAL" clId="{C84A408E-A860-4545-93D6-2FF3BB9EA02D}" dt="2023-04-08T19:31:54.742" v="2313" actId="164"/>
+          <ac:picMkLst>
+            <pc:docMk/>
+            <pc:sldMk cId="418821511" sldId="259"/>
+            <ac:picMk id="7" creationId="{EA211AEE-3789-D087-E374-D5EA30A8AE6D}"/>
+          </ac:picMkLst>
+        </pc:picChg>
+        <pc:picChg chg="add mod topLvl modCrop">
+          <ac:chgData name="White, Ellie" userId="fec56361-5c8a-4790-9e84-6272d2f2258e" providerId="ADAL" clId="{C84A408E-A860-4545-93D6-2FF3BB9EA02D}" dt="2023-04-08T22:49:43.398" v="4871" actId="164"/>
+          <ac:picMkLst>
+            <pc:docMk/>
+            <pc:sldMk cId="418821511" sldId="259"/>
+            <ac:picMk id="9" creationId="{AD6E475A-2214-17A5-A79C-91AB2E3E72B2}"/>
+          </ac:picMkLst>
+        </pc:picChg>
+        <pc:picChg chg="add mod topLvl modCrop">
+          <ac:chgData name="White, Ellie" userId="fec56361-5c8a-4790-9e84-6272d2f2258e" providerId="ADAL" clId="{C84A408E-A860-4545-93D6-2FF3BB9EA02D}" dt="2023-04-08T04:55:19.252" v="1889" actId="165"/>
+          <ac:picMkLst>
+            <pc:docMk/>
+            <pc:sldMk cId="418821511" sldId="259"/>
+            <ac:picMk id="10" creationId="{63DABC5B-2D59-3ACE-8AD5-699CC5D16781}"/>
+          </ac:picMkLst>
+        </pc:picChg>
+        <pc:picChg chg="del mod">
+          <ac:chgData name="White, Ellie" userId="fec56361-5c8a-4790-9e84-6272d2f2258e" providerId="ADAL" clId="{C84A408E-A860-4545-93D6-2FF3BB9EA02D}" dt="2023-04-07T23:59:30.870" v="601" actId="478"/>
+          <ac:picMkLst>
+            <pc:docMk/>
+            <pc:sldMk cId="418821511" sldId="259"/>
+            <ac:picMk id="11" creationId="{892B100A-AC95-EB6F-B08B-9ED14CBBE6B2}"/>
+          </ac:picMkLst>
+        </pc:picChg>
+        <pc:picChg chg="add mod topLvl modCrop">
+          <ac:chgData name="White, Ellie" userId="fec56361-5c8a-4790-9e84-6272d2f2258e" providerId="ADAL" clId="{C84A408E-A860-4545-93D6-2FF3BB9EA02D}" dt="2023-04-08T22:49:43.398" v="4871" actId="164"/>
+          <ac:picMkLst>
+            <pc:docMk/>
+            <pc:sldMk cId="418821511" sldId="259"/>
+            <ac:picMk id="18" creationId="{33AD14E2-EEA2-57C2-7744-E4FED68898B9}"/>
+          </ac:picMkLst>
+        </pc:picChg>
+        <pc:picChg chg="add mod">
+          <ac:chgData name="White, Ellie" userId="fec56361-5c8a-4790-9e84-6272d2f2258e" providerId="ADAL" clId="{C84A408E-A860-4545-93D6-2FF3BB9EA02D}" dt="2023-04-08T19:32:34.213" v="2335" actId="1036"/>
+          <ac:picMkLst>
+            <pc:docMk/>
+            <pc:sldMk cId="418821511" sldId="259"/>
+            <ac:picMk id="36" creationId="{1213AF4D-BFB8-162D-B261-E505103E831A}"/>
+          </ac:picMkLst>
+        </pc:picChg>
+        <pc:picChg chg="add del mod ord modCrop">
+          <ac:chgData name="White, Ellie" userId="fec56361-5c8a-4790-9e84-6272d2f2258e" providerId="ADAL" clId="{C84A408E-A860-4545-93D6-2FF3BB9EA02D}" dt="2023-04-08T04:46:33.073" v="1715" actId="478"/>
+          <ac:picMkLst>
+            <pc:docMk/>
+            <pc:sldMk cId="418821511" sldId="259"/>
+            <ac:picMk id="75" creationId="{EB3D1850-681D-54E1-95A7-121BE4AF9DF8}"/>
+          </ac:picMkLst>
+        </pc:picChg>
+        <pc:picChg chg="add del mod ord modCrop">
+          <ac:chgData name="White, Ellie" userId="fec56361-5c8a-4790-9e84-6272d2f2258e" providerId="ADAL" clId="{C84A408E-A860-4545-93D6-2FF3BB9EA02D}" dt="2023-04-08T04:49:53.274" v="1823" actId="478"/>
+          <ac:picMkLst>
+            <pc:docMk/>
+            <pc:sldMk cId="418821511" sldId="259"/>
+            <ac:picMk id="121" creationId="{2550D008-6910-991F-49FC-1D18339F0642}"/>
+          </ac:picMkLst>
+        </pc:picChg>
+        <pc:picChg chg="add del mod ord">
+          <ac:chgData name="White, Ellie" userId="fec56361-5c8a-4790-9e84-6272d2f2258e" providerId="ADAL" clId="{C84A408E-A860-4545-93D6-2FF3BB9EA02D}" dt="2023-04-08T04:51:07.583" v="1828" actId="478"/>
+          <ac:picMkLst>
+            <pc:docMk/>
+            <pc:sldMk cId="418821511" sldId="259"/>
+            <ac:picMk id="123" creationId="{105A13CB-E49D-4495-928E-2C19BA97CF61}"/>
+          </ac:picMkLst>
+        </pc:picChg>
+        <pc:picChg chg="add del mod ord topLvl modCrop">
+          <ac:chgData name="White, Ellie" userId="fec56361-5c8a-4790-9e84-6272d2f2258e" providerId="ADAL" clId="{C84A408E-A860-4545-93D6-2FF3BB9EA02D}" dt="2023-04-08T19:22:24.538" v="2096" actId="478"/>
+          <ac:picMkLst>
+            <pc:docMk/>
+            <pc:sldMk cId="418821511" sldId="259"/>
+            <ac:picMk id="125" creationId="{2D09E006-51D4-EE1B-6325-39B1A8B70FA9}"/>
+          </ac:picMkLst>
+        </pc:picChg>
+        <pc:picChg chg="add del mod ord">
+          <ac:chgData name="White, Ellie" userId="fec56361-5c8a-4790-9e84-6272d2f2258e" providerId="ADAL" clId="{C84A408E-A860-4545-93D6-2FF3BB9EA02D}" dt="2023-04-08T19:27:50.973" v="2148" actId="478"/>
+          <ac:picMkLst>
+            <pc:docMk/>
+            <pc:sldMk cId="418821511" sldId="259"/>
+            <ac:picMk id="134" creationId="{2F3CE90A-4A8B-93BB-8F29-596F88B4FA69}"/>
+          </ac:picMkLst>
+        </pc:picChg>
+        <pc:picChg chg="add del mod ord">
+          <ac:chgData name="White, Ellie" userId="fec56361-5c8a-4790-9e84-6272d2f2258e" providerId="ADAL" clId="{C84A408E-A860-4545-93D6-2FF3BB9EA02D}" dt="2023-04-08T21:44:25.917" v="3749" actId="478"/>
+          <ac:picMkLst>
+            <pc:docMk/>
+            <pc:sldMk cId="418821511" sldId="259"/>
+            <ac:picMk id="136" creationId="{3A54C0D1-908C-708C-EC11-4A7CF7CEC97F}"/>
+          </ac:picMkLst>
+        </pc:picChg>
+        <pc:picChg chg="add mod ord">
+          <ac:chgData name="White, Ellie" userId="fec56361-5c8a-4790-9e84-6272d2f2258e" providerId="ADAL" clId="{C84A408E-A860-4545-93D6-2FF3BB9EA02D}" dt="2023-04-08T22:49:43.398" v="4871" actId="164"/>
+          <ac:picMkLst>
+            <pc:docMk/>
+            <pc:sldMk cId="418821511" sldId="259"/>
+            <ac:picMk id="145" creationId="{7B06F101-C083-F4DB-8B9C-597631D29033}"/>
+          </ac:picMkLst>
+        </pc:picChg>
+        <pc:picChg chg="add del mod">
+          <ac:chgData name="White, Ellie" userId="fec56361-5c8a-4790-9e84-6272d2f2258e" providerId="ADAL" clId="{C84A408E-A860-4545-93D6-2FF3BB9EA02D}" dt="2023-04-08T22:29:57" v="4736" actId="478"/>
+          <ac:picMkLst>
+            <pc:docMk/>
+            <pc:sldMk cId="418821511" sldId="259"/>
+            <ac:picMk id="156" creationId="{C92D39A4-A26D-A766-4EBA-46C60705164A}"/>
+          </ac:picMkLst>
+        </pc:picChg>
+        <pc:picChg chg="add del mod">
+          <ac:chgData name="White, Ellie" userId="fec56361-5c8a-4790-9e84-6272d2f2258e" providerId="ADAL" clId="{C84A408E-A860-4545-93D6-2FF3BB9EA02D}" dt="2023-04-08T22:44:58.628" v="4800"/>
+          <ac:picMkLst>
+            <pc:docMk/>
+            <pc:sldMk cId="418821511" sldId="259"/>
+            <ac:picMk id="158" creationId="{5D6C5AAB-2D12-CEE0-1F00-44AE6975DBB3}"/>
+          </ac:picMkLst>
+        </pc:picChg>
+        <pc:picChg chg="add del mod">
+          <ac:chgData name="White, Ellie" userId="fec56361-5c8a-4790-9e84-6272d2f2258e" providerId="ADAL" clId="{C84A408E-A860-4545-93D6-2FF3BB9EA02D}" dt="2023-04-08T22:47:08.164" v="4823" actId="478"/>
+          <ac:picMkLst>
+            <pc:docMk/>
+            <pc:sldMk cId="418821511" sldId="259"/>
+            <ac:picMk id="160" creationId="{E9DA763A-81F1-DD30-6FD1-08106B1318BC}"/>
+          </ac:picMkLst>
+        </pc:picChg>
+        <pc:picChg chg="add del mod">
+          <ac:chgData name="White, Ellie" userId="fec56361-5c8a-4790-9e84-6272d2f2258e" providerId="ADAL" clId="{C84A408E-A860-4545-93D6-2FF3BB9EA02D}" dt="2023-04-08T22:46:56.458" v="4817" actId="21"/>
+          <ac:picMkLst>
+            <pc:docMk/>
+            <pc:sldMk cId="418821511" sldId="259"/>
+            <ac:picMk id="162" creationId="{6FCC6C0B-C150-4784-EA5E-36833E845214}"/>
+          </ac:picMkLst>
+        </pc:picChg>
+        <pc:picChg chg="add del mod">
+          <ac:chgData name="White, Ellie" userId="fec56361-5c8a-4790-9e84-6272d2f2258e" providerId="ADAL" clId="{C84A408E-A860-4545-93D6-2FF3BB9EA02D}" dt="2023-04-08T22:47:07.339" v="4822" actId="478"/>
+          <ac:picMkLst>
+            <pc:docMk/>
+            <pc:sldMk cId="418821511" sldId="259"/>
+            <ac:picMk id="164" creationId="{8EF339E8-8D14-D91D-2F06-C7731BFF6708}"/>
+          </ac:picMkLst>
+        </pc:picChg>
+        <pc:cxnChg chg="del mod">
+          <ac:chgData name="White, Ellie" userId="fec56361-5c8a-4790-9e84-6272d2f2258e" providerId="ADAL" clId="{C84A408E-A860-4545-93D6-2FF3BB9EA02D}" dt="2023-04-08T00:03:13.548" v="654" actId="478"/>
+          <ac:cxnSpMkLst>
+            <pc:docMk/>
+            <pc:sldMk cId="418821511" sldId="259"/>
+            <ac:cxnSpMk id="19" creationId="{082ACA66-1874-2103-8EC5-FCB8A52B9FA9}"/>
+          </ac:cxnSpMkLst>
+        </pc:cxnChg>
+        <pc:cxnChg chg="del mod">
+          <ac:chgData name="White, Ellie" userId="fec56361-5c8a-4790-9e84-6272d2f2258e" providerId="ADAL" clId="{C84A408E-A860-4545-93D6-2FF3BB9EA02D}" dt="2023-04-08T00:03:07.804" v="652" actId="478"/>
+          <ac:cxnSpMkLst>
+            <pc:docMk/>
+            <pc:sldMk cId="418821511" sldId="259"/>
+            <ac:cxnSpMk id="21" creationId="{96D9CBA5-E572-F270-29CE-61A91DCDA012}"/>
+          </ac:cxnSpMkLst>
+        </pc:cxnChg>
+        <pc:cxnChg chg="add del mod">
+          <ac:chgData name="White, Ellie" userId="fec56361-5c8a-4790-9e84-6272d2f2258e" providerId="ADAL" clId="{C84A408E-A860-4545-93D6-2FF3BB9EA02D}" dt="2023-04-08T19:32:39.538" v="2336" actId="478"/>
+          <ac:cxnSpMkLst>
+            <pc:docMk/>
+            <pc:sldMk cId="418821511" sldId="259"/>
+            <ac:cxnSpMk id="140" creationId="{54C7C878-F60B-9807-3AF7-CE00A1613C15}"/>
+          </ac:cxnSpMkLst>
+        </pc:cxnChg>
+        <pc:cxnChg chg="add del mod">
+          <ac:chgData name="White, Ellie" userId="fec56361-5c8a-4790-9e84-6272d2f2258e" providerId="ADAL" clId="{C84A408E-A860-4545-93D6-2FF3BB9EA02D}" dt="2023-04-08T19:48:02.689" v="3710" actId="478"/>
+          <ac:cxnSpMkLst>
+            <pc:docMk/>
+            <pc:sldMk cId="418821511" sldId="259"/>
+            <ac:cxnSpMk id="143" creationId="{39C0089C-8E1A-233F-0F3C-80974AE10889}"/>
+          </ac:cxnSpMkLst>
+        </pc:cxnChg>
+        <pc:cxnChg chg="add del mod">
+          <ac:chgData name="White, Ellie" userId="fec56361-5c8a-4790-9e84-6272d2f2258e" providerId="ADAL" clId="{C84A408E-A860-4545-93D6-2FF3BB9EA02D}" dt="2023-04-08T21:46:06.814" v="3762" actId="478"/>
+          <ac:cxnSpMkLst>
+            <pc:docMk/>
+            <pc:sldMk cId="418821511" sldId="259"/>
+            <ac:cxnSpMk id="147" creationId="{4781755E-0E2B-9D2F-9215-825637477834}"/>
+          </ac:cxnSpMkLst>
+        </pc:cxnChg>
+        <pc:cxnChg chg="add mod">
+          <ac:chgData name="White, Ellie" userId="fec56361-5c8a-4790-9e84-6272d2f2258e" providerId="ADAL" clId="{C84A408E-A860-4545-93D6-2FF3BB9EA02D}" dt="2023-04-08T22:19:53.515" v="4647" actId="1035"/>
+          <ac:cxnSpMkLst>
+            <pc:docMk/>
+            <pc:sldMk cId="418821511" sldId="259"/>
+            <ac:cxnSpMk id="152" creationId="{35CD4AC8-8C5B-ED83-8F3C-0C9E0C5762AA}"/>
+          </ac:cxnSpMkLst>
+        </pc:cxnChg>
+      </pc:sldChg>
+      <pc:sldChg chg="addSp delSp modSp new del mod">
+        <pc:chgData name="White, Ellie" userId="fec56361-5c8a-4790-9e84-6272d2f2258e" providerId="ADAL" clId="{C84A408E-A860-4545-93D6-2FF3BB9EA02D}" dt="2023-04-08T19:27:57.513" v="2152" actId="47"/>
+        <pc:sldMkLst>
+          <pc:docMk/>
+          <pc:sldMk cId="3838008151" sldId="260"/>
+        </pc:sldMkLst>
+        <pc:spChg chg="add del mod">
+          <ac:chgData name="White, Ellie" userId="fec56361-5c8a-4790-9e84-6272d2f2258e" providerId="ADAL" clId="{C84A408E-A860-4545-93D6-2FF3BB9EA02D}" dt="2023-04-08T19:27:56.641" v="2151" actId="478"/>
+          <ac:spMkLst>
+            <pc:docMk/>
+            <pc:sldMk cId="3838008151" sldId="260"/>
+            <ac:spMk id="4" creationId="{93B67A6A-37E2-DB3B-EAD6-BDDBA94BF396}"/>
+          </ac:spMkLst>
+        </pc:spChg>
       </pc:sldChg>
     </pc:docChg>
   </pc:docChgLst>
@@ -1097,7 +2398,7 @@
           <a:p>
             <a:fld id="{169E1B5B-BF25-4F35-9AA9-5CD9DC98F58A}" type="datetimeFigureOut">
               <a:rPr lang="en-US" smtClean="0"/>
-              <a:t>4/5/2023</a:t>
+              <a:t>4/7/2023</a:t>
             </a:fld>
             <a:endParaRPr lang="en-US"/>
           </a:p>
@@ -1295,7 +2596,7 @@
           <a:p>
             <a:fld id="{169E1B5B-BF25-4F35-9AA9-5CD9DC98F58A}" type="datetimeFigureOut">
               <a:rPr lang="en-US" smtClean="0"/>
-              <a:t>4/5/2023</a:t>
+              <a:t>4/7/2023</a:t>
             </a:fld>
             <a:endParaRPr lang="en-US"/>
           </a:p>
@@ -1503,7 +2804,7 @@
           <a:p>
             <a:fld id="{169E1B5B-BF25-4F35-9AA9-5CD9DC98F58A}" type="datetimeFigureOut">
               <a:rPr lang="en-US" smtClean="0"/>
-              <a:t>4/5/2023</a:t>
+              <a:t>4/7/2023</a:t>
             </a:fld>
             <a:endParaRPr lang="en-US"/>
           </a:p>
@@ -1701,7 +3002,7 @@
           <a:p>
             <a:fld id="{169E1B5B-BF25-4F35-9AA9-5CD9DC98F58A}" type="datetimeFigureOut">
               <a:rPr lang="en-US" smtClean="0"/>
-              <a:t>4/5/2023</a:t>
+              <a:t>4/7/2023</a:t>
             </a:fld>
             <a:endParaRPr lang="en-US"/>
           </a:p>
@@ -1976,7 +3277,7 @@
           <a:p>
             <a:fld id="{169E1B5B-BF25-4F35-9AA9-5CD9DC98F58A}" type="datetimeFigureOut">
               <a:rPr lang="en-US" smtClean="0"/>
-              <a:t>4/5/2023</a:t>
+              <a:t>4/7/2023</a:t>
             </a:fld>
             <a:endParaRPr lang="en-US"/>
           </a:p>
@@ -2241,7 +3542,7 @@
           <a:p>
             <a:fld id="{169E1B5B-BF25-4F35-9AA9-5CD9DC98F58A}" type="datetimeFigureOut">
               <a:rPr lang="en-US" smtClean="0"/>
-              <a:t>4/5/2023</a:t>
+              <a:t>4/7/2023</a:t>
             </a:fld>
             <a:endParaRPr lang="en-US"/>
           </a:p>
@@ -2653,7 +3954,7 @@
           <a:p>
             <a:fld id="{169E1B5B-BF25-4F35-9AA9-5CD9DC98F58A}" type="datetimeFigureOut">
               <a:rPr lang="en-US" smtClean="0"/>
-              <a:t>4/5/2023</a:t>
+              <a:t>4/7/2023</a:t>
             </a:fld>
             <a:endParaRPr lang="en-US"/>
           </a:p>
@@ -2794,7 +4095,7 @@
           <a:p>
             <a:fld id="{169E1B5B-BF25-4F35-9AA9-5CD9DC98F58A}" type="datetimeFigureOut">
               <a:rPr lang="en-US" smtClean="0"/>
-              <a:t>4/5/2023</a:t>
+              <a:t>4/7/2023</a:t>
             </a:fld>
             <a:endParaRPr lang="en-US"/>
           </a:p>
@@ -2907,7 +4208,7 @@
           <a:p>
             <a:fld id="{169E1B5B-BF25-4F35-9AA9-5CD9DC98F58A}" type="datetimeFigureOut">
               <a:rPr lang="en-US" smtClean="0"/>
-              <a:t>4/5/2023</a:t>
+              <a:t>4/7/2023</a:t>
             </a:fld>
             <a:endParaRPr lang="en-US"/>
           </a:p>
@@ -3218,7 +4519,7 @@
           <a:p>
             <a:fld id="{169E1B5B-BF25-4F35-9AA9-5CD9DC98F58A}" type="datetimeFigureOut">
               <a:rPr lang="en-US" smtClean="0"/>
-              <a:t>4/5/2023</a:t>
+              <a:t>4/7/2023</a:t>
             </a:fld>
             <a:endParaRPr lang="en-US"/>
           </a:p>
@@ -3506,7 +4807,7 @@
           <a:p>
             <a:fld id="{169E1B5B-BF25-4F35-9AA9-5CD9DC98F58A}" type="datetimeFigureOut">
               <a:rPr lang="en-US" smtClean="0"/>
-              <a:t>4/5/2023</a:t>
+              <a:t>4/7/2023</a:t>
             </a:fld>
             <a:endParaRPr lang="en-US"/>
           </a:p>
@@ -3747,7 +5048,7 @@
           <a:p>
             <a:fld id="{169E1B5B-BF25-4F35-9AA9-5CD9DC98F58A}" type="datetimeFigureOut">
               <a:rPr lang="en-US" smtClean="0"/>
-              <a:t>4/5/2023</a:t>
+              <a:t>4/7/2023</a:t>
             </a:fld>
             <a:endParaRPr lang="en-US"/>
           </a:p>
@@ -4246,10 +5547,10 @@
       </p:grpSpPr>
       <p:grpSp>
         <p:nvGrpSpPr>
-          <p:cNvPr id="18" name="Group 17">
+          <p:cNvPr id="165" name="Group 164">
             <a:extLst>
               <a:ext uri="{FF2B5EF4-FFF2-40B4-BE49-F238E27FC236}">
-                <a16:creationId xmlns:a16="http://schemas.microsoft.com/office/drawing/2014/main" id="{E6A28926-1C46-325F-4961-F37D1D58E582}"/>
+                <a16:creationId xmlns:a16="http://schemas.microsoft.com/office/drawing/2014/main" id="{BAC50E04-38DB-C74D-EF81-883B1B774104}"/>
               </a:ext>
             </a:extLst>
           </p:cNvPr>
@@ -4264,12 +5565,48 @@
             <a:chExt cx="12192000" cy="6858000"/>
           </a:xfrm>
         </p:grpSpPr>
+        <p:pic>
+          <p:nvPicPr>
+            <p:cNvPr id="145" name="Picture 144" descr="Chart, radar chart&#10;&#10;Description automatically generated">
+              <a:extLst>
+                <a:ext uri="{FF2B5EF4-FFF2-40B4-BE49-F238E27FC236}">
+                  <a16:creationId xmlns:a16="http://schemas.microsoft.com/office/drawing/2014/main" id="{7B06F101-C083-F4DB-8B9C-597631D29033}"/>
+                </a:ext>
+              </a:extLst>
+            </p:cNvPr>
+            <p:cNvPicPr>
+              <a:picLocks noChangeAspect="1"/>
+            </p:cNvPicPr>
+            <p:nvPr/>
+          </p:nvPicPr>
+          <p:blipFill>
+            <a:blip r:embed="rId2">
+              <a:extLst>
+                <a:ext uri="{28A0092B-C50C-407E-A947-70E740481C1C}">
+                  <a14:useLocalDpi xmlns:a14="http://schemas.microsoft.com/office/drawing/2010/main" val="0"/>
+                </a:ext>
+              </a:extLst>
+            </a:blip>
+            <a:stretch>
+              <a:fillRect/>
+            </a:stretch>
+          </p:blipFill>
+          <p:spPr>
+            <a:xfrm>
+              <a:off x="0" y="0"/>
+              <a:ext cx="12192000" cy="6858000"/>
+            </a:xfrm>
+            <a:prstGeom prst="rect">
+              <a:avLst/>
+            </a:prstGeom>
+          </p:spPr>
+        </p:pic>
         <p:sp>
           <p:nvSpPr>
-            <p:cNvPr id="75" name="Rectangle 74">
+            <p:cNvPr id="154" name="Rectangle 153">
               <a:extLst>
                 <a:ext uri="{FF2B5EF4-FFF2-40B4-BE49-F238E27FC236}">
-                  <a16:creationId xmlns:a16="http://schemas.microsoft.com/office/drawing/2014/main" id="{956B681B-05A8-4B23-147C-6457E85273F1}"/>
+                  <a16:creationId xmlns:a16="http://schemas.microsoft.com/office/drawing/2014/main" id="{10F62627-5069-528E-53D4-07F97402E75A}"/>
                 </a:ext>
               </a:extLst>
             </p:cNvPr>
@@ -4278,10 +5615,75 @@
           </p:nvSpPr>
           <p:spPr>
             <a:xfrm>
-              <a:off x="0" y="0"/>
-              <a:ext cx="12192000" cy="6858000"/>
+              <a:off x="321516" y="3272995"/>
+              <a:ext cx="11685464" cy="2933777"/>
             </a:xfrm>
             <a:prstGeom prst="rect">
+              <a:avLst/>
+            </a:prstGeom>
+            <a:gradFill>
+              <a:gsLst>
+                <a:gs pos="18000">
+                  <a:srgbClr val="FFFFFF"/>
+                </a:gs>
+                <a:gs pos="0">
+                  <a:schemeClr val="bg1">
+                    <a:alpha val="50000"/>
+                  </a:schemeClr>
+                </a:gs>
+                <a:gs pos="100000">
+                  <a:schemeClr val="bg1"/>
+                </a:gs>
+              </a:gsLst>
+              <a:lin ang="5400000" scaled="1"/>
+            </a:gradFill>
+            <a:ln>
+              <a:noFill/>
+            </a:ln>
+          </p:spPr>
+          <p:style>
+            <a:lnRef idx="2">
+              <a:schemeClr val="accent1">
+                <a:shade val="50000"/>
+              </a:schemeClr>
+            </a:lnRef>
+            <a:fillRef idx="1">
+              <a:schemeClr val="accent1"/>
+            </a:fillRef>
+            <a:effectRef idx="0">
+              <a:schemeClr val="accent1"/>
+            </a:effectRef>
+            <a:fontRef idx="minor">
+              <a:schemeClr val="lt1"/>
+            </a:fontRef>
+          </p:style>
+          <p:txBody>
+            <a:bodyPr rtlCol="0" anchor="ctr"/>
+            <a:lstStyle/>
+            <a:p>
+              <a:pPr algn="ctr"/>
+              <a:endParaRPr lang="en-US"/>
+            </a:p>
+          </p:txBody>
+        </p:sp>
+        <p:sp>
+          <p:nvSpPr>
+            <p:cNvPr id="116" name="Oval 115">
+              <a:extLst>
+                <a:ext uri="{FF2B5EF4-FFF2-40B4-BE49-F238E27FC236}">
+                  <a16:creationId xmlns:a16="http://schemas.microsoft.com/office/drawing/2014/main" id="{68732BA1-F724-FC4F-E74C-B052C4B3D729}"/>
+                </a:ext>
+              </a:extLst>
+            </p:cNvPr>
+            <p:cNvSpPr/>
+            <p:nvPr/>
+          </p:nvSpPr>
+          <p:spPr>
+            <a:xfrm>
+              <a:off x="8003865" y="2328083"/>
+              <a:ext cx="2331720" cy="2331720"/>
+            </a:xfrm>
+            <a:prstGeom prst="ellipse">
               <a:avLst/>
             </a:prstGeom>
             <a:solidFill>
@@ -4316,47 +5718,216 @@
             </a:p>
           </p:txBody>
         </p:sp>
-        <p:pic>
-          <p:nvPicPr>
-            <p:cNvPr id="4" name="Picture 3" descr="Chart, radar chart&#10;&#10;Description automatically generated">
+        <p:sp>
+          <p:nvSpPr>
+            <p:cNvPr id="115" name="Oval 114">
               <a:extLst>
                 <a:ext uri="{FF2B5EF4-FFF2-40B4-BE49-F238E27FC236}">
-                  <a16:creationId xmlns:a16="http://schemas.microsoft.com/office/drawing/2014/main" id="{20495C83-58E7-044D-D4BA-2FA43CB52341}"/>
+                  <a16:creationId xmlns:a16="http://schemas.microsoft.com/office/drawing/2014/main" id="{DDF40092-C545-B15E-326D-AEB0893FAE4D}"/>
                 </a:ext>
               </a:extLst>
             </p:cNvPr>
-            <p:cNvPicPr>
-              <a:picLocks noChangeAspect="1"/>
-            </p:cNvPicPr>
+            <p:cNvSpPr/>
             <p:nvPr/>
-          </p:nvPicPr>
-          <p:blipFill rotWithShape="1">
-            <a:blip r:embed="rId2">
+          </p:nvSpPr>
+          <p:spPr>
+            <a:xfrm>
+              <a:off x="2023531" y="2330140"/>
+              <a:ext cx="2331720" cy="2331720"/>
+            </a:xfrm>
+            <a:prstGeom prst="ellipse">
+              <a:avLst/>
+            </a:prstGeom>
+            <a:solidFill>
+              <a:srgbClr val="FFFFFF"/>
+            </a:solidFill>
+            <a:ln>
+              <a:noFill/>
+            </a:ln>
+          </p:spPr>
+          <p:style>
+            <a:lnRef idx="2">
+              <a:schemeClr val="accent1">
+                <a:shade val="50000"/>
+              </a:schemeClr>
+            </a:lnRef>
+            <a:fillRef idx="1">
+              <a:schemeClr val="accent1"/>
+            </a:fillRef>
+            <a:effectRef idx="0">
+              <a:schemeClr val="accent1"/>
+            </a:effectRef>
+            <a:fontRef idx="minor">
+              <a:schemeClr val="lt1"/>
+            </a:fontRef>
+          </p:style>
+          <p:txBody>
+            <a:bodyPr rtlCol="0" anchor="ctr"/>
+            <a:lstStyle/>
+            <a:p>
+              <a:pPr algn="ctr"/>
+              <a:endParaRPr lang="en-US"/>
+            </a:p>
+          </p:txBody>
+        </p:sp>
+        <p:sp>
+          <p:nvSpPr>
+            <p:cNvPr id="12" name="TextBox 11">
               <a:extLst>
-                <a:ext uri="{28A0092B-C50C-407E-A947-70E740481C1C}">
-                  <a14:useLocalDpi xmlns:a14="http://schemas.microsoft.com/office/drawing/2010/main" val="0"/>
+                <a:ext uri="{FF2B5EF4-FFF2-40B4-BE49-F238E27FC236}">
+                  <a16:creationId xmlns:a16="http://schemas.microsoft.com/office/drawing/2014/main" id="{A92751BD-0BCB-F84D-4CE3-45911BE1EE09}"/>
                 </a:ext>
               </a:extLst>
-            </a:blip>
-            <a:srcRect l="1986" t="6774" r="843" b="7737"/>
-            <a:stretch/>
-          </p:blipFill>
+            </p:cNvPr>
+            <p:cNvSpPr txBox="1"/>
+            <p:nvPr/>
+          </p:nvSpPr>
           <p:spPr>
-            <a:xfrm>
-              <a:off x="172440" y="497567"/>
-              <a:ext cx="11847120" cy="5862867"/>
+            <a:xfrm rot="15617868">
+              <a:off x="8767551" y="2381006"/>
+              <a:ext cx="437940" cy="253916"/>
             </a:xfrm>
             <a:prstGeom prst="rect">
               <a:avLst/>
             </a:prstGeom>
+            <a:noFill/>
           </p:spPr>
-        </p:pic>
+          <p:txBody>
+            <a:bodyPr wrap="none" rtlCol="0">
+              <a:spAutoFit/>
+            </a:bodyPr>
+            <a:lstStyle/>
+            <a:p>
+              <a:r>
+                <a:rPr lang="en-US" sz="1050" dirty="0">
+                  <a:latin typeface="Times New Roman" panose="02020603050405020304" pitchFamily="18" charset="0"/>
+                  <a:cs typeface="Times New Roman" panose="02020603050405020304" pitchFamily="18" charset="0"/>
+                </a:rPr>
+                <a:t>Start</a:t>
+              </a:r>
+            </a:p>
+          </p:txBody>
+        </p:sp>
+        <p:sp>
+          <p:nvSpPr>
+            <p:cNvPr id="14" name="TextBox 13">
+              <a:extLst>
+                <a:ext uri="{FF2B5EF4-FFF2-40B4-BE49-F238E27FC236}">
+                  <a16:creationId xmlns:a16="http://schemas.microsoft.com/office/drawing/2014/main" id="{EDE2B9F8-9E3D-678D-C890-E5D58669DFD2}"/>
+                </a:ext>
+              </a:extLst>
+            </p:cNvPr>
+            <p:cNvSpPr txBox="1"/>
+            <p:nvPr/>
+          </p:nvSpPr>
+          <p:spPr>
+            <a:xfrm rot="14694726">
+              <a:off x="2572088" y="2440195"/>
+              <a:ext cx="437940" cy="253916"/>
+            </a:xfrm>
+            <a:prstGeom prst="rect">
+              <a:avLst/>
+            </a:prstGeom>
+            <a:noFill/>
+          </p:spPr>
+          <p:txBody>
+            <a:bodyPr wrap="none" rtlCol="0">
+              <a:spAutoFit/>
+            </a:bodyPr>
+            <a:lstStyle/>
+            <a:p>
+              <a:r>
+                <a:rPr lang="en-US" sz="1050" dirty="0">
+                  <a:latin typeface="Times New Roman" panose="02020603050405020304" pitchFamily="18" charset="0"/>
+                  <a:cs typeface="Times New Roman" panose="02020603050405020304" pitchFamily="18" charset="0"/>
+                </a:rPr>
+                <a:t>Start</a:t>
+              </a:r>
+            </a:p>
+          </p:txBody>
+        </p:sp>
+        <p:sp>
+          <p:nvSpPr>
+            <p:cNvPr id="15" name="TextBox 14">
+              <a:extLst>
+                <a:ext uri="{FF2B5EF4-FFF2-40B4-BE49-F238E27FC236}">
+                  <a16:creationId xmlns:a16="http://schemas.microsoft.com/office/drawing/2014/main" id="{59731D87-5DD9-E804-08D9-E2BD4F5D0AC4}"/>
+                </a:ext>
+              </a:extLst>
+            </p:cNvPr>
+            <p:cNvSpPr txBox="1"/>
+            <p:nvPr/>
+          </p:nvSpPr>
+          <p:spPr>
+            <a:xfrm rot="18669115">
+              <a:off x="3655624" y="2575540"/>
+              <a:ext cx="401072" cy="253916"/>
+            </a:xfrm>
+            <a:prstGeom prst="rect">
+              <a:avLst/>
+            </a:prstGeom>
+            <a:noFill/>
+          </p:spPr>
+          <p:txBody>
+            <a:bodyPr wrap="none" rtlCol="0">
+              <a:spAutoFit/>
+            </a:bodyPr>
+            <a:lstStyle/>
+            <a:p>
+              <a:r>
+                <a:rPr lang="en-US" sz="1050" dirty="0">
+                  <a:latin typeface="Times New Roman" panose="02020603050405020304" pitchFamily="18" charset="0"/>
+                  <a:cs typeface="Times New Roman" panose="02020603050405020304" pitchFamily="18" charset="0"/>
+                </a:rPr>
+                <a:t>End</a:t>
+              </a:r>
+            </a:p>
+          </p:txBody>
+        </p:sp>
+        <p:sp>
+          <p:nvSpPr>
+            <p:cNvPr id="13" name="TextBox 12">
+              <a:extLst>
+                <a:ext uri="{FF2B5EF4-FFF2-40B4-BE49-F238E27FC236}">
+                  <a16:creationId xmlns:a16="http://schemas.microsoft.com/office/drawing/2014/main" id="{DD8FF5E5-8077-9B79-7F23-BF41326D2659}"/>
+                </a:ext>
+              </a:extLst>
+            </p:cNvPr>
+            <p:cNvSpPr txBox="1"/>
+            <p:nvPr/>
+          </p:nvSpPr>
+          <p:spPr>
+            <a:xfrm rot="19164934">
+              <a:off x="9749277" y="2669797"/>
+              <a:ext cx="401072" cy="253916"/>
+            </a:xfrm>
+            <a:prstGeom prst="rect">
+              <a:avLst/>
+            </a:prstGeom>
+            <a:noFill/>
+          </p:spPr>
+          <p:txBody>
+            <a:bodyPr wrap="none" rtlCol="0">
+              <a:spAutoFit/>
+            </a:bodyPr>
+            <a:lstStyle/>
+            <a:p>
+              <a:r>
+                <a:rPr lang="en-US" sz="1050" dirty="0">
+                  <a:latin typeface="Times New Roman" panose="02020603050405020304" pitchFamily="18" charset="0"/>
+                  <a:cs typeface="Times New Roman" panose="02020603050405020304" pitchFamily="18" charset="0"/>
+                </a:rPr>
+                <a:t>End</a:t>
+              </a:r>
+            </a:p>
+          </p:txBody>
+        </p:sp>
         <p:grpSp>
           <p:nvGrpSpPr>
-            <p:cNvPr id="68" name="Group 67">
+            <p:cNvPr id="60" name="Group 59">
               <a:extLst>
                 <a:ext uri="{FF2B5EF4-FFF2-40B4-BE49-F238E27FC236}">
-                  <a16:creationId xmlns:a16="http://schemas.microsoft.com/office/drawing/2014/main" id="{530C4716-1ECC-8E7E-A2CF-5CE942415C25}"/>
+                  <a16:creationId xmlns:a16="http://schemas.microsoft.com/office/drawing/2014/main" id="{DF33481A-EC37-37C2-56C1-F6B3EC394779}"/>
                 </a:ext>
               </a:extLst>
             </p:cNvPr>
@@ -4365,56 +5936,18 @@
           </p:nvGrpSpPr>
           <p:grpSpPr>
             <a:xfrm>
-              <a:off x="201817" y="93884"/>
-              <a:ext cx="11916289" cy="6704085"/>
-              <a:chOff x="201817" y="93884"/>
-              <a:chExt cx="11916289" cy="6704085"/>
+              <a:off x="10343976" y="303153"/>
+              <a:ext cx="1666938" cy="518758"/>
+              <a:chOff x="5622992" y="6068353"/>
+              <a:chExt cx="1666938" cy="518758"/>
             </a:xfrm>
           </p:grpSpPr>
           <p:sp>
             <p:nvSpPr>
-              <p:cNvPr id="25" name="TextBox 24">
+              <p:cNvPr id="56" name="Rectangle 55">
                 <a:extLst>
                   <a:ext uri="{FF2B5EF4-FFF2-40B4-BE49-F238E27FC236}">
-                    <a16:creationId xmlns:a16="http://schemas.microsoft.com/office/drawing/2014/main" id="{127D3F71-382D-C3F0-317D-8AB54D073396}"/>
-                  </a:ext>
-                </a:extLst>
-              </p:cNvPr>
-              <p:cNvSpPr txBox="1"/>
-              <p:nvPr/>
-            </p:nvSpPr>
-            <p:spPr>
-              <a:xfrm>
-                <a:off x="213254" y="93884"/>
-                <a:ext cx="2036455" cy="307777"/>
-              </a:xfrm>
-              <a:prstGeom prst="rect">
-                <a:avLst/>
-              </a:prstGeom>
-              <a:noFill/>
-            </p:spPr>
-            <p:txBody>
-              <a:bodyPr wrap="none" rtlCol="0">
-                <a:spAutoFit/>
-              </a:bodyPr>
-              <a:lstStyle/>
-              <a:p>
-                <a:r>
-                  <a:rPr lang="en-US" sz="1400" b="1" dirty="0">
-                    <a:latin typeface="Times New Roman" panose="02020603050405020304" pitchFamily="18" charset="0"/>
-                    <a:cs typeface="Times New Roman" panose="02020603050405020304" pitchFamily="18" charset="0"/>
-                  </a:rPr>
-                  <a:t>FISH IN HOT WATER</a:t>
-                </a:r>
-              </a:p>
-            </p:txBody>
-          </p:sp>
-          <p:sp>
-            <p:nvSpPr>
-              <p:cNvPr id="64" name="Partial Circle 63">
-                <a:extLst>
-                  <a:ext uri="{FF2B5EF4-FFF2-40B4-BE49-F238E27FC236}">
-                    <a16:creationId xmlns:a16="http://schemas.microsoft.com/office/drawing/2014/main" id="{E3379FEA-C84F-5197-6085-55A6651533FF}"/>
+                    <a16:creationId xmlns:a16="http://schemas.microsoft.com/office/drawing/2014/main" id="{AA6491FF-34F6-7EFB-76CF-6464193182B4}"/>
                   </a:ext>
                 </a:extLst>
               </p:cNvPr>
@@ -4422,20 +5955,15 @@
               <p:nvPr/>
             </p:nvSpPr>
             <p:spPr>
-              <a:xfrm rot="606915">
-                <a:off x="6124696" y="652846"/>
-                <a:ext cx="5814579" cy="5696901"/>
+              <a:xfrm>
+                <a:off x="5622992" y="6098431"/>
+                <a:ext cx="260350" cy="190500"/>
               </a:xfrm>
-              <a:prstGeom prst="pie">
-                <a:avLst>
-                  <a:gd name="adj1" fmla="val 471041"/>
-                  <a:gd name="adj2" fmla="val 15226493"/>
-                </a:avLst>
+              <a:prstGeom prst="rect">
+                <a:avLst/>
               </a:prstGeom>
               <a:solidFill>
-                <a:srgbClr val="FFFFFF">
-                  <a:alpha val="50196"/>
-                </a:srgbClr>
+                <a:srgbClr val="B7BBC6"/>
               </a:solidFill>
               <a:ln>
                 <a:noFill/>
@@ -4462,20 +5990,16 @@
               <a:lstStyle/>
               <a:p>
                 <a:pPr algn="ctr"/>
-                <a:endParaRPr lang="en-US">
-                  <a:solidFill>
-                    <a:schemeClr val="tx1"/>
-                  </a:solidFill>
-                </a:endParaRPr>
+                <a:endParaRPr lang="en-US"/>
               </a:p>
             </p:txBody>
           </p:sp>
           <p:sp>
             <p:nvSpPr>
-              <p:cNvPr id="65" name="Partial Circle 64">
+              <p:cNvPr id="57" name="Rectangle 56">
                 <a:extLst>
                   <a:ext uri="{FF2B5EF4-FFF2-40B4-BE49-F238E27FC236}">
-                    <a16:creationId xmlns:a16="http://schemas.microsoft.com/office/drawing/2014/main" id="{1B068EB4-F4A9-3914-363D-98FF9C573403}"/>
+                    <a16:creationId xmlns:a16="http://schemas.microsoft.com/office/drawing/2014/main" id="{74AA7624-F345-3FB9-80B6-1C9A5D207627}"/>
                   </a:ext>
                 </a:extLst>
               </p:cNvPr>
@@ -4483,20 +6007,15 @@
               <p:nvPr/>
             </p:nvSpPr>
             <p:spPr>
-              <a:xfrm rot="606915">
-                <a:off x="201817" y="687916"/>
-                <a:ext cx="5814579" cy="5696901"/>
+              <a:xfrm>
+                <a:off x="5622992" y="6371735"/>
+                <a:ext cx="260350" cy="190500"/>
               </a:xfrm>
-              <a:prstGeom prst="pie">
-                <a:avLst>
-                  <a:gd name="adj1" fmla="val 21376098"/>
-                  <a:gd name="adj2" fmla="val 15081900"/>
-                </a:avLst>
+              <a:prstGeom prst="rect">
+                <a:avLst/>
               </a:prstGeom>
               <a:solidFill>
-                <a:srgbClr val="FFFFFF">
-                  <a:alpha val="50196"/>
-                </a:srgbClr>
+                <a:srgbClr val="D2C6E1"/>
               </a:solidFill>
               <a:ln>
                 <a:noFill/>
@@ -4523,20 +6042,16 @@
               <a:lstStyle/>
               <a:p>
                 <a:pPr algn="ctr"/>
-                <a:endParaRPr lang="en-US">
-                  <a:solidFill>
-                    <a:schemeClr val="tx1"/>
-                  </a:solidFill>
-                </a:endParaRPr>
+                <a:endParaRPr lang="en-US"/>
               </a:p>
             </p:txBody>
           </p:sp>
           <p:sp>
             <p:nvSpPr>
-              <p:cNvPr id="12" name="TextBox 11">
+              <p:cNvPr id="58" name="TextBox 57">
                 <a:extLst>
                   <a:ext uri="{FF2B5EF4-FFF2-40B4-BE49-F238E27FC236}">
-                    <a16:creationId xmlns:a16="http://schemas.microsoft.com/office/drawing/2014/main" id="{A92751BD-0BCB-F84D-4CE3-45911BE1EE09}"/>
+                    <a16:creationId xmlns:a16="http://schemas.microsoft.com/office/drawing/2014/main" id="{32C30769-769E-0438-B11D-232EF1F34122}"/>
                   </a:ext>
                 </a:extLst>
               </p:cNvPr>
@@ -4544,9 +6059,9 @@
               <p:nvPr/>
             </p:nvSpPr>
             <p:spPr>
-              <a:xfrm rot="18539735">
-                <a:off x="10061024" y="1928979"/>
-                <a:ext cx="543739" cy="276999"/>
+              <a:xfrm>
+                <a:off x="5838892" y="6068353"/>
+                <a:ext cx="1451038" cy="246221"/>
               </a:xfrm>
               <a:prstGeom prst="rect">
                 <a:avLst/>
@@ -4560,21 +6075,21 @@
               <a:lstStyle/>
               <a:p>
                 <a:r>
-                  <a:rPr lang="en-US" sz="1200" dirty="0">
+                  <a:rPr lang="en-US" sz="1000" dirty="0">
                     <a:latin typeface="Times New Roman" panose="02020603050405020304" pitchFamily="18" charset="0"/>
                     <a:cs typeface="Times New Roman" panose="02020603050405020304" pitchFamily="18" charset="0"/>
                   </a:rPr>
-                  <a:t>Onset</a:t>
+                  <a:t>Historical (1950 – 2012)</a:t>
                 </a:r>
               </a:p>
             </p:txBody>
           </p:sp>
           <p:sp>
             <p:nvSpPr>
-              <p:cNvPr id="14" name="TextBox 13">
+              <p:cNvPr id="59" name="TextBox 58">
                 <a:extLst>
                   <a:ext uri="{FF2B5EF4-FFF2-40B4-BE49-F238E27FC236}">
-                    <a16:creationId xmlns:a16="http://schemas.microsoft.com/office/drawing/2014/main" id="{EDE2B9F8-9E3D-678D-C890-E5D58669DFD2}"/>
+                    <a16:creationId xmlns:a16="http://schemas.microsoft.com/office/drawing/2014/main" id="{2A00CD99-6335-931D-5ABF-BE360663FD3D}"/>
                   </a:ext>
                 </a:extLst>
               </p:cNvPr>
@@ -4582,9 +6097,9 @@
               <p:nvPr/>
             </p:nvSpPr>
             <p:spPr>
-              <a:xfrm rot="17503189">
-                <a:off x="3706169" y="1719190"/>
-                <a:ext cx="543739" cy="276999"/>
+              <a:xfrm>
+                <a:off x="5838892" y="6340890"/>
+                <a:ext cx="1430200" cy="246221"/>
               </a:xfrm>
               <a:prstGeom prst="rect">
                 <a:avLst/>
@@ -4598,136 +6113,285 @@
               <a:lstStyle/>
               <a:p>
                 <a:r>
-                  <a:rPr lang="en-US" sz="1200" dirty="0">
+                  <a:rPr lang="en-US" sz="1000" dirty="0">
                     <a:latin typeface="Times New Roman" panose="02020603050405020304" pitchFamily="18" charset="0"/>
                     <a:cs typeface="Times New Roman" panose="02020603050405020304" pitchFamily="18" charset="0"/>
                   </a:rPr>
-                  <a:t>Onset</a:t>
+                  <a:t>Projected (2012 – 2099)</a:t>
                 </a:r>
               </a:p>
             </p:txBody>
           </p:sp>
-          <p:sp>
-            <p:nvSpPr>
-              <p:cNvPr id="15" name="TextBox 14">
-                <a:extLst>
-                  <a:ext uri="{FF2B5EF4-FFF2-40B4-BE49-F238E27FC236}">
-                    <a16:creationId xmlns:a16="http://schemas.microsoft.com/office/drawing/2014/main" id="{59731D87-5DD9-E804-08D9-E2BD4F5D0AC4}"/>
-                  </a:ext>
-                </a:extLst>
-              </p:cNvPr>
-              <p:cNvSpPr txBox="1"/>
-              <p:nvPr/>
-            </p:nvSpPr>
-            <p:spPr>
-              <a:xfrm rot="21422691">
-                <a:off x="4602463" y="3418981"/>
-                <a:ext cx="784189" cy="276999"/>
-              </a:xfrm>
-              <a:prstGeom prst="rect">
-                <a:avLst/>
-              </a:prstGeom>
-              <a:noFill/>
-            </p:spPr>
-            <p:txBody>
-              <a:bodyPr wrap="none" rtlCol="0">
-                <a:spAutoFit/>
-              </a:bodyPr>
-              <a:lstStyle/>
-              <a:p>
-                <a:r>
-                  <a:rPr lang="en-US" sz="1200" dirty="0">
-                    <a:latin typeface="Times New Roman" panose="02020603050405020304" pitchFamily="18" charset="0"/>
-                    <a:cs typeface="Times New Roman" panose="02020603050405020304" pitchFamily="18" charset="0"/>
-                  </a:rPr>
-                  <a:t>Cessation</a:t>
-                </a:r>
-              </a:p>
-            </p:txBody>
-          </p:sp>
-          <p:sp>
-            <p:nvSpPr>
-              <p:cNvPr id="17" name="TextBox 16">
-                <a:extLst>
-                  <a:ext uri="{FF2B5EF4-FFF2-40B4-BE49-F238E27FC236}">
-                    <a16:creationId xmlns:a16="http://schemas.microsoft.com/office/drawing/2014/main" id="{E8EB3159-5F25-B2C0-43AC-83F1DF73BE7B}"/>
-                  </a:ext>
-                </a:extLst>
-              </p:cNvPr>
-              <p:cNvSpPr txBox="1"/>
-              <p:nvPr/>
-            </p:nvSpPr>
-            <p:spPr>
-              <a:xfrm>
-                <a:off x="7379097" y="2794940"/>
-                <a:ext cx="1154483" cy="276999"/>
-              </a:xfrm>
-              <a:prstGeom prst="rect">
-                <a:avLst/>
-              </a:prstGeom>
-              <a:noFill/>
-            </p:spPr>
-            <p:txBody>
-              <a:bodyPr wrap="none" rtlCol="0">
-                <a:spAutoFit/>
-              </a:bodyPr>
-              <a:lstStyle/>
-              <a:p>
-                <a:r>
-                  <a:rPr lang="en-US" sz="1200" dirty="0">
-                    <a:latin typeface="Segoe Print" panose="02000600000000000000" pitchFamily="2" charset="0"/>
-                  </a:rPr>
-                  <a:t>Striped Bass</a:t>
-                </a:r>
-              </a:p>
-            </p:txBody>
-          </p:sp>
-          <p:cxnSp>
-            <p:nvCxnSpPr>
-              <p:cNvPr id="19" name="Connector: Curved 18">
-                <a:extLst>
-                  <a:ext uri="{FF2B5EF4-FFF2-40B4-BE49-F238E27FC236}">
-                    <a16:creationId xmlns:a16="http://schemas.microsoft.com/office/drawing/2014/main" id="{082ACA66-1874-2103-8EC5-FCB8A52B9FA9}"/>
-                  </a:ext>
-                </a:extLst>
-              </p:cNvPr>
-              <p:cNvCxnSpPr>
-                <a:cxnSpLocks/>
-                <a:stCxn id="17" idx="2"/>
-                <a:endCxn id="7" idx="1"/>
-              </p:cNvCxnSpPr>
-              <p:nvPr/>
-            </p:nvCxnSpPr>
-            <p:spPr>
-              <a:xfrm rot="16200000" flipH="1">
-                <a:off x="7988371" y="3039907"/>
-                <a:ext cx="304008" cy="368072"/>
-              </a:xfrm>
-              <a:prstGeom prst="curvedConnector2">
-                <a:avLst/>
-              </a:prstGeom>
-              <a:ln>
+        </p:grpSp>
+        <p:sp>
+          <p:nvSpPr>
+            <p:cNvPr id="61" name="TextBox 60">
+              <a:extLst>
+                <a:ext uri="{FF2B5EF4-FFF2-40B4-BE49-F238E27FC236}">
+                  <a16:creationId xmlns:a16="http://schemas.microsoft.com/office/drawing/2014/main" id="{3B2890E0-4397-E461-4158-1EA89FBAA79A}"/>
+                </a:ext>
+              </a:extLst>
+            </p:cNvPr>
+            <p:cNvSpPr txBox="1"/>
+            <p:nvPr/>
+          </p:nvSpPr>
+          <p:spPr>
+            <a:xfrm>
+              <a:off x="1759677" y="6207421"/>
+              <a:ext cx="10146867" cy="461665"/>
+            </a:xfrm>
+            <a:prstGeom prst="rect">
+              <a:avLst/>
+            </a:prstGeom>
+            <a:noFill/>
+          </p:spPr>
+          <p:txBody>
+            <a:bodyPr wrap="square" rtlCol="0">
+              <a:spAutoFit/>
+            </a:bodyPr>
+            <a:lstStyle/>
+            <a:p>
+              <a:pPr algn="r"/>
+              <a:r>
+                <a:rPr lang="en-US" sz="800" dirty="0">
+                  <a:solidFill>
+                    <a:schemeClr val="bg1">
+                      <a:lumMod val="50000"/>
+                    </a:schemeClr>
+                  </a:solidFill>
+                  <a:latin typeface="Times New Roman" panose="02020603050405020304" pitchFamily="18" charset="0"/>
+                  <a:cs typeface="Times New Roman" panose="02020603050405020304" pitchFamily="18" charset="0"/>
+                </a:rPr>
+                <a:t>Data Source: </a:t>
+              </a:r>
+              <a:r>
+                <a:rPr lang="en-US" sz="800" dirty="0" err="1">
+                  <a:solidFill>
+                    <a:schemeClr val="bg1">
+                      <a:lumMod val="50000"/>
+                    </a:schemeClr>
+                  </a:solidFill>
+                  <a:latin typeface="Times New Roman" panose="02020603050405020304" pitchFamily="18" charset="0"/>
+                  <a:cs typeface="Times New Roman" panose="02020603050405020304" pitchFamily="18" charset="0"/>
+                </a:rPr>
+                <a:t>Nack</a:t>
+              </a:r>
+              <a:r>
+                <a:rPr lang="en-US" sz="800" dirty="0">
+                  <a:solidFill>
+                    <a:schemeClr val="bg1">
+                      <a:lumMod val="50000"/>
+                    </a:schemeClr>
+                  </a:solidFill>
+                  <a:latin typeface="Times New Roman" panose="02020603050405020304" pitchFamily="18" charset="0"/>
+                  <a:cs typeface="Times New Roman" panose="02020603050405020304" pitchFamily="18" charset="0"/>
+                </a:rPr>
+                <a:t>, C. et. al. (2019). </a:t>
+              </a:r>
+              <a:r>
+                <a:rPr lang="en-US" sz="800" dirty="0">
+                  <a:solidFill>
+                    <a:schemeClr val="bg1">
+                      <a:lumMod val="50000"/>
+                    </a:schemeClr>
+                  </a:solidFill>
+                  <a:latin typeface="Times New Roman" panose="02020603050405020304" pitchFamily="18" charset="0"/>
+                  <a:cs typeface="Times New Roman" panose="02020603050405020304" pitchFamily="18" charset="0"/>
+                  <a:hlinkClick r:id="rId3">
+                    <a:extLst>
+                      <a:ext uri="{A12FA001-AC4F-418D-AE19-62706E023703}">
+                        <ahyp:hlinkClr xmlns:ahyp="http://schemas.microsoft.com/office/drawing/2018/hyperlinkcolor" val="tx"/>
+                      </a:ext>
+                    </a:extLst>
+                  </a:hlinkClick>
+                </a:rPr>
+                <a:t>https://doi.org/10.1002/mcf2.10076</a:t>
+              </a:r>
+              <a:endParaRPr lang="en-US" sz="800" dirty="0">
                 <a:solidFill>
-                  <a:schemeClr val="tx1"/>
+                  <a:schemeClr val="bg1">
+                    <a:lumMod val="50000"/>
+                  </a:schemeClr>
                 </a:solidFill>
-                <a:tailEnd type="triangle"/>
-              </a:ln>
-            </p:spPr>
-            <p:style>
-              <a:lnRef idx="1">
-                <a:schemeClr val="accent1"/>
-              </a:lnRef>
-              <a:fillRef idx="0">
-                <a:schemeClr val="accent1"/>
-              </a:fillRef>
-              <a:effectRef idx="0">
-                <a:schemeClr val="accent1"/>
-              </a:effectRef>
-              <a:fontRef idx="minor">
-                <a:schemeClr val="tx1"/>
-              </a:fontRef>
-            </p:style>
-          </p:cxnSp>
+                <a:latin typeface="Times New Roman" panose="02020603050405020304" pitchFamily="18" charset="0"/>
+                <a:cs typeface="Times New Roman" panose="02020603050405020304" pitchFamily="18" charset="0"/>
+              </a:endParaRPr>
+            </a:p>
+            <a:p>
+              <a:pPr algn="r"/>
+              <a:r>
+                <a:rPr lang="en-US" sz="800" dirty="0">
+                  <a:solidFill>
+                    <a:schemeClr val="bg1">
+                      <a:lumMod val="50000"/>
+                    </a:schemeClr>
+                  </a:solidFill>
+                  <a:latin typeface="Times New Roman" panose="02020603050405020304" pitchFamily="18" charset="0"/>
+                  <a:cs typeface="Times New Roman" panose="02020603050405020304" pitchFamily="18" charset="0"/>
+                </a:rPr>
+                <a:t>Fish images from </a:t>
+              </a:r>
+              <a:r>
+                <a:rPr lang="en-US" sz="800" u="sng" dirty="0">
+                  <a:solidFill>
+                    <a:schemeClr val="bg1">
+                      <a:lumMod val="50000"/>
+                    </a:schemeClr>
+                  </a:solidFill>
+                  <a:latin typeface="Times New Roman" panose="02020603050405020304" pitchFamily="18" charset="0"/>
+                  <a:cs typeface="Times New Roman" panose="02020603050405020304" pitchFamily="18" charset="0"/>
+                </a:rPr>
+                <a:t>www.takemefishing.org</a:t>
+              </a:r>
+              <a:r>
+                <a:rPr lang="en-US" sz="800" dirty="0">
+                  <a:solidFill>
+                    <a:schemeClr val="bg1">
+                      <a:lumMod val="50000"/>
+                    </a:schemeClr>
+                  </a:solidFill>
+                  <a:latin typeface="Times New Roman" panose="02020603050405020304" pitchFamily="18" charset="0"/>
+                  <a:cs typeface="Times New Roman" panose="02020603050405020304" pitchFamily="18" charset="0"/>
+                </a:rPr>
+                <a:t> and  NOAA Fisheries</a:t>
+              </a:r>
+            </a:p>
+            <a:p>
+              <a:pPr algn="r"/>
+              <a:r>
+                <a:rPr lang="en-US" sz="800" dirty="0">
+                  <a:solidFill>
+                    <a:schemeClr val="bg1">
+                      <a:lumMod val="50000"/>
+                    </a:schemeClr>
+                  </a:solidFill>
+                  <a:latin typeface="Times New Roman" panose="02020603050405020304" pitchFamily="18" charset="0"/>
+                  <a:cs typeface="Times New Roman" panose="02020603050405020304" pitchFamily="18" charset="0"/>
+                </a:rPr>
+                <a:t>Plot made by Ellie White, </a:t>
+              </a:r>
+              <a:r>
+                <a:rPr lang="en-US" sz="800" dirty="0">
+                  <a:solidFill>
+                    <a:schemeClr val="bg1">
+                      <a:lumMod val="50000"/>
+                    </a:schemeClr>
+                  </a:solidFill>
+                  <a:latin typeface="Times New Roman" panose="02020603050405020304" pitchFamily="18" charset="0"/>
+                  <a:cs typeface="Times New Roman" panose="02020603050405020304" pitchFamily="18" charset="0"/>
+                  <a:hlinkClick r:id="rId4">
+                    <a:extLst>
+                      <a:ext uri="{A12FA001-AC4F-418D-AE19-62706E023703}">
+                        <ahyp:hlinkClr xmlns:ahyp="http://schemas.microsoft.com/office/drawing/2018/hyperlinkcolor" val="tx"/>
+                      </a:ext>
+                    </a:extLst>
+                  </a:hlinkClick>
+                </a:rPr>
+                <a:t>ewhite@usgs.gov</a:t>
+              </a:r>
+              <a:r>
+                <a:rPr lang="en-US" sz="800" dirty="0">
+                  <a:solidFill>
+                    <a:schemeClr val="bg1">
+                      <a:lumMod val="50000"/>
+                    </a:schemeClr>
+                  </a:solidFill>
+                  <a:latin typeface="Times New Roman" panose="02020603050405020304" pitchFamily="18" charset="0"/>
+                  <a:cs typeface="Times New Roman" panose="02020603050405020304" pitchFamily="18" charset="0"/>
+                </a:rPr>
+                <a:t> 04/08/2023</a:t>
+              </a:r>
+            </a:p>
+          </p:txBody>
+        </p:sp>
+        <p:sp>
+          <p:nvSpPr>
+            <p:cNvPr id="26" name="TextBox 25">
+              <a:extLst>
+                <a:ext uri="{FF2B5EF4-FFF2-40B4-BE49-F238E27FC236}">
+                  <a16:creationId xmlns:a16="http://schemas.microsoft.com/office/drawing/2014/main" id="{81EAB21C-A47C-BDD9-8A0D-14D3C96E0177}"/>
+                </a:ext>
+              </a:extLst>
+            </p:cNvPr>
+            <p:cNvSpPr txBox="1"/>
+            <p:nvPr/>
+          </p:nvSpPr>
+          <p:spPr>
+            <a:xfrm>
+              <a:off x="213254" y="366653"/>
+              <a:ext cx="184731" cy="276999"/>
+            </a:xfrm>
+            <a:prstGeom prst="rect">
+              <a:avLst/>
+            </a:prstGeom>
+            <a:noFill/>
+          </p:spPr>
+          <p:txBody>
+            <a:bodyPr wrap="none" rtlCol="0">
+              <a:spAutoFit/>
+            </a:bodyPr>
+            <a:lstStyle/>
+            <a:p>
+              <a:endParaRPr lang="en-US" sz="1200" dirty="0"/>
+            </a:p>
+          </p:txBody>
+        </p:sp>
+        <p:pic>
+          <p:nvPicPr>
+            <p:cNvPr id="3" name="Picture 2" descr="Shape&#10;&#10;Description automatically generated with medium confidence">
+              <a:extLst>
+                <a:ext uri="{FF2B5EF4-FFF2-40B4-BE49-F238E27FC236}">
+                  <a16:creationId xmlns:a16="http://schemas.microsoft.com/office/drawing/2014/main" id="{C081CB69-D92F-2257-0FE3-5EDA678BDDEF}"/>
+                </a:ext>
+              </a:extLst>
+            </p:cNvPr>
+            <p:cNvPicPr>
+              <a:picLocks noChangeAspect="1"/>
+            </p:cNvPicPr>
+            <p:nvPr/>
+          </p:nvPicPr>
+          <p:blipFill>
+            <a:blip r:embed="rId5">
+              <a:extLst>
+                <a:ext uri="{28A0092B-C50C-407E-A947-70E740481C1C}">
+                  <a14:useLocalDpi xmlns:a14="http://schemas.microsoft.com/office/drawing/2010/main" val="0"/>
+                </a:ext>
+              </a:extLst>
+            </a:blip>
+            <a:stretch>
+              <a:fillRect/>
+            </a:stretch>
+          </p:blipFill>
+          <p:spPr>
+            <a:xfrm>
+              <a:off x="333705" y="6206772"/>
+              <a:ext cx="1413783" cy="522597"/>
+            </a:xfrm>
+            <a:prstGeom prst="rect">
+              <a:avLst/>
+            </a:prstGeom>
+          </p:spPr>
+        </p:pic>
+        <p:grpSp>
+          <p:nvGrpSpPr>
+            <p:cNvPr id="119" name="Group 118">
+              <a:extLst>
+                <a:ext uri="{FF2B5EF4-FFF2-40B4-BE49-F238E27FC236}">
+                  <a16:creationId xmlns:a16="http://schemas.microsoft.com/office/drawing/2014/main" id="{BA8F6FA3-392B-2DCE-F67B-AFE623DEB112}"/>
+                </a:ext>
+              </a:extLst>
+            </p:cNvPr>
+            <p:cNvGrpSpPr/>
+            <p:nvPr/>
+          </p:nvGrpSpPr>
+          <p:grpSpPr>
+            <a:xfrm>
+              <a:off x="2013722" y="2936667"/>
+              <a:ext cx="2351171" cy="1063229"/>
+              <a:chOff x="2302483" y="3048883"/>
+              <a:chExt cx="1691640" cy="764980"/>
+            </a:xfrm>
+          </p:grpSpPr>
           <p:sp>
             <p:nvSpPr>
               <p:cNvPr id="20" name="TextBox 19">
@@ -4742,8 +6406,8 @@
             </p:nvSpPr>
             <p:spPr>
               <a:xfrm>
-                <a:off x="1222260" y="2861563"/>
-                <a:ext cx="1383712" cy="276999"/>
+                <a:off x="2595774" y="3614565"/>
+                <a:ext cx="995565" cy="199298"/>
               </a:xfrm>
               <a:prstGeom prst="rect">
                 <a:avLst/>
@@ -4756,6 +6420,7 @@
               </a:bodyPr>
               <a:lstStyle/>
               <a:p>
+                <a:pPr algn="ctr"/>
                 <a:r>
                   <a:rPr lang="en-US" sz="1200" dirty="0">
                     <a:latin typeface="Segoe Print" panose="02000600000000000000" pitchFamily="2" charset="0"/>
@@ -4765,12 +6430,570 @@
               </a:p>
             </p:txBody>
           </p:sp>
+          <p:pic>
+            <p:nvPicPr>
+              <p:cNvPr id="36" name="Picture 35" descr="A close-up of a fish&#10;&#10;Description automatically generated">
+                <a:extLst>
+                  <a:ext uri="{FF2B5EF4-FFF2-40B4-BE49-F238E27FC236}">
+                    <a16:creationId xmlns:a16="http://schemas.microsoft.com/office/drawing/2014/main" id="{1213AF4D-BFB8-162D-B261-E505103E831A}"/>
+                  </a:ext>
+                </a:extLst>
+              </p:cNvPr>
+              <p:cNvPicPr>
+                <a:picLocks noChangeAspect="1"/>
+              </p:cNvPicPr>
+              <p:nvPr/>
+            </p:nvPicPr>
+            <p:blipFill>
+              <a:blip r:embed="rId6">
+                <a:extLst>
+                  <a:ext uri="{28A0092B-C50C-407E-A947-70E740481C1C}">
+                    <a14:useLocalDpi xmlns:a14="http://schemas.microsoft.com/office/drawing/2010/main" val="0"/>
+                  </a:ext>
+                </a:extLst>
+              </a:blip>
+              <a:stretch>
+                <a:fillRect/>
+              </a:stretch>
+            </p:blipFill>
+            <p:spPr>
+              <a:xfrm>
+                <a:off x="2302483" y="3048883"/>
+                <a:ext cx="1691640" cy="619782"/>
+              </a:xfrm>
+              <a:prstGeom prst="rect">
+                <a:avLst/>
+              </a:prstGeom>
+            </p:spPr>
+          </p:pic>
+        </p:grpSp>
+        <p:grpSp>
+          <p:nvGrpSpPr>
+            <p:cNvPr id="77" name="Group 76">
+              <a:extLst>
+                <a:ext uri="{FF2B5EF4-FFF2-40B4-BE49-F238E27FC236}">
+                  <a16:creationId xmlns:a16="http://schemas.microsoft.com/office/drawing/2014/main" id="{AD5546C7-930E-3C93-F49E-C53376DB3189}"/>
+                </a:ext>
+              </a:extLst>
+            </p:cNvPr>
+            <p:cNvGrpSpPr/>
+            <p:nvPr/>
+          </p:nvGrpSpPr>
+          <p:grpSpPr>
+            <a:xfrm>
+              <a:off x="4705714" y="3759145"/>
+              <a:ext cx="950945" cy="390003"/>
+              <a:chOff x="4207821" y="4443153"/>
+              <a:chExt cx="950945" cy="390003"/>
+            </a:xfrm>
+          </p:grpSpPr>
+          <p:grpSp>
+            <p:nvGrpSpPr>
+              <p:cNvPr id="35" name="Group 34">
+                <a:extLst>
+                  <a:ext uri="{FF2B5EF4-FFF2-40B4-BE49-F238E27FC236}">
+                    <a16:creationId xmlns:a16="http://schemas.microsoft.com/office/drawing/2014/main" id="{3B011D50-52EE-C8EF-40E3-A1C9D61D50A3}"/>
+                  </a:ext>
+                </a:extLst>
+              </p:cNvPr>
+              <p:cNvGrpSpPr/>
+              <p:nvPr/>
+            </p:nvGrpSpPr>
+            <p:grpSpPr>
+              <a:xfrm>
+                <a:off x="4207821" y="4456341"/>
+                <a:ext cx="502807" cy="376815"/>
+                <a:chOff x="4055312" y="4403239"/>
+                <a:chExt cx="502807" cy="376815"/>
+              </a:xfrm>
+            </p:grpSpPr>
+            <p:sp>
+              <p:nvSpPr>
+                <p:cNvPr id="22" name="Oval 21">
+                  <a:extLst>
+                    <a:ext uri="{FF2B5EF4-FFF2-40B4-BE49-F238E27FC236}">
+                      <a16:creationId xmlns:a16="http://schemas.microsoft.com/office/drawing/2014/main" id="{2A88EBE2-99BA-C1D4-A149-0E1783B593BE}"/>
+                    </a:ext>
+                  </a:extLst>
+                </p:cNvPr>
+                <p:cNvSpPr/>
+                <p:nvPr/>
+              </p:nvSpPr>
+              <p:spPr>
+                <a:xfrm>
+                  <a:off x="4165031" y="4419192"/>
+                  <a:ext cx="155389" cy="155389"/>
+                </a:xfrm>
+                <a:prstGeom prst="ellipse">
+                  <a:avLst/>
+                </a:prstGeom>
+                <a:solidFill>
+                  <a:schemeClr val="bg1"/>
+                </a:solidFill>
+                <a:ln w="3175">
+                  <a:solidFill>
+                    <a:schemeClr val="bg1">
+                      <a:lumMod val="65000"/>
+                    </a:schemeClr>
+                  </a:solidFill>
+                </a:ln>
+              </p:spPr>
+              <p:style>
+                <a:lnRef idx="2">
+                  <a:schemeClr val="accent1">
+                    <a:shade val="50000"/>
+                  </a:schemeClr>
+                </a:lnRef>
+                <a:fillRef idx="1">
+                  <a:schemeClr val="accent1"/>
+                </a:fillRef>
+                <a:effectRef idx="0">
+                  <a:schemeClr val="accent1"/>
+                </a:effectRef>
+                <a:fontRef idx="minor">
+                  <a:schemeClr val="lt1"/>
+                </a:fontRef>
+              </p:style>
+              <p:txBody>
+                <a:bodyPr rtlCol="0" anchor="ctr"/>
+                <a:lstStyle/>
+                <a:p>
+                  <a:pPr algn="ctr"/>
+                  <a:endParaRPr lang="en-US">
+                    <a:solidFill>
+                      <a:schemeClr val="tx1"/>
+                    </a:solidFill>
+                  </a:endParaRPr>
+                </a:p>
+              </p:txBody>
+            </p:sp>
+            <p:sp>
+              <p:nvSpPr>
+                <p:cNvPr id="23" name="Oval 22">
+                  <a:extLst>
+                    <a:ext uri="{FF2B5EF4-FFF2-40B4-BE49-F238E27FC236}">
+                      <a16:creationId xmlns:a16="http://schemas.microsoft.com/office/drawing/2014/main" id="{A220EBAC-E495-B7F3-F042-D2409E064FA2}"/>
+                    </a:ext>
+                  </a:extLst>
+                </p:cNvPr>
+                <p:cNvSpPr/>
+                <p:nvPr/>
+              </p:nvSpPr>
+              <p:spPr>
+                <a:xfrm>
+                  <a:off x="4394205" y="4502220"/>
+                  <a:ext cx="155389" cy="155389"/>
+                </a:xfrm>
+                <a:prstGeom prst="ellipse">
+                  <a:avLst/>
+                </a:prstGeom>
+                <a:solidFill>
+                  <a:schemeClr val="bg1"/>
+                </a:solidFill>
+                <a:ln w="3175">
+                  <a:solidFill>
+                    <a:schemeClr val="bg1">
+                      <a:lumMod val="65000"/>
+                    </a:schemeClr>
+                  </a:solidFill>
+                </a:ln>
+              </p:spPr>
+              <p:style>
+                <a:lnRef idx="2">
+                  <a:schemeClr val="accent1">
+                    <a:shade val="50000"/>
+                  </a:schemeClr>
+                </a:lnRef>
+                <a:fillRef idx="1">
+                  <a:schemeClr val="accent1"/>
+                </a:fillRef>
+                <a:effectRef idx="0">
+                  <a:schemeClr val="accent1"/>
+                </a:effectRef>
+                <a:fontRef idx="minor">
+                  <a:schemeClr val="lt1"/>
+                </a:fontRef>
+              </p:style>
+              <p:txBody>
+                <a:bodyPr rtlCol="0" anchor="ctr"/>
+                <a:lstStyle/>
+                <a:p>
+                  <a:pPr algn="ctr"/>
+                  <a:endParaRPr lang="en-US">
+                    <a:solidFill>
+                      <a:schemeClr val="tx1"/>
+                    </a:solidFill>
+                  </a:endParaRPr>
+                </a:p>
+              </p:txBody>
+            </p:sp>
+            <p:sp>
+              <p:nvSpPr>
+                <p:cNvPr id="24" name="Oval 23">
+                  <a:extLst>
+                    <a:ext uri="{FF2B5EF4-FFF2-40B4-BE49-F238E27FC236}">
+                      <a16:creationId xmlns:a16="http://schemas.microsoft.com/office/drawing/2014/main" id="{2FFEA1FF-8F5A-57FB-1329-EE3230CCA5E4}"/>
+                    </a:ext>
+                  </a:extLst>
+                </p:cNvPr>
+                <p:cNvSpPr/>
+                <p:nvPr/>
+              </p:nvSpPr>
+              <p:spPr>
+                <a:xfrm>
+                  <a:off x="4297157" y="4570899"/>
+                  <a:ext cx="155389" cy="155389"/>
+                </a:xfrm>
+                <a:prstGeom prst="ellipse">
+                  <a:avLst/>
+                </a:prstGeom>
+                <a:solidFill>
+                  <a:schemeClr val="bg1"/>
+                </a:solidFill>
+                <a:ln w="3175">
+                  <a:solidFill>
+                    <a:schemeClr val="bg1">
+                      <a:lumMod val="65000"/>
+                    </a:schemeClr>
+                  </a:solidFill>
+                </a:ln>
+              </p:spPr>
+              <p:style>
+                <a:lnRef idx="2">
+                  <a:schemeClr val="accent1">
+                    <a:shade val="50000"/>
+                  </a:schemeClr>
+                </a:lnRef>
+                <a:fillRef idx="1">
+                  <a:schemeClr val="accent1"/>
+                </a:fillRef>
+                <a:effectRef idx="0">
+                  <a:schemeClr val="accent1"/>
+                </a:effectRef>
+                <a:fontRef idx="minor">
+                  <a:schemeClr val="lt1"/>
+                </a:fontRef>
+              </p:style>
+              <p:txBody>
+                <a:bodyPr rtlCol="0" anchor="ctr"/>
+                <a:lstStyle/>
+                <a:p>
+                  <a:pPr algn="ctr"/>
+                  <a:endParaRPr lang="en-US">
+                    <a:solidFill>
+                      <a:schemeClr val="tx1"/>
+                    </a:solidFill>
+                  </a:endParaRPr>
+                </a:p>
+              </p:txBody>
+            </p:sp>
+            <p:sp>
+              <p:nvSpPr>
+                <p:cNvPr id="28" name="Oval 27">
+                  <a:extLst>
+                    <a:ext uri="{FF2B5EF4-FFF2-40B4-BE49-F238E27FC236}">
+                      <a16:creationId xmlns:a16="http://schemas.microsoft.com/office/drawing/2014/main" id="{55699BC5-317E-07BA-30C7-0915E5144722}"/>
+                    </a:ext>
+                  </a:extLst>
+                </p:cNvPr>
+                <p:cNvSpPr/>
+                <p:nvPr/>
+              </p:nvSpPr>
+              <p:spPr>
+                <a:xfrm>
+                  <a:off x="4170368" y="4517480"/>
+                  <a:ext cx="155389" cy="155389"/>
+                </a:xfrm>
+                <a:prstGeom prst="ellipse">
+                  <a:avLst/>
+                </a:prstGeom>
+                <a:solidFill>
+                  <a:schemeClr val="bg1"/>
+                </a:solidFill>
+                <a:ln w="3175">
+                  <a:solidFill>
+                    <a:schemeClr val="bg1">
+                      <a:lumMod val="65000"/>
+                    </a:schemeClr>
+                  </a:solidFill>
+                </a:ln>
+              </p:spPr>
+              <p:style>
+                <a:lnRef idx="2">
+                  <a:schemeClr val="accent1">
+                    <a:shade val="50000"/>
+                  </a:schemeClr>
+                </a:lnRef>
+                <a:fillRef idx="1">
+                  <a:schemeClr val="accent1"/>
+                </a:fillRef>
+                <a:effectRef idx="0">
+                  <a:schemeClr val="accent1"/>
+                </a:effectRef>
+                <a:fontRef idx="minor">
+                  <a:schemeClr val="lt1"/>
+                </a:fontRef>
+              </p:style>
+              <p:txBody>
+                <a:bodyPr rtlCol="0" anchor="ctr"/>
+                <a:lstStyle/>
+                <a:p>
+                  <a:pPr algn="ctr"/>
+                  <a:endParaRPr lang="en-US">
+                    <a:solidFill>
+                      <a:schemeClr val="tx1"/>
+                    </a:solidFill>
+                  </a:endParaRPr>
+                </a:p>
+              </p:txBody>
+            </p:sp>
+            <p:sp>
+              <p:nvSpPr>
+                <p:cNvPr id="29" name="Oval 28">
+                  <a:extLst>
+                    <a:ext uri="{FF2B5EF4-FFF2-40B4-BE49-F238E27FC236}">
+                      <a16:creationId xmlns:a16="http://schemas.microsoft.com/office/drawing/2014/main" id="{9F35B3C2-69BA-F26E-1A83-44F0E5AE4DD1}"/>
+                    </a:ext>
+                  </a:extLst>
+                </p:cNvPr>
+                <p:cNvSpPr/>
+                <p:nvPr/>
+              </p:nvSpPr>
+              <p:spPr>
+                <a:xfrm>
+                  <a:off x="4349760" y="4403239"/>
+                  <a:ext cx="155389" cy="155389"/>
+                </a:xfrm>
+                <a:prstGeom prst="ellipse">
+                  <a:avLst/>
+                </a:prstGeom>
+                <a:solidFill>
+                  <a:schemeClr val="bg1"/>
+                </a:solidFill>
+                <a:ln w="3175">
+                  <a:solidFill>
+                    <a:schemeClr val="bg1">
+                      <a:lumMod val="65000"/>
+                    </a:schemeClr>
+                  </a:solidFill>
+                </a:ln>
+              </p:spPr>
+              <p:style>
+                <a:lnRef idx="2">
+                  <a:schemeClr val="accent1">
+                    <a:shade val="50000"/>
+                  </a:schemeClr>
+                </a:lnRef>
+                <a:fillRef idx="1">
+                  <a:schemeClr val="accent1"/>
+                </a:fillRef>
+                <a:effectRef idx="0">
+                  <a:schemeClr val="accent1"/>
+                </a:effectRef>
+                <a:fontRef idx="minor">
+                  <a:schemeClr val="lt1"/>
+                </a:fontRef>
+              </p:style>
+              <p:txBody>
+                <a:bodyPr rtlCol="0" anchor="ctr"/>
+                <a:lstStyle/>
+                <a:p>
+                  <a:pPr algn="ctr"/>
+                  <a:endParaRPr lang="en-US">
+                    <a:solidFill>
+                      <a:schemeClr val="tx1"/>
+                    </a:solidFill>
+                  </a:endParaRPr>
+                </a:p>
+              </p:txBody>
+            </p:sp>
+            <p:sp>
+              <p:nvSpPr>
+                <p:cNvPr id="30" name="Oval 29">
+                  <a:extLst>
+                    <a:ext uri="{FF2B5EF4-FFF2-40B4-BE49-F238E27FC236}">
+                      <a16:creationId xmlns:a16="http://schemas.microsoft.com/office/drawing/2014/main" id="{52FED1B8-24A1-12B4-7DC3-1595C2923EF6}"/>
+                    </a:ext>
+                  </a:extLst>
+                </p:cNvPr>
+                <p:cNvSpPr/>
+                <p:nvPr/>
+              </p:nvSpPr>
+              <p:spPr>
+                <a:xfrm>
+                  <a:off x="4402730" y="4605495"/>
+                  <a:ext cx="155389" cy="155389"/>
+                </a:xfrm>
+                <a:prstGeom prst="ellipse">
+                  <a:avLst/>
+                </a:prstGeom>
+                <a:solidFill>
+                  <a:schemeClr val="bg1"/>
+                </a:solidFill>
+                <a:ln w="3175">
+                  <a:solidFill>
+                    <a:schemeClr val="bg1">
+                      <a:lumMod val="65000"/>
+                    </a:schemeClr>
+                  </a:solidFill>
+                </a:ln>
+              </p:spPr>
+              <p:style>
+                <a:lnRef idx="2">
+                  <a:schemeClr val="accent1">
+                    <a:shade val="50000"/>
+                  </a:schemeClr>
+                </a:lnRef>
+                <a:fillRef idx="1">
+                  <a:schemeClr val="accent1"/>
+                </a:fillRef>
+                <a:effectRef idx="0">
+                  <a:schemeClr val="accent1"/>
+                </a:effectRef>
+                <a:fontRef idx="minor">
+                  <a:schemeClr val="lt1"/>
+                </a:fontRef>
+              </p:style>
+              <p:txBody>
+                <a:bodyPr rtlCol="0" anchor="ctr"/>
+                <a:lstStyle/>
+                <a:p>
+                  <a:pPr algn="ctr"/>
+                  <a:endParaRPr lang="en-US">
+                    <a:solidFill>
+                      <a:schemeClr val="tx1"/>
+                    </a:solidFill>
+                  </a:endParaRPr>
+                </a:p>
+              </p:txBody>
+            </p:sp>
+            <p:sp>
+              <p:nvSpPr>
+                <p:cNvPr id="32" name="Oval 31">
+                  <a:extLst>
+                    <a:ext uri="{FF2B5EF4-FFF2-40B4-BE49-F238E27FC236}">
+                      <a16:creationId xmlns:a16="http://schemas.microsoft.com/office/drawing/2014/main" id="{2E8B8AE1-2ED1-A064-0F0C-35811B7A3A73}"/>
+                    </a:ext>
+                  </a:extLst>
+                </p:cNvPr>
+                <p:cNvSpPr/>
+                <p:nvPr/>
+              </p:nvSpPr>
+              <p:spPr>
+                <a:xfrm>
+                  <a:off x="4147261" y="4624665"/>
+                  <a:ext cx="155389" cy="155389"/>
+                </a:xfrm>
+                <a:prstGeom prst="ellipse">
+                  <a:avLst/>
+                </a:prstGeom>
+                <a:solidFill>
+                  <a:schemeClr val="bg1"/>
+                </a:solidFill>
+                <a:ln w="3175">
+                  <a:solidFill>
+                    <a:schemeClr val="bg1">
+                      <a:lumMod val="65000"/>
+                    </a:schemeClr>
+                  </a:solidFill>
+                </a:ln>
+              </p:spPr>
+              <p:style>
+                <a:lnRef idx="2">
+                  <a:schemeClr val="accent1">
+                    <a:shade val="50000"/>
+                  </a:schemeClr>
+                </a:lnRef>
+                <a:fillRef idx="1">
+                  <a:schemeClr val="accent1"/>
+                </a:fillRef>
+                <a:effectRef idx="0">
+                  <a:schemeClr val="accent1"/>
+                </a:effectRef>
+                <a:fontRef idx="minor">
+                  <a:schemeClr val="lt1"/>
+                </a:fontRef>
+              </p:style>
+              <p:txBody>
+                <a:bodyPr rtlCol="0" anchor="ctr"/>
+                <a:lstStyle/>
+                <a:p>
+                  <a:pPr algn="ctr"/>
+                  <a:endParaRPr lang="en-US">
+                    <a:solidFill>
+                      <a:schemeClr val="tx1"/>
+                    </a:solidFill>
+                  </a:endParaRPr>
+                </a:p>
+              </p:txBody>
+            </p:sp>
+            <p:sp>
+              <p:nvSpPr>
+                <p:cNvPr id="34" name="Oval 33">
+                  <a:extLst>
+                    <a:ext uri="{FF2B5EF4-FFF2-40B4-BE49-F238E27FC236}">
+                      <a16:creationId xmlns:a16="http://schemas.microsoft.com/office/drawing/2014/main" id="{BAC09385-76B2-A5E3-587A-5B1B7B5A401B}"/>
+                    </a:ext>
+                  </a:extLst>
+                </p:cNvPr>
+                <p:cNvSpPr/>
+                <p:nvPr/>
+              </p:nvSpPr>
+              <p:spPr>
+                <a:xfrm>
+                  <a:off x="4055312" y="4544056"/>
+                  <a:ext cx="155389" cy="155389"/>
+                </a:xfrm>
+                <a:prstGeom prst="ellipse">
+                  <a:avLst/>
+                </a:prstGeom>
+                <a:solidFill>
+                  <a:schemeClr val="bg1"/>
+                </a:solidFill>
+                <a:ln w="3175">
+                  <a:solidFill>
+                    <a:schemeClr val="bg1">
+                      <a:lumMod val="65000"/>
+                    </a:schemeClr>
+                  </a:solidFill>
+                </a:ln>
+              </p:spPr>
+              <p:style>
+                <a:lnRef idx="2">
+                  <a:schemeClr val="accent1">
+                    <a:shade val="50000"/>
+                  </a:schemeClr>
+                </a:lnRef>
+                <a:fillRef idx="1">
+                  <a:schemeClr val="accent1"/>
+                </a:fillRef>
+                <a:effectRef idx="0">
+                  <a:schemeClr val="accent1"/>
+                </a:effectRef>
+                <a:fontRef idx="minor">
+                  <a:schemeClr val="lt1"/>
+                </a:fontRef>
+              </p:style>
+              <p:txBody>
+                <a:bodyPr rtlCol="0" anchor="ctr"/>
+                <a:lstStyle/>
+                <a:p>
+                  <a:pPr algn="ctr"/>
+                  <a:endParaRPr lang="en-US">
+                    <a:solidFill>
+                      <a:schemeClr val="tx1"/>
+                    </a:solidFill>
+                  </a:endParaRPr>
+                </a:p>
+              </p:txBody>
+            </p:sp>
+          </p:grpSp>
           <p:sp>
             <p:nvSpPr>
-              <p:cNvPr id="31" name="TextBox 30">
+              <p:cNvPr id="40" name="TextBox 39">
                 <a:extLst>
                   <a:ext uri="{FF2B5EF4-FFF2-40B4-BE49-F238E27FC236}">
-                    <a16:creationId xmlns:a16="http://schemas.microsoft.com/office/drawing/2014/main" id="{BB1F478B-475A-961E-9463-971167FCC0DD}"/>
+                    <a16:creationId xmlns:a16="http://schemas.microsoft.com/office/drawing/2014/main" id="{F0067AC1-980E-FF71-CBEB-C774EC851955}"/>
                   </a:ext>
                 </a:extLst>
               </p:cNvPr>
@@ -4778,9 +7001,464 @@
               <p:nvPr/>
             </p:nvSpPr>
             <p:spPr>
-              <a:xfrm rot="19965235">
-                <a:off x="4807026" y="2297337"/>
-                <a:ext cx="405880" cy="338554"/>
+              <a:xfrm>
+                <a:off x="4767558" y="4443153"/>
+                <a:ext cx="391208" cy="215444"/>
+              </a:xfrm>
+              <a:prstGeom prst="rect">
+                <a:avLst/>
+              </a:prstGeom>
+              <a:noFill/>
+            </p:spPr>
+            <p:txBody>
+              <a:bodyPr wrap="square" rtlCol="0">
+                <a:spAutoFit/>
+              </a:bodyPr>
+              <a:lstStyle/>
+              <a:p>
+                <a:r>
+                  <a:rPr lang="en-US" sz="800" dirty="0">
+                    <a:latin typeface="Times New Roman" panose="02020603050405020304" pitchFamily="18" charset="0"/>
+                    <a:cs typeface="Times New Roman" panose="02020603050405020304" pitchFamily="18" charset="0"/>
+                  </a:rPr>
+                  <a:t>Eggs</a:t>
+                </a:r>
+              </a:p>
+            </p:txBody>
+          </p:sp>
+        </p:grpSp>
+        <p:pic>
+          <p:nvPicPr>
+            <p:cNvPr id="9" name="Picture 8" descr="Diagram&#10;&#10;Description automatically generated">
+              <a:extLst>
+                <a:ext uri="{FF2B5EF4-FFF2-40B4-BE49-F238E27FC236}">
+                  <a16:creationId xmlns:a16="http://schemas.microsoft.com/office/drawing/2014/main" id="{AD6E475A-2214-17A5-A79C-91AB2E3E72B2}"/>
+                </a:ext>
+              </a:extLst>
+            </p:cNvPr>
+            <p:cNvPicPr>
+              <a:picLocks noChangeAspect="1"/>
+            </p:cNvPicPr>
+            <p:nvPr/>
+          </p:nvPicPr>
+          <p:blipFill rotWithShape="1">
+            <a:blip r:embed="rId7">
+              <a:duotone>
+                <a:schemeClr val="bg2">
+                  <a:shade val="45000"/>
+                  <a:satMod val="135000"/>
+                </a:schemeClr>
+                <a:prstClr val="white"/>
+              </a:duotone>
+              <a:extLst>
+                <a:ext uri="{28A0092B-C50C-407E-A947-70E740481C1C}">
+                  <a14:useLocalDpi xmlns:a14="http://schemas.microsoft.com/office/drawing/2010/main" val="0"/>
+                </a:ext>
+              </a:extLst>
+            </a:blip>
+            <a:srcRect l="43706" t="28102" r="22693" b="55760"/>
+            <a:stretch/>
+          </p:blipFill>
+          <p:spPr>
+            <a:xfrm rot="20735829">
+              <a:off x="3877734" y="4800017"/>
+              <a:ext cx="631191" cy="406385"/>
+            </a:xfrm>
+            <a:prstGeom prst="rect">
+              <a:avLst/>
+            </a:prstGeom>
+          </p:spPr>
+        </p:pic>
+        <p:sp>
+          <p:nvSpPr>
+            <p:cNvPr id="41" name="TextBox 40">
+              <a:extLst>
+                <a:ext uri="{FF2B5EF4-FFF2-40B4-BE49-F238E27FC236}">
+                  <a16:creationId xmlns:a16="http://schemas.microsoft.com/office/drawing/2014/main" id="{5F5D940E-4470-F7CD-8BD1-A5F121F2E744}"/>
+                </a:ext>
+              </a:extLst>
+            </p:cNvPr>
+            <p:cNvSpPr txBox="1"/>
+            <p:nvPr/>
+          </p:nvSpPr>
+          <p:spPr>
+            <a:xfrm>
+              <a:off x="4535530" y="4759437"/>
+              <a:ext cx="490057" cy="215444"/>
+            </a:xfrm>
+            <a:prstGeom prst="rect">
+              <a:avLst/>
+            </a:prstGeom>
+            <a:noFill/>
+          </p:spPr>
+          <p:txBody>
+            <a:bodyPr wrap="square" rtlCol="0">
+              <a:spAutoFit/>
+            </a:bodyPr>
+            <a:lstStyle/>
+            <a:p>
+              <a:r>
+                <a:rPr lang="en-US" sz="800" dirty="0">
+                  <a:latin typeface="Times New Roman" panose="02020603050405020304" pitchFamily="18" charset="0"/>
+                  <a:cs typeface="Times New Roman" panose="02020603050405020304" pitchFamily="18" charset="0"/>
+                </a:rPr>
+                <a:t>Larva</a:t>
+              </a:r>
+            </a:p>
+          </p:txBody>
+        </p:sp>
+        <p:pic>
+          <p:nvPicPr>
+            <p:cNvPr id="18" name="Picture 17" descr="Diagram&#10;&#10;Description automatically generated">
+              <a:extLst>
+                <a:ext uri="{FF2B5EF4-FFF2-40B4-BE49-F238E27FC236}">
+                  <a16:creationId xmlns:a16="http://schemas.microsoft.com/office/drawing/2014/main" id="{33AD14E2-EEA2-57C2-7744-E4FED68898B9}"/>
+                </a:ext>
+              </a:extLst>
+            </p:cNvPr>
+            <p:cNvPicPr>
+              <a:picLocks noChangeAspect="1"/>
+            </p:cNvPicPr>
+            <p:nvPr/>
+          </p:nvPicPr>
+          <p:blipFill rotWithShape="1">
+            <a:blip r:embed="rId7">
+              <a:duotone>
+                <a:schemeClr val="bg2">
+                  <a:shade val="45000"/>
+                  <a:satMod val="135000"/>
+                </a:schemeClr>
+                <a:prstClr val="white"/>
+              </a:duotone>
+              <a:extLst>
+                <a:ext uri="{28A0092B-C50C-407E-A947-70E740481C1C}">
+                  <a14:useLocalDpi xmlns:a14="http://schemas.microsoft.com/office/drawing/2010/main" val="0"/>
+                </a:ext>
+              </a:extLst>
+            </a:blip>
+            <a:srcRect l="10660" t="73211" r="21974" b="5984"/>
+            <a:stretch/>
+          </p:blipFill>
+          <p:spPr>
+            <a:xfrm rot="15707252" flipH="1">
+              <a:off x="1025225" y="3792849"/>
+              <a:ext cx="985429" cy="407957"/>
+            </a:xfrm>
+            <a:prstGeom prst="roundRect">
+              <a:avLst>
+                <a:gd name="adj" fmla="val 25532"/>
+              </a:avLst>
+            </a:prstGeom>
+          </p:spPr>
+        </p:pic>
+        <p:sp>
+          <p:nvSpPr>
+            <p:cNvPr id="43" name="TextBox 42">
+              <a:extLst>
+                <a:ext uri="{FF2B5EF4-FFF2-40B4-BE49-F238E27FC236}">
+                  <a16:creationId xmlns:a16="http://schemas.microsoft.com/office/drawing/2014/main" id="{F70E8B3A-3F4D-4216-0945-CC1BC07328A7}"/>
+                </a:ext>
+              </a:extLst>
+            </p:cNvPr>
+            <p:cNvSpPr txBox="1"/>
+            <p:nvPr/>
+          </p:nvSpPr>
+          <p:spPr>
+            <a:xfrm>
+              <a:off x="827982" y="3703688"/>
+              <a:ext cx="458381" cy="215444"/>
+            </a:xfrm>
+            <a:prstGeom prst="rect">
+              <a:avLst/>
+            </a:prstGeom>
+            <a:noFill/>
+          </p:spPr>
+          <p:txBody>
+            <a:bodyPr wrap="square" rtlCol="0">
+              <a:spAutoFit/>
+            </a:bodyPr>
+            <a:lstStyle/>
+            <a:p>
+              <a:r>
+                <a:rPr lang="en-US" sz="800" dirty="0">
+                  <a:latin typeface="Times New Roman" panose="02020603050405020304" pitchFamily="18" charset="0"/>
+                  <a:cs typeface="Times New Roman" panose="02020603050405020304" pitchFamily="18" charset="0"/>
+                </a:rPr>
+                <a:t>Adult</a:t>
+              </a:r>
+            </a:p>
+          </p:txBody>
+        </p:sp>
+        <p:grpSp>
+          <p:nvGrpSpPr>
+            <p:cNvPr id="83" name="Group 82">
+              <a:extLst>
+                <a:ext uri="{FF2B5EF4-FFF2-40B4-BE49-F238E27FC236}">
+                  <a16:creationId xmlns:a16="http://schemas.microsoft.com/office/drawing/2014/main" id="{77C10F98-C61B-7003-CFE4-3CB8D967E106}"/>
+                </a:ext>
+              </a:extLst>
+            </p:cNvPr>
+            <p:cNvGrpSpPr/>
+            <p:nvPr/>
+          </p:nvGrpSpPr>
+          <p:grpSpPr>
+            <a:xfrm>
+              <a:off x="1989341" y="4935519"/>
+              <a:ext cx="1082761" cy="381830"/>
+              <a:chOff x="1989341" y="4935519"/>
+              <a:chExt cx="1082761" cy="381830"/>
+            </a:xfrm>
+          </p:grpSpPr>
+          <p:sp>
+            <p:nvSpPr>
+              <p:cNvPr id="42" name="TextBox 41">
+                <a:extLst>
+                  <a:ext uri="{FF2B5EF4-FFF2-40B4-BE49-F238E27FC236}">
+                    <a16:creationId xmlns:a16="http://schemas.microsoft.com/office/drawing/2014/main" id="{DF7B7AF0-D54B-3CFE-4809-9F9C70187113}"/>
+                  </a:ext>
+                </a:extLst>
+              </p:cNvPr>
+              <p:cNvSpPr txBox="1"/>
+              <p:nvPr/>
+            </p:nvSpPr>
+            <p:spPr>
+              <a:xfrm>
+                <a:off x="1989341" y="4935519"/>
+                <a:ext cx="330047" cy="215444"/>
+              </a:xfrm>
+              <a:prstGeom prst="rect">
+                <a:avLst/>
+              </a:prstGeom>
+              <a:noFill/>
+            </p:spPr>
+            <p:txBody>
+              <a:bodyPr wrap="square" rtlCol="0">
+                <a:spAutoFit/>
+              </a:bodyPr>
+              <a:lstStyle/>
+              <a:p>
+                <a:r>
+                  <a:rPr lang="en-US" sz="800" dirty="0">
+                    <a:latin typeface="Times New Roman" panose="02020603050405020304" pitchFamily="18" charset="0"/>
+                    <a:cs typeface="Times New Roman" panose="02020603050405020304" pitchFamily="18" charset="0"/>
+                  </a:rPr>
+                  <a:t>Fry</a:t>
+                </a:r>
+              </a:p>
+            </p:txBody>
+          </p:sp>
+          <p:grpSp>
+            <p:nvGrpSpPr>
+              <p:cNvPr id="82" name="Group 81">
+                <a:extLst>
+                  <a:ext uri="{FF2B5EF4-FFF2-40B4-BE49-F238E27FC236}">
+                    <a16:creationId xmlns:a16="http://schemas.microsoft.com/office/drawing/2014/main" id="{218D5BCE-A51A-2095-AC85-4E33374F49B8}"/>
+                  </a:ext>
+                </a:extLst>
+              </p:cNvPr>
+              <p:cNvGrpSpPr/>
+              <p:nvPr/>
+            </p:nvGrpSpPr>
+            <p:grpSpPr>
+              <a:xfrm>
+                <a:off x="2298325" y="4958995"/>
+                <a:ext cx="773777" cy="358354"/>
+                <a:chOff x="2298325" y="4958995"/>
+                <a:chExt cx="773777" cy="358354"/>
+              </a:xfrm>
+            </p:grpSpPr>
+            <p:pic>
+              <p:nvPicPr>
+                <p:cNvPr id="10" name="Picture 9" descr="Diagram&#10;&#10;Description automatically generated">
+                  <a:extLst>
+                    <a:ext uri="{FF2B5EF4-FFF2-40B4-BE49-F238E27FC236}">
+                      <a16:creationId xmlns:a16="http://schemas.microsoft.com/office/drawing/2014/main" id="{63DABC5B-2D59-3ACE-8AD5-699CC5D16781}"/>
+                    </a:ext>
+                  </a:extLst>
+                </p:cNvPr>
+                <p:cNvPicPr>
+                  <a:picLocks noChangeAspect="1"/>
+                </p:cNvPicPr>
+                <p:nvPr/>
+              </p:nvPicPr>
+              <p:blipFill rotWithShape="1">
+                <a:blip r:embed="rId7">
+                  <a:duotone>
+                    <a:schemeClr val="bg2">
+                      <a:shade val="45000"/>
+                      <a:satMod val="135000"/>
+                    </a:schemeClr>
+                    <a:prstClr val="white"/>
+                  </a:duotone>
+                  <a:extLst>
+                    <a:ext uri="{28A0092B-C50C-407E-A947-70E740481C1C}">
+                      <a14:useLocalDpi xmlns:a14="http://schemas.microsoft.com/office/drawing/2010/main" val="0"/>
+                    </a:ext>
+                  </a:extLst>
+                </a:blip>
+                <a:srcRect l="58065" t="53504" r="-233" b="31928"/>
+                <a:stretch/>
+              </p:blipFill>
+              <p:spPr>
+                <a:xfrm rot="11069420" flipH="1">
+                  <a:off x="2298325" y="4958995"/>
+                  <a:ext cx="773777" cy="358354"/>
+                </a:xfrm>
+                <a:prstGeom prst="rect">
+                  <a:avLst/>
+                </a:prstGeom>
+              </p:spPr>
+            </p:pic>
+            <p:sp>
+              <p:nvSpPr>
+                <p:cNvPr id="81" name="Rectangle 80">
+                  <a:extLst>
+                    <a:ext uri="{FF2B5EF4-FFF2-40B4-BE49-F238E27FC236}">
+                      <a16:creationId xmlns:a16="http://schemas.microsoft.com/office/drawing/2014/main" id="{3240E778-2DD8-FCFB-2709-EF8112894D6E}"/>
+                    </a:ext>
+                  </a:extLst>
+                </p:cNvPr>
+                <p:cNvSpPr/>
+                <p:nvPr/>
+              </p:nvSpPr>
+              <p:spPr>
+                <a:xfrm>
+                  <a:off x="2479328" y="5187950"/>
+                  <a:ext cx="106177" cy="78601"/>
+                </a:xfrm>
+                <a:prstGeom prst="rect">
+                  <a:avLst/>
+                </a:prstGeom>
+                <a:solidFill>
+                  <a:srgbClr val="FFFFFF"/>
+                </a:solidFill>
+                <a:ln>
+                  <a:solidFill>
+                    <a:schemeClr val="bg1"/>
+                  </a:solidFill>
+                </a:ln>
+              </p:spPr>
+              <p:style>
+                <a:lnRef idx="2">
+                  <a:schemeClr val="accent1">
+                    <a:shade val="50000"/>
+                  </a:schemeClr>
+                </a:lnRef>
+                <a:fillRef idx="1">
+                  <a:schemeClr val="accent1"/>
+                </a:fillRef>
+                <a:effectRef idx="0">
+                  <a:schemeClr val="accent1"/>
+                </a:effectRef>
+                <a:fontRef idx="minor">
+                  <a:schemeClr val="lt1"/>
+                </a:fontRef>
+              </p:style>
+              <p:txBody>
+                <a:bodyPr rtlCol="0" anchor="ctr"/>
+                <a:lstStyle/>
+                <a:p>
+                  <a:pPr algn="ctr"/>
+                  <a:endParaRPr lang="en-US">
+                    <a:solidFill>
+                      <a:schemeClr val="tx1"/>
+                    </a:solidFill>
+                  </a:endParaRPr>
+                </a:p>
+              </p:txBody>
+            </p:sp>
+          </p:grpSp>
+        </p:grpSp>
+        <p:sp>
+          <p:nvSpPr>
+            <p:cNvPr id="90" name="Arc 89">
+              <a:extLst>
+                <a:ext uri="{FF2B5EF4-FFF2-40B4-BE49-F238E27FC236}">
+                  <a16:creationId xmlns:a16="http://schemas.microsoft.com/office/drawing/2014/main" id="{5851EF92-C2D1-4404-C3F7-F8D03E0123BC}"/>
+                </a:ext>
+              </a:extLst>
+            </p:cNvPr>
+            <p:cNvSpPr/>
+            <p:nvPr/>
+          </p:nvSpPr>
+          <p:spPr>
+            <a:xfrm rot="18900000">
+              <a:off x="929469" y="1128477"/>
+              <a:ext cx="4572000" cy="4572000"/>
+            </a:xfrm>
+            <a:prstGeom prst="arc">
+              <a:avLst>
+                <a:gd name="adj1" fmla="val 19954109"/>
+                <a:gd name="adj2" fmla="val 21476895"/>
+              </a:avLst>
+            </a:prstGeom>
+            <a:ln>
+              <a:solidFill>
+                <a:schemeClr val="tx1"/>
+              </a:solidFill>
+              <a:headEnd type="triangle" w="med" len="med"/>
+              <a:tailEnd type="none" w="med" len="med"/>
+            </a:ln>
+          </p:spPr>
+          <p:style>
+            <a:lnRef idx="1">
+              <a:schemeClr val="accent1"/>
+            </a:lnRef>
+            <a:fillRef idx="0">
+              <a:schemeClr val="accent1"/>
+            </a:fillRef>
+            <a:effectRef idx="0">
+              <a:schemeClr val="accent1"/>
+            </a:effectRef>
+            <a:fontRef idx="minor">
+              <a:schemeClr val="tx1"/>
+            </a:fontRef>
+          </p:style>
+          <p:txBody>
+            <a:bodyPr rtlCol="0" anchor="ctr"/>
+            <a:lstStyle/>
+            <a:p>
+              <a:pPr algn="ctr"/>
+              <a:endParaRPr lang="en-US"/>
+            </a:p>
+          </p:txBody>
+        </p:sp>
+        <p:grpSp>
+          <p:nvGrpSpPr>
+            <p:cNvPr id="96" name="Group 95">
+              <a:extLst>
+                <a:ext uri="{FF2B5EF4-FFF2-40B4-BE49-F238E27FC236}">
+                  <a16:creationId xmlns:a16="http://schemas.microsoft.com/office/drawing/2014/main" id="{D20A6F3A-7E85-9FFB-A66A-BE28177F74CC}"/>
+                </a:ext>
+              </a:extLst>
+            </p:cNvPr>
+            <p:cNvGrpSpPr/>
+            <p:nvPr/>
+          </p:nvGrpSpPr>
+          <p:grpSpPr>
+            <a:xfrm>
+              <a:off x="3018210" y="1086585"/>
+              <a:ext cx="380232" cy="1103113"/>
+              <a:chOff x="3018210" y="997685"/>
+              <a:chExt cx="380232" cy="1103113"/>
+            </a:xfrm>
+          </p:grpSpPr>
+          <p:sp>
+            <p:nvSpPr>
+              <p:cNvPr id="92" name="TextBox 91">
+                <a:extLst>
+                  <a:ext uri="{FF2B5EF4-FFF2-40B4-BE49-F238E27FC236}">
+                    <a16:creationId xmlns:a16="http://schemas.microsoft.com/office/drawing/2014/main" id="{0A260F97-5EB5-E6BD-1F92-B9189BBE145E}"/>
+                  </a:ext>
+                </a:extLst>
+              </p:cNvPr>
+              <p:cNvSpPr txBox="1"/>
+              <p:nvPr/>
+            </p:nvSpPr>
+            <p:spPr>
+              <a:xfrm>
+                <a:off x="3018210" y="997685"/>
+                <a:ext cx="380232" cy="384721"/>
               </a:xfrm>
               <a:prstGeom prst="rect">
                 <a:avLst/>
@@ -4805,8 +7483,21 @@
                     <a:latin typeface="Times New Roman" panose="02020603050405020304" pitchFamily="18" charset="0"/>
                     <a:cs typeface="Times New Roman" panose="02020603050405020304" pitchFamily="18" charset="0"/>
                   </a:rPr>
-                  <a:t>RCP </a:t>
+                  <a:t>RCP</a:t>
                 </a:r>
+              </a:p>
+              <a:p>
+                <a:pPr algn="ctr"/>
+                <a:endParaRPr lang="en-US" sz="300" dirty="0">
+                  <a:solidFill>
+                    <a:schemeClr val="tx1">
+                      <a:lumMod val="50000"/>
+                      <a:lumOff val="50000"/>
+                    </a:schemeClr>
+                  </a:solidFill>
+                  <a:latin typeface="Times New Roman" panose="02020603050405020304" pitchFamily="18" charset="0"/>
+                  <a:cs typeface="Times New Roman" panose="02020603050405020304" pitchFamily="18" charset="0"/>
+                </a:endParaRPr>
               </a:p>
               <a:p>
                 <a:pPr algn="ctr"/>
@@ -4826,58 +7517,12 @@
               </a:p>
             </p:txBody>
           </p:sp>
-          <p:cxnSp>
-            <p:nvCxnSpPr>
-              <p:cNvPr id="21" name="Connector: Curved 20">
+          <p:sp>
+            <p:nvSpPr>
+              <p:cNvPr id="93" name="TextBox 92">
                 <a:extLst>
                   <a:ext uri="{FF2B5EF4-FFF2-40B4-BE49-F238E27FC236}">
-                    <a16:creationId xmlns:a16="http://schemas.microsoft.com/office/drawing/2014/main" id="{96D9CBA5-E572-F270-29CE-61A91DCDA012}"/>
-                  </a:ext>
-                </a:extLst>
-              </p:cNvPr>
-              <p:cNvCxnSpPr>
-                <a:cxnSpLocks/>
-                <a:stCxn id="20" idx="2"/>
-                <a:endCxn id="11" idx="1"/>
-              </p:cNvCxnSpPr>
-              <p:nvPr/>
-            </p:nvCxnSpPr>
-            <p:spPr>
-              <a:xfrm rot="16200000" flipH="1">
-                <a:off x="1986771" y="3065906"/>
-                <a:ext cx="243057" cy="388367"/>
-              </a:xfrm>
-              <a:prstGeom prst="curvedConnector2">
-                <a:avLst/>
-              </a:prstGeom>
-              <a:ln>
-                <a:solidFill>
-                  <a:schemeClr val="tx1"/>
-                </a:solidFill>
-                <a:tailEnd type="triangle"/>
-              </a:ln>
-            </p:spPr>
-            <p:style>
-              <a:lnRef idx="1">
-                <a:schemeClr val="accent1"/>
-              </a:lnRef>
-              <a:fillRef idx="0">
-                <a:schemeClr val="accent1"/>
-              </a:fillRef>
-              <a:effectRef idx="0">
-                <a:schemeClr val="accent1"/>
-              </a:effectRef>
-              <a:fontRef idx="minor">
-                <a:schemeClr val="tx1"/>
-              </a:fontRef>
-            </p:style>
-          </p:cxnSp>
-          <p:sp>
-            <p:nvSpPr>
-              <p:cNvPr id="37" name="TextBox 36">
-                <a:extLst>
-                  <a:ext uri="{FF2B5EF4-FFF2-40B4-BE49-F238E27FC236}">
-                    <a16:creationId xmlns:a16="http://schemas.microsoft.com/office/drawing/2014/main" id="{8B99782F-E631-535F-93CE-F6360C71F16F}"/>
+                    <a16:creationId xmlns:a16="http://schemas.microsoft.com/office/drawing/2014/main" id="{06F92A4B-759E-AD53-BED4-C5BB1E73C4EF}"/>
                   </a:ext>
                 </a:extLst>
               </p:cNvPr>
@@ -4885,9 +7530,9 @@
               <p:nvPr/>
             </p:nvSpPr>
             <p:spPr>
-              <a:xfrm rot="21296939">
-                <a:off x="4333616" y="3086813"/>
-                <a:ext cx="405880" cy="338554"/>
+              <a:xfrm>
+                <a:off x="3047346" y="1423090"/>
+                <a:ext cx="312907" cy="215444"/>
               </a:xfrm>
               <a:prstGeom prst="rect">
                 <a:avLst/>
@@ -4912,33 +7557,17 @@
                     <a:latin typeface="Times New Roman" panose="02020603050405020304" pitchFamily="18" charset="0"/>
                     <a:cs typeface="Times New Roman" panose="02020603050405020304" pitchFamily="18" charset="0"/>
                   </a:rPr>
-                  <a:t>RCP </a:t>
-                </a:r>
-              </a:p>
-              <a:p>
-                <a:pPr algn="ctr"/>
-                <a:r>
-                  <a:rPr lang="en-US" sz="800" dirty="0">
-                    <a:solidFill>
-                      <a:schemeClr val="tx1">
-                        <a:lumMod val="50000"/>
-                        <a:lumOff val="50000"/>
-                      </a:schemeClr>
-                    </a:solidFill>
-                    <a:latin typeface="Times New Roman" panose="02020603050405020304" pitchFamily="18" charset="0"/>
-                    <a:cs typeface="Times New Roman" panose="02020603050405020304" pitchFamily="18" charset="0"/>
-                  </a:rPr>
-                  <a:t>2.6</a:t>
+                  <a:t>6.0</a:t>
                 </a:r>
               </a:p>
             </p:txBody>
           </p:sp>
           <p:sp>
             <p:nvSpPr>
-              <p:cNvPr id="38" name="TextBox 37">
+              <p:cNvPr id="94" name="TextBox 93">
                 <a:extLst>
                   <a:ext uri="{FF2B5EF4-FFF2-40B4-BE49-F238E27FC236}">
-                    <a16:creationId xmlns:a16="http://schemas.microsoft.com/office/drawing/2014/main" id="{E45EBC66-8770-922F-372F-1C0D847501D6}"/>
+                    <a16:creationId xmlns:a16="http://schemas.microsoft.com/office/drawing/2014/main" id="{BABF8ED6-A3C8-C052-B5F3-995A850AF928}"/>
                   </a:ext>
                 </a:extLst>
               </p:cNvPr>
@@ -4946,9 +7575,9 @@
               <p:nvPr/>
             </p:nvSpPr>
             <p:spPr>
-              <a:xfrm rot="20791274">
-                <a:off x="4523994" y="2881185"/>
-                <a:ext cx="405880" cy="338554"/>
+              <a:xfrm>
+                <a:off x="3058001" y="1650119"/>
+                <a:ext cx="312907" cy="215444"/>
               </a:xfrm>
               <a:prstGeom prst="rect">
                 <a:avLst/>
@@ -4973,22 +7602,6 @@
                     <a:latin typeface="Times New Roman" panose="02020603050405020304" pitchFamily="18" charset="0"/>
                     <a:cs typeface="Times New Roman" panose="02020603050405020304" pitchFamily="18" charset="0"/>
                   </a:rPr>
-                  <a:t>RCP </a:t>
-                </a:r>
-              </a:p>
-              <a:p>
-                <a:pPr algn="ctr"/>
-                <a:r>
-                  <a:rPr lang="en-US" sz="800" dirty="0">
-                    <a:solidFill>
-                      <a:schemeClr val="tx1">
-                        <a:lumMod val="50000"/>
-                        <a:lumOff val="50000"/>
-                      </a:schemeClr>
-                    </a:solidFill>
-                    <a:latin typeface="Times New Roman" panose="02020603050405020304" pitchFamily="18" charset="0"/>
-                    <a:cs typeface="Times New Roman" panose="02020603050405020304" pitchFamily="18" charset="0"/>
-                  </a:rPr>
                   <a:t>4.5</a:t>
                 </a:r>
               </a:p>
@@ -4996,10 +7609,10 @@
           </p:sp>
           <p:sp>
             <p:nvSpPr>
-              <p:cNvPr id="39" name="TextBox 38">
+              <p:cNvPr id="95" name="TextBox 94">
                 <a:extLst>
                   <a:ext uri="{FF2B5EF4-FFF2-40B4-BE49-F238E27FC236}">
-                    <a16:creationId xmlns:a16="http://schemas.microsoft.com/office/drawing/2014/main" id="{2B5A2A8D-F0EF-298A-F203-F0BC071E8B66}"/>
+                    <a16:creationId xmlns:a16="http://schemas.microsoft.com/office/drawing/2014/main" id="{3BB68EE1-FC65-181A-1B46-4428C7F8C79F}"/>
                   </a:ext>
                 </a:extLst>
               </p:cNvPr>
@@ -5007,9 +7620,9 @@
               <p:nvPr/>
             </p:nvSpPr>
             <p:spPr>
-              <a:xfrm rot="20612074">
-                <a:off x="4706957" y="2651973"/>
-                <a:ext cx="405880" cy="338554"/>
+              <a:xfrm>
+                <a:off x="3047346" y="1885354"/>
+                <a:ext cx="312907" cy="215444"/>
               </a:xfrm>
               <a:prstGeom prst="rect">
                 <a:avLst/>
@@ -5034,33 +7647,200 @@
                     <a:latin typeface="Times New Roman" panose="02020603050405020304" pitchFamily="18" charset="0"/>
                     <a:cs typeface="Times New Roman" panose="02020603050405020304" pitchFamily="18" charset="0"/>
                   </a:rPr>
-                  <a:t>RCP </a:t>
-                </a:r>
-              </a:p>
-              <a:p>
-                <a:pPr algn="ctr"/>
-                <a:r>
-                  <a:rPr lang="en-US" sz="800" dirty="0">
-                    <a:solidFill>
-                      <a:schemeClr val="tx1">
-                        <a:lumMod val="50000"/>
-                        <a:lumOff val="50000"/>
-                      </a:schemeClr>
-                    </a:solidFill>
-                    <a:latin typeface="Times New Roman" panose="02020603050405020304" pitchFamily="18" charset="0"/>
-                    <a:cs typeface="Times New Roman" panose="02020603050405020304" pitchFamily="18" charset="0"/>
-                  </a:rPr>
-                  <a:t>6.0</a:t>
+                  <a:t>2.6</a:t>
                 </a:r>
               </a:p>
             </p:txBody>
           </p:sp>
+        </p:grpSp>
+        <p:sp>
+          <p:nvSpPr>
+            <p:cNvPr id="112" name="Arc 111">
+              <a:extLst>
+                <a:ext uri="{FF2B5EF4-FFF2-40B4-BE49-F238E27FC236}">
+                  <a16:creationId xmlns:a16="http://schemas.microsoft.com/office/drawing/2014/main" id="{9B0ACAAE-D4D7-4F23-2B4D-0E3E68C77436}"/>
+                </a:ext>
+              </a:extLst>
+            </p:cNvPr>
+            <p:cNvSpPr/>
+            <p:nvPr/>
+          </p:nvSpPr>
+          <p:spPr>
+            <a:xfrm rot="20920021">
+              <a:off x="6893833" y="1118815"/>
+              <a:ext cx="4572000" cy="4572000"/>
+            </a:xfrm>
+            <a:prstGeom prst="arc">
+              <a:avLst>
+                <a:gd name="adj1" fmla="val 18343353"/>
+                <a:gd name="adj2" fmla="val 19951047"/>
+              </a:avLst>
+            </a:prstGeom>
+            <a:ln>
+              <a:solidFill>
+                <a:schemeClr val="tx1"/>
+              </a:solidFill>
+              <a:headEnd type="triangle" w="med" len="med"/>
+              <a:tailEnd type="none" w="med" len="med"/>
+            </a:ln>
+          </p:spPr>
+          <p:style>
+            <a:lnRef idx="1">
+              <a:schemeClr val="accent1"/>
+            </a:lnRef>
+            <a:fillRef idx="0">
+              <a:schemeClr val="accent1"/>
+            </a:fillRef>
+            <a:effectRef idx="0">
+              <a:schemeClr val="accent1"/>
+            </a:effectRef>
+            <a:fontRef idx="minor">
+              <a:schemeClr val="tx1"/>
+            </a:fontRef>
+          </p:style>
+          <p:txBody>
+            <a:bodyPr rtlCol="0" anchor="ctr"/>
+            <a:lstStyle/>
+            <a:p>
+              <a:pPr algn="ctr"/>
+              <a:endParaRPr lang="en-US"/>
+            </a:p>
+          </p:txBody>
+        </p:sp>
+        <p:sp>
+          <p:nvSpPr>
+            <p:cNvPr id="113" name="Arc 112">
+              <a:extLst>
+                <a:ext uri="{FF2B5EF4-FFF2-40B4-BE49-F238E27FC236}">
+                  <a16:creationId xmlns:a16="http://schemas.microsoft.com/office/drawing/2014/main" id="{ADD06344-B326-2FA0-9D49-5D0F37B6975C}"/>
+                </a:ext>
+              </a:extLst>
+            </p:cNvPr>
+            <p:cNvSpPr/>
+            <p:nvPr/>
+          </p:nvSpPr>
+          <p:spPr>
+            <a:xfrm rot="17450931">
+              <a:off x="6892241" y="1133136"/>
+              <a:ext cx="4572000" cy="4572000"/>
+            </a:xfrm>
+            <a:prstGeom prst="arc">
+              <a:avLst>
+                <a:gd name="adj1" fmla="val 18705956"/>
+                <a:gd name="adj2" fmla="val 19838692"/>
+              </a:avLst>
+            </a:prstGeom>
+            <a:ln>
+              <a:solidFill>
+                <a:schemeClr val="tx1"/>
+              </a:solidFill>
+              <a:headEnd type="triangle" w="med" len="med"/>
+              <a:tailEnd type="none" w="med" len="med"/>
+            </a:ln>
+          </p:spPr>
+          <p:style>
+            <a:lnRef idx="1">
+              <a:schemeClr val="accent1"/>
+            </a:lnRef>
+            <a:fillRef idx="0">
+              <a:schemeClr val="accent1"/>
+            </a:fillRef>
+            <a:effectRef idx="0">
+              <a:schemeClr val="accent1"/>
+            </a:effectRef>
+            <a:fontRef idx="minor">
+              <a:schemeClr val="tx1"/>
+            </a:fontRef>
+          </p:style>
+          <p:txBody>
+            <a:bodyPr rtlCol="0" anchor="ctr"/>
+            <a:lstStyle/>
+            <a:p>
+              <a:pPr algn="ctr"/>
+              <a:endParaRPr lang="en-US"/>
+            </a:p>
+          </p:txBody>
+        </p:sp>
+        <p:sp>
+          <p:nvSpPr>
+            <p:cNvPr id="114" name="Arc 113">
+              <a:extLst>
+                <a:ext uri="{FF2B5EF4-FFF2-40B4-BE49-F238E27FC236}">
+                  <a16:creationId xmlns:a16="http://schemas.microsoft.com/office/drawing/2014/main" id="{21539A2C-A52A-A73B-B246-392B354EC280}"/>
+                </a:ext>
+              </a:extLst>
+            </p:cNvPr>
+            <p:cNvSpPr/>
+            <p:nvPr/>
+          </p:nvSpPr>
+          <p:spPr>
+            <a:xfrm rot="15208227">
+              <a:off x="841373" y="1151746"/>
+              <a:ext cx="4572000" cy="4572000"/>
+            </a:xfrm>
+            <a:prstGeom prst="arc">
+              <a:avLst>
+                <a:gd name="adj1" fmla="val 20184996"/>
+                <a:gd name="adj2" fmla="val 21440134"/>
+              </a:avLst>
+            </a:prstGeom>
+            <a:ln>
+              <a:solidFill>
+                <a:schemeClr val="tx1"/>
+              </a:solidFill>
+              <a:headEnd type="triangle" w="med" len="med"/>
+              <a:tailEnd type="none" w="med" len="med"/>
+            </a:ln>
+          </p:spPr>
+          <p:style>
+            <a:lnRef idx="1">
+              <a:schemeClr val="accent1"/>
+            </a:lnRef>
+            <a:fillRef idx="0">
+              <a:schemeClr val="accent1"/>
+            </a:fillRef>
+            <a:effectRef idx="0">
+              <a:schemeClr val="accent1"/>
+            </a:effectRef>
+            <a:fontRef idx="minor">
+              <a:schemeClr val="tx1"/>
+            </a:fontRef>
+          </p:style>
+          <p:txBody>
+            <a:bodyPr rtlCol="0" anchor="ctr"/>
+            <a:lstStyle/>
+            <a:p>
+              <a:pPr algn="ctr"/>
+              <a:endParaRPr lang="en-US"/>
+            </a:p>
+          </p:txBody>
+        </p:sp>
+        <p:grpSp>
+          <p:nvGrpSpPr>
+            <p:cNvPr id="126" name="Group 125">
+              <a:extLst>
+                <a:ext uri="{FF2B5EF4-FFF2-40B4-BE49-F238E27FC236}">
+                  <a16:creationId xmlns:a16="http://schemas.microsoft.com/office/drawing/2014/main" id="{49C22CF5-4563-EAC1-06B9-8101272D2049}"/>
+                </a:ext>
+              </a:extLst>
+            </p:cNvPr>
+            <p:cNvGrpSpPr/>
+            <p:nvPr/>
+          </p:nvGrpSpPr>
+          <p:grpSpPr>
+            <a:xfrm rot="457717">
+              <a:off x="9352973" y="1114706"/>
+              <a:ext cx="380232" cy="1103113"/>
+              <a:chOff x="3018210" y="997685"/>
+              <a:chExt cx="380232" cy="1103113"/>
+            </a:xfrm>
+          </p:grpSpPr>
           <p:sp>
             <p:nvSpPr>
-              <p:cNvPr id="44" name="TextBox 43">
+              <p:cNvPr id="127" name="TextBox 126">
                 <a:extLst>
                   <a:ext uri="{FF2B5EF4-FFF2-40B4-BE49-F238E27FC236}">
-                    <a16:creationId xmlns:a16="http://schemas.microsoft.com/office/drawing/2014/main" id="{086F1047-5BC5-8329-4A8B-F89C2E2143FB}"/>
+                    <a16:creationId xmlns:a16="http://schemas.microsoft.com/office/drawing/2014/main" id="{DFB220B8-B700-0402-E0FE-BF3D28170C36}"/>
                   </a:ext>
                 </a:extLst>
               </p:cNvPr>
@@ -5068,9 +7848,9 @@
               <p:nvPr/>
             </p:nvSpPr>
             <p:spPr>
-              <a:xfrm rot="20354514">
-                <a:off x="10888513" y="2490438"/>
-                <a:ext cx="405880" cy="338554"/>
+              <a:xfrm>
+                <a:off x="3018210" y="997685"/>
+                <a:ext cx="380232" cy="384721"/>
               </a:xfrm>
               <a:prstGeom prst="rect">
                 <a:avLst/>
@@ -5095,8 +7875,21 @@
                     <a:latin typeface="Times New Roman" panose="02020603050405020304" pitchFamily="18" charset="0"/>
                     <a:cs typeface="Times New Roman" panose="02020603050405020304" pitchFamily="18" charset="0"/>
                   </a:rPr>
-                  <a:t>RCP </a:t>
+                  <a:t>RCP</a:t>
                 </a:r>
+              </a:p>
+              <a:p>
+                <a:pPr algn="ctr"/>
+                <a:endParaRPr lang="en-US" sz="300" dirty="0">
+                  <a:solidFill>
+                    <a:schemeClr val="tx1">
+                      <a:lumMod val="50000"/>
+                      <a:lumOff val="50000"/>
+                    </a:schemeClr>
+                  </a:solidFill>
+                  <a:latin typeface="Times New Roman" panose="02020603050405020304" pitchFamily="18" charset="0"/>
+                  <a:cs typeface="Times New Roman" panose="02020603050405020304" pitchFamily="18" charset="0"/>
+                </a:endParaRPr>
               </a:p>
               <a:p>
                 <a:pPr algn="ctr"/>
@@ -5118,10 +7911,10 @@
           </p:sp>
           <p:sp>
             <p:nvSpPr>
-              <p:cNvPr id="45" name="TextBox 44">
+              <p:cNvPr id="128" name="TextBox 127">
                 <a:extLst>
                   <a:ext uri="{FF2B5EF4-FFF2-40B4-BE49-F238E27FC236}">
-                    <a16:creationId xmlns:a16="http://schemas.microsoft.com/office/drawing/2014/main" id="{C51FEAE8-4CEA-0B45-B1A7-605E3195A2E5}"/>
+                    <a16:creationId xmlns:a16="http://schemas.microsoft.com/office/drawing/2014/main" id="{8A3F892E-3282-B1A1-E1DD-F1DD59F3E41C}"/>
                   </a:ext>
                 </a:extLst>
               </p:cNvPr>
@@ -5129,9 +7922,9 @@
               <p:nvPr/>
             </p:nvSpPr>
             <p:spPr>
-              <a:xfrm rot="285569">
-                <a:off x="10336592" y="3293234"/>
-                <a:ext cx="405880" cy="338554"/>
+              <a:xfrm>
+                <a:off x="3047346" y="1423090"/>
+                <a:ext cx="312907" cy="215444"/>
               </a:xfrm>
               <a:prstGeom prst="rect">
                 <a:avLst/>
@@ -5156,33 +7949,17 @@
                     <a:latin typeface="Times New Roman" panose="02020603050405020304" pitchFamily="18" charset="0"/>
                     <a:cs typeface="Times New Roman" panose="02020603050405020304" pitchFamily="18" charset="0"/>
                   </a:rPr>
-                  <a:t>RCP </a:t>
-                </a:r>
-              </a:p>
-              <a:p>
-                <a:pPr algn="ctr"/>
-                <a:r>
-                  <a:rPr lang="en-US" sz="800" dirty="0">
-                    <a:solidFill>
-                      <a:schemeClr val="tx1">
-                        <a:lumMod val="50000"/>
-                        <a:lumOff val="50000"/>
-                      </a:schemeClr>
-                    </a:solidFill>
-                    <a:latin typeface="Times New Roman" panose="02020603050405020304" pitchFamily="18" charset="0"/>
-                    <a:cs typeface="Times New Roman" panose="02020603050405020304" pitchFamily="18" charset="0"/>
-                  </a:rPr>
-                  <a:t>2.6</a:t>
+                  <a:t>6.0</a:t>
                 </a:r>
               </a:p>
             </p:txBody>
           </p:sp>
           <p:sp>
             <p:nvSpPr>
-              <p:cNvPr id="46" name="TextBox 45">
+              <p:cNvPr id="129" name="TextBox 128">
                 <a:extLst>
                   <a:ext uri="{FF2B5EF4-FFF2-40B4-BE49-F238E27FC236}">
-                    <a16:creationId xmlns:a16="http://schemas.microsoft.com/office/drawing/2014/main" id="{C736116D-93C1-5F5D-AB3A-9300A3B850D0}"/>
+                    <a16:creationId xmlns:a16="http://schemas.microsoft.com/office/drawing/2014/main" id="{D73DEE52-8D5A-DCF2-1837-B14BE68940EC}"/>
                   </a:ext>
                 </a:extLst>
               </p:cNvPr>
@@ -5190,9 +7967,9 @@
               <p:nvPr/>
             </p:nvSpPr>
             <p:spPr>
-              <a:xfrm rot="21237512">
-                <a:off x="10558500" y="3054383"/>
-                <a:ext cx="405880" cy="338554"/>
+              <a:xfrm>
+                <a:off x="3058001" y="1650119"/>
+                <a:ext cx="312907" cy="215444"/>
               </a:xfrm>
               <a:prstGeom prst="rect">
                 <a:avLst/>
@@ -5217,22 +7994,6 @@
                     <a:latin typeface="Times New Roman" panose="02020603050405020304" pitchFamily="18" charset="0"/>
                     <a:cs typeface="Times New Roman" panose="02020603050405020304" pitchFamily="18" charset="0"/>
                   </a:rPr>
-                  <a:t>RCP </a:t>
-                </a:r>
-              </a:p>
-              <a:p>
-                <a:pPr algn="ctr"/>
-                <a:r>
-                  <a:rPr lang="en-US" sz="800" dirty="0">
-                    <a:solidFill>
-                      <a:schemeClr val="tx1">
-                        <a:lumMod val="50000"/>
-                        <a:lumOff val="50000"/>
-                      </a:schemeClr>
-                    </a:solidFill>
-                    <a:latin typeface="Times New Roman" panose="02020603050405020304" pitchFamily="18" charset="0"/>
-                    <a:cs typeface="Times New Roman" panose="02020603050405020304" pitchFamily="18" charset="0"/>
-                  </a:rPr>
                   <a:t>4.5</a:t>
                 </a:r>
               </a:p>
@@ -5240,10 +8001,10 @@
           </p:sp>
           <p:sp>
             <p:nvSpPr>
-              <p:cNvPr id="47" name="TextBox 46">
+              <p:cNvPr id="130" name="TextBox 129">
                 <a:extLst>
                   <a:ext uri="{FF2B5EF4-FFF2-40B4-BE49-F238E27FC236}">
-                    <a16:creationId xmlns:a16="http://schemas.microsoft.com/office/drawing/2014/main" id="{487004D3-ECC8-B349-F91D-3DA23046F06B}"/>
+                    <a16:creationId xmlns:a16="http://schemas.microsoft.com/office/drawing/2014/main" id="{DBD68E8A-7B71-6087-74B5-7754C3E16BC8}"/>
                   </a:ext>
                 </a:extLst>
               </p:cNvPr>
@@ -5251,9 +8012,9 @@
               <p:nvPr/>
             </p:nvSpPr>
             <p:spPr>
-              <a:xfrm rot="21018489">
-                <a:off x="10775996" y="2922310"/>
-                <a:ext cx="405880" cy="338554"/>
+              <a:xfrm>
+                <a:off x="3047346" y="1885354"/>
+                <a:ext cx="312907" cy="215444"/>
               </a:xfrm>
               <a:prstGeom prst="rect">
                 <a:avLst/>
@@ -5278,647 +8039,38 @@
                     <a:latin typeface="Times New Roman" panose="02020603050405020304" pitchFamily="18" charset="0"/>
                     <a:cs typeface="Times New Roman" panose="02020603050405020304" pitchFamily="18" charset="0"/>
                   </a:rPr>
-                  <a:t>RCP </a:t>
-                </a:r>
-              </a:p>
-              <a:p>
-                <a:pPr algn="ctr"/>
-                <a:r>
-                  <a:rPr lang="en-US" sz="800" dirty="0">
-                    <a:solidFill>
-                      <a:schemeClr val="tx1">
-                        <a:lumMod val="50000"/>
-                        <a:lumOff val="50000"/>
-                      </a:schemeClr>
-                    </a:solidFill>
-                    <a:latin typeface="Times New Roman" panose="02020603050405020304" pitchFamily="18" charset="0"/>
-                    <a:cs typeface="Times New Roman" panose="02020603050405020304" pitchFamily="18" charset="0"/>
-                  </a:rPr>
-                  <a:t>6.0</a:t>
-                </a:r>
-              </a:p>
-            </p:txBody>
-          </p:sp>
-          <p:sp>
-            <p:nvSpPr>
-              <p:cNvPr id="48" name="TextBox 47">
-                <a:extLst>
-                  <a:ext uri="{FF2B5EF4-FFF2-40B4-BE49-F238E27FC236}">
-                    <a16:creationId xmlns:a16="http://schemas.microsoft.com/office/drawing/2014/main" id="{1488E4DB-2C8E-E18F-BB8D-0949F91EF5A3}"/>
-                  </a:ext>
-                </a:extLst>
-              </p:cNvPr>
-              <p:cNvSpPr txBox="1"/>
-              <p:nvPr/>
-            </p:nvSpPr>
-            <p:spPr>
-              <a:xfrm rot="17443447">
-                <a:off x="9561591" y="1225030"/>
-                <a:ext cx="405880" cy="338554"/>
-              </a:xfrm>
-              <a:prstGeom prst="rect">
-                <a:avLst/>
-              </a:prstGeom>
-              <a:noFill/>
-            </p:spPr>
-            <p:txBody>
-              <a:bodyPr wrap="none" rtlCol="0">
-                <a:spAutoFit/>
-              </a:bodyPr>
-              <a:lstStyle/>
-              <a:p>
-                <a:pPr algn="ctr"/>
-                <a:r>
-                  <a:rPr lang="en-US" sz="800" dirty="0">
-                    <a:solidFill>
-                      <a:schemeClr val="tx1">
-                        <a:lumMod val="50000"/>
-                        <a:lumOff val="50000"/>
-                      </a:schemeClr>
-                    </a:solidFill>
-                    <a:latin typeface="Times New Roman" panose="02020603050405020304" pitchFamily="18" charset="0"/>
-                    <a:cs typeface="Times New Roman" panose="02020603050405020304" pitchFamily="18" charset="0"/>
-                  </a:rPr>
-                  <a:t>RCP </a:t>
-                </a:r>
-              </a:p>
-              <a:p>
-                <a:pPr algn="ctr"/>
-                <a:r>
-                  <a:rPr lang="en-US" sz="800" dirty="0">
-                    <a:solidFill>
-                      <a:schemeClr val="tx1">
-                        <a:lumMod val="50000"/>
-                        <a:lumOff val="50000"/>
-                      </a:schemeClr>
-                    </a:solidFill>
-                    <a:latin typeface="Times New Roman" panose="02020603050405020304" pitchFamily="18" charset="0"/>
-                    <a:cs typeface="Times New Roman" panose="02020603050405020304" pitchFamily="18" charset="0"/>
-                  </a:rPr>
-                  <a:t>8.5</a:t>
-                </a:r>
-              </a:p>
-            </p:txBody>
-          </p:sp>
-          <p:sp>
-            <p:nvSpPr>
-              <p:cNvPr id="49" name="TextBox 48">
-                <a:extLst>
-                  <a:ext uri="{FF2B5EF4-FFF2-40B4-BE49-F238E27FC236}">
-                    <a16:creationId xmlns:a16="http://schemas.microsoft.com/office/drawing/2014/main" id="{321EC36E-CE2D-5FE1-C756-761D98C06EC9}"/>
-                  </a:ext>
-                </a:extLst>
-              </p:cNvPr>
-              <p:cNvSpPr txBox="1"/>
-              <p:nvPr/>
-            </p:nvSpPr>
-            <p:spPr>
-              <a:xfrm rot="18206891">
-                <a:off x="9662388" y="2058824"/>
-                <a:ext cx="405880" cy="338554"/>
-              </a:xfrm>
-              <a:prstGeom prst="rect">
-                <a:avLst/>
-              </a:prstGeom>
-              <a:noFill/>
-            </p:spPr>
-            <p:txBody>
-              <a:bodyPr wrap="none" rtlCol="0">
-                <a:spAutoFit/>
-              </a:bodyPr>
-              <a:lstStyle/>
-              <a:p>
-                <a:pPr algn="ctr"/>
-                <a:r>
-                  <a:rPr lang="en-US" sz="800" dirty="0">
-                    <a:solidFill>
-                      <a:schemeClr val="tx1">
-                        <a:lumMod val="50000"/>
-                        <a:lumOff val="50000"/>
-                      </a:schemeClr>
-                    </a:solidFill>
-                    <a:latin typeface="Times New Roman" panose="02020603050405020304" pitchFamily="18" charset="0"/>
-                    <a:cs typeface="Times New Roman" panose="02020603050405020304" pitchFamily="18" charset="0"/>
-                  </a:rPr>
-                  <a:t>RCP </a:t>
-                </a:r>
-              </a:p>
-              <a:p>
-                <a:pPr algn="ctr"/>
-                <a:r>
-                  <a:rPr lang="en-US" sz="800" dirty="0">
-                    <a:solidFill>
-                      <a:schemeClr val="tx1">
-                        <a:lumMod val="50000"/>
-                        <a:lumOff val="50000"/>
-                      </a:schemeClr>
-                    </a:solidFill>
-                    <a:latin typeface="Times New Roman" panose="02020603050405020304" pitchFamily="18" charset="0"/>
-                    <a:cs typeface="Times New Roman" panose="02020603050405020304" pitchFamily="18" charset="0"/>
-                  </a:rPr>
                   <a:t>2.6</a:t>
                 </a:r>
               </a:p>
             </p:txBody>
           </p:sp>
-          <p:sp>
-            <p:nvSpPr>
-              <p:cNvPr id="50" name="TextBox 49">
+        </p:grpSp>
+        <p:grpSp>
+          <p:nvGrpSpPr>
+            <p:cNvPr id="141" name="Group 140">
+              <a:extLst>
+                <a:ext uri="{FF2B5EF4-FFF2-40B4-BE49-F238E27FC236}">
+                  <a16:creationId xmlns:a16="http://schemas.microsoft.com/office/drawing/2014/main" id="{6ACCCFEC-EE8D-E85D-99F3-AEAF1A5E511D}"/>
+                </a:ext>
+              </a:extLst>
+            </p:cNvPr>
+            <p:cNvGrpSpPr/>
+            <p:nvPr/>
+          </p:nvGrpSpPr>
+          <p:grpSpPr>
+            <a:xfrm>
+              <a:off x="8053431" y="2610344"/>
+              <a:ext cx="2125717" cy="1418916"/>
+              <a:chOff x="8053431" y="2610344"/>
+              <a:chExt cx="2125717" cy="1418916"/>
+            </a:xfrm>
+          </p:grpSpPr>
+          <p:grpSp>
+            <p:nvGrpSpPr>
+              <p:cNvPr id="138" name="Group 137">
                 <a:extLst>
                   <a:ext uri="{FF2B5EF4-FFF2-40B4-BE49-F238E27FC236}">
-                    <a16:creationId xmlns:a16="http://schemas.microsoft.com/office/drawing/2014/main" id="{AB74B619-BC32-AFE7-3513-8CDFDB95245E}"/>
-                  </a:ext>
-                </a:extLst>
-              </p:cNvPr>
-              <p:cNvSpPr txBox="1"/>
-              <p:nvPr/>
-            </p:nvSpPr>
-            <p:spPr>
-              <a:xfrm rot="18015923">
-                <a:off x="9722028" y="1822104"/>
-                <a:ext cx="405880" cy="338554"/>
-              </a:xfrm>
-              <a:prstGeom prst="rect">
-                <a:avLst/>
-              </a:prstGeom>
-              <a:noFill/>
-            </p:spPr>
-            <p:txBody>
-              <a:bodyPr wrap="none" rtlCol="0">
-                <a:spAutoFit/>
-              </a:bodyPr>
-              <a:lstStyle/>
-              <a:p>
-                <a:pPr algn="ctr"/>
-                <a:r>
-                  <a:rPr lang="en-US" sz="800" dirty="0">
-                    <a:solidFill>
-                      <a:schemeClr val="tx1">
-                        <a:lumMod val="50000"/>
-                        <a:lumOff val="50000"/>
-                      </a:schemeClr>
-                    </a:solidFill>
-                    <a:latin typeface="Times New Roman" panose="02020603050405020304" pitchFamily="18" charset="0"/>
-                    <a:cs typeface="Times New Roman" panose="02020603050405020304" pitchFamily="18" charset="0"/>
-                  </a:rPr>
-                  <a:t>RCP </a:t>
-                </a:r>
-              </a:p>
-              <a:p>
-                <a:pPr algn="ctr"/>
-                <a:r>
-                  <a:rPr lang="en-US" sz="800" dirty="0">
-                    <a:solidFill>
-                      <a:schemeClr val="tx1">
-                        <a:lumMod val="50000"/>
-                        <a:lumOff val="50000"/>
-                      </a:schemeClr>
-                    </a:solidFill>
-                    <a:latin typeface="Times New Roman" panose="02020603050405020304" pitchFamily="18" charset="0"/>
-                    <a:cs typeface="Times New Roman" panose="02020603050405020304" pitchFamily="18" charset="0"/>
-                  </a:rPr>
-                  <a:t>4.5</a:t>
-                </a:r>
-              </a:p>
-            </p:txBody>
-          </p:sp>
-          <p:sp>
-            <p:nvSpPr>
-              <p:cNvPr id="51" name="TextBox 50">
-                <a:extLst>
-                  <a:ext uri="{FF2B5EF4-FFF2-40B4-BE49-F238E27FC236}">
-                    <a16:creationId xmlns:a16="http://schemas.microsoft.com/office/drawing/2014/main" id="{9C49A8C6-6A48-930A-1F7D-D00A135B519C}"/>
-                  </a:ext>
-                </a:extLst>
-              </p:cNvPr>
-              <p:cNvSpPr txBox="1"/>
-              <p:nvPr/>
-            </p:nvSpPr>
-            <p:spPr>
-              <a:xfrm rot="17573347">
-                <a:off x="9576454" y="1485230"/>
-                <a:ext cx="405880" cy="338554"/>
-              </a:xfrm>
-              <a:prstGeom prst="rect">
-                <a:avLst/>
-              </a:prstGeom>
-              <a:noFill/>
-            </p:spPr>
-            <p:txBody>
-              <a:bodyPr wrap="none" rtlCol="0">
-                <a:spAutoFit/>
-              </a:bodyPr>
-              <a:lstStyle/>
-              <a:p>
-                <a:pPr algn="ctr"/>
-                <a:r>
-                  <a:rPr lang="en-US" sz="800" dirty="0">
-                    <a:solidFill>
-                      <a:schemeClr val="tx1">
-                        <a:lumMod val="50000"/>
-                        <a:lumOff val="50000"/>
-                      </a:schemeClr>
-                    </a:solidFill>
-                    <a:latin typeface="Times New Roman" panose="02020603050405020304" pitchFamily="18" charset="0"/>
-                    <a:cs typeface="Times New Roman" panose="02020603050405020304" pitchFamily="18" charset="0"/>
-                  </a:rPr>
-                  <a:t>RCP </a:t>
-                </a:r>
-              </a:p>
-              <a:p>
-                <a:pPr algn="ctr"/>
-                <a:r>
-                  <a:rPr lang="en-US" sz="800" dirty="0">
-                    <a:solidFill>
-                      <a:schemeClr val="tx1">
-                        <a:lumMod val="50000"/>
-                        <a:lumOff val="50000"/>
-                      </a:schemeClr>
-                    </a:solidFill>
-                    <a:latin typeface="Times New Roman" panose="02020603050405020304" pitchFamily="18" charset="0"/>
-                    <a:cs typeface="Times New Roman" panose="02020603050405020304" pitchFamily="18" charset="0"/>
-                  </a:rPr>
-                  <a:t>6.0</a:t>
-                </a:r>
-              </a:p>
-            </p:txBody>
-          </p:sp>
-          <p:sp>
-            <p:nvSpPr>
-              <p:cNvPr id="52" name="TextBox 51">
-                <a:extLst>
-                  <a:ext uri="{FF2B5EF4-FFF2-40B4-BE49-F238E27FC236}">
-                    <a16:creationId xmlns:a16="http://schemas.microsoft.com/office/drawing/2014/main" id="{2A82D210-B510-C49D-08EA-9024CD1DCC14}"/>
-                  </a:ext>
-                </a:extLst>
-              </p:cNvPr>
-              <p:cNvSpPr txBox="1"/>
-              <p:nvPr/>
-            </p:nvSpPr>
-            <p:spPr>
-              <a:xfrm rot="16522667">
-                <a:off x="3081369" y="1136820"/>
-                <a:ext cx="405880" cy="338554"/>
-              </a:xfrm>
-              <a:prstGeom prst="rect">
-                <a:avLst/>
-              </a:prstGeom>
-              <a:noFill/>
-            </p:spPr>
-            <p:txBody>
-              <a:bodyPr wrap="none" rtlCol="0">
-                <a:spAutoFit/>
-              </a:bodyPr>
-              <a:lstStyle/>
-              <a:p>
-                <a:pPr algn="ctr"/>
-                <a:r>
-                  <a:rPr lang="en-US" sz="800" dirty="0">
-                    <a:solidFill>
-                      <a:schemeClr val="tx1">
-                        <a:lumMod val="50000"/>
-                        <a:lumOff val="50000"/>
-                      </a:schemeClr>
-                    </a:solidFill>
-                    <a:latin typeface="Times New Roman" panose="02020603050405020304" pitchFamily="18" charset="0"/>
-                    <a:cs typeface="Times New Roman" panose="02020603050405020304" pitchFamily="18" charset="0"/>
-                  </a:rPr>
-                  <a:t>RCP </a:t>
-                </a:r>
-              </a:p>
-              <a:p>
-                <a:pPr algn="ctr"/>
-                <a:r>
-                  <a:rPr lang="en-US" sz="800" dirty="0">
-                    <a:solidFill>
-                      <a:schemeClr val="tx1">
-                        <a:lumMod val="50000"/>
-                        <a:lumOff val="50000"/>
-                      </a:schemeClr>
-                    </a:solidFill>
-                    <a:latin typeface="Times New Roman" panose="02020603050405020304" pitchFamily="18" charset="0"/>
-                    <a:cs typeface="Times New Roman" panose="02020603050405020304" pitchFamily="18" charset="0"/>
-                  </a:rPr>
-                  <a:t>8.5</a:t>
-                </a:r>
-              </a:p>
-            </p:txBody>
-          </p:sp>
-          <p:sp>
-            <p:nvSpPr>
-              <p:cNvPr id="53" name="TextBox 52">
-                <a:extLst>
-                  <a:ext uri="{FF2B5EF4-FFF2-40B4-BE49-F238E27FC236}">
-                    <a16:creationId xmlns:a16="http://schemas.microsoft.com/office/drawing/2014/main" id="{F3E0A097-EC81-AF6F-8700-5EE680F03C90}"/>
-                  </a:ext>
-                </a:extLst>
-              </p:cNvPr>
-              <p:cNvSpPr txBox="1"/>
-              <p:nvPr/>
-            </p:nvSpPr>
-            <p:spPr>
-              <a:xfrm rot="17464584">
-                <a:off x="3390657" y="1926287"/>
-                <a:ext cx="405880" cy="338554"/>
-              </a:xfrm>
-              <a:prstGeom prst="rect">
-                <a:avLst/>
-              </a:prstGeom>
-              <a:noFill/>
-            </p:spPr>
-            <p:txBody>
-              <a:bodyPr wrap="none" rtlCol="0">
-                <a:spAutoFit/>
-              </a:bodyPr>
-              <a:lstStyle/>
-              <a:p>
-                <a:pPr algn="ctr"/>
-                <a:r>
-                  <a:rPr lang="en-US" sz="800" dirty="0">
-                    <a:solidFill>
-                      <a:schemeClr val="tx1">
-                        <a:lumMod val="50000"/>
-                        <a:lumOff val="50000"/>
-                      </a:schemeClr>
-                    </a:solidFill>
-                    <a:latin typeface="Times New Roman" panose="02020603050405020304" pitchFamily="18" charset="0"/>
-                    <a:cs typeface="Times New Roman" panose="02020603050405020304" pitchFamily="18" charset="0"/>
-                  </a:rPr>
-                  <a:t>RCP </a:t>
-                </a:r>
-              </a:p>
-              <a:p>
-                <a:pPr algn="ctr"/>
-                <a:r>
-                  <a:rPr lang="en-US" sz="800" dirty="0">
-                    <a:solidFill>
-                      <a:schemeClr val="tx1">
-                        <a:lumMod val="50000"/>
-                        <a:lumOff val="50000"/>
-                      </a:schemeClr>
-                    </a:solidFill>
-                    <a:latin typeface="Times New Roman" panose="02020603050405020304" pitchFamily="18" charset="0"/>
-                    <a:cs typeface="Times New Roman" panose="02020603050405020304" pitchFamily="18" charset="0"/>
-                  </a:rPr>
-                  <a:t>2.6</a:t>
-                </a:r>
-              </a:p>
-            </p:txBody>
-          </p:sp>
-          <p:sp>
-            <p:nvSpPr>
-              <p:cNvPr id="54" name="TextBox 53">
-                <a:extLst>
-                  <a:ext uri="{FF2B5EF4-FFF2-40B4-BE49-F238E27FC236}">
-                    <a16:creationId xmlns:a16="http://schemas.microsoft.com/office/drawing/2014/main" id="{F9340EE1-729C-673B-85EB-FE9B747491B3}"/>
-                  </a:ext>
-                </a:extLst>
-              </p:cNvPr>
-              <p:cNvSpPr txBox="1"/>
-              <p:nvPr/>
-            </p:nvSpPr>
-            <p:spPr>
-              <a:xfrm rot="17204869">
-                <a:off x="3380299" y="1657434"/>
-                <a:ext cx="405880" cy="338554"/>
-              </a:xfrm>
-              <a:prstGeom prst="rect">
-                <a:avLst/>
-              </a:prstGeom>
-              <a:noFill/>
-            </p:spPr>
-            <p:txBody>
-              <a:bodyPr wrap="none" rtlCol="0">
-                <a:spAutoFit/>
-              </a:bodyPr>
-              <a:lstStyle/>
-              <a:p>
-                <a:pPr algn="ctr"/>
-                <a:r>
-                  <a:rPr lang="en-US" sz="800" dirty="0">
-                    <a:solidFill>
-                      <a:schemeClr val="tx1">
-                        <a:lumMod val="50000"/>
-                        <a:lumOff val="50000"/>
-                      </a:schemeClr>
-                    </a:solidFill>
-                    <a:latin typeface="Times New Roman" panose="02020603050405020304" pitchFamily="18" charset="0"/>
-                    <a:cs typeface="Times New Roman" panose="02020603050405020304" pitchFamily="18" charset="0"/>
-                  </a:rPr>
-                  <a:t>RCP </a:t>
-                </a:r>
-              </a:p>
-              <a:p>
-                <a:pPr algn="ctr"/>
-                <a:r>
-                  <a:rPr lang="en-US" sz="800" dirty="0">
-                    <a:solidFill>
-                      <a:schemeClr val="tx1">
-                        <a:lumMod val="50000"/>
-                        <a:lumOff val="50000"/>
-                      </a:schemeClr>
-                    </a:solidFill>
-                    <a:latin typeface="Times New Roman" panose="02020603050405020304" pitchFamily="18" charset="0"/>
-                    <a:cs typeface="Times New Roman" panose="02020603050405020304" pitchFamily="18" charset="0"/>
-                  </a:rPr>
-                  <a:t>4.5</a:t>
-                </a:r>
-              </a:p>
-            </p:txBody>
-          </p:sp>
-          <p:sp>
-            <p:nvSpPr>
-              <p:cNvPr id="55" name="TextBox 54">
-                <a:extLst>
-                  <a:ext uri="{FF2B5EF4-FFF2-40B4-BE49-F238E27FC236}">
-                    <a16:creationId xmlns:a16="http://schemas.microsoft.com/office/drawing/2014/main" id="{9A6452E7-1209-7B7A-3282-9C6CEAC19694}"/>
-                  </a:ext>
-                </a:extLst>
-              </p:cNvPr>
-              <p:cNvSpPr txBox="1"/>
-              <p:nvPr/>
-            </p:nvSpPr>
-            <p:spPr>
-              <a:xfrm rot="16695665">
-                <a:off x="3192634" y="1382786"/>
-                <a:ext cx="405880" cy="338554"/>
-              </a:xfrm>
-              <a:prstGeom prst="rect">
-                <a:avLst/>
-              </a:prstGeom>
-              <a:noFill/>
-            </p:spPr>
-            <p:txBody>
-              <a:bodyPr wrap="none" rtlCol="0">
-                <a:spAutoFit/>
-              </a:bodyPr>
-              <a:lstStyle/>
-              <a:p>
-                <a:pPr algn="ctr"/>
-                <a:r>
-                  <a:rPr lang="en-US" sz="800" dirty="0">
-                    <a:solidFill>
-                      <a:schemeClr val="tx1">
-                        <a:lumMod val="50000"/>
-                        <a:lumOff val="50000"/>
-                      </a:schemeClr>
-                    </a:solidFill>
-                    <a:latin typeface="Times New Roman" panose="02020603050405020304" pitchFamily="18" charset="0"/>
-                    <a:cs typeface="Times New Roman" panose="02020603050405020304" pitchFamily="18" charset="0"/>
-                  </a:rPr>
-                  <a:t>RCP </a:t>
-                </a:r>
-              </a:p>
-              <a:p>
-                <a:pPr algn="ctr"/>
-                <a:r>
-                  <a:rPr lang="en-US" sz="800" dirty="0">
-                    <a:solidFill>
-                      <a:schemeClr val="tx1">
-                        <a:lumMod val="50000"/>
-                        <a:lumOff val="50000"/>
-                      </a:schemeClr>
-                    </a:solidFill>
-                    <a:latin typeface="Times New Roman" panose="02020603050405020304" pitchFamily="18" charset="0"/>
-                    <a:cs typeface="Times New Roman" panose="02020603050405020304" pitchFamily="18" charset="0"/>
-                  </a:rPr>
-                  <a:t>6.0</a:t>
-                </a:r>
-              </a:p>
-            </p:txBody>
-          </p:sp>
-          <p:sp>
-            <p:nvSpPr>
-              <p:cNvPr id="13" name="TextBox 12">
-                <a:extLst>
-                  <a:ext uri="{FF2B5EF4-FFF2-40B4-BE49-F238E27FC236}">
-                    <a16:creationId xmlns:a16="http://schemas.microsoft.com/office/drawing/2014/main" id="{DD8FF5E5-8077-9B79-7F23-BF41326D2659}"/>
-                  </a:ext>
-                </a:extLst>
-              </p:cNvPr>
-              <p:cNvSpPr txBox="1"/>
-              <p:nvPr/>
-            </p:nvSpPr>
-            <p:spPr>
-              <a:xfrm rot="417422">
-                <a:off x="10533612" y="3663410"/>
-                <a:ext cx="784189" cy="276999"/>
-              </a:xfrm>
-              <a:prstGeom prst="rect">
-                <a:avLst/>
-              </a:prstGeom>
-              <a:noFill/>
-            </p:spPr>
-            <p:txBody>
-              <a:bodyPr wrap="none" rtlCol="0">
-                <a:spAutoFit/>
-              </a:bodyPr>
-              <a:lstStyle/>
-              <a:p>
-                <a:r>
-                  <a:rPr lang="en-US" sz="1200" dirty="0">
-                    <a:latin typeface="Times New Roman" panose="02020603050405020304" pitchFamily="18" charset="0"/>
-                    <a:cs typeface="Times New Roman" panose="02020603050405020304" pitchFamily="18" charset="0"/>
-                  </a:rPr>
-                  <a:t>Cessation</a:t>
-                </a:r>
-              </a:p>
-            </p:txBody>
-          </p:sp>
-          <p:pic>
-            <p:nvPicPr>
-              <p:cNvPr id="11" name="Picture 10" descr="A close-up of a fish&#10;&#10;Description automatically generated">
-                <a:extLst>
-                  <a:ext uri="{FF2B5EF4-FFF2-40B4-BE49-F238E27FC236}">
-                    <a16:creationId xmlns:a16="http://schemas.microsoft.com/office/drawing/2014/main" id="{892B100A-AC95-EB6F-B08B-9ED14CBBE6B2}"/>
-                  </a:ext>
-                </a:extLst>
-              </p:cNvPr>
-              <p:cNvPicPr>
-                <a:picLocks noChangeAspect="1"/>
-              </p:cNvPicPr>
-              <p:nvPr/>
-            </p:nvPicPr>
-            <p:blipFill>
-              <a:blip r:embed="rId3">
-                <a:extLst>
-                  <a:ext uri="{28A0092B-C50C-407E-A947-70E740481C1C}">
-                    <a14:useLocalDpi xmlns:a14="http://schemas.microsoft.com/office/drawing/2010/main" val="0"/>
-                  </a:ext>
-                </a:extLst>
-              </a:blip>
-              <a:stretch>
-                <a:fillRect/>
-              </a:stretch>
-            </p:blipFill>
-            <p:spPr>
-              <a:xfrm>
-                <a:off x="2302483" y="3071728"/>
-                <a:ext cx="1691640" cy="619782"/>
-              </a:xfrm>
-              <a:prstGeom prst="rect">
-                <a:avLst/>
-              </a:prstGeom>
-            </p:spPr>
-          </p:pic>
-          <p:sp>
-            <p:nvSpPr>
-              <p:cNvPr id="16" name="Rectangle 15">
-                <a:extLst>
-                  <a:ext uri="{FF2B5EF4-FFF2-40B4-BE49-F238E27FC236}">
-                    <a16:creationId xmlns:a16="http://schemas.microsoft.com/office/drawing/2014/main" id="{ED2ACB32-FBD5-606D-C54A-0348DA8C461C}"/>
-                  </a:ext>
-                </a:extLst>
-              </p:cNvPr>
-              <p:cNvSpPr/>
-              <p:nvPr/>
-            </p:nvSpPr>
-            <p:spPr>
-              <a:xfrm>
-                <a:off x="6006420" y="455950"/>
-                <a:ext cx="249145" cy="6114649"/>
-              </a:xfrm>
-              <a:prstGeom prst="rect">
-                <a:avLst/>
-              </a:prstGeom>
-              <a:solidFill>
-                <a:schemeClr val="bg1"/>
-              </a:solidFill>
-              <a:ln>
-                <a:noFill/>
-              </a:ln>
-            </p:spPr>
-            <p:style>
-              <a:lnRef idx="2">
-                <a:schemeClr val="accent1">
-                  <a:shade val="50000"/>
-                </a:schemeClr>
-              </a:lnRef>
-              <a:fillRef idx="1">
-                <a:schemeClr val="accent1"/>
-              </a:fillRef>
-              <a:effectRef idx="0">
-                <a:schemeClr val="accent1"/>
-              </a:effectRef>
-              <a:fontRef idx="minor">
-                <a:schemeClr val="lt1"/>
-              </a:fontRef>
-            </p:style>
-            <p:txBody>
-              <a:bodyPr rtlCol="0" anchor="ctr"/>
-              <a:lstStyle/>
-              <a:p>
-                <a:pPr algn="ctr"/>
-                <a:endParaRPr lang="en-US" sz="1200" dirty="0"/>
-              </a:p>
-            </p:txBody>
-          </p:sp>
-          <p:grpSp>
-            <p:nvGrpSpPr>
-              <p:cNvPr id="60" name="Group 59">
-                <a:extLst>
-                  <a:ext uri="{FF2B5EF4-FFF2-40B4-BE49-F238E27FC236}">
-                    <a16:creationId xmlns:a16="http://schemas.microsoft.com/office/drawing/2014/main" id="{DF33481A-EC37-37C2-56C1-F6B3EC394779}"/>
+                    <a16:creationId xmlns:a16="http://schemas.microsoft.com/office/drawing/2014/main" id="{83E2B7AF-13A4-CB34-1109-B826DFD66C78}"/>
                   </a:ext>
                 </a:extLst>
               </p:cNvPr>
@@ -5927,18 +8079,54 @@
             </p:nvGrpSpPr>
             <p:grpSpPr>
               <a:xfrm>
-                <a:off x="10303823" y="338794"/>
-                <a:ext cx="1666938" cy="518758"/>
-                <a:chOff x="5622992" y="6068353"/>
-                <a:chExt cx="1666938" cy="518758"/>
+                <a:off x="8053431" y="2610344"/>
+                <a:ext cx="2125717" cy="1418916"/>
+                <a:chOff x="8053431" y="2610344"/>
+                <a:chExt cx="2125717" cy="1418916"/>
               </a:xfrm>
             </p:grpSpPr>
+            <p:pic>
+              <p:nvPicPr>
+                <p:cNvPr id="7" name="Picture 6" descr="A picture containing fish, spiny-finned fish, dark&#10;&#10;Description automatically generated">
+                  <a:extLst>
+                    <a:ext uri="{FF2B5EF4-FFF2-40B4-BE49-F238E27FC236}">
+                      <a16:creationId xmlns:a16="http://schemas.microsoft.com/office/drawing/2014/main" id="{EA211AEE-3789-D087-E374-D5EA30A8AE6D}"/>
+                    </a:ext>
+                  </a:extLst>
+                </p:cNvPr>
+                <p:cNvPicPr>
+                  <a:picLocks noChangeAspect="1"/>
+                </p:cNvPicPr>
+                <p:nvPr/>
+              </p:nvPicPr>
+              <p:blipFill>
+                <a:blip r:embed="rId8">
+                  <a:extLst>
+                    <a:ext uri="{28A0092B-C50C-407E-A947-70E740481C1C}">
+                      <a14:useLocalDpi xmlns:a14="http://schemas.microsoft.com/office/drawing/2010/main" val="0"/>
+                    </a:ext>
+                  </a:extLst>
+                </a:blip>
+                <a:stretch>
+                  <a:fillRect/>
+                </a:stretch>
+              </p:blipFill>
+              <p:spPr>
+                <a:xfrm>
+                  <a:off x="8053431" y="2610344"/>
+                  <a:ext cx="2125717" cy="1418916"/>
+                </a:xfrm>
+                <a:prstGeom prst="rect">
+                  <a:avLst/>
+                </a:prstGeom>
+              </p:spPr>
+            </p:pic>
             <p:sp>
               <p:nvSpPr>
-                <p:cNvPr id="56" name="Rectangle 55">
+                <p:cNvPr id="117" name="Rectangle 116">
                   <a:extLst>
                     <a:ext uri="{FF2B5EF4-FFF2-40B4-BE49-F238E27FC236}">
-                      <a16:creationId xmlns:a16="http://schemas.microsoft.com/office/drawing/2014/main" id="{AA6491FF-34F6-7EFB-76CF-6464193182B4}"/>
+                      <a16:creationId xmlns:a16="http://schemas.microsoft.com/office/drawing/2014/main" id="{4CC719BB-510E-764E-109D-D1F995DA5091}"/>
                     </a:ext>
                   </a:extLst>
                 </p:cNvPr>
@@ -5946,15 +8134,15 @@
                 <p:nvPr/>
               </p:nvSpPr>
               <p:spPr>
-                <a:xfrm>
-                  <a:off x="5622992" y="6098431"/>
-                  <a:ext cx="260350" cy="190500"/>
+                <a:xfrm rot="954805">
+                  <a:off x="9826164" y="3424584"/>
+                  <a:ext cx="279062" cy="77551"/>
                 </a:xfrm>
                 <a:prstGeom prst="rect">
                   <a:avLst/>
                 </a:prstGeom>
                 <a:solidFill>
-                  <a:srgbClr val="B7BBC6"/>
+                  <a:srgbClr val="FFFFFF"/>
                 </a:solidFill>
                 <a:ln>
                   <a:noFill/>
@@ -5985,141 +8173,13 @@
                 </a:p>
               </p:txBody>
             </p:sp>
-            <p:sp>
-              <p:nvSpPr>
-                <p:cNvPr id="57" name="Rectangle 56">
-                  <a:extLst>
-                    <a:ext uri="{FF2B5EF4-FFF2-40B4-BE49-F238E27FC236}">
-                      <a16:creationId xmlns:a16="http://schemas.microsoft.com/office/drawing/2014/main" id="{74AA7624-F345-3FB9-80B6-1C9A5D207627}"/>
-                    </a:ext>
-                  </a:extLst>
-                </p:cNvPr>
-                <p:cNvSpPr/>
-                <p:nvPr/>
-              </p:nvSpPr>
-              <p:spPr>
-                <a:xfrm>
-                  <a:off x="5622992" y="6371735"/>
-                  <a:ext cx="260350" cy="190500"/>
-                </a:xfrm>
-                <a:prstGeom prst="rect">
-                  <a:avLst/>
-                </a:prstGeom>
-                <a:solidFill>
-                  <a:srgbClr val="D2C6E1"/>
-                </a:solidFill>
-                <a:ln>
-                  <a:noFill/>
-                </a:ln>
-              </p:spPr>
-              <p:style>
-                <a:lnRef idx="2">
-                  <a:schemeClr val="accent1">
-                    <a:shade val="50000"/>
-                  </a:schemeClr>
-                </a:lnRef>
-                <a:fillRef idx="1">
-                  <a:schemeClr val="accent1"/>
-                </a:fillRef>
-                <a:effectRef idx="0">
-                  <a:schemeClr val="accent1"/>
-                </a:effectRef>
-                <a:fontRef idx="minor">
-                  <a:schemeClr val="lt1"/>
-                </a:fontRef>
-              </p:style>
-              <p:txBody>
-                <a:bodyPr rtlCol="0" anchor="ctr"/>
-                <a:lstStyle/>
-                <a:p>
-                  <a:pPr algn="ctr"/>
-                  <a:endParaRPr lang="en-US"/>
-                </a:p>
-              </p:txBody>
-            </p:sp>
-            <p:sp>
-              <p:nvSpPr>
-                <p:cNvPr id="58" name="TextBox 57">
-                  <a:extLst>
-                    <a:ext uri="{FF2B5EF4-FFF2-40B4-BE49-F238E27FC236}">
-                      <a16:creationId xmlns:a16="http://schemas.microsoft.com/office/drawing/2014/main" id="{32C30769-769E-0438-B11D-232EF1F34122}"/>
-                    </a:ext>
-                  </a:extLst>
-                </p:cNvPr>
-                <p:cNvSpPr txBox="1"/>
-                <p:nvPr/>
-              </p:nvSpPr>
-              <p:spPr>
-                <a:xfrm>
-                  <a:off x="5838892" y="6068353"/>
-                  <a:ext cx="1451038" cy="246221"/>
-                </a:xfrm>
-                <a:prstGeom prst="rect">
-                  <a:avLst/>
-                </a:prstGeom>
-                <a:noFill/>
-              </p:spPr>
-              <p:txBody>
-                <a:bodyPr wrap="none" rtlCol="0">
-                  <a:spAutoFit/>
-                </a:bodyPr>
-                <a:lstStyle/>
-                <a:p>
-                  <a:r>
-                    <a:rPr lang="en-US" sz="1000" dirty="0">
-                      <a:latin typeface="Times New Roman" panose="02020603050405020304" pitchFamily="18" charset="0"/>
-                      <a:cs typeface="Times New Roman" panose="02020603050405020304" pitchFamily="18" charset="0"/>
-                    </a:rPr>
-                    <a:t>Historical (1950 – 2012)</a:t>
-                  </a:r>
-                </a:p>
-              </p:txBody>
-            </p:sp>
-            <p:sp>
-              <p:nvSpPr>
-                <p:cNvPr id="59" name="TextBox 58">
-                  <a:extLst>
-                    <a:ext uri="{FF2B5EF4-FFF2-40B4-BE49-F238E27FC236}">
-                      <a16:creationId xmlns:a16="http://schemas.microsoft.com/office/drawing/2014/main" id="{2A00CD99-6335-931D-5ABF-BE360663FD3D}"/>
-                    </a:ext>
-                  </a:extLst>
-                </p:cNvPr>
-                <p:cNvSpPr txBox="1"/>
-                <p:nvPr/>
-              </p:nvSpPr>
-              <p:spPr>
-                <a:xfrm>
-                  <a:off x="5838892" y="6340890"/>
-                  <a:ext cx="1430200" cy="246221"/>
-                </a:xfrm>
-                <a:prstGeom prst="rect">
-                  <a:avLst/>
-                </a:prstGeom>
-                <a:noFill/>
-              </p:spPr>
-              <p:txBody>
-                <a:bodyPr wrap="none" rtlCol="0">
-                  <a:spAutoFit/>
-                </a:bodyPr>
-                <a:lstStyle/>
-                <a:p>
-                  <a:r>
-                    <a:rPr lang="en-US" sz="1000" dirty="0">
-                      <a:latin typeface="Times New Roman" panose="02020603050405020304" pitchFamily="18" charset="0"/>
-                      <a:cs typeface="Times New Roman" panose="02020603050405020304" pitchFamily="18" charset="0"/>
-                    </a:rPr>
-                    <a:t>Projected (2012 – 2099)</a:t>
-                  </a:r>
-                </a:p>
-              </p:txBody>
-            </p:sp>
           </p:grpSp>
           <p:sp>
             <p:nvSpPr>
-              <p:cNvPr id="61" name="TextBox 60">
+              <p:cNvPr id="17" name="TextBox 16">
                 <a:extLst>
                   <a:ext uri="{FF2B5EF4-FFF2-40B4-BE49-F238E27FC236}">
-                    <a16:creationId xmlns:a16="http://schemas.microsoft.com/office/drawing/2014/main" id="{3B2890E0-4397-E461-4158-1EA89FBAA79A}"/>
+                    <a16:creationId xmlns:a16="http://schemas.microsoft.com/office/drawing/2014/main" id="{E8EB3159-5F25-B2C0-43AC-83F1DF73BE7B}"/>
                   </a:ext>
                 </a:extLst>
               </p:cNvPr>
@@ -6128,8 +8188,131 @@
             </p:nvSpPr>
             <p:spPr>
               <a:xfrm>
-                <a:off x="8648699" y="6459415"/>
-                <a:ext cx="3469407" cy="338554"/>
+                <a:off x="8656046" y="3716585"/>
+                <a:ext cx="1154483" cy="276999"/>
+              </a:xfrm>
+              <a:prstGeom prst="rect">
+                <a:avLst/>
+              </a:prstGeom>
+              <a:noFill/>
+            </p:spPr>
+            <p:txBody>
+              <a:bodyPr wrap="none" rtlCol="0">
+                <a:spAutoFit/>
+              </a:bodyPr>
+              <a:lstStyle/>
+              <a:p>
+                <a:pPr algn="ctr"/>
+                <a:r>
+                  <a:rPr lang="en-US" sz="1200" dirty="0">
+                    <a:latin typeface="Segoe Print" panose="02000600000000000000" pitchFamily="2" charset="0"/>
+                  </a:rPr>
+                  <a:t>Striped Bass</a:t>
+                </a:r>
+              </a:p>
+            </p:txBody>
+          </p:sp>
+        </p:grpSp>
+        <p:sp>
+          <p:nvSpPr>
+            <p:cNvPr id="150" name="TextBox 149">
+              <a:extLst>
+                <a:ext uri="{FF2B5EF4-FFF2-40B4-BE49-F238E27FC236}">
+                  <a16:creationId xmlns:a16="http://schemas.microsoft.com/office/drawing/2014/main" id="{557F984C-E483-ACDC-480F-30CA1F44B8F7}"/>
+                </a:ext>
+              </a:extLst>
+            </p:cNvPr>
+            <p:cNvSpPr txBox="1"/>
+            <p:nvPr/>
+          </p:nvSpPr>
+          <p:spPr>
+            <a:xfrm>
+              <a:off x="5534686" y="4669124"/>
+              <a:ext cx="3125497" cy="1631216"/>
+            </a:xfrm>
+            <a:prstGeom prst="rect">
+              <a:avLst/>
+            </a:prstGeom>
+            <a:noFill/>
+          </p:spPr>
+          <p:txBody>
+            <a:bodyPr wrap="square" rtlCol="0">
+              <a:spAutoFit/>
+            </a:bodyPr>
+            <a:lstStyle>
+              <a:defPPr>
+                <a:defRPr lang="en-US"/>
+              </a:defPPr>
+              <a:lvl1pPr>
+                <a:defRPr sz="1000">
+                  <a:latin typeface="Times New Roman" panose="02020603050405020304" pitchFamily="18" charset="0"/>
+                  <a:cs typeface="Times New Roman" panose="02020603050405020304" pitchFamily="18" charset="0"/>
+                </a:defRPr>
+              </a:lvl1pPr>
+            </a:lstStyle>
+            <a:p>
+              <a:pPr>
+                <a:spcAft>
+                  <a:spcPts val="600"/>
+                </a:spcAft>
+              </a:pPr>
+              <a:r>
+                <a:rPr lang="en-US" sz="900" dirty="0"/>
+                <a:t>The American Shad and the Striped Bass are migratory species needing both freshwater and marine habitats to complete their life cycle. This makes them particularly vulnerable to human activities. Native and Colonial Americans fished them for sustenance, smoked the flesh, and ate the roe as a delicacy. </a:t>
+              </a:r>
+            </a:p>
+            <a:p>
+              <a:pPr>
+                <a:spcAft>
+                  <a:spcPts val="600"/>
+                </a:spcAft>
+              </a:pPr>
+              <a:r>
+                <a:rPr lang="en-US" sz="900" dirty="0"/>
+                <a:t>The Hudson River Shad has declined in stock so much that all its fisheries were closed in 2010. The Striped Bass, while declining in relative abundance, still remains the most important game fish in the Hudson River.</a:t>
+              </a:r>
+            </a:p>
+            <a:p>
+              <a:endParaRPr lang="en-US" sz="900" dirty="0"/>
+            </a:p>
+          </p:txBody>
+        </p:sp>
+        <p:grpSp>
+          <p:nvGrpSpPr>
+            <p:cNvPr id="153" name="Group 152">
+              <a:extLst>
+                <a:ext uri="{FF2B5EF4-FFF2-40B4-BE49-F238E27FC236}">
+                  <a16:creationId xmlns:a16="http://schemas.microsoft.com/office/drawing/2014/main" id="{DDC91789-0B70-C514-97C2-E754026B8262}"/>
+                </a:ext>
+              </a:extLst>
+            </p:cNvPr>
+            <p:cNvGrpSpPr/>
+            <p:nvPr/>
+          </p:nvGrpSpPr>
+          <p:grpSpPr>
+            <a:xfrm>
+              <a:off x="8756977" y="4398167"/>
+              <a:ext cx="3160340" cy="1692772"/>
+              <a:chOff x="6055724" y="4214016"/>
+              <a:chExt cx="5861593" cy="1060730"/>
+            </a:xfrm>
+          </p:grpSpPr>
+          <p:sp>
+            <p:nvSpPr>
+              <p:cNvPr id="110" name="TextBox 109">
+                <a:extLst>
+                  <a:ext uri="{FF2B5EF4-FFF2-40B4-BE49-F238E27FC236}">
+                    <a16:creationId xmlns:a16="http://schemas.microsoft.com/office/drawing/2014/main" id="{F9664226-E875-1805-201D-4F823ECC3451}"/>
+                  </a:ext>
+                </a:extLst>
+              </p:cNvPr>
+              <p:cNvSpPr txBox="1"/>
+              <p:nvPr/>
+            </p:nvSpPr>
+            <p:spPr>
+              <a:xfrm>
+                <a:off x="6055724" y="4214016"/>
+                <a:ext cx="5861593" cy="1060730"/>
               </a:xfrm>
               <a:prstGeom prst="rect">
                 <a:avLst/>
@@ -6142,237 +8325,97 @@
               </a:bodyPr>
               <a:lstStyle/>
               <a:p>
-                <a:pPr algn="r"/>
                 <a:r>
-                  <a:rPr lang="en-US" sz="800" dirty="0">
-                    <a:solidFill>
-                      <a:schemeClr val="bg1">
-                        <a:lumMod val="50000"/>
-                      </a:schemeClr>
-                    </a:solidFill>
+                  <a:rPr lang="en-US" sz="900" dirty="0">
                     <a:latin typeface="Times New Roman" panose="02020603050405020304" pitchFamily="18" charset="0"/>
                     <a:cs typeface="Times New Roman" panose="02020603050405020304" pitchFamily="18" charset="0"/>
                   </a:rPr>
-                  <a:t>Data Source: </a:t>
+                  <a:t>HOW TO READ THE PLOT</a:t>
                 </a:r>
-                <a:r>
-                  <a:rPr lang="en-US" sz="800" dirty="0" err="1">
-                    <a:solidFill>
-                      <a:schemeClr val="bg1">
-                        <a:lumMod val="50000"/>
-                      </a:schemeClr>
-                    </a:solidFill>
-                    <a:latin typeface="Times New Roman" panose="02020603050405020304" pitchFamily="18" charset="0"/>
-                    <a:cs typeface="Times New Roman" panose="02020603050405020304" pitchFamily="18" charset="0"/>
-                  </a:rPr>
-                  <a:t>Nack</a:t>
-                </a:r>
-                <a:r>
-                  <a:rPr lang="en-US" sz="800" dirty="0">
-                    <a:solidFill>
-                      <a:schemeClr val="bg1">
-                        <a:lumMod val="50000"/>
-                      </a:schemeClr>
-                    </a:solidFill>
-                    <a:latin typeface="Times New Roman" panose="02020603050405020304" pitchFamily="18" charset="0"/>
-                    <a:cs typeface="Times New Roman" panose="02020603050405020304" pitchFamily="18" charset="0"/>
-                  </a:rPr>
-                  <a:t>, C. et. al. (2019). </a:t>
-                </a:r>
-                <a:r>
-                  <a:rPr lang="en-US" sz="800" dirty="0">
-                    <a:solidFill>
-                      <a:schemeClr val="bg1">
-                        <a:lumMod val="50000"/>
-                      </a:schemeClr>
-                    </a:solidFill>
-                    <a:latin typeface="Times New Roman" panose="02020603050405020304" pitchFamily="18" charset="0"/>
-                    <a:cs typeface="Times New Roman" panose="02020603050405020304" pitchFamily="18" charset="0"/>
-                    <a:hlinkClick r:id="rId4">
-                      <a:extLst>
-                        <a:ext uri="{A12FA001-AC4F-418D-AE19-62706E023703}">
-                          <ahyp:hlinkClr xmlns:ahyp="http://schemas.microsoft.com/office/drawing/2018/hyperlinkcolor" val="tx"/>
-                        </a:ext>
-                      </a:extLst>
-                    </a:hlinkClick>
-                  </a:rPr>
-                  <a:t>https://doi.org/10.1002/mcf2.10076</a:t>
-                </a:r>
-                <a:endParaRPr lang="en-US" sz="800" dirty="0">
-                  <a:solidFill>
-                    <a:schemeClr val="bg1">
-                      <a:lumMod val="50000"/>
-                    </a:schemeClr>
-                  </a:solidFill>
+              </a:p>
+              <a:p>
+                <a:endParaRPr lang="en-US" sz="900" dirty="0">
                   <a:latin typeface="Times New Roman" panose="02020603050405020304" pitchFamily="18" charset="0"/>
                   <a:cs typeface="Times New Roman" panose="02020603050405020304" pitchFamily="18" charset="0"/>
                 </a:endParaRPr>
               </a:p>
               <a:p>
-                <a:pPr algn="r"/>
+                <a:pPr>
+                  <a:spcAft>
+                    <a:spcPts val="600"/>
+                  </a:spcAft>
+                </a:pPr>
                 <a:r>
-                  <a:rPr lang="en-US" sz="800" dirty="0">
-                    <a:solidFill>
-                      <a:schemeClr val="bg1">
-                        <a:lumMod val="50000"/>
-                      </a:schemeClr>
-                    </a:solidFill>
+                  <a:rPr lang="en-US" sz="900" dirty="0">
                     <a:latin typeface="Times New Roman" panose="02020603050405020304" pitchFamily="18" charset="0"/>
                     <a:cs typeface="Times New Roman" panose="02020603050405020304" pitchFamily="18" charset="0"/>
                   </a:rPr>
-                  <a:t>Plot made by Ellie White, </a:t>
+                  <a:t>The Representative Concentration Pathways (RCP) labeled are future scenarios constructed to represent how well we are able to curb and contain greenhouse gas emissions with RCP 2.6 implementing the most aggressive strategies and RCP 8.5 being  “business-as-usual.” Their position on the y-axis of the plot above is from least likely (RCP 2.6) to most likely (RCP 8.5) but their distance from the center of the circle is not significant. </a:t>
                 </a:r>
+              </a:p>
+              <a:p>
+                <a:pPr>
+                  <a:spcAft>
+                    <a:spcPts val="600"/>
+                  </a:spcAft>
+                </a:pPr>
                 <a:r>
-                  <a:rPr lang="en-US" sz="800" dirty="0">
-                    <a:solidFill>
-                      <a:schemeClr val="bg1">
-                        <a:lumMod val="50000"/>
-                      </a:schemeClr>
-                    </a:solidFill>
-                    <a:latin typeface="Times New Roman" panose="02020603050405020304" pitchFamily="18" charset="0"/>
-                    <a:cs typeface="Times New Roman" panose="02020603050405020304" pitchFamily="18" charset="0"/>
-                    <a:hlinkClick r:id="rId5">
-                      <a:extLst>
-                        <a:ext uri="{A12FA001-AC4F-418D-AE19-62706E023703}">
-                          <ahyp:hlinkClr xmlns:ahyp="http://schemas.microsoft.com/office/drawing/2018/hyperlinkcolor" val="tx"/>
-                        </a:ext>
-                      </a:extLst>
-                    </a:hlinkClick>
-                  </a:rPr>
-                  <a:t>ewhite@usgs.gov</a:t>
-                </a:r>
-                <a:r>
-                  <a:rPr lang="en-US" sz="800" dirty="0">
-                    <a:solidFill>
-                      <a:schemeClr val="bg1">
-                        <a:lumMod val="50000"/>
-                      </a:schemeClr>
-                    </a:solidFill>
+                  <a:rPr lang="en-US" sz="900" dirty="0">
                     <a:latin typeface="Times New Roman" panose="02020603050405020304" pitchFamily="18" charset="0"/>
                     <a:cs typeface="Times New Roman" panose="02020603050405020304" pitchFamily="18" charset="0"/>
                   </a:rPr>
-                  <a:t> 04/02/2023</a:t>
+                  <a:t>Historical values come from modeled results (are not directly observed) which is why they differ slightly.</a:t>
                 </a:r>
               </a:p>
             </p:txBody>
           </p:sp>
-          <p:sp>
-            <p:nvSpPr>
-              <p:cNvPr id="26" name="TextBox 25">
+          <p:cxnSp>
+            <p:nvCxnSpPr>
+              <p:cNvPr id="152" name="Straight Connector 151">
                 <a:extLst>
                   <a:ext uri="{FF2B5EF4-FFF2-40B4-BE49-F238E27FC236}">
-                    <a16:creationId xmlns:a16="http://schemas.microsoft.com/office/drawing/2014/main" id="{81EAB21C-A47C-BDD9-8A0D-14D3C96E0177}"/>
+                    <a16:creationId xmlns:a16="http://schemas.microsoft.com/office/drawing/2014/main" id="{35CD4AC8-8C5B-ED83-8F3C-0C9E0C5762AA}"/>
                   </a:ext>
                 </a:extLst>
               </p:cNvPr>
-              <p:cNvSpPr txBox="1"/>
+              <p:cNvCxnSpPr/>
               <p:nvPr/>
-            </p:nvSpPr>
+            </p:nvCxnSpPr>
             <p:spPr>
               <a:xfrm>
-                <a:off x="213254" y="366653"/>
-                <a:ext cx="6964920" cy="276999"/>
+                <a:off x="6127890" y="4349777"/>
+                <a:ext cx="5742595" cy="0"/>
               </a:xfrm>
-              <a:prstGeom prst="rect">
+              <a:prstGeom prst="line">
                 <a:avLst/>
               </a:prstGeom>
-              <a:noFill/>
+              <a:ln>
+                <a:solidFill>
+                  <a:schemeClr val="tx1"/>
+                </a:solidFill>
+              </a:ln>
             </p:spPr>
-            <p:txBody>
-              <a:bodyPr wrap="none" rtlCol="0">
-                <a:spAutoFit/>
-              </a:bodyPr>
-              <a:lstStyle/>
-              <a:p>
-                <a:r>
-                  <a:rPr lang="en-US" sz="1200" dirty="0">
-                    <a:latin typeface="Times New Roman" panose="02020603050405020304" pitchFamily="18" charset="0"/>
-                    <a:cs typeface="Times New Roman" panose="02020603050405020304" pitchFamily="18" charset="0"/>
-                  </a:rPr>
-                  <a:t>The Striped Bass and American Shad of the Hudson River are projected to spawn earlier with climate change.</a:t>
-                </a:r>
-                <a:endParaRPr lang="en-US" sz="1200" dirty="0"/>
-              </a:p>
-            </p:txBody>
-          </p:sp>
-          <p:pic>
-            <p:nvPicPr>
-              <p:cNvPr id="7" name="Picture 6" descr="A picture containing fish, spiny-finned fish, dark&#10;&#10;Description automatically generated">
-                <a:extLst>
-                  <a:ext uri="{FF2B5EF4-FFF2-40B4-BE49-F238E27FC236}">
-                    <a16:creationId xmlns:a16="http://schemas.microsoft.com/office/drawing/2014/main" id="{EA211AEE-3789-D087-E374-D5EA30A8AE6D}"/>
-                  </a:ext>
-                </a:extLst>
-              </p:cNvPr>
-              <p:cNvPicPr>
-                <a:picLocks noChangeAspect="1"/>
-              </p:cNvPicPr>
-              <p:nvPr/>
-            </p:nvPicPr>
-            <p:blipFill>
-              <a:blip r:embed="rId6">
-                <a:extLst>
-                  <a:ext uri="{28A0092B-C50C-407E-A947-70E740481C1C}">
-                    <a14:useLocalDpi xmlns:a14="http://schemas.microsoft.com/office/drawing/2010/main" val="0"/>
-                  </a:ext>
-                </a:extLst>
-              </a:blip>
-              <a:stretch>
-                <a:fillRect/>
-              </a:stretch>
-            </p:blipFill>
-            <p:spPr>
-              <a:xfrm>
-                <a:off x="8324411" y="2812184"/>
-                <a:ext cx="1689176" cy="1127525"/>
-              </a:xfrm>
-              <a:prstGeom prst="rect">
-                <a:avLst/>
-              </a:prstGeom>
-            </p:spPr>
-          </p:pic>
+            <p:style>
+              <a:lnRef idx="1">
+                <a:schemeClr val="accent1"/>
+              </a:lnRef>
+              <a:fillRef idx="0">
+                <a:schemeClr val="accent1"/>
+              </a:fillRef>
+              <a:effectRef idx="0">
+                <a:schemeClr val="accent1"/>
+              </a:effectRef>
+              <a:fontRef idx="minor">
+                <a:schemeClr val="tx1"/>
+              </a:fontRef>
+            </p:style>
+          </p:cxnSp>
         </p:grpSp>
-        <p:pic>
-          <p:nvPicPr>
-            <p:cNvPr id="3" name="Picture 2" descr="Shape&#10;&#10;Description automatically generated with medium confidence">
-              <a:extLst>
-                <a:ext uri="{FF2B5EF4-FFF2-40B4-BE49-F238E27FC236}">
-                  <a16:creationId xmlns:a16="http://schemas.microsoft.com/office/drawing/2014/main" id="{C081CB69-D92F-2257-0FE3-5EDA678BDDEF}"/>
-                </a:ext>
-              </a:extLst>
-            </p:cNvPr>
-            <p:cNvPicPr>
-              <a:picLocks noChangeAspect="1"/>
-            </p:cNvPicPr>
-            <p:nvPr/>
-          </p:nvPicPr>
-          <p:blipFill>
-            <a:blip r:embed="rId7">
-              <a:extLst>
-                <a:ext uri="{28A0092B-C50C-407E-A947-70E740481C1C}">
-                  <a14:useLocalDpi xmlns:a14="http://schemas.microsoft.com/office/drawing/2010/main" val="0"/>
-                </a:ext>
-              </a:extLst>
-            </a:blip>
-            <a:stretch>
-              <a:fillRect/>
-            </a:stretch>
-          </p:blipFill>
-          <p:spPr>
-            <a:xfrm>
-              <a:off x="333705" y="6206772"/>
-              <a:ext cx="1413783" cy="522597"/>
-            </a:xfrm>
-            <a:prstGeom prst="rect">
-              <a:avLst/>
-            </a:prstGeom>
-          </p:spPr>
-        </p:pic>
       </p:grpSp>
     </p:spTree>
     <p:extLst>
       <p:ext uri="{BB962C8B-B14F-4D97-AF65-F5344CB8AC3E}">
-        <p14:creationId xmlns:p14="http://schemas.microsoft.com/office/powerpoint/2010/main" val="1781328126"/>
+        <p14:creationId xmlns:p14="http://schemas.microsoft.com/office/powerpoint/2010/main" val="418821511"/>
       </p:ext>
     </p:extLst>
   </p:cSld>

--- a/00_timeseries_ewhite/touch_ups.pptx
+++ b/00_timeseries_ewhite/touch_ups.pptx
@@ -4,9 +4,14 @@
   <p:sldMasterIdLst>
     <p:sldMasterId id="2147483648" r:id="rId1"/>
   </p:sldMasterIdLst>
+  <p:notesMasterIdLst>
+    <p:notesMasterId r:id="rId6"/>
+  </p:notesMasterIdLst>
   <p:sldIdLst>
     <p:sldId id="256" r:id="rId2"/>
-    <p:sldId id="259" r:id="rId3"/>
+    <p:sldId id="262" r:id="rId3"/>
+    <p:sldId id="263" r:id="rId4"/>
+    <p:sldId id="261" r:id="rId5"/>
   </p:sldIdLst>
   <p:sldSz cx="12192000" cy="6858000"/>
   <p:notesSz cx="6858000" cy="9144000"/>
@@ -116,13 +121,3072 @@
 <file path=ppt/revisionInfo.xml><?xml version="1.0" encoding="utf-8"?>
 <p1510:revInfo xmlns:a="http://schemas.openxmlformats.org/drawingml/2006/main" xmlns:r="http://schemas.openxmlformats.org/officeDocument/2006/relationships" xmlns:p1510="http://schemas.microsoft.com/office/powerpoint/2015/10/main">
   <p1510:revLst>
-    <p1510:client id="{C84A408E-A860-4545-93D6-2FF3BB9EA02D}" v="106" dt="2023-04-08T22:49:43.398"/>
+    <p1510:client id="{87DEA6A5-04DD-4F0B-8A38-25F89595D54E}" v="48" dt="2023-04-11T15:11:42.353"/>
   </p1510:revLst>
 </p1510:revInfo>
 </file>
 
 <file path=ppt/changesInfos/changesInfo1.xml><?xml version="1.0" encoding="utf-8"?>
 <pc:chgInfo xmlns:a="http://schemas.openxmlformats.org/drawingml/2006/main" xmlns:r="http://schemas.openxmlformats.org/officeDocument/2006/relationships" xmlns:ac="http://schemas.microsoft.com/office/drawing/2013/main/command" xmlns:pc="http://schemas.microsoft.com/office/powerpoint/2013/main/command">
+  <pc:docChgLst>
+    <pc:chgData name="White, Ellie" userId="fec56361-5c8a-4790-9e84-6272d2f2258e" providerId="ADAL" clId="{87DEA6A5-04DD-4F0B-8A38-25F89595D54E}"/>
+    <pc:docChg chg="undo custSel addSld delSld modSld">
+      <pc:chgData name="White, Ellie" userId="fec56361-5c8a-4790-9e84-6272d2f2258e" providerId="ADAL" clId="{87DEA6A5-04DD-4F0B-8A38-25F89595D54E}" dt="2023-04-11T15:11:42.352" v="960" actId="164"/>
+      <pc:docMkLst>
+        <pc:docMk/>
+      </pc:docMkLst>
+      <pc:sldChg chg="modSp mod">
+        <pc:chgData name="White, Ellie" userId="fec56361-5c8a-4790-9e84-6272d2f2258e" providerId="ADAL" clId="{87DEA6A5-04DD-4F0B-8A38-25F89595D54E}" dt="2023-04-11T15:11:29.892" v="959" actId="20577"/>
+        <pc:sldMkLst>
+          <pc:docMk/>
+          <pc:sldMk cId="891408095" sldId="256"/>
+        </pc:sldMkLst>
+        <pc:spChg chg="mod">
+          <ac:chgData name="White, Ellie" userId="fec56361-5c8a-4790-9e84-6272d2f2258e" providerId="ADAL" clId="{87DEA6A5-04DD-4F0B-8A38-25F89595D54E}" dt="2023-04-11T15:11:20.293" v="925" actId="20577"/>
+          <ac:spMkLst>
+            <pc:docMk/>
+            <pc:sldMk cId="891408095" sldId="256"/>
+            <ac:spMk id="2" creationId="{5F681D0F-C9E9-322D-6BF7-14E5F662C52B}"/>
+          </ac:spMkLst>
+        </pc:spChg>
+        <pc:spChg chg="mod">
+          <ac:chgData name="White, Ellie" userId="fec56361-5c8a-4790-9e84-6272d2f2258e" providerId="ADAL" clId="{87DEA6A5-04DD-4F0B-8A38-25F89595D54E}" dt="2023-04-11T15:11:29.892" v="959" actId="20577"/>
+          <ac:spMkLst>
+            <pc:docMk/>
+            <pc:sldMk cId="891408095" sldId="256"/>
+            <ac:spMk id="3" creationId="{7E5D3BD5-9D27-A08E-38D3-0A72303EE87B}"/>
+          </ac:spMkLst>
+        </pc:spChg>
+      </pc:sldChg>
+      <pc:sldChg chg="addSp delSp modSp del mod">
+        <pc:chgData name="White, Ellie" userId="fec56361-5c8a-4790-9e84-6272d2f2258e" providerId="ADAL" clId="{87DEA6A5-04DD-4F0B-8A38-25F89595D54E}" dt="2023-04-11T05:47:59.098" v="709" actId="47"/>
+        <pc:sldMkLst>
+          <pc:docMk/>
+          <pc:sldMk cId="418821511" sldId="259"/>
+        </pc:sldMkLst>
+        <pc:spChg chg="add del mod topLvl">
+          <ac:chgData name="White, Ellie" userId="fec56361-5c8a-4790-9e84-6272d2f2258e" providerId="ADAL" clId="{87DEA6A5-04DD-4F0B-8A38-25F89595D54E}" dt="2023-04-11T04:42:58.074" v="154" actId="478"/>
+          <ac:spMkLst>
+            <pc:docMk/>
+            <pc:sldMk cId="418821511" sldId="259"/>
+            <ac:spMk id="5" creationId="{55846E71-2A71-C92E-B9F6-FABE39336C7F}"/>
+          </ac:spMkLst>
+        </pc:spChg>
+        <pc:spChg chg="add del mod">
+          <ac:chgData name="White, Ellie" userId="fec56361-5c8a-4790-9e84-6272d2f2258e" providerId="ADAL" clId="{87DEA6A5-04DD-4F0B-8A38-25F89595D54E}" dt="2023-04-11T04:42:56.428" v="153" actId="478"/>
+          <ac:spMkLst>
+            <pc:docMk/>
+            <pc:sldMk cId="418821511" sldId="259"/>
+            <ac:spMk id="6" creationId="{F193C08D-8D82-AD1B-A5A6-128755BCB9C4}"/>
+          </ac:spMkLst>
+        </pc:spChg>
+        <pc:spChg chg="mod topLvl">
+          <ac:chgData name="White, Ellie" userId="fec56361-5c8a-4790-9e84-6272d2f2258e" providerId="ADAL" clId="{87DEA6A5-04DD-4F0B-8A38-25F89595D54E}" dt="2023-04-11T04:16:10.845" v="0" actId="165"/>
+          <ac:spMkLst>
+            <pc:docMk/>
+            <pc:sldMk cId="418821511" sldId="259"/>
+            <ac:spMk id="12" creationId="{A92751BD-0BCB-F84D-4CE3-45911BE1EE09}"/>
+          </ac:spMkLst>
+        </pc:spChg>
+        <pc:spChg chg="mod topLvl">
+          <ac:chgData name="White, Ellie" userId="fec56361-5c8a-4790-9e84-6272d2f2258e" providerId="ADAL" clId="{87DEA6A5-04DD-4F0B-8A38-25F89595D54E}" dt="2023-04-11T04:16:10.845" v="0" actId="165"/>
+          <ac:spMkLst>
+            <pc:docMk/>
+            <pc:sldMk cId="418821511" sldId="259"/>
+            <ac:spMk id="13" creationId="{DD8FF5E5-8077-9B79-7F23-BF41326D2659}"/>
+          </ac:spMkLst>
+        </pc:spChg>
+        <pc:spChg chg="mod topLvl">
+          <ac:chgData name="White, Ellie" userId="fec56361-5c8a-4790-9e84-6272d2f2258e" providerId="ADAL" clId="{87DEA6A5-04DD-4F0B-8A38-25F89595D54E}" dt="2023-04-11T04:16:10.845" v="0" actId="165"/>
+          <ac:spMkLst>
+            <pc:docMk/>
+            <pc:sldMk cId="418821511" sldId="259"/>
+            <ac:spMk id="14" creationId="{EDE2B9F8-9E3D-678D-C890-E5D58669DFD2}"/>
+          </ac:spMkLst>
+        </pc:spChg>
+        <pc:spChg chg="mod topLvl">
+          <ac:chgData name="White, Ellie" userId="fec56361-5c8a-4790-9e84-6272d2f2258e" providerId="ADAL" clId="{87DEA6A5-04DD-4F0B-8A38-25F89595D54E}" dt="2023-04-11T04:16:10.845" v="0" actId="165"/>
+          <ac:spMkLst>
+            <pc:docMk/>
+            <pc:sldMk cId="418821511" sldId="259"/>
+            <ac:spMk id="15" creationId="{59731D87-5DD9-E804-08D9-E2BD4F5D0AC4}"/>
+          </ac:spMkLst>
+        </pc:spChg>
+        <pc:spChg chg="mod">
+          <ac:chgData name="White, Ellie" userId="fec56361-5c8a-4790-9e84-6272d2f2258e" providerId="ADAL" clId="{87DEA6A5-04DD-4F0B-8A38-25F89595D54E}" dt="2023-04-11T04:16:10.845" v="0" actId="165"/>
+          <ac:spMkLst>
+            <pc:docMk/>
+            <pc:sldMk cId="418821511" sldId="259"/>
+            <ac:spMk id="17" creationId="{E8EB3159-5F25-B2C0-43AC-83F1DF73BE7B}"/>
+          </ac:spMkLst>
+        </pc:spChg>
+        <pc:spChg chg="mod">
+          <ac:chgData name="White, Ellie" userId="fec56361-5c8a-4790-9e84-6272d2f2258e" providerId="ADAL" clId="{87DEA6A5-04DD-4F0B-8A38-25F89595D54E}" dt="2023-04-11T04:16:10.845" v="0" actId="165"/>
+          <ac:spMkLst>
+            <pc:docMk/>
+            <pc:sldMk cId="418821511" sldId="259"/>
+            <ac:spMk id="20" creationId="{955A7CE5-80B7-11A5-3983-7037E6E3B1B5}"/>
+          </ac:spMkLst>
+        </pc:spChg>
+        <pc:spChg chg="mod">
+          <ac:chgData name="White, Ellie" userId="fec56361-5c8a-4790-9e84-6272d2f2258e" providerId="ADAL" clId="{87DEA6A5-04DD-4F0B-8A38-25F89595D54E}" dt="2023-04-11T04:16:10.845" v="0" actId="165"/>
+          <ac:spMkLst>
+            <pc:docMk/>
+            <pc:sldMk cId="418821511" sldId="259"/>
+            <ac:spMk id="22" creationId="{2A88EBE2-99BA-C1D4-A149-0E1783B593BE}"/>
+          </ac:spMkLst>
+        </pc:spChg>
+        <pc:spChg chg="mod">
+          <ac:chgData name="White, Ellie" userId="fec56361-5c8a-4790-9e84-6272d2f2258e" providerId="ADAL" clId="{87DEA6A5-04DD-4F0B-8A38-25F89595D54E}" dt="2023-04-11T04:16:10.845" v="0" actId="165"/>
+          <ac:spMkLst>
+            <pc:docMk/>
+            <pc:sldMk cId="418821511" sldId="259"/>
+            <ac:spMk id="23" creationId="{A220EBAC-E495-B7F3-F042-D2409E064FA2}"/>
+          </ac:spMkLst>
+        </pc:spChg>
+        <pc:spChg chg="mod">
+          <ac:chgData name="White, Ellie" userId="fec56361-5c8a-4790-9e84-6272d2f2258e" providerId="ADAL" clId="{87DEA6A5-04DD-4F0B-8A38-25F89595D54E}" dt="2023-04-11T04:16:10.845" v="0" actId="165"/>
+          <ac:spMkLst>
+            <pc:docMk/>
+            <pc:sldMk cId="418821511" sldId="259"/>
+            <ac:spMk id="24" creationId="{2FFEA1FF-8F5A-57FB-1329-EE3230CCA5E4}"/>
+          </ac:spMkLst>
+        </pc:spChg>
+        <pc:spChg chg="mod ord topLvl">
+          <ac:chgData name="White, Ellie" userId="fec56361-5c8a-4790-9e84-6272d2f2258e" providerId="ADAL" clId="{87DEA6A5-04DD-4F0B-8A38-25F89595D54E}" dt="2023-04-11T05:32:15.987" v="209" actId="2085"/>
+          <ac:spMkLst>
+            <pc:docMk/>
+            <pc:sldMk cId="418821511" sldId="259"/>
+            <ac:spMk id="25" creationId="{7F0603F1-B9F6-B7FA-EFF6-2C9613D08FA6}"/>
+          </ac:spMkLst>
+        </pc:spChg>
+        <pc:spChg chg="del mod topLvl">
+          <ac:chgData name="White, Ellie" userId="fec56361-5c8a-4790-9e84-6272d2f2258e" providerId="ADAL" clId="{87DEA6A5-04DD-4F0B-8A38-25F89595D54E}" dt="2023-04-11T04:16:19.320" v="1" actId="478"/>
+          <ac:spMkLst>
+            <pc:docMk/>
+            <pc:sldMk cId="418821511" sldId="259"/>
+            <ac:spMk id="26" creationId="{81EAB21C-A47C-BDD9-8A0D-14D3C96E0177}"/>
+          </ac:spMkLst>
+        </pc:spChg>
+        <pc:spChg chg="mod topLvl">
+          <ac:chgData name="White, Ellie" userId="fec56361-5c8a-4790-9e84-6272d2f2258e" providerId="ADAL" clId="{87DEA6A5-04DD-4F0B-8A38-25F89595D54E}" dt="2023-04-11T05:34:21.218" v="283" actId="164"/>
+          <ac:spMkLst>
+            <pc:docMk/>
+            <pc:sldMk cId="418821511" sldId="259"/>
+            <ac:spMk id="27" creationId="{53FB66A5-0700-4564-30FB-378DC0845417}"/>
+          </ac:spMkLst>
+        </pc:spChg>
+        <pc:spChg chg="mod">
+          <ac:chgData name="White, Ellie" userId="fec56361-5c8a-4790-9e84-6272d2f2258e" providerId="ADAL" clId="{87DEA6A5-04DD-4F0B-8A38-25F89595D54E}" dt="2023-04-11T04:16:10.845" v="0" actId="165"/>
+          <ac:spMkLst>
+            <pc:docMk/>
+            <pc:sldMk cId="418821511" sldId="259"/>
+            <ac:spMk id="28" creationId="{55699BC5-317E-07BA-30C7-0915E5144722}"/>
+          </ac:spMkLst>
+        </pc:spChg>
+        <pc:spChg chg="mod">
+          <ac:chgData name="White, Ellie" userId="fec56361-5c8a-4790-9e84-6272d2f2258e" providerId="ADAL" clId="{87DEA6A5-04DD-4F0B-8A38-25F89595D54E}" dt="2023-04-11T04:16:10.845" v="0" actId="165"/>
+          <ac:spMkLst>
+            <pc:docMk/>
+            <pc:sldMk cId="418821511" sldId="259"/>
+            <ac:spMk id="29" creationId="{9F35B3C2-69BA-F26E-1A83-44F0E5AE4DD1}"/>
+          </ac:spMkLst>
+        </pc:spChg>
+        <pc:spChg chg="mod">
+          <ac:chgData name="White, Ellie" userId="fec56361-5c8a-4790-9e84-6272d2f2258e" providerId="ADAL" clId="{87DEA6A5-04DD-4F0B-8A38-25F89595D54E}" dt="2023-04-11T04:16:10.845" v="0" actId="165"/>
+          <ac:spMkLst>
+            <pc:docMk/>
+            <pc:sldMk cId="418821511" sldId="259"/>
+            <ac:spMk id="30" creationId="{52FED1B8-24A1-12B4-7DC3-1595C2923EF6}"/>
+          </ac:spMkLst>
+        </pc:spChg>
+        <pc:spChg chg="mod ord topLvl">
+          <ac:chgData name="White, Ellie" userId="fec56361-5c8a-4790-9e84-6272d2f2258e" providerId="ADAL" clId="{87DEA6A5-04DD-4F0B-8A38-25F89595D54E}" dt="2023-04-11T05:34:00.579" v="280" actId="1037"/>
+          <ac:spMkLst>
+            <pc:docMk/>
+            <pc:sldMk cId="418821511" sldId="259"/>
+            <ac:spMk id="31" creationId="{D75FB81B-7B13-FE4E-36E3-AF12414A6611}"/>
+          </ac:spMkLst>
+        </pc:spChg>
+        <pc:spChg chg="mod">
+          <ac:chgData name="White, Ellie" userId="fec56361-5c8a-4790-9e84-6272d2f2258e" providerId="ADAL" clId="{87DEA6A5-04DD-4F0B-8A38-25F89595D54E}" dt="2023-04-11T04:16:10.845" v="0" actId="165"/>
+          <ac:spMkLst>
+            <pc:docMk/>
+            <pc:sldMk cId="418821511" sldId="259"/>
+            <ac:spMk id="32" creationId="{2E8B8AE1-2ED1-A064-0F0C-35811B7A3A73}"/>
+          </ac:spMkLst>
+        </pc:spChg>
+        <pc:spChg chg="mod topLvl">
+          <ac:chgData name="White, Ellie" userId="fec56361-5c8a-4790-9e84-6272d2f2258e" providerId="ADAL" clId="{87DEA6A5-04DD-4F0B-8A38-25F89595D54E}" dt="2023-04-11T05:33:58.066" v="279" actId="1037"/>
+          <ac:spMkLst>
+            <pc:docMk/>
+            <pc:sldMk cId="418821511" sldId="259"/>
+            <ac:spMk id="33" creationId="{689BE39F-0958-1A92-4876-8ED8B06CB412}"/>
+          </ac:spMkLst>
+        </pc:spChg>
+        <pc:spChg chg="mod">
+          <ac:chgData name="White, Ellie" userId="fec56361-5c8a-4790-9e84-6272d2f2258e" providerId="ADAL" clId="{87DEA6A5-04DD-4F0B-8A38-25F89595D54E}" dt="2023-04-11T04:16:10.845" v="0" actId="165"/>
+          <ac:spMkLst>
+            <pc:docMk/>
+            <pc:sldMk cId="418821511" sldId="259"/>
+            <ac:spMk id="34" creationId="{BAC09385-76B2-A5E3-587A-5B1B7B5A401B}"/>
+          </ac:spMkLst>
+        </pc:spChg>
+        <pc:spChg chg="mod topLvl">
+          <ac:chgData name="White, Ellie" userId="fec56361-5c8a-4790-9e84-6272d2f2258e" providerId="ADAL" clId="{87DEA6A5-04DD-4F0B-8A38-25F89595D54E}" dt="2023-04-11T05:35:13.408" v="321" actId="1038"/>
+          <ac:spMkLst>
+            <pc:docMk/>
+            <pc:sldMk cId="418821511" sldId="259"/>
+            <ac:spMk id="37" creationId="{878077B5-C010-E074-6A22-D5A2F39684FC}"/>
+          </ac:spMkLst>
+        </pc:spChg>
+        <pc:spChg chg="mod topLvl">
+          <ac:chgData name="White, Ellie" userId="fec56361-5c8a-4790-9e84-6272d2f2258e" providerId="ADAL" clId="{87DEA6A5-04DD-4F0B-8A38-25F89595D54E}" dt="2023-04-11T05:36:21.175" v="435" actId="1035"/>
+          <ac:spMkLst>
+            <pc:docMk/>
+            <pc:sldMk cId="418821511" sldId="259"/>
+            <ac:spMk id="38" creationId="{50EAF7F3-98D0-1AD7-35B3-F2F120000ADB}"/>
+          </ac:spMkLst>
+        </pc:spChg>
+        <pc:spChg chg="mod">
+          <ac:chgData name="White, Ellie" userId="fec56361-5c8a-4790-9e84-6272d2f2258e" providerId="ADAL" clId="{87DEA6A5-04DD-4F0B-8A38-25F89595D54E}" dt="2023-04-11T04:16:10.845" v="0" actId="165"/>
+          <ac:spMkLst>
+            <pc:docMk/>
+            <pc:sldMk cId="418821511" sldId="259"/>
+            <ac:spMk id="40" creationId="{F0067AC1-980E-FF71-CBEB-C774EC851955}"/>
+          </ac:spMkLst>
+        </pc:spChg>
+        <pc:spChg chg="mod topLvl">
+          <ac:chgData name="White, Ellie" userId="fec56361-5c8a-4790-9e84-6272d2f2258e" providerId="ADAL" clId="{87DEA6A5-04DD-4F0B-8A38-25F89595D54E}" dt="2023-04-11T04:16:10.845" v="0" actId="165"/>
+          <ac:spMkLst>
+            <pc:docMk/>
+            <pc:sldMk cId="418821511" sldId="259"/>
+            <ac:spMk id="41" creationId="{5F5D940E-4470-F7CD-8BD1-A5F121F2E744}"/>
+          </ac:spMkLst>
+        </pc:spChg>
+        <pc:spChg chg="mod">
+          <ac:chgData name="White, Ellie" userId="fec56361-5c8a-4790-9e84-6272d2f2258e" providerId="ADAL" clId="{87DEA6A5-04DD-4F0B-8A38-25F89595D54E}" dt="2023-04-11T04:16:10.845" v="0" actId="165"/>
+          <ac:spMkLst>
+            <pc:docMk/>
+            <pc:sldMk cId="418821511" sldId="259"/>
+            <ac:spMk id="42" creationId="{DF7B7AF0-D54B-3CFE-4809-9F9C70187113}"/>
+          </ac:spMkLst>
+        </pc:spChg>
+        <pc:spChg chg="mod topLvl">
+          <ac:chgData name="White, Ellie" userId="fec56361-5c8a-4790-9e84-6272d2f2258e" providerId="ADAL" clId="{87DEA6A5-04DD-4F0B-8A38-25F89595D54E}" dt="2023-04-11T04:16:10.845" v="0" actId="165"/>
+          <ac:spMkLst>
+            <pc:docMk/>
+            <pc:sldMk cId="418821511" sldId="259"/>
+            <ac:spMk id="43" creationId="{F70E8B3A-3F4D-4216-0945-CC1BC07328A7}"/>
+          </ac:spMkLst>
+        </pc:spChg>
+        <pc:spChg chg="mod">
+          <ac:chgData name="White, Ellie" userId="fec56361-5c8a-4790-9e84-6272d2f2258e" providerId="ADAL" clId="{87DEA6A5-04DD-4F0B-8A38-25F89595D54E}" dt="2023-04-11T04:16:51.273" v="7" actId="207"/>
+          <ac:spMkLst>
+            <pc:docMk/>
+            <pc:sldMk cId="418821511" sldId="259"/>
+            <ac:spMk id="56" creationId="{AA6491FF-34F6-7EFB-76CF-6464193182B4}"/>
+          </ac:spMkLst>
+        </pc:spChg>
+        <pc:spChg chg="mod">
+          <ac:chgData name="White, Ellie" userId="fec56361-5c8a-4790-9e84-6272d2f2258e" providerId="ADAL" clId="{87DEA6A5-04DD-4F0B-8A38-25F89595D54E}" dt="2023-04-11T04:16:57.650" v="8" actId="207"/>
+          <ac:spMkLst>
+            <pc:docMk/>
+            <pc:sldMk cId="418821511" sldId="259"/>
+            <ac:spMk id="57" creationId="{74AA7624-F345-3FB9-80B6-1C9A5D207627}"/>
+          </ac:spMkLst>
+        </pc:spChg>
+        <pc:spChg chg="mod">
+          <ac:chgData name="White, Ellie" userId="fec56361-5c8a-4790-9e84-6272d2f2258e" providerId="ADAL" clId="{87DEA6A5-04DD-4F0B-8A38-25F89595D54E}" dt="2023-04-11T04:16:10.845" v="0" actId="165"/>
+          <ac:spMkLst>
+            <pc:docMk/>
+            <pc:sldMk cId="418821511" sldId="259"/>
+            <ac:spMk id="58" creationId="{32C30769-769E-0438-B11D-232EF1F34122}"/>
+          </ac:spMkLst>
+        </pc:spChg>
+        <pc:spChg chg="mod">
+          <ac:chgData name="White, Ellie" userId="fec56361-5c8a-4790-9e84-6272d2f2258e" providerId="ADAL" clId="{87DEA6A5-04DD-4F0B-8A38-25F89595D54E}" dt="2023-04-11T04:16:10.845" v="0" actId="165"/>
+          <ac:spMkLst>
+            <pc:docMk/>
+            <pc:sldMk cId="418821511" sldId="259"/>
+            <ac:spMk id="59" creationId="{2A00CD99-6335-931D-5ABF-BE360663FD3D}"/>
+          </ac:spMkLst>
+        </pc:spChg>
+        <pc:spChg chg="mod topLvl">
+          <ac:chgData name="White, Ellie" userId="fec56361-5c8a-4790-9e84-6272d2f2258e" providerId="ADAL" clId="{87DEA6A5-04DD-4F0B-8A38-25F89595D54E}" dt="2023-04-11T04:16:10.845" v="0" actId="165"/>
+          <ac:spMkLst>
+            <pc:docMk/>
+            <pc:sldMk cId="418821511" sldId="259"/>
+            <ac:spMk id="61" creationId="{3B2890E0-4397-E461-4158-1EA89FBAA79A}"/>
+          </ac:spMkLst>
+        </pc:spChg>
+        <pc:spChg chg="mod">
+          <ac:chgData name="White, Ellie" userId="fec56361-5c8a-4790-9e84-6272d2f2258e" providerId="ADAL" clId="{87DEA6A5-04DD-4F0B-8A38-25F89595D54E}" dt="2023-04-11T05:39:51.920" v="502"/>
+          <ac:spMkLst>
+            <pc:docMk/>
+            <pc:sldMk cId="418821511" sldId="259"/>
+            <ac:spMk id="65" creationId="{CE0204D3-A4F1-F9EC-B995-C9ED953EDF6A}"/>
+          </ac:spMkLst>
+        </pc:spChg>
+        <pc:spChg chg="mod">
+          <ac:chgData name="White, Ellie" userId="fec56361-5c8a-4790-9e84-6272d2f2258e" providerId="ADAL" clId="{87DEA6A5-04DD-4F0B-8A38-25F89595D54E}" dt="2023-04-11T05:39:51.920" v="502"/>
+          <ac:spMkLst>
+            <pc:docMk/>
+            <pc:sldMk cId="418821511" sldId="259"/>
+            <ac:spMk id="66" creationId="{AE3433A0-DF45-7C64-A175-924FDFCA3205}"/>
+          </ac:spMkLst>
+        </pc:spChg>
+        <pc:spChg chg="mod">
+          <ac:chgData name="White, Ellie" userId="fec56361-5c8a-4790-9e84-6272d2f2258e" providerId="ADAL" clId="{87DEA6A5-04DD-4F0B-8A38-25F89595D54E}" dt="2023-04-11T05:39:51.920" v="502"/>
+          <ac:spMkLst>
+            <pc:docMk/>
+            <pc:sldMk cId="418821511" sldId="259"/>
+            <ac:spMk id="68" creationId="{108A763E-FFF0-992E-A7FF-FF71E234BE83}"/>
+          </ac:spMkLst>
+        </pc:spChg>
+        <pc:spChg chg="mod">
+          <ac:chgData name="White, Ellie" userId="fec56361-5c8a-4790-9e84-6272d2f2258e" providerId="ADAL" clId="{87DEA6A5-04DD-4F0B-8A38-25F89595D54E}" dt="2023-04-11T05:39:51.920" v="502"/>
+          <ac:spMkLst>
+            <pc:docMk/>
+            <pc:sldMk cId="418821511" sldId="259"/>
+            <ac:spMk id="72" creationId="{D6185E20-C780-6C8E-9FAF-A4D6F25AC9D9}"/>
+          </ac:spMkLst>
+        </pc:spChg>
+        <pc:spChg chg="mod">
+          <ac:chgData name="White, Ellie" userId="fec56361-5c8a-4790-9e84-6272d2f2258e" providerId="ADAL" clId="{87DEA6A5-04DD-4F0B-8A38-25F89595D54E}" dt="2023-04-11T05:39:51.920" v="502"/>
+          <ac:spMkLst>
+            <pc:docMk/>
+            <pc:sldMk cId="418821511" sldId="259"/>
+            <ac:spMk id="73" creationId="{18E0F741-591F-BE15-56C1-50F8CB5B24F3}"/>
+          </ac:spMkLst>
+        </pc:spChg>
+        <pc:spChg chg="mod">
+          <ac:chgData name="White, Ellie" userId="fec56361-5c8a-4790-9e84-6272d2f2258e" providerId="ADAL" clId="{87DEA6A5-04DD-4F0B-8A38-25F89595D54E}" dt="2023-04-11T05:39:51.920" v="502"/>
+          <ac:spMkLst>
+            <pc:docMk/>
+            <pc:sldMk cId="418821511" sldId="259"/>
+            <ac:spMk id="74" creationId="{B3B33641-290C-A84E-491E-3F493FBEEE39}"/>
+          </ac:spMkLst>
+        </pc:spChg>
+        <pc:spChg chg="mod">
+          <ac:chgData name="White, Ellie" userId="fec56361-5c8a-4790-9e84-6272d2f2258e" providerId="ADAL" clId="{87DEA6A5-04DD-4F0B-8A38-25F89595D54E}" dt="2023-04-11T05:40:14.080" v="507"/>
+          <ac:spMkLst>
+            <pc:docMk/>
+            <pc:sldMk cId="418821511" sldId="259"/>
+            <ac:spMk id="80" creationId="{6A010935-383D-B33D-6B77-F8DBC7D00F65}"/>
+          </ac:spMkLst>
+        </pc:spChg>
+        <pc:spChg chg="mod">
+          <ac:chgData name="White, Ellie" userId="fec56361-5c8a-4790-9e84-6272d2f2258e" providerId="ADAL" clId="{87DEA6A5-04DD-4F0B-8A38-25F89595D54E}" dt="2023-04-11T04:16:10.845" v="0" actId="165"/>
+          <ac:spMkLst>
+            <pc:docMk/>
+            <pc:sldMk cId="418821511" sldId="259"/>
+            <ac:spMk id="81" creationId="{3240E778-2DD8-FCFB-2709-EF8112894D6E}"/>
+          </ac:spMkLst>
+        </pc:spChg>
+        <pc:spChg chg="mod">
+          <ac:chgData name="White, Ellie" userId="fec56361-5c8a-4790-9e84-6272d2f2258e" providerId="ADAL" clId="{87DEA6A5-04DD-4F0B-8A38-25F89595D54E}" dt="2023-04-11T05:40:14.080" v="507"/>
+          <ac:spMkLst>
+            <pc:docMk/>
+            <pc:sldMk cId="418821511" sldId="259"/>
+            <ac:spMk id="84" creationId="{319B0E93-718E-E4D4-D4F4-A859B7F088D9}"/>
+          </ac:spMkLst>
+        </pc:spChg>
+        <pc:spChg chg="mod">
+          <ac:chgData name="White, Ellie" userId="fec56361-5c8a-4790-9e84-6272d2f2258e" providerId="ADAL" clId="{87DEA6A5-04DD-4F0B-8A38-25F89595D54E}" dt="2023-04-11T05:40:14.080" v="507"/>
+          <ac:spMkLst>
+            <pc:docMk/>
+            <pc:sldMk cId="418821511" sldId="259"/>
+            <ac:spMk id="86" creationId="{5A169A19-1E5B-1843-03D9-0BB58271F25E}"/>
+          </ac:spMkLst>
+        </pc:spChg>
+        <pc:spChg chg="mod topLvl">
+          <ac:chgData name="White, Ellie" userId="fec56361-5c8a-4790-9e84-6272d2f2258e" providerId="ADAL" clId="{87DEA6A5-04DD-4F0B-8A38-25F89595D54E}" dt="2023-04-11T04:16:10.845" v="0" actId="165"/>
+          <ac:spMkLst>
+            <pc:docMk/>
+            <pc:sldMk cId="418821511" sldId="259"/>
+            <ac:spMk id="90" creationId="{5851EF92-C2D1-4404-C3F7-F8D03E0123BC}"/>
+          </ac:spMkLst>
+        </pc:spChg>
+        <pc:spChg chg="mod">
+          <ac:chgData name="White, Ellie" userId="fec56361-5c8a-4790-9e84-6272d2f2258e" providerId="ADAL" clId="{87DEA6A5-04DD-4F0B-8A38-25F89595D54E}" dt="2023-04-11T05:40:14.080" v="507"/>
+          <ac:spMkLst>
+            <pc:docMk/>
+            <pc:sldMk cId="418821511" sldId="259"/>
+            <ac:spMk id="91" creationId="{D7C66C65-FAA0-A461-A42D-81C6F324494B}"/>
+          </ac:spMkLst>
+        </pc:spChg>
+        <pc:spChg chg="mod">
+          <ac:chgData name="White, Ellie" userId="fec56361-5c8a-4790-9e84-6272d2f2258e" providerId="ADAL" clId="{87DEA6A5-04DD-4F0B-8A38-25F89595D54E}" dt="2023-04-11T04:16:10.845" v="0" actId="165"/>
+          <ac:spMkLst>
+            <pc:docMk/>
+            <pc:sldMk cId="418821511" sldId="259"/>
+            <ac:spMk id="92" creationId="{0A260F97-5EB5-E6BD-1F92-B9189BBE145E}"/>
+          </ac:spMkLst>
+        </pc:spChg>
+        <pc:spChg chg="mod">
+          <ac:chgData name="White, Ellie" userId="fec56361-5c8a-4790-9e84-6272d2f2258e" providerId="ADAL" clId="{87DEA6A5-04DD-4F0B-8A38-25F89595D54E}" dt="2023-04-11T04:16:10.845" v="0" actId="165"/>
+          <ac:spMkLst>
+            <pc:docMk/>
+            <pc:sldMk cId="418821511" sldId="259"/>
+            <ac:spMk id="93" creationId="{06F92A4B-759E-AD53-BED4-C5BB1E73C4EF}"/>
+          </ac:spMkLst>
+        </pc:spChg>
+        <pc:spChg chg="mod">
+          <ac:chgData name="White, Ellie" userId="fec56361-5c8a-4790-9e84-6272d2f2258e" providerId="ADAL" clId="{87DEA6A5-04DD-4F0B-8A38-25F89595D54E}" dt="2023-04-11T04:16:10.845" v="0" actId="165"/>
+          <ac:spMkLst>
+            <pc:docMk/>
+            <pc:sldMk cId="418821511" sldId="259"/>
+            <ac:spMk id="94" creationId="{BABF8ED6-A3C8-C052-B5F3-995A850AF928}"/>
+          </ac:spMkLst>
+        </pc:spChg>
+        <pc:spChg chg="mod">
+          <ac:chgData name="White, Ellie" userId="fec56361-5c8a-4790-9e84-6272d2f2258e" providerId="ADAL" clId="{87DEA6A5-04DD-4F0B-8A38-25F89595D54E}" dt="2023-04-11T04:16:10.845" v="0" actId="165"/>
+          <ac:spMkLst>
+            <pc:docMk/>
+            <pc:sldMk cId="418821511" sldId="259"/>
+            <ac:spMk id="95" creationId="{3BB68EE1-FC65-181A-1B46-4428C7F8C79F}"/>
+          </ac:spMkLst>
+        </pc:spChg>
+        <pc:spChg chg="mod">
+          <ac:chgData name="White, Ellie" userId="fec56361-5c8a-4790-9e84-6272d2f2258e" providerId="ADAL" clId="{87DEA6A5-04DD-4F0B-8A38-25F89595D54E}" dt="2023-04-11T05:40:14.080" v="507"/>
+          <ac:spMkLst>
+            <pc:docMk/>
+            <pc:sldMk cId="418821511" sldId="259"/>
+            <ac:spMk id="97" creationId="{8C58989B-C0F3-16E3-3405-C310A13474FE}"/>
+          </ac:spMkLst>
+        </pc:spChg>
+        <pc:spChg chg="mod">
+          <ac:chgData name="White, Ellie" userId="fec56361-5c8a-4790-9e84-6272d2f2258e" providerId="ADAL" clId="{87DEA6A5-04DD-4F0B-8A38-25F89595D54E}" dt="2023-04-11T05:40:14.080" v="507"/>
+          <ac:spMkLst>
+            <pc:docMk/>
+            <pc:sldMk cId="418821511" sldId="259"/>
+            <ac:spMk id="98" creationId="{E05B467A-00EA-8051-0D7A-DE2F3AC1C91C}"/>
+          </ac:spMkLst>
+        </pc:spChg>
+        <pc:spChg chg="mod">
+          <ac:chgData name="White, Ellie" userId="fec56361-5c8a-4790-9e84-6272d2f2258e" providerId="ADAL" clId="{87DEA6A5-04DD-4F0B-8A38-25F89595D54E}" dt="2023-04-11T04:16:10.845" v="0" actId="165"/>
+          <ac:spMkLst>
+            <pc:docMk/>
+            <pc:sldMk cId="418821511" sldId="259"/>
+            <ac:spMk id="110" creationId="{F9664226-E875-1805-201D-4F823ECC3451}"/>
+          </ac:spMkLst>
+        </pc:spChg>
+        <pc:spChg chg="mod topLvl">
+          <ac:chgData name="White, Ellie" userId="fec56361-5c8a-4790-9e84-6272d2f2258e" providerId="ADAL" clId="{87DEA6A5-04DD-4F0B-8A38-25F89595D54E}" dt="2023-04-11T04:16:10.845" v="0" actId="165"/>
+          <ac:spMkLst>
+            <pc:docMk/>
+            <pc:sldMk cId="418821511" sldId="259"/>
+            <ac:spMk id="112" creationId="{9B0ACAAE-D4D7-4F23-2B4D-0E3E68C77436}"/>
+          </ac:spMkLst>
+        </pc:spChg>
+        <pc:spChg chg="mod topLvl">
+          <ac:chgData name="White, Ellie" userId="fec56361-5c8a-4790-9e84-6272d2f2258e" providerId="ADAL" clId="{87DEA6A5-04DD-4F0B-8A38-25F89595D54E}" dt="2023-04-11T04:16:10.845" v="0" actId="165"/>
+          <ac:spMkLst>
+            <pc:docMk/>
+            <pc:sldMk cId="418821511" sldId="259"/>
+            <ac:spMk id="113" creationId="{ADD06344-B326-2FA0-9D49-5D0F37B6975C}"/>
+          </ac:spMkLst>
+        </pc:spChg>
+        <pc:spChg chg="mod topLvl">
+          <ac:chgData name="White, Ellie" userId="fec56361-5c8a-4790-9e84-6272d2f2258e" providerId="ADAL" clId="{87DEA6A5-04DD-4F0B-8A38-25F89595D54E}" dt="2023-04-11T04:16:10.845" v="0" actId="165"/>
+          <ac:spMkLst>
+            <pc:docMk/>
+            <pc:sldMk cId="418821511" sldId="259"/>
+            <ac:spMk id="114" creationId="{21539A2C-A52A-A73B-B246-392B354EC280}"/>
+          </ac:spMkLst>
+        </pc:spChg>
+        <pc:spChg chg="mod topLvl">
+          <ac:chgData name="White, Ellie" userId="fec56361-5c8a-4790-9e84-6272d2f2258e" providerId="ADAL" clId="{87DEA6A5-04DD-4F0B-8A38-25F89595D54E}" dt="2023-04-11T04:16:10.845" v="0" actId="165"/>
+          <ac:spMkLst>
+            <pc:docMk/>
+            <pc:sldMk cId="418821511" sldId="259"/>
+            <ac:spMk id="115" creationId="{DDF40092-C545-B15E-326D-AEB0893FAE4D}"/>
+          </ac:spMkLst>
+        </pc:spChg>
+        <pc:spChg chg="mod topLvl">
+          <ac:chgData name="White, Ellie" userId="fec56361-5c8a-4790-9e84-6272d2f2258e" providerId="ADAL" clId="{87DEA6A5-04DD-4F0B-8A38-25F89595D54E}" dt="2023-04-11T04:16:10.845" v="0" actId="165"/>
+          <ac:spMkLst>
+            <pc:docMk/>
+            <pc:sldMk cId="418821511" sldId="259"/>
+            <ac:spMk id="116" creationId="{68732BA1-F724-FC4F-E74C-B052C4B3D729}"/>
+          </ac:spMkLst>
+        </pc:spChg>
+        <pc:spChg chg="mod">
+          <ac:chgData name="White, Ellie" userId="fec56361-5c8a-4790-9e84-6272d2f2258e" providerId="ADAL" clId="{87DEA6A5-04DD-4F0B-8A38-25F89595D54E}" dt="2023-04-11T04:16:10.845" v="0" actId="165"/>
+          <ac:spMkLst>
+            <pc:docMk/>
+            <pc:sldMk cId="418821511" sldId="259"/>
+            <ac:spMk id="117" creationId="{4CC719BB-510E-764E-109D-D1F995DA5091}"/>
+          </ac:spMkLst>
+        </pc:spChg>
+        <pc:spChg chg="mod">
+          <ac:chgData name="White, Ellie" userId="fec56361-5c8a-4790-9e84-6272d2f2258e" providerId="ADAL" clId="{87DEA6A5-04DD-4F0B-8A38-25F89595D54E}" dt="2023-04-11T04:16:10.845" v="0" actId="165"/>
+          <ac:spMkLst>
+            <pc:docMk/>
+            <pc:sldMk cId="418821511" sldId="259"/>
+            <ac:spMk id="127" creationId="{DFB220B8-B700-0402-E0FE-BF3D28170C36}"/>
+          </ac:spMkLst>
+        </pc:spChg>
+        <pc:spChg chg="mod">
+          <ac:chgData name="White, Ellie" userId="fec56361-5c8a-4790-9e84-6272d2f2258e" providerId="ADAL" clId="{87DEA6A5-04DD-4F0B-8A38-25F89595D54E}" dt="2023-04-11T04:16:10.845" v="0" actId="165"/>
+          <ac:spMkLst>
+            <pc:docMk/>
+            <pc:sldMk cId="418821511" sldId="259"/>
+            <ac:spMk id="128" creationId="{8A3F892E-3282-B1A1-E1DD-F1DD59F3E41C}"/>
+          </ac:spMkLst>
+        </pc:spChg>
+        <pc:spChg chg="mod">
+          <ac:chgData name="White, Ellie" userId="fec56361-5c8a-4790-9e84-6272d2f2258e" providerId="ADAL" clId="{87DEA6A5-04DD-4F0B-8A38-25F89595D54E}" dt="2023-04-11T04:16:10.845" v="0" actId="165"/>
+          <ac:spMkLst>
+            <pc:docMk/>
+            <pc:sldMk cId="418821511" sldId="259"/>
+            <ac:spMk id="129" creationId="{D73DEE52-8D5A-DCF2-1837-B14BE68940EC}"/>
+          </ac:spMkLst>
+        </pc:spChg>
+        <pc:spChg chg="mod">
+          <ac:chgData name="White, Ellie" userId="fec56361-5c8a-4790-9e84-6272d2f2258e" providerId="ADAL" clId="{87DEA6A5-04DD-4F0B-8A38-25F89595D54E}" dt="2023-04-11T04:16:10.845" v="0" actId="165"/>
+          <ac:spMkLst>
+            <pc:docMk/>
+            <pc:sldMk cId="418821511" sldId="259"/>
+            <ac:spMk id="130" creationId="{DBD68E8A-7B71-6087-74B5-7754C3E16BC8}"/>
+          </ac:spMkLst>
+        </pc:spChg>
+        <pc:spChg chg="del mod topLvl">
+          <ac:chgData name="White, Ellie" userId="fec56361-5c8a-4790-9e84-6272d2f2258e" providerId="ADAL" clId="{87DEA6A5-04DD-4F0B-8A38-25F89595D54E}" dt="2023-04-11T05:37:00.624" v="440"/>
+          <ac:spMkLst>
+            <pc:docMk/>
+            <pc:sldMk cId="418821511" sldId="259"/>
+            <ac:spMk id="150" creationId="{557F984C-E483-ACDC-480F-30CA1F44B8F7}"/>
+          </ac:spMkLst>
+        </pc:spChg>
+        <pc:spChg chg="mod topLvl">
+          <ac:chgData name="White, Ellie" userId="fec56361-5c8a-4790-9e84-6272d2f2258e" providerId="ADAL" clId="{87DEA6A5-04DD-4F0B-8A38-25F89595D54E}" dt="2023-04-11T04:16:10.845" v="0" actId="165"/>
+          <ac:spMkLst>
+            <pc:docMk/>
+            <pc:sldMk cId="418821511" sldId="259"/>
+            <ac:spMk id="154" creationId="{10F62627-5069-528E-53D4-07F97402E75A}"/>
+          </ac:spMkLst>
+        </pc:spChg>
+        <pc:grpChg chg="add del mod">
+          <ac:chgData name="White, Ellie" userId="fec56361-5c8a-4790-9e84-6272d2f2258e" providerId="ADAL" clId="{87DEA6A5-04DD-4F0B-8A38-25F89595D54E}" dt="2023-04-11T04:42:56.428" v="153" actId="478"/>
+          <ac:grpSpMkLst>
+            <pc:docMk/>
+            <pc:sldMk cId="418821511" sldId="259"/>
+            <ac:grpSpMk id="8" creationId="{1B8E3EC8-B342-EFB8-D3C3-25FB613F0D2A}"/>
+          </ac:grpSpMkLst>
+        </pc:grpChg>
+        <pc:grpChg chg="add del mod">
+          <ac:chgData name="White, Ellie" userId="fec56361-5c8a-4790-9e84-6272d2f2258e" providerId="ADAL" clId="{87DEA6A5-04DD-4F0B-8A38-25F89595D54E}" dt="2023-04-11T04:42:58.074" v="154" actId="478"/>
+          <ac:grpSpMkLst>
+            <pc:docMk/>
+            <pc:sldMk cId="418821511" sldId="259"/>
+            <ac:grpSpMk id="11" creationId="{27DCA2A8-C41E-6411-026F-01858A9C15A2}"/>
+          </ac:grpSpMkLst>
+        </pc:grpChg>
+        <pc:grpChg chg="add del mod">
+          <ac:chgData name="White, Ellie" userId="fec56361-5c8a-4790-9e84-6272d2f2258e" providerId="ADAL" clId="{87DEA6A5-04DD-4F0B-8A38-25F89595D54E}" dt="2023-04-11T04:19:21.095" v="66" actId="165"/>
+          <ac:grpSpMkLst>
+            <pc:docMk/>
+            <pc:sldMk cId="418821511" sldId="259"/>
+            <ac:grpSpMk id="16" creationId="{A947EB52-0453-5122-9AF7-518471B7B8AD}"/>
+          </ac:grpSpMkLst>
+        </pc:grpChg>
+        <pc:grpChg chg="del mod topLvl">
+          <ac:chgData name="White, Ellie" userId="fec56361-5c8a-4790-9e84-6272d2f2258e" providerId="ADAL" clId="{87DEA6A5-04DD-4F0B-8A38-25F89595D54E}" dt="2023-04-11T04:21:12.566" v="85" actId="165"/>
+          <ac:grpSpMkLst>
+            <pc:docMk/>
+            <pc:sldMk cId="418821511" sldId="259"/>
+            <ac:grpSpMk id="19" creationId="{444B4249-BEDF-DA60-DCFA-9BD97CF78065}"/>
+          </ac:grpSpMkLst>
+        </pc:grpChg>
+        <pc:grpChg chg="del mod topLvl">
+          <ac:chgData name="White, Ellie" userId="fec56361-5c8a-4790-9e84-6272d2f2258e" providerId="ADAL" clId="{87DEA6A5-04DD-4F0B-8A38-25F89595D54E}" dt="2023-04-11T04:19:28.273" v="67" actId="165"/>
+          <ac:grpSpMkLst>
+            <pc:docMk/>
+            <pc:sldMk cId="418821511" sldId="259"/>
+            <ac:grpSpMk id="21" creationId="{3ECDF701-5C5A-BE80-0F58-7D8F25431666}"/>
+          </ac:grpSpMkLst>
+        </pc:grpChg>
+        <pc:grpChg chg="mod">
+          <ac:chgData name="White, Ellie" userId="fec56361-5c8a-4790-9e84-6272d2f2258e" providerId="ADAL" clId="{87DEA6A5-04DD-4F0B-8A38-25F89595D54E}" dt="2023-04-11T04:16:10.845" v="0" actId="165"/>
+          <ac:grpSpMkLst>
+            <pc:docMk/>
+            <pc:sldMk cId="418821511" sldId="259"/>
+            <ac:grpSpMk id="35" creationId="{3B011D50-52EE-C8EF-40E3-A1C9D61D50A3}"/>
+          </ac:grpSpMkLst>
+        </pc:grpChg>
+        <pc:grpChg chg="add mod">
+          <ac:chgData name="White, Ellie" userId="fec56361-5c8a-4790-9e84-6272d2f2258e" providerId="ADAL" clId="{87DEA6A5-04DD-4F0B-8A38-25F89595D54E}" dt="2023-04-11T05:34:07.909" v="281" actId="164"/>
+          <ac:grpSpMkLst>
+            <pc:docMk/>
+            <pc:sldMk cId="418821511" sldId="259"/>
+            <ac:grpSpMk id="39" creationId="{62E3016B-F12C-444A-D735-E1F81C15F1F0}"/>
+          </ac:grpSpMkLst>
+        </pc:grpChg>
+        <pc:grpChg chg="add mod ord">
+          <ac:chgData name="White, Ellie" userId="fec56361-5c8a-4790-9e84-6272d2f2258e" providerId="ADAL" clId="{87DEA6A5-04DD-4F0B-8A38-25F89595D54E}" dt="2023-04-11T05:34:21.218" v="283" actId="164"/>
+          <ac:grpSpMkLst>
+            <pc:docMk/>
+            <pc:sldMk cId="418821511" sldId="259"/>
+            <ac:grpSpMk id="47" creationId="{CB49F8C1-7913-3130-44ED-3AF8D4820189}"/>
+          </ac:grpSpMkLst>
+        </pc:grpChg>
+        <pc:grpChg chg="add mod">
+          <ac:chgData name="White, Ellie" userId="fec56361-5c8a-4790-9e84-6272d2f2258e" providerId="ADAL" clId="{87DEA6A5-04DD-4F0B-8A38-25F89595D54E}" dt="2023-04-11T05:39:49.663" v="501" actId="164"/>
+          <ac:grpSpMkLst>
+            <pc:docMk/>
+            <pc:sldMk cId="418821511" sldId="259"/>
+            <ac:grpSpMk id="48" creationId="{612CF13D-EBBC-D4D4-2DCF-375FEDFAF254}"/>
+          </ac:grpSpMkLst>
+        </pc:grpChg>
+        <pc:grpChg chg="mod topLvl">
+          <ac:chgData name="White, Ellie" userId="fec56361-5c8a-4790-9e84-6272d2f2258e" providerId="ADAL" clId="{87DEA6A5-04DD-4F0B-8A38-25F89595D54E}" dt="2023-04-11T04:42:58.074" v="154" actId="478"/>
+          <ac:grpSpMkLst>
+            <pc:docMk/>
+            <pc:sldMk cId="418821511" sldId="259"/>
+            <ac:grpSpMk id="60" creationId="{DF33481A-EC37-37C2-56C1-F6B3EC394779}"/>
+          </ac:grpSpMkLst>
+        </pc:grpChg>
+        <pc:grpChg chg="add mod">
+          <ac:chgData name="White, Ellie" userId="fec56361-5c8a-4790-9e84-6272d2f2258e" providerId="ADAL" clId="{87DEA6A5-04DD-4F0B-8A38-25F89595D54E}" dt="2023-04-11T05:39:49.663" v="501" actId="164"/>
+          <ac:grpSpMkLst>
+            <pc:docMk/>
+            <pc:sldMk cId="418821511" sldId="259"/>
+            <ac:grpSpMk id="63" creationId="{B0BB7BB9-7622-5D4B-36C7-A93E8C27FAA0}"/>
+          </ac:grpSpMkLst>
+        </pc:grpChg>
+        <pc:grpChg chg="add del mod">
+          <ac:chgData name="White, Ellie" userId="fec56361-5c8a-4790-9e84-6272d2f2258e" providerId="ADAL" clId="{87DEA6A5-04DD-4F0B-8A38-25F89595D54E}" dt="2023-04-11T05:39:54.026" v="503"/>
+          <ac:grpSpMkLst>
+            <pc:docMk/>
+            <pc:sldMk cId="418821511" sldId="259"/>
+            <ac:grpSpMk id="64" creationId="{E92AAA3A-4797-BCC6-7DED-B2C039FC820E}"/>
+          </ac:grpSpMkLst>
+        </pc:grpChg>
+        <pc:grpChg chg="mod">
+          <ac:chgData name="White, Ellie" userId="fec56361-5c8a-4790-9e84-6272d2f2258e" providerId="ADAL" clId="{87DEA6A5-04DD-4F0B-8A38-25F89595D54E}" dt="2023-04-11T05:39:51.920" v="502"/>
+          <ac:grpSpMkLst>
+            <pc:docMk/>
+            <pc:sldMk cId="418821511" sldId="259"/>
+            <ac:grpSpMk id="67" creationId="{450A293C-2E1C-03B4-17BC-01DB9D3C9001}"/>
+          </ac:grpSpMkLst>
+        </pc:grpChg>
+        <pc:grpChg chg="mod">
+          <ac:chgData name="White, Ellie" userId="fec56361-5c8a-4790-9e84-6272d2f2258e" providerId="ADAL" clId="{87DEA6A5-04DD-4F0B-8A38-25F89595D54E}" dt="2023-04-11T05:39:51.920" v="502"/>
+          <ac:grpSpMkLst>
+            <pc:docMk/>
+            <pc:sldMk cId="418821511" sldId="259"/>
+            <ac:grpSpMk id="69" creationId="{2B069199-D55C-2ED7-EB44-E1C16EB82C2B}"/>
+          </ac:grpSpMkLst>
+        </pc:grpChg>
+        <pc:grpChg chg="add del mod">
+          <ac:chgData name="White, Ellie" userId="fec56361-5c8a-4790-9e84-6272d2f2258e" providerId="ADAL" clId="{87DEA6A5-04DD-4F0B-8A38-25F89595D54E}" dt="2023-04-11T05:40:19.856" v="508"/>
+          <ac:grpSpMkLst>
+            <pc:docMk/>
+            <pc:sldMk cId="418821511" sldId="259"/>
+            <ac:grpSpMk id="75" creationId="{7CABEF7A-971E-396B-4ED3-0FA3841895FE}"/>
+          </ac:grpSpMkLst>
+        </pc:grpChg>
+        <pc:grpChg chg="mod">
+          <ac:chgData name="White, Ellie" userId="fec56361-5c8a-4790-9e84-6272d2f2258e" providerId="ADAL" clId="{87DEA6A5-04DD-4F0B-8A38-25F89595D54E}" dt="2023-04-11T05:40:14.080" v="507"/>
+          <ac:grpSpMkLst>
+            <pc:docMk/>
+            <pc:sldMk cId="418821511" sldId="259"/>
+            <ac:grpSpMk id="76" creationId="{94256AC2-B584-3DE7-E25D-23B2147482FD}"/>
+          </ac:grpSpMkLst>
+        </pc:grpChg>
+        <pc:grpChg chg="mod topLvl">
+          <ac:chgData name="White, Ellie" userId="fec56361-5c8a-4790-9e84-6272d2f2258e" providerId="ADAL" clId="{87DEA6A5-04DD-4F0B-8A38-25F89595D54E}" dt="2023-04-11T04:16:10.845" v="0" actId="165"/>
+          <ac:grpSpMkLst>
+            <pc:docMk/>
+            <pc:sldMk cId="418821511" sldId="259"/>
+            <ac:grpSpMk id="77" creationId="{AD5546C7-930E-3C93-F49E-C53376DB3189}"/>
+          </ac:grpSpMkLst>
+        </pc:grpChg>
+        <pc:grpChg chg="mod">
+          <ac:chgData name="White, Ellie" userId="fec56361-5c8a-4790-9e84-6272d2f2258e" providerId="ADAL" clId="{87DEA6A5-04DD-4F0B-8A38-25F89595D54E}" dt="2023-04-11T04:16:10.845" v="0" actId="165"/>
+          <ac:grpSpMkLst>
+            <pc:docMk/>
+            <pc:sldMk cId="418821511" sldId="259"/>
+            <ac:grpSpMk id="82" creationId="{218D5BCE-A51A-2095-AC85-4E33374F49B8}"/>
+          </ac:grpSpMkLst>
+        </pc:grpChg>
+        <pc:grpChg chg="mod topLvl">
+          <ac:chgData name="White, Ellie" userId="fec56361-5c8a-4790-9e84-6272d2f2258e" providerId="ADAL" clId="{87DEA6A5-04DD-4F0B-8A38-25F89595D54E}" dt="2023-04-11T04:16:10.845" v="0" actId="165"/>
+          <ac:grpSpMkLst>
+            <pc:docMk/>
+            <pc:sldMk cId="418821511" sldId="259"/>
+            <ac:grpSpMk id="83" creationId="{77C10F98-C61B-7003-CFE4-3CB8D967E106}"/>
+          </ac:grpSpMkLst>
+        </pc:grpChg>
+        <pc:grpChg chg="mod">
+          <ac:chgData name="White, Ellie" userId="fec56361-5c8a-4790-9e84-6272d2f2258e" providerId="ADAL" clId="{87DEA6A5-04DD-4F0B-8A38-25F89595D54E}" dt="2023-04-11T05:40:14.080" v="507"/>
+          <ac:grpSpMkLst>
+            <pc:docMk/>
+            <pc:sldMk cId="418821511" sldId="259"/>
+            <ac:grpSpMk id="85" creationId="{76B1E1E6-EEA8-39F2-6636-2716CB85FAC9}"/>
+          </ac:grpSpMkLst>
+        </pc:grpChg>
+        <pc:grpChg chg="mod">
+          <ac:chgData name="White, Ellie" userId="fec56361-5c8a-4790-9e84-6272d2f2258e" providerId="ADAL" clId="{87DEA6A5-04DD-4F0B-8A38-25F89595D54E}" dt="2023-04-11T05:40:14.080" v="507"/>
+          <ac:grpSpMkLst>
+            <pc:docMk/>
+            <pc:sldMk cId="418821511" sldId="259"/>
+            <ac:grpSpMk id="87" creationId="{88B9DEE6-BB2A-2D8D-64BD-E3DC2C73BB71}"/>
+          </ac:grpSpMkLst>
+        </pc:grpChg>
+        <pc:grpChg chg="mod topLvl">
+          <ac:chgData name="White, Ellie" userId="fec56361-5c8a-4790-9e84-6272d2f2258e" providerId="ADAL" clId="{87DEA6A5-04DD-4F0B-8A38-25F89595D54E}" dt="2023-04-11T04:16:10.845" v="0" actId="165"/>
+          <ac:grpSpMkLst>
+            <pc:docMk/>
+            <pc:sldMk cId="418821511" sldId="259"/>
+            <ac:grpSpMk id="96" creationId="{D20A6F3A-7E85-9FFB-A66A-BE28177F74CC}"/>
+          </ac:grpSpMkLst>
+        </pc:grpChg>
+        <pc:grpChg chg="mod topLvl">
+          <ac:chgData name="White, Ellie" userId="fec56361-5c8a-4790-9e84-6272d2f2258e" providerId="ADAL" clId="{87DEA6A5-04DD-4F0B-8A38-25F89595D54E}" dt="2023-04-11T04:16:10.845" v="0" actId="165"/>
+          <ac:grpSpMkLst>
+            <pc:docMk/>
+            <pc:sldMk cId="418821511" sldId="259"/>
+            <ac:grpSpMk id="119" creationId="{BA8F6FA3-392B-2DCE-F67B-AFE623DEB112}"/>
+          </ac:grpSpMkLst>
+        </pc:grpChg>
+        <pc:grpChg chg="mod topLvl">
+          <ac:chgData name="White, Ellie" userId="fec56361-5c8a-4790-9e84-6272d2f2258e" providerId="ADAL" clId="{87DEA6A5-04DD-4F0B-8A38-25F89595D54E}" dt="2023-04-11T04:16:10.845" v="0" actId="165"/>
+          <ac:grpSpMkLst>
+            <pc:docMk/>
+            <pc:sldMk cId="418821511" sldId="259"/>
+            <ac:grpSpMk id="126" creationId="{49C22CF5-4563-EAC1-06B9-8101272D2049}"/>
+          </ac:grpSpMkLst>
+        </pc:grpChg>
+        <pc:grpChg chg="mod">
+          <ac:chgData name="White, Ellie" userId="fec56361-5c8a-4790-9e84-6272d2f2258e" providerId="ADAL" clId="{87DEA6A5-04DD-4F0B-8A38-25F89595D54E}" dt="2023-04-11T04:16:10.845" v="0" actId="165"/>
+          <ac:grpSpMkLst>
+            <pc:docMk/>
+            <pc:sldMk cId="418821511" sldId="259"/>
+            <ac:grpSpMk id="138" creationId="{83E2B7AF-13A4-CB34-1109-B826DFD66C78}"/>
+          </ac:grpSpMkLst>
+        </pc:grpChg>
+        <pc:grpChg chg="mod topLvl">
+          <ac:chgData name="White, Ellie" userId="fec56361-5c8a-4790-9e84-6272d2f2258e" providerId="ADAL" clId="{87DEA6A5-04DD-4F0B-8A38-25F89595D54E}" dt="2023-04-11T04:16:10.845" v="0" actId="165"/>
+          <ac:grpSpMkLst>
+            <pc:docMk/>
+            <pc:sldMk cId="418821511" sldId="259"/>
+            <ac:grpSpMk id="141" creationId="{6ACCCFEC-EE8D-E85D-99F3-AEAF1A5E511D}"/>
+          </ac:grpSpMkLst>
+        </pc:grpChg>
+        <pc:grpChg chg="mod topLvl">
+          <ac:chgData name="White, Ellie" userId="fec56361-5c8a-4790-9e84-6272d2f2258e" providerId="ADAL" clId="{87DEA6A5-04DD-4F0B-8A38-25F89595D54E}" dt="2023-04-11T04:16:10.845" v="0" actId="165"/>
+          <ac:grpSpMkLst>
+            <pc:docMk/>
+            <pc:sldMk cId="418821511" sldId="259"/>
+            <ac:grpSpMk id="153" creationId="{DDC91789-0B70-C514-97C2-E754026B8262}"/>
+          </ac:grpSpMkLst>
+        </pc:grpChg>
+        <pc:grpChg chg="del">
+          <ac:chgData name="White, Ellie" userId="fec56361-5c8a-4790-9e84-6272d2f2258e" providerId="ADAL" clId="{87DEA6A5-04DD-4F0B-8A38-25F89595D54E}" dt="2023-04-11T04:16:10.845" v="0" actId="165"/>
+          <ac:grpSpMkLst>
+            <pc:docMk/>
+            <pc:sldMk cId="418821511" sldId="259"/>
+            <ac:grpSpMk id="165" creationId="{BAC50E04-38DB-C74D-EF81-883B1B774104}"/>
+          </ac:grpSpMkLst>
+        </pc:grpChg>
+        <pc:picChg chg="mod topLvl">
+          <ac:chgData name="White, Ellie" userId="fec56361-5c8a-4790-9e84-6272d2f2258e" providerId="ADAL" clId="{87DEA6A5-04DD-4F0B-8A38-25F89595D54E}" dt="2023-04-11T04:16:10.845" v="0" actId="165"/>
+          <ac:picMkLst>
+            <pc:docMk/>
+            <pc:sldMk cId="418821511" sldId="259"/>
+            <ac:picMk id="3" creationId="{C081CB69-D92F-2257-0FE3-5EDA678BDDEF}"/>
+          </ac:picMkLst>
+        </pc:picChg>
+        <pc:picChg chg="add mod ord">
+          <ac:chgData name="White, Ellie" userId="fec56361-5c8a-4790-9e84-6272d2f2258e" providerId="ADAL" clId="{87DEA6A5-04DD-4F0B-8A38-25F89595D54E}" dt="2023-04-11T04:19:10.208" v="64" actId="1076"/>
+          <ac:picMkLst>
+            <pc:docMk/>
+            <pc:sldMk cId="418821511" sldId="259"/>
+            <ac:picMk id="4" creationId="{9FA0F9FC-5B30-2027-D8F7-5190A062872E}"/>
+          </ac:picMkLst>
+        </pc:picChg>
+        <pc:picChg chg="mod">
+          <ac:chgData name="White, Ellie" userId="fec56361-5c8a-4790-9e84-6272d2f2258e" providerId="ADAL" clId="{87DEA6A5-04DD-4F0B-8A38-25F89595D54E}" dt="2023-04-11T04:16:10.845" v="0" actId="165"/>
+          <ac:picMkLst>
+            <pc:docMk/>
+            <pc:sldMk cId="418821511" sldId="259"/>
+            <ac:picMk id="7" creationId="{EA211AEE-3789-D087-E374-D5EA30A8AE6D}"/>
+          </ac:picMkLst>
+        </pc:picChg>
+        <pc:picChg chg="mod topLvl">
+          <ac:chgData name="White, Ellie" userId="fec56361-5c8a-4790-9e84-6272d2f2258e" providerId="ADAL" clId="{87DEA6A5-04DD-4F0B-8A38-25F89595D54E}" dt="2023-04-11T04:16:10.845" v="0" actId="165"/>
+          <ac:picMkLst>
+            <pc:docMk/>
+            <pc:sldMk cId="418821511" sldId="259"/>
+            <ac:picMk id="9" creationId="{AD6E475A-2214-17A5-A79C-91AB2E3E72B2}"/>
+          </ac:picMkLst>
+        </pc:picChg>
+        <pc:picChg chg="mod">
+          <ac:chgData name="White, Ellie" userId="fec56361-5c8a-4790-9e84-6272d2f2258e" providerId="ADAL" clId="{87DEA6A5-04DD-4F0B-8A38-25F89595D54E}" dt="2023-04-11T04:16:10.845" v="0" actId="165"/>
+          <ac:picMkLst>
+            <pc:docMk/>
+            <pc:sldMk cId="418821511" sldId="259"/>
+            <ac:picMk id="10" creationId="{63DABC5B-2D59-3ACE-8AD5-699CC5D16781}"/>
+          </ac:picMkLst>
+        </pc:picChg>
+        <pc:picChg chg="mod topLvl">
+          <ac:chgData name="White, Ellie" userId="fec56361-5c8a-4790-9e84-6272d2f2258e" providerId="ADAL" clId="{87DEA6A5-04DD-4F0B-8A38-25F89595D54E}" dt="2023-04-11T04:16:10.845" v="0" actId="165"/>
+          <ac:picMkLst>
+            <pc:docMk/>
+            <pc:sldMk cId="418821511" sldId="259"/>
+            <ac:picMk id="18" creationId="{33AD14E2-EEA2-57C2-7744-E4FED68898B9}"/>
+          </ac:picMkLst>
+        </pc:picChg>
+        <pc:picChg chg="mod">
+          <ac:chgData name="White, Ellie" userId="fec56361-5c8a-4790-9e84-6272d2f2258e" providerId="ADAL" clId="{87DEA6A5-04DD-4F0B-8A38-25F89595D54E}" dt="2023-04-11T04:16:10.845" v="0" actId="165"/>
+          <ac:picMkLst>
+            <pc:docMk/>
+            <pc:sldMk cId="418821511" sldId="259"/>
+            <ac:picMk id="36" creationId="{1213AF4D-BFB8-162D-B261-E505103E831A}"/>
+          </ac:picMkLst>
+        </pc:picChg>
+        <pc:picChg chg="del mod topLvl">
+          <ac:chgData name="White, Ellie" userId="fec56361-5c8a-4790-9e84-6272d2f2258e" providerId="ADAL" clId="{87DEA6A5-04DD-4F0B-8A38-25F89595D54E}" dt="2023-04-11T04:16:21.276" v="2" actId="478"/>
+          <ac:picMkLst>
+            <pc:docMk/>
+            <pc:sldMk cId="418821511" sldId="259"/>
+            <ac:picMk id="145" creationId="{7B06F101-C083-F4DB-8B9C-597631D29033}"/>
+          </ac:picMkLst>
+        </pc:picChg>
+        <pc:cxnChg chg="add mod">
+          <ac:chgData name="White, Ellie" userId="fec56361-5c8a-4790-9e84-6272d2f2258e" providerId="ADAL" clId="{87DEA6A5-04DD-4F0B-8A38-25F89595D54E}" dt="2023-04-11T05:34:07.909" v="281" actId="164"/>
+          <ac:cxnSpMkLst>
+            <pc:docMk/>
+            <pc:sldMk cId="418821511" sldId="259"/>
+            <ac:cxnSpMk id="45" creationId="{5E5F4490-0E4A-FBDE-78C6-B070B3CE453C}"/>
+          </ac:cxnSpMkLst>
+        </pc:cxnChg>
+        <pc:cxnChg chg="add mod">
+          <ac:chgData name="White, Ellie" userId="fec56361-5c8a-4790-9e84-6272d2f2258e" providerId="ADAL" clId="{87DEA6A5-04DD-4F0B-8A38-25F89595D54E}" dt="2023-04-11T05:35:07.091" v="300" actId="1035"/>
+          <ac:cxnSpMkLst>
+            <pc:docMk/>
+            <pc:sldMk cId="418821511" sldId="259"/>
+            <ac:cxnSpMk id="46" creationId="{6480627B-47A4-3390-C569-2120402D3178}"/>
+          </ac:cxnSpMkLst>
+        </pc:cxnChg>
+        <pc:cxnChg chg="add mod">
+          <ac:chgData name="White, Ellie" userId="fec56361-5c8a-4790-9e84-6272d2f2258e" providerId="ADAL" clId="{87DEA6A5-04DD-4F0B-8A38-25F89595D54E}" dt="2023-04-11T05:39:49.663" v="501" actId="164"/>
+          <ac:cxnSpMkLst>
+            <pc:docMk/>
+            <pc:sldMk cId="418821511" sldId="259"/>
+            <ac:cxnSpMk id="50" creationId="{5F51A645-D7AC-CF9C-18BD-483DDB2908D0}"/>
+          </ac:cxnSpMkLst>
+        </pc:cxnChg>
+        <pc:cxnChg chg="add mod">
+          <ac:chgData name="White, Ellie" userId="fec56361-5c8a-4790-9e84-6272d2f2258e" providerId="ADAL" clId="{87DEA6A5-04DD-4F0B-8A38-25F89595D54E}" dt="2023-04-11T05:39:49.663" v="501" actId="164"/>
+          <ac:cxnSpMkLst>
+            <pc:docMk/>
+            <pc:sldMk cId="418821511" sldId="259"/>
+            <ac:cxnSpMk id="54" creationId="{1906C923-6353-BE7F-7257-2C6255C4B81B}"/>
+          </ac:cxnSpMkLst>
+        </pc:cxnChg>
+        <pc:cxnChg chg="mod">
+          <ac:chgData name="White, Ellie" userId="fec56361-5c8a-4790-9e84-6272d2f2258e" providerId="ADAL" clId="{87DEA6A5-04DD-4F0B-8A38-25F89595D54E}" dt="2023-04-11T05:39:51.920" v="502"/>
+          <ac:cxnSpMkLst>
+            <pc:docMk/>
+            <pc:sldMk cId="418821511" sldId="259"/>
+            <ac:cxnSpMk id="70" creationId="{FDE3C121-6F1A-BB61-84CF-227ADC2D345C}"/>
+          </ac:cxnSpMkLst>
+        </pc:cxnChg>
+        <pc:cxnChg chg="mod">
+          <ac:chgData name="White, Ellie" userId="fec56361-5c8a-4790-9e84-6272d2f2258e" providerId="ADAL" clId="{87DEA6A5-04DD-4F0B-8A38-25F89595D54E}" dt="2023-04-11T05:39:51.920" v="502"/>
+          <ac:cxnSpMkLst>
+            <pc:docMk/>
+            <pc:sldMk cId="418821511" sldId="259"/>
+            <ac:cxnSpMk id="71" creationId="{945C93CF-4A8E-5663-B425-372573989AD1}"/>
+          </ac:cxnSpMkLst>
+        </pc:cxnChg>
+        <pc:cxnChg chg="mod">
+          <ac:chgData name="White, Ellie" userId="fec56361-5c8a-4790-9e84-6272d2f2258e" providerId="ADAL" clId="{87DEA6A5-04DD-4F0B-8A38-25F89595D54E}" dt="2023-04-11T05:40:14.080" v="507"/>
+          <ac:cxnSpMkLst>
+            <pc:docMk/>
+            <pc:sldMk cId="418821511" sldId="259"/>
+            <ac:cxnSpMk id="78" creationId="{355FF5AE-BBDE-35E6-BEC4-F442D5850A29}"/>
+          </ac:cxnSpMkLst>
+        </pc:cxnChg>
+        <pc:cxnChg chg="mod">
+          <ac:chgData name="White, Ellie" userId="fec56361-5c8a-4790-9e84-6272d2f2258e" providerId="ADAL" clId="{87DEA6A5-04DD-4F0B-8A38-25F89595D54E}" dt="2023-04-11T05:40:14.080" v="507"/>
+          <ac:cxnSpMkLst>
+            <pc:docMk/>
+            <pc:sldMk cId="418821511" sldId="259"/>
+            <ac:cxnSpMk id="79" creationId="{AD27917C-55F1-3DCB-D211-54295CFFE8AF}"/>
+          </ac:cxnSpMkLst>
+        </pc:cxnChg>
+        <pc:cxnChg chg="mod">
+          <ac:chgData name="White, Ellie" userId="fec56361-5c8a-4790-9e84-6272d2f2258e" providerId="ADAL" clId="{87DEA6A5-04DD-4F0B-8A38-25F89595D54E}" dt="2023-04-11T05:40:14.080" v="507"/>
+          <ac:cxnSpMkLst>
+            <pc:docMk/>
+            <pc:sldMk cId="418821511" sldId="259"/>
+            <ac:cxnSpMk id="88" creationId="{6B44907F-8BAD-C53B-E5DB-6C4D55212EDE}"/>
+          </ac:cxnSpMkLst>
+        </pc:cxnChg>
+        <pc:cxnChg chg="mod">
+          <ac:chgData name="White, Ellie" userId="fec56361-5c8a-4790-9e84-6272d2f2258e" providerId="ADAL" clId="{87DEA6A5-04DD-4F0B-8A38-25F89595D54E}" dt="2023-04-11T05:40:14.080" v="507"/>
+          <ac:cxnSpMkLst>
+            <pc:docMk/>
+            <pc:sldMk cId="418821511" sldId="259"/>
+            <ac:cxnSpMk id="89" creationId="{0EF8ADBF-16E7-D1DE-E41F-4F9233E6B062}"/>
+          </ac:cxnSpMkLst>
+        </pc:cxnChg>
+        <pc:cxnChg chg="mod">
+          <ac:chgData name="White, Ellie" userId="fec56361-5c8a-4790-9e84-6272d2f2258e" providerId="ADAL" clId="{87DEA6A5-04DD-4F0B-8A38-25F89595D54E}" dt="2023-04-11T04:16:10.845" v="0" actId="165"/>
+          <ac:cxnSpMkLst>
+            <pc:docMk/>
+            <pc:sldMk cId="418821511" sldId="259"/>
+            <ac:cxnSpMk id="152" creationId="{35CD4AC8-8C5B-ED83-8F3C-0C9E0C5762AA}"/>
+          </ac:cxnSpMkLst>
+        </pc:cxnChg>
+      </pc:sldChg>
+      <pc:sldChg chg="addSp delSp modSp add del mod">
+        <pc:chgData name="White, Ellie" userId="fec56361-5c8a-4790-9e84-6272d2f2258e" providerId="ADAL" clId="{87DEA6A5-04DD-4F0B-8A38-25F89595D54E}" dt="2023-04-11T06:12:24.120" v="806" actId="2696"/>
+        <pc:sldMkLst>
+          <pc:docMk/>
+          <pc:sldMk cId="2457736693" sldId="260"/>
+        </pc:sldMkLst>
+        <pc:spChg chg="mod topLvl">
+          <ac:chgData name="White, Ellie" userId="fec56361-5c8a-4790-9e84-6272d2f2258e" providerId="ADAL" clId="{87DEA6A5-04DD-4F0B-8A38-25F89595D54E}" dt="2023-04-11T06:11:46.097" v="802" actId="165"/>
+          <ac:spMkLst>
+            <pc:docMk/>
+            <pc:sldMk cId="2457736693" sldId="260"/>
+            <ac:spMk id="12" creationId="{A92751BD-0BCB-F84D-4CE3-45911BE1EE09}"/>
+          </ac:spMkLst>
+        </pc:spChg>
+        <pc:spChg chg="mod topLvl">
+          <ac:chgData name="White, Ellie" userId="fec56361-5c8a-4790-9e84-6272d2f2258e" providerId="ADAL" clId="{87DEA6A5-04DD-4F0B-8A38-25F89595D54E}" dt="2023-04-11T06:11:46.097" v="802" actId="165"/>
+          <ac:spMkLst>
+            <pc:docMk/>
+            <pc:sldMk cId="2457736693" sldId="260"/>
+            <ac:spMk id="13" creationId="{DD8FF5E5-8077-9B79-7F23-BF41326D2659}"/>
+          </ac:spMkLst>
+        </pc:spChg>
+        <pc:spChg chg="mod topLvl">
+          <ac:chgData name="White, Ellie" userId="fec56361-5c8a-4790-9e84-6272d2f2258e" providerId="ADAL" clId="{87DEA6A5-04DD-4F0B-8A38-25F89595D54E}" dt="2023-04-11T06:11:46.097" v="802" actId="165"/>
+          <ac:spMkLst>
+            <pc:docMk/>
+            <pc:sldMk cId="2457736693" sldId="260"/>
+            <ac:spMk id="14" creationId="{EDE2B9F8-9E3D-678D-C890-E5D58669DFD2}"/>
+          </ac:spMkLst>
+        </pc:spChg>
+        <pc:spChg chg="mod topLvl">
+          <ac:chgData name="White, Ellie" userId="fec56361-5c8a-4790-9e84-6272d2f2258e" providerId="ADAL" clId="{87DEA6A5-04DD-4F0B-8A38-25F89595D54E}" dt="2023-04-11T06:11:46.097" v="802" actId="165"/>
+          <ac:spMkLst>
+            <pc:docMk/>
+            <pc:sldMk cId="2457736693" sldId="260"/>
+            <ac:spMk id="15" creationId="{59731D87-5DD9-E804-08D9-E2BD4F5D0AC4}"/>
+          </ac:spMkLst>
+        </pc:spChg>
+        <pc:spChg chg="mod">
+          <ac:chgData name="White, Ellie" userId="fec56361-5c8a-4790-9e84-6272d2f2258e" providerId="ADAL" clId="{87DEA6A5-04DD-4F0B-8A38-25F89595D54E}" dt="2023-04-11T06:11:46.097" v="802" actId="165"/>
+          <ac:spMkLst>
+            <pc:docMk/>
+            <pc:sldMk cId="2457736693" sldId="260"/>
+            <ac:spMk id="17" creationId="{E8EB3159-5F25-B2C0-43AC-83F1DF73BE7B}"/>
+          </ac:spMkLst>
+        </pc:spChg>
+        <pc:spChg chg="mod">
+          <ac:chgData name="White, Ellie" userId="fec56361-5c8a-4790-9e84-6272d2f2258e" providerId="ADAL" clId="{87DEA6A5-04DD-4F0B-8A38-25F89595D54E}" dt="2023-04-11T05:39:39.954" v="500"/>
+          <ac:spMkLst>
+            <pc:docMk/>
+            <pc:sldMk cId="2457736693" sldId="260"/>
+            <ac:spMk id="19" creationId="{C6D46077-C723-DDF0-951E-247BB4DA3EAA}"/>
+          </ac:spMkLst>
+        </pc:spChg>
+        <pc:spChg chg="mod">
+          <ac:chgData name="White, Ellie" userId="fec56361-5c8a-4790-9e84-6272d2f2258e" providerId="ADAL" clId="{87DEA6A5-04DD-4F0B-8A38-25F89595D54E}" dt="2023-04-11T06:11:46.097" v="802" actId="165"/>
+          <ac:spMkLst>
+            <pc:docMk/>
+            <pc:sldMk cId="2457736693" sldId="260"/>
+            <ac:spMk id="20" creationId="{955A7CE5-80B7-11A5-3983-7037E6E3B1B5}"/>
+          </ac:spMkLst>
+        </pc:spChg>
+        <pc:spChg chg="mod">
+          <ac:chgData name="White, Ellie" userId="fec56361-5c8a-4790-9e84-6272d2f2258e" providerId="ADAL" clId="{87DEA6A5-04DD-4F0B-8A38-25F89595D54E}" dt="2023-04-11T05:39:39.954" v="500"/>
+          <ac:spMkLst>
+            <pc:docMk/>
+            <pc:sldMk cId="2457736693" sldId="260"/>
+            <ac:spMk id="21" creationId="{CABC02B3-C095-7483-3298-FAAB758DE536}"/>
+          </ac:spMkLst>
+        </pc:spChg>
+        <pc:spChg chg="mod">
+          <ac:chgData name="White, Ellie" userId="fec56361-5c8a-4790-9e84-6272d2f2258e" providerId="ADAL" clId="{87DEA6A5-04DD-4F0B-8A38-25F89595D54E}" dt="2023-04-11T06:11:46.097" v="802" actId="165"/>
+          <ac:spMkLst>
+            <pc:docMk/>
+            <pc:sldMk cId="2457736693" sldId="260"/>
+            <ac:spMk id="22" creationId="{2A88EBE2-99BA-C1D4-A149-0E1783B593BE}"/>
+          </ac:spMkLst>
+        </pc:spChg>
+        <pc:spChg chg="mod">
+          <ac:chgData name="White, Ellie" userId="fec56361-5c8a-4790-9e84-6272d2f2258e" providerId="ADAL" clId="{87DEA6A5-04DD-4F0B-8A38-25F89595D54E}" dt="2023-04-11T06:11:46.097" v="802" actId="165"/>
+          <ac:spMkLst>
+            <pc:docMk/>
+            <pc:sldMk cId="2457736693" sldId="260"/>
+            <ac:spMk id="23" creationId="{A220EBAC-E495-B7F3-F042-D2409E064FA2}"/>
+          </ac:spMkLst>
+        </pc:spChg>
+        <pc:spChg chg="mod">
+          <ac:chgData name="White, Ellie" userId="fec56361-5c8a-4790-9e84-6272d2f2258e" providerId="ADAL" clId="{87DEA6A5-04DD-4F0B-8A38-25F89595D54E}" dt="2023-04-11T06:11:46.097" v="802" actId="165"/>
+          <ac:spMkLst>
+            <pc:docMk/>
+            <pc:sldMk cId="2457736693" sldId="260"/>
+            <ac:spMk id="24" creationId="{2FFEA1FF-8F5A-57FB-1329-EE3230CCA5E4}"/>
+          </ac:spMkLst>
+        </pc:spChg>
+        <pc:spChg chg="mod">
+          <ac:chgData name="White, Ellie" userId="fec56361-5c8a-4790-9e84-6272d2f2258e" providerId="ADAL" clId="{87DEA6A5-04DD-4F0B-8A38-25F89595D54E}" dt="2023-04-11T05:38:58.981" v="480" actId="207"/>
+          <ac:spMkLst>
+            <pc:docMk/>
+            <pc:sldMk cId="2457736693" sldId="260"/>
+            <ac:spMk id="25" creationId="{7F0603F1-B9F6-B7FA-EFF6-2C9613D08FA6}"/>
+          </ac:spMkLst>
+        </pc:spChg>
+        <pc:spChg chg="mod ord">
+          <ac:chgData name="White, Ellie" userId="fec56361-5c8a-4790-9e84-6272d2f2258e" providerId="ADAL" clId="{87DEA6A5-04DD-4F0B-8A38-25F89595D54E}" dt="2023-04-11T05:39:21.750" v="499" actId="1038"/>
+          <ac:spMkLst>
+            <pc:docMk/>
+            <pc:sldMk cId="2457736693" sldId="260"/>
+            <ac:spMk id="27" creationId="{53FB66A5-0700-4564-30FB-378DC0845417}"/>
+          </ac:spMkLst>
+        </pc:spChg>
+        <pc:spChg chg="mod">
+          <ac:chgData name="White, Ellie" userId="fec56361-5c8a-4790-9e84-6272d2f2258e" providerId="ADAL" clId="{87DEA6A5-04DD-4F0B-8A38-25F89595D54E}" dt="2023-04-11T06:11:46.097" v="802" actId="165"/>
+          <ac:spMkLst>
+            <pc:docMk/>
+            <pc:sldMk cId="2457736693" sldId="260"/>
+            <ac:spMk id="28" creationId="{55699BC5-317E-07BA-30C7-0915E5144722}"/>
+          </ac:spMkLst>
+        </pc:spChg>
+        <pc:spChg chg="mod">
+          <ac:chgData name="White, Ellie" userId="fec56361-5c8a-4790-9e84-6272d2f2258e" providerId="ADAL" clId="{87DEA6A5-04DD-4F0B-8A38-25F89595D54E}" dt="2023-04-11T06:11:46.097" v="802" actId="165"/>
+          <ac:spMkLst>
+            <pc:docMk/>
+            <pc:sldMk cId="2457736693" sldId="260"/>
+            <ac:spMk id="29" creationId="{9F35B3C2-69BA-F26E-1A83-44F0E5AE4DD1}"/>
+          </ac:spMkLst>
+        </pc:spChg>
+        <pc:spChg chg="mod">
+          <ac:chgData name="White, Ellie" userId="fec56361-5c8a-4790-9e84-6272d2f2258e" providerId="ADAL" clId="{87DEA6A5-04DD-4F0B-8A38-25F89595D54E}" dt="2023-04-11T06:11:46.097" v="802" actId="165"/>
+          <ac:spMkLst>
+            <pc:docMk/>
+            <pc:sldMk cId="2457736693" sldId="260"/>
+            <ac:spMk id="30" creationId="{52FED1B8-24A1-12B4-7DC3-1595C2923EF6}"/>
+          </ac:spMkLst>
+        </pc:spChg>
+        <pc:spChg chg="del">
+          <ac:chgData name="White, Ellie" userId="fec56361-5c8a-4790-9e84-6272d2f2258e" providerId="ADAL" clId="{87DEA6A5-04DD-4F0B-8A38-25F89595D54E}" dt="2023-04-11T04:45:33.310" v="158" actId="478"/>
+          <ac:spMkLst>
+            <pc:docMk/>
+            <pc:sldMk cId="2457736693" sldId="260"/>
+            <ac:spMk id="31" creationId="{D75FB81B-7B13-FE4E-36E3-AF12414A6611}"/>
+          </ac:spMkLst>
+        </pc:spChg>
+        <pc:spChg chg="mod">
+          <ac:chgData name="White, Ellie" userId="fec56361-5c8a-4790-9e84-6272d2f2258e" providerId="ADAL" clId="{87DEA6A5-04DD-4F0B-8A38-25F89595D54E}" dt="2023-04-11T06:11:46.097" v="802" actId="165"/>
+          <ac:spMkLst>
+            <pc:docMk/>
+            <pc:sldMk cId="2457736693" sldId="260"/>
+            <ac:spMk id="32" creationId="{2E8B8AE1-2ED1-A064-0F0C-35811B7A3A73}"/>
+          </ac:spMkLst>
+        </pc:spChg>
+        <pc:spChg chg="mod">
+          <ac:chgData name="White, Ellie" userId="fec56361-5c8a-4790-9e84-6272d2f2258e" providerId="ADAL" clId="{87DEA6A5-04DD-4F0B-8A38-25F89595D54E}" dt="2023-04-11T05:38:58.981" v="480" actId="207"/>
+          <ac:spMkLst>
+            <pc:docMk/>
+            <pc:sldMk cId="2457736693" sldId="260"/>
+            <ac:spMk id="33" creationId="{689BE39F-0958-1A92-4876-8ED8B06CB412}"/>
+          </ac:spMkLst>
+        </pc:spChg>
+        <pc:spChg chg="mod">
+          <ac:chgData name="White, Ellie" userId="fec56361-5c8a-4790-9e84-6272d2f2258e" providerId="ADAL" clId="{87DEA6A5-04DD-4F0B-8A38-25F89595D54E}" dt="2023-04-11T06:11:46.097" v="802" actId="165"/>
+          <ac:spMkLst>
+            <pc:docMk/>
+            <pc:sldMk cId="2457736693" sldId="260"/>
+            <ac:spMk id="34" creationId="{BAC09385-76B2-A5E3-587A-5B1B7B5A401B}"/>
+          </ac:spMkLst>
+        </pc:spChg>
+        <pc:spChg chg="del">
+          <ac:chgData name="White, Ellie" userId="fec56361-5c8a-4790-9e84-6272d2f2258e" providerId="ADAL" clId="{87DEA6A5-04DD-4F0B-8A38-25F89595D54E}" dt="2023-04-11T04:45:30.408" v="157" actId="478"/>
+          <ac:spMkLst>
+            <pc:docMk/>
+            <pc:sldMk cId="2457736693" sldId="260"/>
+            <ac:spMk id="37" creationId="{878077B5-C010-E074-6A22-D5A2F39684FC}"/>
+          </ac:spMkLst>
+        </pc:spChg>
+        <pc:spChg chg="mod ord">
+          <ac:chgData name="White, Ellie" userId="fec56361-5c8a-4790-9e84-6272d2f2258e" providerId="ADAL" clId="{87DEA6A5-04DD-4F0B-8A38-25F89595D54E}" dt="2023-04-11T05:39:10.029" v="487" actId="1036"/>
+          <ac:spMkLst>
+            <pc:docMk/>
+            <pc:sldMk cId="2457736693" sldId="260"/>
+            <ac:spMk id="38" creationId="{50EAF7F3-98D0-1AD7-35B3-F2F120000ADB}"/>
+          </ac:spMkLst>
+        </pc:spChg>
+        <pc:spChg chg="mod">
+          <ac:chgData name="White, Ellie" userId="fec56361-5c8a-4790-9e84-6272d2f2258e" providerId="ADAL" clId="{87DEA6A5-04DD-4F0B-8A38-25F89595D54E}" dt="2023-04-11T06:11:46.097" v="802" actId="165"/>
+          <ac:spMkLst>
+            <pc:docMk/>
+            <pc:sldMk cId="2457736693" sldId="260"/>
+            <ac:spMk id="40" creationId="{F0067AC1-980E-FF71-CBEB-C774EC851955}"/>
+          </ac:spMkLst>
+        </pc:spChg>
+        <pc:spChg chg="mod topLvl">
+          <ac:chgData name="White, Ellie" userId="fec56361-5c8a-4790-9e84-6272d2f2258e" providerId="ADAL" clId="{87DEA6A5-04DD-4F0B-8A38-25F89595D54E}" dt="2023-04-11T06:11:46.097" v="802" actId="165"/>
+          <ac:spMkLst>
+            <pc:docMk/>
+            <pc:sldMk cId="2457736693" sldId="260"/>
+            <ac:spMk id="41" creationId="{5F5D940E-4470-F7CD-8BD1-A5F121F2E744}"/>
+          </ac:spMkLst>
+        </pc:spChg>
+        <pc:spChg chg="mod">
+          <ac:chgData name="White, Ellie" userId="fec56361-5c8a-4790-9e84-6272d2f2258e" providerId="ADAL" clId="{87DEA6A5-04DD-4F0B-8A38-25F89595D54E}" dt="2023-04-11T06:11:46.097" v="802" actId="165"/>
+          <ac:spMkLst>
+            <pc:docMk/>
+            <pc:sldMk cId="2457736693" sldId="260"/>
+            <ac:spMk id="42" creationId="{DF7B7AF0-D54B-3CFE-4809-9F9C70187113}"/>
+          </ac:spMkLst>
+        </pc:spChg>
+        <pc:spChg chg="mod topLvl">
+          <ac:chgData name="White, Ellie" userId="fec56361-5c8a-4790-9e84-6272d2f2258e" providerId="ADAL" clId="{87DEA6A5-04DD-4F0B-8A38-25F89595D54E}" dt="2023-04-11T06:11:46.097" v="802" actId="165"/>
+          <ac:spMkLst>
+            <pc:docMk/>
+            <pc:sldMk cId="2457736693" sldId="260"/>
+            <ac:spMk id="43" creationId="{F70E8B3A-3F4D-4216-0945-CC1BC07328A7}"/>
+          </ac:spMkLst>
+        </pc:spChg>
+        <pc:spChg chg="mod">
+          <ac:chgData name="White, Ellie" userId="fec56361-5c8a-4790-9e84-6272d2f2258e" providerId="ADAL" clId="{87DEA6A5-04DD-4F0B-8A38-25F89595D54E}" dt="2023-04-11T05:39:39.954" v="500"/>
+          <ac:spMkLst>
+            <pc:docMk/>
+            <pc:sldMk cId="2457736693" sldId="260"/>
+            <ac:spMk id="44" creationId="{DF09B5E5-5C38-7691-5FEF-9345537F3F9F}"/>
+          </ac:spMkLst>
+        </pc:spChg>
+        <pc:spChg chg="mod">
+          <ac:chgData name="White, Ellie" userId="fec56361-5c8a-4790-9e84-6272d2f2258e" providerId="ADAL" clId="{87DEA6A5-04DD-4F0B-8A38-25F89595D54E}" dt="2023-04-11T05:39:39.954" v="500"/>
+          <ac:spMkLst>
+            <pc:docMk/>
+            <pc:sldMk cId="2457736693" sldId="260"/>
+            <ac:spMk id="48" creationId="{0427B211-9A28-9867-BE26-9140705D885B}"/>
+          </ac:spMkLst>
+        </pc:spChg>
+        <pc:spChg chg="mod">
+          <ac:chgData name="White, Ellie" userId="fec56361-5c8a-4790-9e84-6272d2f2258e" providerId="ADAL" clId="{87DEA6A5-04DD-4F0B-8A38-25F89595D54E}" dt="2023-04-11T05:39:39.954" v="500"/>
+          <ac:spMkLst>
+            <pc:docMk/>
+            <pc:sldMk cId="2457736693" sldId="260"/>
+            <ac:spMk id="49" creationId="{5F0FF7D9-F458-B35D-A2B0-2FC913EE3919}"/>
+          </ac:spMkLst>
+        </pc:spChg>
+        <pc:spChg chg="mod">
+          <ac:chgData name="White, Ellie" userId="fec56361-5c8a-4790-9e84-6272d2f2258e" providerId="ADAL" clId="{87DEA6A5-04DD-4F0B-8A38-25F89595D54E}" dt="2023-04-11T05:39:39.954" v="500"/>
+          <ac:spMkLst>
+            <pc:docMk/>
+            <pc:sldMk cId="2457736693" sldId="260"/>
+            <ac:spMk id="50" creationId="{135FF108-36CD-E611-17B9-2F11D22750A6}"/>
+          </ac:spMkLst>
+        </pc:spChg>
+        <pc:spChg chg="mod">
+          <ac:chgData name="White, Ellie" userId="fec56361-5c8a-4790-9e84-6272d2f2258e" providerId="ADAL" clId="{87DEA6A5-04DD-4F0B-8A38-25F89595D54E}" dt="2023-04-11T05:39:58.517" v="505"/>
+          <ac:spMkLst>
+            <pc:docMk/>
+            <pc:sldMk cId="2457736693" sldId="260"/>
+            <ac:spMk id="52" creationId="{C3FD0256-85C8-897D-3D0F-F413C9BCDDB3}"/>
+          </ac:spMkLst>
+        </pc:spChg>
+        <pc:spChg chg="mod">
+          <ac:chgData name="White, Ellie" userId="fec56361-5c8a-4790-9e84-6272d2f2258e" providerId="ADAL" clId="{87DEA6A5-04DD-4F0B-8A38-25F89595D54E}" dt="2023-04-11T05:39:58.517" v="505"/>
+          <ac:spMkLst>
+            <pc:docMk/>
+            <pc:sldMk cId="2457736693" sldId="260"/>
+            <ac:spMk id="53" creationId="{6FAC9208-7D9F-9FB0-3919-1965BA5E2472}"/>
+          </ac:spMkLst>
+        </pc:spChg>
+        <pc:spChg chg="mod">
+          <ac:chgData name="White, Ellie" userId="fec56361-5c8a-4790-9e84-6272d2f2258e" providerId="ADAL" clId="{87DEA6A5-04DD-4F0B-8A38-25F89595D54E}" dt="2023-04-11T05:39:58.517" v="505"/>
+          <ac:spMkLst>
+            <pc:docMk/>
+            <pc:sldMk cId="2457736693" sldId="260"/>
+            <ac:spMk id="55" creationId="{1909591B-7507-73E7-6C5C-CF2AA5463018}"/>
+          </ac:spMkLst>
+        </pc:spChg>
+        <pc:spChg chg="mod topLvl">
+          <ac:chgData name="White, Ellie" userId="fec56361-5c8a-4790-9e84-6272d2f2258e" providerId="ADAL" clId="{87DEA6A5-04DD-4F0B-8A38-25F89595D54E}" dt="2023-04-11T06:11:46.097" v="802" actId="165"/>
+          <ac:spMkLst>
+            <pc:docMk/>
+            <pc:sldMk cId="2457736693" sldId="260"/>
+            <ac:spMk id="61" creationId="{3B2890E0-4397-E461-4158-1EA89FBAA79A}"/>
+          </ac:spMkLst>
+        </pc:spChg>
+        <pc:spChg chg="mod">
+          <ac:chgData name="White, Ellie" userId="fec56361-5c8a-4790-9e84-6272d2f2258e" providerId="ADAL" clId="{87DEA6A5-04DD-4F0B-8A38-25F89595D54E}" dt="2023-04-11T05:39:58.517" v="505"/>
+          <ac:spMkLst>
+            <pc:docMk/>
+            <pc:sldMk cId="2457736693" sldId="260"/>
+            <ac:spMk id="65" creationId="{982A6B82-111C-2946-379A-2D6764599CD4}"/>
+          </ac:spMkLst>
+        </pc:spChg>
+        <pc:spChg chg="mod">
+          <ac:chgData name="White, Ellie" userId="fec56361-5c8a-4790-9e84-6272d2f2258e" providerId="ADAL" clId="{87DEA6A5-04DD-4F0B-8A38-25F89595D54E}" dt="2023-04-11T05:39:58.517" v="505"/>
+          <ac:spMkLst>
+            <pc:docMk/>
+            <pc:sldMk cId="2457736693" sldId="260"/>
+            <ac:spMk id="66" creationId="{7B1E635C-7CC0-932F-C844-56C45781E2AA}"/>
+          </ac:spMkLst>
+        </pc:spChg>
+        <pc:spChg chg="mod">
+          <ac:chgData name="White, Ellie" userId="fec56361-5c8a-4790-9e84-6272d2f2258e" providerId="ADAL" clId="{87DEA6A5-04DD-4F0B-8A38-25F89595D54E}" dt="2023-04-11T05:39:58.517" v="505"/>
+          <ac:spMkLst>
+            <pc:docMk/>
+            <pc:sldMk cId="2457736693" sldId="260"/>
+            <ac:spMk id="67" creationId="{473BAFFB-D655-3378-4736-7632F536B1B9}"/>
+          </ac:spMkLst>
+        </pc:spChg>
+        <pc:spChg chg="del mod">
+          <ac:chgData name="White, Ellie" userId="fec56361-5c8a-4790-9e84-6272d2f2258e" providerId="ADAL" clId="{87DEA6A5-04DD-4F0B-8A38-25F89595D54E}" dt="2023-04-11T05:40:33.737" v="512" actId="478"/>
+          <ac:spMkLst>
+            <pc:docMk/>
+            <pc:sldMk cId="2457736693" sldId="260"/>
+            <ac:spMk id="72" creationId="{4B370F73-B9F0-AEF7-6BFF-E73FD9D670DD}"/>
+          </ac:spMkLst>
+        </pc:spChg>
+        <pc:spChg chg="mod ord">
+          <ac:chgData name="White, Ellie" userId="fec56361-5c8a-4790-9e84-6272d2f2258e" providerId="ADAL" clId="{87DEA6A5-04DD-4F0B-8A38-25F89595D54E}" dt="2023-04-11T06:11:46.097" v="802" actId="165"/>
+          <ac:spMkLst>
+            <pc:docMk/>
+            <pc:sldMk cId="2457736693" sldId="260"/>
+            <ac:spMk id="73" creationId="{06854198-F3A4-D467-87E8-84CD6D4CAF72}"/>
+          </ac:spMkLst>
+        </pc:spChg>
+        <pc:spChg chg="mod">
+          <ac:chgData name="White, Ellie" userId="fec56361-5c8a-4790-9e84-6272d2f2258e" providerId="ADAL" clId="{87DEA6A5-04DD-4F0B-8A38-25F89595D54E}" dt="2023-04-11T06:11:46.097" v="802" actId="165"/>
+          <ac:spMkLst>
+            <pc:docMk/>
+            <pc:sldMk cId="2457736693" sldId="260"/>
+            <ac:spMk id="75" creationId="{6348A0A3-24AA-609A-1F8F-D71A56A26C6F}"/>
+          </ac:spMkLst>
+        </pc:spChg>
+        <pc:spChg chg="mod">
+          <ac:chgData name="White, Ellie" userId="fec56361-5c8a-4790-9e84-6272d2f2258e" providerId="ADAL" clId="{87DEA6A5-04DD-4F0B-8A38-25F89595D54E}" dt="2023-04-11T06:11:46.097" v="802" actId="165"/>
+          <ac:spMkLst>
+            <pc:docMk/>
+            <pc:sldMk cId="2457736693" sldId="260"/>
+            <ac:spMk id="80" creationId="{89E7E710-286E-C944-46CA-DB5EDE893930}"/>
+          </ac:spMkLst>
+        </pc:spChg>
+        <pc:spChg chg="mod">
+          <ac:chgData name="White, Ellie" userId="fec56361-5c8a-4790-9e84-6272d2f2258e" providerId="ADAL" clId="{87DEA6A5-04DD-4F0B-8A38-25F89595D54E}" dt="2023-04-11T06:11:46.097" v="802" actId="165"/>
+          <ac:spMkLst>
+            <pc:docMk/>
+            <pc:sldMk cId="2457736693" sldId="260"/>
+            <ac:spMk id="81" creationId="{3240E778-2DD8-FCFB-2709-EF8112894D6E}"/>
+          </ac:spMkLst>
+        </pc:spChg>
+        <pc:spChg chg="mod">
+          <ac:chgData name="White, Ellie" userId="fec56361-5c8a-4790-9e84-6272d2f2258e" providerId="ADAL" clId="{87DEA6A5-04DD-4F0B-8A38-25F89595D54E}" dt="2023-04-11T06:11:46.097" v="802" actId="165"/>
+          <ac:spMkLst>
+            <pc:docMk/>
+            <pc:sldMk cId="2457736693" sldId="260"/>
+            <ac:spMk id="84" creationId="{E8AEA3F0-5868-5FC3-678E-86CE3282B882}"/>
+          </ac:spMkLst>
+        </pc:spChg>
+        <pc:spChg chg="del mod">
+          <ac:chgData name="White, Ellie" userId="fec56361-5c8a-4790-9e84-6272d2f2258e" providerId="ADAL" clId="{87DEA6A5-04DD-4F0B-8A38-25F89595D54E}" dt="2023-04-11T05:40:35.049" v="513" actId="478"/>
+          <ac:spMkLst>
+            <pc:docMk/>
+            <pc:sldMk cId="2457736693" sldId="260"/>
+            <ac:spMk id="85" creationId="{88F01C00-C157-6DC6-5030-8D9D0C8FAF71}"/>
+          </ac:spMkLst>
+        </pc:spChg>
+        <pc:spChg chg="mod topLvl">
+          <ac:chgData name="White, Ellie" userId="fec56361-5c8a-4790-9e84-6272d2f2258e" providerId="ADAL" clId="{87DEA6A5-04DD-4F0B-8A38-25F89595D54E}" dt="2023-04-11T06:11:46.097" v="802" actId="165"/>
+          <ac:spMkLst>
+            <pc:docMk/>
+            <pc:sldMk cId="2457736693" sldId="260"/>
+            <ac:spMk id="90" creationId="{5851EF92-C2D1-4404-C3F7-F8D03E0123BC}"/>
+          </ac:spMkLst>
+        </pc:spChg>
+        <pc:spChg chg="mod">
+          <ac:chgData name="White, Ellie" userId="fec56361-5c8a-4790-9e84-6272d2f2258e" providerId="ADAL" clId="{87DEA6A5-04DD-4F0B-8A38-25F89595D54E}" dt="2023-04-11T06:11:46.097" v="802" actId="165"/>
+          <ac:spMkLst>
+            <pc:docMk/>
+            <pc:sldMk cId="2457736693" sldId="260"/>
+            <ac:spMk id="92" creationId="{0A260F97-5EB5-E6BD-1F92-B9189BBE145E}"/>
+          </ac:spMkLst>
+        </pc:spChg>
+        <pc:spChg chg="mod">
+          <ac:chgData name="White, Ellie" userId="fec56361-5c8a-4790-9e84-6272d2f2258e" providerId="ADAL" clId="{87DEA6A5-04DD-4F0B-8A38-25F89595D54E}" dt="2023-04-11T06:11:46.097" v="802" actId="165"/>
+          <ac:spMkLst>
+            <pc:docMk/>
+            <pc:sldMk cId="2457736693" sldId="260"/>
+            <ac:spMk id="93" creationId="{06F92A4B-759E-AD53-BED4-C5BB1E73C4EF}"/>
+          </ac:spMkLst>
+        </pc:spChg>
+        <pc:spChg chg="mod">
+          <ac:chgData name="White, Ellie" userId="fec56361-5c8a-4790-9e84-6272d2f2258e" providerId="ADAL" clId="{87DEA6A5-04DD-4F0B-8A38-25F89595D54E}" dt="2023-04-11T06:11:46.097" v="802" actId="165"/>
+          <ac:spMkLst>
+            <pc:docMk/>
+            <pc:sldMk cId="2457736693" sldId="260"/>
+            <ac:spMk id="94" creationId="{BABF8ED6-A3C8-C052-B5F3-995A850AF928}"/>
+          </ac:spMkLst>
+        </pc:spChg>
+        <pc:spChg chg="mod">
+          <ac:chgData name="White, Ellie" userId="fec56361-5c8a-4790-9e84-6272d2f2258e" providerId="ADAL" clId="{87DEA6A5-04DD-4F0B-8A38-25F89595D54E}" dt="2023-04-11T06:11:46.097" v="802" actId="165"/>
+          <ac:spMkLst>
+            <pc:docMk/>
+            <pc:sldMk cId="2457736693" sldId="260"/>
+            <ac:spMk id="95" creationId="{3BB68EE1-FC65-181A-1B46-4428C7F8C79F}"/>
+          </ac:spMkLst>
+        </pc:spChg>
+        <pc:spChg chg="mod topLvl">
+          <ac:chgData name="White, Ellie" userId="fec56361-5c8a-4790-9e84-6272d2f2258e" providerId="ADAL" clId="{87DEA6A5-04DD-4F0B-8A38-25F89595D54E}" dt="2023-04-11T06:11:46.097" v="802" actId="165"/>
+          <ac:spMkLst>
+            <pc:docMk/>
+            <pc:sldMk cId="2457736693" sldId="260"/>
+            <ac:spMk id="110" creationId="{F9664226-E875-1805-201D-4F823ECC3451}"/>
+          </ac:spMkLst>
+        </pc:spChg>
+        <pc:spChg chg="mod topLvl">
+          <ac:chgData name="White, Ellie" userId="fec56361-5c8a-4790-9e84-6272d2f2258e" providerId="ADAL" clId="{87DEA6A5-04DD-4F0B-8A38-25F89595D54E}" dt="2023-04-11T06:11:46.097" v="802" actId="165"/>
+          <ac:spMkLst>
+            <pc:docMk/>
+            <pc:sldMk cId="2457736693" sldId="260"/>
+            <ac:spMk id="112" creationId="{9B0ACAAE-D4D7-4F23-2B4D-0E3E68C77436}"/>
+          </ac:spMkLst>
+        </pc:spChg>
+        <pc:spChg chg="mod topLvl">
+          <ac:chgData name="White, Ellie" userId="fec56361-5c8a-4790-9e84-6272d2f2258e" providerId="ADAL" clId="{87DEA6A5-04DD-4F0B-8A38-25F89595D54E}" dt="2023-04-11T06:11:46.097" v="802" actId="165"/>
+          <ac:spMkLst>
+            <pc:docMk/>
+            <pc:sldMk cId="2457736693" sldId="260"/>
+            <ac:spMk id="113" creationId="{ADD06344-B326-2FA0-9D49-5D0F37B6975C}"/>
+          </ac:spMkLst>
+        </pc:spChg>
+        <pc:spChg chg="mod topLvl">
+          <ac:chgData name="White, Ellie" userId="fec56361-5c8a-4790-9e84-6272d2f2258e" providerId="ADAL" clId="{87DEA6A5-04DD-4F0B-8A38-25F89595D54E}" dt="2023-04-11T06:11:46.097" v="802" actId="165"/>
+          <ac:spMkLst>
+            <pc:docMk/>
+            <pc:sldMk cId="2457736693" sldId="260"/>
+            <ac:spMk id="114" creationId="{21539A2C-A52A-A73B-B246-392B354EC280}"/>
+          </ac:spMkLst>
+        </pc:spChg>
+        <pc:spChg chg="mod topLvl">
+          <ac:chgData name="White, Ellie" userId="fec56361-5c8a-4790-9e84-6272d2f2258e" providerId="ADAL" clId="{87DEA6A5-04DD-4F0B-8A38-25F89595D54E}" dt="2023-04-11T06:11:46.097" v="802" actId="165"/>
+          <ac:spMkLst>
+            <pc:docMk/>
+            <pc:sldMk cId="2457736693" sldId="260"/>
+            <ac:spMk id="115" creationId="{DDF40092-C545-B15E-326D-AEB0893FAE4D}"/>
+          </ac:spMkLst>
+        </pc:spChg>
+        <pc:spChg chg="mod topLvl">
+          <ac:chgData name="White, Ellie" userId="fec56361-5c8a-4790-9e84-6272d2f2258e" providerId="ADAL" clId="{87DEA6A5-04DD-4F0B-8A38-25F89595D54E}" dt="2023-04-11T06:11:46.097" v="802" actId="165"/>
+          <ac:spMkLst>
+            <pc:docMk/>
+            <pc:sldMk cId="2457736693" sldId="260"/>
+            <ac:spMk id="116" creationId="{68732BA1-F724-FC4F-E74C-B052C4B3D729}"/>
+          </ac:spMkLst>
+        </pc:spChg>
+        <pc:spChg chg="mod">
+          <ac:chgData name="White, Ellie" userId="fec56361-5c8a-4790-9e84-6272d2f2258e" providerId="ADAL" clId="{87DEA6A5-04DD-4F0B-8A38-25F89595D54E}" dt="2023-04-11T06:11:46.097" v="802" actId="165"/>
+          <ac:spMkLst>
+            <pc:docMk/>
+            <pc:sldMk cId="2457736693" sldId="260"/>
+            <ac:spMk id="117" creationId="{4CC719BB-510E-764E-109D-D1F995DA5091}"/>
+          </ac:spMkLst>
+        </pc:spChg>
+        <pc:spChg chg="mod">
+          <ac:chgData name="White, Ellie" userId="fec56361-5c8a-4790-9e84-6272d2f2258e" providerId="ADAL" clId="{87DEA6A5-04DD-4F0B-8A38-25F89595D54E}" dt="2023-04-11T06:11:46.097" v="802" actId="165"/>
+          <ac:spMkLst>
+            <pc:docMk/>
+            <pc:sldMk cId="2457736693" sldId="260"/>
+            <ac:spMk id="127" creationId="{DFB220B8-B700-0402-E0FE-BF3D28170C36}"/>
+          </ac:spMkLst>
+        </pc:spChg>
+        <pc:spChg chg="mod">
+          <ac:chgData name="White, Ellie" userId="fec56361-5c8a-4790-9e84-6272d2f2258e" providerId="ADAL" clId="{87DEA6A5-04DD-4F0B-8A38-25F89595D54E}" dt="2023-04-11T06:11:46.097" v="802" actId="165"/>
+          <ac:spMkLst>
+            <pc:docMk/>
+            <pc:sldMk cId="2457736693" sldId="260"/>
+            <ac:spMk id="128" creationId="{8A3F892E-3282-B1A1-E1DD-F1DD59F3E41C}"/>
+          </ac:spMkLst>
+        </pc:spChg>
+        <pc:spChg chg="mod">
+          <ac:chgData name="White, Ellie" userId="fec56361-5c8a-4790-9e84-6272d2f2258e" providerId="ADAL" clId="{87DEA6A5-04DD-4F0B-8A38-25F89595D54E}" dt="2023-04-11T06:11:46.097" v="802" actId="165"/>
+          <ac:spMkLst>
+            <pc:docMk/>
+            <pc:sldMk cId="2457736693" sldId="260"/>
+            <ac:spMk id="129" creationId="{D73DEE52-8D5A-DCF2-1837-B14BE68940EC}"/>
+          </ac:spMkLst>
+        </pc:spChg>
+        <pc:spChg chg="mod">
+          <ac:chgData name="White, Ellie" userId="fec56361-5c8a-4790-9e84-6272d2f2258e" providerId="ADAL" clId="{87DEA6A5-04DD-4F0B-8A38-25F89595D54E}" dt="2023-04-11T06:11:46.097" v="802" actId="165"/>
+          <ac:spMkLst>
+            <pc:docMk/>
+            <pc:sldMk cId="2457736693" sldId="260"/>
+            <ac:spMk id="130" creationId="{DBD68E8A-7B71-6087-74B5-7754C3E16BC8}"/>
+          </ac:spMkLst>
+        </pc:spChg>
+        <pc:spChg chg="del mod">
+          <ac:chgData name="White, Ellie" userId="fec56361-5c8a-4790-9e84-6272d2f2258e" providerId="ADAL" clId="{87DEA6A5-04DD-4F0B-8A38-25F89595D54E}" dt="2023-04-11T05:37:08.321" v="444" actId="478"/>
+          <ac:spMkLst>
+            <pc:docMk/>
+            <pc:sldMk cId="2457736693" sldId="260"/>
+            <ac:spMk id="150" creationId="{557F984C-E483-ACDC-480F-30CA1F44B8F7}"/>
+          </ac:spMkLst>
+        </pc:spChg>
+        <pc:spChg chg="mod topLvl">
+          <ac:chgData name="White, Ellie" userId="fec56361-5c8a-4790-9e84-6272d2f2258e" providerId="ADAL" clId="{87DEA6A5-04DD-4F0B-8A38-25F89595D54E}" dt="2023-04-11T06:11:46.097" v="802" actId="165"/>
+          <ac:spMkLst>
+            <pc:docMk/>
+            <pc:sldMk cId="2457736693" sldId="260"/>
+            <ac:spMk id="154" creationId="{10F62627-5069-528E-53D4-07F97402E75A}"/>
+          </ac:spMkLst>
+        </pc:spChg>
+        <pc:grpChg chg="add mod">
+          <ac:chgData name="White, Ellie" userId="fec56361-5c8a-4790-9e84-6272d2f2258e" providerId="ADAL" clId="{87DEA6A5-04DD-4F0B-8A38-25F89595D54E}" dt="2023-04-11T04:46:39.840" v="183" actId="164"/>
+          <ac:grpSpMkLst>
+            <pc:docMk/>
+            <pc:sldMk cId="2457736693" sldId="260"/>
+            <ac:grpSpMk id="2" creationId="{A24D0A1C-188B-AFC9-DFA1-DD9D314C52CB}"/>
+          </ac:grpSpMkLst>
+        </pc:grpChg>
+        <pc:grpChg chg="add del mod">
+          <ac:chgData name="White, Ellie" userId="fec56361-5c8a-4790-9e84-6272d2f2258e" providerId="ADAL" clId="{87DEA6A5-04DD-4F0B-8A38-25F89595D54E}" dt="2023-04-11T05:40:29.171" v="510" actId="478"/>
+          <ac:grpSpMkLst>
+            <pc:docMk/>
+            <pc:sldMk cId="2457736693" sldId="260"/>
+            <ac:grpSpMk id="5" creationId="{45A562BC-4A2D-612D-6728-7BFD7F311116}"/>
+          </ac:grpSpMkLst>
+        </pc:grpChg>
+        <pc:grpChg chg="add del mod">
+          <ac:chgData name="White, Ellie" userId="fec56361-5c8a-4790-9e84-6272d2f2258e" providerId="ADAL" clId="{87DEA6A5-04DD-4F0B-8A38-25F89595D54E}" dt="2023-04-11T05:39:58.088" v="504" actId="478"/>
+          <ac:grpSpMkLst>
+            <pc:docMk/>
+            <pc:sldMk cId="2457736693" sldId="260"/>
+            <ac:grpSpMk id="16" creationId="{32048B91-722A-966E-4E6A-25231B8C0E63}"/>
+          </ac:grpSpMkLst>
+        </pc:grpChg>
+        <pc:grpChg chg="mod">
+          <ac:chgData name="White, Ellie" userId="fec56361-5c8a-4790-9e84-6272d2f2258e" providerId="ADAL" clId="{87DEA6A5-04DD-4F0B-8A38-25F89595D54E}" dt="2023-04-11T05:39:39.954" v="500"/>
+          <ac:grpSpMkLst>
+            <pc:docMk/>
+            <pc:sldMk cId="2457736693" sldId="260"/>
+            <ac:grpSpMk id="26" creationId="{6082DD1F-399D-D301-ED7E-A2BA774A6C62}"/>
+          </ac:grpSpMkLst>
+        </pc:grpChg>
+        <pc:grpChg chg="mod">
+          <ac:chgData name="White, Ellie" userId="fec56361-5c8a-4790-9e84-6272d2f2258e" providerId="ADAL" clId="{87DEA6A5-04DD-4F0B-8A38-25F89595D54E}" dt="2023-04-11T06:11:46.097" v="802" actId="165"/>
+          <ac:grpSpMkLst>
+            <pc:docMk/>
+            <pc:sldMk cId="2457736693" sldId="260"/>
+            <ac:grpSpMk id="35" creationId="{3B011D50-52EE-C8EF-40E3-A1C9D61D50A3}"/>
+          </ac:grpSpMkLst>
+        </pc:grpChg>
+        <pc:grpChg chg="mod">
+          <ac:chgData name="White, Ellie" userId="fec56361-5c8a-4790-9e84-6272d2f2258e" providerId="ADAL" clId="{87DEA6A5-04DD-4F0B-8A38-25F89595D54E}" dt="2023-04-11T04:46:48.784" v="185" actId="164"/>
+          <ac:grpSpMkLst>
+            <pc:docMk/>
+            <pc:sldMk cId="2457736693" sldId="260"/>
+            <ac:grpSpMk id="39" creationId="{62E3016B-F12C-444A-D735-E1F81C15F1F0}"/>
+          </ac:grpSpMkLst>
+        </pc:grpChg>
+        <pc:grpChg chg="mod">
+          <ac:chgData name="White, Ellie" userId="fec56361-5c8a-4790-9e84-6272d2f2258e" providerId="ADAL" clId="{87DEA6A5-04DD-4F0B-8A38-25F89595D54E}" dt="2023-04-11T05:39:39.954" v="500"/>
+          <ac:grpSpMkLst>
+            <pc:docMk/>
+            <pc:sldMk cId="2457736693" sldId="260"/>
+            <ac:grpSpMk id="45" creationId="{576D399E-D8A4-A746-4503-B3568711A2D6}"/>
+          </ac:grpSpMkLst>
+        </pc:grpChg>
+        <pc:grpChg chg="add del mod">
+          <ac:chgData name="White, Ellie" userId="fec56361-5c8a-4790-9e84-6272d2f2258e" providerId="ADAL" clId="{87DEA6A5-04DD-4F0B-8A38-25F89595D54E}" dt="2023-04-11T05:40:01.049" v="506"/>
+          <ac:grpSpMkLst>
+            <pc:docMk/>
+            <pc:sldMk cId="2457736693" sldId="260"/>
+            <ac:grpSpMk id="51" creationId="{DE550AD5-2C4F-9287-FED6-504893CF2DFC}"/>
+          </ac:grpSpMkLst>
+        </pc:grpChg>
+        <pc:grpChg chg="mod">
+          <ac:chgData name="White, Ellie" userId="fec56361-5c8a-4790-9e84-6272d2f2258e" providerId="ADAL" clId="{87DEA6A5-04DD-4F0B-8A38-25F89595D54E}" dt="2023-04-11T05:39:58.517" v="505"/>
+          <ac:grpSpMkLst>
+            <pc:docMk/>
+            <pc:sldMk cId="2457736693" sldId="260"/>
+            <ac:grpSpMk id="54" creationId="{9F6C9BD6-8D4D-51FE-ED42-15114ED41360}"/>
+          </ac:grpSpMkLst>
+        </pc:grpChg>
+        <pc:grpChg chg="del">
+          <ac:chgData name="White, Ellie" userId="fec56361-5c8a-4790-9e84-6272d2f2258e" providerId="ADAL" clId="{87DEA6A5-04DD-4F0B-8A38-25F89595D54E}" dt="2023-04-11T04:45:21.361" v="156" actId="478"/>
+          <ac:grpSpMkLst>
+            <pc:docMk/>
+            <pc:sldMk cId="2457736693" sldId="260"/>
+            <ac:grpSpMk id="60" creationId="{DF33481A-EC37-37C2-56C1-F6B3EC394779}"/>
+          </ac:grpSpMkLst>
+        </pc:grpChg>
+        <pc:grpChg chg="mod">
+          <ac:chgData name="White, Ellie" userId="fec56361-5c8a-4790-9e84-6272d2f2258e" providerId="ADAL" clId="{87DEA6A5-04DD-4F0B-8A38-25F89595D54E}" dt="2023-04-11T05:39:58.517" v="505"/>
+          <ac:grpSpMkLst>
+            <pc:docMk/>
+            <pc:sldMk cId="2457736693" sldId="260"/>
+            <ac:grpSpMk id="62" creationId="{F7217075-8581-9D97-8918-178E9818845F}"/>
+          </ac:grpSpMkLst>
+        </pc:grpChg>
+        <pc:grpChg chg="add del mod">
+          <ac:chgData name="White, Ellie" userId="fec56361-5c8a-4790-9e84-6272d2f2258e" providerId="ADAL" clId="{87DEA6A5-04DD-4F0B-8A38-25F89595D54E}" dt="2023-04-11T05:40:41.281" v="515" actId="478"/>
+          <ac:grpSpMkLst>
+            <pc:docMk/>
+            <pc:sldMk cId="2457736693" sldId="260"/>
+            <ac:grpSpMk id="68" creationId="{6B5B53B1-E682-9356-00C6-D3A7DCB026BE}"/>
+          </ac:grpSpMkLst>
+        </pc:grpChg>
+        <pc:grpChg chg="mod topLvl">
+          <ac:chgData name="White, Ellie" userId="fec56361-5c8a-4790-9e84-6272d2f2258e" providerId="ADAL" clId="{87DEA6A5-04DD-4F0B-8A38-25F89595D54E}" dt="2023-04-11T06:11:46.097" v="802" actId="165"/>
+          <ac:grpSpMkLst>
+            <pc:docMk/>
+            <pc:sldMk cId="2457736693" sldId="260"/>
+            <ac:grpSpMk id="69" creationId="{3A6A836D-47D6-56EE-7057-8602DEEB7267}"/>
+          </ac:grpSpMkLst>
+        </pc:grpChg>
+        <pc:grpChg chg="mod">
+          <ac:chgData name="White, Ellie" userId="fec56361-5c8a-4790-9e84-6272d2f2258e" providerId="ADAL" clId="{87DEA6A5-04DD-4F0B-8A38-25F89595D54E}" dt="2023-04-11T06:11:46.097" v="802" actId="165"/>
+          <ac:grpSpMkLst>
+            <pc:docMk/>
+            <pc:sldMk cId="2457736693" sldId="260"/>
+            <ac:grpSpMk id="74" creationId="{54DABDA4-E1EE-467D-57F2-88837C31BBBE}"/>
+          </ac:grpSpMkLst>
+        </pc:grpChg>
+        <pc:grpChg chg="mod">
+          <ac:chgData name="White, Ellie" userId="fec56361-5c8a-4790-9e84-6272d2f2258e" providerId="ADAL" clId="{87DEA6A5-04DD-4F0B-8A38-25F89595D54E}" dt="2023-04-11T06:11:46.097" v="802" actId="165"/>
+          <ac:grpSpMkLst>
+            <pc:docMk/>
+            <pc:sldMk cId="2457736693" sldId="260"/>
+            <ac:grpSpMk id="76" creationId="{286E9DFB-4976-8B5F-BF24-3EA7318A5CC5}"/>
+          </ac:grpSpMkLst>
+        </pc:grpChg>
+        <pc:grpChg chg="mod topLvl">
+          <ac:chgData name="White, Ellie" userId="fec56361-5c8a-4790-9e84-6272d2f2258e" providerId="ADAL" clId="{87DEA6A5-04DD-4F0B-8A38-25F89595D54E}" dt="2023-04-11T06:11:46.097" v="802" actId="165"/>
+          <ac:grpSpMkLst>
+            <pc:docMk/>
+            <pc:sldMk cId="2457736693" sldId="260"/>
+            <ac:grpSpMk id="77" creationId="{AD5546C7-930E-3C93-F49E-C53376DB3189}"/>
+          </ac:grpSpMkLst>
+        </pc:grpChg>
+        <pc:grpChg chg="mod">
+          <ac:chgData name="White, Ellie" userId="fec56361-5c8a-4790-9e84-6272d2f2258e" providerId="ADAL" clId="{87DEA6A5-04DD-4F0B-8A38-25F89595D54E}" dt="2023-04-11T06:11:46.097" v="802" actId="165"/>
+          <ac:grpSpMkLst>
+            <pc:docMk/>
+            <pc:sldMk cId="2457736693" sldId="260"/>
+            <ac:grpSpMk id="82" creationId="{218D5BCE-A51A-2095-AC85-4E33374F49B8}"/>
+          </ac:grpSpMkLst>
+        </pc:grpChg>
+        <pc:grpChg chg="mod topLvl">
+          <ac:chgData name="White, Ellie" userId="fec56361-5c8a-4790-9e84-6272d2f2258e" providerId="ADAL" clId="{87DEA6A5-04DD-4F0B-8A38-25F89595D54E}" dt="2023-04-11T06:11:46.097" v="802" actId="165"/>
+          <ac:grpSpMkLst>
+            <pc:docMk/>
+            <pc:sldMk cId="2457736693" sldId="260"/>
+            <ac:grpSpMk id="83" creationId="{77C10F98-C61B-7003-CFE4-3CB8D967E106}"/>
+          </ac:grpSpMkLst>
+        </pc:grpChg>
+        <pc:grpChg chg="add mod topLvl">
+          <ac:chgData name="White, Ellie" userId="fec56361-5c8a-4790-9e84-6272d2f2258e" providerId="ADAL" clId="{87DEA6A5-04DD-4F0B-8A38-25F89595D54E}" dt="2023-04-11T06:11:46.097" v="802" actId="165"/>
+          <ac:grpSpMkLst>
+            <pc:docMk/>
+            <pc:sldMk cId="2457736693" sldId="260"/>
+            <ac:grpSpMk id="86" creationId="{87C075EE-7BE6-C986-6B69-3EDF05FF8F0E}"/>
+          </ac:grpSpMkLst>
+        </pc:grpChg>
+        <pc:grpChg chg="add del mod">
+          <ac:chgData name="White, Ellie" userId="fec56361-5c8a-4790-9e84-6272d2f2258e" providerId="ADAL" clId="{87DEA6A5-04DD-4F0B-8A38-25F89595D54E}" dt="2023-04-11T06:11:46.097" v="802" actId="165"/>
+          <ac:grpSpMkLst>
+            <pc:docMk/>
+            <pc:sldMk cId="2457736693" sldId="260"/>
+            <ac:grpSpMk id="87" creationId="{60EB7D5D-F20D-907B-6638-F9BDC58FBDD0}"/>
+          </ac:grpSpMkLst>
+        </pc:grpChg>
+        <pc:grpChg chg="mod topLvl">
+          <ac:chgData name="White, Ellie" userId="fec56361-5c8a-4790-9e84-6272d2f2258e" providerId="ADAL" clId="{87DEA6A5-04DD-4F0B-8A38-25F89595D54E}" dt="2023-04-11T06:11:46.097" v="802" actId="165"/>
+          <ac:grpSpMkLst>
+            <pc:docMk/>
+            <pc:sldMk cId="2457736693" sldId="260"/>
+            <ac:grpSpMk id="96" creationId="{D20A6F3A-7E85-9FFB-A66A-BE28177F74CC}"/>
+          </ac:grpSpMkLst>
+        </pc:grpChg>
+        <pc:grpChg chg="mod topLvl">
+          <ac:chgData name="White, Ellie" userId="fec56361-5c8a-4790-9e84-6272d2f2258e" providerId="ADAL" clId="{87DEA6A5-04DD-4F0B-8A38-25F89595D54E}" dt="2023-04-11T06:11:46.097" v="802" actId="165"/>
+          <ac:grpSpMkLst>
+            <pc:docMk/>
+            <pc:sldMk cId="2457736693" sldId="260"/>
+            <ac:grpSpMk id="119" creationId="{BA8F6FA3-392B-2DCE-F67B-AFE623DEB112}"/>
+          </ac:grpSpMkLst>
+        </pc:grpChg>
+        <pc:grpChg chg="mod topLvl">
+          <ac:chgData name="White, Ellie" userId="fec56361-5c8a-4790-9e84-6272d2f2258e" providerId="ADAL" clId="{87DEA6A5-04DD-4F0B-8A38-25F89595D54E}" dt="2023-04-11T06:11:46.097" v="802" actId="165"/>
+          <ac:grpSpMkLst>
+            <pc:docMk/>
+            <pc:sldMk cId="2457736693" sldId="260"/>
+            <ac:grpSpMk id="126" creationId="{49C22CF5-4563-EAC1-06B9-8101272D2049}"/>
+          </ac:grpSpMkLst>
+        </pc:grpChg>
+        <pc:grpChg chg="mod">
+          <ac:chgData name="White, Ellie" userId="fec56361-5c8a-4790-9e84-6272d2f2258e" providerId="ADAL" clId="{87DEA6A5-04DD-4F0B-8A38-25F89595D54E}" dt="2023-04-11T06:11:46.097" v="802" actId="165"/>
+          <ac:grpSpMkLst>
+            <pc:docMk/>
+            <pc:sldMk cId="2457736693" sldId="260"/>
+            <ac:grpSpMk id="138" creationId="{83E2B7AF-13A4-CB34-1109-B826DFD66C78}"/>
+          </ac:grpSpMkLst>
+        </pc:grpChg>
+        <pc:grpChg chg="mod topLvl">
+          <ac:chgData name="White, Ellie" userId="fec56361-5c8a-4790-9e84-6272d2f2258e" providerId="ADAL" clId="{87DEA6A5-04DD-4F0B-8A38-25F89595D54E}" dt="2023-04-11T06:11:46.097" v="802" actId="165"/>
+          <ac:grpSpMkLst>
+            <pc:docMk/>
+            <pc:sldMk cId="2457736693" sldId="260"/>
+            <ac:grpSpMk id="141" creationId="{6ACCCFEC-EE8D-E85D-99F3-AEAF1A5E511D}"/>
+          </ac:grpSpMkLst>
+        </pc:grpChg>
+        <pc:grpChg chg="del mod">
+          <ac:chgData name="White, Ellie" userId="fec56361-5c8a-4790-9e84-6272d2f2258e" providerId="ADAL" clId="{87DEA6A5-04DD-4F0B-8A38-25F89595D54E}" dt="2023-04-11T04:48:50.792" v="202" actId="165"/>
+          <ac:grpSpMkLst>
+            <pc:docMk/>
+            <pc:sldMk cId="2457736693" sldId="260"/>
+            <ac:grpSpMk id="153" creationId="{DDC91789-0B70-C514-97C2-E754026B8262}"/>
+          </ac:grpSpMkLst>
+        </pc:grpChg>
+        <pc:picChg chg="mod topLvl">
+          <ac:chgData name="White, Ellie" userId="fec56361-5c8a-4790-9e84-6272d2f2258e" providerId="ADAL" clId="{87DEA6A5-04DD-4F0B-8A38-25F89595D54E}" dt="2023-04-11T06:11:46.097" v="802" actId="165"/>
+          <ac:picMkLst>
+            <pc:docMk/>
+            <pc:sldMk cId="2457736693" sldId="260"/>
+            <ac:picMk id="3" creationId="{C081CB69-D92F-2257-0FE3-5EDA678BDDEF}"/>
+          </ac:picMkLst>
+        </pc:picChg>
+        <pc:picChg chg="del mod">
+          <ac:chgData name="White, Ellie" userId="fec56361-5c8a-4790-9e84-6272d2f2258e" providerId="ADAL" clId="{87DEA6A5-04DD-4F0B-8A38-25F89595D54E}" dt="2023-04-11T04:47:04.708" v="187" actId="478"/>
+          <ac:picMkLst>
+            <pc:docMk/>
+            <pc:sldMk cId="2457736693" sldId="260"/>
+            <ac:picMk id="4" creationId="{9FA0F9FC-5B30-2027-D8F7-5190A062872E}"/>
+          </ac:picMkLst>
+        </pc:picChg>
+        <pc:picChg chg="mod">
+          <ac:chgData name="White, Ellie" userId="fec56361-5c8a-4790-9e84-6272d2f2258e" providerId="ADAL" clId="{87DEA6A5-04DD-4F0B-8A38-25F89595D54E}" dt="2023-04-11T06:11:46.097" v="802" actId="165"/>
+          <ac:picMkLst>
+            <pc:docMk/>
+            <pc:sldMk cId="2457736693" sldId="260"/>
+            <ac:picMk id="7" creationId="{EA211AEE-3789-D087-E374-D5EA30A8AE6D}"/>
+          </ac:picMkLst>
+        </pc:picChg>
+        <pc:picChg chg="add mod ord topLvl">
+          <ac:chgData name="White, Ellie" userId="fec56361-5c8a-4790-9e84-6272d2f2258e" providerId="ADAL" clId="{87DEA6A5-04DD-4F0B-8A38-25F89595D54E}" dt="2023-04-11T06:11:46.097" v="802" actId="165"/>
+          <ac:picMkLst>
+            <pc:docMk/>
+            <pc:sldMk cId="2457736693" sldId="260"/>
+            <ac:picMk id="8" creationId="{E995C809-9F2E-E86D-7C5A-F80FEB175FD2}"/>
+          </ac:picMkLst>
+        </pc:picChg>
+        <pc:picChg chg="mod topLvl">
+          <ac:chgData name="White, Ellie" userId="fec56361-5c8a-4790-9e84-6272d2f2258e" providerId="ADAL" clId="{87DEA6A5-04DD-4F0B-8A38-25F89595D54E}" dt="2023-04-11T06:11:46.097" v="802" actId="165"/>
+          <ac:picMkLst>
+            <pc:docMk/>
+            <pc:sldMk cId="2457736693" sldId="260"/>
+            <ac:picMk id="9" creationId="{AD6E475A-2214-17A5-A79C-91AB2E3E72B2}"/>
+          </ac:picMkLst>
+        </pc:picChg>
+        <pc:picChg chg="mod">
+          <ac:chgData name="White, Ellie" userId="fec56361-5c8a-4790-9e84-6272d2f2258e" providerId="ADAL" clId="{87DEA6A5-04DD-4F0B-8A38-25F89595D54E}" dt="2023-04-11T06:11:46.097" v="802" actId="165"/>
+          <ac:picMkLst>
+            <pc:docMk/>
+            <pc:sldMk cId="2457736693" sldId="260"/>
+            <ac:picMk id="10" creationId="{63DABC5B-2D59-3ACE-8AD5-699CC5D16781}"/>
+          </ac:picMkLst>
+        </pc:picChg>
+        <pc:picChg chg="mod topLvl">
+          <ac:chgData name="White, Ellie" userId="fec56361-5c8a-4790-9e84-6272d2f2258e" providerId="ADAL" clId="{87DEA6A5-04DD-4F0B-8A38-25F89595D54E}" dt="2023-04-11T06:11:46.097" v="802" actId="165"/>
+          <ac:picMkLst>
+            <pc:docMk/>
+            <pc:sldMk cId="2457736693" sldId="260"/>
+            <ac:picMk id="18" creationId="{33AD14E2-EEA2-57C2-7744-E4FED68898B9}"/>
+          </ac:picMkLst>
+        </pc:picChg>
+        <pc:picChg chg="mod">
+          <ac:chgData name="White, Ellie" userId="fec56361-5c8a-4790-9e84-6272d2f2258e" providerId="ADAL" clId="{87DEA6A5-04DD-4F0B-8A38-25F89595D54E}" dt="2023-04-11T06:11:46.097" v="802" actId="165"/>
+          <ac:picMkLst>
+            <pc:docMk/>
+            <pc:sldMk cId="2457736693" sldId="260"/>
+            <ac:picMk id="36" creationId="{1213AF4D-BFB8-162D-B261-E505103E831A}"/>
+          </ac:picMkLst>
+        </pc:picChg>
+        <pc:cxnChg chg="mod">
+          <ac:chgData name="White, Ellie" userId="fec56361-5c8a-4790-9e84-6272d2f2258e" providerId="ADAL" clId="{87DEA6A5-04DD-4F0B-8A38-25F89595D54E}" dt="2023-04-11T05:39:39.954" v="500"/>
+          <ac:cxnSpMkLst>
+            <pc:docMk/>
+            <pc:sldMk cId="2457736693" sldId="260"/>
+            <ac:cxnSpMk id="46" creationId="{57885199-6EEB-F0D6-FCAA-C8167C5283B4}"/>
+          </ac:cxnSpMkLst>
+        </pc:cxnChg>
+        <pc:cxnChg chg="mod">
+          <ac:chgData name="White, Ellie" userId="fec56361-5c8a-4790-9e84-6272d2f2258e" providerId="ADAL" clId="{87DEA6A5-04DD-4F0B-8A38-25F89595D54E}" dt="2023-04-11T05:39:39.954" v="500"/>
+          <ac:cxnSpMkLst>
+            <pc:docMk/>
+            <pc:sldMk cId="2457736693" sldId="260"/>
+            <ac:cxnSpMk id="47" creationId="{33A1A815-8672-2AC3-A7A2-E108BAB68165}"/>
+          </ac:cxnSpMkLst>
+        </pc:cxnChg>
+        <pc:cxnChg chg="mod">
+          <ac:chgData name="White, Ellie" userId="fec56361-5c8a-4790-9e84-6272d2f2258e" providerId="ADAL" clId="{87DEA6A5-04DD-4F0B-8A38-25F89595D54E}" dt="2023-04-11T05:39:58.517" v="505"/>
+          <ac:cxnSpMkLst>
+            <pc:docMk/>
+            <pc:sldMk cId="2457736693" sldId="260"/>
+            <ac:cxnSpMk id="63" creationId="{94D0E338-E9F2-FA48-3D57-CC95C65F2157}"/>
+          </ac:cxnSpMkLst>
+        </pc:cxnChg>
+        <pc:cxnChg chg="mod">
+          <ac:chgData name="White, Ellie" userId="fec56361-5c8a-4790-9e84-6272d2f2258e" providerId="ADAL" clId="{87DEA6A5-04DD-4F0B-8A38-25F89595D54E}" dt="2023-04-11T05:39:58.517" v="505"/>
+          <ac:cxnSpMkLst>
+            <pc:docMk/>
+            <pc:sldMk cId="2457736693" sldId="260"/>
+            <ac:cxnSpMk id="64" creationId="{8300A93D-A475-D139-E431-425078093E0C}"/>
+          </ac:cxnSpMkLst>
+        </pc:cxnChg>
+        <pc:cxnChg chg="del mod">
+          <ac:chgData name="White, Ellie" userId="fec56361-5c8a-4790-9e84-6272d2f2258e" providerId="ADAL" clId="{87DEA6A5-04DD-4F0B-8A38-25F89595D54E}" dt="2023-04-11T05:40:32.026" v="511" actId="478"/>
+          <ac:cxnSpMkLst>
+            <pc:docMk/>
+            <pc:sldMk cId="2457736693" sldId="260"/>
+            <ac:cxnSpMk id="70" creationId="{B2DEE407-EC6A-4951-4F67-7379167C6D6B}"/>
+          </ac:cxnSpMkLst>
+        </pc:cxnChg>
+        <pc:cxnChg chg="del mod topLvl">
+          <ac:chgData name="White, Ellie" userId="fec56361-5c8a-4790-9e84-6272d2f2258e" providerId="ADAL" clId="{87DEA6A5-04DD-4F0B-8A38-25F89595D54E}" dt="2023-04-11T05:40:41.281" v="515" actId="478"/>
+          <ac:cxnSpMkLst>
+            <pc:docMk/>
+            <pc:sldMk cId="2457736693" sldId="260"/>
+            <ac:cxnSpMk id="71" creationId="{4423879A-0467-112F-F757-7F42CD026296}"/>
+          </ac:cxnSpMkLst>
+        </pc:cxnChg>
+        <pc:cxnChg chg="mod">
+          <ac:chgData name="White, Ellie" userId="fec56361-5c8a-4790-9e84-6272d2f2258e" providerId="ADAL" clId="{87DEA6A5-04DD-4F0B-8A38-25F89595D54E}" dt="2023-04-11T06:11:46.097" v="802" actId="165"/>
+          <ac:cxnSpMkLst>
+            <pc:docMk/>
+            <pc:sldMk cId="2457736693" sldId="260"/>
+            <ac:cxnSpMk id="78" creationId="{FE600124-4719-391C-F62C-AD57E902E235}"/>
+          </ac:cxnSpMkLst>
+        </pc:cxnChg>
+        <pc:cxnChg chg="mod">
+          <ac:chgData name="White, Ellie" userId="fec56361-5c8a-4790-9e84-6272d2f2258e" providerId="ADAL" clId="{87DEA6A5-04DD-4F0B-8A38-25F89595D54E}" dt="2023-04-11T06:11:46.097" v="802" actId="165"/>
+          <ac:cxnSpMkLst>
+            <pc:docMk/>
+            <pc:sldMk cId="2457736693" sldId="260"/>
+            <ac:cxnSpMk id="79" creationId="{C8B90304-C28D-8640-FA01-5081AF118D0D}"/>
+          </ac:cxnSpMkLst>
+        </pc:cxnChg>
+        <pc:cxnChg chg="mod topLvl">
+          <ac:chgData name="White, Ellie" userId="fec56361-5c8a-4790-9e84-6272d2f2258e" providerId="ADAL" clId="{87DEA6A5-04DD-4F0B-8A38-25F89595D54E}" dt="2023-04-11T06:11:46.097" v="802" actId="165"/>
+          <ac:cxnSpMkLst>
+            <pc:docMk/>
+            <pc:sldMk cId="2457736693" sldId="260"/>
+            <ac:cxnSpMk id="152" creationId="{35CD4AC8-8C5B-ED83-8F3C-0C9E0C5762AA}"/>
+          </ac:cxnSpMkLst>
+        </pc:cxnChg>
+      </pc:sldChg>
+      <pc:sldChg chg="modSp new mod">
+        <pc:chgData name="White, Ellie" userId="fec56361-5c8a-4790-9e84-6272d2f2258e" providerId="ADAL" clId="{87DEA6A5-04DD-4F0B-8A38-25F89595D54E}" dt="2023-04-11T05:37:03.195" v="443"/>
+        <pc:sldMkLst>
+          <pc:docMk/>
+          <pc:sldMk cId="1632810605" sldId="261"/>
+        </pc:sldMkLst>
+        <pc:spChg chg="mod">
+          <ac:chgData name="White, Ellie" userId="fec56361-5c8a-4790-9e84-6272d2f2258e" providerId="ADAL" clId="{87DEA6A5-04DD-4F0B-8A38-25F89595D54E}" dt="2023-04-11T05:37:03.195" v="443"/>
+          <ac:spMkLst>
+            <pc:docMk/>
+            <pc:sldMk cId="1632810605" sldId="261"/>
+            <ac:spMk id="3" creationId="{24DFFE79-BB82-61AA-D47E-D5E09ED63557}"/>
+          </ac:spMkLst>
+        </pc:spChg>
+      </pc:sldChg>
+      <pc:sldChg chg="addSp delSp modSp add mod">
+        <pc:chgData name="White, Ellie" userId="fec56361-5c8a-4790-9e84-6272d2f2258e" providerId="ADAL" clId="{87DEA6A5-04DD-4F0B-8A38-25F89595D54E}" dt="2023-04-11T15:03:31.245" v="867" actId="403"/>
+        <pc:sldMkLst>
+          <pc:docMk/>
+          <pc:sldMk cId="3136029642" sldId="262"/>
+        </pc:sldMkLst>
+        <pc:spChg chg="add mod">
+          <ac:chgData name="White, Ellie" userId="fec56361-5c8a-4790-9e84-6272d2f2258e" providerId="ADAL" clId="{87DEA6A5-04DD-4F0B-8A38-25F89595D54E}" dt="2023-04-11T15:03:31.245" v="867" actId="403"/>
+          <ac:spMkLst>
+            <pc:docMk/>
+            <pc:sldMk cId="3136029642" sldId="262"/>
+            <ac:spMk id="5" creationId="{3C23B3F7-F554-DFAD-BBFB-900ED48604A4}"/>
+          </ac:spMkLst>
+        </pc:spChg>
+        <pc:spChg chg="mod">
+          <ac:chgData name="White, Ellie" userId="fec56361-5c8a-4790-9e84-6272d2f2258e" providerId="ADAL" clId="{87DEA6A5-04DD-4F0B-8A38-25F89595D54E}" dt="2023-04-11T06:09:33.005" v="792" actId="2711"/>
+          <ac:spMkLst>
+            <pc:docMk/>
+            <pc:sldMk cId="3136029642" sldId="262"/>
+            <ac:spMk id="11" creationId="{844ABA5D-F707-9535-1914-1C3A7F482CEA}"/>
+          </ac:spMkLst>
+        </pc:spChg>
+        <pc:spChg chg="mod">
+          <ac:chgData name="White, Ellie" userId="fec56361-5c8a-4790-9e84-6272d2f2258e" providerId="ADAL" clId="{87DEA6A5-04DD-4F0B-8A38-25F89595D54E}" dt="2023-04-11T06:09:33.005" v="792" actId="2711"/>
+          <ac:spMkLst>
+            <pc:docMk/>
+            <pc:sldMk cId="3136029642" sldId="262"/>
+            <ac:spMk id="12" creationId="{A92751BD-0BCB-F84D-4CE3-45911BE1EE09}"/>
+          </ac:spMkLst>
+        </pc:spChg>
+        <pc:spChg chg="mod">
+          <ac:chgData name="White, Ellie" userId="fec56361-5c8a-4790-9e84-6272d2f2258e" providerId="ADAL" clId="{87DEA6A5-04DD-4F0B-8A38-25F89595D54E}" dt="2023-04-11T06:09:33.005" v="792" actId="2711"/>
+          <ac:spMkLst>
+            <pc:docMk/>
+            <pc:sldMk cId="3136029642" sldId="262"/>
+            <ac:spMk id="13" creationId="{DD8FF5E5-8077-9B79-7F23-BF41326D2659}"/>
+          </ac:spMkLst>
+        </pc:spChg>
+        <pc:spChg chg="mod">
+          <ac:chgData name="White, Ellie" userId="fec56361-5c8a-4790-9e84-6272d2f2258e" providerId="ADAL" clId="{87DEA6A5-04DD-4F0B-8A38-25F89595D54E}" dt="2023-04-11T06:09:33.005" v="792" actId="2711"/>
+          <ac:spMkLst>
+            <pc:docMk/>
+            <pc:sldMk cId="3136029642" sldId="262"/>
+            <ac:spMk id="14" creationId="{EDE2B9F8-9E3D-678D-C890-E5D58669DFD2}"/>
+          </ac:spMkLst>
+        </pc:spChg>
+        <pc:spChg chg="mod">
+          <ac:chgData name="White, Ellie" userId="fec56361-5c8a-4790-9e84-6272d2f2258e" providerId="ADAL" clId="{87DEA6A5-04DD-4F0B-8A38-25F89595D54E}" dt="2023-04-11T06:09:33.005" v="792" actId="2711"/>
+          <ac:spMkLst>
+            <pc:docMk/>
+            <pc:sldMk cId="3136029642" sldId="262"/>
+            <ac:spMk id="15" creationId="{59731D87-5DD9-E804-08D9-E2BD4F5D0AC4}"/>
+          </ac:spMkLst>
+        </pc:spChg>
+        <pc:spChg chg="mod">
+          <ac:chgData name="White, Ellie" userId="fec56361-5c8a-4790-9e84-6272d2f2258e" providerId="ADAL" clId="{87DEA6A5-04DD-4F0B-8A38-25F89595D54E}" dt="2023-04-11T06:09:33.005" v="792" actId="2711"/>
+          <ac:spMkLst>
+            <pc:docMk/>
+            <pc:sldMk cId="3136029642" sldId="262"/>
+            <ac:spMk id="16" creationId="{355663AC-5DF1-DE82-D377-3B4D2A05ADFE}"/>
+          </ac:spMkLst>
+        </pc:spChg>
+        <pc:spChg chg="mod">
+          <ac:chgData name="White, Ellie" userId="fec56361-5c8a-4790-9e84-6272d2f2258e" providerId="ADAL" clId="{87DEA6A5-04DD-4F0B-8A38-25F89595D54E}" dt="2023-04-11T06:10:02.917" v="795" actId="403"/>
+          <ac:spMkLst>
+            <pc:docMk/>
+            <pc:sldMk cId="3136029642" sldId="262"/>
+            <ac:spMk id="17" creationId="{E8EB3159-5F25-B2C0-43AC-83F1DF73BE7B}"/>
+          </ac:spMkLst>
+        </pc:spChg>
+        <pc:spChg chg="mod">
+          <ac:chgData name="White, Ellie" userId="fec56361-5c8a-4790-9e84-6272d2f2258e" providerId="ADAL" clId="{87DEA6A5-04DD-4F0B-8A38-25F89595D54E}" dt="2023-04-11T06:10:02.917" v="795" actId="403"/>
+          <ac:spMkLst>
+            <pc:docMk/>
+            <pc:sldMk cId="3136029642" sldId="262"/>
+            <ac:spMk id="20" creationId="{955A7CE5-80B7-11A5-3983-7037E6E3B1B5}"/>
+          </ac:spMkLst>
+        </pc:spChg>
+        <pc:spChg chg="mod">
+          <ac:chgData name="White, Ellie" userId="fec56361-5c8a-4790-9e84-6272d2f2258e" providerId="ADAL" clId="{87DEA6A5-04DD-4F0B-8A38-25F89595D54E}" dt="2023-04-11T06:09:33.005" v="792" actId="2711"/>
+          <ac:spMkLst>
+            <pc:docMk/>
+            <pc:sldMk cId="3136029642" sldId="262"/>
+            <ac:spMk id="21" creationId="{12A83389-59CC-68CC-BCF4-12D7D015ACA0}"/>
+          </ac:spMkLst>
+        </pc:spChg>
+        <pc:spChg chg="mod">
+          <ac:chgData name="White, Ellie" userId="fec56361-5c8a-4790-9e84-6272d2f2258e" providerId="ADAL" clId="{87DEA6A5-04DD-4F0B-8A38-25F89595D54E}" dt="2023-04-11T06:09:33.005" v="792" actId="2711"/>
+          <ac:spMkLst>
+            <pc:docMk/>
+            <pc:sldMk cId="3136029642" sldId="262"/>
+            <ac:spMk id="22" creationId="{2A88EBE2-99BA-C1D4-A149-0E1783B593BE}"/>
+          </ac:spMkLst>
+        </pc:spChg>
+        <pc:spChg chg="mod">
+          <ac:chgData name="White, Ellie" userId="fec56361-5c8a-4790-9e84-6272d2f2258e" providerId="ADAL" clId="{87DEA6A5-04DD-4F0B-8A38-25F89595D54E}" dt="2023-04-11T06:09:33.005" v="792" actId="2711"/>
+          <ac:spMkLst>
+            <pc:docMk/>
+            <pc:sldMk cId="3136029642" sldId="262"/>
+            <ac:spMk id="23" creationId="{A220EBAC-E495-B7F3-F042-D2409E064FA2}"/>
+          </ac:spMkLst>
+        </pc:spChg>
+        <pc:spChg chg="mod">
+          <ac:chgData name="White, Ellie" userId="fec56361-5c8a-4790-9e84-6272d2f2258e" providerId="ADAL" clId="{87DEA6A5-04DD-4F0B-8A38-25F89595D54E}" dt="2023-04-11T06:09:33.005" v="792" actId="2711"/>
+          <ac:spMkLst>
+            <pc:docMk/>
+            <pc:sldMk cId="3136029642" sldId="262"/>
+            <ac:spMk id="24" creationId="{2FFEA1FF-8F5A-57FB-1329-EE3230CCA5E4}"/>
+          </ac:spMkLst>
+        </pc:spChg>
+        <pc:spChg chg="mod">
+          <ac:chgData name="White, Ellie" userId="fec56361-5c8a-4790-9e84-6272d2f2258e" providerId="ADAL" clId="{87DEA6A5-04DD-4F0B-8A38-25F89595D54E}" dt="2023-04-11T06:09:33.005" v="792" actId="2711"/>
+          <ac:spMkLst>
+            <pc:docMk/>
+            <pc:sldMk cId="3136029642" sldId="262"/>
+            <ac:spMk id="28" creationId="{55699BC5-317E-07BA-30C7-0915E5144722}"/>
+          </ac:spMkLst>
+        </pc:spChg>
+        <pc:spChg chg="mod">
+          <ac:chgData name="White, Ellie" userId="fec56361-5c8a-4790-9e84-6272d2f2258e" providerId="ADAL" clId="{87DEA6A5-04DD-4F0B-8A38-25F89595D54E}" dt="2023-04-11T06:09:33.005" v="792" actId="2711"/>
+          <ac:spMkLst>
+            <pc:docMk/>
+            <pc:sldMk cId="3136029642" sldId="262"/>
+            <ac:spMk id="29" creationId="{9F35B3C2-69BA-F26E-1A83-44F0E5AE4DD1}"/>
+          </ac:spMkLst>
+        </pc:spChg>
+        <pc:spChg chg="mod">
+          <ac:chgData name="White, Ellie" userId="fec56361-5c8a-4790-9e84-6272d2f2258e" providerId="ADAL" clId="{87DEA6A5-04DD-4F0B-8A38-25F89595D54E}" dt="2023-04-11T06:09:33.005" v="792" actId="2711"/>
+          <ac:spMkLst>
+            <pc:docMk/>
+            <pc:sldMk cId="3136029642" sldId="262"/>
+            <ac:spMk id="30" creationId="{52FED1B8-24A1-12B4-7DC3-1595C2923EF6}"/>
+          </ac:spMkLst>
+        </pc:spChg>
+        <pc:spChg chg="mod">
+          <ac:chgData name="White, Ellie" userId="fec56361-5c8a-4790-9e84-6272d2f2258e" providerId="ADAL" clId="{87DEA6A5-04DD-4F0B-8A38-25F89595D54E}" dt="2023-04-11T06:09:33.005" v="792" actId="2711"/>
+          <ac:spMkLst>
+            <pc:docMk/>
+            <pc:sldMk cId="3136029642" sldId="262"/>
+            <ac:spMk id="31" creationId="{EEB2DF04-9D9C-EC47-6EB0-7A7465401FE0}"/>
+          </ac:spMkLst>
+        </pc:spChg>
+        <pc:spChg chg="mod">
+          <ac:chgData name="White, Ellie" userId="fec56361-5c8a-4790-9e84-6272d2f2258e" providerId="ADAL" clId="{87DEA6A5-04DD-4F0B-8A38-25F89595D54E}" dt="2023-04-11T06:09:33.005" v="792" actId="2711"/>
+          <ac:spMkLst>
+            <pc:docMk/>
+            <pc:sldMk cId="3136029642" sldId="262"/>
+            <ac:spMk id="32" creationId="{2E8B8AE1-2ED1-A064-0F0C-35811B7A3A73}"/>
+          </ac:spMkLst>
+        </pc:spChg>
+        <pc:spChg chg="mod">
+          <ac:chgData name="White, Ellie" userId="fec56361-5c8a-4790-9e84-6272d2f2258e" providerId="ADAL" clId="{87DEA6A5-04DD-4F0B-8A38-25F89595D54E}" dt="2023-04-11T06:09:33.005" v="792" actId="2711"/>
+          <ac:spMkLst>
+            <pc:docMk/>
+            <pc:sldMk cId="3136029642" sldId="262"/>
+            <ac:spMk id="33" creationId="{8CB1D1B3-912E-07BE-8C0A-C657CBC1F0A4}"/>
+          </ac:spMkLst>
+        </pc:spChg>
+        <pc:spChg chg="mod">
+          <ac:chgData name="White, Ellie" userId="fec56361-5c8a-4790-9e84-6272d2f2258e" providerId="ADAL" clId="{87DEA6A5-04DD-4F0B-8A38-25F89595D54E}" dt="2023-04-11T06:09:33.005" v="792" actId="2711"/>
+          <ac:spMkLst>
+            <pc:docMk/>
+            <pc:sldMk cId="3136029642" sldId="262"/>
+            <ac:spMk id="34" creationId="{BAC09385-76B2-A5E3-587A-5B1B7B5A401B}"/>
+          </ac:spMkLst>
+        </pc:spChg>
+        <pc:spChg chg="mod">
+          <ac:chgData name="White, Ellie" userId="fec56361-5c8a-4790-9e84-6272d2f2258e" providerId="ADAL" clId="{87DEA6A5-04DD-4F0B-8A38-25F89595D54E}" dt="2023-04-11T06:09:33.005" v="792" actId="2711"/>
+          <ac:spMkLst>
+            <pc:docMk/>
+            <pc:sldMk cId="3136029642" sldId="262"/>
+            <ac:spMk id="37" creationId="{97060462-59E5-ED59-7A98-3E36125EE861}"/>
+          </ac:spMkLst>
+        </pc:spChg>
+        <pc:spChg chg="mod">
+          <ac:chgData name="White, Ellie" userId="fec56361-5c8a-4790-9e84-6272d2f2258e" providerId="ADAL" clId="{87DEA6A5-04DD-4F0B-8A38-25F89595D54E}" dt="2023-04-11T06:09:33.005" v="792" actId="2711"/>
+          <ac:spMkLst>
+            <pc:docMk/>
+            <pc:sldMk cId="3136029642" sldId="262"/>
+            <ac:spMk id="40" creationId="{F0067AC1-980E-FF71-CBEB-C774EC851955}"/>
+          </ac:spMkLst>
+        </pc:spChg>
+        <pc:spChg chg="mod">
+          <ac:chgData name="White, Ellie" userId="fec56361-5c8a-4790-9e84-6272d2f2258e" providerId="ADAL" clId="{87DEA6A5-04DD-4F0B-8A38-25F89595D54E}" dt="2023-04-11T06:09:33.005" v="792" actId="2711"/>
+          <ac:spMkLst>
+            <pc:docMk/>
+            <pc:sldMk cId="3136029642" sldId="262"/>
+            <ac:spMk id="41" creationId="{5F5D940E-4470-F7CD-8BD1-A5F121F2E744}"/>
+          </ac:spMkLst>
+        </pc:spChg>
+        <pc:spChg chg="mod">
+          <ac:chgData name="White, Ellie" userId="fec56361-5c8a-4790-9e84-6272d2f2258e" providerId="ADAL" clId="{87DEA6A5-04DD-4F0B-8A38-25F89595D54E}" dt="2023-04-11T06:09:33.005" v="792" actId="2711"/>
+          <ac:spMkLst>
+            <pc:docMk/>
+            <pc:sldMk cId="3136029642" sldId="262"/>
+            <ac:spMk id="42" creationId="{DF7B7AF0-D54B-3CFE-4809-9F9C70187113}"/>
+          </ac:spMkLst>
+        </pc:spChg>
+        <pc:spChg chg="mod">
+          <ac:chgData name="White, Ellie" userId="fec56361-5c8a-4790-9e84-6272d2f2258e" providerId="ADAL" clId="{87DEA6A5-04DD-4F0B-8A38-25F89595D54E}" dt="2023-04-11T06:09:33.005" v="792" actId="2711"/>
+          <ac:spMkLst>
+            <pc:docMk/>
+            <pc:sldMk cId="3136029642" sldId="262"/>
+            <ac:spMk id="43" creationId="{F70E8B3A-3F4D-4216-0945-CC1BC07328A7}"/>
+          </ac:spMkLst>
+        </pc:spChg>
+        <pc:spChg chg="mod">
+          <ac:chgData name="White, Ellie" userId="fec56361-5c8a-4790-9e84-6272d2f2258e" providerId="ADAL" clId="{87DEA6A5-04DD-4F0B-8A38-25F89595D54E}" dt="2023-04-11T06:09:33.005" v="792" actId="2711"/>
+          <ac:spMkLst>
+            <pc:docMk/>
+            <pc:sldMk cId="3136029642" sldId="262"/>
+            <ac:spMk id="61" creationId="{3B2890E0-4397-E461-4158-1EA89FBAA79A}"/>
+          </ac:spMkLst>
+        </pc:spChg>
+        <pc:spChg chg="mod">
+          <ac:chgData name="White, Ellie" userId="fec56361-5c8a-4790-9e84-6272d2f2258e" providerId="ADAL" clId="{87DEA6A5-04DD-4F0B-8A38-25F89595D54E}" dt="2023-04-11T06:09:33.005" v="792" actId="2711"/>
+          <ac:spMkLst>
+            <pc:docMk/>
+            <pc:sldMk cId="3136029642" sldId="262"/>
+            <ac:spMk id="81" creationId="{3240E778-2DD8-FCFB-2709-EF8112894D6E}"/>
+          </ac:spMkLst>
+        </pc:spChg>
+        <pc:spChg chg="mod">
+          <ac:chgData name="White, Ellie" userId="fec56361-5c8a-4790-9e84-6272d2f2258e" providerId="ADAL" clId="{87DEA6A5-04DD-4F0B-8A38-25F89595D54E}" dt="2023-04-11T06:09:33.005" v="792" actId="2711"/>
+          <ac:spMkLst>
+            <pc:docMk/>
+            <pc:sldMk cId="3136029642" sldId="262"/>
+            <ac:spMk id="90" creationId="{5851EF92-C2D1-4404-C3F7-F8D03E0123BC}"/>
+          </ac:spMkLst>
+        </pc:spChg>
+        <pc:spChg chg="mod">
+          <ac:chgData name="White, Ellie" userId="fec56361-5c8a-4790-9e84-6272d2f2258e" providerId="ADAL" clId="{87DEA6A5-04DD-4F0B-8A38-25F89595D54E}" dt="2023-04-11T06:09:33.005" v="792" actId="2711"/>
+          <ac:spMkLst>
+            <pc:docMk/>
+            <pc:sldMk cId="3136029642" sldId="262"/>
+            <ac:spMk id="92" creationId="{0A260F97-5EB5-E6BD-1F92-B9189BBE145E}"/>
+          </ac:spMkLst>
+        </pc:spChg>
+        <pc:spChg chg="mod">
+          <ac:chgData name="White, Ellie" userId="fec56361-5c8a-4790-9e84-6272d2f2258e" providerId="ADAL" clId="{87DEA6A5-04DD-4F0B-8A38-25F89595D54E}" dt="2023-04-11T06:09:33.005" v="792" actId="2711"/>
+          <ac:spMkLst>
+            <pc:docMk/>
+            <pc:sldMk cId="3136029642" sldId="262"/>
+            <ac:spMk id="93" creationId="{06F92A4B-759E-AD53-BED4-C5BB1E73C4EF}"/>
+          </ac:spMkLst>
+        </pc:spChg>
+        <pc:spChg chg="mod">
+          <ac:chgData name="White, Ellie" userId="fec56361-5c8a-4790-9e84-6272d2f2258e" providerId="ADAL" clId="{87DEA6A5-04DD-4F0B-8A38-25F89595D54E}" dt="2023-04-11T06:09:33.005" v="792" actId="2711"/>
+          <ac:spMkLst>
+            <pc:docMk/>
+            <pc:sldMk cId="3136029642" sldId="262"/>
+            <ac:spMk id="94" creationId="{BABF8ED6-A3C8-C052-B5F3-995A850AF928}"/>
+          </ac:spMkLst>
+        </pc:spChg>
+        <pc:spChg chg="mod">
+          <ac:chgData name="White, Ellie" userId="fec56361-5c8a-4790-9e84-6272d2f2258e" providerId="ADAL" clId="{87DEA6A5-04DD-4F0B-8A38-25F89595D54E}" dt="2023-04-11T06:09:33.005" v="792" actId="2711"/>
+          <ac:spMkLst>
+            <pc:docMk/>
+            <pc:sldMk cId="3136029642" sldId="262"/>
+            <ac:spMk id="95" creationId="{3BB68EE1-FC65-181A-1B46-4428C7F8C79F}"/>
+          </ac:spMkLst>
+        </pc:spChg>
+        <pc:spChg chg="mod">
+          <ac:chgData name="White, Ellie" userId="fec56361-5c8a-4790-9e84-6272d2f2258e" providerId="ADAL" clId="{87DEA6A5-04DD-4F0B-8A38-25F89595D54E}" dt="2023-04-11T15:02:57.836" v="825"/>
+          <ac:spMkLst>
+            <pc:docMk/>
+            <pc:sldMk cId="3136029642" sldId="262"/>
+            <ac:spMk id="110" creationId="{F9664226-E875-1805-201D-4F823ECC3451}"/>
+          </ac:spMkLst>
+        </pc:spChg>
+        <pc:spChg chg="mod">
+          <ac:chgData name="White, Ellie" userId="fec56361-5c8a-4790-9e84-6272d2f2258e" providerId="ADAL" clId="{87DEA6A5-04DD-4F0B-8A38-25F89595D54E}" dt="2023-04-11T06:09:33.005" v="792" actId="2711"/>
+          <ac:spMkLst>
+            <pc:docMk/>
+            <pc:sldMk cId="3136029642" sldId="262"/>
+            <ac:spMk id="112" creationId="{9B0ACAAE-D4D7-4F23-2B4D-0E3E68C77436}"/>
+          </ac:spMkLst>
+        </pc:spChg>
+        <pc:spChg chg="mod">
+          <ac:chgData name="White, Ellie" userId="fec56361-5c8a-4790-9e84-6272d2f2258e" providerId="ADAL" clId="{87DEA6A5-04DD-4F0B-8A38-25F89595D54E}" dt="2023-04-11T06:09:33.005" v="792" actId="2711"/>
+          <ac:spMkLst>
+            <pc:docMk/>
+            <pc:sldMk cId="3136029642" sldId="262"/>
+            <ac:spMk id="113" creationId="{ADD06344-B326-2FA0-9D49-5D0F37B6975C}"/>
+          </ac:spMkLst>
+        </pc:spChg>
+        <pc:spChg chg="mod">
+          <ac:chgData name="White, Ellie" userId="fec56361-5c8a-4790-9e84-6272d2f2258e" providerId="ADAL" clId="{87DEA6A5-04DD-4F0B-8A38-25F89595D54E}" dt="2023-04-11T06:09:33.005" v="792" actId="2711"/>
+          <ac:spMkLst>
+            <pc:docMk/>
+            <pc:sldMk cId="3136029642" sldId="262"/>
+            <ac:spMk id="114" creationId="{21539A2C-A52A-A73B-B246-392B354EC280}"/>
+          </ac:spMkLst>
+        </pc:spChg>
+        <pc:spChg chg="mod">
+          <ac:chgData name="White, Ellie" userId="fec56361-5c8a-4790-9e84-6272d2f2258e" providerId="ADAL" clId="{87DEA6A5-04DD-4F0B-8A38-25F89595D54E}" dt="2023-04-11T06:09:33.005" v="792" actId="2711"/>
+          <ac:spMkLst>
+            <pc:docMk/>
+            <pc:sldMk cId="3136029642" sldId="262"/>
+            <ac:spMk id="115" creationId="{DDF40092-C545-B15E-326D-AEB0893FAE4D}"/>
+          </ac:spMkLst>
+        </pc:spChg>
+        <pc:spChg chg="mod">
+          <ac:chgData name="White, Ellie" userId="fec56361-5c8a-4790-9e84-6272d2f2258e" providerId="ADAL" clId="{87DEA6A5-04DD-4F0B-8A38-25F89595D54E}" dt="2023-04-11T06:09:33.005" v="792" actId="2711"/>
+          <ac:spMkLst>
+            <pc:docMk/>
+            <pc:sldMk cId="3136029642" sldId="262"/>
+            <ac:spMk id="116" creationId="{68732BA1-F724-FC4F-E74C-B052C4B3D729}"/>
+          </ac:spMkLst>
+        </pc:spChg>
+        <pc:spChg chg="mod">
+          <ac:chgData name="White, Ellie" userId="fec56361-5c8a-4790-9e84-6272d2f2258e" providerId="ADAL" clId="{87DEA6A5-04DD-4F0B-8A38-25F89595D54E}" dt="2023-04-11T06:09:33.005" v="792" actId="2711"/>
+          <ac:spMkLst>
+            <pc:docMk/>
+            <pc:sldMk cId="3136029642" sldId="262"/>
+            <ac:spMk id="117" creationId="{4CC719BB-510E-764E-109D-D1F995DA5091}"/>
+          </ac:spMkLst>
+        </pc:spChg>
+        <pc:spChg chg="mod">
+          <ac:chgData name="White, Ellie" userId="fec56361-5c8a-4790-9e84-6272d2f2258e" providerId="ADAL" clId="{87DEA6A5-04DD-4F0B-8A38-25F89595D54E}" dt="2023-04-11T06:09:33.005" v="792" actId="2711"/>
+          <ac:spMkLst>
+            <pc:docMk/>
+            <pc:sldMk cId="3136029642" sldId="262"/>
+            <ac:spMk id="127" creationId="{DFB220B8-B700-0402-E0FE-BF3D28170C36}"/>
+          </ac:spMkLst>
+        </pc:spChg>
+        <pc:spChg chg="mod">
+          <ac:chgData name="White, Ellie" userId="fec56361-5c8a-4790-9e84-6272d2f2258e" providerId="ADAL" clId="{87DEA6A5-04DD-4F0B-8A38-25F89595D54E}" dt="2023-04-11T06:09:33.005" v="792" actId="2711"/>
+          <ac:spMkLst>
+            <pc:docMk/>
+            <pc:sldMk cId="3136029642" sldId="262"/>
+            <ac:spMk id="128" creationId="{8A3F892E-3282-B1A1-E1DD-F1DD59F3E41C}"/>
+          </ac:spMkLst>
+        </pc:spChg>
+        <pc:spChg chg="mod">
+          <ac:chgData name="White, Ellie" userId="fec56361-5c8a-4790-9e84-6272d2f2258e" providerId="ADAL" clId="{87DEA6A5-04DD-4F0B-8A38-25F89595D54E}" dt="2023-04-11T06:09:33.005" v="792" actId="2711"/>
+          <ac:spMkLst>
+            <pc:docMk/>
+            <pc:sldMk cId="3136029642" sldId="262"/>
+            <ac:spMk id="129" creationId="{D73DEE52-8D5A-DCF2-1837-B14BE68940EC}"/>
+          </ac:spMkLst>
+        </pc:spChg>
+        <pc:spChg chg="mod">
+          <ac:chgData name="White, Ellie" userId="fec56361-5c8a-4790-9e84-6272d2f2258e" providerId="ADAL" clId="{87DEA6A5-04DD-4F0B-8A38-25F89595D54E}" dt="2023-04-11T06:09:33.005" v="792" actId="2711"/>
+          <ac:spMkLst>
+            <pc:docMk/>
+            <pc:sldMk cId="3136029642" sldId="262"/>
+            <ac:spMk id="130" creationId="{DBD68E8A-7B71-6087-74B5-7754C3E16BC8}"/>
+          </ac:spMkLst>
+        </pc:spChg>
+        <pc:spChg chg="mod">
+          <ac:chgData name="White, Ellie" userId="fec56361-5c8a-4790-9e84-6272d2f2258e" providerId="ADAL" clId="{87DEA6A5-04DD-4F0B-8A38-25F89595D54E}" dt="2023-04-11T06:09:33.005" v="792" actId="2711"/>
+          <ac:spMkLst>
+            <pc:docMk/>
+            <pc:sldMk cId="3136029642" sldId="262"/>
+            <ac:spMk id="154" creationId="{10F62627-5069-528E-53D4-07F97402E75A}"/>
+          </ac:spMkLst>
+        </pc:spChg>
+        <pc:grpChg chg="add mod">
+          <ac:chgData name="White, Ellie" userId="fec56361-5c8a-4790-9e84-6272d2f2258e" providerId="ADAL" clId="{87DEA6A5-04DD-4F0B-8A38-25F89595D54E}" dt="2023-04-11T05:47:22.521" v="687" actId="164"/>
+          <ac:grpSpMkLst>
+            <pc:docMk/>
+            <pc:sldMk cId="3136029642" sldId="262"/>
+            <ac:grpSpMk id="2" creationId="{E3F9AEDD-39FB-8ABD-7157-ADF57E13F5F7}"/>
+          </ac:grpSpMkLst>
+        </pc:grpChg>
+        <pc:grpChg chg="mod">
+          <ac:chgData name="White, Ellie" userId="fec56361-5c8a-4790-9e84-6272d2f2258e" providerId="ADAL" clId="{87DEA6A5-04DD-4F0B-8A38-25F89595D54E}" dt="2023-04-11T05:44:52.253" v="560"/>
+          <ac:grpSpMkLst>
+            <pc:docMk/>
+            <pc:sldMk cId="3136029642" sldId="262"/>
+            <ac:grpSpMk id="4" creationId="{4519448C-E8DD-8550-D8A0-ED1C18D6A39B}"/>
+          </ac:grpSpMkLst>
+        </pc:grpChg>
+        <pc:grpChg chg="mod">
+          <ac:chgData name="White, Ellie" userId="fec56361-5c8a-4790-9e84-6272d2f2258e" providerId="ADAL" clId="{87DEA6A5-04DD-4F0B-8A38-25F89595D54E}" dt="2023-04-11T05:44:52.253" v="560"/>
+          <ac:grpSpMkLst>
+            <pc:docMk/>
+            <pc:sldMk cId="3136029642" sldId="262"/>
+            <ac:grpSpMk id="19" creationId="{3878B5F8-BF52-D62F-4856-8CAB47AE2F00}"/>
+          </ac:grpSpMkLst>
+        </pc:grpChg>
+        <pc:grpChg chg="mod">
+          <ac:chgData name="White, Ellie" userId="fec56361-5c8a-4790-9e84-6272d2f2258e" providerId="ADAL" clId="{87DEA6A5-04DD-4F0B-8A38-25F89595D54E}" dt="2023-04-11T05:44:52.253" v="560"/>
+          <ac:grpSpMkLst>
+            <pc:docMk/>
+            <pc:sldMk cId="3136029642" sldId="262"/>
+            <ac:grpSpMk id="25" creationId="{672DBF71-450C-37B6-82FC-E5181C6708ED}"/>
+          </ac:grpSpMkLst>
+        </pc:grpChg>
+        <pc:grpChg chg="add mod">
+          <ac:chgData name="White, Ellie" userId="fec56361-5c8a-4790-9e84-6272d2f2258e" providerId="ADAL" clId="{87DEA6A5-04DD-4F0B-8A38-25F89595D54E}" dt="2023-04-11T06:12:55.819" v="808" actId="164"/>
+          <ac:grpSpMkLst>
+            <pc:docMk/>
+            <pc:sldMk cId="3136029642" sldId="262"/>
+            <ac:grpSpMk id="38" creationId="{2C63740E-0443-1953-DE50-71D0F4304A84}"/>
+          </ac:grpSpMkLst>
+        </pc:grpChg>
+        <pc:grpChg chg="add mod">
+          <ac:chgData name="White, Ellie" userId="fec56361-5c8a-4790-9e84-6272d2f2258e" providerId="ADAL" clId="{87DEA6A5-04DD-4F0B-8A38-25F89595D54E}" dt="2023-04-11T05:50:13.569" v="729" actId="164"/>
+          <ac:grpSpMkLst>
+            <pc:docMk/>
+            <pc:sldMk cId="3136029642" sldId="262"/>
+            <ac:grpSpMk id="46" creationId="{00ED4E4F-8478-589E-44C5-EEE0A9E81F58}"/>
+          </ac:grpSpMkLst>
+        </pc:grpChg>
+        <pc:grpChg chg="add mod">
+          <ac:chgData name="White, Ellie" userId="fec56361-5c8a-4790-9e84-6272d2f2258e" providerId="ADAL" clId="{87DEA6A5-04DD-4F0B-8A38-25F89595D54E}" dt="2023-04-11T05:51:22.882" v="772" actId="164"/>
+          <ac:grpSpMkLst>
+            <pc:docMk/>
+            <pc:sldMk cId="3136029642" sldId="262"/>
+            <ac:grpSpMk id="49" creationId="{E20F02E3-3B69-7428-CAA7-414EC1D8DAA6}"/>
+          </ac:grpSpMkLst>
+        </pc:grpChg>
+        <pc:grpChg chg="add mod">
+          <ac:chgData name="White, Ellie" userId="fec56361-5c8a-4790-9e84-6272d2f2258e" providerId="ADAL" clId="{87DEA6A5-04DD-4F0B-8A38-25F89595D54E}" dt="2023-04-11T06:12:55.819" v="808" actId="164"/>
+          <ac:grpSpMkLst>
+            <pc:docMk/>
+            <pc:sldMk cId="3136029642" sldId="262"/>
+            <ac:grpSpMk id="50" creationId="{D184B23D-5B1E-1C91-5FB7-E684AFAF8A9E}"/>
+          </ac:grpSpMkLst>
+        </pc:grpChg>
+        <pc:grpChg chg="del">
+          <ac:chgData name="White, Ellie" userId="fec56361-5c8a-4790-9e84-6272d2f2258e" providerId="ADAL" clId="{87DEA6A5-04DD-4F0B-8A38-25F89595D54E}" dt="2023-04-11T05:44:51.217" v="559" actId="478"/>
+          <ac:grpSpMkLst>
+            <pc:docMk/>
+            <pc:sldMk cId="3136029642" sldId="262"/>
+            <ac:grpSpMk id="69" creationId="{3A6A836D-47D6-56EE-7057-8602DEEB7267}"/>
+          </ac:grpSpMkLst>
+        </pc:grpChg>
+        <pc:grpChg chg="mod">
+          <ac:chgData name="White, Ellie" userId="fec56361-5c8a-4790-9e84-6272d2f2258e" providerId="ADAL" clId="{87DEA6A5-04DD-4F0B-8A38-25F89595D54E}" dt="2023-04-11T05:51:22.882" v="772" actId="164"/>
+          <ac:grpSpMkLst>
+            <pc:docMk/>
+            <pc:sldMk cId="3136029642" sldId="262"/>
+            <ac:grpSpMk id="77" creationId="{AD5546C7-930E-3C93-F49E-C53376DB3189}"/>
+          </ac:grpSpMkLst>
+        </pc:grpChg>
+        <pc:grpChg chg="mod">
+          <ac:chgData name="White, Ellie" userId="fec56361-5c8a-4790-9e84-6272d2f2258e" providerId="ADAL" clId="{87DEA6A5-04DD-4F0B-8A38-25F89595D54E}" dt="2023-04-11T05:51:22.882" v="772" actId="164"/>
+          <ac:grpSpMkLst>
+            <pc:docMk/>
+            <pc:sldMk cId="3136029642" sldId="262"/>
+            <ac:grpSpMk id="83" creationId="{77C10F98-C61B-7003-CFE4-3CB8D967E106}"/>
+          </ac:grpSpMkLst>
+        </pc:grpChg>
+        <pc:grpChg chg="mod">
+          <ac:chgData name="White, Ellie" userId="fec56361-5c8a-4790-9e84-6272d2f2258e" providerId="ADAL" clId="{87DEA6A5-04DD-4F0B-8A38-25F89595D54E}" dt="2023-04-11T05:51:22.882" v="772" actId="164"/>
+          <ac:grpSpMkLst>
+            <pc:docMk/>
+            <pc:sldMk cId="3136029642" sldId="262"/>
+            <ac:grpSpMk id="96" creationId="{D20A6F3A-7E85-9FFB-A66A-BE28177F74CC}"/>
+          </ac:grpSpMkLst>
+        </pc:grpChg>
+        <pc:grpChg chg="mod">
+          <ac:chgData name="White, Ellie" userId="fec56361-5c8a-4790-9e84-6272d2f2258e" providerId="ADAL" clId="{87DEA6A5-04DD-4F0B-8A38-25F89595D54E}" dt="2023-04-11T05:51:22.882" v="772" actId="164"/>
+          <ac:grpSpMkLst>
+            <pc:docMk/>
+            <pc:sldMk cId="3136029642" sldId="262"/>
+            <ac:grpSpMk id="119" creationId="{BA8F6FA3-392B-2DCE-F67B-AFE623DEB112}"/>
+          </ac:grpSpMkLst>
+        </pc:grpChg>
+        <pc:grpChg chg="mod">
+          <ac:chgData name="White, Ellie" userId="fec56361-5c8a-4790-9e84-6272d2f2258e" providerId="ADAL" clId="{87DEA6A5-04DD-4F0B-8A38-25F89595D54E}" dt="2023-04-11T05:51:22.882" v="772" actId="164"/>
+          <ac:grpSpMkLst>
+            <pc:docMk/>
+            <pc:sldMk cId="3136029642" sldId="262"/>
+            <ac:grpSpMk id="126" creationId="{49C22CF5-4563-EAC1-06B9-8101272D2049}"/>
+          </ac:grpSpMkLst>
+        </pc:grpChg>
+        <pc:grpChg chg="mod">
+          <ac:chgData name="White, Ellie" userId="fec56361-5c8a-4790-9e84-6272d2f2258e" providerId="ADAL" clId="{87DEA6A5-04DD-4F0B-8A38-25F89595D54E}" dt="2023-04-11T05:51:22.882" v="772" actId="164"/>
+          <ac:grpSpMkLst>
+            <pc:docMk/>
+            <pc:sldMk cId="3136029642" sldId="262"/>
+            <ac:grpSpMk id="141" creationId="{6ACCCFEC-EE8D-E85D-99F3-AEAF1A5E511D}"/>
+          </ac:grpSpMkLst>
+        </pc:grpChg>
+        <pc:picChg chg="mod">
+          <ac:chgData name="White, Ellie" userId="fec56361-5c8a-4790-9e84-6272d2f2258e" providerId="ADAL" clId="{87DEA6A5-04DD-4F0B-8A38-25F89595D54E}" dt="2023-04-11T05:51:22.882" v="772" actId="164"/>
+          <ac:picMkLst>
+            <pc:docMk/>
+            <pc:sldMk cId="3136029642" sldId="262"/>
+            <ac:picMk id="3" creationId="{C081CB69-D92F-2257-0FE3-5EDA678BDDEF}"/>
+          </ac:picMkLst>
+        </pc:picChg>
+        <pc:picChg chg="add mod ord">
+          <ac:chgData name="White, Ellie" userId="fec56361-5c8a-4790-9e84-6272d2f2258e" providerId="ADAL" clId="{87DEA6A5-04DD-4F0B-8A38-25F89595D54E}" dt="2023-04-11T06:12:55.819" v="808" actId="164"/>
+          <ac:picMkLst>
+            <pc:docMk/>
+            <pc:sldMk cId="3136029642" sldId="262"/>
+            <ac:picMk id="8" creationId="{6BAE727D-786F-565F-0628-D51F41852BAB}"/>
+          </ac:picMkLst>
+        </pc:picChg>
+        <pc:picChg chg="del">
+          <ac:chgData name="White, Ellie" userId="fec56361-5c8a-4790-9e84-6272d2f2258e" providerId="ADAL" clId="{87DEA6A5-04DD-4F0B-8A38-25F89595D54E}" dt="2023-04-11T05:48:32.093" v="724" actId="478"/>
+          <ac:picMkLst>
+            <pc:docMk/>
+            <pc:sldMk cId="3136029642" sldId="262"/>
+            <ac:picMk id="8" creationId="{E995C809-9F2E-E86D-7C5A-F80FEB175FD2}"/>
+          </ac:picMkLst>
+        </pc:picChg>
+        <pc:picChg chg="mod">
+          <ac:chgData name="White, Ellie" userId="fec56361-5c8a-4790-9e84-6272d2f2258e" providerId="ADAL" clId="{87DEA6A5-04DD-4F0B-8A38-25F89595D54E}" dt="2023-04-11T05:51:22.882" v="772" actId="164"/>
+          <ac:picMkLst>
+            <pc:docMk/>
+            <pc:sldMk cId="3136029642" sldId="262"/>
+            <ac:picMk id="9" creationId="{AD6E475A-2214-17A5-A79C-91AB2E3E72B2}"/>
+          </ac:picMkLst>
+        </pc:picChg>
+        <pc:picChg chg="mod">
+          <ac:chgData name="White, Ellie" userId="fec56361-5c8a-4790-9e84-6272d2f2258e" providerId="ADAL" clId="{87DEA6A5-04DD-4F0B-8A38-25F89595D54E}" dt="2023-04-11T05:51:22.882" v="772" actId="164"/>
+          <ac:picMkLst>
+            <pc:docMk/>
+            <pc:sldMk cId="3136029642" sldId="262"/>
+            <ac:picMk id="18" creationId="{33AD14E2-EEA2-57C2-7744-E4FED68898B9}"/>
+          </ac:picMkLst>
+        </pc:picChg>
+        <pc:picChg chg="add del mod ord">
+          <ac:chgData name="White, Ellie" userId="fec56361-5c8a-4790-9e84-6272d2f2258e" providerId="ADAL" clId="{87DEA6A5-04DD-4F0B-8A38-25F89595D54E}" dt="2023-04-11T06:09:06.381" v="787" actId="478"/>
+          <ac:picMkLst>
+            <pc:docMk/>
+            <pc:sldMk cId="3136029642" sldId="262"/>
+            <ac:picMk id="48" creationId="{D4BC98F7-49C2-3D63-316B-1F7FFB39F24E}"/>
+          </ac:picMkLst>
+        </pc:picChg>
+        <pc:cxnChg chg="del mod">
+          <ac:chgData name="White, Ellie" userId="fec56361-5c8a-4790-9e84-6272d2f2258e" providerId="ADAL" clId="{87DEA6A5-04DD-4F0B-8A38-25F89595D54E}" dt="2023-04-11T05:46:22.509" v="590" actId="478"/>
+          <ac:cxnSpMkLst>
+            <pc:docMk/>
+            <pc:sldMk cId="3136029642" sldId="262"/>
+            <ac:cxnSpMk id="5" creationId="{C4F8067D-8BA1-400D-DDCD-0EE4F7A65075}"/>
+          </ac:cxnSpMkLst>
+        </pc:cxnChg>
+        <pc:cxnChg chg="mod">
+          <ac:chgData name="White, Ellie" userId="fec56361-5c8a-4790-9e84-6272d2f2258e" providerId="ADAL" clId="{87DEA6A5-04DD-4F0B-8A38-25F89595D54E}" dt="2023-04-11T06:09:33.005" v="792" actId="2711"/>
+          <ac:cxnSpMkLst>
+            <pc:docMk/>
+            <pc:sldMk cId="3136029642" sldId="262"/>
+            <ac:cxnSpMk id="6" creationId="{41F14311-D4F5-0B52-4DF8-A0F6259CE3D3}"/>
+          </ac:cxnSpMkLst>
+        </pc:cxnChg>
+        <pc:cxnChg chg="mod">
+          <ac:chgData name="White, Ellie" userId="fec56361-5c8a-4790-9e84-6272d2f2258e" providerId="ADAL" clId="{87DEA6A5-04DD-4F0B-8A38-25F89595D54E}" dt="2023-04-11T05:44:52.253" v="560"/>
+          <ac:cxnSpMkLst>
+            <pc:docMk/>
+            <pc:sldMk cId="3136029642" sldId="262"/>
+            <ac:cxnSpMk id="26" creationId="{7329C267-D722-4AFA-6384-3F95483A05F2}"/>
+          </ac:cxnSpMkLst>
+        </pc:cxnChg>
+        <pc:cxnChg chg="mod">
+          <ac:chgData name="White, Ellie" userId="fec56361-5c8a-4790-9e84-6272d2f2258e" providerId="ADAL" clId="{87DEA6A5-04DD-4F0B-8A38-25F89595D54E}" dt="2023-04-11T05:44:52.253" v="560"/>
+          <ac:cxnSpMkLst>
+            <pc:docMk/>
+            <pc:sldMk cId="3136029642" sldId="262"/>
+            <ac:cxnSpMk id="27" creationId="{5BCD6614-6378-D72B-1695-70CED7585762}"/>
+          </ac:cxnSpMkLst>
+        </pc:cxnChg>
+        <pc:cxnChg chg="add mod">
+          <ac:chgData name="White, Ellie" userId="fec56361-5c8a-4790-9e84-6272d2f2258e" providerId="ADAL" clId="{87DEA6A5-04DD-4F0B-8A38-25F89595D54E}" dt="2023-04-11T05:47:22.521" v="687" actId="164"/>
+          <ac:cxnSpMkLst>
+            <pc:docMk/>
+            <pc:sldMk cId="3136029642" sldId="262"/>
+            <ac:cxnSpMk id="39" creationId="{CC2058BD-61E7-D871-E364-A613A531564A}"/>
+          </ac:cxnSpMkLst>
+        </pc:cxnChg>
+        <pc:cxnChg chg="mod">
+          <ac:chgData name="White, Ellie" userId="fec56361-5c8a-4790-9e84-6272d2f2258e" providerId="ADAL" clId="{87DEA6A5-04DD-4F0B-8A38-25F89595D54E}" dt="2023-04-11T05:50:13.569" v="729" actId="164"/>
+          <ac:cxnSpMkLst>
+            <pc:docMk/>
+            <pc:sldMk cId="3136029642" sldId="262"/>
+            <ac:cxnSpMk id="152" creationId="{35CD4AC8-8C5B-ED83-8F3C-0C9E0C5762AA}"/>
+          </ac:cxnSpMkLst>
+        </pc:cxnChg>
+      </pc:sldChg>
+      <pc:sldChg chg="addSp delSp modSp add mod">
+        <pc:chgData name="White, Ellie" userId="fec56361-5c8a-4790-9e84-6272d2f2258e" providerId="ADAL" clId="{87DEA6A5-04DD-4F0B-8A38-25F89595D54E}" dt="2023-04-11T15:11:42.352" v="960" actId="164"/>
+        <pc:sldMkLst>
+          <pc:docMk/>
+          <pc:sldMk cId="912822917" sldId="263"/>
+        </pc:sldMkLst>
+        <pc:spChg chg="mod">
+          <ac:chgData name="White, Ellie" userId="fec56361-5c8a-4790-9e84-6272d2f2258e" providerId="ADAL" clId="{87DEA6A5-04DD-4F0B-8A38-25F89595D54E}" dt="2023-04-11T06:12:09.626" v="803" actId="165"/>
+          <ac:spMkLst>
+            <pc:docMk/>
+            <pc:sldMk cId="912822917" sldId="263"/>
+            <ac:spMk id="11" creationId="{844ABA5D-F707-9535-1914-1C3A7F482CEA}"/>
+          </ac:spMkLst>
+        </pc:spChg>
+        <pc:spChg chg="mod topLvl">
+          <ac:chgData name="White, Ellie" userId="fec56361-5c8a-4790-9e84-6272d2f2258e" providerId="ADAL" clId="{87DEA6A5-04DD-4F0B-8A38-25F89595D54E}" dt="2023-04-11T15:11:42.352" v="960" actId="164"/>
+          <ac:spMkLst>
+            <pc:docMk/>
+            <pc:sldMk cId="912822917" sldId="263"/>
+            <ac:spMk id="12" creationId="{A92751BD-0BCB-F84D-4CE3-45911BE1EE09}"/>
+          </ac:spMkLst>
+        </pc:spChg>
+        <pc:spChg chg="mod topLvl">
+          <ac:chgData name="White, Ellie" userId="fec56361-5c8a-4790-9e84-6272d2f2258e" providerId="ADAL" clId="{87DEA6A5-04DD-4F0B-8A38-25F89595D54E}" dt="2023-04-11T15:11:42.352" v="960" actId="164"/>
+          <ac:spMkLst>
+            <pc:docMk/>
+            <pc:sldMk cId="912822917" sldId="263"/>
+            <ac:spMk id="13" creationId="{DD8FF5E5-8077-9B79-7F23-BF41326D2659}"/>
+          </ac:spMkLst>
+        </pc:spChg>
+        <pc:spChg chg="mod topLvl">
+          <ac:chgData name="White, Ellie" userId="fec56361-5c8a-4790-9e84-6272d2f2258e" providerId="ADAL" clId="{87DEA6A5-04DD-4F0B-8A38-25F89595D54E}" dt="2023-04-11T15:11:42.352" v="960" actId="164"/>
+          <ac:spMkLst>
+            <pc:docMk/>
+            <pc:sldMk cId="912822917" sldId="263"/>
+            <ac:spMk id="14" creationId="{EDE2B9F8-9E3D-678D-C890-E5D58669DFD2}"/>
+          </ac:spMkLst>
+        </pc:spChg>
+        <pc:spChg chg="mod topLvl">
+          <ac:chgData name="White, Ellie" userId="fec56361-5c8a-4790-9e84-6272d2f2258e" providerId="ADAL" clId="{87DEA6A5-04DD-4F0B-8A38-25F89595D54E}" dt="2023-04-11T15:11:42.352" v="960" actId="164"/>
+          <ac:spMkLst>
+            <pc:docMk/>
+            <pc:sldMk cId="912822917" sldId="263"/>
+            <ac:spMk id="15" creationId="{59731D87-5DD9-E804-08D9-E2BD4F5D0AC4}"/>
+          </ac:spMkLst>
+        </pc:spChg>
+        <pc:spChg chg="mod">
+          <ac:chgData name="White, Ellie" userId="fec56361-5c8a-4790-9e84-6272d2f2258e" providerId="ADAL" clId="{87DEA6A5-04DD-4F0B-8A38-25F89595D54E}" dt="2023-04-11T06:12:09.626" v="803" actId="165"/>
+          <ac:spMkLst>
+            <pc:docMk/>
+            <pc:sldMk cId="912822917" sldId="263"/>
+            <ac:spMk id="16" creationId="{355663AC-5DF1-DE82-D377-3B4D2A05ADFE}"/>
+          </ac:spMkLst>
+        </pc:spChg>
+        <pc:spChg chg="mod">
+          <ac:chgData name="White, Ellie" userId="fec56361-5c8a-4790-9e84-6272d2f2258e" providerId="ADAL" clId="{87DEA6A5-04DD-4F0B-8A38-25F89595D54E}" dt="2023-04-11T15:08:54.314" v="887" actId="165"/>
+          <ac:spMkLst>
+            <pc:docMk/>
+            <pc:sldMk cId="912822917" sldId="263"/>
+            <ac:spMk id="17" creationId="{E8EB3159-5F25-B2C0-43AC-83F1DF73BE7B}"/>
+          </ac:spMkLst>
+        </pc:spChg>
+        <pc:spChg chg="mod">
+          <ac:chgData name="White, Ellie" userId="fec56361-5c8a-4790-9e84-6272d2f2258e" providerId="ADAL" clId="{87DEA6A5-04DD-4F0B-8A38-25F89595D54E}" dt="2023-04-11T15:08:54.314" v="887" actId="165"/>
+          <ac:spMkLst>
+            <pc:docMk/>
+            <pc:sldMk cId="912822917" sldId="263"/>
+            <ac:spMk id="20" creationId="{955A7CE5-80B7-11A5-3983-7037E6E3B1B5}"/>
+          </ac:spMkLst>
+        </pc:spChg>
+        <pc:spChg chg="mod">
+          <ac:chgData name="White, Ellie" userId="fec56361-5c8a-4790-9e84-6272d2f2258e" providerId="ADAL" clId="{87DEA6A5-04DD-4F0B-8A38-25F89595D54E}" dt="2023-04-11T06:12:09.626" v="803" actId="165"/>
+          <ac:spMkLst>
+            <pc:docMk/>
+            <pc:sldMk cId="912822917" sldId="263"/>
+            <ac:spMk id="21" creationId="{12A83389-59CC-68CC-BCF4-12D7D015ACA0}"/>
+          </ac:spMkLst>
+        </pc:spChg>
+        <pc:spChg chg="mod">
+          <ac:chgData name="White, Ellie" userId="fec56361-5c8a-4790-9e84-6272d2f2258e" providerId="ADAL" clId="{87DEA6A5-04DD-4F0B-8A38-25F89595D54E}" dt="2023-04-11T15:08:54.314" v="887" actId="165"/>
+          <ac:spMkLst>
+            <pc:docMk/>
+            <pc:sldMk cId="912822917" sldId="263"/>
+            <ac:spMk id="22" creationId="{2A88EBE2-99BA-C1D4-A149-0E1783B593BE}"/>
+          </ac:spMkLst>
+        </pc:spChg>
+        <pc:spChg chg="mod">
+          <ac:chgData name="White, Ellie" userId="fec56361-5c8a-4790-9e84-6272d2f2258e" providerId="ADAL" clId="{87DEA6A5-04DD-4F0B-8A38-25F89595D54E}" dt="2023-04-11T15:08:54.314" v="887" actId="165"/>
+          <ac:spMkLst>
+            <pc:docMk/>
+            <pc:sldMk cId="912822917" sldId="263"/>
+            <ac:spMk id="23" creationId="{A220EBAC-E495-B7F3-F042-D2409E064FA2}"/>
+          </ac:spMkLst>
+        </pc:spChg>
+        <pc:spChg chg="mod">
+          <ac:chgData name="White, Ellie" userId="fec56361-5c8a-4790-9e84-6272d2f2258e" providerId="ADAL" clId="{87DEA6A5-04DD-4F0B-8A38-25F89595D54E}" dt="2023-04-11T15:08:54.314" v="887" actId="165"/>
+          <ac:spMkLst>
+            <pc:docMk/>
+            <pc:sldMk cId="912822917" sldId="263"/>
+            <ac:spMk id="24" creationId="{2FFEA1FF-8F5A-57FB-1329-EE3230CCA5E4}"/>
+          </ac:spMkLst>
+        </pc:spChg>
+        <pc:spChg chg="mod">
+          <ac:chgData name="White, Ellie" userId="fec56361-5c8a-4790-9e84-6272d2f2258e" providerId="ADAL" clId="{87DEA6A5-04DD-4F0B-8A38-25F89595D54E}" dt="2023-04-11T15:08:54.314" v="887" actId="165"/>
+          <ac:spMkLst>
+            <pc:docMk/>
+            <pc:sldMk cId="912822917" sldId="263"/>
+            <ac:spMk id="28" creationId="{55699BC5-317E-07BA-30C7-0915E5144722}"/>
+          </ac:spMkLst>
+        </pc:spChg>
+        <pc:spChg chg="mod">
+          <ac:chgData name="White, Ellie" userId="fec56361-5c8a-4790-9e84-6272d2f2258e" providerId="ADAL" clId="{87DEA6A5-04DD-4F0B-8A38-25F89595D54E}" dt="2023-04-11T15:08:54.314" v="887" actId="165"/>
+          <ac:spMkLst>
+            <pc:docMk/>
+            <pc:sldMk cId="912822917" sldId="263"/>
+            <ac:spMk id="29" creationId="{9F35B3C2-69BA-F26E-1A83-44F0E5AE4DD1}"/>
+          </ac:spMkLst>
+        </pc:spChg>
+        <pc:spChg chg="mod">
+          <ac:chgData name="White, Ellie" userId="fec56361-5c8a-4790-9e84-6272d2f2258e" providerId="ADAL" clId="{87DEA6A5-04DD-4F0B-8A38-25F89595D54E}" dt="2023-04-11T15:08:54.314" v="887" actId="165"/>
+          <ac:spMkLst>
+            <pc:docMk/>
+            <pc:sldMk cId="912822917" sldId="263"/>
+            <ac:spMk id="30" creationId="{52FED1B8-24A1-12B4-7DC3-1595C2923EF6}"/>
+          </ac:spMkLst>
+        </pc:spChg>
+        <pc:spChg chg="mod">
+          <ac:chgData name="White, Ellie" userId="fec56361-5c8a-4790-9e84-6272d2f2258e" providerId="ADAL" clId="{87DEA6A5-04DD-4F0B-8A38-25F89595D54E}" dt="2023-04-11T06:12:09.626" v="803" actId="165"/>
+          <ac:spMkLst>
+            <pc:docMk/>
+            <pc:sldMk cId="912822917" sldId="263"/>
+            <ac:spMk id="31" creationId="{EEB2DF04-9D9C-EC47-6EB0-7A7465401FE0}"/>
+          </ac:spMkLst>
+        </pc:spChg>
+        <pc:spChg chg="mod">
+          <ac:chgData name="White, Ellie" userId="fec56361-5c8a-4790-9e84-6272d2f2258e" providerId="ADAL" clId="{87DEA6A5-04DD-4F0B-8A38-25F89595D54E}" dt="2023-04-11T15:08:54.314" v="887" actId="165"/>
+          <ac:spMkLst>
+            <pc:docMk/>
+            <pc:sldMk cId="912822917" sldId="263"/>
+            <ac:spMk id="32" creationId="{2E8B8AE1-2ED1-A064-0F0C-35811B7A3A73}"/>
+          </ac:spMkLst>
+        </pc:spChg>
+        <pc:spChg chg="mod">
+          <ac:chgData name="White, Ellie" userId="fec56361-5c8a-4790-9e84-6272d2f2258e" providerId="ADAL" clId="{87DEA6A5-04DD-4F0B-8A38-25F89595D54E}" dt="2023-04-11T06:12:09.626" v="803" actId="165"/>
+          <ac:spMkLst>
+            <pc:docMk/>
+            <pc:sldMk cId="912822917" sldId="263"/>
+            <ac:spMk id="33" creationId="{8CB1D1B3-912E-07BE-8C0A-C657CBC1F0A4}"/>
+          </ac:spMkLst>
+        </pc:spChg>
+        <pc:spChg chg="mod">
+          <ac:chgData name="White, Ellie" userId="fec56361-5c8a-4790-9e84-6272d2f2258e" providerId="ADAL" clId="{87DEA6A5-04DD-4F0B-8A38-25F89595D54E}" dt="2023-04-11T15:08:54.314" v="887" actId="165"/>
+          <ac:spMkLst>
+            <pc:docMk/>
+            <pc:sldMk cId="912822917" sldId="263"/>
+            <ac:spMk id="34" creationId="{BAC09385-76B2-A5E3-587A-5B1B7B5A401B}"/>
+          </ac:spMkLst>
+        </pc:spChg>
+        <pc:spChg chg="mod">
+          <ac:chgData name="White, Ellie" userId="fec56361-5c8a-4790-9e84-6272d2f2258e" providerId="ADAL" clId="{87DEA6A5-04DD-4F0B-8A38-25F89595D54E}" dt="2023-04-11T06:12:09.626" v="803" actId="165"/>
+          <ac:spMkLst>
+            <pc:docMk/>
+            <pc:sldMk cId="912822917" sldId="263"/>
+            <ac:spMk id="37" creationId="{97060462-59E5-ED59-7A98-3E36125EE861}"/>
+          </ac:spMkLst>
+        </pc:spChg>
+        <pc:spChg chg="mod">
+          <ac:chgData name="White, Ellie" userId="fec56361-5c8a-4790-9e84-6272d2f2258e" providerId="ADAL" clId="{87DEA6A5-04DD-4F0B-8A38-25F89595D54E}" dt="2023-04-11T15:08:54.314" v="887" actId="165"/>
+          <ac:spMkLst>
+            <pc:docMk/>
+            <pc:sldMk cId="912822917" sldId="263"/>
+            <ac:spMk id="40" creationId="{F0067AC1-980E-FF71-CBEB-C774EC851955}"/>
+          </ac:spMkLst>
+        </pc:spChg>
+        <pc:spChg chg="mod topLvl">
+          <ac:chgData name="White, Ellie" userId="fec56361-5c8a-4790-9e84-6272d2f2258e" providerId="ADAL" clId="{87DEA6A5-04DD-4F0B-8A38-25F89595D54E}" dt="2023-04-11T15:11:42.352" v="960" actId="164"/>
+          <ac:spMkLst>
+            <pc:docMk/>
+            <pc:sldMk cId="912822917" sldId="263"/>
+            <ac:spMk id="41" creationId="{5F5D940E-4470-F7CD-8BD1-A5F121F2E744}"/>
+          </ac:spMkLst>
+        </pc:spChg>
+        <pc:spChg chg="mod">
+          <ac:chgData name="White, Ellie" userId="fec56361-5c8a-4790-9e84-6272d2f2258e" providerId="ADAL" clId="{87DEA6A5-04DD-4F0B-8A38-25F89595D54E}" dt="2023-04-11T15:08:54.314" v="887" actId="165"/>
+          <ac:spMkLst>
+            <pc:docMk/>
+            <pc:sldMk cId="912822917" sldId="263"/>
+            <ac:spMk id="42" creationId="{DF7B7AF0-D54B-3CFE-4809-9F9C70187113}"/>
+          </ac:spMkLst>
+        </pc:spChg>
+        <pc:spChg chg="mod topLvl">
+          <ac:chgData name="White, Ellie" userId="fec56361-5c8a-4790-9e84-6272d2f2258e" providerId="ADAL" clId="{87DEA6A5-04DD-4F0B-8A38-25F89595D54E}" dt="2023-04-11T15:11:42.352" v="960" actId="164"/>
+          <ac:spMkLst>
+            <pc:docMk/>
+            <pc:sldMk cId="912822917" sldId="263"/>
+            <ac:spMk id="43" creationId="{F70E8B3A-3F4D-4216-0945-CC1BC07328A7}"/>
+          </ac:spMkLst>
+        </pc:spChg>
+        <pc:spChg chg="mod topLvl">
+          <ac:chgData name="White, Ellie" userId="fec56361-5c8a-4790-9e84-6272d2f2258e" providerId="ADAL" clId="{87DEA6A5-04DD-4F0B-8A38-25F89595D54E}" dt="2023-04-11T15:11:42.352" v="960" actId="164"/>
+          <ac:spMkLst>
+            <pc:docMk/>
+            <pc:sldMk cId="912822917" sldId="263"/>
+            <ac:spMk id="45" creationId="{12B6A50C-C0A7-A3A2-2A3B-5B6FD9C0EFD2}"/>
+          </ac:spMkLst>
+        </pc:spChg>
+        <pc:spChg chg="mod">
+          <ac:chgData name="White, Ellie" userId="fec56361-5c8a-4790-9e84-6272d2f2258e" providerId="ADAL" clId="{87DEA6A5-04DD-4F0B-8A38-25F89595D54E}" dt="2023-04-11T15:09:03.665" v="888" actId="165"/>
+          <ac:spMkLst>
+            <pc:docMk/>
+            <pc:sldMk cId="912822917" sldId="263"/>
+            <ac:spMk id="52" creationId="{A8B2F5B7-32F2-5956-89F6-ED6E67C8AE16}"/>
+          </ac:spMkLst>
+        </pc:spChg>
+        <pc:spChg chg="mod">
+          <ac:chgData name="White, Ellie" userId="fec56361-5c8a-4790-9e84-6272d2f2258e" providerId="ADAL" clId="{87DEA6A5-04DD-4F0B-8A38-25F89595D54E}" dt="2023-04-11T15:09:37.443" v="911" actId="1038"/>
+          <ac:spMkLst>
+            <pc:docMk/>
+            <pc:sldMk cId="912822917" sldId="263"/>
+            <ac:spMk id="53" creationId="{C34EA229-AE73-96C7-5CE2-26E979EE2A9D}"/>
+          </ac:spMkLst>
+        </pc:spChg>
+        <pc:spChg chg="mod">
+          <ac:chgData name="White, Ellie" userId="fec56361-5c8a-4790-9e84-6272d2f2258e" providerId="ADAL" clId="{87DEA6A5-04DD-4F0B-8A38-25F89595D54E}" dt="2023-04-11T15:10:42.101" v="917" actId="208"/>
+          <ac:spMkLst>
+            <pc:docMk/>
+            <pc:sldMk cId="912822917" sldId="263"/>
+            <ac:spMk id="57" creationId="{351D1D00-96F7-AA0C-772D-1585F447FF73}"/>
+          </ac:spMkLst>
+        </pc:spChg>
+        <pc:spChg chg="mod">
+          <ac:chgData name="White, Ellie" userId="fec56361-5c8a-4790-9e84-6272d2f2258e" providerId="ADAL" clId="{87DEA6A5-04DD-4F0B-8A38-25F89595D54E}" dt="2023-04-11T15:10:47.794" v="918" actId="1038"/>
+          <ac:spMkLst>
+            <pc:docMk/>
+            <pc:sldMk cId="912822917" sldId="263"/>
+            <ac:spMk id="58" creationId="{E2E61A04-C16F-87F3-537C-3FF415F6BDB2}"/>
+          </ac:spMkLst>
+        </pc:spChg>
+        <pc:spChg chg="mod topLvl">
+          <ac:chgData name="White, Ellie" userId="fec56361-5c8a-4790-9e84-6272d2f2258e" providerId="ADAL" clId="{87DEA6A5-04DD-4F0B-8A38-25F89595D54E}" dt="2023-04-11T15:11:42.352" v="960" actId="164"/>
+          <ac:spMkLst>
+            <pc:docMk/>
+            <pc:sldMk cId="912822917" sldId="263"/>
+            <ac:spMk id="61" creationId="{3B2890E0-4397-E461-4158-1EA89FBAA79A}"/>
+          </ac:spMkLst>
+        </pc:spChg>
+        <pc:spChg chg="mod">
+          <ac:chgData name="White, Ellie" userId="fec56361-5c8a-4790-9e84-6272d2f2258e" providerId="ADAL" clId="{87DEA6A5-04DD-4F0B-8A38-25F89595D54E}" dt="2023-04-11T15:08:54.314" v="887" actId="165"/>
+          <ac:spMkLst>
+            <pc:docMk/>
+            <pc:sldMk cId="912822917" sldId="263"/>
+            <ac:spMk id="81" creationId="{3240E778-2DD8-FCFB-2709-EF8112894D6E}"/>
+          </ac:spMkLst>
+        </pc:spChg>
+        <pc:spChg chg="mod topLvl">
+          <ac:chgData name="White, Ellie" userId="fec56361-5c8a-4790-9e84-6272d2f2258e" providerId="ADAL" clId="{87DEA6A5-04DD-4F0B-8A38-25F89595D54E}" dt="2023-04-11T15:11:42.352" v="960" actId="164"/>
+          <ac:spMkLst>
+            <pc:docMk/>
+            <pc:sldMk cId="912822917" sldId="263"/>
+            <ac:spMk id="90" creationId="{5851EF92-C2D1-4404-C3F7-F8D03E0123BC}"/>
+          </ac:spMkLst>
+        </pc:spChg>
+        <pc:spChg chg="mod">
+          <ac:chgData name="White, Ellie" userId="fec56361-5c8a-4790-9e84-6272d2f2258e" providerId="ADAL" clId="{87DEA6A5-04DD-4F0B-8A38-25F89595D54E}" dt="2023-04-11T15:08:54.314" v="887" actId="165"/>
+          <ac:spMkLst>
+            <pc:docMk/>
+            <pc:sldMk cId="912822917" sldId="263"/>
+            <ac:spMk id="92" creationId="{0A260F97-5EB5-E6BD-1F92-B9189BBE145E}"/>
+          </ac:spMkLst>
+        </pc:spChg>
+        <pc:spChg chg="mod">
+          <ac:chgData name="White, Ellie" userId="fec56361-5c8a-4790-9e84-6272d2f2258e" providerId="ADAL" clId="{87DEA6A5-04DD-4F0B-8A38-25F89595D54E}" dt="2023-04-11T15:08:54.314" v="887" actId="165"/>
+          <ac:spMkLst>
+            <pc:docMk/>
+            <pc:sldMk cId="912822917" sldId="263"/>
+            <ac:spMk id="93" creationId="{06F92A4B-759E-AD53-BED4-C5BB1E73C4EF}"/>
+          </ac:spMkLst>
+        </pc:spChg>
+        <pc:spChg chg="mod">
+          <ac:chgData name="White, Ellie" userId="fec56361-5c8a-4790-9e84-6272d2f2258e" providerId="ADAL" clId="{87DEA6A5-04DD-4F0B-8A38-25F89595D54E}" dt="2023-04-11T15:08:54.314" v="887" actId="165"/>
+          <ac:spMkLst>
+            <pc:docMk/>
+            <pc:sldMk cId="912822917" sldId="263"/>
+            <ac:spMk id="94" creationId="{BABF8ED6-A3C8-C052-B5F3-995A850AF928}"/>
+          </ac:spMkLst>
+        </pc:spChg>
+        <pc:spChg chg="mod">
+          <ac:chgData name="White, Ellie" userId="fec56361-5c8a-4790-9e84-6272d2f2258e" providerId="ADAL" clId="{87DEA6A5-04DD-4F0B-8A38-25F89595D54E}" dt="2023-04-11T15:08:54.314" v="887" actId="165"/>
+          <ac:spMkLst>
+            <pc:docMk/>
+            <pc:sldMk cId="912822917" sldId="263"/>
+            <ac:spMk id="95" creationId="{3BB68EE1-FC65-181A-1B46-4428C7F8C79F}"/>
+          </ac:spMkLst>
+        </pc:spChg>
+        <pc:spChg chg="mod">
+          <ac:chgData name="White, Ellie" userId="fec56361-5c8a-4790-9e84-6272d2f2258e" providerId="ADAL" clId="{87DEA6A5-04DD-4F0B-8A38-25F89595D54E}" dt="2023-04-11T06:12:09.626" v="803" actId="165"/>
+          <ac:spMkLst>
+            <pc:docMk/>
+            <pc:sldMk cId="912822917" sldId="263"/>
+            <ac:spMk id="110" creationId="{F9664226-E875-1805-201D-4F823ECC3451}"/>
+          </ac:spMkLst>
+        </pc:spChg>
+        <pc:spChg chg="mod topLvl">
+          <ac:chgData name="White, Ellie" userId="fec56361-5c8a-4790-9e84-6272d2f2258e" providerId="ADAL" clId="{87DEA6A5-04DD-4F0B-8A38-25F89595D54E}" dt="2023-04-11T15:11:42.352" v="960" actId="164"/>
+          <ac:spMkLst>
+            <pc:docMk/>
+            <pc:sldMk cId="912822917" sldId="263"/>
+            <ac:spMk id="112" creationId="{9B0ACAAE-D4D7-4F23-2B4D-0E3E68C77436}"/>
+          </ac:spMkLst>
+        </pc:spChg>
+        <pc:spChg chg="mod topLvl">
+          <ac:chgData name="White, Ellie" userId="fec56361-5c8a-4790-9e84-6272d2f2258e" providerId="ADAL" clId="{87DEA6A5-04DD-4F0B-8A38-25F89595D54E}" dt="2023-04-11T15:11:42.352" v="960" actId="164"/>
+          <ac:spMkLst>
+            <pc:docMk/>
+            <pc:sldMk cId="912822917" sldId="263"/>
+            <ac:spMk id="113" creationId="{ADD06344-B326-2FA0-9D49-5D0F37B6975C}"/>
+          </ac:spMkLst>
+        </pc:spChg>
+        <pc:spChg chg="mod topLvl">
+          <ac:chgData name="White, Ellie" userId="fec56361-5c8a-4790-9e84-6272d2f2258e" providerId="ADAL" clId="{87DEA6A5-04DD-4F0B-8A38-25F89595D54E}" dt="2023-04-11T15:11:42.352" v="960" actId="164"/>
+          <ac:spMkLst>
+            <pc:docMk/>
+            <pc:sldMk cId="912822917" sldId="263"/>
+            <ac:spMk id="114" creationId="{21539A2C-A52A-A73B-B246-392B354EC280}"/>
+          </ac:spMkLst>
+        </pc:spChg>
+        <pc:spChg chg="mod topLvl">
+          <ac:chgData name="White, Ellie" userId="fec56361-5c8a-4790-9e84-6272d2f2258e" providerId="ADAL" clId="{87DEA6A5-04DD-4F0B-8A38-25F89595D54E}" dt="2023-04-11T15:11:42.352" v="960" actId="164"/>
+          <ac:spMkLst>
+            <pc:docMk/>
+            <pc:sldMk cId="912822917" sldId="263"/>
+            <ac:spMk id="115" creationId="{DDF40092-C545-B15E-326D-AEB0893FAE4D}"/>
+          </ac:spMkLst>
+        </pc:spChg>
+        <pc:spChg chg="mod topLvl">
+          <ac:chgData name="White, Ellie" userId="fec56361-5c8a-4790-9e84-6272d2f2258e" providerId="ADAL" clId="{87DEA6A5-04DD-4F0B-8A38-25F89595D54E}" dt="2023-04-11T15:11:42.352" v="960" actId="164"/>
+          <ac:spMkLst>
+            <pc:docMk/>
+            <pc:sldMk cId="912822917" sldId="263"/>
+            <ac:spMk id="116" creationId="{68732BA1-F724-FC4F-E74C-B052C4B3D729}"/>
+          </ac:spMkLst>
+        </pc:spChg>
+        <pc:spChg chg="mod">
+          <ac:chgData name="White, Ellie" userId="fec56361-5c8a-4790-9e84-6272d2f2258e" providerId="ADAL" clId="{87DEA6A5-04DD-4F0B-8A38-25F89595D54E}" dt="2023-04-11T15:08:54.314" v="887" actId="165"/>
+          <ac:spMkLst>
+            <pc:docMk/>
+            <pc:sldMk cId="912822917" sldId="263"/>
+            <ac:spMk id="117" creationId="{4CC719BB-510E-764E-109D-D1F995DA5091}"/>
+          </ac:spMkLst>
+        </pc:spChg>
+        <pc:spChg chg="mod">
+          <ac:chgData name="White, Ellie" userId="fec56361-5c8a-4790-9e84-6272d2f2258e" providerId="ADAL" clId="{87DEA6A5-04DD-4F0B-8A38-25F89595D54E}" dt="2023-04-11T15:08:54.314" v="887" actId="165"/>
+          <ac:spMkLst>
+            <pc:docMk/>
+            <pc:sldMk cId="912822917" sldId="263"/>
+            <ac:spMk id="127" creationId="{DFB220B8-B700-0402-E0FE-BF3D28170C36}"/>
+          </ac:spMkLst>
+        </pc:spChg>
+        <pc:spChg chg="mod">
+          <ac:chgData name="White, Ellie" userId="fec56361-5c8a-4790-9e84-6272d2f2258e" providerId="ADAL" clId="{87DEA6A5-04DD-4F0B-8A38-25F89595D54E}" dt="2023-04-11T15:08:54.314" v="887" actId="165"/>
+          <ac:spMkLst>
+            <pc:docMk/>
+            <pc:sldMk cId="912822917" sldId="263"/>
+            <ac:spMk id="128" creationId="{8A3F892E-3282-B1A1-E1DD-F1DD59F3E41C}"/>
+          </ac:spMkLst>
+        </pc:spChg>
+        <pc:spChg chg="mod">
+          <ac:chgData name="White, Ellie" userId="fec56361-5c8a-4790-9e84-6272d2f2258e" providerId="ADAL" clId="{87DEA6A5-04DD-4F0B-8A38-25F89595D54E}" dt="2023-04-11T15:08:54.314" v="887" actId="165"/>
+          <ac:spMkLst>
+            <pc:docMk/>
+            <pc:sldMk cId="912822917" sldId="263"/>
+            <ac:spMk id="129" creationId="{D73DEE52-8D5A-DCF2-1837-B14BE68940EC}"/>
+          </ac:spMkLst>
+        </pc:spChg>
+        <pc:spChg chg="mod">
+          <ac:chgData name="White, Ellie" userId="fec56361-5c8a-4790-9e84-6272d2f2258e" providerId="ADAL" clId="{87DEA6A5-04DD-4F0B-8A38-25F89595D54E}" dt="2023-04-11T15:08:54.314" v="887" actId="165"/>
+          <ac:spMkLst>
+            <pc:docMk/>
+            <pc:sldMk cId="912822917" sldId="263"/>
+            <ac:spMk id="130" creationId="{DBD68E8A-7B71-6087-74B5-7754C3E16BC8}"/>
+          </ac:spMkLst>
+        </pc:spChg>
+        <pc:spChg chg="mod topLvl">
+          <ac:chgData name="White, Ellie" userId="fec56361-5c8a-4790-9e84-6272d2f2258e" providerId="ADAL" clId="{87DEA6A5-04DD-4F0B-8A38-25F89595D54E}" dt="2023-04-11T15:11:42.352" v="960" actId="164"/>
+          <ac:spMkLst>
+            <pc:docMk/>
+            <pc:sldMk cId="912822917" sldId="263"/>
+            <ac:spMk id="154" creationId="{10F62627-5069-528E-53D4-07F97402E75A}"/>
+          </ac:spMkLst>
+        </pc:spChg>
+        <pc:grpChg chg="mod">
+          <ac:chgData name="White, Ellie" userId="fec56361-5c8a-4790-9e84-6272d2f2258e" providerId="ADAL" clId="{87DEA6A5-04DD-4F0B-8A38-25F89595D54E}" dt="2023-04-11T06:12:09.626" v="803" actId="165"/>
+          <ac:grpSpMkLst>
+            <pc:docMk/>
+            <pc:sldMk cId="912822917" sldId="263"/>
+            <ac:grpSpMk id="2" creationId="{E3F9AEDD-39FB-8ABD-7157-ADF57E13F5F7}"/>
+          </ac:grpSpMkLst>
+        </pc:grpChg>
+        <pc:grpChg chg="mod">
+          <ac:chgData name="White, Ellie" userId="fec56361-5c8a-4790-9e84-6272d2f2258e" providerId="ADAL" clId="{87DEA6A5-04DD-4F0B-8A38-25F89595D54E}" dt="2023-04-11T06:12:09.626" v="803" actId="165"/>
+          <ac:grpSpMkLst>
+            <pc:docMk/>
+            <pc:sldMk cId="912822917" sldId="263"/>
+            <ac:grpSpMk id="4" creationId="{4519448C-E8DD-8550-D8A0-ED1C18D6A39B}"/>
+          </ac:grpSpMkLst>
+        </pc:grpChg>
+        <pc:grpChg chg="add mod">
+          <ac:chgData name="White, Ellie" userId="fec56361-5c8a-4790-9e84-6272d2f2258e" providerId="ADAL" clId="{87DEA6A5-04DD-4F0B-8A38-25F89595D54E}" dt="2023-04-11T15:11:42.352" v="960" actId="164"/>
+          <ac:grpSpMkLst>
+            <pc:docMk/>
+            <pc:sldMk cId="912822917" sldId="263"/>
+            <ac:grpSpMk id="5" creationId="{B230CAD2-5244-44E5-4383-0C973928C157}"/>
+          </ac:grpSpMkLst>
+        </pc:grpChg>
+        <pc:grpChg chg="mod">
+          <ac:chgData name="White, Ellie" userId="fec56361-5c8a-4790-9e84-6272d2f2258e" providerId="ADAL" clId="{87DEA6A5-04DD-4F0B-8A38-25F89595D54E}" dt="2023-04-11T06:12:09.626" v="803" actId="165"/>
+          <ac:grpSpMkLst>
+            <pc:docMk/>
+            <pc:sldMk cId="912822917" sldId="263"/>
+            <ac:grpSpMk id="19" creationId="{3878B5F8-BF52-D62F-4856-8CAB47AE2F00}"/>
+          </ac:grpSpMkLst>
+        </pc:grpChg>
+        <pc:grpChg chg="mod">
+          <ac:chgData name="White, Ellie" userId="fec56361-5c8a-4790-9e84-6272d2f2258e" providerId="ADAL" clId="{87DEA6A5-04DD-4F0B-8A38-25F89595D54E}" dt="2023-04-11T06:12:09.626" v="803" actId="165"/>
+          <ac:grpSpMkLst>
+            <pc:docMk/>
+            <pc:sldMk cId="912822917" sldId="263"/>
+            <ac:grpSpMk id="25" creationId="{672DBF71-450C-37B6-82FC-E5181C6708ED}"/>
+          </ac:grpSpMkLst>
+        </pc:grpChg>
+        <pc:grpChg chg="mod">
+          <ac:chgData name="White, Ellie" userId="fec56361-5c8a-4790-9e84-6272d2f2258e" providerId="ADAL" clId="{87DEA6A5-04DD-4F0B-8A38-25F89595D54E}" dt="2023-04-11T15:08:54.314" v="887" actId="165"/>
+          <ac:grpSpMkLst>
+            <pc:docMk/>
+            <pc:sldMk cId="912822917" sldId="263"/>
+            <ac:grpSpMk id="35" creationId="{3B011D50-52EE-C8EF-40E3-A1C9D61D50A3}"/>
+          </ac:grpSpMkLst>
+        </pc:grpChg>
+        <pc:grpChg chg="add del mod topLvl">
+          <ac:chgData name="White, Ellie" userId="fec56361-5c8a-4790-9e84-6272d2f2258e" providerId="ADAL" clId="{87DEA6A5-04DD-4F0B-8A38-25F89595D54E}" dt="2023-04-11T15:09:03.665" v="888" actId="165"/>
+          <ac:grpSpMkLst>
+            <pc:docMk/>
+            <pc:sldMk cId="912822917" sldId="263"/>
+            <ac:grpSpMk id="44" creationId="{A0F34DA7-F55E-4BEE-172F-2AB5E2F102F8}"/>
+          </ac:grpSpMkLst>
+        </pc:grpChg>
+        <pc:grpChg chg="mod">
+          <ac:chgData name="White, Ellie" userId="fec56361-5c8a-4790-9e84-6272d2f2258e" providerId="ADAL" clId="{87DEA6A5-04DD-4F0B-8A38-25F89595D54E}" dt="2023-04-11T06:12:09.626" v="803" actId="165"/>
+          <ac:grpSpMkLst>
+            <pc:docMk/>
+            <pc:sldMk cId="912822917" sldId="263"/>
+            <ac:grpSpMk id="46" creationId="{00ED4E4F-8478-589E-44C5-EEE0A9E81F58}"/>
+          </ac:grpSpMkLst>
+        </pc:grpChg>
+        <pc:grpChg chg="mod topLvl">
+          <ac:chgData name="White, Ellie" userId="fec56361-5c8a-4790-9e84-6272d2f2258e" providerId="ADAL" clId="{87DEA6A5-04DD-4F0B-8A38-25F89595D54E}" dt="2023-04-11T15:11:42.352" v="960" actId="164"/>
+          <ac:grpSpMkLst>
+            <pc:docMk/>
+            <pc:sldMk cId="912822917" sldId="263"/>
+            <ac:grpSpMk id="48" creationId="{6F8F5552-1858-EA35-8C66-945C80A65F93}"/>
+          </ac:grpSpMkLst>
+        </pc:grpChg>
+        <pc:grpChg chg="del mod topLvl">
+          <ac:chgData name="White, Ellie" userId="fec56361-5c8a-4790-9e84-6272d2f2258e" providerId="ADAL" clId="{87DEA6A5-04DD-4F0B-8A38-25F89595D54E}" dt="2023-04-11T06:12:12.651" v="804" actId="478"/>
+          <ac:grpSpMkLst>
+            <pc:docMk/>
+            <pc:sldMk cId="912822917" sldId="263"/>
+            <ac:grpSpMk id="49" creationId="{E20F02E3-3B69-7428-CAA7-414EC1D8DAA6}"/>
+          </ac:grpSpMkLst>
+        </pc:grpChg>
+        <pc:grpChg chg="del">
+          <ac:chgData name="White, Ellie" userId="fec56361-5c8a-4790-9e84-6272d2f2258e" providerId="ADAL" clId="{87DEA6A5-04DD-4F0B-8A38-25F89595D54E}" dt="2023-04-11T06:12:09.626" v="803" actId="165"/>
+          <ac:grpSpMkLst>
+            <pc:docMk/>
+            <pc:sldMk cId="912822917" sldId="263"/>
+            <ac:grpSpMk id="50" creationId="{D184B23D-5B1E-1C91-5FB7-E684AFAF8A9E}"/>
+          </ac:grpSpMkLst>
+        </pc:grpChg>
+        <pc:grpChg chg="mod">
+          <ac:chgData name="White, Ellie" userId="fec56361-5c8a-4790-9e84-6272d2f2258e" providerId="ADAL" clId="{87DEA6A5-04DD-4F0B-8A38-25F89595D54E}" dt="2023-04-11T15:09:03.665" v="888" actId="165"/>
+          <ac:grpSpMkLst>
+            <pc:docMk/>
+            <pc:sldMk cId="912822917" sldId="263"/>
+            <ac:grpSpMk id="51" creationId="{FE249A97-C380-F3FD-FDA4-5FD49C7F2982}"/>
+          </ac:grpSpMkLst>
+        </pc:grpChg>
+        <pc:grpChg chg="mod">
+          <ac:chgData name="White, Ellie" userId="fec56361-5c8a-4790-9e84-6272d2f2258e" providerId="ADAL" clId="{87DEA6A5-04DD-4F0B-8A38-25F89595D54E}" dt="2023-04-11T15:09:03.665" v="888" actId="165"/>
+          <ac:grpSpMkLst>
+            <pc:docMk/>
+            <pc:sldMk cId="912822917" sldId="263"/>
+            <ac:grpSpMk id="54" creationId="{47611393-F909-B617-8B29-545CB26DCFCF}"/>
+          </ac:grpSpMkLst>
+        </pc:grpChg>
+        <pc:grpChg chg="add del mod">
+          <ac:chgData name="White, Ellie" userId="fec56361-5c8a-4790-9e84-6272d2f2258e" providerId="ADAL" clId="{87DEA6A5-04DD-4F0B-8A38-25F89595D54E}" dt="2023-04-11T15:08:54.314" v="887" actId="165"/>
+          <ac:grpSpMkLst>
+            <pc:docMk/>
+            <pc:sldMk cId="912822917" sldId="263"/>
+            <ac:grpSpMk id="59" creationId="{1BE492E9-D62C-9DF3-81DB-F497E6A35972}"/>
+          </ac:grpSpMkLst>
+        </pc:grpChg>
+        <pc:grpChg chg="mod topLvl">
+          <ac:chgData name="White, Ellie" userId="fec56361-5c8a-4790-9e84-6272d2f2258e" providerId="ADAL" clId="{87DEA6A5-04DD-4F0B-8A38-25F89595D54E}" dt="2023-04-11T15:11:42.352" v="960" actId="164"/>
+          <ac:grpSpMkLst>
+            <pc:docMk/>
+            <pc:sldMk cId="912822917" sldId="263"/>
+            <ac:grpSpMk id="77" creationId="{AD5546C7-930E-3C93-F49E-C53376DB3189}"/>
+          </ac:grpSpMkLst>
+        </pc:grpChg>
+        <pc:grpChg chg="mod">
+          <ac:chgData name="White, Ellie" userId="fec56361-5c8a-4790-9e84-6272d2f2258e" providerId="ADAL" clId="{87DEA6A5-04DD-4F0B-8A38-25F89595D54E}" dt="2023-04-11T15:08:54.314" v="887" actId="165"/>
+          <ac:grpSpMkLst>
+            <pc:docMk/>
+            <pc:sldMk cId="912822917" sldId="263"/>
+            <ac:grpSpMk id="82" creationId="{218D5BCE-A51A-2095-AC85-4E33374F49B8}"/>
+          </ac:grpSpMkLst>
+        </pc:grpChg>
+        <pc:grpChg chg="mod topLvl">
+          <ac:chgData name="White, Ellie" userId="fec56361-5c8a-4790-9e84-6272d2f2258e" providerId="ADAL" clId="{87DEA6A5-04DD-4F0B-8A38-25F89595D54E}" dt="2023-04-11T15:11:42.352" v="960" actId="164"/>
+          <ac:grpSpMkLst>
+            <pc:docMk/>
+            <pc:sldMk cId="912822917" sldId="263"/>
+            <ac:grpSpMk id="83" creationId="{77C10F98-C61B-7003-CFE4-3CB8D967E106}"/>
+          </ac:grpSpMkLst>
+        </pc:grpChg>
+        <pc:grpChg chg="mod topLvl">
+          <ac:chgData name="White, Ellie" userId="fec56361-5c8a-4790-9e84-6272d2f2258e" providerId="ADAL" clId="{87DEA6A5-04DD-4F0B-8A38-25F89595D54E}" dt="2023-04-11T15:11:42.352" v="960" actId="164"/>
+          <ac:grpSpMkLst>
+            <pc:docMk/>
+            <pc:sldMk cId="912822917" sldId="263"/>
+            <ac:grpSpMk id="96" creationId="{D20A6F3A-7E85-9FFB-A66A-BE28177F74CC}"/>
+          </ac:grpSpMkLst>
+        </pc:grpChg>
+        <pc:grpChg chg="mod topLvl">
+          <ac:chgData name="White, Ellie" userId="fec56361-5c8a-4790-9e84-6272d2f2258e" providerId="ADAL" clId="{87DEA6A5-04DD-4F0B-8A38-25F89595D54E}" dt="2023-04-11T15:11:42.352" v="960" actId="164"/>
+          <ac:grpSpMkLst>
+            <pc:docMk/>
+            <pc:sldMk cId="912822917" sldId="263"/>
+            <ac:grpSpMk id="119" creationId="{BA8F6FA3-392B-2DCE-F67B-AFE623DEB112}"/>
+          </ac:grpSpMkLst>
+        </pc:grpChg>
+        <pc:grpChg chg="mod topLvl">
+          <ac:chgData name="White, Ellie" userId="fec56361-5c8a-4790-9e84-6272d2f2258e" providerId="ADAL" clId="{87DEA6A5-04DD-4F0B-8A38-25F89595D54E}" dt="2023-04-11T15:11:42.352" v="960" actId="164"/>
+          <ac:grpSpMkLst>
+            <pc:docMk/>
+            <pc:sldMk cId="912822917" sldId="263"/>
+            <ac:grpSpMk id="126" creationId="{49C22CF5-4563-EAC1-06B9-8101272D2049}"/>
+          </ac:grpSpMkLst>
+        </pc:grpChg>
+        <pc:grpChg chg="mod">
+          <ac:chgData name="White, Ellie" userId="fec56361-5c8a-4790-9e84-6272d2f2258e" providerId="ADAL" clId="{87DEA6A5-04DD-4F0B-8A38-25F89595D54E}" dt="2023-04-11T15:08:54.314" v="887" actId="165"/>
+          <ac:grpSpMkLst>
+            <pc:docMk/>
+            <pc:sldMk cId="912822917" sldId="263"/>
+            <ac:grpSpMk id="138" creationId="{83E2B7AF-13A4-CB34-1109-B826DFD66C78}"/>
+          </ac:grpSpMkLst>
+        </pc:grpChg>
+        <pc:grpChg chg="mod topLvl">
+          <ac:chgData name="White, Ellie" userId="fec56361-5c8a-4790-9e84-6272d2f2258e" providerId="ADAL" clId="{87DEA6A5-04DD-4F0B-8A38-25F89595D54E}" dt="2023-04-11T15:11:42.352" v="960" actId="164"/>
+          <ac:grpSpMkLst>
+            <pc:docMk/>
+            <pc:sldMk cId="912822917" sldId="263"/>
+            <ac:grpSpMk id="141" creationId="{6ACCCFEC-EE8D-E85D-99F3-AEAF1A5E511D}"/>
+          </ac:grpSpMkLst>
+        </pc:grpChg>
+        <pc:picChg chg="mod topLvl">
+          <ac:chgData name="White, Ellie" userId="fec56361-5c8a-4790-9e84-6272d2f2258e" providerId="ADAL" clId="{87DEA6A5-04DD-4F0B-8A38-25F89595D54E}" dt="2023-04-11T15:11:42.352" v="960" actId="164"/>
+          <ac:picMkLst>
+            <pc:docMk/>
+            <pc:sldMk cId="912822917" sldId="263"/>
+            <ac:picMk id="3" creationId="{C081CB69-D92F-2257-0FE3-5EDA678BDDEF}"/>
+          </ac:picMkLst>
+        </pc:picChg>
+        <pc:picChg chg="add mod ord">
+          <ac:chgData name="White, Ellie" userId="fec56361-5c8a-4790-9e84-6272d2f2258e" providerId="ADAL" clId="{87DEA6A5-04DD-4F0B-8A38-25F89595D54E}" dt="2023-04-11T15:11:42.352" v="960" actId="164"/>
+          <ac:picMkLst>
+            <pc:docMk/>
+            <pc:sldMk cId="912822917" sldId="263"/>
+            <ac:picMk id="4" creationId="{3300A544-0A05-5460-3FF5-D5E1380432D7}"/>
+          </ac:picMkLst>
+        </pc:picChg>
+        <pc:picChg chg="mod">
+          <ac:chgData name="White, Ellie" userId="fec56361-5c8a-4790-9e84-6272d2f2258e" providerId="ADAL" clId="{87DEA6A5-04DD-4F0B-8A38-25F89595D54E}" dt="2023-04-11T15:08:54.314" v="887" actId="165"/>
+          <ac:picMkLst>
+            <pc:docMk/>
+            <pc:sldMk cId="912822917" sldId="263"/>
+            <ac:picMk id="7" creationId="{EA211AEE-3789-D087-E374-D5EA30A8AE6D}"/>
+          </ac:picMkLst>
+        </pc:picChg>
+        <pc:picChg chg="del">
+          <ac:chgData name="White, Ellie" userId="fec56361-5c8a-4790-9e84-6272d2f2258e" providerId="ADAL" clId="{87DEA6A5-04DD-4F0B-8A38-25F89595D54E}" dt="2023-04-11T06:11:26.601" v="797" actId="478"/>
+          <ac:picMkLst>
+            <pc:docMk/>
+            <pc:sldMk cId="912822917" sldId="263"/>
+            <ac:picMk id="8" creationId="{6BAE727D-786F-565F-0628-D51F41852BAB}"/>
+          </ac:picMkLst>
+        </pc:picChg>
+        <pc:picChg chg="mod topLvl">
+          <ac:chgData name="White, Ellie" userId="fec56361-5c8a-4790-9e84-6272d2f2258e" providerId="ADAL" clId="{87DEA6A5-04DD-4F0B-8A38-25F89595D54E}" dt="2023-04-11T15:11:42.352" v="960" actId="164"/>
+          <ac:picMkLst>
+            <pc:docMk/>
+            <pc:sldMk cId="912822917" sldId="263"/>
+            <ac:picMk id="9" creationId="{AD6E475A-2214-17A5-A79C-91AB2E3E72B2}"/>
+          </ac:picMkLst>
+        </pc:picChg>
+        <pc:picChg chg="mod">
+          <ac:chgData name="White, Ellie" userId="fec56361-5c8a-4790-9e84-6272d2f2258e" providerId="ADAL" clId="{87DEA6A5-04DD-4F0B-8A38-25F89595D54E}" dt="2023-04-11T15:08:54.314" v="887" actId="165"/>
+          <ac:picMkLst>
+            <pc:docMk/>
+            <pc:sldMk cId="912822917" sldId="263"/>
+            <ac:picMk id="10" creationId="{63DABC5B-2D59-3ACE-8AD5-699CC5D16781}"/>
+          </ac:picMkLst>
+        </pc:picChg>
+        <pc:picChg chg="mod topLvl">
+          <ac:chgData name="White, Ellie" userId="fec56361-5c8a-4790-9e84-6272d2f2258e" providerId="ADAL" clId="{87DEA6A5-04DD-4F0B-8A38-25F89595D54E}" dt="2023-04-11T15:11:42.352" v="960" actId="164"/>
+          <ac:picMkLst>
+            <pc:docMk/>
+            <pc:sldMk cId="912822917" sldId="263"/>
+            <ac:picMk id="18" creationId="{33AD14E2-EEA2-57C2-7744-E4FED68898B9}"/>
+          </ac:picMkLst>
+        </pc:picChg>
+        <pc:picChg chg="mod">
+          <ac:chgData name="White, Ellie" userId="fec56361-5c8a-4790-9e84-6272d2f2258e" providerId="ADAL" clId="{87DEA6A5-04DD-4F0B-8A38-25F89595D54E}" dt="2023-04-11T15:08:54.314" v="887" actId="165"/>
+          <ac:picMkLst>
+            <pc:docMk/>
+            <pc:sldMk cId="912822917" sldId="263"/>
+            <ac:picMk id="36" creationId="{1213AF4D-BFB8-162D-B261-E505103E831A}"/>
+          </ac:picMkLst>
+        </pc:picChg>
+        <pc:picChg chg="add del mod ord">
+          <ac:chgData name="White, Ellie" userId="fec56361-5c8a-4790-9e84-6272d2f2258e" providerId="ADAL" clId="{87DEA6A5-04DD-4F0B-8A38-25F89595D54E}" dt="2023-04-11T15:07:40.739" v="868" actId="478"/>
+          <ac:picMkLst>
+            <pc:docMk/>
+            <pc:sldMk cId="912822917" sldId="263"/>
+            <ac:picMk id="38" creationId="{0A5331ED-30B2-2975-5D84-3D1181998B49}"/>
+          </ac:picMkLst>
+        </pc:picChg>
+        <pc:cxnChg chg="mod">
+          <ac:chgData name="White, Ellie" userId="fec56361-5c8a-4790-9e84-6272d2f2258e" providerId="ADAL" clId="{87DEA6A5-04DD-4F0B-8A38-25F89595D54E}" dt="2023-04-11T06:12:12.651" v="804" actId="478"/>
+          <ac:cxnSpMkLst>
+            <pc:docMk/>
+            <pc:sldMk cId="912822917" sldId="263"/>
+            <ac:cxnSpMk id="6" creationId="{41F14311-D4F5-0B52-4DF8-A0F6259CE3D3}"/>
+          </ac:cxnSpMkLst>
+        </pc:cxnChg>
+        <pc:cxnChg chg="mod">
+          <ac:chgData name="White, Ellie" userId="fec56361-5c8a-4790-9e84-6272d2f2258e" providerId="ADAL" clId="{87DEA6A5-04DD-4F0B-8A38-25F89595D54E}" dt="2023-04-11T06:12:09.626" v="803" actId="165"/>
+          <ac:cxnSpMkLst>
+            <pc:docMk/>
+            <pc:sldMk cId="912822917" sldId="263"/>
+            <ac:cxnSpMk id="26" creationId="{7329C267-D722-4AFA-6384-3F95483A05F2}"/>
+          </ac:cxnSpMkLst>
+        </pc:cxnChg>
+        <pc:cxnChg chg="mod">
+          <ac:chgData name="White, Ellie" userId="fec56361-5c8a-4790-9e84-6272d2f2258e" providerId="ADAL" clId="{87DEA6A5-04DD-4F0B-8A38-25F89595D54E}" dt="2023-04-11T06:12:09.626" v="803" actId="165"/>
+          <ac:cxnSpMkLst>
+            <pc:docMk/>
+            <pc:sldMk cId="912822917" sldId="263"/>
+            <ac:cxnSpMk id="27" creationId="{5BCD6614-6378-D72B-1695-70CED7585762}"/>
+          </ac:cxnSpMkLst>
+        </pc:cxnChg>
+        <pc:cxnChg chg="mod">
+          <ac:chgData name="White, Ellie" userId="fec56361-5c8a-4790-9e84-6272d2f2258e" providerId="ADAL" clId="{87DEA6A5-04DD-4F0B-8A38-25F89595D54E}" dt="2023-04-11T06:12:09.626" v="803" actId="165"/>
+          <ac:cxnSpMkLst>
+            <pc:docMk/>
+            <pc:sldMk cId="912822917" sldId="263"/>
+            <ac:cxnSpMk id="39" creationId="{CC2058BD-61E7-D871-E364-A613A531564A}"/>
+          </ac:cxnSpMkLst>
+        </pc:cxnChg>
+        <pc:cxnChg chg="mod topLvl">
+          <ac:chgData name="White, Ellie" userId="fec56361-5c8a-4790-9e84-6272d2f2258e" providerId="ADAL" clId="{87DEA6A5-04DD-4F0B-8A38-25F89595D54E}" dt="2023-04-11T15:11:42.352" v="960" actId="164"/>
+          <ac:cxnSpMkLst>
+            <pc:docMk/>
+            <pc:sldMk cId="912822917" sldId="263"/>
+            <ac:cxnSpMk id="47" creationId="{2DB6AFBC-11B1-7124-2E0F-265533A64AF6}"/>
+          </ac:cxnSpMkLst>
+        </pc:cxnChg>
+        <pc:cxnChg chg="mod">
+          <ac:chgData name="White, Ellie" userId="fec56361-5c8a-4790-9e84-6272d2f2258e" providerId="ADAL" clId="{87DEA6A5-04DD-4F0B-8A38-25F89595D54E}" dt="2023-04-11T15:10:12.871" v="916" actId="14100"/>
+          <ac:cxnSpMkLst>
+            <pc:docMk/>
+            <pc:sldMk cId="912822917" sldId="263"/>
+            <ac:cxnSpMk id="55" creationId="{050612F3-F437-0AF5-AA6D-6F468E1CA894}"/>
+          </ac:cxnSpMkLst>
+        </pc:cxnChg>
+        <pc:cxnChg chg="mod">
+          <ac:chgData name="White, Ellie" userId="fec56361-5c8a-4790-9e84-6272d2f2258e" providerId="ADAL" clId="{87DEA6A5-04DD-4F0B-8A38-25F89595D54E}" dt="2023-04-11T15:10:12.285" v="915" actId="14100"/>
+          <ac:cxnSpMkLst>
+            <pc:docMk/>
+            <pc:sldMk cId="912822917" sldId="263"/>
+            <ac:cxnSpMk id="56" creationId="{985245FF-11DA-2B0C-6D55-36FE4EDFB12A}"/>
+          </ac:cxnSpMkLst>
+        </pc:cxnChg>
+        <pc:cxnChg chg="mod">
+          <ac:chgData name="White, Ellie" userId="fec56361-5c8a-4790-9e84-6272d2f2258e" providerId="ADAL" clId="{87DEA6A5-04DD-4F0B-8A38-25F89595D54E}" dt="2023-04-11T06:12:09.626" v="803" actId="165"/>
+          <ac:cxnSpMkLst>
+            <pc:docMk/>
+            <pc:sldMk cId="912822917" sldId="263"/>
+            <ac:cxnSpMk id="152" creationId="{35CD4AC8-8C5B-ED83-8F3C-0C9E0C5762AA}"/>
+          </ac:cxnSpMkLst>
+        </pc:cxnChg>
+      </pc:sldChg>
+    </pc:docChg>
+  </pc:docChgLst>
   <pc:docChgLst>
     <pc:chgData name="White, Ellie" userId="fec56361-5c8a-4790-9e84-6272d2f2258e" providerId="ADAL" clId="{055092CE-05AA-497E-A351-EF6B27C49962}"/>
     <pc:docChg chg="undo custSel modSld">
@@ -2249,6 +5313,439 @@
     </pc:docChg>
   </pc:docChgLst>
 </pc:chgInfo>
+</file>
+
+<file path=ppt/notesMasters/notesMaster1.xml><?xml version="1.0" encoding="utf-8"?>
+<p:notesMaster xmlns:a="http://schemas.openxmlformats.org/drawingml/2006/main" xmlns:r="http://schemas.openxmlformats.org/officeDocument/2006/relationships" xmlns:p="http://schemas.openxmlformats.org/presentationml/2006/main">
+  <p:cSld>
+    <p:bg>
+      <p:bgRef idx="1001">
+        <a:schemeClr val="bg1"/>
+      </p:bgRef>
+    </p:bg>
+    <p:spTree>
+      <p:nvGrpSpPr>
+        <p:cNvPr id="1" name=""/>
+        <p:cNvGrpSpPr/>
+        <p:nvPr/>
+      </p:nvGrpSpPr>
+      <p:grpSpPr>
+        <a:xfrm>
+          <a:off x="0" y="0"/>
+          <a:ext cx="0" cy="0"/>
+          <a:chOff x="0" y="0"/>
+          <a:chExt cx="0" cy="0"/>
+        </a:xfrm>
+      </p:grpSpPr>
+      <p:sp>
+        <p:nvSpPr>
+          <p:cNvPr id="2" name="Header Placeholder 1"/>
+          <p:cNvSpPr>
+            <a:spLocks noGrp="1"/>
+          </p:cNvSpPr>
+          <p:nvPr>
+            <p:ph type="hdr" sz="quarter"/>
+          </p:nvPr>
+        </p:nvSpPr>
+        <p:spPr>
+          <a:xfrm>
+            <a:off x="0" y="0"/>
+            <a:ext cx="2971800" cy="458788"/>
+          </a:xfrm>
+          <a:prstGeom prst="rect">
+            <a:avLst/>
+          </a:prstGeom>
+        </p:spPr>
+        <p:txBody>
+          <a:bodyPr vert="horz" lIns="91440" tIns="45720" rIns="91440" bIns="45720" rtlCol="0"/>
+          <a:lstStyle>
+            <a:lvl1pPr algn="l">
+              <a:defRPr sz="1200"/>
+            </a:lvl1pPr>
+          </a:lstStyle>
+          <a:p>
+            <a:endParaRPr lang="en-US"/>
+          </a:p>
+        </p:txBody>
+      </p:sp>
+      <p:sp>
+        <p:nvSpPr>
+          <p:cNvPr id="3" name="Date Placeholder 2"/>
+          <p:cNvSpPr>
+            <a:spLocks noGrp="1"/>
+          </p:cNvSpPr>
+          <p:nvPr>
+            <p:ph type="dt" idx="1"/>
+          </p:nvPr>
+        </p:nvSpPr>
+        <p:spPr>
+          <a:xfrm>
+            <a:off x="3884613" y="0"/>
+            <a:ext cx="2971800" cy="458788"/>
+          </a:xfrm>
+          <a:prstGeom prst="rect">
+            <a:avLst/>
+          </a:prstGeom>
+        </p:spPr>
+        <p:txBody>
+          <a:bodyPr vert="horz" lIns="91440" tIns="45720" rIns="91440" bIns="45720" rtlCol="0"/>
+          <a:lstStyle>
+            <a:lvl1pPr algn="r">
+              <a:defRPr sz="1200"/>
+            </a:lvl1pPr>
+          </a:lstStyle>
+          <a:p>
+            <a:fld id="{4289937B-DDA6-4C58-9D05-A30FA1F1B290}" type="datetimeFigureOut">
+              <a:rPr lang="en-US" smtClean="0"/>
+              <a:t>4/11/2023</a:t>
+            </a:fld>
+            <a:endParaRPr lang="en-US"/>
+          </a:p>
+        </p:txBody>
+      </p:sp>
+      <p:sp>
+        <p:nvSpPr>
+          <p:cNvPr id="4" name="Slide Image Placeholder 3"/>
+          <p:cNvSpPr>
+            <a:spLocks noGrp="1" noRot="1" noChangeAspect="1"/>
+          </p:cNvSpPr>
+          <p:nvPr>
+            <p:ph type="sldImg" idx="2"/>
+          </p:nvPr>
+        </p:nvSpPr>
+        <p:spPr>
+          <a:xfrm>
+            <a:off x="685800" y="1143000"/>
+            <a:ext cx="5486400" cy="3086100"/>
+          </a:xfrm>
+          <a:prstGeom prst="rect">
+            <a:avLst/>
+          </a:prstGeom>
+          <a:noFill/>
+          <a:ln w="12700">
+            <a:solidFill>
+              <a:prstClr val="black"/>
+            </a:solidFill>
+          </a:ln>
+        </p:spPr>
+        <p:txBody>
+          <a:bodyPr vert="horz" lIns="91440" tIns="45720" rIns="91440" bIns="45720" rtlCol="0" anchor="ctr"/>
+          <a:lstStyle/>
+          <a:p>
+            <a:endParaRPr lang="en-US"/>
+          </a:p>
+        </p:txBody>
+      </p:sp>
+      <p:sp>
+        <p:nvSpPr>
+          <p:cNvPr id="5" name="Notes Placeholder 4"/>
+          <p:cNvSpPr>
+            <a:spLocks noGrp="1"/>
+          </p:cNvSpPr>
+          <p:nvPr>
+            <p:ph type="body" sz="quarter" idx="3"/>
+          </p:nvPr>
+        </p:nvSpPr>
+        <p:spPr>
+          <a:xfrm>
+            <a:off x="685800" y="4400550"/>
+            <a:ext cx="5486400" cy="3600450"/>
+          </a:xfrm>
+          <a:prstGeom prst="rect">
+            <a:avLst/>
+          </a:prstGeom>
+        </p:spPr>
+        <p:txBody>
+          <a:bodyPr vert="horz" lIns="91440" tIns="45720" rIns="91440" bIns="45720" rtlCol="0"/>
+          <a:lstStyle/>
+          <a:p>
+            <a:pPr lvl="0"/>
+            <a:r>
+              <a:rPr lang="en-US"/>
+              <a:t>Click to edit Master text styles</a:t>
+            </a:r>
+          </a:p>
+          <a:p>
+            <a:pPr lvl="1"/>
+            <a:r>
+              <a:rPr lang="en-US"/>
+              <a:t>Second level</a:t>
+            </a:r>
+          </a:p>
+          <a:p>
+            <a:pPr lvl="2"/>
+            <a:r>
+              <a:rPr lang="en-US"/>
+              <a:t>Third level</a:t>
+            </a:r>
+          </a:p>
+          <a:p>
+            <a:pPr lvl="3"/>
+            <a:r>
+              <a:rPr lang="en-US"/>
+              <a:t>Fourth level</a:t>
+            </a:r>
+          </a:p>
+          <a:p>
+            <a:pPr lvl="4"/>
+            <a:r>
+              <a:rPr lang="en-US"/>
+              <a:t>Fifth level</a:t>
+            </a:r>
+          </a:p>
+        </p:txBody>
+      </p:sp>
+      <p:sp>
+        <p:nvSpPr>
+          <p:cNvPr id="6" name="Footer Placeholder 5"/>
+          <p:cNvSpPr>
+            <a:spLocks noGrp="1"/>
+          </p:cNvSpPr>
+          <p:nvPr>
+            <p:ph type="ftr" sz="quarter" idx="4"/>
+          </p:nvPr>
+        </p:nvSpPr>
+        <p:spPr>
+          <a:xfrm>
+            <a:off x="0" y="8685213"/>
+            <a:ext cx="2971800" cy="458787"/>
+          </a:xfrm>
+          <a:prstGeom prst="rect">
+            <a:avLst/>
+          </a:prstGeom>
+        </p:spPr>
+        <p:txBody>
+          <a:bodyPr vert="horz" lIns="91440" tIns="45720" rIns="91440" bIns="45720" rtlCol="0" anchor="b"/>
+          <a:lstStyle>
+            <a:lvl1pPr algn="l">
+              <a:defRPr sz="1200"/>
+            </a:lvl1pPr>
+          </a:lstStyle>
+          <a:p>
+            <a:endParaRPr lang="en-US"/>
+          </a:p>
+        </p:txBody>
+      </p:sp>
+      <p:sp>
+        <p:nvSpPr>
+          <p:cNvPr id="7" name="Slide Number Placeholder 6"/>
+          <p:cNvSpPr>
+            <a:spLocks noGrp="1"/>
+          </p:cNvSpPr>
+          <p:nvPr>
+            <p:ph type="sldNum" sz="quarter" idx="5"/>
+          </p:nvPr>
+        </p:nvSpPr>
+        <p:spPr>
+          <a:xfrm>
+            <a:off x="3884613" y="8685213"/>
+            <a:ext cx="2971800" cy="458787"/>
+          </a:xfrm>
+          <a:prstGeom prst="rect">
+            <a:avLst/>
+          </a:prstGeom>
+        </p:spPr>
+        <p:txBody>
+          <a:bodyPr vert="horz" lIns="91440" tIns="45720" rIns="91440" bIns="45720" rtlCol="0" anchor="b"/>
+          <a:lstStyle>
+            <a:lvl1pPr algn="r">
+              <a:defRPr sz="1200"/>
+            </a:lvl1pPr>
+          </a:lstStyle>
+          <a:p>
+            <a:fld id="{99E20762-F777-4FA1-AE7E-9BEFB3B40091}" type="slidenum">
+              <a:rPr lang="en-US" smtClean="0"/>
+              <a:t>‹#›</a:t>
+            </a:fld>
+            <a:endParaRPr lang="en-US"/>
+          </a:p>
+        </p:txBody>
+      </p:sp>
+    </p:spTree>
+    <p:extLst>
+      <p:ext uri="{BB962C8B-B14F-4D97-AF65-F5344CB8AC3E}">
+        <p14:creationId xmlns:p14="http://schemas.microsoft.com/office/powerpoint/2010/main" val="2425224783"/>
+      </p:ext>
+    </p:extLst>
+  </p:cSld>
+  <p:clrMap bg1="lt1" tx1="dk1" bg2="lt2" tx2="dk2" accent1="accent1" accent2="accent2" accent3="accent3" accent4="accent4" accent5="accent5" accent6="accent6" hlink="hlink" folHlink="folHlink"/>
+  <p:notesStyle>
+    <a:lvl1pPr marL="0" algn="l" defTabSz="914400" rtl="0" eaLnBrk="1" latinLnBrk="0" hangingPunct="1">
+      <a:defRPr sz="1200" kern="1200">
+        <a:solidFill>
+          <a:schemeClr val="tx1"/>
+        </a:solidFill>
+        <a:latin typeface="+mn-lt"/>
+        <a:ea typeface="+mn-ea"/>
+        <a:cs typeface="+mn-cs"/>
+      </a:defRPr>
+    </a:lvl1pPr>
+    <a:lvl2pPr marL="457200" algn="l" defTabSz="914400" rtl="0" eaLnBrk="1" latinLnBrk="0" hangingPunct="1">
+      <a:defRPr sz="1200" kern="1200">
+        <a:solidFill>
+          <a:schemeClr val="tx1"/>
+        </a:solidFill>
+        <a:latin typeface="+mn-lt"/>
+        <a:ea typeface="+mn-ea"/>
+        <a:cs typeface="+mn-cs"/>
+      </a:defRPr>
+    </a:lvl2pPr>
+    <a:lvl3pPr marL="914400" algn="l" defTabSz="914400" rtl="0" eaLnBrk="1" latinLnBrk="0" hangingPunct="1">
+      <a:defRPr sz="1200" kern="1200">
+        <a:solidFill>
+          <a:schemeClr val="tx1"/>
+        </a:solidFill>
+        <a:latin typeface="+mn-lt"/>
+        <a:ea typeface="+mn-ea"/>
+        <a:cs typeface="+mn-cs"/>
+      </a:defRPr>
+    </a:lvl3pPr>
+    <a:lvl4pPr marL="1371600" algn="l" defTabSz="914400" rtl="0" eaLnBrk="1" latinLnBrk="0" hangingPunct="1">
+      <a:defRPr sz="1200" kern="1200">
+        <a:solidFill>
+          <a:schemeClr val="tx1"/>
+        </a:solidFill>
+        <a:latin typeface="+mn-lt"/>
+        <a:ea typeface="+mn-ea"/>
+        <a:cs typeface="+mn-cs"/>
+      </a:defRPr>
+    </a:lvl4pPr>
+    <a:lvl5pPr marL="1828800" algn="l" defTabSz="914400" rtl="0" eaLnBrk="1" latinLnBrk="0" hangingPunct="1">
+      <a:defRPr sz="1200" kern="1200">
+        <a:solidFill>
+          <a:schemeClr val="tx1"/>
+        </a:solidFill>
+        <a:latin typeface="+mn-lt"/>
+        <a:ea typeface="+mn-ea"/>
+        <a:cs typeface="+mn-cs"/>
+      </a:defRPr>
+    </a:lvl5pPr>
+    <a:lvl6pPr marL="2286000" algn="l" defTabSz="914400" rtl="0" eaLnBrk="1" latinLnBrk="0" hangingPunct="1">
+      <a:defRPr sz="1200" kern="1200">
+        <a:solidFill>
+          <a:schemeClr val="tx1"/>
+        </a:solidFill>
+        <a:latin typeface="+mn-lt"/>
+        <a:ea typeface="+mn-ea"/>
+        <a:cs typeface="+mn-cs"/>
+      </a:defRPr>
+    </a:lvl6pPr>
+    <a:lvl7pPr marL="2743200" algn="l" defTabSz="914400" rtl="0" eaLnBrk="1" latinLnBrk="0" hangingPunct="1">
+      <a:defRPr sz="1200" kern="1200">
+        <a:solidFill>
+          <a:schemeClr val="tx1"/>
+        </a:solidFill>
+        <a:latin typeface="+mn-lt"/>
+        <a:ea typeface="+mn-ea"/>
+        <a:cs typeface="+mn-cs"/>
+      </a:defRPr>
+    </a:lvl7pPr>
+    <a:lvl8pPr marL="3200400" algn="l" defTabSz="914400" rtl="0" eaLnBrk="1" latinLnBrk="0" hangingPunct="1">
+      <a:defRPr sz="1200" kern="1200">
+        <a:solidFill>
+          <a:schemeClr val="tx1"/>
+        </a:solidFill>
+        <a:latin typeface="+mn-lt"/>
+        <a:ea typeface="+mn-ea"/>
+        <a:cs typeface="+mn-cs"/>
+      </a:defRPr>
+    </a:lvl8pPr>
+    <a:lvl9pPr marL="3657600" algn="l" defTabSz="914400" rtl="0" eaLnBrk="1" latinLnBrk="0" hangingPunct="1">
+      <a:defRPr sz="1200" kern="1200">
+        <a:solidFill>
+          <a:schemeClr val="tx1"/>
+        </a:solidFill>
+        <a:latin typeface="+mn-lt"/>
+        <a:ea typeface="+mn-ea"/>
+        <a:cs typeface="+mn-cs"/>
+      </a:defRPr>
+    </a:lvl9pPr>
+  </p:notesStyle>
+</p:notesMaster>
+</file>
+
+<file path=ppt/notesSlides/notesSlide1.xml><?xml version="1.0" encoding="utf-8"?>
+<p:notes xmlns:a="http://schemas.openxmlformats.org/drawingml/2006/main" xmlns:r="http://schemas.openxmlformats.org/officeDocument/2006/relationships" xmlns:p="http://schemas.openxmlformats.org/presentationml/2006/main">
+  <p:cSld>
+    <p:spTree>
+      <p:nvGrpSpPr>
+        <p:cNvPr id="1" name=""/>
+        <p:cNvGrpSpPr/>
+        <p:nvPr/>
+      </p:nvGrpSpPr>
+      <p:grpSpPr>
+        <a:xfrm>
+          <a:off x="0" y="0"/>
+          <a:ext cx="0" cy="0"/>
+          <a:chOff x="0" y="0"/>
+          <a:chExt cx="0" cy="0"/>
+        </a:xfrm>
+      </p:grpSpPr>
+      <p:sp>
+        <p:nvSpPr>
+          <p:cNvPr id="2" name="Slide Image Placeholder 1"/>
+          <p:cNvSpPr>
+            <a:spLocks noGrp="1" noRot="1" noChangeAspect="1"/>
+          </p:cNvSpPr>
+          <p:nvPr>
+            <p:ph type="sldImg"/>
+          </p:nvPr>
+        </p:nvSpPr>
+        <p:spPr/>
+      </p:sp>
+      <p:sp>
+        <p:nvSpPr>
+          <p:cNvPr id="3" name="Notes Placeholder 2"/>
+          <p:cNvSpPr>
+            <a:spLocks noGrp="1"/>
+          </p:cNvSpPr>
+          <p:nvPr>
+            <p:ph type="body" idx="1"/>
+          </p:nvPr>
+        </p:nvSpPr>
+        <p:spPr/>
+        <p:txBody>
+          <a:bodyPr/>
+          <a:lstStyle/>
+          <a:p>
+            <a:endParaRPr lang="en-US" dirty="0"/>
+          </a:p>
+        </p:txBody>
+      </p:sp>
+      <p:sp>
+        <p:nvSpPr>
+          <p:cNvPr id="4" name="Slide Number Placeholder 3"/>
+          <p:cNvSpPr>
+            <a:spLocks noGrp="1"/>
+          </p:cNvSpPr>
+          <p:nvPr>
+            <p:ph type="sldNum" sz="quarter" idx="5"/>
+          </p:nvPr>
+        </p:nvSpPr>
+        <p:spPr/>
+        <p:txBody>
+          <a:bodyPr/>
+          <a:lstStyle/>
+          <a:p>
+            <a:fld id="{99E20762-F777-4FA1-AE7E-9BEFB3B40091}" type="slidenum">
+              <a:rPr lang="en-US" smtClean="0"/>
+              <a:t>2</a:t>
+            </a:fld>
+            <a:endParaRPr lang="en-US"/>
+          </a:p>
+        </p:txBody>
+      </p:sp>
+    </p:spTree>
+    <p:extLst>
+      <p:ext uri="{BB962C8B-B14F-4D97-AF65-F5344CB8AC3E}">
+        <p14:creationId xmlns:p14="http://schemas.microsoft.com/office/powerpoint/2010/main" val="2837410119"/>
+      </p:ext>
+    </p:extLst>
+  </p:cSld>
+  <p:clrMapOvr>
+    <a:masterClrMapping/>
+  </p:clrMapOvr>
+</p:notes>
 </file>
 
 <file path=ppt/slideLayouts/slideLayout1.xml><?xml version="1.0" encoding="utf-8"?>
@@ -2398,7 +5895,7 @@
           <a:p>
             <a:fld id="{169E1B5B-BF25-4F35-9AA9-5CD9DC98F58A}" type="datetimeFigureOut">
               <a:rPr lang="en-US" smtClean="0"/>
-              <a:t>4/7/2023</a:t>
+              <a:t>4/11/2023</a:t>
             </a:fld>
             <a:endParaRPr lang="en-US"/>
           </a:p>
@@ -2596,7 +6093,7 @@
           <a:p>
             <a:fld id="{169E1B5B-BF25-4F35-9AA9-5CD9DC98F58A}" type="datetimeFigureOut">
               <a:rPr lang="en-US" smtClean="0"/>
-              <a:t>4/7/2023</a:t>
+              <a:t>4/11/2023</a:t>
             </a:fld>
             <a:endParaRPr lang="en-US"/>
           </a:p>
@@ -2804,7 +6301,7 @@
           <a:p>
             <a:fld id="{169E1B5B-BF25-4F35-9AA9-5CD9DC98F58A}" type="datetimeFigureOut">
               <a:rPr lang="en-US" smtClean="0"/>
-              <a:t>4/7/2023</a:t>
+              <a:t>4/11/2023</a:t>
             </a:fld>
             <a:endParaRPr lang="en-US"/>
           </a:p>
@@ -3002,7 +6499,7 @@
           <a:p>
             <a:fld id="{169E1B5B-BF25-4F35-9AA9-5CD9DC98F58A}" type="datetimeFigureOut">
               <a:rPr lang="en-US" smtClean="0"/>
-              <a:t>4/7/2023</a:t>
+              <a:t>4/11/2023</a:t>
             </a:fld>
             <a:endParaRPr lang="en-US"/>
           </a:p>
@@ -3277,7 +6774,7 @@
           <a:p>
             <a:fld id="{169E1B5B-BF25-4F35-9AA9-5CD9DC98F58A}" type="datetimeFigureOut">
               <a:rPr lang="en-US" smtClean="0"/>
-              <a:t>4/7/2023</a:t>
+              <a:t>4/11/2023</a:t>
             </a:fld>
             <a:endParaRPr lang="en-US"/>
           </a:p>
@@ -3542,7 +7039,7 @@
           <a:p>
             <a:fld id="{169E1B5B-BF25-4F35-9AA9-5CD9DC98F58A}" type="datetimeFigureOut">
               <a:rPr lang="en-US" smtClean="0"/>
-              <a:t>4/7/2023</a:t>
+              <a:t>4/11/2023</a:t>
             </a:fld>
             <a:endParaRPr lang="en-US"/>
           </a:p>
@@ -3954,7 +7451,7 @@
           <a:p>
             <a:fld id="{169E1B5B-BF25-4F35-9AA9-5CD9DC98F58A}" type="datetimeFigureOut">
               <a:rPr lang="en-US" smtClean="0"/>
-              <a:t>4/7/2023</a:t>
+              <a:t>4/11/2023</a:t>
             </a:fld>
             <a:endParaRPr lang="en-US"/>
           </a:p>
@@ -4095,7 +7592,7 @@
           <a:p>
             <a:fld id="{169E1B5B-BF25-4F35-9AA9-5CD9DC98F58A}" type="datetimeFigureOut">
               <a:rPr lang="en-US" smtClean="0"/>
-              <a:t>4/7/2023</a:t>
+              <a:t>4/11/2023</a:t>
             </a:fld>
             <a:endParaRPr lang="en-US"/>
           </a:p>
@@ -4208,7 +7705,7 @@
           <a:p>
             <a:fld id="{169E1B5B-BF25-4F35-9AA9-5CD9DC98F58A}" type="datetimeFigureOut">
               <a:rPr lang="en-US" smtClean="0"/>
-              <a:t>4/7/2023</a:t>
+              <a:t>4/11/2023</a:t>
             </a:fld>
             <a:endParaRPr lang="en-US"/>
           </a:p>
@@ -4519,7 +8016,7 @@
           <a:p>
             <a:fld id="{169E1B5B-BF25-4F35-9AA9-5CD9DC98F58A}" type="datetimeFigureOut">
               <a:rPr lang="en-US" smtClean="0"/>
-              <a:t>4/7/2023</a:t>
+              <a:t>4/11/2023</a:t>
             </a:fld>
             <a:endParaRPr lang="en-US"/>
           </a:p>
@@ -4807,7 +8304,7 @@
           <a:p>
             <a:fld id="{169E1B5B-BF25-4F35-9AA9-5CD9DC98F58A}" type="datetimeFigureOut">
               <a:rPr lang="en-US" smtClean="0"/>
-              <a:t>4/7/2023</a:t>
+              <a:t>4/11/2023</a:t>
             </a:fld>
             <a:endParaRPr lang="en-US"/>
           </a:p>
@@ -5048,7 +8545,7 @@
           <a:p>
             <a:fld id="{169E1B5B-BF25-4F35-9AA9-5CD9DC98F58A}" type="datetimeFigureOut">
               <a:rPr lang="en-US" smtClean="0"/>
-              <a:t>4/7/2023</a:t>
+              <a:t>4/11/2023</a:t>
             </a:fld>
             <a:endParaRPr lang="en-US"/>
           </a:p>
@@ -5486,7 +8983,10 @@
           <a:bodyPr/>
           <a:lstStyle/>
           <a:p>
-            <a:endParaRPr lang="en-US"/>
+            <a:r>
+              <a:rPr lang="en-US" dirty="0"/>
+              <a:t>Markups</a:t>
+            </a:r>
           </a:p>
         </p:txBody>
       </p:sp>
@@ -5511,7 +9011,18 @@
           <a:bodyPr/>
           <a:lstStyle/>
           <a:p>
-            <a:endParaRPr lang="en-US"/>
+            <a:r>
+              <a:rPr lang="en-US" dirty="0"/>
+              <a:t>Get base plot from </a:t>
+            </a:r>
+            <a:r>
+              <a:rPr lang="en-US" dirty="0" err="1"/>
+              <a:t>ggplot</a:t>
+            </a:r>
+            <a:r>
+              <a:rPr lang="en-US" dirty="0"/>
+              <a:t> outputs</a:t>
+            </a:r>
           </a:p>
         </p:txBody>
       </p:sp>
@@ -5547,10 +9058,10 @@
       </p:grpSpPr>
       <p:grpSp>
         <p:nvGrpSpPr>
-          <p:cNvPr id="165" name="Group 164">
+          <p:cNvPr id="38" name="Group 37">
             <a:extLst>
               <a:ext uri="{FF2B5EF4-FFF2-40B4-BE49-F238E27FC236}">
-                <a16:creationId xmlns:a16="http://schemas.microsoft.com/office/drawing/2014/main" id="{BAC50E04-38DB-C74D-EF81-883B1B774104}"/>
+                <a16:creationId xmlns:a16="http://schemas.microsoft.com/office/drawing/2014/main" id="{2C63740E-0443-1953-DE50-71D0F4304A84}"/>
               </a:ext>
             </a:extLst>
           </p:cNvPr>
@@ -5567,10 +9078,3317 @@
         </p:grpSpPr>
         <p:pic>
           <p:nvPicPr>
-            <p:cNvPr id="145" name="Picture 144" descr="Chart, radar chart&#10;&#10;Description automatically generated">
+            <p:cNvPr id="8" name="Picture 7" descr="Chart, radar chart&#10;&#10;Description automatically generated">
               <a:extLst>
                 <a:ext uri="{FF2B5EF4-FFF2-40B4-BE49-F238E27FC236}">
-                  <a16:creationId xmlns:a16="http://schemas.microsoft.com/office/drawing/2014/main" id="{7B06F101-C083-F4DB-8B9C-597631D29033}"/>
+                  <a16:creationId xmlns:a16="http://schemas.microsoft.com/office/drawing/2014/main" id="{6BAE727D-786F-565F-0628-D51F41852BAB}"/>
+                </a:ext>
+              </a:extLst>
+            </p:cNvPr>
+            <p:cNvPicPr>
+              <a:picLocks noChangeAspect="1"/>
+            </p:cNvPicPr>
+            <p:nvPr/>
+          </p:nvPicPr>
+          <p:blipFill>
+            <a:blip r:embed="rId3">
+              <a:extLst>
+                <a:ext uri="{28A0092B-C50C-407E-A947-70E740481C1C}">
+                  <a14:useLocalDpi xmlns:a14="http://schemas.microsoft.com/office/drawing/2010/main" val="0"/>
+                </a:ext>
+              </a:extLst>
+            </a:blip>
+            <a:stretch>
+              <a:fillRect/>
+            </a:stretch>
+          </p:blipFill>
+          <p:spPr>
+            <a:xfrm>
+              <a:off x="0" y="0"/>
+              <a:ext cx="12192000" cy="6858000"/>
+            </a:xfrm>
+            <a:prstGeom prst="rect">
+              <a:avLst/>
+            </a:prstGeom>
+          </p:spPr>
+        </p:pic>
+        <p:grpSp>
+          <p:nvGrpSpPr>
+            <p:cNvPr id="50" name="Group 49">
+              <a:extLst>
+                <a:ext uri="{FF2B5EF4-FFF2-40B4-BE49-F238E27FC236}">
+                  <a16:creationId xmlns:a16="http://schemas.microsoft.com/office/drawing/2014/main" id="{D184B23D-5B1E-1C91-5FB7-E684AFAF8A9E}"/>
+                </a:ext>
+              </a:extLst>
+            </p:cNvPr>
+            <p:cNvGrpSpPr/>
+            <p:nvPr/>
+          </p:nvGrpSpPr>
+          <p:grpSpPr>
+            <a:xfrm>
+              <a:off x="321516" y="1067535"/>
+              <a:ext cx="11685464" cy="5661834"/>
+              <a:chOff x="321516" y="1067535"/>
+              <a:chExt cx="11685464" cy="5661834"/>
+            </a:xfrm>
+          </p:grpSpPr>
+          <p:sp>
+            <p:nvSpPr>
+              <p:cNvPr id="154" name="Rectangle 153">
+                <a:extLst>
+                  <a:ext uri="{FF2B5EF4-FFF2-40B4-BE49-F238E27FC236}">
+                    <a16:creationId xmlns:a16="http://schemas.microsoft.com/office/drawing/2014/main" id="{10F62627-5069-528E-53D4-07F97402E75A}"/>
+                  </a:ext>
+                </a:extLst>
+              </p:cNvPr>
+              <p:cNvSpPr/>
+              <p:nvPr/>
+            </p:nvSpPr>
+            <p:spPr>
+              <a:xfrm>
+                <a:off x="321516" y="3272995"/>
+                <a:ext cx="11685464" cy="2933777"/>
+              </a:xfrm>
+              <a:prstGeom prst="rect">
+                <a:avLst/>
+              </a:prstGeom>
+              <a:gradFill>
+                <a:gsLst>
+                  <a:gs pos="18000">
+                    <a:srgbClr val="FFFFFF"/>
+                  </a:gs>
+                  <a:gs pos="0">
+                    <a:schemeClr val="bg1">
+                      <a:alpha val="50000"/>
+                    </a:schemeClr>
+                  </a:gs>
+                  <a:gs pos="100000">
+                    <a:schemeClr val="bg1"/>
+                  </a:gs>
+                </a:gsLst>
+                <a:lin ang="5400000" scaled="1"/>
+              </a:gradFill>
+              <a:ln>
+                <a:noFill/>
+              </a:ln>
+            </p:spPr>
+            <p:style>
+              <a:lnRef idx="2">
+                <a:schemeClr val="accent1">
+                  <a:shade val="50000"/>
+                </a:schemeClr>
+              </a:lnRef>
+              <a:fillRef idx="1">
+                <a:schemeClr val="accent1"/>
+              </a:fillRef>
+              <a:effectRef idx="0">
+                <a:schemeClr val="accent1"/>
+              </a:effectRef>
+              <a:fontRef idx="minor">
+                <a:schemeClr val="lt1"/>
+              </a:fontRef>
+            </p:style>
+            <p:txBody>
+              <a:bodyPr rtlCol="0" anchor="ctr"/>
+              <a:lstStyle/>
+              <a:p>
+                <a:pPr algn="ctr"/>
+                <a:endParaRPr lang="en-US">
+                  <a:latin typeface="Arial Nova Cond Light" panose="020B0306020202020204" pitchFamily="34" charset="0"/>
+                </a:endParaRPr>
+              </a:p>
+            </p:txBody>
+          </p:sp>
+          <p:sp>
+            <p:nvSpPr>
+              <p:cNvPr id="116" name="Oval 115">
+                <a:extLst>
+                  <a:ext uri="{FF2B5EF4-FFF2-40B4-BE49-F238E27FC236}">
+                    <a16:creationId xmlns:a16="http://schemas.microsoft.com/office/drawing/2014/main" id="{68732BA1-F724-FC4F-E74C-B052C4B3D729}"/>
+                  </a:ext>
+                </a:extLst>
+              </p:cNvPr>
+              <p:cNvSpPr/>
+              <p:nvPr/>
+            </p:nvSpPr>
+            <p:spPr>
+              <a:xfrm>
+                <a:off x="8003865" y="2328083"/>
+                <a:ext cx="2331720" cy="2331720"/>
+              </a:xfrm>
+              <a:prstGeom prst="ellipse">
+                <a:avLst/>
+              </a:prstGeom>
+              <a:solidFill>
+                <a:srgbClr val="FFFFFF"/>
+              </a:solidFill>
+              <a:ln>
+                <a:noFill/>
+              </a:ln>
+            </p:spPr>
+            <p:style>
+              <a:lnRef idx="2">
+                <a:schemeClr val="accent1">
+                  <a:shade val="50000"/>
+                </a:schemeClr>
+              </a:lnRef>
+              <a:fillRef idx="1">
+                <a:schemeClr val="accent1"/>
+              </a:fillRef>
+              <a:effectRef idx="0">
+                <a:schemeClr val="accent1"/>
+              </a:effectRef>
+              <a:fontRef idx="minor">
+                <a:schemeClr val="lt1"/>
+              </a:fontRef>
+            </p:style>
+            <p:txBody>
+              <a:bodyPr rtlCol="0" anchor="ctr"/>
+              <a:lstStyle/>
+              <a:p>
+                <a:pPr algn="ctr"/>
+                <a:endParaRPr lang="en-US">
+                  <a:latin typeface="Arial Nova Cond Light" panose="020B0306020202020204" pitchFamily="34" charset="0"/>
+                </a:endParaRPr>
+              </a:p>
+            </p:txBody>
+          </p:sp>
+          <p:sp>
+            <p:nvSpPr>
+              <p:cNvPr id="115" name="Oval 114">
+                <a:extLst>
+                  <a:ext uri="{FF2B5EF4-FFF2-40B4-BE49-F238E27FC236}">
+                    <a16:creationId xmlns:a16="http://schemas.microsoft.com/office/drawing/2014/main" id="{DDF40092-C545-B15E-326D-AEB0893FAE4D}"/>
+                  </a:ext>
+                </a:extLst>
+              </p:cNvPr>
+              <p:cNvSpPr/>
+              <p:nvPr/>
+            </p:nvSpPr>
+            <p:spPr>
+              <a:xfrm>
+                <a:off x="2023531" y="2330140"/>
+                <a:ext cx="2331720" cy="2331720"/>
+              </a:xfrm>
+              <a:prstGeom prst="ellipse">
+                <a:avLst/>
+              </a:prstGeom>
+              <a:solidFill>
+                <a:srgbClr val="FFFFFF"/>
+              </a:solidFill>
+              <a:ln>
+                <a:noFill/>
+              </a:ln>
+            </p:spPr>
+            <p:style>
+              <a:lnRef idx="2">
+                <a:schemeClr val="accent1">
+                  <a:shade val="50000"/>
+                </a:schemeClr>
+              </a:lnRef>
+              <a:fillRef idx="1">
+                <a:schemeClr val="accent1"/>
+              </a:fillRef>
+              <a:effectRef idx="0">
+                <a:schemeClr val="accent1"/>
+              </a:effectRef>
+              <a:fontRef idx="minor">
+                <a:schemeClr val="lt1"/>
+              </a:fontRef>
+            </p:style>
+            <p:txBody>
+              <a:bodyPr rtlCol="0" anchor="ctr"/>
+              <a:lstStyle/>
+              <a:p>
+                <a:pPr algn="ctr"/>
+                <a:endParaRPr lang="en-US">
+                  <a:latin typeface="Arial Nova Cond Light" panose="020B0306020202020204" pitchFamily="34" charset="0"/>
+                </a:endParaRPr>
+              </a:p>
+            </p:txBody>
+          </p:sp>
+          <p:sp>
+            <p:nvSpPr>
+              <p:cNvPr id="12" name="TextBox 11">
+                <a:extLst>
+                  <a:ext uri="{FF2B5EF4-FFF2-40B4-BE49-F238E27FC236}">
+                    <a16:creationId xmlns:a16="http://schemas.microsoft.com/office/drawing/2014/main" id="{A92751BD-0BCB-F84D-4CE3-45911BE1EE09}"/>
+                  </a:ext>
+                </a:extLst>
+              </p:cNvPr>
+              <p:cNvSpPr txBox="1"/>
+              <p:nvPr/>
+            </p:nvSpPr>
+            <p:spPr>
+              <a:xfrm rot="15617868">
+                <a:off x="8786787" y="2381006"/>
+                <a:ext cx="399468" cy="253916"/>
+              </a:xfrm>
+              <a:prstGeom prst="rect">
+                <a:avLst/>
+              </a:prstGeom>
+              <a:noFill/>
+            </p:spPr>
+            <p:txBody>
+              <a:bodyPr wrap="none" rtlCol="0">
+                <a:spAutoFit/>
+              </a:bodyPr>
+              <a:lstStyle/>
+              <a:p>
+                <a:r>
+                  <a:rPr lang="en-US" sz="1050" dirty="0">
+                    <a:latin typeface="Arial Nova Cond Light" panose="020B0306020202020204" pitchFamily="34" charset="0"/>
+                    <a:cs typeface="Times New Roman" panose="02020603050405020304" pitchFamily="18" charset="0"/>
+                  </a:rPr>
+                  <a:t>Start</a:t>
+                </a:r>
+              </a:p>
+            </p:txBody>
+          </p:sp>
+          <p:sp>
+            <p:nvSpPr>
+              <p:cNvPr id="14" name="TextBox 13">
+                <a:extLst>
+                  <a:ext uri="{FF2B5EF4-FFF2-40B4-BE49-F238E27FC236}">
+                    <a16:creationId xmlns:a16="http://schemas.microsoft.com/office/drawing/2014/main" id="{EDE2B9F8-9E3D-678D-C890-E5D58669DFD2}"/>
+                  </a:ext>
+                </a:extLst>
+              </p:cNvPr>
+              <p:cNvSpPr txBox="1"/>
+              <p:nvPr/>
+            </p:nvSpPr>
+            <p:spPr>
+              <a:xfrm rot="14694726">
+                <a:off x="2591324" y="2440195"/>
+                <a:ext cx="399468" cy="253916"/>
+              </a:xfrm>
+              <a:prstGeom prst="rect">
+                <a:avLst/>
+              </a:prstGeom>
+              <a:noFill/>
+            </p:spPr>
+            <p:txBody>
+              <a:bodyPr wrap="none" rtlCol="0">
+                <a:spAutoFit/>
+              </a:bodyPr>
+              <a:lstStyle/>
+              <a:p>
+                <a:r>
+                  <a:rPr lang="en-US" sz="1050" dirty="0">
+                    <a:latin typeface="Arial Nova Cond Light" panose="020B0306020202020204" pitchFamily="34" charset="0"/>
+                    <a:cs typeface="Times New Roman" panose="02020603050405020304" pitchFamily="18" charset="0"/>
+                  </a:rPr>
+                  <a:t>Start</a:t>
+                </a:r>
+              </a:p>
+            </p:txBody>
+          </p:sp>
+          <p:sp>
+            <p:nvSpPr>
+              <p:cNvPr id="15" name="TextBox 14">
+                <a:extLst>
+                  <a:ext uri="{FF2B5EF4-FFF2-40B4-BE49-F238E27FC236}">
+                    <a16:creationId xmlns:a16="http://schemas.microsoft.com/office/drawing/2014/main" id="{59731D87-5DD9-E804-08D9-E2BD4F5D0AC4}"/>
+                  </a:ext>
+                </a:extLst>
+              </p:cNvPr>
+              <p:cNvSpPr txBox="1"/>
+              <p:nvPr/>
+            </p:nvSpPr>
+            <p:spPr>
+              <a:xfrm rot="18669115">
+                <a:off x="3672456" y="2575540"/>
+                <a:ext cx="367408" cy="253916"/>
+              </a:xfrm>
+              <a:prstGeom prst="rect">
+                <a:avLst/>
+              </a:prstGeom>
+              <a:noFill/>
+            </p:spPr>
+            <p:txBody>
+              <a:bodyPr wrap="none" rtlCol="0">
+                <a:spAutoFit/>
+              </a:bodyPr>
+              <a:lstStyle/>
+              <a:p>
+                <a:r>
+                  <a:rPr lang="en-US" sz="1050" dirty="0">
+                    <a:latin typeface="Arial Nova Cond Light" panose="020B0306020202020204" pitchFamily="34" charset="0"/>
+                    <a:cs typeface="Times New Roman" panose="02020603050405020304" pitchFamily="18" charset="0"/>
+                  </a:rPr>
+                  <a:t>End</a:t>
+                </a:r>
+              </a:p>
+            </p:txBody>
+          </p:sp>
+          <p:sp>
+            <p:nvSpPr>
+              <p:cNvPr id="13" name="TextBox 12">
+                <a:extLst>
+                  <a:ext uri="{FF2B5EF4-FFF2-40B4-BE49-F238E27FC236}">
+                    <a16:creationId xmlns:a16="http://schemas.microsoft.com/office/drawing/2014/main" id="{DD8FF5E5-8077-9B79-7F23-BF41326D2659}"/>
+                  </a:ext>
+                </a:extLst>
+              </p:cNvPr>
+              <p:cNvSpPr txBox="1"/>
+              <p:nvPr/>
+            </p:nvSpPr>
+            <p:spPr>
+              <a:xfrm rot="19164934">
+                <a:off x="9766109" y="2669797"/>
+                <a:ext cx="367408" cy="253916"/>
+              </a:xfrm>
+              <a:prstGeom prst="rect">
+                <a:avLst/>
+              </a:prstGeom>
+              <a:noFill/>
+            </p:spPr>
+            <p:txBody>
+              <a:bodyPr wrap="none" rtlCol="0">
+                <a:spAutoFit/>
+              </a:bodyPr>
+              <a:lstStyle/>
+              <a:p>
+                <a:r>
+                  <a:rPr lang="en-US" sz="1050" dirty="0">
+                    <a:latin typeface="Arial Nova Cond Light" panose="020B0306020202020204" pitchFamily="34" charset="0"/>
+                    <a:cs typeface="Times New Roman" panose="02020603050405020304" pitchFamily="18" charset="0"/>
+                  </a:rPr>
+                  <a:t>End</a:t>
+                </a:r>
+              </a:p>
+            </p:txBody>
+          </p:sp>
+          <p:sp>
+            <p:nvSpPr>
+              <p:cNvPr id="61" name="TextBox 60">
+                <a:extLst>
+                  <a:ext uri="{FF2B5EF4-FFF2-40B4-BE49-F238E27FC236}">
+                    <a16:creationId xmlns:a16="http://schemas.microsoft.com/office/drawing/2014/main" id="{3B2890E0-4397-E461-4158-1EA89FBAA79A}"/>
+                  </a:ext>
+                </a:extLst>
+              </p:cNvPr>
+              <p:cNvSpPr txBox="1"/>
+              <p:nvPr/>
+            </p:nvSpPr>
+            <p:spPr>
+              <a:xfrm>
+                <a:off x="1822644" y="6137550"/>
+                <a:ext cx="10146867" cy="553998"/>
+              </a:xfrm>
+              <a:prstGeom prst="rect">
+                <a:avLst/>
+              </a:prstGeom>
+              <a:noFill/>
+            </p:spPr>
+            <p:txBody>
+              <a:bodyPr wrap="square" rtlCol="0">
+                <a:spAutoFit/>
+              </a:bodyPr>
+              <a:lstStyle/>
+              <a:p>
+                <a:pPr algn="r"/>
+                <a:r>
+                  <a:rPr lang="en-US" sz="1000" dirty="0">
+                    <a:solidFill>
+                      <a:schemeClr val="bg1">
+                        <a:lumMod val="50000"/>
+                      </a:schemeClr>
+                    </a:solidFill>
+                    <a:latin typeface="Arial Nova Cond Light" panose="020B0306020202020204" pitchFamily="34" charset="0"/>
+                    <a:cs typeface="Times New Roman" panose="02020603050405020304" pitchFamily="18" charset="0"/>
+                  </a:rPr>
+                  <a:t>Data Source: </a:t>
+                </a:r>
+                <a:r>
+                  <a:rPr lang="en-US" sz="1000" dirty="0" err="1">
+                    <a:solidFill>
+                      <a:schemeClr val="bg1">
+                        <a:lumMod val="50000"/>
+                      </a:schemeClr>
+                    </a:solidFill>
+                    <a:latin typeface="Arial Nova Cond Light" panose="020B0306020202020204" pitchFamily="34" charset="0"/>
+                    <a:cs typeface="Times New Roman" panose="02020603050405020304" pitchFamily="18" charset="0"/>
+                  </a:rPr>
+                  <a:t>Nack</a:t>
+                </a:r>
+                <a:r>
+                  <a:rPr lang="en-US" sz="1000" dirty="0">
+                    <a:solidFill>
+                      <a:schemeClr val="bg1">
+                        <a:lumMod val="50000"/>
+                      </a:schemeClr>
+                    </a:solidFill>
+                    <a:latin typeface="Arial Nova Cond Light" panose="020B0306020202020204" pitchFamily="34" charset="0"/>
+                    <a:cs typeface="Times New Roman" panose="02020603050405020304" pitchFamily="18" charset="0"/>
+                  </a:rPr>
+                  <a:t>, C. et. al. (2019). </a:t>
+                </a:r>
+                <a:r>
+                  <a:rPr lang="en-US" sz="1000" dirty="0">
+                    <a:solidFill>
+                      <a:schemeClr val="bg1">
+                        <a:lumMod val="50000"/>
+                      </a:schemeClr>
+                    </a:solidFill>
+                    <a:latin typeface="Arial Nova Cond Light" panose="020B0306020202020204" pitchFamily="34" charset="0"/>
+                    <a:cs typeface="Times New Roman" panose="02020603050405020304" pitchFamily="18" charset="0"/>
+                    <a:hlinkClick r:id="rId4">
+                      <a:extLst>
+                        <a:ext uri="{A12FA001-AC4F-418D-AE19-62706E023703}">
+                          <ahyp:hlinkClr xmlns:ahyp="http://schemas.microsoft.com/office/drawing/2018/hyperlinkcolor" val="tx"/>
+                        </a:ext>
+                      </a:extLst>
+                    </a:hlinkClick>
+                  </a:rPr>
+                  <a:t>https://doi.org/10.1002/mcf2.10076</a:t>
+                </a:r>
+                <a:endParaRPr lang="en-US" sz="1000" dirty="0">
+                  <a:solidFill>
+                    <a:schemeClr val="bg1">
+                      <a:lumMod val="50000"/>
+                    </a:schemeClr>
+                  </a:solidFill>
+                  <a:latin typeface="Arial Nova Cond Light" panose="020B0306020202020204" pitchFamily="34" charset="0"/>
+                  <a:cs typeface="Times New Roman" panose="02020603050405020304" pitchFamily="18" charset="0"/>
+                </a:endParaRPr>
+              </a:p>
+              <a:p>
+                <a:pPr algn="r"/>
+                <a:r>
+                  <a:rPr lang="en-US" sz="1000" dirty="0">
+                    <a:solidFill>
+                      <a:schemeClr val="bg1">
+                        <a:lumMod val="50000"/>
+                      </a:schemeClr>
+                    </a:solidFill>
+                    <a:latin typeface="Arial Nova Cond Light" panose="020B0306020202020204" pitchFamily="34" charset="0"/>
+                    <a:cs typeface="Times New Roman" panose="02020603050405020304" pitchFamily="18" charset="0"/>
+                  </a:rPr>
+                  <a:t>Fish images from </a:t>
+                </a:r>
+                <a:r>
+                  <a:rPr lang="en-US" sz="1000" u="sng" dirty="0">
+                    <a:solidFill>
+                      <a:schemeClr val="bg1">
+                        <a:lumMod val="50000"/>
+                      </a:schemeClr>
+                    </a:solidFill>
+                    <a:latin typeface="Arial Nova Cond Light" panose="020B0306020202020204" pitchFamily="34" charset="0"/>
+                    <a:cs typeface="Times New Roman" panose="02020603050405020304" pitchFamily="18" charset="0"/>
+                  </a:rPr>
+                  <a:t>www.takemefishing.org</a:t>
+                </a:r>
+                <a:r>
+                  <a:rPr lang="en-US" sz="1000" dirty="0">
+                    <a:solidFill>
+                      <a:schemeClr val="bg1">
+                        <a:lumMod val="50000"/>
+                      </a:schemeClr>
+                    </a:solidFill>
+                    <a:latin typeface="Arial Nova Cond Light" panose="020B0306020202020204" pitchFamily="34" charset="0"/>
+                    <a:cs typeface="Times New Roman" panose="02020603050405020304" pitchFamily="18" charset="0"/>
+                  </a:rPr>
+                  <a:t> and  NOAA Fisheries</a:t>
+                </a:r>
+              </a:p>
+              <a:p>
+                <a:pPr algn="r"/>
+                <a:r>
+                  <a:rPr lang="en-US" sz="1000" dirty="0">
+                    <a:solidFill>
+                      <a:schemeClr val="bg1">
+                        <a:lumMod val="50000"/>
+                      </a:schemeClr>
+                    </a:solidFill>
+                    <a:latin typeface="Arial Nova Cond Light" panose="020B0306020202020204" pitchFamily="34" charset="0"/>
+                    <a:cs typeface="Times New Roman" panose="02020603050405020304" pitchFamily="18" charset="0"/>
+                  </a:rPr>
+                  <a:t>Plot made by Ellie White, </a:t>
+                </a:r>
+                <a:r>
+                  <a:rPr lang="en-US" sz="1000" dirty="0">
+                    <a:solidFill>
+                      <a:schemeClr val="bg1">
+                        <a:lumMod val="50000"/>
+                      </a:schemeClr>
+                    </a:solidFill>
+                    <a:latin typeface="Arial Nova Cond Light" panose="020B0306020202020204" pitchFamily="34" charset="0"/>
+                    <a:cs typeface="Times New Roman" panose="02020603050405020304" pitchFamily="18" charset="0"/>
+                    <a:hlinkClick r:id="rId5">
+                      <a:extLst>
+                        <a:ext uri="{A12FA001-AC4F-418D-AE19-62706E023703}">
+                          <ahyp:hlinkClr xmlns:ahyp="http://schemas.microsoft.com/office/drawing/2018/hyperlinkcolor" val="tx"/>
+                        </a:ext>
+                      </a:extLst>
+                    </a:hlinkClick>
+                  </a:rPr>
+                  <a:t>ewhite@usgs.gov</a:t>
+                </a:r>
+                <a:r>
+                  <a:rPr lang="en-US" sz="1000" dirty="0">
+                    <a:solidFill>
+                      <a:schemeClr val="bg1">
+                        <a:lumMod val="50000"/>
+                      </a:schemeClr>
+                    </a:solidFill>
+                    <a:latin typeface="Arial Nova Cond Light" panose="020B0306020202020204" pitchFamily="34" charset="0"/>
+                    <a:cs typeface="Times New Roman" panose="02020603050405020304" pitchFamily="18" charset="0"/>
+                  </a:rPr>
+                  <a:t> 04/08/2023</a:t>
+                </a:r>
+              </a:p>
+            </p:txBody>
+          </p:sp>
+          <p:pic>
+            <p:nvPicPr>
+              <p:cNvPr id="3" name="Picture 2" descr="Shape&#10;&#10;Description automatically generated with medium confidence">
+                <a:extLst>
+                  <a:ext uri="{FF2B5EF4-FFF2-40B4-BE49-F238E27FC236}">
+                    <a16:creationId xmlns:a16="http://schemas.microsoft.com/office/drawing/2014/main" id="{C081CB69-D92F-2257-0FE3-5EDA678BDDEF}"/>
+                  </a:ext>
+                </a:extLst>
+              </p:cNvPr>
+              <p:cNvPicPr>
+                <a:picLocks noChangeAspect="1"/>
+              </p:cNvPicPr>
+              <p:nvPr/>
+            </p:nvPicPr>
+            <p:blipFill>
+              <a:blip r:embed="rId6">
+                <a:extLst>
+                  <a:ext uri="{28A0092B-C50C-407E-A947-70E740481C1C}">
+                    <a14:useLocalDpi xmlns:a14="http://schemas.microsoft.com/office/drawing/2010/main" val="0"/>
+                  </a:ext>
+                </a:extLst>
+              </a:blip>
+              <a:stretch>
+                <a:fillRect/>
+              </a:stretch>
+            </p:blipFill>
+            <p:spPr>
+              <a:xfrm>
+                <a:off x="333705" y="6206772"/>
+                <a:ext cx="1413783" cy="522597"/>
+              </a:xfrm>
+              <a:prstGeom prst="rect">
+                <a:avLst/>
+              </a:prstGeom>
+            </p:spPr>
+          </p:pic>
+          <p:grpSp>
+            <p:nvGrpSpPr>
+              <p:cNvPr id="119" name="Group 118">
+                <a:extLst>
+                  <a:ext uri="{FF2B5EF4-FFF2-40B4-BE49-F238E27FC236}">
+                    <a16:creationId xmlns:a16="http://schemas.microsoft.com/office/drawing/2014/main" id="{BA8F6FA3-392B-2DCE-F67B-AFE623DEB112}"/>
+                  </a:ext>
+                </a:extLst>
+              </p:cNvPr>
+              <p:cNvGrpSpPr/>
+              <p:nvPr/>
+            </p:nvGrpSpPr>
+            <p:grpSpPr>
+              <a:xfrm>
+                <a:off x="2013722" y="2936670"/>
+                <a:ext cx="2351171" cy="1124783"/>
+                <a:chOff x="2302483" y="3048883"/>
+                <a:chExt cx="1691640" cy="809267"/>
+              </a:xfrm>
+            </p:grpSpPr>
+            <p:sp>
+              <p:nvSpPr>
+                <p:cNvPr id="20" name="TextBox 19">
+                  <a:extLst>
+                    <a:ext uri="{FF2B5EF4-FFF2-40B4-BE49-F238E27FC236}">
+                      <a16:creationId xmlns:a16="http://schemas.microsoft.com/office/drawing/2014/main" id="{955A7CE5-80B7-11A5-3983-7037E6E3B1B5}"/>
+                    </a:ext>
+                  </a:extLst>
+                </p:cNvPr>
+                <p:cNvSpPr txBox="1"/>
+                <p:nvPr/>
+              </p:nvSpPr>
+              <p:spPr>
+                <a:xfrm>
+                  <a:off x="2546182" y="3614565"/>
+                  <a:ext cx="1094752" cy="243585"/>
+                </a:xfrm>
+                <a:prstGeom prst="rect">
+                  <a:avLst/>
+                </a:prstGeom>
+                <a:noFill/>
+              </p:spPr>
+              <p:txBody>
+                <a:bodyPr wrap="none" rtlCol="0">
+                  <a:spAutoFit/>
+                </a:bodyPr>
+                <a:lstStyle/>
+                <a:p>
+                  <a:pPr algn="ctr"/>
+                  <a:r>
+                    <a:rPr lang="en-US" sz="1600" dirty="0">
+                      <a:latin typeface="Baguet Script" panose="00000500000000000000" pitchFamily="2" charset="0"/>
+                    </a:rPr>
+                    <a:t>American Shad</a:t>
+                  </a:r>
+                </a:p>
+              </p:txBody>
+            </p:sp>
+            <p:pic>
+              <p:nvPicPr>
+                <p:cNvPr id="36" name="Picture 35" descr="A close-up of a fish&#10;&#10;Description automatically generated">
+                  <a:extLst>
+                    <a:ext uri="{FF2B5EF4-FFF2-40B4-BE49-F238E27FC236}">
+                      <a16:creationId xmlns:a16="http://schemas.microsoft.com/office/drawing/2014/main" id="{1213AF4D-BFB8-162D-B261-E505103E831A}"/>
+                    </a:ext>
+                  </a:extLst>
+                </p:cNvPr>
+                <p:cNvPicPr>
+                  <a:picLocks noChangeAspect="1"/>
+                </p:cNvPicPr>
+                <p:nvPr/>
+              </p:nvPicPr>
+              <p:blipFill>
+                <a:blip r:embed="rId7">
+                  <a:extLst>
+                    <a:ext uri="{28A0092B-C50C-407E-A947-70E740481C1C}">
+                      <a14:useLocalDpi xmlns:a14="http://schemas.microsoft.com/office/drawing/2010/main" val="0"/>
+                    </a:ext>
+                  </a:extLst>
+                </a:blip>
+                <a:stretch>
+                  <a:fillRect/>
+                </a:stretch>
+              </p:blipFill>
+              <p:spPr>
+                <a:xfrm>
+                  <a:off x="2302483" y="3048883"/>
+                  <a:ext cx="1691640" cy="619782"/>
+                </a:xfrm>
+                <a:prstGeom prst="rect">
+                  <a:avLst/>
+                </a:prstGeom>
+              </p:spPr>
+            </p:pic>
+          </p:grpSp>
+          <p:grpSp>
+            <p:nvGrpSpPr>
+              <p:cNvPr id="77" name="Group 76">
+                <a:extLst>
+                  <a:ext uri="{FF2B5EF4-FFF2-40B4-BE49-F238E27FC236}">
+                    <a16:creationId xmlns:a16="http://schemas.microsoft.com/office/drawing/2014/main" id="{AD5546C7-930E-3C93-F49E-C53376DB3189}"/>
+                  </a:ext>
+                </a:extLst>
+              </p:cNvPr>
+              <p:cNvGrpSpPr/>
+              <p:nvPr/>
+            </p:nvGrpSpPr>
+            <p:grpSpPr>
+              <a:xfrm>
+                <a:off x="4705714" y="3759145"/>
+                <a:ext cx="999849" cy="390003"/>
+                <a:chOff x="4207821" y="4443153"/>
+                <a:chExt cx="999849" cy="390003"/>
+              </a:xfrm>
+            </p:grpSpPr>
+            <p:grpSp>
+              <p:nvGrpSpPr>
+                <p:cNvPr id="35" name="Group 34">
+                  <a:extLst>
+                    <a:ext uri="{FF2B5EF4-FFF2-40B4-BE49-F238E27FC236}">
+                      <a16:creationId xmlns:a16="http://schemas.microsoft.com/office/drawing/2014/main" id="{3B011D50-52EE-C8EF-40E3-A1C9D61D50A3}"/>
+                    </a:ext>
+                  </a:extLst>
+                </p:cNvPr>
+                <p:cNvGrpSpPr/>
+                <p:nvPr/>
+              </p:nvGrpSpPr>
+              <p:grpSpPr>
+                <a:xfrm>
+                  <a:off x="4207821" y="4456341"/>
+                  <a:ext cx="502807" cy="376815"/>
+                  <a:chOff x="4055312" y="4403239"/>
+                  <a:chExt cx="502807" cy="376815"/>
+                </a:xfrm>
+              </p:grpSpPr>
+              <p:sp>
+                <p:nvSpPr>
+                  <p:cNvPr id="22" name="Oval 21">
+                    <a:extLst>
+                      <a:ext uri="{FF2B5EF4-FFF2-40B4-BE49-F238E27FC236}">
+                        <a16:creationId xmlns:a16="http://schemas.microsoft.com/office/drawing/2014/main" id="{2A88EBE2-99BA-C1D4-A149-0E1783B593BE}"/>
+                      </a:ext>
+                    </a:extLst>
+                  </p:cNvPr>
+                  <p:cNvSpPr/>
+                  <p:nvPr/>
+                </p:nvSpPr>
+                <p:spPr>
+                  <a:xfrm>
+                    <a:off x="4165031" y="4419192"/>
+                    <a:ext cx="155389" cy="155389"/>
+                  </a:xfrm>
+                  <a:prstGeom prst="ellipse">
+                    <a:avLst/>
+                  </a:prstGeom>
+                  <a:solidFill>
+                    <a:schemeClr val="bg1"/>
+                  </a:solidFill>
+                  <a:ln w="3175">
+                    <a:solidFill>
+                      <a:schemeClr val="bg1">
+                        <a:lumMod val="65000"/>
+                      </a:schemeClr>
+                    </a:solidFill>
+                  </a:ln>
+                </p:spPr>
+                <p:style>
+                  <a:lnRef idx="2">
+                    <a:schemeClr val="accent1">
+                      <a:shade val="50000"/>
+                    </a:schemeClr>
+                  </a:lnRef>
+                  <a:fillRef idx="1">
+                    <a:schemeClr val="accent1"/>
+                  </a:fillRef>
+                  <a:effectRef idx="0">
+                    <a:schemeClr val="accent1"/>
+                  </a:effectRef>
+                  <a:fontRef idx="minor">
+                    <a:schemeClr val="lt1"/>
+                  </a:fontRef>
+                </p:style>
+                <p:txBody>
+                  <a:bodyPr rtlCol="0" anchor="ctr"/>
+                  <a:lstStyle/>
+                  <a:p>
+                    <a:pPr algn="ctr"/>
+                    <a:endParaRPr lang="en-US">
+                      <a:solidFill>
+                        <a:schemeClr val="tx1"/>
+                      </a:solidFill>
+                      <a:latin typeface="Arial Nova Cond Light" panose="020B0306020202020204" pitchFamily="34" charset="0"/>
+                    </a:endParaRPr>
+                  </a:p>
+                </p:txBody>
+              </p:sp>
+              <p:sp>
+                <p:nvSpPr>
+                  <p:cNvPr id="23" name="Oval 22">
+                    <a:extLst>
+                      <a:ext uri="{FF2B5EF4-FFF2-40B4-BE49-F238E27FC236}">
+                        <a16:creationId xmlns:a16="http://schemas.microsoft.com/office/drawing/2014/main" id="{A220EBAC-E495-B7F3-F042-D2409E064FA2}"/>
+                      </a:ext>
+                    </a:extLst>
+                  </p:cNvPr>
+                  <p:cNvSpPr/>
+                  <p:nvPr/>
+                </p:nvSpPr>
+                <p:spPr>
+                  <a:xfrm>
+                    <a:off x="4394205" y="4502220"/>
+                    <a:ext cx="155389" cy="155389"/>
+                  </a:xfrm>
+                  <a:prstGeom prst="ellipse">
+                    <a:avLst/>
+                  </a:prstGeom>
+                  <a:solidFill>
+                    <a:schemeClr val="bg1"/>
+                  </a:solidFill>
+                  <a:ln w="3175">
+                    <a:solidFill>
+                      <a:schemeClr val="bg1">
+                        <a:lumMod val="65000"/>
+                      </a:schemeClr>
+                    </a:solidFill>
+                  </a:ln>
+                </p:spPr>
+                <p:style>
+                  <a:lnRef idx="2">
+                    <a:schemeClr val="accent1">
+                      <a:shade val="50000"/>
+                    </a:schemeClr>
+                  </a:lnRef>
+                  <a:fillRef idx="1">
+                    <a:schemeClr val="accent1"/>
+                  </a:fillRef>
+                  <a:effectRef idx="0">
+                    <a:schemeClr val="accent1"/>
+                  </a:effectRef>
+                  <a:fontRef idx="minor">
+                    <a:schemeClr val="lt1"/>
+                  </a:fontRef>
+                </p:style>
+                <p:txBody>
+                  <a:bodyPr rtlCol="0" anchor="ctr"/>
+                  <a:lstStyle/>
+                  <a:p>
+                    <a:pPr algn="ctr"/>
+                    <a:endParaRPr lang="en-US">
+                      <a:solidFill>
+                        <a:schemeClr val="tx1"/>
+                      </a:solidFill>
+                      <a:latin typeface="Arial Nova Cond Light" panose="020B0306020202020204" pitchFamily="34" charset="0"/>
+                    </a:endParaRPr>
+                  </a:p>
+                </p:txBody>
+              </p:sp>
+              <p:sp>
+                <p:nvSpPr>
+                  <p:cNvPr id="24" name="Oval 23">
+                    <a:extLst>
+                      <a:ext uri="{FF2B5EF4-FFF2-40B4-BE49-F238E27FC236}">
+                        <a16:creationId xmlns:a16="http://schemas.microsoft.com/office/drawing/2014/main" id="{2FFEA1FF-8F5A-57FB-1329-EE3230CCA5E4}"/>
+                      </a:ext>
+                    </a:extLst>
+                  </p:cNvPr>
+                  <p:cNvSpPr/>
+                  <p:nvPr/>
+                </p:nvSpPr>
+                <p:spPr>
+                  <a:xfrm>
+                    <a:off x="4297157" y="4570899"/>
+                    <a:ext cx="155389" cy="155389"/>
+                  </a:xfrm>
+                  <a:prstGeom prst="ellipse">
+                    <a:avLst/>
+                  </a:prstGeom>
+                  <a:solidFill>
+                    <a:schemeClr val="bg1"/>
+                  </a:solidFill>
+                  <a:ln w="3175">
+                    <a:solidFill>
+                      <a:schemeClr val="bg1">
+                        <a:lumMod val="65000"/>
+                      </a:schemeClr>
+                    </a:solidFill>
+                  </a:ln>
+                </p:spPr>
+                <p:style>
+                  <a:lnRef idx="2">
+                    <a:schemeClr val="accent1">
+                      <a:shade val="50000"/>
+                    </a:schemeClr>
+                  </a:lnRef>
+                  <a:fillRef idx="1">
+                    <a:schemeClr val="accent1"/>
+                  </a:fillRef>
+                  <a:effectRef idx="0">
+                    <a:schemeClr val="accent1"/>
+                  </a:effectRef>
+                  <a:fontRef idx="minor">
+                    <a:schemeClr val="lt1"/>
+                  </a:fontRef>
+                </p:style>
+                <p:txBody>
+                  <a:bodyPr rtlCol="0" anchor="ctr"/>
+                  <a:lstStyle/>
+                  <a:p>
+                    <a:pPr algn="ctr"/>
+                    <a:endParaRPr lang="en-US">
+                      <a:solidFill>
+                        <a:schemeClr val="tx1"/>
+                      </a:solidFill>
+                      <a:latin typeface="Arial Nova Cond Light" panose="020B0306020202020204" pitchFamily="34" charset="0"/>
+                    </a:endParaRPr>
+                  </a:p>
+                </p:txBody>
+              </p:sp>
+              <p:sp>
+                <p:nvSpPr>
+                  <p:cNvPr id="28" name="Oval 27">
+                    <a:extLst>
+                      <a:ext uri="{FF2B5EF4-FFF2-40B4-BE49-F238E27FC236}">
+                        <a16:creationId xmlns:a16="http://schemas.microsoft.com/office/drawing/2014/main" id="{55699BC5-317E-07BA-30C7-0915E5144722}"/>
+                      </a:ext>
+                    </a:extLst>
+                  </p:cNvPr>
+                  <p:cNvSpPr/>
+                  <p:nvPr/>
+                </p:nvSpPr>
+                <p:spPr>
+                  <a:xfrm>
+                    <a:off x="4170368" y="4517480"/>
+                    <a:ext cx="155389" cy="155389"/>
+                  </a:xfrm>
+                  <a:prstGeom prst="ellipse">
+                    <a:avLst/>
+                  </a:prstGeom>
+                  <a:solidFill>
+                    <a:schemeClr val="bg1"/>
+                  </a:solidFill>
+                  <a:ln w="3175">
+                    <a:solidFill>
+                      <a:schemeClr val="bg1">
+                        <a:lumMod val="65000"/>
+                      </a:schemeClr>
+                    </a:solidFill>
+                  </a:ln>
+                </p:spPr>
+                <p:style>
+                  <a:lnRef idx="2">
+                    <a:schemeClr val="accent1">
+                      <a:shade val="50000"/>
+                    </a:schemeClr>
+                  </a:lnRef>
+                  <a:fillRef idx="1">
+                    <a:schemeClr val="accent1"/>
+                  </a:fillRef>
+                  <a:effectRef idx="0">
+                    <a:schemeClr val="accent1"/>
+                  </a:effectRef>
+                  <a:fontRef idx="minor">
+                    <a:schemeClr val="lt1"/>
+                  </a:fontRef>
+                </p:style>
+                <p:txBody>
+                  <a:bodyPr rtlCol="0" anchor="ctr"/>
+                  <a:lstStyle/>
+                  <a:p>
+                    <a:pPr algn="ctr"/>
+                    <a:endParaRPr lang="en-US">
+                      <a:solidFill>
+                        <a:schemeClr val="tx1"/>
+                      </a:solidFill>
+                      <a:latin typeface="Arial Nova Cond Light" panose="020B0306020202020204" pitchFamily="34" charset="0"/>
+                    </a:endParaRPr>
+                  </a:p>
+                </p:txBody>
+              </p:sp>
+              <p:sp>
+                <p:nvSpPr>
+                  <p:cNvPr id="29" name="Oval 28">
+                    <a:extLst>
+                      <a:ext uri="{FF2B5EF4-FFF2-40B4-BE49-F238E27FC236}">
+                        <a16:creationId xmlns:a16="http://schemas.microsoft.com/office/drawing/2014/main" id="{9F35B3C2-69BA-F26E-1A83-44F0E5AE4DD1}"/>
+                      </a:ext>
+                    </a:extLst>
+                  </p:cNvPr>
+                  <p:cNvSpPr/>
+                  <p:nvPr/>
+                </p:nvSpPr>
+                <p:spPr>
+                  <a:xfrm>
+                    <a:off x="4349760" y="4403239"/>
+                    <a:ext cx="155389" cy="155389"/>
+                  </a:xfrm>
+                  <a:prstGeom prst="ellipse">
+                    <a:avLst/>
+                  </a:prstGeom>
+                  <a:solidFill>
+                    <a:schemeClr val="bg1"/>
+                  </a:solidFill>
+                  <a:ln w="3175">
+                    <a:solidFill>
+                      <a:schemeClr val="bg1">
+                        <a:lumMod val="65000"/>
+                      </a:schemeClr>
+                    </a:solidFill>
+                  </a:ln>
+                </p:spPr>
+                <p:style>
+                  <a:lnRef idx="2">
+                    <a:schemeClr val="accent1">
+                      <a:shade val="50000"/>
+                    </a:schemeClr>
+                  </a:lnRef>
+                  <a:fillRef idx="1">
+                    <a:schemeClr val="accent1"/>
+                  </a:fillRef>
+                  <a:effectRef idx="0">
+                    <a:schemeClr val="accent1"/>
+                  </a:effectRef>
+                  <a:fontRef idx="minor">
+                    <a:schemeClr val="lt1"/>
+                  </a:fontRef>
+                </p:style>
+                <p:txBody>
+                  <a:bodyPr rtlCol="0" anchor="ctr"/>
+                  <a:lstStyle/>
+                  <a:p>
+                    <a:pPr algn="ctr"/>
+                    <a:endParaRPr lang="en-US">
+                      <a:solidFill>
+                        <a:schemeClr val="tx1"/>
+                      </a:solidFill>
+                      <a:latin typeface="Arial Nova Cond Light" panose="020B0306020202020204" pitchFamily="34" charset="0"/>
+                    </a:endParaRPr>
+                  </a:p>
+                </p:txBody>
+              </p:sp>
+              <p:sp>
+                <p:nvSpPr>
+                  <p:cNvPr id="30" name="Oval 29">
+                    <a:extLst>
+                      <a:ext uri="{FF2B5EF4-FFF2-40B4-BE49-F238E27FC236}">
+                        <a16:creationId xmlns:a16="http://schemas.microsoft.com/office/drawing/2014/main" id="{52FED1B8-24A1-12B4-7DC3-1595C2923EF6}"/>
+                      </a:ext>
+                    </a:extLst>
+                  </p:cNvPr>
+                  <p:cNvSpPr/>
+                  <p:nvPr/>
+                </p:nvSpPr>
+                <p:spPr>
+                  <a:xfrm>
+                    <a:off x="4402730" y="4605495"/>
+                    <a:ext cx="155389" cy="155389"/>
+                  </a:xfrm>
+                  <a:prstGeom prst="ellipse">
+                    <a:avLst/>
+                  </a:prstGeom>
+                  <a:solidFill>
+                    <a:schemeClr val="bg1"/>
+                  </a:solidFill>
+                  <a:ln w="3175">
+                    <a:solidFill>
+                      <a:schemeClr val="bg1">
+                        <a:lumMod val="65000"/>
+                      </a:schemeClr>
+                    </a:solidFill>
+                  </a:ln>
+                </p:spPr>
+                <p:style>
+                  <a:lnRef idx="2">
+                    <a:schemeClr val="accent1">
+                      <a:shade val="50000"/>
+                    </a:schemeClr>
+                  </a:lnRef>
+                  <a:fillRef idx="1">
+                    <a:schemeClr val="accent1"/>
+                  </a:fillRef>
+                  <a:effectRef idx="0">
+                    <a:schemeClr val="accent1"/>
+                  </a:effectRef>
+                  <a:fontRef idx="minor">
+                    <a:schemeClr val="lt1"/>
+                  </a:fontRef>
+                </p:style>
+                <p:txBody>
+                  <a:bodyPr rtlCol="0" anchor="ctr"/>
+                  <a:lstStyle/>
+                  <a:p>
+                    <a:pPr algn="ctr"/>
+                    <a:endParaRPr lang="en-US">
+                      <a:solidFill>
+                        <a:schemeClr val="tx1"/>
+                      </a:solidFill>
+                      <a:latin typeface="Arial Nova Cond Light" panose="020B0306020202020204" pitchFamily="34" charset="0"/>
+                    </a:endParaRPr>
+                  </a:p>
+                </p:txBody>
+              </p:sp>
+              <p:sp>
+                <p:nvSpPr>
+                  <p:cNvPr id="32" name="Oval 31">
+                    <a:extLst>
+                      <a:ext uri="{FF2B5EF4-FFF2-40B4-BE49-F238E27FC236}">
+                        <a16:creationId xmlns:a16="http://schemas.microsoft.com/office/drawing/2014/main" id="{2E8B8AE1-2ED1-A064-0F0C-35811B7A3A73}"/>
+                      </a:ext>
+                    </a:extLst>
+                  </p:cNvPr>
+                  <p:cNvSpPr/>
+                  <p:nvPr/>
+                </p:nvSpPr>
+                <p:spPr>
+                  <a:xfrm>
+                    <a:off x="4147261" y="4624665"/>
+                    <a:ext cx="155389" cy="155389"/>
+                  </a:xfrm>
+                  <a:prstGeom prst="ellipse">
+                    <a:avLst/>
+                  </a:prstGeom>
+                  <a:solidFill>
+                    <a:schemeClr val="bg1"/>
+                  </a:solidFill>
+                  <a:ln w="3175">
+                    <a:solidFill>
+                      <a:schemeClr val="bg1">
+                        <a:lumMod val="65000"/>
+                      </a:schemeClr>
+                    </a:solidFill>
+                  </a:ln>
+                </p:spPr>
+                <p:style>
+                  <a:lnRef idx="2">
+                    <a:schemeClr val="accent1">
+                      <a:shade val="50000"/>
+                    </a:schemeClr>
+                  </a:lnRef>
+                  <a:fillRef idx="1">
+                    <a:schemeClr val="accent1"/>
+                  </a:fillRef>
+                  <a:effectRef idx="0">
+                    <a:schemeClr val="accent1"/>
+                  </a:effectRef>
+                  <a:fontRef idx="minor">
+                    <a:schemeClr val="lt1"/>
+                  </a:fontRef>
+                </p:style>
+                <p:txBody>
+                  <a:bodyPr rtlCol="0" anchor="ctr"/>
+                  <a:lstStyle/>
+                  <a:p>
+                    <a:pPr algn="ctr"/>
+                    <a:endParaRPr lang="en-US">
+                      <a:solidFill>
+                        <a:schemeClr val="tx1"/>
+                      </a:solidFill>
+                      <a:latin typeface="Arial Nova Cond Light" panose="020B0306020202020204" pitchFamily="34" charset="0"/>
+                    </a:endParaRPr>
+                  </a:p>
+                </p:txBody>
+              </p:sp>
+              <p:sp>
+                <p:nvSpPr>
+                  <p:cNvPr id="34" name="Oval 33">
+                    <a:extLst>
+                      <a:ext uri="{FF2B5EF4-FFF2-40B4-BE49-F238E27FC236}">
+                        <a16:creationId xmlns:a16="http://schemas.microsoft.com/office/drawing/2014/main" id="{BAC09385-76B2-A5E3-587A-5B1B7B5A401B}"/>
+                      </a:ext>
+                    </a:extLst>
+                  </p:cNvPr>
+                  <p:cNvSpPr/>
+                  <p:nvPr/>
+                </p:nvSpPr>
+                <p:spPr>
+                  <a:xfrm>
+                    <a:off x="4055312" y="4544056"/>
+                    <a:ext cx="155389" cy="155389"/>
+                  </a:xfrm>
+                  <a:prstGeom prst="ellipse">
+                    <a:avLst/>
+                  </a:prstGeom>
+                  <a:solidFill>
+                    <a:schemeClr val="bg1"/>
+                  </a:solidFill>
+                  <a:ln w="3175">
+                    <a:solidFill>
+                      <a:schemeClr val="bg1">
+                        <a:lumMod val="65000"/>
+                      </a:schemeClr>
+                    </a:solidFill>
+                  </a:ln>
+                </p:spPr>
+                <p:style>
+                  <a:lnRef idx="2">
+                    <a:schemeClr val="accent1">
+                      <a:shade val="50000"/>
+                    </a:schemeClr>
+                  </a:lnRef>
+                  <a:fillRef idx="1">
+                    <a:schemeClr val="accent1"/>
+                  </a:fillRef>
+                  <a:effectRef idx="0">
+                    <a:schemeClr val="accent1"/>
+                  </a:effectRef>
+                  <a:fontRef idx="minor">
+                    <a:schemeClr val="lt1"/>
+                  </a:fontRef>
+                </p:style>
+                <p:txBody>
+                  <a:bodyPr rtlCol="0" anchor="ctr"/>
+                  <a:lstStyle/>
+                  <a:p>
+                    <a:pPr algn="ctr"/>
+                    <a:endParaRPr lang="en-US">
+                      <a:solidFill>
+                        <a:schemeClr val="tx1"/>
+                      </a:solidFill>
+                      <a:latin typeface="Arial Nova Cond Light" panose="020B0306020202020204" pitchFamily="34" charset="0"/>
+                    </a:endParaRPr>
+                  </a:p>
+                </p:txBody>
+              </p:sp>
+            </p:grpSp>
+            <p:sp>
+              <p:nvSpPr>
+                <p:cNvPr id="40" name="TextBox 39">
+                  <a:extLst>
+                    <a:ext uri="{FF2B5EF4-FFF2-40B4-BE49-F238E27FC236}">
+                      <a16:creationId xmlns:a16="http://schemas.microsoft.com/office/drawing/2014/main" id="{F0067AC1-980E-FF71-CBEB-C774EC851955}"/>
+                    </a:ext>
+                  </a:extLst>
+                </p:cNvPr>
+                <p:cNvSpPr txBox="1"/>
+                <p:nvPr/>
+              </p:nvSpPr>
+              <p:spPr>
+                <a:xfrm>
+                  <a:off x="4767558" y="4443153"/>
+                  <a:ext cx="440112" cy="246221"/>
+                </a:xfrm>
+                <a:prstGeom prst="rect">
+                  <a:avLst/>
+                </a:prstGeom>
+                <a:noFill/>
+              </p:spPr>
+              <p:txBody>
+                <a:bodyPr wrap="square" rtlCol="0">
+                  <a:spAutoFit/>
+                </a:bodyPr>
+                <a:lstStyle/>
+                <a:p>
+                  <a:r>
+                    <a:rPr lang="en-US" sz="1000" dirty="0">
+                      <a:latin typeface="Arial Nova Cond Light" panose="020B0306020202020204" pitchFamily="34" charset="0"/>
+                      <a:cs typeface="Times New Roman" panose="02020603050405020304" pitchFamily="18" charset="0"/>
+                    </a:rPr>
+                    <a:t>Eggs</a:t>
+                  </a:r>
+                </a:p>
+              </p:txBody>
+            </p:sp>
+          </p:grpSp>
+          <p:pic>
+            <p:nvPicPr>
+              <p:cNvPr id="9" name="Picture 8" descr="Diagram&#10;&#10;Description automatically generated">
+                <a:extLst>
+                  <a:ext uri="{FF2B5EF4-FFF2-40B4-BE49-F238E27FC236}">
+                    <a16:creationId xmlns:a16="http://schemas.microsoft.com/office/drawing/2014/main" id="{AD6E475A-2214-17A5-A79C-91AB2E3E72B2}"/>
+                  </a:ext>
+                </a:extLst>
+              </p:cNvPr>
+              <p:cNvPicPr>
+                <a:picLocks noChangeAspect="1"/>
+              </p:cNvPicPr>
+              <p:nvPr/>
+            </p:nvPicPr>
+            <p:blipFill rotWithShape="1">
+              <a:blip r:embed="rId8">
+                <a:duotone>
+                  <a:schemeClr val="bg2">
+                    <a:shade val="45000"/>
+                    <a:satMod val="135000"/>
+                  </a:schemeClr>
+                  <a:prstClr val="white"/>
+                </a:duotone>
+                <a:extLst>
+                  <a:ext uri="{28A0092B-C50C-407E-A947-70E740481C1C}">
+                    <a14:useLocalDpi xmlns:a14="http://schemas.microsoft.com/office/drawing/2010/main" val="0"/>
+                  </a:ext>
+                </a:extLst>
+              </a:blip>
+              <a:srcRect l="43706" t="28102" r="22693" b="55760"/>
+              <a:stretch/>
+            </p:blipFill>
+            <p:spPr>
+              <a:xfrm rot="20735829">
+                <a:off x="3877734" y="4800017"/>
+                <a:ext cx="631191" cy="406385"/>
+              </a:xfrm>
+              <a:prstGeom prst="rect">
+                <a:avLst/>
+              </a:prstGeom>
+            </p:spPr>
+          </p:pic>
+          <p:sp>
+            <p:nvSpPr>
+              <p:cNvPr id="41" name="TextBox 40">
+                <a:extLst>
+                  <a:ext uri="{FF2B5EF4-FFF2-40B4-BE49-F238E27FC236}">
+                    <a16:creationId xmlns:a16="http://schemas.microsoft.com/office/drawing/2014/main" id="{5F5D940E-4470-F7CD-8BD1-A5F121F2E744}"/>
+                  </a:ext>
+                </a:extLst>
+              </p:cNvPr>
+              <p:cNvSpPr txBox="1"/>
+              <p:nvPr/>
+            </p:nvSpPr>
+            <p:spPr>
+              <a:xfrm>
+                <a:off x="4535530" y="4759437"/>
+                <a:ext cx="490057" cy="246221"/>
+              </a:xfrm>
+              <a:prstGeom prst="rect">
+                <a:avLst/>
+              </a:prstGeom>
+              <a:noFill/>
+            </p:spPr>
+            <p:txBody>
+              <a:bodyPr wrap="square" rtlCol="0">
+                <a:spAutoFit/>
+              </a:bodyPr>
+              <a:lstStyle/>
+              <a:p>
+                <a:r>
+                  <a:rPr lang="en-US" sz="1000" dirty="0">
+                    <a:latin typeface="Arial Nova Cond Light" panose="020B0306020202020204" pitchFamily="34" charset="0"/>
+                    <a:cs typeface="Times New Roman" panose="02020603050405020304" pitchFamily="18" charset="0"/>
+                  </a:rPr>
+                  <a:t>Larva</a:t>
+                </a:r>
+              </a:p>
+            </p:txBody>
+          </p:sp>
+          <p:pic>
+            <p:nvPicPr>
+              <p:cNvPr id="18" name="Picture 17" descr="Diagram&#10;&#10;Description automatically generated">
+                <a:extLst>
+                  <a:ext uri="{FF2B5EF4-FFF2-40B4-BE49-F238E27FC236}">
+                    <a16:creationId xmlns:a16="http://schemas.microsoft.com/office/drawing/2014/main" id="{33AD14E2-EEA2-57C2-7744-E4FED68898B9}"/>
+                  </a:ext>
+                </a:extLst>
+              </p:cNvPr>
+              <p:cNvPicPr>
+                <a:picLocks noChangeAspect="1"/>
+              </p:cNvPicPr>
+              <p:nvPr/>
+            </p:nvPicPr>
+            <p:blipFill rotWithShape="1">
+              <a:blip r:embed="rId8">
+                <a:duotone>
+                  <a:schemeClr val="bg2">
+                    <a:shade val="45000"/>
+                    <a:satMod val="135000"/>
+                  </a:schemeClr>
+                  <a:prstClr val="white"/>
+                </a:duotone>
+                <a:extLst>
+                  <a:ext uri="{28A0092B-C50C-407E-A947-70E740481C1C}">
+                    <a14:useLocalDpi xmlns:a14="http://schemas.microsoft.com/office/drawing/2010/main" val="0"/>
+                  </a:ext>
+                </a:extLst>
+              </a:blip>
+              <a:srcRect l="10660" t="73211" r="21974" b="5984"/>
+              <a:stretch/>
+            </p:blipFill>
+            <p:spPr>
+              <a:xfrm rot="15707252" flipH="1">
+                <a:off x="1025225" y="3792849"/>
+                <a:ext cx="985429" cy="407957"/>
+              </a:xfrm>
+              <a:prstGeom prst="roundRect">
+                <a:avLst>
+                  <a:gd name="adj" fmla="val 25532"/>
+                </a:avLst>
+              </a:prstGeom>
+            </p:spPr>
+          </p:pic>
+          <p:sp>
+            <p:nvSpPr>
+              <p:cNvPr id="43" name="TextBox 42">
+                <a:extLst>
+                  <a:ext uri="{FF2B5EF4-FFF2-40B4-BE49-F238E27FC236}">
+                    <a16:creationId xmlns:a16="http://schemas.microsoft.com/office/drawing/2014/main" id="{F70E8B3A-3F4D-4216-0945-CC1BC07328A7}"/>
+                  </a:ext>
+                </a:extLst>
+              </p:cNvPr>
+              <p:cNvSpPr txBox="1"/>
+              <p:nvPr/>
+            </p:nvSpPr>
+            <p:spPr>
+              <a:xfrm>
+                <a:off x="827982" y="3703688"/>
+                <a:ext cx="544537" cy="246221"/>
+              </a:xfrm>
+              <a:prstGeom prst="rect">
+                <a:avLst/>
+              </a:prstGeom>
+              <a:noFill/>
+            </p:spPr>
+            <p:txBody>
+              <a:bodyPr wrap="square" rtlCol="0">
+                <a:spAutoFit/>
+              </a:bodyPr>
+              <a:lstStyle/>
+              <a:p>
+                <a:r>
+                  <a:rPr lang="en-US" sz="1000" dirty="0">
+                    <a:latin typeface="Arial Nova Cond Light" panose="020B0306020202020204" pitchFamily="34" charset="0"/>
+                    <a:cs typeface="Times New Roman" panose="02020603050405020304" pitchFamily="18" charset="0"/>
+                  </a:rPr>
+                  <a:t>Adult</a:t>
+                </a:r>
+              </a:p>
+            </p:txBody>
+          </p:sp>
+          <p:grpSp>
+            <p:nvGrpSpPr>
+              <p:cNvPr id="83" name="Group 82">
+                <a:extLst>
+                  <a:ext uri="{FF2B5EF4-FFF2-40B4-BE49-F238E27FC236}">
+                    <a16:creationId xmlns:a16="http://schemas.microsoft.com/office/drawing/2014/main" id="{77C10F98-C61B-7003-CFE4-3CB8D967E106}"/>
+                  </a:ext>
+                </a:extLst>
+              </p:cNvPr>
+              <p:cNvGrpSpPr/>
+              <p:nvPr/>
+            </p:nvGrpSpPr>
+            <p:grpSpPr>
+              <a:xfrm>
+                <a:off x="1989341" y="4935519"/>
+                <a:ext cx="1082761" cy="381830"/>
+                <a:chOff x="1989341" y="4935519"/>
+                <a:chExt cx="1082761" cy="381830"/>
+              </a:xfrm>
+            </p:grpSpPr>
+            <p:sp>
+              <p:nvSpPr>
+                <p:cNvPr id="42" name="TextBox 41">
+                  <a:extLst>
+                    <a:ext uri="{FF2B5EF4-FFF2-40B4-BE49-F238E27FC236}">
+                      <a16:creationId xmlns:a16="http://schemas.microsoft.com/office/drawing/2014/main" id="{DF7B7AF0-D54B-3CFE-4809-9F9C70187113}"/>
+                    </a:ext>
+                  </a:extLst>
+                </p:cNvPr>
+                <p:cNvSpPr txBox="1"/>
+                <p:nvPr/>
+              </p:nvSpPr>
+              <p:spPr>
+                <a:xfrm>
+                  <a:off x="1989341" y="4935519"/>
+                  <a:ext cx="368811" cy="246221"/>
+                </a:xfrm>
+                <a:prstGeom prst="rect">
+                  <a:avLst/>
+                </a:prstGeom>
+                <a:noFill/>
+              </p:spPr>
+              <p:txBody>
+                <a:bodyPr wrap="square" rtlCol="0">
+                  <a:spAutoFit/>
+                </a:bodyPr>
+                <a:lstStyle/>
+                <a:p>
+                  <a:r>
+                    <a:rPr lang="en-US" sz="1000" dirty="0">
+                      <a:latin typeface="Arial Nova Cond Light" panose="020B0306020202020204" pitchFamily="34" charset="0"/>
+                      <a:cs typeface="Times New Roman" panose="02020603050405020304" pitchFamily="18" charset="0"/>
+                    </a:rPr>
+                    <a:t>Fry</a:t>
+                  </a:r>
+                </a:p>
+              </p:txBody>
+            </p:sp>
+            <p:grpSp>
+              <p:nvGrpSpPr>
+                <p:cNvPr id="82" name="Group 81">
+                  <a:extLst>
+                    <a:ext uri="{FF2B5EF4-FFF2-40B4-BE49-F238E27FC236}">
+                      <a16:creationId xmlns:a16="http://schemas.microsoft.com/office/drawing/2014/main" id="{218D5BCE-A51A-2095-AC85-4E33374F49B8}"/>
+                    </a:ext>
+                  </a:extLst>
+                </p:cNvPr>
+                <p:cNvGrpSpPr/>
+                <p:nvPr/>
+              </p:nvGrpSpPr>
+              <p:grpSpPr>
+                <a:xfrm>
+                  <a:off x="2298325" y="4958995"/>
+                  <a:ext cx="773777" cy="358354"/>
+                  <a:chOff x="2298325" y="4958995"/>
+                  <a:chExt cx="773777" cy="358354"/>
+                </a:xfrm>
+              </p:grpSpPr>
+              <p:pic>
+                <p:nvPicPr>
+                  <p:cNvPr id="10" name="Picture 9" descr="Diagram&#10;&#10;Description automatically generated">
+                    <a:extLst>
+                      <a:ext uri="{FF2B5EF4-FFF2-40B4-BE49-F238E27FC236}">
+                        <a16:creationId xmlns:a16="http://schemas.microsoft.com/office/drawing/2014/main" id="{63DABC5B-2D59-3ACE-8AD5-699CC5D16781}"/>
+                      </a:ext>
+                    </a:extLst>
+                  </p:cNvPr>
+                  <p:cNvPicPr>
+                    <a:picLocks noChangeAspect="1"/>
+                  </p:cNvPicPr>
+                  <p:nvPr/>
+                </p:nvPicPr>
+                <p:blipFill rotWithShape="1">
+                  <a:blip r:embed="rId8">
+                    <a:duotone>
+                      <a:schemeClr val="bg2">
+                        <a:shade val="45000"/>
+                        <a:satMod val="135000"/>
+                      </a:schemeClr>
+                      <a:prstClr val="white"/>
+                    </a:duotone>
+                    <a:extLst>
+                      <a:ext uri="{28A0092B-C50C-407E-A947-70E740481C1C}">
+                        <a14:useLocalDpi xmlns:a14="http://schemas.microsoft.com/office/drawing/2010/main" val="0"/>
+                      </a:ext>
+                    </a:extLst>
+                  </a:blip>
+                  <a:srcRect l="58065" t="53504" r="-233" b="31928"/>
+                  <a:stretch/>
+                </p:blipFill>
+                <p:spPr>
+                  <a:xfrm rot="11069420" flipH="1">
+                    <a:off x="2298325" y="4958995"/>
+                    <a:ext cx="773777" cy="358354"/>
+                  </a:xfrm>
+                  <a:prstGeom prst="rect">
+                    <a:avLst/>
+                  </a:prstGeom>
+                </p:spPr>
+              </p:pic>
+              <p:sp>
+                <p:nvSpPr>
+                  <p:cNvPr id="81" name="Rectangle 80">
+                    <a:extLst>
+                      <a:ext uri="{FF2B5EF4-FFF2-40B4-BE49-F238E27FC236}">
+                        <a16:creationId xmlns:a16="http://schemas.microsoft.com/office/drawing/2014/main" id="{3240E778-2DD8-FCFB-2709-EF8112894D6E}"/>
+                      </a:ext>
+                    </a:extLst>
+                  </p:cNvPr>
+                  <p:cNvSpPr/>
+                  <p:nvPr/>
+                </p:nvSpPr>
+                <p:spPr>
+                  <a:xfrm>
+                    <a:off x="2479328" y="5187950"/>
+                    <a:ext cx="106177" cy="78601"/>
+                  </a:xfrm>
+                  <a:prstGeom prst="rect">
+                    <a:avLst/>
+                  </a:prstGeom>
+                  <a:solidFill>
+                    <a:srgbClr val="FFFFFF"/>
+                  </a:solidFill>
+                  <a:ln>
+                    <a:solidFill>
+                      <a:schemeClr val="bg1"/>
+                    </a:solidFill>
+                  </a:ln>
+                </p:spPr>
+                <p:style>
+                  <a:lnRef idx="2">
+                    <a:schemeClr val="accent1">
+                      <a:shade val="50000"/>
+                    </a:schemeClr>
+                  </a:lnRef>
+                  <a:fillRef idx="1">
+                    <a:schemeClr val="accent1"/>
+                  </a:fillRef>
+                  <a:effectRef idx="0">
+                    <a:schemeClr val="accent1"/>
+                  </a:effectRef>
+                  <a:fontRef idx="minor">
+                    <a:schemeClr val="lt1"/>
+                  </a:fontRef>
+                </p:style>
+                <p:txBody>
+                  <a:bodyPr rtlCol="0" anchor="ctr"/>
+                  <a:lstStyle/>
+                  <a:p>
+                    <a:pPr algn="ctr"/>
+                    <a:endParaRPr lang="en-US">
+                      <a:solidFill>
+                        <a:schemeClr val="tx1"/>
+                      </a:solidFill>
+                      <a:latin typeface="Arial Nova Cond Light" panose="020B0306020202020204" pitchFamily="34" charset="0"/>
+                    </a:endParaRPr>
+                  </a:p>
+                </p:txBody>
+              </p:sp>
+            </p:grpSp>
+          </p:grpSp>
+          <p:sp>
+            <p:nvSpPr>
+              <p:cNvPr id="90" name="Arc 89">
+                <a:extLst>
+                  <a:ext uri="{FF2B5EF4-FFF2-40B4-BE49-F238E27FC236}">
+                    <a16:creationId xmlns:a16="http://schemas.microsoft.com/office/drawing/2014/main" id="{5851EF92-C2D1-4404-C3F7-F8D03E0123BC}"/>
+                  </a:ext>
+                </a:extLst>
+              </p:cNvPr>
+              <p:cNvSpPr/>
+              <p:nvPr/>
+            </p:nvSpPr>
+            <p:spPr>
+              <a:xfrm rot="18900000">
+                <a:off x="929469" y="1128477"/>
+                <a:ext cx="4572000" cy="4572000"/>
+              </a:xfrm>
+              <a:prstGeom prst="arc">
+                <a:avLst>
+                  <a:gd name="adj1" fmla="val 19954109"/>
+                  <a:gd name="adj2" fmla="val 21476895"/>
+                </a:avLst>
+              </a:prstGeom>
+              <a:ln>
+                <a:solidFill>
+                  <a:schemeClr val="tx1"/>
+                </a:solidFill>
+                <a:headEnd type="triangle" w="med" len="med"/>
+                <a:tailEnd type="none" w="med" len="med"/>
+              </a:ln>
+            </p:spPr>
+            <p:style>
+              <a:lnRef idx="1">
+                <a:schemeClr val="accent1"/>
+              </a:lnRef>
+              <a:fillRef idx="0">
+                <a:schemeClr val="accent1"/>
+              </a:fillRef>
+              <a:effectRef idx="0">
+                <a:schemeClr val="accent1"/>
+              </a:effectRef>
+              <a:fontRef idx="minor">
+                <a:schemeClr val="tx1"/>
+              </a:fontRef>
+            </p:style>
+            <p:txBody>
+              <a:bodyPr rtlCol="0" anchor="ctr"/>
+              <a:lstStyle/>
+              <a:p>
+                <a:pPr algn="ctr"/>
+                <a:endParaRPr lang="en-US">
+                  <a:latin typeface="Arial Nova Cond Light" panose="020B0306020202020204" pitchFamily="34" charset="0"/>
+                </a:endParaRPr>
+              </a:p>
+            </p:txBody>
+          </p:sp>
+          <p:grpSp>
+            <p:nvGrpSpPr>
+              <p:cNvPr id="96" name="Group 95">
+                <a:extLst>
+                  <a:ext uri="{FF2B5EF4-FFF2-40B4-BE49-F238E27FC236}">
+                    <a16:creationId xmlns:a16="http://schemas.microsoft.com/office/drawing/2014/main" id="{D20A6F3A-7E85-9FFB-A66A-BE28177F74CC}"/>
+                  </a:ext>
+                </a:extLst>
+              </p:cNvPr>
+              <p:cNvGrpSpPr/>
+              <p:nvPr/>
+            </p:nvGrpSpPr>
+            <p:grpSpPr>
+              <a:xfrm>
+                <a:off x="3025423" y="1067535"/>
+                <a:ext cx="365806" cy="1118501"/>
+                <a:chOff x="3025423" y="997685"/>
+                <a:chExt cx="365806" cy="1118501"/>
+              </a:xfrm>
+            </p:grpSpPr>
+            <p:sp>
+              <p:nvSpPr>
+                <p:cNvPr id="92" name="TextBox 91">
+                  <a:extLst>
+                    <a:ext uri="{FF2B5EF4-FFF2-40B4-BE49-F238E27FC236}">
+                      <a16:creationId xmlns:a16="http://schemas.microsoft.com/office/drawing/2014/main" id="{0A260F97-5EB5-E6BD-1F92-B9189BBE145E}"/>
+                    </a:ext>
+                  </a:extLst>
+                </p:cNvPr>
+                <p:cNvSpPr txBox="1"/>
+                <p:nvPr/>
+              </p:nvSpPr>
+              <p:spPr>
+                <a:xfrm>
+                  <a:off x="3025423" y="997685"/>
+                  <a:ext cx="365806" cy="430887"/>
+                </a:xfrm>
+                <a:prstGeom prst="rect">
+                  <a:avLst/>
+                </a:prstGeom>
+                <a:noFill/>
+              </p:spPr>
+              <p:txBody>
+                <a:bodyPr wrap="none" rtlCol="0">
+                  <a:spAutoFit/>
+                </a:bodyPr>
+                <a:lstStyle/>
+                <a:p>
+                  <a:pPr algn="ctr"/>
+                  <a:r>
+                    <a:rPr lang="en-US" sz="900" dirty="0">
+                      <a:solidFill>
+                        <a:schemeClr val="tx1">
+                          <a:lumMod val="50000"/>
+                          <a:lumOff val="50000"/>
+                        </a:schemeClr>
+                      </a:solidFill>
+                      <a:latin typeface="Arial Nova Cond Light" panose="020B0306020202020204" pitchFamily="34" charset="0"/>
+                      <a:cs typeface="Times New Roman" panose="02020603050405020304" pitchFamily="18" charset="0"/>
+                    </a:rPr>
+                    <a:t>RCP</a:t>
+                  </a:r>
+                </a:p>
+                <a:p>
+                  <a:pPr algn="ctr"/>
+                  <a:endParaRPr lang="en-US" sz="400" dirty="0">
+                    <a:solidFill>
+                      <a:schemeClr val="tx1">
+                        <a:lumMod val="50000"/>
+                        <a:lumOff val="50000"/>
+                      </a:schemeClr>
+                    </a:solidFill>
+                    <a:latin typeface="Arial Nova Cond Light" panose="020B0306020202020204" pitchFamily="34" charset="0"/>
+                    <a:cs typeface="Times New Roman" panose="02020603050405020304" pitchFamily="18" charset="0"/>
+                  </a:endParaRPr>
+                </a:p>
+                <a:p>
+                  <a:pPr algn="ctr"/>
+                  <a:r>
+                    <a:rPr lang="en-US" sz="900" dirty="0">
+                      <a:solidFill>
+                        <a:schemeClr val="tx1">
+                          <a:lumMod val="50000"/>
+                          <a:lumOff val="50000"/>
+                        </a:schemeClr>
+                      </a:solidFill>
+                      <a:latin typeface="Arial Nova Cond Light" panose="020B0306020202020204" pitchFamily="34" charset="0"/>
+                      <a:cs typeface="Times New Roman" panose="02020603050405020304" pitchFamily="18" charset="0"/>
+                    </a:rPr>
+                    <a:t>8.5</a:t>
+                  </a:r>
+                </a:p>
+              </p:txBody>
+            </p:sp>
+            <p:sp>
+              <p:nvSpPr>
+                <p:cNvPr id="93" name="TextBox 92">
+                  <a:extLst>
+                    <a:ext uri="{FF2B5EF4-FFF2-40B4-BE49-F238E27FC236}">
+                      <a16:creationId xmlns:a16="http://schemas.microsoft.com/office/drawing/2014/main" id="{06F92A4B-759E-AD53-BED4-C5BB1E73C4EF}"/>
+                    </a:ext>
+                  </a:extLst>
+                </p:cNvPr>
+                <p:cNvSpPr txBox="1"/>
+                <p:nvPr/>
+              </p:nvSpPr>
+              <p:spPr>
+                <a:xfrm>
+                  <a:off x="3047347" y="1423090"/>
+                  <a:ext cx="312906" cy="230832"/>
+                </a:xfrm>
+                <a:prstGeom prst="rect">
+                  <a:avLst/>
+                </a:prstGeom>
+                <a:noFill/>
+              </p:spPr>
+              <p:txBody>
+                <a:bodyPr wrap="none" rtlCol="0">
+                  <a:spAutoFit/>
+                </a:bodyPr>
+                <a:lstStyle/>
+                <a:p>
+                  <a:pPr algn="ctr"/>
+                  <a:r>
+                    <a:rPr lang="en-US" sz="900" dirty="0">
+                      <a:solidFill>
+                        <a:schemeClr val="tx1">
+                          <a:lumMod val="50000"/>
+                          <a:lumOff val="50000"/>
+                        </a:schemeClr>
+                      </a:solidFill>
+                      <a:latin typeface="Arial Nova Cond Light" panose="020B0306020202020204" pitchFamily="34" charset="0"/>
+                      <a:cs typeface="Times New Roman" panose="02020603050405020304" pitchFamily="18" charset="0"/>
+                    </a:rPr>
+                    <a:t>6.0</a:t>
+                  </a:r>
+                </a:p>
+              </p:txBody>
+            </p:sp>
+            <p:sp>
+              <p:nvSpPr>
+                <p:cNvPr id="94" name="TextBox 93">
+                  <a:extLst>
+                    <a:ext uri="{FF2B5EF4-FFF2-40B4-BE49-F238E27FC236}">
+                      <a16:creationId xmlns:a16="http://schemas.microsoft.com/office/drawing/2014/main" id="{BABF8ED6-A3C8-C052-B5F3-995A850AF928}"/>
+                    </a:ext>
+                  </a:extLst>
+                </p:cNvPr>
+                <p:cNvSpPr txBox="1"/>
+                <p:nvPr/>
+              </p:nvSpPr>
+              <p:spPr>
+                <a:xfrm>
+                  <a:off x="3058002" y="1650119"/>
+                  <a:ext cx="312906" cy="230832"/>
+                </a:xfrm>
+                <a:prstGeom prst="rect">
+                  <a:avLst/>
+                </a:prstGeom>
+                <a:noFill/>
+              </p:spPr>
+              <p:txBody>
+                <a:bodyPr wrap="none" rtlCol="0">
+                  <a:spAutoFit/>
+                </a:bodyPr>
+                <a:lstStyle/>
+                <a:p>
+                  <a:pPr algn="ctr"/>
+                  <a:r>
+                    <a:rPr lang="en-US" sz="900" dirty="0">
+                      <a:solidFill>
+                        <a:schemeClr val="tx1">
+                          <a:lumMod val="50000"/>
+                          <a:lumOff val="50000"/>
+                        </a:schemeClr>
+                      </a:solidFill>
+                      <a:latin typeface="Arial Nova Cond Light" panose="020B0306020202020204" pitchFamily="34" charset="0"/>
+                      <a:cs typeface="Times New Roman" panose="02020603050405020304" pitchFamily="18" charset="0"/>
+                    </a:rPr>
+                    <a:t>4.5</a:t>
+                  </a:r>
+                </a:p>
+              </p:txBody>
+            </p:sp>
+            <p:sp>
+              <p:nvSpPr>
+                <p:cNvPr id="95" name="TextBox 94">
+                  <a:extLst>
+                    <a:ext uri="{FF2B5EF4-FFF2-40B4-BE49-F238E27FC236}">
+                      <a16:creationId xmlns:a16="http://schemas.microsoft.com/office/drawing/2014/main" id="{3BB68EE1-FC65-181A-1B46-4428C7F8C79F}"/>
+                    </a:ext>
+                  </a:extLst>
+                </p:cNvPr>
+                <p:cNvSpPr txBox="1"/>
+                <p:nvPr/>
+              </p:nvSpPr>
+              <p:spPr>
+                <a:xfrm>
+                  <a:off x="3047347" y="1885354"/>
+                  <a:ext cx="312906" cy="230832"/>
+                </a:xfrm>
+                <a:prstGeom prst="rect">
+                  <a:avLst/>
+                </a:prstGeom>
+                <a:noFill/>
+              </p:spPr>
+              <p:txBody>
+                <a:bodyPr wrap="none" rtlCol="0">
+                  <a:spAutoFit/>
+                </a:bodyPr>
+                <a:lstStyle/>
+                <a:p>
+                  <a:pPr algn="ctr"/>
+                  <a:r>
+                    <a:rPr lang="en-US" sz="900" dirty="0">
+                      <a:solidFill>
+                        <a:schemeClr val="tx1">
+                          <a:lumMod val="50000"/>
+                          <a:lumOff val="50000"/>
+                        </a:schemeClr>
+                      </a:solidFill>
+                      <a:latin typeface="Arial Nova Cond Light" panose="020B0306020202020204" pitchFamily="34" charset="0"/>
+                      <a:cs typeface="Times New Roman" panose="02020603050405020304" pitchFamily="18" charset="0"/>
+                    </a:rPr>
+                    <a:t>2.6</a:t>
+                  </a:r>
+                </a:p>
+              </p:txBody>
+            </p:sp>
+          </p:grpSp>
+          <p:sp>
+            <p:nvSpPr>
+              <p:cNvPr id="112" name="Arc 111">
+                <a:extLst>
+                  <a:ext uri="{FF2B5EF4-FFF2-40B4-BE49-F238E27FC236}">
+                    <a16:creationId xmlns:a16="http://schemas.microsoft.com/office/drawing/2014/main" id="{9B0ACAAE-D4D7-4F23-2B4D-0E3E68C77436}"/>
+                  </a:ext>
+                </a:extLst>
+              </p:cNvPr>
+              <p:cNvSpPr/>
+              <p:nvPr/>
+            </p:nvSpPr>
+            <p:spPr>
+              <a:xfrm rot="20920021">
+                <a:off x="6893833" y="1118815"/>
+                <a:ext cx="4572000" cy="4572000"/>
+              </a:xfrm>
+              <a:prstGeom prst="arc">
+                <a:avLst>
+                  <a:gd name="adj1" fmla="val 18343353"/>
+                  <a:gd name="adj2" fmla="val 19951047"/>
+                </a:avLst>
+              </a:prstGeom>
+              <a:ln>
+                <a:solidFill>
+                  <a:schemeClr val="tx1"/>
+                </a:solidFill>
+                <a:headEnd type="triangle" w="med" len="med"/>
+                <a:tailEnd type="none" w="med" len="med"/>
+              </a:ln>
+            </p:spPr>
+            <p:style>
+              <a:lnRef idx="1">
+                <a:schemeClr val="accent1"/>
+              </a:lnRef>
+              <a:fillRef idx="0">
+                <a:schemeClr val="accent1"/>
+              </a:fillRef>
+              <a:effectRef idx="0">
+                <a:schemeClr val="accent1"/>
+              </a:effectRef>
+              <a:fontRef idx="minor">
+                <a:schemeClr val="tx1"/>
+              </a:fontRef>
+            </p:style>
+            <p:txBody>
+              <a:bodyPr rtlCol="0" anchor="ctr"/>
+              <a:lstStyle/>
+              <a:p>
+                <a:pPr algn="ctr"/>
+                <a:endParaRPr lang="en-US">
+                  <a:latin typeface="Arial Nova Cond Light" panose="020B0306020202020204" pitchFamily="34" charset="0"/>
+                </a:endParaRPr>
+              </a:p>
+            </p:txBody>
+          </p:sp>
+          <p:sp>
+            <p:nvSpPr>
+              <p:cNvPr id="113" name="Arc 112">
+                <a:extLst>
+                  <a:ext uri="{FF2B5EF4-FFF2-40B4-BE49-F238E27FC236}">
+                    <a16:creationId xmlns:a16="http://schemas.microsoft.com/office/drawing/2014/main" id="{ADD06344-B326-2FA0-9D49-5D0F37B6975C}"/>
+                  </a:ext>
+                </a:extLst>
+              </p:cNvPr>
+              <p:cNvSpPr/>
+              <p:nvPr/>
+            </p:nvSpPr>
+            <p:spPr>
+              <a:xfrm rot="17450931">
+                <a:off x="6892241" y="1133136"/>
+                <a:ext cx="4572000" cy="4572000"/>
+              </a:xfrm>
+              <a:prstGeom prst="arc">
+                <a:avLst>
+                  <a:gd name="adj1" fmla="val 18705956"/>
+                  <a:gd name="adj2" fmla="val 19838692"/>
+                </a:avLst>
+              </a:prstGeom>
+              <a:ln>
+                <a:solidFill>
+                  <a:schemeClr val="tx1"/>
+                </a:solidFill>
+                <a:headEnd type="triangle" w="med" len="med"/>
+                <a:tailEnd type="none" w="med" len="med"/>
+              </a:ln>
+            </p:spPr>
+            <p:style>
+              <a:lnRef idx="1">
+                <a:schemeClr val="accent1"/>
+              </a:lnRef>
+              <a:fillRef idx="0">
+                <a:schemeClr val="accent1"/>
+              </a:fillRef>
+              <a:effectRef idx="0">
+                <a:schemeClr val="accent1"/>
+              </a:effectRef>
+              <a:fontRef idx="minor">
+                <a:schemeClr val="tx1"/>
+              </a:fontRef>
+            </p:style>
+            <p:txBody>
+              <a:bodyPr rtlCol="0" anchor="ctr"/>
+              <a:lstStyle/>
+              <a:p>
+                <a:pPr algn="ctr"/>
+                <a:endParaRPr lang="en-US">
+                  <a:latin typeface="Arial Nova Cond Light" panose="020B0306020202020204" pitchFamily="34" charset="0"/>
+                </a:endParaRPr>
+              </a:p>
+            </p:txBody>
+          </p:sp>
+          <p:sp>
+            <p:nvSpPr>
+              <p:cNvPr id="114" name="Arc 113">
+                <a:extLst>
+                  <a:ext uri="{FF2B5EF4-FFF2-40B4-BE49-F238E27FC236}">
+                    <a16:creationId xmlns:a16="http://schemas.microsoft.com/office/drawing/2014/main" id="{21539A2C-A52A-A73B-B246-392B354EC280}"/>
+                  </a:ext>
+                </a:extLst>
+              </p:cNvPr>
+              <p:cNvSpPr/>
+              <p:nvPr/>
+            </p:nvSpPr>
+            <p:spPr>
+              <a:xfrm rot="15208227">
+                <a:off x="841373" y="1151746"/>
+                <a:ext cx="4572000" cy="4572000"/>
+              </a:xfrm>
+              <a:prstGeom prst="arc">
+                <a:avLst>
+                  <a:gd name="adj1" fmla="val 20184996"/>
+                  <a:gd name="adj2" fmla="val 21440134"/>
+                </a:avLst>
+              </a:prstGeom>
+              <a:ln>
+                <a:solidFill>
+                  <a:schemeClr val="tx1"/>
+                </a:solidFill>
+                <a:headEnd type="triangle" w="med" len="med"/>
+                <a:tailEnd type="none" w="med" len="med"/>
+              </a:ln>
+            </p:spPr>
+            <p:style>
+              <a:lnRef idx="1">
+                <a:schemeClr val="accent1"/>
+              </a:lnRef>
+              <a:fillRef idx="0">
+                <a:schemeClr val="accent1"/>
+              </a:fillRef>
+              <a:effectRef idx="0">
+                <a:schemeClr val="accent1"/>
+              </a:effectRef>
+              <a:fontRef idx="minor">
+                <a:schemeClr val="tx1"/>
+              </a:fontRef>
+            </p:style>
+            <p:txBody>
+              <a:bodyPr rtlCol="0" anchor="ctr"/>
+              <a:lstStyle/>
+              <a:p>
+                <a:pPr algn="ctr"/>
+                <a:endParaRPr lang="en-US">
+                  <a:latin typeface="Arial Nova Cond Light" panose="020B0306020202020204" pitchFamily="34" charset="0"/>
+                </a:endParaRPr>
+              </a:p>
+            </p:txBody>
+          </p:sp>
+          <p:grpSp>
+            <p:nvGrpSpPr>
+              <p:cNvPr id="126" name="Group 125">
+                <a:extLst>
+                  <a:ext uri="{FF2B5EF4-FFF2-40B4-BE49-F238E27FC236}">
+                    <a16:creationId xmlns:a16="http://schemas.microsoft.com/office/drawing/2014/main" id="{49C22CF5-4563-EAC1-06B9-8101272D2049}"/>
+                  </a:ext>
+                </a:extLst>
+              </p:cNvPr>
+              <p:cNvGrpSpPr/>
+              <p:nvPr/>
+            </p:nvGrpSpPr>
+            <p:grpSpPr>
+              <a:xfrm rot="457717">
+                <a:off x="9361208" y="1091692"/>
+                <a:ext cx="365806" cy="1133889"/>
+                <a:chOff x="3025423" y="974603"/>
+                <a:chExt cx="365806" cy="1133889"/>
+              </a:xfrm>
+            </p:grpSpPr>
+            <p:sp>
+              <p:nvSpPr>
+                <p:cNvPr id="127" name="TextBox 126">
+                  <a:extLst>
+                    <a:ext uri="{FF2B5EF4-FFF2-40B4-BE49-F238E27FC236}">
+                      <a16:creationId xmlns:a16="http://schemas.microsoft.com/office/drawing/2014/main" id="{DFB220B8-B700-0402-E0FE-BF3D28170C36}"/>
+                    </a:ext>
+                  </a:extLst>
+                </p:cNvPr>
+                <p:cNvSpPr txBox="1"/>
+                <p:nvPr/>
+              </p:nvSpPr>
+              <p:spPr>
+                <a:xfrm>
+                  <a:off x="3025423" y="974603"/>
+                  <a:ext cx="365806" cy="430887"/>
+                </a:xfrm>
+                <a:prstGeom prst="rect">
+                  <a:avLst/>
+                </a:prstGeom>
+                <a:noFill/>
+              </p:spPr>
+              <p:txBody>
+                <a:bodyPr wrap="none" rtlCol="0">
+                  <a:spAutoFit/>
+                </a:bodyPr>
+                <a:lstStyle/>
+                <a:p>
+                  <a:pPr algn="ctr"/>
+                  <a:r>
+                    <a:rPr lang="en-US" sz="900" dirty="0">
+                      <a:solidFill>
+                        <a:schemeClr val="tx1">
+                          <a:lumMod val="50000"/>
+                          <a:lumOff val="50000"/>
+                        </a:schemeClr>
+                      </a:solidFill>
+                      <a:latin typeface="Arial Nova Cond Light" panose="020B0306020202020204" pitchFamily="34" charset="0"/>
+                      <a:cs typeface="Times New Roman" panose="02020603050405020304" pitchFamily="18" charset="0"/>
+                    </a:rPr>
+                    <a:t>RCP</a:t>
+                  </a:r>
+                </a:p>
+                <a:p>
+                  <a:pPr algn="ctr"/>
+                  <a:endParaRPr lang="en-US" sz="400" dirty="0">
+                    <a:solidFill>
+                      <a:schemeClr val="tx1">
+                        <a:lumMod val="50000"/>
+                        <a:lumOff val="50000"/>
+                      </a:schemeClr>
+                    </a:solidFill>
+                    <a:latin typeface="Arial Nova Cond Light" panose="020B0306020202020204" pitchFamily="34" charset="0"/>
+                    <a:cs typeface="Times New Roman" panose="02020603050405020304" pitchFamily="18" charset="0"/>
+                  </a:endParaRPr>
+                </a:p>
+                <a:p>
+                  <a:pPr algn="ctr"/>
+                  <a:r>
+                    <a:rPr lang="en-US" sz="900" dirty="0">
+                      <a:solidFill>
+                        <a:schemeClr val="tx1">
+                          <a:lumMod val="50000"/>
+                          <a:lumOff val="50000"/>
+                        </a:schemeClr>
+                      </a:solidFill>
+                      <a:latin typeface="Arial Nova Cond Light" panose="020B0306020202020204" pitchFamily="34" charset="0"/>
+                      <a:cs typeface="Times New Roman" panose="02020603050405020304" pitchFamily="18" charset="0"/>
+                    </a:rPr>
+                    <a:t>8.5</a:t>
+                  </a:r>
+                </a:p>
+              </p:txBody>
+            </p:sp>
+            <p:sp>
+              <p:nvSpPr>
+                <p:cNvPr id="128" name="TextBox 127">
+                  <a:extLst>
+                    <a:ext uri="{FF2B5EF4-FFF2-40B4-BE49-F238E27FC236}">
+                      <a16:creationId xmlns:a16="http://schemas.microsoft.com/office/drawing/2014/main" id="{8A3F892E-3282-B1A1-E1DD-F1DD59F3E41C}"/>
+                    </a:ext>
+                  </a:extLst>
+                </p:cNvPr>
+                <p:cNvSpPr txBox="1"/>
+                <p:nvPr/>
+              </p:nvSpPr>
+              <p:spPr>
+                <a:xfrm>
+                  <a:off x="3047347" y="1415396"/>
+                  <a:ext cx="312906" cy="230832"/>
+                </a:xfrm>
+                <a:prstGeom prst="rect">
+                  <a:avLst/>
+                </a:prstGeom>
+                <a:noFill/>
+              </p:spPr>
+              <p:txBody>
+                <a:bodyPr wrap="none" rtlCol="0">
+                  <a:spAutoFit/>
+                </a:bodyPr>
+                <a:lstStyle/>
+                <a:p>
+                  <a:pPr algn="ctr"/>
+                  <a:r>
+                    <a:rPr lang="en-US" sz="900" dirty="0">
+                      <a:solidFill>
+                        <a:schemeClr val="tx1">
+                          <a:lumMod val="50000"/>
+                          <a:lumOff val="50000"/>
+                        </a:schemeClr>
+                      </a:solidFill>
+                      <a:latin typeface="Arial Nova Cond Light" panose="020B0306020202020204" pitchFamily="34" charset="0"/>
+                      <a:cs typeface="Times New Roman" panose="02020603050405020304" pitchFamily="18" charset="0"/>
+                    </a:rPr>
+                    <a:t>6.0</a:t>
+                  </a:r>
+                </a:p>
+              </p:txBody>
+            </p:sp>
+            <p:sp>
+              <p:nvSpPr>
+                <p:cNvPr id="129" name="TextBox 128">
+                  <a:extLst>
+                    <a:ext uri="{FF2B5EF4-FFF2-40B4-BE49-F238E27FC236}">
+                      <a16:creationId xmlns:a16="http://schemas.microsoft.com/office/drawing/2014/main" id="{D73DEE52-8D5A-DCF2-1837-B14BE68940EC}"/>
+                    </a:ext>
+                  </a:extLst>
+                </p:cNvPr>
+                <p:cNvSpPr txBox="1"/>
+                <p:nvPr/>
+              </p:nvSpPr>
+              <p:spPr>
+                <a:xfrm>
+                  <a:off x="3058000" y="1642425"/>
+                  <a:ext cx="312906" cy="230832"/>
+                </a:xfrm>
+                <a:prstGeom prst="rect">
+                  <a:avLst/>
+                </a:prstGeom>
+                <a:noFill/>
+              </p:spPr>
+              <p:txBody>
+                <a:bodyPr wrap="none" rtlCol="0">
+                  <a:spAutoFit/>
+                </a:bodyPr>
+                <a:lstStyle/>
+                <a:p>
+                  <a:pPr algn="ctr"/>
+                  <a:r>
+                    <a:rPr lang="en-US" sz="900" dirty="0">
+                      <a:solidFill>
+                        <a:schemeClr val="tx1">
+                          <a:lumMod val="50000"/>
+                          <a:lumOff val="50000"/>
+                        </a:schemeClr>
+                      </a:solidFill>
+                      <a:latin typeface="Arial Nova Cond Light" panose="020B0306020202020204" pitchFamily="34" charset="0"/>
+                      <a:cs typeface="Times New Roman" panose="02020603050405020304" pitchFamily="18" charset="0"/>
+                    </a:rPr>
+                    <a:t>4.5</a:t>
+                  </a:r>
+                </a:p>
+              </p:txBody>
+            </p:sp>
+            <p:sp>
+              <p:nvSpPr>
+                <p:cNvPr id="130" name="TextBox 129">
+                  <a:extLst>
+                    <a:ext uri="{FF2B5EF4-FFF2-40B4-BE49-F238E27FC236}">
+                      <a16:creationId xmlns:a16="http://schemas.microsoft.com/office/drawing/2014/main" id="{DBD68E8A-7B71-6087-74B5-7754C3E16BC8}"/>
+                    </a:ext>
+                  </a:extLst>
+                </p:cNvPr>
+                <p:cNvSpPr txBox="1"/>
+                <p:nvPr/>
+              </p:nvSpPr>
+              <p:spPr>
+                <a:xfrm>
+                  <a:off x="3047347" y="1877660"/>
+                  <a:ext cx="312906" cy="230832"/>
+                </a:xfrm>
+                <a:prstGeom prst="rect">
+                  <a:avLst/>
+                </a:prstGeom>
+                <a:noFill/>
+              </p:spPr>
+              <p:txBody>
+                <a:bodyPr wrap="none" rtlCol="0">
+                  <a:spAutoFit/>
+                </a:bodyPr>
+                <a:lstStyle/>
+                <a:p>
+                  <a:pPr algn="ctr"/>
+                  <a:r>
+                    <a:rPr lang="en-US" sz="900" dirty="0">
+                      <a:solidFill>
+                        <a:schemeClr val="tx1">
+                          <a:lumMod val="50000"/>
+                          <a:lumOff val="50000"/>
+                        </a:schemeClr>
+                      </a:solidFill>
+                      <a:latin typeface="Arial Nova Cond Light" panose="020B0306020202020204" pitchFamily="34" charset="0"/>
+                      <a:cs typeface="Times New Roman" panose="02020603050405020304" pitchFamily="18" charset="0"/>
+                    </a:rPr>
+                    <a:t>2.6</a:t>
+                  </a:r>
+                </a:p>
+              </p:txBody>
+            </p:sp>
+          </p:grpSp>
+          <p:grpSp>
+            <p:nvGrpSpPr>
+              <p:cNvPr id="141" name="Group 140">
+                <a:extLst>
+                  <a:ext uri="{FF2B5EF4-FFF2-40B4-BE49-F238E27FC236}">
+                    <a16:creationId xmlns:a16="http://schemas.microsoft.com/office/drawing/2014/main" id="{6ACCCFEC-EE8D-E85D-99F3-AEAF1A5E511D}"/>
+                  </a:ext>
+                </a:extLst>
+              </p:cNvPr>
+              <p:cNvGrpSpPr/>
+              <p:nvPr/>
+            </p:nvGrpSpPr>
+            <p:grpSpPr>
+              <a:xfrm>
+                <a:off x="8053431" y="2610344"/>
+                <a:ext cx="2125717" cy="1444795"/>
+                <a:chOff x="8053431" y="2610344"/>
+                <a:chExt cx="2125717" cy="1444795"/>
+              </a:xfrm>
+            </p:grpSpPr>
+            <p:grpSp>
+              <p:nvGrpSpPr>
+                <p:cNvPr id="138" name="Group 137">
+                  <a:extLst>
+                    <a:ext uri="{FF2B5EF4-FFF2-40B4-BE49-F238E27FC236}">
+                      <a16:creationId xmlns:a16="http://schemas.microsoft.com/office/drawing/2014/main" id="{83E2B7AF-13A4-CB34-1109-B826DFD66C78}"/>
+                    </a:ext>
+                  </a:extLst>
+                </p:cNvPr>
+                <p:cNvGrpSpPr/>
+                <p:nvPr/>
+              </p:nvGrpSpPr>
+              <p:grpSpPr>
+                <a:xfrm>
+                  <a:off x="8053431" y="2610344"/>
+                  <a:ext cx="2125717" cy="1418916"/>
+                  <a:chOff x="8053431" y="2610344"/>
+                  <a:chExt cx="2125717" cy="1418916"/>
+                </a:xfrm>
+              </p:grpSpPr>
+              <p:pic>
+                <p:nvPicPr>
+                  <p:cNvPr id="7" name="Picture 6" descr="A picture containing fish, spiny-finned fish, dark&#10;&#10;Description automatically generated">
+                    <a:extLst>
+                      <a:ext uri="{FF2B5EF4-FFF2-40B4-BE49-F238E27FC236}">
+                        <a16:creationId xmlns:a16="http://schemas.microsoft.com/office/drawing/2014/main" id="{EA211AEE-3789-D087-E374-D5EA30A8AE6D}"/>
+                      </a:ext>
+                    </a:extLst>
+                  </p:cNvPr>
+                  <p:cNvPicPr>
+                    <a:picLocks noChangeAspect="1"/>
+                  </p:cNvPicPr>
+                  <p:nvPr/>
+                </p:nvPicPr>
+                <p:blipFill>
+                  <a:blip r:embed="rId9">
+                    <a:extLst>
+                      <a:ext uri="{28A0092B-C50C-407E-A947-70E740481C1C}">
+                        <a14:useLocalDpi xmlns:a14="http://schemas.microsoft.com/office/drawing/2010/main" val="0"/>
+                      </a:ext>
+                    </a:extLst>
+                  </a:blip>
+                  <a:stretch>
+                    <a:fillRect/>
+                  </a:stretch>
+                </p:blipFill>
+                <p:spPr>
+                  <a:xfrm>
+                    <a:off x="8053431" y="2610344"/>
+                    <a:ext cx="2125717" cy="1418916"/>
+                  </a:xfrm>
+                  <a:prstGeom prst="rect">
+                    <a:avLst/>
+                  </a:prstGeom>
+                </p:spPr>
+              </p:pic>
+              <p:sp>
+                <p:nvSpPr>
+                  <p:cNvPr id="117" name="Rectangle 116">
+                    <a:extLst>
+                      <a:ext uri="{FF2B5EF4-FFF2-40B4-BE49-F238E27FC236}">
+                        <a16:creationId xmlns:a16="http://schemas.microsoft.com/office/drawing/2014/main" id="{4CC719BB-510E-764E-109D-D1F995DA5091}"/>
+                      </a:ext>
+                    </a:extLst>
+                  </p:cNvPr>
+                  <p:cNvSpPr/>
+                  <p:nvPr/>
+                </p:nvSpPr>
+                <p:spPr>
+                  <a:xfrm rot="954805">
+                    <a:off x="9826164" y="3424584"/>
+                    <a:ext cx="279062" cy="77551"/>
+                  </a:xfrm>
+                  <a:prstGeom prst="rect">
+                    <a:avLst/>
+                  </a:prstGeom>
+                  <a:solidFill>
+                    <a:srgbClr val="FFFFFF"/>
+                  </a:solidFill>
+                  <a:ln>
+                    <a:noFill/>
+                  </a:ln>
+                </p:spPr>
+                <p:style>
+                  <a:lnRef idx="2">
+                    <a:schemeClr val="accent1">
+                      <a:shade val="50000"/>
+                    </a:schemeClr>
+                  </a:lnRef>
+                  <a:fillRef idx="1">
+                    <a:schemeClr val="accent1"/>
+                  </a:fillRef>
+                  <a:effectRef idx="0">
+                    <a:schemeClr val="accent1"/>
+                  </a:effectRef>
+                  <a:fontRef idx="minor">
+                    <a:schemeClr val="lt1"/>
+                  </a:fontRef>
+                </p:style>
+                <p:txBody>
+                  <a:bodyPr rtlCol="0" anchor="ctr"/>
+                  <a:lstStyle/>
+                  <a:p>
+                    <a:pPr algn="ctr"/>
+                    <a:endParaRPr lang="en-US">
+                      <a:latin typeface="Arial Nova Cond Light" panose="020B0306020202020204" pitchFamily="34" charset="0"/>
+                    </a:endParaRPr>
+                  </a:p>
+                </p:txBody>
+              </p:sp>
+            </p:grpSp>
+            <p:sp>
+              <p:nvSpPr>
+                <p:cNvPr id="17" name="TextBox 16">
+                  <a:extLst>
+                    <a:ext uri="{FF2B5EF4-FFF2-40B4-BE49-F238E27FC236}">
+                      <a16:creationId xmlns:a16="http://schemas.microsoft.com/office/drawing/2014/main" id="{E8EB3159-5F25-B2C0-43AC-83F1DF73BE7B}"/>
+                    </a:ext>
+                  </a:extLst>
+                </p:cNvPr>
+                <p:cNvSpPr txBox="1"/>
+                <p:nvPr/>
+              </p:nvSpPr>
+              <p:spPr>
+                <a:xfrm>
+                  <a:off x="8609559" y="3716585"/>
+                  <a:ext cx="1247457" cy="338554"/>
+                </a:xfrm>
+                <a:prstGeom prst="rect">
+                  <a:avLst/>
+                </a:prstGeom>
+                <a:noFill/>
+              </p:spPr>
+              <p:txBody>
+                <a:bodyPr wrap="none" rtlCol="0">
+                  <a:spAutoFit/>
+                </a:bodyPr>
+                <a:lstStyle/>
+                <a:p>
+                  <a:pPr algn="ctr"/>
+                  <a:r>
+                    <a:rPr lang="en-US" sz="1600" dirty="0">
+                      <a:latin typeface="Baguet Script" panose="00000500000000000000" pitchFamily="2" charset="0"/>
+                    </a:rPr>
+                    <a:t>Striped Bass</a:t>
+                  </a:r>
+                </a:p>
+              </p:txBody>
+            </p:sp>
+          </p:grpSp>
+          <p:grpSp>
+            <p:nvGrpSpPr>
+              <p:cNvPr id="49" name="Group 48">
+                <a:extLst>
+                  <a:ext uri="{FF2B5EF4-FFF2-40B4-BE49-F238E27FC236}">
+                    <a16:creationId xmlns:a16="http://schemas.microsoft.com/office/drawing/2014/main" id="{E20F02E3-3B69-7428-CAA7-414EC1D8DAA6}"/>
+                  </a:ext>
+                </a:extLst>
+              </p:cNvPr>
+              <p:cNvGrpSpPr/>
+              <p:nvPr/>
+            </p:nvGrpSpPr>
+            <p:grpSpPr>
+              <a:xfrm>
+                <a:off x="6254746" y="4233067"/>
+                <a:ext cx="5673006" cy="1615827"/>
+                <a:chOff x="6254746" y="4360067"/>
+                <a:chExt cx="5673006" cy="1615827"/>
+              </a:xfrm>
+            </p:grpSpPr>
+            <p:sp>
+              <p:nvSpPr>
+                <p:cNvPr id="110" name="TextBox 109">
+                  <a:extLst>
+                    <a:ext uri="{FF2B5EF4-FFF2-40B4-BE49-F238E27FC236}">
+                      <a16:creationId xmlns:a16="http://schemas.microsoft.com/office/drawing/2014/main" id="{F9664226-E875-1805-201D-4F823ECC3451}"/>
+                    </a:ext>
+                  </a:extLst>
+                </p:cNvPr>
+                <p:cNvSpPr txBox="1"/>
+                <p:nvPr/>
+              </p:nvSpPr>
+              <p:spPr>
+                <a:xfrm>
+                  <a:off x="6254746" y="4360067"/>
+                  <a:ext cx="3491146" cy="1615827"/>
+                </a:xfrm>
+                <a:prstGeom prst="rect">
+                  <a:avLst/>
+                </a:prstGeom>
+                <a:noFill/>
+              </p:spPr>
+              <p:txBody>
+                <a:bodyPr wrap="square" rtlCol="0">
+                  <a:spAutoFit/>
+                </a:bodyPr>
+                <a:lstStyle/>
+                <a:p>
+                  <a:r>
+                    <a:rPr lang="en-US" sz="1100" dirty="0">
+                      <a:latin typeface="Arial Nova Cond Light" panose="020B0306020202020204" pitchFamily="34" charset="0"/>
+                      <a:cs typeface="Arial" panose="020B0604020202020204" pitchFamily="34" charset="0"/>
+                    </a:rPr>
+                    <a:t>HOW TO READ THE PLOT</a:t>
+                  </a:r>
+                </a:p>
+                <a:p>
+                  <a:endParaRPr lang="en-US" sz="1100" dirty="0">
+                    <a:latin typeface="Arial Nova Cond Light" panose="020B0306020202020204" pitchFamily="34" charset="0"/>
+                    <a:cs typeface="Arial" panose="020B0604020202020204" pitchFamily="34" charset="0"/>
+                  </a:endParaRPr>
+                </a:p>
+                <a:p>
+                  <a:pPr>
+                    <a:spcAft>
+                      <a:spcPts val="600"/>
+                    </a:spcAft>
+                  </a:pPr>
+                  <a:r>
+                    <a:rPr lang="en-US" sz="1100" dirty="0">
+                      <a:latin typeface="Arial Nova Cond Light" panose="020B0306020202020204" pitchFamily="34" charset="0"/>
+                      <a:cs typeface="Times New Roman" panose="02020603050405020304" pitchFamily="18" charset="0"/>
+                    </a:rPr>
+                    <a:t>The Representative Concentration Pathways (RCP) labeled are future scenarios constructed to represent how well we are able to curb and contain greenhouse gas emissions with RCP 2.6 implementing the most aggressive strategies and RCP 8.5 being  “business-as-usual.” Their position on the y-axis of the plot above is ordered from RCP 2.6 to RCP 8.5 but their distance from the center of the circle is not significant. </a:t>
+                  </a:r>
+                </a:p>
+              </p:txBody>
+            </p:sp>
+            <p:cxnSp>
+              <p:nvCxnSpPr>
+                <p:cNvPr id="152" name="Straight Connector 151">
+                  <a:extLst>
+                    <a:ext uri="{FF2B5EF4-FFF2-40B4-BE49-F238E27FC236}">
+                      <a16:creationId xmlns:a16="http://schemas.microsoft.com/office/drawing/2014/main" id="{35CD4AC8-8C5B-ED83-8F3C-0C9E0C5762AA}"/>
+                    </a:ext>
+                  </a:extLst>
+                </p:cNvPr>
+                <p:cNvCxnSpPr>
+                  <a:cxnSpLocks/>
+                </p:cNvCxnSpPr>
+                <p:nvPr/>
+              </p:nvCxnSpPr>
+              <p:spPr>
+                <a:xfrm>
+                  <a:off x="6356350" y="4614822"/>
+                  <a:ext cx="5513444" cy="0"/>
+                </a:xfrm>
+                <a:prstGeom prst="line">
+                  <a:avLst/>
+                </a:prstGeom>
+                <a:ln>
+                  <a:solidFill>
+                    <a:schemeClr val="tx1"/>
+                  </a:solidFill>
+                </a:ln>
+              </p:spPr>
+              <p:style>
+                <a:lnRef idx="1">
+                  <a:schemeClr val="accent1"/>
+                </a:lnRef>
+                <a:fillRef idx="0">
+                  <a:schemeClr val="accent1"/>
+                </a:fillRef>
+                <a:effectRef idx="0">
+                  <a:schemeClr val="accent1"/>
+                </a:effectRef>
+                <a:fontRef idx="minor">
+                  <a:schemeClr val="tx1"/>
+                </a:fontRef>
+              </p:style>
+            </p:cxnSp>
+            <p:grpSp>
+              <p:nvGrpSpPr>
+                <p:cNvPr id="46" name="Group 45">
+                  <a:extLst>
+                    <a:ext uri="{FF2B5EF4-FFF2-40B4-BE49-F238E27FC236}">
+                      <a16:creationId xmlns:a16="http://schemas.microsoft.com/office/drawing/2014/main" id="{00ED4E4F-8478-589E-44C5-EEE0A9E81F58}"/>
+                    </a:ext>
+                  </a:extLst>
+                </p:cNvPr>
+                <p:cNvGrpSpPr/>
+                <p:nvPr/>
+              </p:nvGrpSpPr>
+              <p:grpSpPr>
+                <a:xfrm>
+                  <a:off x="9799201" y="4738643"/>
+                  <a:ext cx="2128551" cy="914225"/>
+                  <a:chOff x="4705714" y="688492"/>
+                  <a:chExt cx="2128551" cy="914225"/>
+                </a:xfrm>
+              </p:grpSpPr>
+              <p:grpSp>
+                <p:nvGrpSpPr>
+                  <p:cNvPr id="2" name="Group 1">
+                    <a:extLst>
+                      <a:ext uri="{FF2B5EF4-FFF2-40B4-BE49-F238E27FC236}">
+                        <a16:creationId xmlns:a16="http://schemas.microsoft.com/office/drawing/2014/main" id="{E3F9AEDD-39FB-8ABD-7157-ADF57E13F5F7}"/>
+                      </a:ext>
+                    </a:extLst>
+                  </p:cNvPr>
+                  <p:cNvGrpSpPr/>
+                  <p:nvPr/>
+                </p:nvGrpSpPr>
+                <p:grpSpPr>
+                  <a:xfrm>
+                    <a:off x="4705714" y="688492"/>
+                    <a:ext cx="2128551" cy="914225"/>
+                    <a:chOff x="5063543" y="878261"/>
+                    <a:chExt cx="2128551" cy="914225"/>
+                  </a:xfrm>
+                </p:grpSpPr>
+                <p:grpSp>
+                  <p:nvGrpSpPr>
+                    <p:cNvPr id="4" name="Group 3">
+                      <a:extLst>
+                        <a:ext uri="{FF2B5EF4-FFF2-40B4-BE49-F238E27FC236}">
+                          <a16:creationId xmlns:a16="http://schemas.microsoft.com/office/drawing/2014/main" id="{4519448C-E8DD-8550-D8A0-ED1C18D6A39B}"/>
+                        </a:ext>
+                      </a:extLst>
+                    </p:cNvPr>
+                    <p:cNvGrpSpPr/>
+                    <p:nvPr/>
+                  </p:nvGrpSpPr>
+                  <p:grpSpPr>
+                    <a:xfrm>
+                      <a:off x="5063543" y="878261"/>
+                      <a:ext cx="2128551" cy="914225"/>
+                      <a:chOff x="5063543" y="878261"/>
+                      <a:chExt cx="2128551" cy="914225"/>
+                    </a:xfrm>
+                  </p:grpSpPr>
+                  <p:sp>
+                    <p:nvSpPr>
+                      <p:cNvPr id="11" name="TextBox 10">
+                        <a:extLst>
+                          <a:ext uri="{FF2B5EF4-FFF2-40B4-BE49-F238E27FC236}">
+                            <a16:creationId xmlns:a16="http://schemas.microsoft.com/office/drawing/2014/main" id="{844ABA5D-F707-9535-1914-1C3A7F482CEA}"/>
+                          </a:ext>
+                        </a:extLst>
+                      </p:cNvPr>
+                      <p:cNvSpPr txBox="1"/>
+                      <p:nvPr/>
+                    </p:nvSpPr>
+                    <p:spPr>
+                      <a:xfrm>
+                        <a:off x="6348593" y="1387488"/>
+                        <a:ext cx="843501" cy="400110"/>
+                      </a:xfrm>
+                      <a:prstGeom prst="rect">
+                        <a:avLst/>
+                      </a:prstGeom>
+                      <a:noFill/>
+                    </p:spPr>
+                    <p:txBody>
+                      <a:bodyPr wrap="none" rtlCol="0">
+                        <a:spAutoFit/>
+                      </a:bodyPr>
+                      <a:lstStyle/>
+                      <a:p>
+                        <a:pPr algn="ctr"/>
+                        <a:r>
+                          <a:rPr lang="en-US" sz="1000" dirty="0">
+                            <a:solidFill>
+                              <a:schemeClr val="bg1">
+                                <a:lumMod val="50000"/>
+                              </a:schemeClr>
+                            </a:solidFill>
+                            <a:latin typeface="Arial Nova Cond Light" panose="020B0306020202020204" pitchFamily="34" charset="0"/>
+                            <a:cs typeface="Times New Roman" panose="02020603050405020304" pitchFamily="18" charset="0"/>
+                          </a:rPr>
+                          <a:t>Historical </a:t>
+                        </a:r>
+                      </a:p>
+                      <a:p>
+                        <a:pPr algn="ctr"/>
+                        <a:r>
+                          <a:rPr lang="en-US" sz="1000" dirty="0">
+                            <a:solidFill>
+                              <a:schemeClr val="bg1">
+                                <a:lumMod val="50000"/>
+                              </a:schemeClr>
+                            </a:solidFill>
+                            <a:latin typeface="Arial Nova Cond Light" panose="020B0306020202020204" pitchFamily="34" charset="0"/>
+                            <a:cs typeface="Times New Roman" panose="02020603050405020304" pitchFamily="18" charset="0"/>
+                          </a:rPr>
+                          <a:t>(1950 – 2012)</a:t>
+                        </a:r>
+                      </a:p>
+                    </p:txBody>
+                  </p:sp>
+                  <p:sp>
+                    <p:nvSpPr>
+                      <p:cNvPr id="16" name="TextBox 15">
+                        <a:extLst>
+                          <a:ext uri="{FF2B5EF4-FFF2-40B4-BE49-F238E27FC236}">
+                            <a16:creationId xmlns:a16="http://schemas.microsoft.com/office/drawing/2014/main" id="{355663AC-5DF1-DE82-D377-3B4D2A05ADFE}"/>
+                          </a:ext>
+                        </a:extLst>
+                      </p:cNvPr>
+                      <p:cNvSpPr txBox="1"/>
+                      <p:nvPr/>
+                    </p:nvSpPr>
+                    <p:spPr>
+                      <a:xfrm>
+                        <a:off x="5520252" y="1392376"/>
+                        <a:ext cx="843501" cy="400110"/>
+                      </a:xfrm>
+                      <a:prstGeom prst="rect">
+                        <a:avLst/>
+                      </a:prstGeom>
+                      <a:noFill/>
+                    </p:spPr>
+                    <p:txBody>
+                      <a:bodyPr wrap="none" rtlCol="0">
+                        <a:spAutoFit/>
+                      </a:bodyPr>
+                      <a:lstStyle/>
+                      <a:p>
+                        <a:pPr algn="ctr"/>
+                        <a:r>
+                          <a:rPr lang="en-US" sz="1000" dirty="0">
+                            <a:solidFill>
+                              <a:schemeClr val="bg1">
+                                <a:lumMod val="50000"/>
+                              </a:schemeClr>
+                            </a:solidFill>
+                            <a:latin typeface="Arial Nova Cond Light" panose="020B0306020202020204" pitchFamily="34" charset="0"/>
+                            <a:cs typeface="Times New Roman" panose="02020603050405020304" pitchFamily="18" charset="0"/>
+                          </a:rPr>
+                          <a:t>Projected </a:t>
+                        </a:r>
+                      </a:p>
+                      <a:p>
+                        <a:pPr algn="ctr"/>
+                        <a:r>
+                          <a:rPr lang="en-US" sz="1000" dirty="0">
+                            <a:solidFill>
+                              <a:schemeClr val="bg1">
+                                <a:lumMod val="50000"/>
+                              </a:schemeClr>
+                            </a:solidFill>
+                            <a:latin typeface="Arial Nova Cond Light" panose="020B0306020202020204" pitchFamily="34" charset="0"/>
+                            <a:cs typeface="Times New Roman" panose="02020603050405020304" pitchFamily="18" charset="0"/>
+                          </a:rPr>
+                          <a:t>(2012 – 2099)</a:t>
+                        </a:r>
+                      </a:p>
+                    </p:txBody>
+                  </p:sp>
+                  <p:grpSp>
+                    <p:nvGrpSpPr>
+                      <p:cNvPr id="19" name="Group 18">
+                        <a:extLst>
+                          <a:ext uri="{FF2B5EF4-FFF2-40B4-BE49-F238E27FC236}">
+                            <a16:creationId xmlns:a16="http://schemas.microsoft.com/office/drawing/2014/main" id="{3878B5F8-BF52-D62F-4856-8CAB47AE2F00}"/>
+                          </a:ext>
+                        </a:extLst>
+                      </p:cNvPr>
+                      <p:cNvGrpSpPr/>
+                      <p:nvPr/>
+                    </p:nvGrpSpPr>
+                    <p:grpSpPr>
+                      <a:xfrm>
+                        <a:off x="5101965" y="921924"/>
+                        <a:ext cx="1774210" cy="320296"/>
+                        <a:chOff x="5101965" y="921924"/>
+                        <a:chExt cx="1774210" cy="320296"/>
+                      </a:xfrm>
+                    </p:grpSpPr>
+                    <p:grpSp>
+                      <p:nvGrpSpPr>
+                        <p:cNvPr id="25" name="Group 24">
+                          <a:extLst>
+                            <a:ext uri="{FF2B5EF4-FFF2-40B4-BE49-F238E27FC236}">
+                              <a16:creationId xmlns:a16="http://schemas.microsoft.com/office/drawing/2014/main" id="{672DBF71-450C-37B6-82FC-E5181C6708ED}"/>
+                            </a:ext>
+                          </a:extLst>
+                        </p:cNvPr>
+                        <p:cNvGrpSpPr/>
+                        <p:nvPr/>
+                      </p:nvGrpSpPr>
+                      <p:grpSpPr>
+                        <a:xfrm rot="16200000">
+                          <a:off x="5833109" y="194028"/>
+                          <a:ext cx="312907" cy="1773225"/>
+                          <a:chOff x="5939799" y="1258115"/>
+                          <a:chExt cx="312907" cy="1419306"/>
+                        </a:xfrm>
+                      </p:grpSpPr>
+                      <p:sp>
+                        <p:nvSpPr>
+                          <p:cNvPr id="31" name="Rectangle 30">
+                            <a:extLst>
+                              <a:ext uri="{FF2B5EF4-FFF2-40B4-BE49-F238E27FC236}">
+                                <a16:creationId xmlns:a16="http://schemas.microsoft.com/office/drawing/2014/main" id="{EEB2DF04-9D9C-EC47-6EB0-7A7465401FE0}"/>
+                              </a:ext>
+                            </a:extLst>
+                          </p:cNvPr>
+                          <p:cNvSpPr/>
+                          <p:nvPr/>
+                        </p:nvSpPr>
+                        <p:spPr>
+                          <a:xfrm>
+                            <a:off x="5939799" y="1258115"/>
+                            <a:ext cx="312907" cy="1419306"/>
+                          </a:xfrm>
+                          <a:prstGeom prst="rect">
+                            <a:avLst/>
+                          </a:prstGeom>
+                          <a:solidFill>
+                            <a:srgbClr val="D2C6E1"/>
+                          </a:solidFill>
+                          <a:ln w="3175">
+                            <a:noFill/>
+                          </a:ln>
+                        </p:spPr>
+                        <p:style>
+                          <a:lnRef idx="2">
+                            <a:schemeClr val="accent1">
+                              <a:shade val="50000"/>
+                            </a:schemeClr>
+                          </a:lnRef>
+                          <a:fillRef idx="1">
+                            <a:schemeClr val="accent1"/>
+                          </a:fillRef>
+                          <a:effectRef idx="0">
+                            <a:schemeClr val="accent1"/>
+                          </a:effectRef>
+                          <a:fontRef idx="minor">
+                            <a:schemeClr val="lt1"/>
+                          </a:fontRef>
+                        </p:style>
+                        <p:txBody>
+                          <a:bodyPr rtlCol="0" anchor="ctr"/>
+                          <a:lstStyle/>
+                          <a:p>
+                            <a:pPr algn="ctr"/>
+                            <a:endParaRPr lang="en-US">
+                              <a:solidFill>
+                                <a:schemeClr val="bg1">
+                                  <a:lumMod val="50000"/>
+                                </a:schemeClr>
+                              </a:solidFill>
+                              <a:latin typeface="Arial Nova Cond Light" panose="020B0306020202020204" pitchFamily="34" charset="0"/>
+                            </a:endParaRPr>
+                          </a:p>
+                        </p:txBody>
+                      </p:sp>
+                      <p:sp>
+                        <p:nvSpPr>
+                          <p:cNvPr id="33" name="Rectangle 32">
+                            <a:extLst>
+                              <a:ext uri="{FF2B5EF4-FFF2-40B4-BE49-F238E27FC236}">
+                                <a16:creationId xmlns:a16="http://schemas.microsoft.com/office/drawing/2014/main" id="{8CB1D1B3-912E-07BE-8C0A-C657CBC1F0A4}"/>
+                              </a:ext>
+                            </a:extLst>
+                          </p:cNvPr>
+                          <p:cNvSpPr/>
+                          <p:nvPr/>
+                        </p:nvSpPr>
+                        <p:spPr>
+                          <a:xfrm>
+                            <a:off x="5974916" y="1886755"/>
+                            <a:ext cx="235998" cy="785944"/>
+                          </a:xfrm>
+                          <a:prstGeom prst="rect">
+                            <a:avLst/>
+                          </a:prstGeom>
+                          <a:solidFill>
+                            <a:srgbClr val="EEE8F5"/>
+                          </a:solidFill>
+                          <a:ln>
+                            <a:solidFill>
+                              <a:srgbClr val="EEE8F5"/>
+                            </a:solidFill>
+                          </a:ln>
+                        </p:spPr>
+                        <p:style>
+                          <a:lnRef idx="2">
+                            <a:schemeClr val="accent1">
+                              <a:shade val="50000"/>
+                            </a:schemeClr>
+                          </a:lnRef>
+                          <a:fillRef idx="1">
+                            <a:schemeClr val="accent1"/>
+                          </a:fillRef>
+                          <a:effectRef idx="0">
+                            <a:schemeClr val="accent1"/>
+                          </a:effectRef>
+                          <a:fontRef idx="minor">
+                            <a:schemeClr val="lt1"/>
+                          </a:fontRef>
+                        </p:style>
+                        <p:txBody>
+                          <a:bodyPr rtlCol="0" anchor="ctr"/>
+                          <a:lstStyle/>
+                          <a:p>
+                            <a:pPr algn="ctr"/>
+                            <a:endParaRPr lang="en-US" dirty="0">
+                              <a:solidFill>
+                                <a:schemeClr val="bg1">
+                                  <a:lumMod val="50000"/>
+                                </a:schemeClr>
+                              </a:solidFill>
+                              <a:latin typeface="Arial Nova Cond Light" panose="020B0306020202020204" pitchFamily="34" charset="0"/>
+                            </a:endParaRPr>
+                          </a:p>
+                        </p:txBody>
+                      </p:sp>
+                      <p:sp>
+                        <p:nvSpPr>
+                          <p:cNvPr id="37" name="Rectangle 36">
+                            <a:extLst>
+                              <a:ext uri="{FF2B5EF4-FFF2-40B4-BE49-F238E27FC236}">
+                                <a16:creationId xmlns:a16="http://schemas.microsoft.com/office/drawing/2014/main" id="{97060462-59E5-ED59-7A98-3E36125EE861}"/>
+                              </a:ext>
+                            </a:extLst>
+                          </p:cNvPr>
+                          <p:cNvSpPr/>
+                          <p:nvPr/>
+                        </p:nvSpPr>
+                        <p:spPr>
+                          <a:xfrm>
+                            <a:off x="6026134" y="2461824"/>
+                            <a:ext cx="132450" cy="215596"/>
+                          </a:xfrm>
+                          <a:prstGeom prst="rect">
+                            <a:avLst/>
+                          </a:prstGeom>
+                          <a:solidFill>
+                            <a:srgbClr val="FBF9FD"/>
+                          </a:solidFill>
+                          <a:ln>
+                            <a:noFill/>
+                          </a:ln>
+                        </p:spPr>
+                        <p:style>
+                          <a:lnRef idx="2">
+                            <a:schemeClr val="accent1">
+                              <a:shade val="50000"/>
+                            </a:schemeClr>
+                          </a:lnRef>
+                          <a:fillRef idx="1">
+                            <a:schemeClr val="accent1"/>
+                          </a:fillRef>
+                          <a:effectRef idx="0">
+                            <a:schemeClr val="accent1"/>
+                          </a:effectRef>
+                          <a:fontRef idx="minor">
+                            <a:schemeClr val="lt1"/>
+                          </a:fontRef>
+                        </p:style>
+                        <p:txBody>
+                          <a:bodyPr rtlCol="0" anchor="ctr"/>
+                          <a:lstStyle/>
+                          <a:p>
+                            <a:pPr algn="ctr"/>
+                            <a:endParaRPr lang="en-US" dirty="0">
+                              <a:solidFill>
+                                <a:schemeClr val="bg1">
+                                  <a:lumMod val="50000"/>
+                                </a:schemeClr>
+                              </a:solidFill>
+                              <a:latin typeface="Arial Nova Cond Light" panose="020B0306020202020204" pitchFamily="34" charset="0"/>
+                            </a:endParaRPr>
+                          </a:p>
+                        </p:txBody>
+                      </p:sp>
+                    </p:grpSp>
+                    <p:cxnSp>
+                      <p:nvCxnSpPr>
+                        <p:cNvPr id="26" name="Straight Connector 25">
+                          <a:extLst>
+                            <a:ext uri="{FF2B5EF4-FFF2-40B4-BE49-F238E27FC236}">
+                              <a16:creationId xmlns:a16="http://schemas.microsoft.com/office/drawing/2014/main" id="{7329C267-D722-4AFA-6384-3F95483A05F2}"/>
+                            </a:ext>
+                          </a:extLst>
+                        </p:cNvPr>
+                        <p:cNvCxnSpPr/>
+                        <p:nvPr/>
+                      </p:nvCxnSpPr>
+                      <p:spPr>
+                        <a:xfrm>
+                          <a:off x="5102948" y="921924"/>
+                          <a:ext cx="1773227" cy="0"/>
+                        </a:xfrm>
+                        <a:prstGeom prst="line">
+                          <a:avLst/>
+                        </a:prstGeom>
+                        <a:ln w="9525">
+                          <a:solidFill>
+                            <a:schemeClr val="bg1">
+                              <a:lumMod val="50000"/>
+                            </a:schemeClr>
+                          </a:solidFill>
+                        </a:ln>
+                      </p:spPr>
+                      <p:style>
+                        <a:lnRef idx="1">
+                          <a:schemeClr val="accent1"/>
+                        </a:lnRef>
+                        <a:fillRef idx="0">
+                          <a:schemeClr val="accent1"/>
+                        </a:fillRef>
+                        <a:effectRef idx="0">
+                          <a:schemeClr val="accent1"/>
+                        </a:effectRef>
+                        <a:fontRef idx="minor">
+                          <a:schemeClr val="tx1"/>
+                        </a:fontRef>
+                      </p:style>
+                    </p:cxnSp>
+                    <p:cxnSp>
+                      <p:nvCxnSpPr>
+                        <p:cNvPr id="27" name="Straight Connector 26">
+                          <a:extLst>
+                            <a:ext uri="{FF2B5EF4-FFF2-40B4-BE49-F238E27FC236}">
+                              <a16:creationId xmlns:a16="http://schemas.microsoft.com/office/drawing/2014/main" id="{5BCD6614-6378-D72B-1695-70CED7585762}"/>
+                            </a:ext>
+                          </a:extLst>
+                        </p:cNvPr>
+                        <p:cNvCxnSpPr/>
+                        <p:nvPr/>
+                      </p:nvCxnSpPr>
+                      <p:spPr>
+                        <a:xfrm>
+                          <a:off x="5101965" y="1242220"/>
+                          <a:ext cx="1773227" cy="0"/>
+                        </a:xfrm>
+                        <a:prstGeom prst="line">
+                          <a:avLst/>
+                        </a:prstGeom>
+                        <a:ln w="9525">
+                          <a:solidFill>
+                            <a:schemeClr val="bg1">
+                              <a:lumMod val="50000"/>
+                            </a:schemeClr>
+                          </a:solidFill>
+                        </a:ln>
+                      </p:spPr>
+                      <p:style>
+                        <a:lnRef idx="1">
+                          <a:schemeClr val="accent1"/>
+                        </a:lnRef>
+                        <a:fillRef idx="0">
+                          <a:schemeClr val="accent1"/>
+                        </a:fillRef>
+                        <a:effectRef idx="0">
+                          <a:schemeClr val="accent1"/>
+                        </a:effectRef>
+                        <a:fontRef idx="minor">
+                          <a:schemeClr val="tx1"/>
+                        </a:fontRef>
+                      </p:style>
+                    </p:cxnSp>
+                  </p:grpSp>
+                  <p:sp>
+                    <p:nvSpPr>
+                      <p:cNvPr id="21" name="TextBox 20">
+                        <a:extLst>
+                          <a:ext uri="{FF2B5EF4-FFF2-40B4-BE49-F238E27FC236}">
+                            <a16:creationId xmlns:a16="http://schemas.microsoft.com/office/drawing/2014/main" id="{12A83389-59CC-68CC-BCF4-12D7D015ACA0}"/>
+                          </a:ext>
+                        </a:extLst>
+                      </p:cNvPr>
+                      <p:cNvSpPr txBox="1"/>
+                      <p:nvPr/>
+                    </p:nvSpPr>
+                    <p:spPr>
+                      <a:xfrm>
+                        <a:off x="5063543" y="878261"/>
+                        <a:ext cx="468398" cy="400110"/>
+                      </a:xfrm>
+                      <a:prstGeom prst="rect">
+                        <a:avLst/>
+                      </a:prstGeom>
+                      <a:noFill/>
+                    </p:spPr>
+                    <p:txBody>
+                      <a:bodyPr wrap="none" rtlCol="0">
+                        <a:spAutoFit/>
+                      </a:bodyPr>
+                      <a:lstStyle/>
+                      <a:p>
+                        <a:r>
+                          <a:rPr lang="en-US" sz="1000" dirty="0">
+                            <a:solidFill>
+                              <a:schemeClr val="bg1">
+                                <a:lumMod val="50000"/>
+                              </a:schemeClr>
+                            </a:solidFill>
+                            <a:latin typeface="Arial Nova Cond Light" panose="020B0306020202020204" pitchFamily="34" charset="0"/>
+                            <a:cs typeface="Times New Roman" panose="02020603050405020304" pitchFamily="18" charset="0"/>
+                          </a:rPr>
+                          <a:t>Full </a:t>
+                        </a:r>
+                      </a:p>
+                      <a:p>
+                        <a:r>
+                          <a:rPr lang="en-US" sz="1000" dirty="0">
+                            <a:solidFill>
+                              <a:schemeClr val="bg1">
+                                <a:lumMod val="50000"/>
+                              </a:schemeClr>
+                            </a:solidFill>
+                            <a:latin typeface="Arial Nova Cond Light" panose="020B0306020202020204" pitchFamily="34" charset="0"/>
+                            <a:cs typeface="Times New Roman" panose="02020603050405020304" pitchFamily="18" charset="0"/>
+                          </a:rPr>
+                          <a:t>Range</a:t>
+                        </a:r>
+                      </a:p>
+                    </p:txBody>
+                  </p:sp>
+                </p:grpSp>
+                <p:cxnSp>
+                  <p:nvCxnSpPr>
+                    <p:cNvPr id="6" name="Straight Arrow Connector 5">
+                      <a:extLst>
+                        <a:ext uri="{FF2B5EF4-FFF2-40B4-BE49-F238E27FC236}">
+                          <a16:creationId xmlns:a16="http://schemas.microsoft.com/office/drawing/2014/main" id="{41F14311-D4F5-0B52-4DF8-A0F6259CE3D3}"/>
+                        </a:ext>
+                      </a:extLst>
+                    </p:cNvPr>
+                    <p:cNvCxnSpPr>
+                      <a:cxnSpLocks/>
+                      <a:endCxn id="16" idx="0"/>
+                    </p:cNvCxnSpPr>
+                    <p:nvPr/>
+                  </p:nvCxnSpPr>
+                  <p:spPr>
+                    <a:xfrm>
+                      <a:off x="5942003" y="1058251"/>
+                      <a:ext cx="0" cy="334125"/>
+                    </a:xfrm>
+                    <a:prstGeom prst="straightConnector1">
+                      <a:avLst/>
+                    </a:prstGeom>
+                    <a:ln>
+                      <a:solidFill>
+                        <a:schemeClr val="bg1">
+                          <a:lumMod val="50000"/>
+                        </a:schemeClr>
+                      </a:solidFill>
+                      <a:tailEnd type="triangle"/>
+                    </a:ln>
+                  </p:spPr>
+                  <p:style>
+                    <a:lnRef idx="1">
+                      <a:schemeClr val="accent1"/>
+                    </a:lnRef>
+                    <a:fillRef idx="0">
+                      <a:schemeClr val="accent1"/>
+                    </a:fillRef>
+                    <a:effectRef idx="0">
+                      <a:schemeClr val="accent1"/>
+                    </a:effectRef>
+                    <a:fontRef idx="minor">
+                      <a:schemeClr val="tx1"/>
+                    </a:fontRef>
+                  </p:style>
+                </p:cxnSp>
+              </p:grpSp>
+              <p:cxnSp>
+                <p:nvCxnSpPr>
+                  <p:cNvPr id="39" name="Straight Arrow Connector 38">
+                    <a:extLst>
+                      <a:ext uri="{FF2B5EF4-FFF2-40B4-BE49-F238E27FC236}">
+                        <a16:creationId xmlns:a16="http://schemas.microsoft.com/office/drawing/2014/main" id="{CC2058BD-61E7-D871-E364-A613A531564A}"/>
+                      </a:ext>
+                    </a:extLst>
+                  </p:cNvPr>
+                  <p:cNvCxnSpPr>
+                    <a:cxnSpLocks/>
+                  </p:cNvCxnSpPr>
+                  <p:nvPr/>
+                </p:nvCxnSpPr>
+                <p:spPr>
+                  <a:xfrm>
+                    <a:off x="6402484" y="910608"/>
+                    <a:ext cx="0" cy="299741"/>
+                  </a:xfrm>
+                  <a:prstGeom prst="straightConnector1">
+                    <a:avLst/>
+                  </a:prstGeom>
+                  <a:ln>
+                    <a:solidFill>
+                      <a:schemeClr val="bg1">
+                        <a:lumMod val="50000"/>
+                      </a:schemeClr>
+                    </a:solidFill>
+                    <a:tailEnd type="triangle"/>
+                  </a:ln>
+                </p:spPr>
+                <p:style>
+                  <a:lnRef idx="1">
+                    <a:schemeClr val="accent1"/>
+                  </a:lnRef>
+                  <a:fillRef idx="0">
+                    <a:schemeClr val="accent1"/>
+                  </a:fillRef>
+                  <a:effectRef idx="0">
+                    <a:schemeClr val="accent1"/>
+                  </a:effectRef>
+                  <a:fontRef idx="minor">
+                    <a:schemeClr val="tx1"/>
+                  </a:fontRef>
+                </p:style>
+              </p:cxnSp>
+            </p:grpSp>
+          </p:grpSp>
+        </p:grpSp>
+      </p:grpSp>
+      <p:sp>
+        <p:nvSpPr>
+          <p:cNvPr id="5" name="TextBox 4">
+            <a:extLst>
+              <a:ext uri="{FF2B5EF4-FFF2-40B4-BE49-F238E27FC236}">
+                <a16:creationId xmlns:a16="http://schemas.microsoft.com/office/drawing/2014/main" id="{3C23B3F7-F554-DFAD-BBFB-900ED48604A4}"/>
+              </a:ext>
+            </a:extLst>
+          </p:cNvPr>
+          <p:cNvSpPr txBox="1"/>
+          <p:nvPr/>
+        </p:nvSpPr>
+        <p:spPr>
+          <a:xfrm>
+            <a:off x="1143000" y="1766455"/>
+            <a:ext cx="9317182" cy="4339650"/>
+          </a:xfrm>
+          <a:prstGeom prst="rect">
+            <a:avLst/>
+          </a:prstGeom>
+          <a:noFill/>
+        </p:spPr>
+        <p:txBody>
+          <a:bodyPr wrap="square" rtlCol="0">
+            <a:spAutoFit/>
+          </a:bodyPr>
+          <a:lstStyle/>
+          <a:p>
+            <a:r>
+              <a:rPr lang="en-US" sz="13800" dirty="0"/>
+              <a:t>NOT USING THIS ONE</a:t>
+            </a:r>
+          </a:p>
+        </p:txBody>
+      </p:sp>
+    </p:spTree>
+    <p:extLst>
+      <p:ext uri="{BB962C8B-B14F-4D97-AF65-F5344CB8AC3E}">
+        <p14:creationId xmlns:p14="http://schemas.microsoft.com/office/powerpoint/2010/main" val="3136029642"/>
+      </p:ext>
+    </p:extLst>
+  </p:cSld>
+  <p:clrMapOvr>
+    <a:masterClrMapping/>
+  </p:clrMapOvr>
+</p:sld>
+</file>
+
+<file path=ppt/slides/slide3.xml><?xml version="1.0" encoding="utf-8"?>
+<p:sld xmlns:a="http://schemas.openxmlformats.org/drawingml/2006/main" xmlns:r="http://schemas.openxmlformats.org/officeDocument/2006/relationships" xmlns:p="http://schemas.openxmlformats.org/presentationml/2006/main">
+  <p:cSld>
+    <p:spTree>
+      <p:nvGrpSpPr>
+        <p:cNvPr id="1" name=""/>
+        <p:cNvGrpSpPr/>
+        <p:nvPr/>
+      </p:nvGrpSpPr>
+      <p:grpSpPr>
+        <a:xfrm>
+          <a:off x="0" y="0"/>
+          <a:ext cx="0" cy="0"/>
+          <a:chOff x="0" y="0"/>
+          <a:chExt cx="0" cy="0"/>
+        </a:xfrm>
+      </p:grpSpPr>
+      <p:grpSp>
+        <p:nvGrpSpPr>
+          <p:cNvPr id="5" name="Group 4">
+            <a:extLst>
+              <a:ext uri="{FF2B5EF4-FFF2-40B4-BE49-F238E27FC236}">
+                <a16:creationId xmlns:a16="http://schemas.microsoft.com/office/drawing/2014/main" id="{B230CAD2-5244-44E5-4383-0C973928C157}"/>
+              </a:ext>
+            </a:extLst>
+          </p:cNvPr>
+          <p:cNvGrpSpPr/>
+          <p:nvPr/>
+        </p:nvGrpSpPr>
+        <p:grpSpPr>
+          <a:xfrm>
+            <a:off x="0" y="0"/>
+            <a:ext cx="12192000" cy="6858000"/>
+            <a:chOff x="0" y="0"/>
+            <a:chExt cx="12192000" cy="6858000"/>
+          </a:xfrm>
+        </p:grpSpPr>
+        <p:pic>
+          <p:nvPicPr>
+            <p:cNvPr id="4" name="Picture 3" descr="Chart, radar chart&#10;&#10;Description automatically generated">
+              <a:extLst>
+                <a:ext uri="{FF2B5EF4-FFF2-40B4-BE49-F238E27FC236}">
+                  <a16:creationId xmlns:a16="http://schemas.microsoft.com/office/drawing/2014/main" id="{3300A544-0A05-5460-3FF5-D5E1380432D7}"/>
                 </a:ext>
               </a:extLst>
             </p:cNvPr>
@@ -5662,7 +12480,9 @@
             <a:lstStyle/>
             <a:p>
               <a:pPr algn="ctr"/>
-              <a:endParaRPr lang="en-US"/>
+              <a:endParaRPr lang="en-US">
+                <a:latin typeface="Arial Nova Cond Light" panose="020B0306020202020204" pitchFamily="34" charset="0"/>
+              </a:endParaRPr>
             </a:p>
           </p:txBody>
         </p:sp>
@@ -5714,7 +12534,9 @@
             <a:lstStyle/>
             <a:p>
               <a:pPr algn="ctr"/>
-              <a:endParaRPr lang="en-US"/>
+              <a:endParaRPr lang="en-US">
+                <a:latin typeface="Arial Nova Cond Light" panose="020B0306020202020204" pitchFamily="34" charset="0"/>
+              </a:endParaRPr>
             </a:p>
           </p:txBody>
         </p:sp>
@@ -5766,7 +12588,9 @@
             <a:lstStyle/>
             <a:p>
               <a:pPr algn="ctr"/>
-              <a:endParaRPr lang="en-US"/>
+              <a:endParaRPr lang="en-US">
+                <a:latin typeface="Arial Nova Cond Light" panose="020B0306020202020204" pitchFamily="34" charset="0"/>
+              </a:endParaRPr>
             </a:p>
           </p:txBody>
         </p:sp>
@@ -5784,8 +12608,8 @@
           </p:nvSpPr>
           <p:spPr>
             <a:xfrm rot="15617868">
-              <a:off x="8767551" y="2381006"/>
-              <a:ext cx="437940" cy="253916"/>
+              <a:off x="8786787" y="2381006"/>
+              <a:ext cx="399468" cy="253916"/>
             </a:xfrm>
             <a:prstGeom prst="rect">
               <a:avLst/>
@@ -5800,7 +12624,7 @@
             <a:p>
               <a:r>
                 <a:rPr lang="en-US" sz="1050" dirty="0">
-                  <a:latin typeface="Times New Roman" panose="02020603050405020304" pitchFamily="18" charset="0"/>
+                  <a:latin typeface="Arial Nova Cond Light" panose="020B0306020202020204" pitchFamily="34" charset="0"/>
                   <a:cs typeface="Times New Roman" panose="02020603050405020304" pitchFamily="18" charset="0"/>
                 </a:rPr>
                 <a:t>Start</a:t>
@@ -5822,8 +12646,8 @@
           </p:nvSpPr>
           <p:spPr>
             <a:xfrm rot="14694726">
-              <a:off x="2572088" y="2440195"/>
-              <a:ext cx="437940" cy="253916"/>
+              <a:off x="2591324" y="2440195"/>
+              <a:ext cx="399468" cy="253916"/>
             </a:xfrm>
             <a:prstGeom prst="rect">
               <a:avLst/>
@@ -5838,7 +12662,7 @@
             <a:p>
               <a:r>
                 <a:rPr lang="en-US" sz="1050" dirty="0">
-                  <a:latin typeface="Times New Roman" panose="02020603050405020304" pitchFamily="18" charset="0"/>
+                  <a:latin typeface="Arial Nova Cond Light" panose="020B0306020202020204" pitchFamily="34" charset="0"/>
                   <a:cs typeface="Times New Roman" panose="02020603050405020304" pitchFamily="18" charset="0"/>
                 </a:rPr>
                 <a:t>Start</a:t>
@@ -5860,8 +12684,8 @@
           </p:nvSpPr>
           <p:spPr>
             <a:xfrm rot="18669115">
-              <a:off x="3655624" y="2575540"/>
-              <a:ext cx="401072" cy="253916"/>
+              <a:off x="3672456" y="2575540"/>
+              <a:ext cx="367408" cy="253916"/>
             </a:xfrm>
             <a:prstGeom prst="rect">
               <a:avLst/>
@@ -5876,7 +12700,7 @@
             <a:p>
               <a:r>
                 <a:rPr lang="en-US" sz="1050" dirty="0">
-                  <a:latin typeface="Times New Roman" panose="02020603050405020304" pitchFamily="18" charset="0"/>
+                  <a:latin typeface="Arial Nova Cond Light" panose="020B0306020202020204" pitchFamily="34" charset="0"/>
                   <a:cs typeface="Times New Roman" panose="02020603050405020304" pitchFamily="18" charset="0"/>
                 </a:rPr>
                 <a:t>End</a:t>
@@ -5898,8 +12722,8 @@
           </p:nvSpPr>
           <p:spPr>
             <a:xfrm rot="19164934">
-              <a:off x="9749277" y="2669797"/>
-              <a:ext cx="401072" cy="253916"/>
+              <a:off x="9766109" y="2669797"/>
+              <a:ext cx="367408" cy="253916"/>
             </a:xfrm>
             <a:prstGeom prst="rect">
               <a:avLst/>
@@ -5914,7 +12738,7 @@
             <a:p>
               <a:r>
                 <a:rPr lang="en-US" sz="1050" dirty="0">
-                  <a:latin typeface="Times New Roman" panose="02020603050405020304" pitchFamily="18" charset="0"/>
+                  <a:latin typeface="Arial Nova Cond Light" panose="020B0306020202020204" pitchFamily="34" charset="0"/>
                   <a:cs typeface="Times New Roman" panose="02020603050405020304" pitchFamily="18" charset="0"/>
                 </a:rPr>
                 <a:t>End</a:t>
@@ -5922,207 +12746,6 @@
             </a:p>
           </p:txBody>
         </p:sp>
-        <p:grpSp>
-          <p:nvGrpSpPr>
-            <p:cNvPr id="60" name="Group 59">
-              <a:extLst>
-                <a:ext uri="{FF2B5EF4-FFF2-40B4-BE49-F238E27FC236}">
-                  <a16:creationId xmlns:a16="http://schemas.microsoft.com/office/drawing/2014/main" id="{DF33481A-EC37-37C2-56C1-F6B3EC394779}"/>
-                </a:ext>
-              </a:extLst>
-            </p:cNvPr>
-            <p:cNvGrpSpPr/>
-            <p:nvPr/>
-          </p:nvGrpSpPr>
-          <p:grpSpPr>
-            <a:xfrm>
-              <a:off x="10343976" y="303153"/>
-              <a:ext cx="1666938" cy="518758"/>
-              <a:chOff x="5622992" y="6068353"/>
-              <a:chExt cx="1666938" cy="518758"/>
-            </a:xfrm>
-          </p:grpSpPr>
-          <p:sp>
-            <p:nvSpPr>
-              <p:cNvPr id="56" name="Rectangle 55">
-                <a:extLst>
-                  <a:ext uri="{FF2B5EF4-FFF2-40B4-BE49-F238E27FC236}">
-                    <a16:creationId xmlns:a16="http://schemas.microsoft.com/office/drawing/2014/main" id="{AA6491FF-34F6-7EFB-76CF-6464193182B4}"/>
-                  </a:ext>
-                </a:extLst>
-              </p:cNvPr>
-              <p:cNvSpPr/>
-              <p:nvPr/>
-            </p:nvSpPr>
-            <p:spPr>
-              <a:xfrm>
-                <a:off x="5622992" y="6098431"/>
-                <a:ext cx="260350" cy="190500"/>
-              </a:xfrm>
-              <a:prstGeom prst="rect">
-                <a:avLst/>
-              </a:prstGeom>
-              <a:solidFill>
-                <a:srgbClr val="B7BBC6"/>
-              </a:solidFill>
-              <a:ln>
-                <a:noFill/>
-              </a:ln>
-            </p:spPr>
-            <p:style>
-              <a:lnRef idx="2">
-                <a:schemeClr val="accent1">
-                  <a:shade val="50000"/>
-                </a:schemeClr>
-              </a:lnRef>
-              <a:fillRef idx="1">
-                <a:schemeClr val="accent1"/>
-              </a:fillRef>
-              <a:effectRef idx="0">
-                <a:schemeClr val="accent1"/>
-              </a:effectRef>
-              <a:fontRef idx="minor">
-                <a:schemeClr val="lt1"/>
-              </a:fontRef>
-            </p:style>
-            <p:txBody>
-              <a:bodyPr rtlCol="0" anchor="ctr"/>
-              <a:lstStyle/>
-              <a:p>
-                <a:pPr algn="ctr"/>
-                <a:endParaRPr lang="en-US"/>
-              </a:p>
-            </p:txBody>
-          </p:sp>
-          <p:sp>
-            <p:nvSpPr>
-              <p:cNvPr id="57" name="Rectangle 56">
-                <a:extLst>
-                  <a:ext uri="{FF2B5EF4-FFF2-40B4-BE49-F238E27FC236}">
-                    <a16:creationId xmlns:a16="http://schemas.microsoft.com/office/drawing/2014/main" id="{74AA7624-F345-3FB9-80B6-1C9A5D207627}"/>
-                  </a:ext>
-                </a:extLst>
-              </p:cNvPr>
-              <p:cNvSpPr/>
-              <p:nvPr/>
-            </p:nvSpPr>
-            <p:spPr>
-              <a:xfrm>
-                <a:off x="5622992" y="6371735"/>
-                <a:ext cx="260350" cy="190500"/>
-              </a:xfrm>
-              <a:prstGeom prst="rect">
-                <a:avLst/>
-              </a:prstGeom>
-              <a:solidFill>
-                <a:srgbClr val="D2C6E1"/>
-              </a:solidFill>
-              <a:ln>
-                <a:noFill/>
-              </a:ln>
-            </p:spPr>
-            <p:style>
-              <a:lnRef idx="2">
-                <a:schemeClr val="accent1">
-                  <a:shade val="50000"/>
-                </a:schemeClr>
-              </a:lnRef>
-              <a:fillRef idx="1">
-                <a:schemeClr val="accent1"/>
-              </a:fillRef>
-              <a:effectRef idx="0">
-                <a:schemeClr val="accent1"/>
-              </a:effectRef>
-              <a:fontRef idx="minor">
-                <a:schemeClr val="lt1"/>
-              </a:fontRef>
-            </p:style>
-            <p:txBody>
-              <a:bodyPr rtlCol="0" anchor="ctr"/>
-              <a:lstStyle/>
-              <a:p>
-                <a:pPr algn="ctr"/>
-                <a:endParaRPr lang="en-US"/>
-              </a:p>
-            </p:txBody>
-          </p:sp>
-          <p:sp>
-            <p:nvSpPr>
-              <p:cNvPr id="58" name="TextBox 57">
-                <a:extLst>
-                  <a:ext uri="{FF2B5EF4-FFF2-40B4-BE49-F238E27FC236}">
-                    <a16:creationId xmlns:a16="http://schemas.microsoft.com/office/drawing/2014/main" id="{32C30769-769E-0438-B11D-232EF1F34122}"/>
-                  </a:ext>
-                </a:extLst>
-              </p:cNvPr>
-              <p:cNvSpPr txBox="1"/>
-              <p:nvPr/>
-            </p:nvSpPr>
-            <p:spPr>
-              <a:xfrm>
-                <a:off x="5838892" y="6068353"/>
-                <a:ext cx="1451038" cy="246221"/>
-              </a:xfrm>
-              <a:prstGeom prst="rect">
-                <a:avLst/>
-              </a:prstGeom>
-              <a:noFill/>
-            </p:spPr>
-            <p:txBody>
-              <a:bodyPr wrap="none" rtlCol="0">
-                <a:spAutoFit/>
-              </a:bodyPr>
-              <a:lstStyle/>
-              <a:p>
-                <a:r>
-                  <a:rPr lang="en-US" sz="1000" dirty="0">
-                    <a:latin typeface="Times New Roman" panose="02020603050405020304" pitchFamily="18" charset="0"/>
-                    <a:cs typeface="Times New Roman" panose="02020603050405020304" pitchFamily="18" charset="0"/>
-                  </a:rPr>
-                  <a:t>Historical (1950 – 2012)</a:t>
-                </a:r>
-              </a:p>
-            </p:txBody>
-          </p:sp>
-          <p:sp>
-            <p:nvSpPr>
-              <p:cNvPr id="59" name="TextBox 58">
-                <a:extLst>
-                  <a:ext uri="{FF2B5EF4-FFF2-40B4-BE49-F238E27FC236}">
-                    <a16:creationId xmlns:a16="http://schemas.microsoft.com/office/drawing/2014/main" id="{2A00CD99-6335-931D-5ABF-BE360663FD3D}"/>
-                  </a:ext>
-                </a:extLst>
-              </p:cNvPr>
-              <p:cNvSpPr txBox="1"/>
-              <p:nvPr/>
-            </p:nvSpPr>
-            <p:spPr>
-              <a:xfrm>
-                <a:off x="5838892" y="6340890"/>
-                <a:ext cx="1430200" cy="246221"/>
-              </a:xfrm>
-              <a:prstGeom prst="rect">
-                <a:avLst/>
-              </a:prstGeom>
-              <a:noFill/>
-            </p:spPr>
-            <p:txBody>
-              <a:bodyPr wrap="none" rtlCol="0">
-                <a:spAutoFit/>
-              </a:bodyPr>
-              <a:lstStyle/>
-              <a:p>
-                <a:r>
-                  <a:rPr lang="en-US" sz="1000" dirty="0">
-                    <a:latin typeface="Times New Roman" panose="02020603050405020304" pitchFamily="18" charset="0"/>
-                    <a:cs typeface="Times New Roman" panose="02020603050405020304" pitchFamily="18" charset="0"/>
-                  </a:rPr>
-                  <a:t>Projected (2012 – 2099)</a:t>
-                </a:r>
-              </a:p>
-            </p:txBody>
-          </p:sp>
-        </p:grpSp>
         <p:sp>
           <p:nvSpPr>
             <p:cNvPr id="61" name="TextBox 60">
@@ -6137,8 +12760,8 @@
           </p:nvSpPr>
           <p:spPr>
             <a:xfrm>
-              <a:off x="1759677" y="6207421"/>
-              <a:ext cx="10146867" cy="461665"/>
+              <a:off x="1822644" y="6137550"/>
+              <a:ext cx="10146867" cy="553998"/>
             </a:xfrm>
             <a:prstGeom prst="rect">
               <a:avLst/>
@@ -6153,49 +12776,49 @@
             <a:p>
               <a:pPr algn="r"/>
               <a:r>
-                <a:rPr lang="en-US" sz="800" dirty="0">
+                <a:rPr lang="en-US" sz="1000" dirty="0">
                   <a:solidFill>
                     <a:schemeClr val="bg1">
                       <a:lumMod val="50000"/>
                     </a:schemeClr>
                   </a:solidFill>
-                  <a:latin typeface="Times New Roman" panose="02020603050405020304" pitchFamily="18" charset="0"/>
+                  <a:latin typeface="Arial Nova Cond Light" panose="020B0306020202020204" pitchFamily="34" charset="0"/>
                   <a:cs typeface="Times New Roman" panose="02020603050405020304" pitchFamily="18" charset="0"/>
                 </a:rPr>
                 <a:t>Data Source: </a:t>
               </a:r>
               <a:r>
-                <a:rPr lang="en-US" sz="800" dirty="0" err="1">
+                <a:rPr lang="en-US" sz="1000" dirty="0" err="1">
                   <a:solidFill>
                     <a:schemeClr val="bg1">
                       <a:lumMod val="50000"/>
                     </a:schemeClr>
                   </a:solidFill>
-                  <a:latin typeface="Times New Roman" panose="02020603050405020304" pitchFamily="18" charset="0"/>
+                  <a:latin typeface="Arial Nova Cond Light" panose="020B0306020202020204" pitchFamily="34" charset="0"/>
                   <a:cs typeface="Times New Roman" panose="02020603050405020304" pitchFamily="18" charset="0"/>
                 </a:rPr>
                 <a:t>Nack</a:t>
               </a:r>
               <a:r>
-                <a:rPr lang="en-US" sz="800" dirty="0">
+                <a:rPr lang="en-US" sz="1000" dirty="0">
                   <a:solidFill>
                     <a:schemeClr val="bg1">
                       <a:lumMod val="50000"/>
                     </a:schemeClr>
                   </a:solidFill>
-                  <a:latin typeface="Times New Roman" panose="02020603050405020304" pitchFamily="18" charset="0"/>
+                  <a:latin typeface="Arial Nova Cond Light" panose="020B0306020202020204" pitchFamily="34" charset="0"/>
                   <a:cs typeface="Times New Roman" panose="02020603050405020304" pitchFamily="18" charset="0"/>
                 </a:rPr>
                 <a:t>, C. et. al. (2019). </a:t>
               </a:r>
               <a:r>
-                <a:rPr lang="en-US" sz="800" dirty="0">
+                <a:rPr lang="en-US" sz="1000" dirty="0">
                   <a:solidFill>
                     <a:schemeClr val="bg1">
                       <a:lumMod val="50000"/>
                     </a:schemeClr>
                   </a:solidFill>
-                  <a:latin typeface="Times New Roman" panose="02020603050405020304" pitchFamily="18" charset="0"/>
+                  <a:latin typeface="Arial Nova Cond Light" panose="020B0306020202020204" pitchFamily="34" charset="0"/>
                   <a:cs typeface="Times New Roman" panose="02020603050405020304" pitchFamily="18" charset="0"/>
                   <a:hlinkClick r:id="rId3">
                     <a:extLst>
@@ -6207,50 +12830,50 @@
                 </a:rPr>
                 <a:t>https://doi.org/10.1002/mcf2.10076</a:t>
               </a:r>
-              <a:endParaRPr lang="en-US" sz="800" dirty="0">
+              <a:endParaRPr lang="en-US" sz="1000" dirty="0">
                 <a:solidFill>
                   <a:schemeClr val="bg1">
                     <a:lumMod val="50000"/>
                   </a:schemeClr>
                 </a:solidFill>
-                <a:latin typeface="Times New Roman" panose="02020603050405020304" pitchFamily="18" charset="0"/>
+                <a:latin typeface="Arial Nova Cond Light" panose="020B0306020202020204" pitchFamily="34" charset="0"/>
                 <a:cs typeface="Times New Roman" panose="02020603050405020304" pitchFamily="18" charset="0"/>
               </a:endParaRPr>
             </a:p>
             <a:p>
               <a:pPr algn="r"/>
               <a:r>
-                <a:rPr lang="en-US" sz="800" dirty="0">
+                <a:rPr lang="en-US" sz="1000" dirty="0">
                   <a:solidFill>
                     <a:schemeClr val="bg1">
                       <a:lumMod val="50000"/>
                     </a:schemeClr>
                   </a:solidFill>
-                  <a:latin typeface="Times New Roman" panose="02020603050405020304" pitchFamily="18" charset="0"/>
+                  <a:latin typeface="Arial Nova Cond Light" panose="020B0306020202020204" pitchFamily="34" charset="0"/>
                   <a:cs typeface="Times New Roman" panose="02020603050405020304" pitchFamily="18" charset="0"/>
                 </a:rPr>
                 <a:t>Fish images from </a:t>
               </a:r>
               <a:r>
-                <a:rPr lang="en-US" sz="800" u="sng" dirty="0">
+                <a:rPr lang="en-US" sz="1000" u="sng" dirty="0">
                   <a:solidFill>
                     <a:schemeClr val="bg1">
                       <a:lumMod val="50000"/>
                     </a:schemeClr>
                   </a:solidFill>
-                  <a:latin typeface="Times New Roman" panose="02020603050405020304" pitchFamily="18" charset="0"/>
+                  <a:latin typeface="Arial Nova Cond Light" panose="020B0306020202020204" pitchFamily="34" charset="0"/>
                   <a:cs typeface="Times New Roman" panose="02020603050405020304" pitchFamily="18" charset="0"/>
                 </a:rPr>
                 <a:t>www.takemefishing.org</a:t>
               </a:r>
               <a:r>
-                <a:rPr lang="en-US" sz="800" dirty="0">
+                <a:rPr lang="en-US" sz="1000" dirty="0">
                   <a:solidFill>
                     <a:schemeClr val="bg1">
                       <a:lumMod val="50000"/>
                     </a:schemeClr>
                   </a:solidFill>
-                  <a:latin typeface="Times New Roman" panose="02020603050405020304" pitchFamily="18" charset="0"/>
+                  <a:latin typeface="Arial Nova Cond Light" panose="020B0306020202020204" pitchFamily="34" charset="0"/>
                   <a:cs typeface="Times New Roman" panose="02020603050405020304" pitchFamily="18" charset="0"/>
                 </a:rPr>
                 <a:t> and  NOAA Fisheries</a:t>
@@ -6259,25 +12882,25 @@
             <a:p>
               <a:pPr algn="r"/>
               <a:r>
-                <a:rPr lang="en-US" sz="800" dirty="0">
+                <a:rPr lang="en-US" sz="1000" dirty="0">
                   <a:solidFill>
                     <a:schemeClr val="bg1">
                       <a:lumMod val="50000"/>
                     </a:schemeClr>
                   </a:solidFill>
-                  <a:latin typeface="Times New Roman" panose="02020603050405020304" pitchFamily="18" charset="0"/>
+                  <a:latin typeface="Arial Nova Cond Light" panose="020B0306020202020204" pitchFamily="34" charset="0"/>
                   <a:cs typeface="Times New Roman" panose="02020603050405020304" pitchFamily="18" charset="0"/>
                 </a:rPr>
                 <a:t>Plot made by Ellie White, </a:t>
               </a:r>
               <a:r>
-                <a:rPr lang="en-US" sz="800" dirty="0">
+                <a:rPr lang="en-US" sz="1000" dirty="0">
                   <a:solidFill>
                     <a:schemeClr val="bg1">
                       <a:lumMod val="50000"/>
                     </a:schemeClr>
                   </a:solidFill>
-                  <a:latin typeface="Times New Roman" panose="02020603050405020304" pitchFamily="18" charset="0"/>
+                  <a:latin typeface="Arial Nova Cond Light" panose="020B0306020202020204" pitchFamily="34" charset="0"/>
                   <a:cs typeface="Times New Roman" panose="02020603050405020304" pitchFamily="18" charset="0"/>
                   <a:hlinkClick r:id="rId4">
                     <a:extLst>
@@ -6290,49 +12913,17 @@
                 <a:t>ewhite@usgs.gov</a:t>
               </a:r>
               <a:r>
-                <a:rPr lang="en-US" sz="800" dirty="0">
+                <a:rPr lang="en-US" sz="1000" dirty="0">
                   <a:solidFill>
                     <a:schemeClr val="bg1">
                       <a:lumMod val="50000"/>
                     </a:schemeClr>
                   </a:solidFill>
-                  <a:latin typeface="Times New Roman" panose="02020603050405020304" pitchFamily="18" charset="0"/>
+                  <a:latin typeface="Arial Nova Cond Light" panose="020B0306020202020204" pitchFamily="34" charset="0"/>
                   <a:cs typeface="Times New Roman" panose="02020603050405020304" pitchFamily="18" charset="0"/>
                 </a:rPr>
                 <a:t> 04/08/2023</a:t>
               </a:r>
-            </a:p>
-          </p:txBody>
-        </p:sp>
-        <p:sp>
-          <p:nvSpPr>
-            <p:cNvPr id="26" name="TextBox 25">
-              <a:extLst>
-                <a:ext uri="{FF2B5EF4-FFF2-40B4-BE49-F238E27FC236}">
-                  <a16:creationId xmlns:a16="http://schemas.microsoft.com/office/drawing/2014/main" id="{81EAB21C-A47C-BDD9-8A0D-14D3C96E0177}"/>
-                </a:ext>
-              </a:extLst>
-            </p:cNvPr>
-            <p:cNvSpPr txBox="1"/>
-            <p:nvPr/>
-          </p:nvSpPr>
-          <p:spPr>
-            <a:xfrm>
-              <a:off x="213254" y="366653"/>
-              <a:ext cx="184731" cy="276999"/>
-            </a:xfrm>
-            <a:prstGeom prst="rect">
-              <a:avLst/>
-            </a:prstGeom>
-            <a:noFill/>
-          </p:spPr>
-          <p:txBody>
-            <a:bodyPr wrap="none" rtlCol="0">
-              <a:spAutoFit/>
-            </a:bodyPr>
-            <a:lstStyle/>
-            <a:p>
-              <a:endParaRPr lang="en-US" sz="1200" dirty="0"/>
             </a:p>
           </p:txBody>
         </p:sp>
@@ -6386,10 +12977,10 @@
           </p:nvGrpSpPr>
           <p:grpSpPr>
             <a:xfrm>
-              <a:off x="2013722" y="2936667"/>
-              <a:ext cx="2351171" cy="1063229"/>
+              <a:off x="2013722" y="2936670"/>
+              <a:ext cx="2351171" cy="1124783"/>
               <a:chOff x="2302483" y="3048883"/>
-              <a:chExt cx="1691640" cy="764980"/>
+              <a:chExt cx="1691640" cy="809267"/>
             </a:xfrm>
           </p:grpSpPr>
           <p:sp>
@@ -6406,8 +12997,8 @@
             </p:nvSpPr>
             <p:spPr>
               <a:xfrm>
-                <a:off x="2595774" y="3614565"/>
-                <a:ext cx="995565" cy="199298"/>
+                <a:off x="2546182" y="3614565"/>
+                <a:ext cx="1094752" cy="243585"/>
               </a:xfrm>
               <a:prstGeom prst="rect">
                 <a:avLst/>
@@ -6422,8 +13013,8 @@
               <a:p>
                 <a:pPr algn="ctr"/>
                 <a:r>
-                  <a:rPr lang="en-US" sz="1200" dirty="0">
-                    <a:latin typeface="Segoe Print" panose="02000600000000000000" pitchFamily="2" charset="0"/>
+                  <a:rPr lang="en-US" sz="1600" dirty="0">
+                    <a:latin typeface="Baguet Script" panose="00000500000000000000" pitchFamily="2" charset="0"/>
                   </a:rPr>
                   <a:t>American Shad</a:t>
                 </a:r>
@@ -6482,9 +13073,9 @@
           <p:grpSpPr>
             <a:xfrm>
               <a:off x="4705714" y="3759145"/>
-              <a:ext cx="950945" cy="390003"/>
+              <a:ext cx="999849" cy="390003"/>
               <a:chOff x="4207821" y="4443153"/>
-              <a:chExt cx="950945" cy="390003"/>
+              <a:chExt cx="999849" cy="390003"/>
             </a:xfrm>
           </p:grpSpPr>
           <p:grpSp>
@@ -6563,6 +13154,7 @@
                     <a:solidFill>
                       <a:schemeClr val="tx1"/>
                     </a:solidFill>
+                    <a:latin typeface="Arial Nova Cond Light" panose="020B0306020202020204" pitchFamily="34" charset="0"/>
                   </a:endParaRPr>
                 </a:p>
               </p:txBody>
@@ -6623,6 +13215,7 @@
                     <a:solidFill>
                       <a:schemeClr val="tx1"/>
                     </a:solidFill>
+                    <a:latin typeface="Arial Nova Cond Light" panose="020B0306020202020204" pitchFamily="34" charset="0"/>
                   </a:endParaRPr>
                 </a:p>
               </p:txBody>
@@ -6683,6 +13276,7 @@
                     <a:solidFill>
                       <a:schemeClr val="tx1"/>
                     </a:solidFill>
+                    <a:latin typeface="Arial Nova Cond Light" panose="020B0306020202020204" pitchFamily="34" charset="0"/>
                   </a:endParaRPr>
                 </a:p>
               </p:txBody>
@@ -6743,6 +13337,7 @@
                     <a:solidFill>
                       <a:schemeClr val="tx1"/>
                     </a:solidFill>
+                    <a:latin typeface="Arial Nova Cond Light" panose="020B0306020202020204" pitchFamily="34" charset="0"/>
                   </a:endParaRPr>
                 </a:p>
               </p:txBody>
@@ -6803,6 +13398,7 @@
                     <a:solidFill>
                       <a:schemeClr val="tx1"/>
                     </a:solidFill>
+                    <a:latin typeface="Arial Nova Cond Light" panose="020B0306020202020204" pitchFamily="34" charset="0"/>
                   </a:endParaRPr>
                 </a:p>
               </p:txBody>
@@ -6863,6 +13459,7 @@
                     <a:solidFill>
                       <a:schemeClr val="tx1"/>
                     </a:solidFill>
+                    <a:latin typeface="Arial Nova Cond Light" panose="020B0306020202020204" pitchFamily="34" charset="0"/>
                   </a:endParaRPr>
                 </a:p>
               </p:txBody>
@@ -6923,6 +13520,7 @@
                     <a:solidFill>
                       <a:schemeClr val="tx1"/>
                     </a:solidFill>
+                    <a:latin typeface="Arial Nova Cond Light" panose="020B0306020202020204" pitchFamily="34" charset="0"/>
                   </a:endParaRPr>
                 </a:p>
               </p:txBody>
@@ -6983,6 +13581,7 @@
                     <a:solidFill>
                       <a:schemeClr val="tx1"/>
                     </a:solidFill>
+                    <a:latin typeface="Arial Nova Cond Light" panose="020B0306020202020204" pitchFamily="34" charset="0"/>
                   </a:endParaRPr>
                 </a:p>
               </p:txBody>
@@ -7003,7 +13602,7 @@
             <p:spPr>
               <a:xfrm>
                 <a:off x="4767558" y="4443153"/>
-                <a:ext cx="391208" cy="215444"/>
+                <a:ext cx="440112" cy="246221"/>
               </a:xfrm>
               <a:prstGeom prst="rect">
                 <a:avLst/>
@@ -7017,8 +13616,8 @@
               <a:lstStyle/>
               <a:p>
                 <a:r>
-                  <a:rPr lang="en-US" sz="800" dirty="0">
-                    <a:latin typeface="Times New Roman" panose="02020603050405020304" pitchFamily="18" charset="0"/>
+                  <a:rPr lang="en-US" sz="1000" dirty="0">
+                    <a:latin typeface="Arial Nova Cond Light" panose="020B0306020202020204" pitchFamily="34" charset="0"/>
                     <a:cs typeface="Times New Roman" panose="02020603050405020304" pitchFamily="18" charset="0"/>
                   </a:rPr>
                   <a:t>Eggs</a:t>
@@ -7084,7 +13683,7 @@
           <p:spPr>
             <a:xfrm>
               <a:off x="4535530" y="4759437"/>
-              <a:ext cx="490057" cy="215444"/>
+              <a:ext cx="490057" cy="246221"/>
             </a:xfrm>
             <a:prstGeom prst="rect">
               <a:avLst/>
@@ -7098,8 +13697,8 @@
             <a:lstStyle/>
             <a:p>
               <a:r>
-                <a:rPr lang="en-US" sz="800" dirty="0">
-                  <a:latin typeface="Times New Roman" panose="02020603050405020304" pitchFamily="18" charset="0"/>
+                <a:rPr lang="en-US" sz="1000" dirty="0">
+                  <a:latin typeface="Arial Nova Cond Light" panose="020B0306020202020204" pitchFamily="34" charset="0"/>
                   <a:cs typeface="Times New Roman" panose="02020603050405020304" pitchFamily="18" charset="0"/>
                 </a:rPr>
                 <a:t>Larva</a:t>
@@ -7166,7 +13765,7 @@
           <p:spPr>
             <a:xfrm>
               <a:off x="827982" y="3703688"/>
-              <a:ext cx="458381" cy="215444"/>
+              <a:ext cx="544537" cy="246221"/>
             </a:xfrm>
             <a:prstGeom prst="rect">
               <a:avLst/>
@@ -7180,8 +13779,8 @@
             <a:lstStyle/>
             <a:p>
               <a:r>
-                <a:rPr lang="en-US" sz="800" dirty="0">
-                  <a:latin typeface="Times New Roman" panose="02020603050405020304" pitchFamily="18" charset="0"/>
+                <a:rPr lang="en-US" sz="1000" dirty="0">
+                  <a:latin typeface="Arial Nova Cond Light" panose="020B0306020202020204" pitchFamily="34" charset="0"/>
                   <a:cs typeface="Times New Roman" panose="02020603050405020304" pitchFamily="18" charset="0"/>
                 </a:rPr>
                 <a:t>Adult</a:t>
@@ -7224,7 +13823,7 @@
             <p:spPr>
               <a:xfrm>
                 <a:off x="1989341" y="4935519"/>
-                <a:ext cx="330047" cy="215444"/>
+                <a:ext cx="368811" cy="246221"/>
               </a:xfrm>
               <a:prstGeom prst="rect">
                 <a:avLst/>
@@ -7238,8 +13837,8 @@
               <a:lstStyle/>
               <a:p>
                 <a:r>
-                  <a:rPr lang="en-US" sz="800" dirty="0">
-                    <a:latin typeface="Times New Roman" panose="02020603050405020304" pitchFamily="18" charset="0"/>
+                  <a:rPr lang="en-US" sz="1000" dirty="0">
+                    <a:latin typeface="Arial Nova Cond Light" panose="020B0306020202020204" pitchFamily="34" charset="0"/>
                     <a:cs typeface="Times New Roman" panose="02020603050405020304" pitchFamily="18" charset="0"/>
                   </a:rPr>
                   <a:t>Fry</a:t>
@@ -7363,6 +13962,7 @@
                     <a:solidFill>
                       <a:schemeClr val="tx1"/>
                     </a:solidFill>
+                    <a:latin typeface="Arial Nova Cond Light" panose="020B0306020202020204" pitchFamily="34" charset="0"/>
                   </a:endParaRPr>
                 </a:p>
               </p:txBody>
@@ -7419,7 +14019,9 @@
             <a:lstStyle/>
             <a:p>
               <a:pPr algn="ctr"/>
-              <a:endParaRPr lang="en-US"/>
+              <a:endParaRPr lang="en-US">
+                <a:latin typeface="Arial Nova Cond Light" panose="020B0306020202020204" pitchFamily="34" charset="0"/>
+              </a:endParaRPr>
             </a:p>
           </p:txBody>
         </p:sp>
@@ -7437,10 +14039,10 @@
           </p:nvGrpSpPr>
           <p:grpSpPr>
             <a:xfrm>
-              <a:off x="3018210" y="1086585"/>
-              <a:ext cx="380232" cy="1103113"/>
-              <a:chOff x="3018210" y="997685"/>
-              <a:chExt cx="380232" cy="1103113"/>
+              <a:off x="3025423" y="1067535"/>
+              <a:ext cx="365806" cy="1118501"/>
+              <a:chOff x="3025423" y="997685"/>
+              <a:chExt cx="365806" cy="1118501"/>
             </a:xfrm>
           </p:grpSpPr>
           <p:sp>
@@ -7457,8 +14059,8 @@
             </p:nvSpPr>
             <p:spPr>
               <a:xfrm>
-                <a:off x="3018210" y="997685"/>
-                <a:ext cx="380232" cy="384721"/>
+                <a:off x="3025423" y="997685"/>
+                <a:ext cx="365806" cy="430887"/>
               </a:xfrm>
               <a:prstGeom prst="rect">
                 <a:avLst/>
@@ -7473,14 +14075,14 @@
               <a:p>
                 <a:pPr algn="ctr"/>
                 <a:r>
-                  <a:rPr lang="en-US" sz="800" dirty="0">
+                  <a:rPr lang="en-US" sz="900" dirty="0">
                     <a:solidFill>
                       <a:schemeClr val="tx1">
                         <a:lumMod val="50000"/>
                         <a:lumOff val="50000"/>
                       </a:schemeClr>
                     </a:solidFill>
-                    <a:latin typeface="Times New Roman" panose="02020603050405020304" pitchFamily="18" charset="0"/>
+                    <a:latin typeface="Arial Nova Cond Light" panose="020B0306020202020204" pitchFamily="34" charset="0"/>
                     <a:cs typeface="Times New Roman" panose="02020603050405020304" pitchFamily="18" charset="0"/>
                   </a:rPr>
                   <a:t>RCP</a:t>
@@ -7488,28 +14090,28 @@
               </a:p>
               <a:p>
                 <a:pPr algn="ctr"/>
-                <a:endParaRPr lang="en-US" sz="300" dirty="0">
+                <a:endParaRPr lang="en-US" sz="400" dirty="0">
                   <a:solidFill>
                     <a:schemeClr val="tx1">
                       <a:lumMod val="50000"/>
                       <a:lumOff val="50000"/>
                     </a:schemeClr>
                   </a:solidFill>
-                  <a:latin typeface="Times New Roman" panose="02020603050405020304" pitchFamily="18" charset="0"/>
+                  <a:latin typeface="Arial Nova Cond Light" panose="020B0306020202020204" pitchFamily="34" charset="0"/>
                   <a:cs typeface="Times New Roman" panose="02020603050405020304" pitchFamily="18" charset="0"/>
                 </a:endParaRPr>
               </a:p>
               <a:p>
                 <a:pPr algn="ctr"/>
                 <a:r>
-                  <a:rPr lang="en-US" sz="800" dirty="0">
+                  <a:rPr lang="en-US" sz="900" dirty="0">
                     <a:solidFill>
                       <a:schemeClr val="tx1">
                         <a:lumMod val="50000"/>
                         <a:lumOff val="50000"/>
                       </a:schemeClr>
                     </a:solidFill>
-                    <a:latin typeface="Times New Roman" panose="02020603050405020304" pitchFamily="18" charset="0"/>
+                    <a:latin typeface="Arial Nova Cond Light" panose="020B0306020202020204" pitchFamily="34" charset="0"/>
                     <a:cs typeface="Times New Roman" panose="02020603050405020304" pitchFamily="18" charset="0"/>
                   </a:rPr>
                   <a:t>8.5</a:t>
@@ -7531,8 +14133,8 @@
             </p:nvSpPr>
             <p:spPr>
               <a:xfrm>
-                <a:off x="3047346" y="1423090"/>
-                <a:ext cx="312907" cy="215444"/>
+                <a:off x="3047347" y="1423090"/>
+                <a:ext cx="312906" cy="230832"/>
               </a:xfrm>
               <a:prstGeom prst="rect">
                 <a:avLst/>
@@ -7547,14 +14149,14 @@
               <a:p>
                 <a:pPr algn="ctr"/>
                 <a:r>
-                  <a:rPr lang="en-US" sz="800" dirty="0">
+                  <a:rPr lang="en-US" sz="900" dirty="0">
                     <a:solidFill>
                       <a:schemeClr val="tx1">
                         <a:lumMod val="50000"/>
                         <a:lumOff val="50000"/>
                       </a:schemeClr>
                     </a:solidFill>
-                    <a:latin typeface="Times New Roman" panose="02020603050405020304" pitchFamily="18" charset="0"/>
+                    <a:latin typeface="Arial Nova Cond Light" panose="020B0306020202020204" pitchFamily="34" charset="0"/>
                     <a:cs typeface="Times New Roman" panose="02020603050405020304" pitchFamily="18" charset="0"/>
                   </a:rPr>
                   <a:t>6.0</a:t>
@@ -7576,8 +14178,8 @@
             </p:nvSpPr>
             <p:spPr>
               <a:xfrm>
-                <a:off x="3058001" y="1650119"/>
-                <a:ext cx="312907" cy="215444"/>
+                <a:off x="3058002" y="1650119"/>
+                <a:ext cx="312906" cy="230832"/>
               </a:xfrm>
               <a:prstGeom prst="rect">
                 <a:avLst/>
@@ -7592,14 +14194,14 @@
               <a:p>
                 <a:pPr algn="ctr"/>
                 <a:r>
-                  <a:rPr lang="en-US" sz="800" dirty="0">
+                  <a:rPr lang="en-US" sz="900" dirty="0">
                     <a:solidFill>
                       <a:schemeClr val="tx1">
                         <a:lumMod val="50000"/>
                         <a:lumOff val="50000"/>
                       </a:schemeClr>
                     </a:solidFill>
-                    <a:latin typeface="Times New Roman" panose="02020603050405020304" pitchFamily="18" charset="0"/>
+                    <a:latin typeface="Arial Nova Cond Light" panose="020B0306020202020204" pitchFamily="34" charset="0"/>
                     <a:cs typeface="Times New Roman" panose="02020603050405020304" pitchFamily="18" charset="0"/>
                   </a:rPr>
                   <a:t>4.5</a:t>
@@ -7621,8 +14223,8 @@
             </p:nvSpPr>
             <p:spPr>
               <a:xfrm>
-                <a:off x="3047346" y="1885354"/>
-                <a:ext cx="312907" cy="215444"/>
+                <a:off x="3047347" y="1885354"/>
+                <a:ext cx="312906" cy="230832"/>
               </a:xfrm>
               <a:prstGeom prst="rect">
                 <a:avLst/>
@@ -7637,14 +14239,14 @@
               <a:p>
                 <a:pPr algn="ctr"/>
                 <a:r>
-                  <a:rPr lang="en-US" sz="800" dirty="0">
+                  <a:rPr lang="en-US" sz="900" dirty="0">
                     <a:solidFill>
                       <a:schemeClr val="tx1">
                         <a:lumMod val="50000"/>
                         <a:lumOff val="50000"/>
                       </a:schemeClr>
                     </a:solidFill>
-                    <a:latin typeface="Times New Roman" panose="02020603050405020304" pitchFamily="18" charset="0"/>
+                    <a:latin typeface="Arial Nova Cond Light" panose="020B0306020202020204" pitchFamily="34" charset="0"/>
                     <a:cs typeface="Times New Roman" panose="02020603050405020304" pitchFamily="18" charset="0"/>
                   </a:rPr>
                   <a:t>2.6</a:t>
@@ -7703,7 +14305,9 @@
             <a:lstStyle/>
             <a:p>
               <a:pPr algn="ctr"/>
-              <a:endParaRPr lang="en-US"/>
+              <a:endParaRPr lang="en-US">
+                <a:latin typeface="Arial Nova Cond Light" panose="020B0306020202020204" pitchFamily="34" charset="0"/>
+              </a:endParaRPr>
             </a:p>
           </p:txBody>
         </p:sp>
@@ -7757,7 +14361,9 @@
             <a:lstStyle/>
             <a:p>
               <a:pPr algn="ctr"/>
-              <a:endParaRPr lang="en-US"/>
+              <a:endParaRPr lang="en-US">
+                <a:latin typeface="Arial Nova Cond Light" panose="020B0306020202020204" pitchFamily="34" charset="0"/>
+              </a:endParaRPr>
             </a:p>
           </p:txBody>
         </p:sp>
@@ -7811,7 +14417,9 @@
             <a:lstStyle/>
             <a:p>
               <a:pPr algn="ctr"/>
-              <a:endParaRPr lang="en-US"/>
+              <a:endParaRPr lang="en-US">
+                <a:latin typeface="Arial Nova Cond Light" panose="020B0306020202020204" pitchFamily="34" charset="0"/>
+              </a:endParaRPr>
             </a:p>
           </p:txBody>
         </p:sp>
@@ -7829,10 +14437,10 @@
           </p:nvGrpSpPr>
           <p:grpSpPr>
             <a:xfrm rot="457717">
-              <a:off x="9352973" y="1114706"/>
-              <a:ext cx="380232" cy="1103113"/>
-              <a:chOff x="3018210" y="997685"/>
-              <a:chExt cx="380232" cy="1103113"/>
+              <a:off x="9361208" y="1091692"/>
+              <a:ext cx="365806" cy="1133889"/>
+              <a:chOff x="3025423" y="974603"/>
+              <a:chExt cx="365806" cy="1133889"/>
             </a:xfrm>
           </p:grpSpPr>
           <p:sp>
@@ -7849,8 +14457,8 @@
             </p:nvSpPr>
             <p:spPr>
               <a:xfrm>
-                <a:off x="3018210" y="997685"/>
-                <a:ext cx="380232" cy="384721"/>
+                <a:off x="3025423" y="974603"/>
+                <a:ext cx="365806" cy="430887"/>
               </a:xfrm>
               <a:prstGeom prst="rect">
                 <a:avLst/>
@@ -7865,14 +14473,14 @@
               <a:p>
                 <a:pPr algn="ctr"/>
                 <a:r>
-                  <a:rPr lang="en-US" sz="800" dirty="0">
+                  <a:rPr lang="en-US" sz="900" dirty="0">
                     <a:solidFill>
                       <a:schemeClr val="tx1">
                         <a:lumMod val="50000"/>
                         <a:lumOff val="50000"/>
                       </a:schemeClr>
                     </a:solidFill>
-                    <a:latin typeface="Times New Roman" panose="02020603050405020304" pitchFamily="18" charset="0"/>
+                    <a:latin typeface="Arial Nova Cond Light" panose="020B0306020202020204" pitchFamily="34" charset="0"/>
                     <a:cs typeface="Times New Roman" panose="02020603050405020304" pitchFamily="18" charset="0"/>
                   </a:rPr>
                   <a:t>RCP</a:t>
@@ -7880,28 +14488,28 @@
               </a:p>
               <a:p>
                 <a:pPr algn="ctr"/>
-                <a:endParaRPr lang="en-US" sz="300" dirty="0">
+                <a:endParaRPr lang="en-US" sz="400" dirty="0">
                   <a:solidFill>
                     <a:schemeClr val="tx1">
                       <a:lumMod val="50000"/>
                       <a:lumOff val="50000"/>
                     </a:schemeClr>
                   </a:solidFill>
-                  <a:latin typeface="Times New Roman" panose="02020603050405020304" pitchFamily="18" charset="0"/>
+                  <a:latin typeface="Arial Nova Cond Light" panose="020B0306020202020204" pitchFamily="34" charset="0"/>
                   <a:cs typeface="Times New Roman" panose="02020603050405020304" pitchFamily="18" charset="0"/>
                 </a:endParaRPr>
               </a:p>
               <a:p>
                 <a:pPr algn="ctr"/>
                 <a:r>
-                  <a:rPr lang="en-US" sz="800" dirty="0">
+                  <a:rPr lang="en-US" sz="900" dirty="0">
                     <a:solidFill>
                       <a:schemeClr val="tx1">
                         <a:lumMod val="50000"/>
                         <a:lumOff val="50000"/>
                       </a:schemeClr>
                     </a:solidFill>
-                    <a:latin typeface="Times New Roman" panose="02020603050405020304" pitchFamily="18" charset="0"/>
+                    <a:latin typeface="Arial Nova Cond Light" panose="020B0306020202020204" pitchFamily="34" charset="0"/>
                     <a:cs typeface="Times New Roman" panose="02020603050405020304" pitchFamily="18" charset="0"/>
                   </a:rPr>
                   <a:t>8.5</a:t>
@@ -7923,8 +14531,8 @@
             </p:nvSpPr>
             <p:spPr>
               <a:xfrm>
-                <a:off x="3047346" y="1423090"/>
-                <a:ext cx="312907" cy="215444"/>
+                <a:off x="3047347" y="1415396"/>
+                <a:ext cx="312906" cy="230832"/>
               </a:xfrm>
               <a:prstGeom prst="rect">
                 <a:avLst/>
@@ -7939,14 +14547,14 @@
               <a:p>
                 <a:pPr algn="ctr"/>
                 <a:r>
-                  <a:rPr lang="en-US" sz="800" dirty="0">
+                  <a:rPr lang="en-US" sz="900" dirty="0">
                     <a:solidFill>
                       <a:schemeClr val="tx1">
                         <a:lumMod val="50000"/>
                         <a:lumOff val="50000"/>
                       </a:schemeClr>
                     </a:solidFill>
-                    <a:latin typeface="Times New Roman" panose="02020603050405020304" pitchFamily="18" charset="0"/>
+                    <a:latin typeface="Arial Nova Cond Light" panose="020B0306020202020204" pitchFamily="34" charset="0"/>
                     <a:cs typeface="Times New Roman" panose="02020603050405020304" pitchFamily="18" charset="0"/>
                   </a:rPr>
                   <a:t>6.0</a:t>
@@ -7968,8 +14576,8 @@
             </p:nvSpPr>
             <p:spPr>
               <a:xfrm>
-                <a:off x="3058001" y="1650119"/>
-                <a:ext cx="312907" cy="215444"/>
+                <a:off x="3058000" y="1642425"/>
+                <a:ext cx="312906" cy="230832"/>
               </a:xfrm>
               <a:prstGeom prst="rect">
                 <a:avLst/>
@@ -7984,14 +14592,14 @@
               <a:p>
                 <a:pPr algn="ctr"/>
                 <a:r>
-                  <a:rPr lang="en-US" sz="800" dirty="0">
+                  <a:rPr lang="en-US" sz="900" dirty="0">
                     <a:solidFill>
                       <a:schemeClr val="tx1">
                         <a:lumMod val="50000"/>
                         <a:lumOff val="50000"/>
                       </a:schemeClr>
                     </a:solidFill>
-                    <a:latin typeface="Times New Roman" panose="02020603050405020304" pitchFamily="18" charset="0"/>
+                    <a:latin typeface="Arial Nova Cond Light" panose="020B0306020202020204" pitchFamily="34" charset="0"/>
                     <a:cs typeface="Times New Roman" panose="02020603050405020304" pitchFamily="18" charset="0"/>
                   </a:rPr>
                   <a:t>4.5</a:t>
@@ -8013,8 +14621,8 @@
             </p:nvSpPr>
             <p:spPr>
               <a:xfrm>
-                <a:off x="3047346" y="1885354"/>
-                <a:ext cx="312907" cy="215444"/>
+                <a:off x="3047347" y="1877660"/>
+                <a:ext cx="312906" cy="230832"/>
               </a:xfrm>
               <a:prstGeom prst="rect">
                 <a:avLst/>
@@ -8029,14 +14637,14 @@
               <a:p>
                 <a:pPr algn="ctr"/>
                 <a:r>
-                  <a:rPr lang="en-US" sz="800" dirty="0">
+                  <a:rPr lang="en-US" sz="900" dirty="0">
                     <a:solidFill>
                       <a:schemeClr val="tx1">
                         <a:lumMod val="50000"/>
                         <a:lumOff val="50000"/>
                       </a:schemeClr>
                     </a:solidFill>
-                    <a:latin typeface="Times New Roman" panose="02020603050405020304" pitchFamily="18" charset="0"/>
+                    <a:latin typeface="Arial Nova Cond Light" panose="020B0306020202020204" pitchFamily="34" charset="0"/>
                     <a:cs typeface="Times New Roman" panose="02020603050405020304" pitchFamily="18" charset="0"/>
                   </a:rPr>
                   <a:t>2.6</a:t>
@@ -8060,9 +14668,9 @@
           <p:grpSpPr>
             <a:xfrm>
               <a:off x="8053431" y="2610344"/>
-              <a:ext cx="2125717" cy="1418916"/>
+              <a:ext cx="2125717" cy="1444795"/>
               <a:chOff x="8053431" y="2610344"/>
-              <a:chExt cx="2125717" cy="1418916"/>
+              <a:chExt cx="2125717" cy="1444795"/>
             </a:xfrm>
           </p:grpSpPr>
           <p:grpSp>
@@ -8169,7 +14777,9 @@
                 <a:lstStyle/>
                 <a:p>
                   <a:pPr algn="ctr"/>
-                  <a:endParaRPr lang="en-US"/>
+                  <a:endParaRPr lang="en-US">
+                    <a:latin typeface="Arial Nova Cond Light" panose="020B0306020202020204" pitchFamily="34" charset="0"/>
+                  </a:endParaRPr>
                 </a:p>
               </p:txBody>
             </p:sp>
@@ -8188,8 +14798,8 @@
             </p:nvSpPr>
             <p:spPr>
               <a:xfrm>
-                <a:off x="8656046" y="3716585"/>
-                <a:ext cx="1154483" cy="276999"/>
+                <a:off x="8609559" y="3716585"/>
+                <a:ext cx="1247457" cy="338554"/>
               </a:xfrm>
               <a:prstGeom prst="rect">
                 <a:avLst/>
@@ -8204,8 +14814,8 @@
               <a:p>
                 <a:pPr algn="ctr"/>
                 <a:r>
-                  <a:rPr lang="en-US" sz="1200" dirty="0">
-                    <a:latin typeface="Segoe Print" panose="02000600000000000000" pitchFamily="2" charset="0"/>
+                  <a:rPr lang="en-US" sz="1600" dirty="0">
+                    <a:latin typeface="Baguet Script" panose="00000500000000000000" pitchFamily="2" charset="0"/>
                   </a:rPr>
                   <a:t>Striped Bass</a:t>
                 </a:r>
@@ -8215,10 +14825,10 @@
         </p:grpSp>
         <p:sp>
           <p:nvSpPr>
-            <p:cNvPr id="150" name="TextBox 149">
+            <p:cNvPr id="45" name="TextBox 44">
               <a:extLst>
                 <a:ext uri="{FF2B5EF4-FFF2-40B4-BE49-F238E27FC236}">
-                  <a16:creationId xmlns:a16="http://schemas.microsoft.com/office/drawing/2014/main" id="{557F984C-E483-ACDC-480F-30CA1F44B8F7}"/>
+                  <a16:creationId xmlns:a16="http://schemas.microsoft.com/office/drawing/2014/main" id="{12B6A50C-C0A7-A3A2-2A3B-5B6FD9C0EFD2}"/>
                 </a:ext>
               </a:extLst>
             </p:cNvPr>
@@ -8227,8 +14837,8 @@
           </p:nvSpPr>
           <p:spPr>
             <a:xfrm>
-              <a:off x="5534686" y="4669124"/>
-              <a:ext cx="3125497" cy="1631216"/>
+              <a:off x="6254745" y="4226717"/>
+              <a:ext cx="3212925" cy="1615827"/>
             </a:xfrm>
             <a:prstGeom prst="rect">
               <a:avLst/>
@@ -8239,27 +14849,21 @@
             <a:bodyPr wrap="square" rtlCol="0">
               <a:spAutoFit/>
             </a:bodyPr>
-            <a:lstStyle>
-              <a:defPPr>
-                <a:defRPr lang="en-US"/>
-              </a:defPPr>
-              <a:lvl1pPr>
-                <a:defRPr sz="1000">
-                  <a:latin typeface="Times New Roman" panose="02020603050405020304" pitchFamily="18" charset="0"/>
+            <a:lstStyle/>
+            <a:p>
+              <a:r>
+                <a:rPr lang="en-US" sz="1100" dirty="0">
+                  <a:latin typeface="Arial Nova Cond Light" panose="020B0306020202020204" pitchFamily="34" charset="0"/>
                   <a:cs typeface="Times New Roman" panose="02020603050405020304" pitchFamily="18" charset="0"/>
-                </a:defRPr>
-              </a:lvl1pPr>
-            </a:lstStyle>
+                </a:rPr>
+                <a:t>HOW TO READ THE PLOT</a:t>
+              </a:r>
+            </a:p>
             <a:p>
-              <a:pPr>
-                <a:spcAft>
-                  <a:spcPts val="600"/>
-                </a:spcAft>
-              </a:pPr>
-              <a:r>
-                <a:rPr lang="en-US" sz="900" dirty="0"/>
-                <a:t>The American Shad and the Striped Bass are migratory species needing both freshwater and marine habitats to complete their life cycle. This makes them particularly vulnerable to human activities. Native and Colonial Americans fished them for sustenance, smoked the flesh, and ate the roe as a delicacy. </a:t>
-              </a:r>
+              <a:endParaRPr lang="en-US" sz="1100" dirty="0">
+                <a:latin typeface="Arial Nova Cond Light" panose="020B0306020202020204" pitchFamily="34" charset="0"/>
+                <a:cs typeface="Times New Roman" panose="02020603050405020304" pitchFamily="18" charset="0"/>
+              </a:endParaRPr>
             </a:p>
             <a:p>
               <a:pPr>
@@ -8268,21 +14872,64 @@
                 </a:spcAft>
               </a:pPr>
               <a:r>
-                <a:rPr lang="en-US" sz="900" dirty="0"/>
-                <a:t>The Hudson River Shad has declined in stock so much that all its fisheries were closed in 2010. The Striped Bass, while declining in relative abundance, still remains the most important game fish in the Hudson River.</a:t>
+                <a:rPr lang="en-US" sz="1100" dirty="0">
+                  <a:latin typeface="Arial Nova Cond Light" panose="020B0306020202020204" pitchFamily="34" charset="0"/>
+                  <a:cs typeface="Times New Roman" panose="02020603050405020304" pitchFamily="18" charset="0"/>
+                </a:rPr>
+                <a:t>The Representative Concentration Pathways (RCP) labeled are future scenarios constructed to represent how well we are able to curb and contain greenhouse gas emissions with RCP 2.6 implementing the most aggressive strategies and RCP 8.5 being  “business-as-usual.” Their position on the y-axis of the plot above is ordered from RCP 2.6 to RCP 8.5 but their distance from the center of the circle is not significant. </a:t>
               </a:r>
-            </a:p>
-            <a:p>
-              <a:endParaRPr lang="en-US" sz="900" dirty="0"/>
             </a:p>
           </p:txBody>
         </p:sp>
+        <p:cxnSp>
+          <p:nvCxnSpPr>
+            <p:cNvPr id="47" name="Straight Connector 46">
+              <a:extLst>
+                <a:ext uri="{FF2B5EF4-FFF2-40B4-BE49-F238E27FC236}">
+                  <a16:creationId xmlns:a16="http://schemas.microsoft.com/office/drawing/2014/main" id="{2DB6AFBC-11B1-7124-2E0F-265533A64AF6}"/>
+                </a:ext>
+              </a:extLst>
+            </p:cNvPr>
+            <p:cNvCxnSpPr>
+              <a:cxnSpLocks/>
+            </p:cNvCxnSpPr>
+            <p:nvPr/>
+          </p:nvCxnSpPr>
+          <p:spPr>
+            <a:xfrm>
+              <a:off x="6356350" y="4487822"/>
+              <a:ext cx="5513444" cy="0"/>
+            </a:xfrm>
+            <a:prstGeom prst="line">
+              <a:avLst/>
+            </a:prstGeom>
+            <a:ln>
+              <a:solidFill>
+                <a:schemeClr val="tx1"/>
+              </a:solidFill>
+            </a:ln>
+          </p:spPr>
+          <p:style>
+            <a:lnRef idx="1">
+              <a:schemeClr val="accent1"/>
+            </a:lnRef>
+            <a:fillRef idx="0">
+              <a:schemeClr val="accent1"/>
+            </a:fillRef>
+            <a:effectRef idx="0">
+              <a:schemeClr val="accent1"/>
+            </a:effectRef>
+            <a:fontRef idx="minor">
+              <a:schemeClr val="tx1"/>
+            </a:fontRef>
+          </p:style>
+        </p:cxnSp>
         <p:grpSp>
           <p:nvGrpSpPr>
-            <p:cNvPr id="153" name="Group 152">
+            <p:cNvPr id="48" name="Group 47">
               <a:extLst>
                 <a:ext uri="{FF2B5EF4-FFF2-40B4-BE49-F238E27FC236}">
-                  <a16:creationId xmlns:a16="http://schemas.microsoft.com/office/drawing/2014/main" id="{DDC91789-0B70-C514-97C2-E754026B8262}"/>
+                  <a16:creationId xmlns:a16="http://schemas.microsoft.com/office/drawing/2014/main" id="{6F8F5552-1858-EA35-8C66-945C80A65F93}"/>
                 </a:ext>
               </a:extLst>
             </p:cNvPr>
@@ -8291,18 +14938,266 @@
           </p:nvGrpSpPr>
           <p:grpSpPr>
             <a:xfrm>
-              <a:off x="8756977" y="4398167"/>
-              <a:ext cx="3160340" cy="1692772"/>
-              <a:chOff x="6055724" y="4214016"/>
-              <a:chExt cx="5861593" cy="1060730"/>
+              <a:off x="9828235" y="4681734"/>
+              <a:ext cx="1882232" cy="416912"/>
+              <a:chOff x="5063543" y="921924"/>
+              <a:chExt cx="1882232" cy="316678"/>
             </a:xfrm>
           </p:grpSpPr>
+          <p:grpSp>
+            <p:nvGrpSpPr>
+              <p:cNvPr id="51" name="Group 50">
+                <a:extLst>
+                  <a:ext uri="{FF2B5EF4-FFF2-40B4-BE49-F238E27FC236}">
+                    <a16:creationId xmlns:a16="http://schemas.microsoft.com/office/drawing/2014/main" id="{FE249A97-C380-F3FD-FDA4-5FD49C7F2982}"/>
+                  </a:ext>
+                </a:extLst>
+              </p:cNvPr>
+              <p:cNvGrpSpPr/>
+              <p:nvPr/>
+            </p:nvGrpSpPr>
+            <p:grpSpPr>
+              <a:xfrm>
+                <a:off x="5101965" y="921924"/>
+                <a:ext cx="1774665" cy="316678"/>
+                <a:chOff x="5101965" y="921924"/>
+                <a:chExt cx="1774665" cy="316678"/>
+              </a:xfrm>
+            </p:grpSpPr>
+            <p:grpSp>
+              <p:nvGrpSpPr>
+                <p:cNvPr id="54" name="Group 53">
+                  <a:extLst>
+                    <a:ext uri="{FF2B5EF4-FFF2-40B4-BE49-F238E27FC236}">
+                      <a16:creationId xmlns:a16="http://schemas.microsoft.com/office/drawing/2014/main" id="{47611393-F909-B617-8B29-545CB26DCFCF}"/>
+                    </a:ext>
+                  </a:extLst>
+                </p:cNvPr>
+                <p:cNvGrpSpPr/>
+                <p:nvPr/>
+              </p:nvGrpSpPr>
+              <p:grpSpPr>
+                <a:xfrm rot="16200000">
+                  <a:off x="5833336" y="193802"/>
+                  <a:ext cx="312907" cy="1773681"/>
+                  <a:chOff x="5939799" y="1258112"/>
+                  <a:chExt cx="312907" cy="1419669"/>
+                </a:xfrm>
+              </p:grpSpPr>
+              <p:sp>
+                <p:nvSpPr>
+                  <p:cNvPr id="57" name="Rectangle 56">
+                    <a:extLst>
+                      <a:ext uri="{FF2B5EF4-FFF2-40B4-BE49-F238E27FC236}">
+                        <a16:creationId xmlns:a16="http://schemas.microsoft.com/office/drawing/2014/main" id="{351D1D00-96F7-AA0C-772D-1585F447FF73}"/>
+                      </a:ext>
+                    </a:extLst>
+                  </p:cNvPr>
+                  <p:cNvSpPr/>
+                  <p:nvPr/>
+                </p:nvSpPr>
+                <p:spPr>
+                  <a:xfrm>
+                    <a:off x="5939799" y="1258112"/>
+                    <a:ext cx="312907" cy="1419306"/>
+                  </a:xfrm>
+                  <a:prstGeom prst="rect">
+                    <a:avLst/>
+                  </a:prstGeom>
+                  <a:solidFill>
+                    <a:srgbClr val="D2C6E1"/>
+                  </a:solidFill>
+                  <a:ln w="3175">
+                    <a:solidFill>
+                      <a:srgbClr val="D2C6E1"/>
+                    </a:solidFill>
+                  </a:ln>
+                </p:spPr>
+                <p:style>
+                  <a:lnRef idx="2">
+                    <a:schemeClr val="accent1">
+                      <a:shade val="50000"/>
+                    </a:schemeClr>
+                  </a:lnRef>
+                  <a:fillRef idx="1">
+                    <a:schemeClr val="accent1"/>
+                  </a:fillRef>
+                  <a:effectRef idx="0">
+                    <a:schemeClr val="accent1"/>
+                  </a:effectRef>
+                  <a:fontRef idx="minor">
+                    <a:schemeClr val="lt1"/>
+                  </a:fontRef>
+                </p:style>
+                <p:txBody>
+                  <a:bodyPr rtlCol="0" anchor="ctr"/>
+                  <a:lstStyle/>
+                  <a:p>
+                    <a:pPr algn="ctr"/>
+                    <a:endParaRPr lang="en-US">
+                      <a:solidFill>
+                        <a:schemeClr val="bg1">
+                          <a:lumMod val="50000"/>
+                        </a:schemeClr>
+                      </a:solidFill>
+                      <a:latin typeface="Arial Nova Cond Light" panose="020B0306020202020204" pitchFamily="34" charset="0"/>
+                    </a:endParaRPr>
+                  </a:p>
+                </p:txBody>
+              </p:sp>
+              <p:sp>
+                <p:nvSpPr>
+                  <p:cNvPr id="58" name="Rectangle 57">
+                    <a:extLst>
+                      <a:ext uri="{FF2B5EF4-FFF2-40B4-BE49-F238E27FC236}">
+                        <a16:creationId xmlns:a16="http://schemas.microsoft.com/office/drawing/2014/main" id="{E2E61A04-C16F-87F3-537C-3FF415F6BDB2}"/>
+                      </a:ext>
+                    </a:extLst>
+                  </p:cNvPr>
+                  <p:cNvSpPr/>
+                  <p:nvPr/>
+                </p:nvSpPr>
+                <p:spPr>
+                  <a:xfrm>
+                    <a:off x="5974916" y="1891837"/>
+                    <a:ext cx="235998" cy="785944"/>
+                  </a:xfrm>
+                  <a:prstGeom prst="rect">
+                    <a:avLst/>
+                  </a:prstGeom>
+                  <a:solidFill>
+                    <a:srgbClr val="FAF6FE"/>
+                  </a:solidFill>
+                  <a:ln>
+                    <a:noFill/>
+                  </a:ln>
+                </p:spPr>
+                <p:style>
+                  <a:lnRef idx="2">
+                    <a:schemeClr val="accent1">
+                      <a:shade val="50000"/>
+                    </a:schemeClr>
+                  </a:lnRef>
+                  <a:fillRef idx="1">
+                    <a:schemeClr val="accent1"/>
+                  </a:fillRef>
+                  <a:effectRef idx="0">
+                    <a:schemeClr val="accent1"/>
+                  </a:effectRef>
+                  <a:fontRef idx="minor">
+                    <a:schemeClr val="lt1"/>
+                  </a:fontRef>
+                </p:style>
+                <p:txBody>
+                  <a:bodyPr rtlCol="0" anchor="ctr"/>
+                  <a:lstStyle/>
+                  <a:p>
+                    <a:pPr algn="ctr"/>
+                    <a:endParaRPr lang="en-US" dirty="0">
+                      <a:solidFill>
+                        <a:schemeClr val="bg1">
+                          <a:lumMod val="50000"/>
+                        </a:schemeClr>
+                      </a:solidFill>
+                      <a:latin typeface="Arial Nova Cond Light" panose="020B0306020202020204" pitchFamily="34" charset="0"/>
+                    </a:endParaRPr>
+                  </a:p>
+                </p:txBody>
+              </p:sp>
+            </p:grpSp>
+            <p:cxnSp>
+              <p:nvCxnSpPr>
+                <p:cNvPr id="55" name="Straight Connector 54">
+                  <a:extLst>
+                    <a:ext uri="{FF2B5EF4-FFF2-40B4-BE49-F238E27FC236}">
+                      <a16:creationId xmlns:a16="http://schemas.microsoft.com/office/drawing/2014/main" id="{050612F3-F437-0AF5-AA6D-6F468E1CA894}"/>
+                    </a:ext>
+                  </a:extLst>
+                </p:cNvPr>
+                <p:cNvCxnSpPr/>
+                <p:nvPr/>
+              </p:nvCxnSpPr>
+              <p:spPr>
+                <a:xfrm>
+                  <a:off x="5102948" y="921924"/>
+                  <a:ext cx="1773227" cy="0"/>
+                </a:xfrm>
+                <a:prstGeom prst="line">
+                  <a:avLst/>
+                </a:prstGeom>
+                <a:ln w="9525">
+                  <a:solidFill>
+                    <a:schemeClr val="bg1">
+                      <a:lumMod val="50000"/>
+                    </a:schemeClr>
+                  </a:solidFill>
+                </a:ln>
+              </p:spPr>
+              <p:style>
+                <a:lnRef idx="1">
+                  <a:schemeClr val="accent1"/>
+                </a:lnRef>
+                <a:fillRef idx="0">
+                  <a:schemeClr val="accent1"/>
+                </a:fillRef>
+                <a:effectRef idx="0">
+                  <a:schemeClr val="accent1"/>
+                </a:effectRef>
+                <a:fontRef idx="minor">
+                  <a:schemeClr val="tx1"/>
+                </a:fontRef>
+              </p:style>
+            </p:cxnSp>
+            <p:cxnSp>
+              <p:nvCxnSpPr>
+                <p:cNvPr id="56" name="Straight Connector 55">
+                  <a:extLst>
+                    <a:ext uri="{FF2B5EF4-FFF2-40B4-BE49-F238E27FC236}">
+                      <a16:creationId xmlns:a16="http://schemas.microsoft.com/office/drawing/2014/main" id="{985245FF-11DA-2B0C-6D55-36FE4EDFB12A}"/>
+                    </a:ext>
+                  </a:extLst>
+                </p:cNvPr>
+                <p:cNvCxnSpPr/>
+                <p:nvPr/>
+              </p:nvCxnSpPr>
+              <p:spPr>
+                <a:xfrm>
+                  <a:off x="5101965" y="1238602"/>
+                  <a:ext cx="1773227" cy="0"/>
+                </a:xfrm>
+                <a:prstGeom prst="line">
+                  <a:avLst/>
+                </a:prstGeom>
+                <a:ln w="9525">
+                  <a:solidFill>
+                    <a:schemeClr val="bg1">
+                      <a:lumMod val="50000"/>
+                    </a:schemeClr>
+                  </a:solidFill>
+                </a:ln>
+              </p:spPr>
+              <p:style>
+                <a:lnRef idx="1">
+                  <a:schemeClr val="accent1"/>
+                </a:lnRef>
+                <a:fillRef idx="0">
+                  <a:schemeClr val="accent1"/>
+                </a:fillRef>
+                <a:effectRef idx="0">
+                  <a:schemeClr val="accent1"/>
+                </a:effectRef>
+                <a:fontRef idx="minor">
+                  <a:schemeClr val="tx1"/>
+                </a:fontRef>
+              </p:style>
+            </p:cxnSp>
+          </p:grpSp>
           <p:sp>
             <p:nvSpPr>
-              <p:cNvPr id="110" name="TextBox 109">
+              <p:cNvPr id="52" name="TextBox 51">
                 <a:extLst>
                   <a:ext uri="{FF2B5EF4-FFF2-40B4-BE49-F238E27FC236}">
-                    <a16:creationId xmlns:a16="http://schemas.microsoft.com/office/drawing/2014/main" id="{F9664226-E875-1805-201D-4F823ECC3451}"/>
+                    <a16:creationId xmlns:a16="http://schemas.microsoft.com/office/drawing/2014/main" id="{A8B2F5B7-32F2-5956-89F6-ED6E67C8AE16}"/>
                   </a:ext>
                 </a:extLst>
               </p:cNvPr>
@@ -8311,8 +15206,8 @@
             </p:nvSpPr>
             <p:spPr>
               <a:xfrm>
-                <a:off x="6055724" y="4214016"/>
-                <a:ext cx="5861593" cy="1060730"/>
+                <a:off x="5063543" y="926358"/>
+                <a:ext cx="468398" cy="303916"/>
               </a:xfrm>
               <a:prstGeom prst="rect">
                 <a:avLst/>
@@ -8320,102 +15215,200 @@
               <a:noFill/>
             </p:spPr>
             <p:txBody>
-              <a:bodyPr wrap="square" rtlCol="0">
+              <a:bodyPr wrap="none" rtlCol="0" anchor="ctr">
                 <a:spAutoFit/>
               </a:bodyPr>
               <a:lstStyle/>
               <a:p>
                 <a:r>
-                  <a:rPr lang="en-US" sz="900" dirty="0">
-                    <a:latin typeface="Times New Roman" panose="02020603050405020304" pitchFamily="18" charset="0"/>
+                  <a:rPr lang="en-US" sz="1000" dirty="0">
+                    <a:solidFill>
+                      <a:schemeClr val="bg1">
+                        <a:lumMod val="50000"/>
+                      </a:schemeClr>
+                    </a:solidFill>
+                    <a:latin typeface="Arial Nova Cond Light" panose="020B0306020202020204" pitchFamily="34" charset="0"/>
                     <a:cs typeface="Times New Roman" panose="02020603050405020304" pitchFamily="18" charset="0"/>
                   </a:rPr>
-                  <a:t>HOW TO READ THE PLOT</a:t>
+                  <a:t>Full </a:t>
                 </a:r>
               </a:p>
               <a:p>
-                <a:endParaRPr lang="en-US" sz="900" dirty="0">
-                  <a:latin typeface="Times New Roman" panose="02020603050405020304" pitchFamily="18" charset="0"/>
-                  <a:cs typeface="Times New Roman" panose="02020603050405020304" pitchFamily="18" charset="0"/>
-                </a:endParaRPr>
-              </a:p>
-              <a:p>
-                <a:pPr>
-                  <a:spcAft>
-                    <a:spcPts val="600"/>
-                  </a:spcAft>
-                </a:pPr>
                 <a:r>
-                  <a:rPr lang="en-US" sz="900" dirty="0">
-                    <a:latin typeface="Times New Roman" panose="02020603050405020304" pitchFamily="18" charset="0"/>
+                  <a:rPr lang="en-US" sz="1000" dirty="0">
+                    <a:solidFill>
+                      <a:schemeClr val="bg1">
+                        <a:lumMod val="50000"/>
+                      </a:schemeClr>
+                    </a:solidFill>
+                    <a:latin typeface="Arial Nova Cond Light" panose="020B0306020202020204" pitchFamily="34" charset="0"/>
                     <a:cs typeface="Times New Roman" panose="02020603050405020304" pitchFamily="18" charset="0"/>
                   </a:rPr>
-                  <a:t>The Representative Concentration Pathways (RCP) labeled are future scenarios constructed to represent how well we are able to curb and contain greenhouse gas emissions with RCP 2.6 implementing the most aggressive strategies and RCP 8.5 being  “business-as-usual.” Their position on the y-axis of the plot above is from least likely (RCP 2.6) to most likely (RCP 8.5) but their distance from the center of the circle is not significant. </a:t>
-                </a:r>
-              </a:p>
-              <a:p>
-                <a:pPr>
-                  <a:spcAft>
-                    <a:spcPts val="600"/>
-                  </a:spcAft>
-                </a:pPr>
-                <a:r>
-                  <a:rPr lang="en-US" sz="900" dirty="0">
-                    <a:latin typeface="Times New Roman" panose="02020603050405020304" pitchFamily="18" charset="0"/>
-                    <a:cs typeface="Times New Roman" panose="02020603050405020304" pitchFamily="18" charset="0"/>
-                  </a:rPr>
-                  <a:t>Historical values come from modeled results (are not directly observed) which is why they differ slightly.</a:t>
+                  <a:t>Range</a:t>
                 </a:r>
               </a:p>
             </p:txBody>
           </p:sp>
-          <p:cxnSp>
-            <p:nvCxnSpPr>
-              <p:cNvPr id="152" name="Straight Connector 151">
+          <p:sp>
+            <p:nvSpPr>
+              <p:cNvPr id="53" name="TextBox 52">
                 <a:extLst>
                   <a:ext uri="{FF2B5EF4-FFF2-40B4-BE49-F238E27FC236}">
-                    <a16:creationId xmlns:a16="http://schemas.microsoft.com/office/drawing/2014/main" id="{35CD4AC8-8C5B-ED83-8F3C-0C9E0C5762AA}"/>
+                    <a16:creationId xmlns:a16="http://schemas.microsoft.com/office/drawing/2014/main" id="{C34EA229-AE73-96C7-5CE2-26E979EE2A9D}"/>
                   </a:ext>
                 </a:extLst>
               </p:cNvPr>
-              <p:cNvCxnSpPr/>
+              <p:cNvSpPr txBox="1"/>
               <p:nvPr/>
-            </p:nvCxnSpPr>
+            </p:nvSpPr>
             <p:spPr>
               <a:xfrm>
-                <a:off x="6127890" y="4349777"/>
-                <a:ext cx="5742595" cy="0"/>
+                <a:off x="6029306" y="926358"/>
+                <a:ext cx="916469" cy="303915"/>
               </a:xfrm>
-              <a:prstGeom prst="line">
+              <a:prstGeom prst="rect">
                 <a:avLst/>
               </a:prstGeom>
-              <a:ln>
-                <a:solidFill>
-                  <a:schemeClr val="tx1"/>
-                </a:solidFill>
-              </a:ln>
+              <a:noFill/>
             </p:spPr>
-            <p:style>
-              <a:lnRef idx="1">
-                <a:schemeClr val="accent1"/>
-              </a:lnRef>
-              <a:fillRef idx="0">
-                <a:schemeClr val="accent1"/>
-              </a:fillRef>
-              <a:effectRef idx="0">
-                <a:schemeClr val="accent1"/>
-              </a:effectRef>
-              <a:fontRef idx="minor">
-                <a:schemeClr val="tx1"/>
-              </a:fontRef>
-            </p:style>
-          </p:cxnSp>
+            <p:txBody>
+              <a:bodyPr wrap="none" rtlCol="0" anchor="ctr">
+                <a:spAutoFit/>
+              </a:bodyPr>
+              <a:lstStyle/>
+              <a:p>
+                <a:pPr algn="r"/>
+                <a:r>
+                  <a:rPr lang="en-US" sz="1000" dirty="0">
+                    <a:solidFill>
+                      <a:schemeClr val="bg1">
+                        <a:lumMod val="50000"/>
+                      </a:schemeClr>
+                    </a:solidFill>
+                    <a:latin typeface="Arial Nova Cond Light" panose="020B0306020202020204" pitchFamily="34" charset="0"/>
+                    <a:cs typeface="Times New Roman" panose="02020603050405020304" pitchFamily="18" charset="0"/>
+                  </a:rPr>
+                  <a:t>Projected </a:t>
+                </a:r>
+              </a:p>
+              <a:p>
+                <a:pPr algn="ctr"/>
+                <a:r>
+                  <a:rPr lang="en-US" sz="1000" dirty="0">
+                    <a:solidFill>
+                      <a:schemeClr val="bg1">
+                        <a:lumMod val="50000"/>
+                      </a:schemeClr>
+                    </a:solidFill>
+                    <a:latin typeface="Arial Nova Cond Light" panose="020B0306020202020204" pitchFamily="34" charset="0"/>
+                    <a:cs typeface="Times New Roman" panose="02020603050405020304" pitchFamily="18" charset="0"/>
+                  </a:rPr>
+                  <a:t>(2012 – 2099)</a:t>
+                </a:r>
+              </a:p>
+            </p:txBody>
+          </p:sp>
         </p:grpSp>
       </p:grpSp>
     </p:spTree>
     <p:extLst>
       <p:ext uri="{BB962C8B-B14F-4D97-AF65-F5344CB8AC3E}">
-        <p14:creationId xmlns:p14="http://schemas.microsoft.com/office/powerpoint/2010/main" val="418821511"/>
+        <p14:creationId xmlns:p14="http://schemas.microsoft.com/office/powerpoint/2010/main" val="912822917"/>
+      </p:ext>
+    </p:extLst>
+  </p:cSld>
+  <p:clrMapOvr>
+    <a:masterClrMapping/>
+  </p:clrMapOvr>
+</p:sld>
+</file>
+
+<file path=ppt/slides/slide4.xml><?xml version="1.0" encoding="utf-8"?>
+<p:sld xmlns:a="http://schemas.openxmlformats.org/drawingml/2006/main" xmlns:r="http://schemas.openxmlformats.org/officeDocument/2006/relationships" xmlns:p="http://schemas.openxmlformats.org/presentationml/2006/main">
+  <p:cSld>
+    <p:spTree>
+      <p:nvGrpSpPr>
+        <p:cNvPr id="1" name=""/>
+        <p:cNvGrpSpPr/>
+        <p:nvPr/>
+      </p:nvGrpSpPr>
+      <p:grpSpPr>
+        <a:xfrm>
+          <a:off x="0" y="0"/>
+          <a:ext cx="0" cy="0"/>
+          <a:chOff x="0" y="0"/>
+          <a:chExt cx="0" cy="0"/>
+        </a:xfrm>
+      </p:grpSpPr>
+      <p:sp>
+        <p:nvSpPr>
+          <p:cNvPr id="2" name="Title 1">
+            <a:extLst>
+              <a:ext uri="{FF2B5EF4-FFF2-40B4-BE49-F238E27FC236}">
+                <a16:creationId xmlns:a16="http://schemas.microsoft.com/office/drawing/2014/main" id="{18435DF6-AC03-A8F7-BBC6-A42F0D367AE8}"/>
+              </a:ext>
+            </a:extLst>
+          </p:cNvPr>
+          <p:cNvSpPr>
+            <a:spLocks noGrp="1"/>
+          </p:cNvSpPr>
+          <p:nvPr>
+            <p:ph type="title"/>
+          </p:nvPr>
+        </p:nvSpPr>
+        <p:spPr/>
+        <p:txBody>
+          <a:bodyPr/>
+          <a:lstStyle/>
+          <a:p>
+            <a:endParaRPr lang="en-US"/>
+          </a:p>
+        </p:txBody>
+      </p:sp>
+      <p:sp>
+        <p:nvSpPr>
+          <p:cNvPr id="3" name="Content Placeholder 2">
+            <a:extLst>
+              <a:ext uri="{FF2B5EF4-FFF2-40B4-BE49-F238E27FC236}">
+                <a16:creationId xmlns:a16="http://schemas.microsoft.com/office/drawing/2014/main" id="{24DFFE79-BB82-61AA-D47E-D5E09ED63557}"/>
+              </a:ext>
+            </a:extLst>
+          </p:cNvPr>
+          <p:cNvSpPr>
+            <a:spLocks noGrp="1"/>
+          </p:cNvSpPr>
+          <p:nvPr>
+            <p:ph idx="1"/>
+          </p:nvPr>
+        </p:nvSpPr>
+        <p:spPr/>
+        <p:txBody>
+          <a:bodyPr/>
+          <a:lstStyle/>
+          <a:p>
+            <a:r>
+              <a:rPr lang="en-US" sz="2800" dirty="0"/>
+              <a:t>Native and Colonial Americans fished them for sustenance, smoked the flesh, and ate the roe as a delicacy.</a:t>
+            </a:r>
+          </a:p>
+          <a:p>
+            <a:endParaRPr lang="en-US" dirty="0"/>
+          </a:p>
+          <a:p>
+            <a:r>
+              <a:rPr lang="en-US" sz="2800" dirty="0"/>
+              <a:t>The American Shad and the Striped Bass are migratory species needing both freshwater and marine habitats to complete their life cycle. This makes them particularly vulnerable to human activities. The Hudson River Shad has declined in stock so much that all its fisheries were closed in 2010. The Striped Bass, while declining in relative abundance, still remains the most important game fish in the Hudson River.</a:t>
+            </a:r>
+          </a:p>
+          <a:p>
+            <a:endParaRPr lang="en-US" dirty="0"/>
+          </a:p>
+        </p:txBody>
+      </p:sp>
+    </p:spTree>
+    <p:extLst>
+      <p:ext uri="{BB962C8B-B14F-4D97-AF65-F5344CB8AC3E}">
+        <p14:creationId xmlns:p14="http://schemas.microsoft.com/office/powerpoint/2010/main" val="1632810605"/>
       </p:ext>
     </p:extLst>
   </p:cSld>
@@ -8718,4 +15711,299 @@
     </a:ext>
   </a:extLst>
 </a:theme>
+</file>
+
+<file path=ppt/theme/theme2.xml><?xml version="1.0" encoding="utf-8"?>
+<a:theme xmlns:a="http://schemas.openxmlformats.org/drawingml/2006/main" name="Office Theme">
+  <a:themeElements>
+    <a:clrScheme name="Office">
+      <a:dk1>
+        <a:sysClr val="windowText" lastClr="000000"/>
+      </a:dk1>
+      <a:lt1>
+        <a:sysClr val="window" lastClr="FFFFFF"/>
+      </a:lt1>
+      <a:dk2>
+        <a:srgbClr val="44546A"/>
+      </a:dk2>
+      <a:lt2>
+        <a:srgbClr val="E7E6E6"/>
+      </a:lt2>
+      <a:accent1>
+        <a:srgbClr val="4472C4"/>
+      </a:accent1>
+      <a:accent2>
+        <a:srgbClr val="ED7D31"/>
+      </a:accent2>
+      <a:accent3>
+        <a:srgbClr val="A5A5A5"/>
+      </a:accent3>
+      <a:accent4>
+        <a:srgbClr val="FFC000"/>
+      </a:accent4>
+      <a:accent5>
+        <a:srgbClr val="5B9BD5"/>
+      </a:accent5>
+      <a:accent6>
+        <a:srgbClr val="70AD47"/>
+      </a:accent6>
+      <a:hlink>
+        <a:srgbClr val="0563C1"/>
+      </a:hlink>
+      <a:folHlink>
+        <a:srgbClr val="954F72"/>
+      </a:folHlink>
+    </a:clrScheme>
+    <a:fontScheme name="Office">
+      <a:majorFont>
+        <a:latin typeface="Calibri Light" panose="020F0302020204030204"/>
+        <a:ea typeface=""/>
+        <a:cs typeface=""/>
+        <a:font script="Jpan" typeface="游ゴシック Light"/>
+        <a:font script="Hang" typeface="맑은 고딕"/>
+        <a:font script="Hans" typeface="等线 Light"/>
+        <a:font script="Hant" typeface="新細明體"/>
+        <a:font script="Arab" typeface="Times New Roman"/>
+        <a:font script="Hebr" typeface="Times New Roman"/>
+        <a:font script="Thai" typeface="Angsana New"/>
+        <a:font script="Ethi" typeface="Nyala"/>
+        <a:font script="Beng" typeface="Vrinda"/>
+        <a:font script="Gujr" typeface="Shruti"/>
+        <a:font script="Khmr" typeface="MoolBoran"/>
+        <a:font script="Knda" typeface="Tunga"/>
+        <a:font script="Guru" typeface="Raavi"/>
+        <a:font script="Cans" typeface="Euphemia"/>
+        <a:font script="Cher" typeface="Plantagenet Cherokee"/>
+        <a:font script="Yiii" typeface="Microsoft Yi Baiti"/>
+        <a:font script="Tibt" typeface="Microsoft Himalaya"/>
+        <a:font script="Thaa" typeface="MV Boli"/>
+        <a:font script="Deva" typeface="Mangal"/>
+        <a:font script="Telu" typeface="Gautami"/>
+        <a:font script="Taml" typeface="Latha"/>
+        <a:font script="Syrc" typeface="Estrangelo Edessa"/>
+        <a:font script="Orya" typeface="Kalinga"/>
+        <a:font script="Mlym" typeface="Kartika"/>
+        <a:font script="Laoo" typeface="DokChampa"/>
+        <a:font script="Sinh" typeface="Iskoola Pota"/>
+        <a:font script="Mong" typeface="Mongolian Baiti"/>
+        <a:font script="Viet" typeface="Times New Roman"/>
+        <a:font script="Uigh" typeface="Microsoft Uighur"/>
+        <a:font script="Geor" typeface="Sylfaen"/>
+        <a:font script="Armn" typeface="Arial"/>
+        <a:font script="Bugi" typeface="Leelawadee UI"/>
+        <a:font script="Bopo" typeface="Microsoft JhengHei"/>
+        <a:font script="Java" typeface="Javanese Text"/>
+        <a:font script="Lisu" typeface="Segoe UI"/>
+        <a:font script="Mymr" typeface="Myanmar Text"/>
+        <a:font script="Nkoo" typeface="Ebrima"/>
+        <a:font script="Olck" typeface="Nirmala UI"/>
+        <a:font script="Osma" typeface="Ebrima"/>
+        <a:font script="Phag" typeface="Phagspa"/>
+        <a:font script="Syrn" typeface="Estrangelo Edessa"/>
+        <a:font script="Syrj" typeface="Estrangelo Edessa"/>
+        <a:font script="Syre" typeface="Estrangelo Edessa"/>
+        <a:font script="Sora" typeface="Nirmala UI"/>
+        <a:font script="Tale" typeface="Microsoft Tai Le"/>
+        <a:font script="Talu" typeface="Microsoft New Tai Lue"/>
+        <a:font script="Tfng" typeface="Ebrima"/>
+      </a:majorFont>
+      <a:minorFont>
+        <a:latin typeface="Calibri" panose="020F0502020204030204"/>
+        <a:ea typeface=""/>
+        <a:cs typeface=""/>
+        <a:font script="Jpan" typeface="游ゴシック"/>
+        <a:font script="Hang" typeface="맑은 고딕"/>
+        <a:font script="Hans" typeface="等线"/>
+        <a:font script="Hant" typeface="新細明體"/>
+        <a:font script="Arab" typeface="Arial"/>
+        <a:font script="Hebr" typeface="Arial"/>
+        <a:font script="Thai" typeface="Cordia New"/>
+        <a:font script="Ethi" typeface="Nyala"/>
+        <a:font script="Beng" typeface="Vrinda"/>
+        <a:font script="Gujr" typeface="Shruti"/>
+        <a:font script="Khmr" typeface="DaunPenh"/>
+        <a:font script="Knda" typeface="Tunga"/>
+        <a:font script="Guru" typeface="Raavi"/>
+        <a:font script="Cans" typeface="Euphemia"/>
+        <a:font script="Cher" typeface="Plantagenet Cherokee"/>
+        <a:font script="Yiii" typeface="Microsoft Yi Baiti"/>
+        <a:font script="Tibt" typeface="Microsoft Himalaya"/>
+        <a:font script="Thaa" typeface="MV Boli"/>
+        <a:font script="Deva" typeface="Mangal"/>
+        <a:font script="Telu" typeface="Gautami"/>
+        <a:font script="Taml" typeface="Latha"/>
+        <a:font script="Syrc" typeface="Estrangelo Edessa"/>
+        <a:font script="Orya" typeface="Kalinga"/>
+        <a:font script="Mlym" typeface="Kartika"/>
+        <a:font script="Laoo" typeface="DokChampa"/>
+        <a:font script="Sinh" typeface="Iskoola Pota"/>
+        <a:font script="Mong" typeface="Mongolian Baiti"/>
+        <a:font script="Viet" typeface="Arial"/>
+        <a:font script="Uigh" typeface="Microsoft Uighur"/>
+        <a:font script="Geor" typeface="Sylfaen"/>
+        <a:font script="Armn" typeface="Arial"/>
+        <a:font script="Bugi" typeface="Leelawadee UI"/>
+        <a:font script="Bopo" typeface="Microsoft JhengHei"/>
+        <a:font script="Java" typeface="Javanese Text"/>
+        <a:font script="Lisu" typeface="Segoe UI"/>
+        <a:font script="Mymr" typeface="Myanmar Text"/>
+        <a:font script="Nkoo" typeface="Ebrima"/>
+        <a:font script="Olck" typeface="Nirmala UI"/>
+        <a:font script="Osma" typeface="Ebrima"/>
+        <a:font script="Phag" typeface="Phagspa"/>
+        <a:font script="Syrn" typeface="Estrangelo Edessa"/>
+        <a:font script="Syrj" typeface="Estrangelo Edessa"/>
+        <a:font script="Syre" typeface="Estrangelo Edessa"/>
+        <a:font script="Sora" typeface="Nirmala UI"/>
+        <a:font script="Tale" typeface="Microsoft Tai Le"/>
+        <a:font script="Talu" typeface="Microsoft New Tai Lue"/>
+        <a:font script="Tfng" typeface="Ebrima"/>
+      </a:minorFont>
+    </a:fontScheme>
+    <a:fmtScheme name="Office">
+      <a:fillStyleLst>
+        <a:solidFill>
+          <a:schemeClr val="phClr"/>
+        </a:solidFill>
+        <a:gradFill rotWithShape="1">
+          <a:gsLst>
+            <a:gs pos="0">
+              <a:schemeClr val="phClr">
+                <a:lumMod val="110000"/>
+                <a:satMod val="105000"/>
+                <a:tint val="67000"/>
+              </a:schemeClr>
+            </a:gs>
+            <a:gs pos="50000">
+              <a:schemeClr val="phClr">
+                <a:lumMod val="105000"/>
+                <a:satMod val="103000"/>
+                <a:tint val="73000"/>
+              </a:schemeClr>
+            </a:gs>
+            <a:gs pos="100000">
+              <a:schemeClr val="phClr">
+                <a:lumMod val="105000"/>
+                <a:satMod val="109000"/>
+                <a:tint val="81000"/>
+              </a:schemeClr>
+            </a:gs>
+          </a:gsLst>
+          <a:lin ang="5400000" scaled="0"/>
+        </a:gradFill>
+        <a:gradFill rotWithShape="1">
+          <a:gsLst>
+            <a:gs pos="0">
+              <a:schemeClr val="phClr">
+                <a:satMod val="103000"/>
+                <a:lumMod val="102000"/>
+                <a:tint val="94000"/>
+              </a:schemeClr>
+            </a:gs>
+            <a:gs pos="50000">
+              <a:schemeClr val="phClr">
+                <a:satMod val="110000"/>
+                <a:lumMod val="100000"/>
+                <a:shade val="100000"/>
+              </a:schemeClr>
+            </a:gs>
+            <a:gs pos="100000">
+              <a:schemeClr val="phClr">
+                <a:lumMod val="99000"/>
+                <a:satMod val="120000"/>
+                <a:shade val="78000"/>
+              </a:schemeClr>
+            </a:gs>
+          </a:gsLst>
+          <a:lin ang="5400000" scaled="0"/>
+        </a:gradFill>
+      </a:fillStyleLst>
+      <a:lnStyleLst>
+        <a:ln w="6350" cap="flat" cmpd="sng" algn="ctr">
+          <a:solidFill>
+            <a:schemeClr val="phClr"/>
+          </a:solidFill>
+          <a:prstDash val="solid"/>
+          <a:miter lim="800000"/>
+        </a:ln>
+        <a:ln w="12700" cap="flat" cmpd="sng" algn="ctr">
+          <a:solidFill>
+            <a:schemeClr val="phClr"/>
+          </a:solidFill>
+          <a:prstDash val="solid"/>
+          <a:miter lim="800000"/>
+        </a:ln>
+        <a:ln w="19050" cap="flat" cmpd="sng" algn="ctr">
+          <a:solidFill>
+            <a:schemeClr val="phClr"/>
+          </a:solidFill>
+          <a:prstDash val="solid"/>
+          <a:miter lim="800000"/>
+        </a:ln>
+      </a:lnStyleLst>
+      <a:effectStyleLst>
+        <a:effectStyle>
+          <a:effectLst/>
+        </a:effectStyle>
+        <a:effectStyle>
+          <a:effectLst/>
+        </a:effectStyle>
+        <a:effectStyle>
+          <a:effectLst>
+            <a:outerShdw blurRad="57150" dist="19050" dir="5400000" algn="ctr" rotWithShape="0">
+              <a:srgbClr val="000000">
+                <a:alpha val="63000"/>
+              </a:srgbClr>
+            </a:outerShdw>
+          </a:effectLst>
+        </a:effectStyle>
+      </a:effectStyleLst>
+      <a:bgFillStyleLst>
+        <a:solidFill>
+          <a:schemeClr val="phClr"/>
+        </a:solidFill>
+        <a:solidFill>
+          <a:schemeClr val="phClr">
+            <a:tint val="95000"/>
+            <a:satMod val="170000"/>
+          </a:schemeClr>
+        </a:solidFill>
+        <a:gradFill rotWithShape="1">
+          <a:gsLst>
+            <a:gs pos="0">
+              <a:schemeClr val="phClr">
+                <a:tint val="93000"/>
+                <a:satMod val="150000"/>
+                <a:shade val="98000"/>
+                <a:lumMod val="102000"/>
+              </a:schemeClr>
+            </a:gs>
+            <a:gs pos="50000">
+              <a:schemeClr val="phClr">
+                <a:tint val="98000"/>
+                <a:satMod val="130000"/>
+                <a:shade val="90000"/>
+                <a:lumMod val="103000"/>
+              </a:schemeClr>
+            </a:gs>
+            <a:gs pos="100000">
+              <a:schemeClr val="phClr">
+                <a:shade val="63000"/>
+                <a:satMod val="120000"/>
+              </a:schemeClr>
+            </a:gs>
+          </a:gsLst>
+          <a:lin ang="5400000" scaled="0"/>
+        </a:gradFill>
+      </a:bgFillStyleLst>
+    </a:fmtScheme>
+  </a:themeElements>
+  <a:objectDefaults/>
+  <a:extraClrSchemeLst/>
+  <a:extLst>
+    <a:ext uri="{05A4C25C-085E-4340-85A3-A5531E510DB2}">
+      <thm15:themeFamily xmlns:thm15="http://schemas.microsoft.com/office/thememl/2012/main" name="Office Theme" id="{62F939B6-93AF-4DB8-9C6B-D6C7DFDC589F}" vid="{4A3C46E8-61CC-4603-A589-7422A47A8E4A}"/>
+    </a:ext>
+  </a:extLst>
+</a:theme>
 </file>